--- a/data-raw/logos.pptx
+++ b/data-raw/logos.pptx
@@ -248,7 +248,7 @@
           <a:p>
             <a:fld id="{09605B3F-6133-425E-A10B-41F9F06FCAC6}" type="datetimeFigureOut">
               <a:rPr lang="nb-NO" smtClean="0"/>
-              <a:t>11.05.2022</a:t>
+              <a:t>13.05.2022</a:t>
             </a:fld>
             <a:endParaRPr lang="nb-NO"/>
           </a:p>
@@ -418,7 +418,7 @@
           <a:p>
             <a:fld id="{09605B3F-6133-425E-A10B-41F9F06FCAC6}" type="datetimeFigureOut">
               <a:rPr lang="nb-NO" smtClean="0"/>
-              <a:t>11.05.2022</a:t>
+              <a:t>13.05.2022</a:t>
             </a:fld>
             <a:endParaRPr lang="nb-NO"/>
           </a:p>
@@ -598,7 +598,7 @@
           <a:p>
             <a:fld id="{09605B3F-6133-425E-A10B-41F9F06FCAC6}" type="datetimeFigureOut">
               <a:rPr lang="nb-NO" smtClean="0"/>
-              <a:t>11.05.2022</a:t>
+              <a:t>13.05.2022</a:t>
             </a:fld>
             <a:endParaRPr lang="nb-NO"/>
           </a:p>
@@ -768,7 +768,7 @@
           <a:p>
             <a:fld id="{09605B3F-6133-425E-A10B-41F9F06FCAC6}" type="datetimeFigureOut">
               <a:rPr lang="nb-NO" smtClean="0"/>
-              <a:t>11.05.2022</a:t>
+              <a:t>13.05.2022</a:t>
             </a:fld>
             <a:endParaRPr lang="nb-NO"/>
           </a:p>
@@ -1014,7 +1014,7 @@
           <a:p>
             <a:fld id="{09605B3F-6133-425E-A10B-41F9F06FCAC6}" type="datetimeFigureOut">
               <a:rPr lang="nb-NO" smtClean="0"/>
-              <a:t>11.05.2022</a:t>
+              <a:t>13.05.2022</a:t>
             </a:fld>
             <a:endParaRPr lang="nb-NO"/>
           </a:p>
@@ -1246,7 +1246,7 @@
           <a:p>
             <a:fld id="{09605B3F-6133-425E-A10B-41F9F06FCAC6}" type="datetimeFigureOut">
               <a:rPr lang="nb-NO" smtClean="0"/>
-              <a:t>11.05.2022</a:t>
+              <a:t>13.05.2022</a:t>
             </a:fld>
             <a:endParaRPr lang="nb-NO"/>
           </a:p>
@@ -1613,7 +1613,7 @@
           <a:p>
             <a:fld id="{09605B3F-6133-425E-A10B-41F9F06FCAC6}" type="datetimeFigureOut">
               <a:rPr lang="nb-NO" smtClean="0"/>
-              <a:t>11.05.2022</a:t>
+              <a:t>13.05.2022</a:t>
             </a:fld>
             <a:endParaRPr lang="nb-NO"/>
           </a:p>
@@ -1731,7 +1731,7 @@
           <a:p>
             <a:fld id="{09605B3F-6133-425E-A10B-41F9F06FCAC6}" type="datetimeFigureOut">
               <a:rPr lang="nb-NO" smtClean="0"/>
-              <a:t>11.05.2022</a:t>
+              <a:t>13.05.2022</a:t>
             </a:fld>
             <a:endParaRPr lang="nb-NO"/>
           </a:p>
@@ -1826,7 +1826,7 @@
           <a:p>
             <a:fld id="{09605B3F-6133-425E-A10B-41F9F06FCAC6}" type="datetimeFigureOut">
               <a:rPr lang="nb-NO" smtClean="0"/>
-              <a:t>11.05.2022</a:t>
+              <a:t>13.05.2022</a:t>
             </a:fld>
             <a:endParaRPr lang="nb-NO"/>
           </a:p>
@@ -2103,7 +2103,7 @@
           <a:p>
             <a:fld id="{09605B3F-6133-425E-A10B-41F9F06FCAC6}" type="datetimeFigureOut">
               <a:rPr lang="nb-NO" smtClean="0"/>
-              <a:t>11.05.2022</a:t>
+              <a:t>13.05.2022</a:t>
             </a:fld>
             <a:endParaRPr lang="nb-NO"/>
           </a:p>
@@ -2356,7 +2356,7 @@
           <a:p>
             <a:fld id="{09605B3F-6133-425E-A10B-41F9F06FCAC6}" type="datetimeFigureOut">
               <a:rPr lang="nb-NO" smtClean="0"/>
-              <a:t>11.05.2022</a:t>
+              <a:t>13.05.2022</a:t>
             </a:fld>
             <a:endParaRPr lang="nb-NO"/>
           </a:p>
@@ -2569,7 +2569,7 @@
           <a:p>
             <a:fld id="{09605B3F-6133-425E-A10B-41F9F06FCAC6}" type="datetimeFigureOut">
               <a:rPr lang="nb-NO" smtClean="0"/>
-              <a:t>11.05.2022</a:t>
+              <a:t>13.05.2022</a:t>
             </a:fld>
             <a:endParaRPr lang="nb-NO"/>
           </a:p>
@@ -13570,7 +13570,7 @@
       </p:sp>
       <p:sp>
         <p:nvSpPr>
-          <p:cNvPr id="31" name="Bue 30"/>
+          <p:cNvPr id="55" name="Bue 54"/>
           <p:cNvSpPr/>
           <p:nvPr/>
         </p:nvSpPr>
@@ -13608,7 +13608,7 @@
       </p:sp>
       <p:sp>
         <p:nvSpPr>
-          <p:cNvPr id="54" name="Bue 53"/>
+          <p:cNvPr id="56" name="Bue 55"/>
           <p:cNvSpPr/>
           <p:nvPr/>
         </p:nvSpPr>
@@ -13644,6 +13644,262 @@
           </a:p>
         </p:txBody>
       </p:sp>
+      <p:sp>
+        <p:nvSpPr>
+          <p:cNvPr id="71" name="Frihåndsform 70"/>
+          <p:cNvSpPr/>
+          <p:nvPr/>
+        </p:nvSpPr>
+        <p:spPr>
+          <a:xfrm rot="1502173">
+            <a:off x="8726205" y="3923147"/>
+            <a:ext cx="1065617" cy="1234565"/>
+          </a:xfrm>
+          <a:custGeom>
+            <a:avLst/>
+            <a:gdLst>
+              <a:gd name="connsiteX0" fmla="*/ 50084 w 1065617"/>
+              <a:gd name="connsiteY0" fmla="*/ 0 h 1234565"/>
+              <a:gd name="connsiteX1" fmla="*/ 1065617 w 1065617"/>
+              <a:gd name="connsiteY1" fmla="*/ 849948 h 1234565"/>
+              <a:gd name="connsiteX2" fmla="*/ 743714 w 1065617"/>
+              <a:gd name="connsiteY2" fmla="*/ 1234565 h 1234565"/>
+              <a:gd name="connsiteX3" fmla="*/ 50084 w 1065617"/>
+              <a:gd name="connsiteY3" fmla="*/ 0 h 1234565"/>
+            </a:gdLst>
+            <a:ahLst/>
+            <a:cxnLst>
+              <a:cxn ang="0">
+                <a:pos x="connsiteX0" y="connsiteY0"/>
+              </a:cxn>
+              <a:cxn ang="0">
+                <a:pos x="connsiteX1" y="connsiteY1"/>
+              </a:cxn>
+              <a:cxn ang="0">
+                <a:pos x="connsiteX2" y="connsiteY2"/>
+              </a:cxn>
+              <a:cxn ang="0">
+                <a:pos x="connsiteX3" y="connsiteY3"/>
+              </a:cxn>
+            </a:cxnLst>
+            <a:rect l="l" t="t" r="r" b="b"/>
+            <a:pathLst>
+              <a:path w="1065617" h="1234565">
+                <a:moveTo>
+                  <a:pt x="50084" y="0"/>
+                </a:moveTo>
+                <a:lnTo>
+                  <a:pt x="1065617" y="849948"/>
+                </a:lnTo>
+                <a:lnTo>
+                  <a:pt x="743714" y="1234565"/>
+                </a:lnTo>
+                <a:cubicBezTo>
+                  <a:pt x="182850" y="765152"/>
+                  <a:pt x="-127699" y="212417"/>
+                  <a:pt x="50084" y="0"/>
+                </a:cubicBezTo>
+                <a:close/>
+              </a:path>
+            </a:pathLst>
+          </a:custGeom>
+          <a:solidFill>
+            <a:srgbClr val="133E4D"/>
+          </a:solidFill>
+          <a:ln>
+            <a:solidFill>
+              <a:srgbClr val="133E4D"/>
+            </a:solidFill>
+          </a:ln>
+        </p:spPr>
+        <p:style>
+          <a:lnRef idx="1">
+            <a:schemeClr val="accent1"/>
+          </a:lnRef>
+          <a:fillRef idx="0">
+            <a:schemeClr val="accent1"/>
+          </a:fillRef>
+          <a:effectRef idx="0">
+            <a:schemeClr val="accent1"/>
+          </a:effectRef>
+          <a:fontRef idx="minor">
+            <a:schemeClr val="tx1"/>
+          </a:fontRef>
+        </p:style>
+        <p:txBody>
+          <a:bodyPr wrap="square" rtlCol="0" anchor="ctr">
+            <a:noAutofit/>
+          </a:bodyPr>
+          <a:lstStyle/>
+          <a:p>
+            <a:pPr algn="ctr"/>
+            <a:endParaRPr lang="nb-NO"/>
+          </a:p>
+        </p:txBody>
+      </p:sp>
+      <p:sp>
+        <p:nvSpPr>
+          <p:cNvPr id="70" name="Frihåndsform 69"/>
+          <p:cNvSpPr/>
+          <p:nvPr/>
+        </p:nvSpPr>
+        <p:spPr>
+          <a:xfrm rot="1502173">
+            <a:off x="7783624" y="3820774"/>
+            <a:ext cx="501551" cy="1324281"/>
+          </a:xfrm>
+          <a:custGeom>
+            <a:avLst/>
+            <a:gdLst>
+              <a:gd name="connsiteX0" fmla="*/ 0 w 501551"/>
+              <a:gd name="connsiteY0" fmla="*/ 0 h 1324281"/>
+              <a:gd name="connsiteX1" fmla="*/ 501551 w 501551"/>
+              <a:gd name="connsiteY1" fmla="*/ 1324281 h 1324281"/>
+              <a:gd name="connsiteX2" fmla="*/ 0 w 501551"/>
+              <a:gd name="connsiteY2" fmla="*/ 1324281 h 1324281"/>
+              <a:gd name="connsiteX3" fmla="*/ 0 w 501551"/>
+              <a:gd name="connsiteY3" fmla="*/ 0 h 1324281"/>
+            </a:gdLst>
+            <a:ahLst/>
+            <a:cxnLst>
+              <a:cxn ang="0">
+                <a:pos x="connsiteX0" y="connsiteY0"/>
+              </a:cxn>
+              <a:cxn ang="0">
+                <a:pos x="connsiteX1" y="connsiteY1"/>
+              </a:cxn>
+              <a:cxn ang="0">
+                <a:pos x="connsiteX2" y="connsiteY2"/>
+              </a:cxn>
+              <a:cxn ang="0">
+                <a:pos x="connsiteX3" y="connsiteY3"/>
+              </a:cxn>
+            </a:cxnLst>
+            <a:rect l="l" t="t" r="r" b="b"/>
+            <a:pathLst>
+              <a:path w="501551" h="1324281">
+                <a:moveTo>
+                  <a:pt x="0" y="0"/>
+                </a:moveTo>
+                <a:cubicBezTo>
+                  <a:pt x="276998" y="0"/>
+                  <a:pt x="501550" y="592901"/>
+                  <a:pt x="501551" y="1324281"/>
+                </a:cubicBezTo>
+                <a:lnTo>
+                  <a:pt x="0" y="1324281"/>
+                </a:lnTo>
+                <a:lnTo>
+                  <a:pt x="0" y="0"/>
+                </a:lnTo>
+                <a:close/>
+              </a:path>
+            </a:pathLst>
+          </a:custGeom>
+          <a:solidFill>
+            <a:srgbClr val="133E4D"/>
+          </a:solidFill>
+          <a:ln>
+            <a:solidFill>
+              <a:srgbClr val="133E4D"/>
+            </a:solidFill>
+          </a:ln>
+        </p:spPr>
+        <p:style>
+          <a:lnRef idx="1">
+            <a:schemeClr val="accent1"/>
+          </a:lnRef>
+          <a:fillRef idx="0">
+            <a:schemeClr val="accent1"/>
+          </a:fillRef>
+          <a:effectRef idx="0">
+            <a:schemeClr val="accent1"/>
+          </a:effectRef>
+          <a:fontRef idx="minor">
+            <a:schemeClr val="tx1"/>
+          </a:fontRef>
+        </p:style>
+        <p:txBody>
+          <a:bodyPr wrap="square" rtlCol="0" anchor="ctr">
+            <a:noAutofit/>
+          </a:bodyPr>
+          <a:lstStyle/>
+          <a:p>
+            <a:pPr algn="ctr"/>
+            <a:endParaRPr lang="nb-NO"/>
+          </a:p>
+        </p:txBody>
+      </p:sp>
+      <p:cxnSp>
+        <p:nvCxnSpPr>
+          <p:cNvPr id="46" name="Rett linje 45"/>
+          <p:cNvCxnSpPr/>
+          <p:nvPr/>
+        </p:nvCxnSpPr>
+        <p:spPr>
+          <a:xfrm flipV="1">
+            <a:off x="8087398" y="3776862"/>
+            <a:ext cx="995476" cy="1"/>
+          </a:xfrm>
+          <a:prstGeom prst="line">
+            <a:avLst/>
+          </a:prstGeom>
+          <a:ln>
+            <a:solidFill>
+              <a:srgbClr val="979EA6"/>
+            </a:solidFill>
+          </a:ln>
+        </p:spPr>
+        <p:style>
+          <a:lnRef idx="1">
+            <a:schemeClr val="accent1"/>
+          </a:lnRef>
+          <a:fillRef idx="0">
+            <a:schemeClr val="accent1"/>
+          </a:fillRef>
+          <a:effectRef idx="0">
+            <a:schemeClr val="accent1"/>
+          </a:effectRef>
+          <a:fontRef idx="minor">
+            <a:schemeClr val="tx1"/>
+          </a:fontRef>
+        </p:style>
+      </p:cxnSp>
+      <p:cxnSp>
+        <p:nvCxnSpPr>
+          <p:cNvPr id="58" name="Rett linje 57"/>
+          <p:cNvCxnSpPr/>
+          <p:nvPr/>
+        </p:nvCxnSpPr>
+        <p:spPr>
+          <a:xfrm flipV="1">
+            <a:off x="7981398" y="5188965"/>
+            <a:ext cx="1207476" cy="1"/>
+          </a:xfrm>
+          <a:prstGeom prst="line">
+            <a:avLst/>
+          </a:prstGeom>
+          <a:ln>
+            <a:solidFill>
+              <a:srgbClr val="979EA6"/>
+            </a:solidFill>
+          </a:ln>
+        </p:spPr>
+        <p:style>
+          <a:lnRef idx="1">
+            <a:schemeClr val="accent1"/>
+          </a:lnRef>
+          <a:fillRef idx="0">
+            <a:schemeClr val="accent1"/>
+          </a:fillRef>
+          <a:effectRef idx="0">
+            <a:schemeClr val="accent1"/>
+          </a:effectRef>
+          <a:fontRef idx="minor">
+            <a:schemeClr val="tx1"/>
+          </a:fontRef>
+        </p:style>
+      </p:cxnSp>
     </p:spTree>
     <p:extLst>
       <p:ext uri="{BB962C8B-B14F-4D97-AF65-F5344CB8AC3E}">
@@ -16025,6 +16281,21 @@
 </file>
 
 <file path=customXml/item1.xml><?xml version="1.0" encoding="utf-8"?>
+<p:properties xmlns:p="http://schemas.microsoft.com/office/2006/metadata/properties" xmlns:xsi="http://www.w3.org/2001/XMLSchema-instance" xmlns:pc="http://schemas.microsoft.com/office/infopath/2007/PartnerControls">
+  <documentManagement/>
+</p:properties>
+</file>
+
+<file path=customXml/item2.xml><?xml version="1.0" encoding="utf-8"?>
+<?mso-contentType ?>
+<FormTemplates xmlns="http://schemas.microsoft.com/sharepoint/v3/contenttype/forms">
+  <Display>DocumentLibraryForm</Display>
+  <Edit>DocumentLibraryForm</Edit>
+  <New>DocumentLibraryForm</New>
+</FormTemplates>
+</file>
+
+<file path=customXml/item3.xml><?xml version="1.0" encoding="utf-8"?>
 <ct:contentTypeSchema xmlns:ct="http://schemas.microsoft.com/office/2006/metadata/contentType" xmlns:ma="http://schemas.microsoft.com/office/2006/metadata/properties/metaAttributes" ct:_="" ma:_="" ma:contentTypeName="Dokument" ma:contentTypeID="0x0101004E8DCD7061C9614189F6D0F57B1C8645" ma:contentTypeVersion="9" ma:contentTypeDescription="Opprett et nytt dokument." ma:contentTypeScope="" ma:versionID="d59b8845ebd1283ad3bf6a548e8d2471">
   <xsd:schema xmlns:xsd="http://www.w3.org/2001/XMLSchema" xmlns:xs="http://www.w3.org/2001/XMLSchema" xmlns:p="http://schemas.microsoft.com/office/2006/metadata/properties" xmlns:ns3="077b9b9c-7f67-45a8-98b7-b654137cbace" targetNamespace="http://schemas.microsoft.com/office/2006/metadata/properties" ma:root="true" ma:fieldsID="972a228023c3d388b754ae5803fd6dc7" ns3:_="">
     <xsd:import namespace="077b9b9c-7f67-45a8-98b7-b654137cbace"/>
@@ -16202,22 +16473,31 @@
 </ct:contentTypeSchema>
 </file>
 
-<file path=customXml/item2.xml><?xml version="1.0" encoding="utf-8"?>
-<?mso-contentType ?>
-<FormTemplates xmlns="http://schemas.microsoft.com/sharepoint/v3/contenttype/forms">
-  <Display>DocumentLibraryForm</Display>
-  <Edit>DocumentLibraryForm</Edit>
-  <New>DocumentLibraryForm</New>
-</FormTemplates>
+<file path=customXml/itemProps1.xml><?xml version="1.0" encoding="utf-8"?>
+<ds:datastoreItem xmlns:ds="http://schemas.openxmlformats.org/officeDocument/2006/customXml" ds:itemID="{7DEC415D-4AD5-4872-9DD1-7B94914CAE4D}">
+  <ds:schemaRefs>
+    <ds:schemaRef ds:uri="http://purl.org/dc/elements/1.1/"/>
+    <ds:schemaRef ds:uri="http://schemas.microsoft.com/office/2006/metadata/properties"/>
+    <ds:schemaRef ds:uri="http://schemas.microsoft.com/office/2006/documentManagement/types"/>
+    <ds:schemaRef ds:uri="http://schemas.openxmlformats.org/package/2006/metadata/core-properties"/>
+    <ds:schemaRef ds:uri="077b9b9c-7f67-45a8-98b7-b654137cbace"/>
+    <ds:schemaRef ds:uri="http://purl.org/dc/dcmitype/"/>
+    <ds:schemaRef ds:uri="http://schemas.microsoft.com/office/infopath/2007/PartnerControls"/>
+    <ds:schemaRef ds:uri="http://www.w3.org/XML/1998/namespace"/>
+    <ds:schemaRef ds:uri="http://purl.org/dc/terms/"/>
+  </ds:schemaRefs>
+</ds:datastoreItem>
 </file>
 
-<file path=customXml/item3.xml><?xml version="1.0" encoding="utf-8"?>
-<p:properties xmlns:p="http://schemas.microsoft.com/office/2006/metadata/properties" xmlns:xsi="http://www.w3.org/2001/XMLSchema-instance" xmlns:pc="http://schemas.microsoft.com/office/infopath/2007/PartnerControls">
-  <documentManagement/>
-</p:properties>
+<file path=customXml/itemProps2.xml><?xml version="1.0" encoding="utf-8"?>
+<ds:datastoreItem xmlns:ds="http://schemas.openxmlformats.org/officeDocument/2006/customXml" ds:itemID="{4BE7E9B0-0351-4956-BF80-844462B099ED}">
+  <ds:schemaRefs>
+    <ds:schemaRef ds:uri="http://schemas.microsoft.com/sharepoint/v3/contenttype/forms"/>
+  </ds:schemaRefs>
+</ds:datastoreItem>
 </file>
 
-<file path=customXml/itemProps1.xml><?xml version="1.0" encoding="utf-8"?>
+<file path=customXml/itemProps3.xml><?xml version="1.0" encoding="utf-8"?>
 <ds:datastoreItem xmlns:ds="http://schemas.openxmlformats.org/officeDocument/2006/customXml" ds:itemID="{A3A0C07D-31B7-4057-9C9C-1ED42245A98F}">
   <ds:schemaRefs>
     <ds:schemaRef ds:uri="http://schemas.microsoft.com/office/2006/metadata/contentType"/>
@@ -16233,28 +16513,4 @@
     <ds:schemaRef ds:uri="http://schemas.microsoft.com/internal/obd"/>
   </ds:schemaRefs>
 </ds:datastoreItem>
-</file>
-
-<file path=customXml/itemProps2.xml><?xml version="1.0" encoding="utf-8"?>
-<ds:datastoreItem xmlns:ds="http://schemas.openxmlformats.org/officeDocument/2006/customXml" ds:itemID="{4BE7E9B0-0351-4956-BF80-844462B099ED}">
-  <ds:schemaRefs>
-    <ds:schemaRef ds:uri="http://schemas.microsoft.com/sharepoint/v3/contenttype/forms"/>
-  </ds:schemaRefs>
-</ds:datastoreItem>
-</file>
-
-<file path=customXml/itemProps3.xml><?xml version="1.0" encoding="utf-8"?>
-<ds:datastoreItem xmlns:ds="http://schemas.openxmlformats.org/officeDocument/2006/customXml" ds:itemID="{7DEC415D-4AD5-4872-9DD1-7B94914CAE4D}">
-  <ds:schemaRefs>
-    <ds:schemaRef ds:uri="http://purl.org/dc/elements/1.1/"/>
-    <ds:schemaRef ds:uri="http://schemas.microsoft.com/office/2006/metadata/properties"/>
-    <ds:schemaRef ds:uri="http://schemas.microsoft.com/office/2006/documentManagement/types"/>
-    <ds:schemaRef ds:uri="http://schemas.openxmlformats.org/package/2006/metadata/core-properties"/>
-    <ds:schemaRef ds:uri="077b9b9c-7f67-45a8-98b7-b654137cbace"/>
-    <ds:schemaRef ds:uri="http://purl.org/dc/dcmitype/"/>
-    <ds:schemaRef ds:uri="http://schemas.microsoft.com/office/infopath/2007/PartnerControls"/>
-    <ds:schemaRef ds:uri="http://www.w3.org/XML/1998/namespace"/>
-    <ds:schemaRef ds:uri="http://purl.org/dc/terms/"/>
-  </ds:schemaRefs>
-</ds:datastoreItem>
 </file>
--- a/data-raw/logos.pptx
+++ b/data-raw/logos.pptx
@@ -111,7 +111,18 @@
   </p:defaultTextStyle>
   <p:extLst>
     <p:ext uri="{EFAFB233-063F-42B5-8137-9DF3F51BA10A}">
-      <p15:sldGuideLst xmlns:p15="http://schemas.microsoft.com/office/powerpoint/2012/main"/>
+      <p15:sldGuideLst xmlns:p15="http://schemas.microsoft.com/office/powerpoint/2012/main">
+        <p15:guide id="1" orient="horz" pos="2160" userDrawn="1">
+          <p15:clr>
+            <a:srgbClr val="A4A3A4"/>
+          </p15:clr>
+        </p15:guide>
+        <p15:guide id="2" pos="3840" userDrawn="1">
+          <p15:clr>
+            <a:srgbClr val="A4A3A4"/>
+          </p15:clr>
+        </p15:guide>
+      </p15:sldGuideLst>
     </p:ext>
   </p:extLst>
 </p:presentation>
@@ -248,7 +259,7 @@
           <a:p>
             <a:fld id="{09605B3F-6133-425E-A10B-41F9F06FCAC6}" type="datetimeFigureOut">
               <a:rPr lang="nb-NO" smtClean="0"/>
-              <a:t>13.05.2022</a:t>
+              <a:t>18.05.2022</a:t>
             </a:fld>
             <a:endParaRPr lang="nb-NO"/>
           </a:p>
@@ -418,7 +429,7 @@
           <a:p>
             <a:fld id="{09605B3F-6133-425E-A10B-41F9F06FCAC6}" type="datetimeFigureOut">
               <a:rPr lang="nb-NO" smtClean="0"/>
-              <a:t>13.05.2022</a:t>
+              <a:t>18.05.2022</a:t>
             </a:fld>
             <a:endParaRPr lang="nb-NO"/>
           </a:p>
@@ -598,7 +609,7 @@
           <a:p>
             <a:fld id="{09605B3F-6133-425E-A10B-41F9F06FCAC6}" type="datetimeFigureOut">
               <a:rPr lang="nb-NO" smtClean="0"/>
-              <a:t>13.05.2022</a:t>
+              <a:t>18.05.2022</a:t>
             </a:fld>
             <a:endParaRPr lang="nb-NO"/>
           </a:p>
@@ -768,7 +779,7 @@
           <a:p>
             <a:fld id="{09605B3F-6133-425E-A10B-41F9F06FCAC6}" type="datetimeFigureOut">
               <a:rPr lang="nb-NO" smtClean="0"/>
-              <a:t>13.05.2022</a:t>
+              <a:t>18.05.2022</a:t>
             </a:fld>
             <a:endParaRPr lang="nb-NO"/>
           </a:p>
@@ -1014,7 +1025,7 @@
           <a:p>
             <a:fld id="{09605B3F-6133-425E-A10B-41F9F06FCAC6}" type="datetimeFigureOut">
               <a:rPr lang="nb-NO" smtClean="0"/>
-              <a:t>13.05.2022</a:t>
+              <a:t>18.05.2022</a:t>
             </a:fld>
             <a:endParaRPr lang="nb-NO"/>
           </a:p>
@@ -1246,7 +1257,7 @@
           <a:p>
             <a:fld id="{09605B3F-6133-425E-A10B-41F9F06FCAC6}" type="datetimeFigureOut">
               <a:rPr lang="nb-NO" smtClean="0"/>
-              <a:t>13.05.2022</a:t>
+              <a:t>18.05.2022</a:t>
             </a:fld>
             <a:endParaRPr lang="nb-NO"/>
           </a:p>
@@ -1613,7 +1624,7 @@
           <a:p>
             <a:fld id="{09605B3F-6133-425E-A10B-41F9F06FCAC6}" type="datetimeFigureOut">
               <a:rPr lang="nb-NO" smtClean="0"/>
-              <a:t>13.05.2022</a:t>
+              <a:t>18.05.2022</a:t>
             </a:fld>
             <a:endParaRPr lang="nb-NO"/>
           </a:p>
@@ -1731,7 +1742,7 @@
           <a:p>
             <a:fld id="{09605B3F-6133-425E-A10B-41F9F06FCAC6}" type="datetimeFigureOut">
               <a:rPr lang="nb-NO" smtClean="0"/>
-              <a:t>13.05.2022</a:t>
+              <a:t>18.05.2022</a:t>
             </a:fld>
             <a:endParaRPr lang="nb-NO"/>
           </a:p>
@@ -1826,7 +1837,7 @@
           <a:p>
             <a:fld id="{09605B3F-6133-425E-A10B-41F9F06FCAC6}" type="datetimeFigureOut">
               <a:rPr lang="nb-NO" smtClean="0"/>
-              <a:t>13.05.2022</a:t>
+              <a:t>18.05.2022</a:t>
             </a:fld>
             <a:endParaRPr lang="nb-NO"/>
           </a:p>
@@ -2103,7 +2114,7 @@
           <a:p>
             <a:fld id="{09605B3F-6133-425E-A10B-41F9F06FCAC6}" type="datetimeFigureOut">
               <a:rPr lang="nb-NO" smtClean="0"/>
-              <a:t>13.05.2022</a:t>
+              <a:t>18.05.2022</a:t>
             </a:fld>
             <a:endParaRPr lang="nb-NO"/>
           </a:p>
@@ -2356,7 +2367,7 @@
           <a:p>
             <a:fld id="{09605B3F-6133-425E-A10B-41F9F06FCAC6}" type="datetimeFigureOut">
               <a:rPr lang="nb-NO" smtClean="0"/>
-              <a:t>13.05.2022</a:t>
+              <a:t>18.05.2022</a:t>
             </a:fld>
             <a:endParaRPr lang="nb-NO"/>
           </a:p>
@@ -2569,7 +2580,7 @@
           <a:p>
             <a:fld id="{09605B3F-6133-425E-A10B-41F9F06FCAC6}" type="datetimeFigureOut">
               <a:rPr lang="nb-NO" smtClean="0"/>
-              <a:t>13.05.2022</a:t>
+              <a:t>18.05.2022</a:t>
             </a:fld>
             <a:endParaRPr lang="nb-NO"/>
           </a:p>
@@ -8477,6 +8488,13 @@
   <p:clrMapOvr>
     <a:masterClrMapping/>
   </p:clrMapOvr>
+  <p:timing>
+    <p:tnLst>
+      <p:par>
+        <p:cTn id="1" dur="indefinite" restart="never" nodeType="tmRoot"/>
+      </p:par>
+    </p:tnLst>
+  </p:timing>
 </p:sld>
 </file>
 
@@ -11785,6 +11803,13 @@
   <p:clrMapOvr>
     <a:masterClrMapping/>
   </p:clrMapOvr>
+  <p:timing>
+    <p:tnLst>
+      <p:par>
+        <p:cTn id="1" dur="indefinite" restart="never" nodeType="tmRoot"/>
+      </p:par>
+    </p:tnLst>
+  </p:timing>
 </p:sld>
 </file>
 
@@ -11807,13 +11832,13 @@
       </p:grpSpPr>
       <p:grpSp>
         <p:nvGrpSpPr>
-          <p:cNvPr id="53" name="Gruppe 52"/>
+          <p:cNvPr id="92" name="Gruppe 91"/>
           <p:cNvGrpSpPr/>
           <p:nvPr/>
         </p:nvGrpSpPr>
         <p:grpSpPr>
           <a:xfrm>
-            <a:off x="4117500" y="2122800"/>
+            <a:off x="4735200" y="2244483"/>
             <a:ext cx="2721600" cy="2369033"/>
             <a:chOff x="4117500" y="2122800"/>
             <a:chExt cx="2721600" cy="2369033"/>
@@ -11881,1527 +11906,6 @@
             </a:p>
           </p:txBody>
         </p:sp>
-        <p:grpSp>
-          <p:nvGrpSpPr>
-            <p:cNvPr id="52" name="Gruppe 51"/>
-            <p:cNvGrpSpPr/>
-            <p:nvPr/>
-          </p:nvGrpSpPr>
-          <p:grpSpPr>
-            <a:xfrm>
-              <a:off x="4703028" y="2957472"/>
-              <a:ext cx="630656" cy="791472"/>
-              <a:chOff x="4727412" y="2987952"/>
-              <a:chExt cx="630656" cy="791472"/>
-            </a:xfrm>
-          </p:grpSpPr>
-          <p:sp>
-            <p:nvSpPr>
-              <p:cNvPr id="4" name="Rektangel 3"/>
-              <p:cNvSpPr/>
-              <p:nvPr/>
-            </p:nvSpPr>
-            <p:spPr>
-              <a:xfrm flipH="1">
-                <a:off x="4727413" y="3114082"/>
-                <a:ext cx="630655" cy="551508"/>
-              </a:xfrm>
-              <a:prstGeom prst="rect">
-                <a:avLst/>
-              </a:prstGeom>
-              <a:solidFill>
-                <a:srgbClr val="DE2212"/>
-              </a:solidFill>
-              <a:ln w="28575">
-                <a:solidFill>
-                  <a:srgbClr val="DE2212"/>
-                </a:solidFill>
-              </a:ln>
-            </p:spPr>
-            <p:style>
-              <a:lnRef idx="2">
-                <a:schemeClr val="accent1">
-                  <a:shade val="50000"/>
-                </a:schemeClr>
-              </a:lnRef>
-              <a:fillRef idx="1">
-                <a:schemeClr val="accent1"/>
-              </a:fillRef>
-              <a:effectRef idx="0">
-                <a:schemeClr val="accent1"/>
-              </a:effectRef>
-              <a:fontRef idx="minor">
-                <a:schemeClr val="lt1"/>
-              </a:fontRef>
-            </p:style>
-            <p:txBody>
-              <a:bodyPr rtlCol="0" anchor="ctr"/>
-              <a:lstStyle/>
-              <a:p>
-                <a:pPr algn="ctr"/>
-                <a:endParaRPr lang="nb-NO"/>
-              </a:p>
-            </p:txBody>
-          </p:sp>
-          <p:grpSp>
-            <p:nvGrpSpPr>
-              <p:cNvPr id="5" name="Gruppe 4"/>
-              <p:cNvGrpSpPr/>
-              <p:nvPr/>
-            </p:nvGrpSpPr>
-            <p:grpSpPr>
-              <a:xfrm flipH="1">
-                <a:off x="4727412" y="3347424"/>
-                <a:ext cx="630655" cy="252263"/>
-                <a:chOff x="3845167" y="2086704"/>
-                <a:chExt cx="2473571" cy="937849"/>
-              </a:xfrm>
-              <a:solidFill>
-                <a:srgbClr val="DE2212"/>
-              </a:solidFill>
-            </p:grpSpPr>
-            <p:sp>
-              <p:nvSpPr>
-                <p:cNvPr id="15" name="Bue 14"/>
-                <p:cNvSpPr/>
-                <p:nvPr/>
-              </p:nvSpPr>
-              <p:spPr>
-                <a:xfrm flipV="1">
-                  <a:off x="3845167" y="2086708"/>
-                  <a:ext cx="2473571" cy="937845"/>
-                </a:xfrm>
-                <a:prstGeom prst="arc">
-                  <a:avLst/>
-                </a:prstGeom>
-                <a:grpFill/>
-                <a:ln w="28575">
-                  <a:solidFill>
-                    <a:schemeClr val="bg2"/>
-                  </a:solidFill>
-                </a:ln>
-              </p:spPr>
-              <p:style>
-                <a:lnRef idx="1">
-                  <a:schemeClr val="accent1"/>
-                </a:lnRef>
-                <a:fillRef idx="0">
-                  <a:schemeClr val="accent1"/>
-                </a:fillRef>
-                <a:effectRef idx="0">
-                  <a:schemeClr val="accent1"/>
-                </a:effectRef>
-                <a:fontRef idx="minor">
-                  <a:schemeClr val="tx1"/>
-                </a:fontRef>
-              </p:style>
-              <p:txBody>
-                <a:bodyPr rtlCol="0" anchor="ctr"/>
-                <a:lstStyle/>
-                <a:p>
-                  <a:pPr algn="ctr"/>
-                  <a:endParaRPr lang="nb-NO"/>
-                </a:p>
-              </p:txBody>
-            </p:sp>
-            <p:sp>
-              <p:nvSpPr>
-                <p:cNvPr id="16" name="Bue 15"/>
-                <p:cNvSpPr/>
-                <p:nvPr/>
-              </p:nvSpPr>
-              <p:spPr>
-                <a:xfrm flipH="1" flipV="1">
-                  <a:off x="3845167" y="2086704"/>
-                  <a:ext cx="2473571" cy="937845"/>
-                </a:xfrm>
-                <a:prstGeom prst="arc">
-                  <a:avLst/>
-                </a:prstGeom>
-                <a:grpFill/>
-                <a:ln w="28575">
-                  <a:solidFill>
-                    <a:schemeClr val="bg2"/>
-                  </a:solidFill>
-                </a:ln>
-              </p:spPr>
-              <p:style>
-                <a:lnRef idx="1">
-                  <a:schemeClr val="accent1"/>
-                </a:lnRef>
-                <a:fillRef idx="0">
-                  <a:schemeClr val="accent1"/>
-                </a:fillRef>
-                <a:effectRef idx="0">
-                  <a:schemeClr val="accent1"/>
-                </a:effectRef>
-                <a:fontRef idx="minor">
-                  <a:schemeClr val="tx1"/>
-                </a:fontRef>
-              </p:style>
-              <p:txBody>
-                <a:bodyPr rtlCol="0" anchor="ctr"/>
-                <a:lstStyle/>
-                <a:p>
-                  <a:pPr algn="ctr"/>
-                  <a:endParaRPr lang="nb-NO"/>
-                </a:p>
-              </p:txBody>
-            </p:sp>
-          </p:grpSp>
-          <p:grpSp>
-            <p:nvGrpSpPr>
-              <p:cNvPr id="6" name="Gruppe 5"/>
-              <p:cNvGrpSpPr/>
-              <p:nvPr/>
-            </p:nvGrpSpPr>
-            <p:grpSpPr>
-              <a:xfrm flipH="1">
-                <a:off x="4727413" y="3527161"/>
-                <a:ext cx="630655" cy="252263"/>
-                <a:chOff x="3845167" y="2086704"/>
-                <a:chExt cx="2473571" cy="937849"/>
-              </a:xfrm>
-              <a:solidFill>
-                <a:srgbClr val="DE2212"/>
-              </a:solidFill>
-            </p:grpSpPr>
-            <p:sp>
-              <p:nvSpPr>
-                <p:cNvPr id="13" name="Bue 12"/>
-                <p:cNvSpPr/>
-                <p:nvPr/>
-              </p:nvSpPr>
-              <p:spPr>
-                <a:xfrm flipV="1">
-                  <a:off x="3845167" y="2086708"/>
-                  <a:ext cx="2473571" cy="937845"/>
-                </a:xfrm>
-                <a:prstGeom prst="arc">
-                  <a:avLst/>
-                </a:prstGeom>
-                <a:grpFill/>
-                <a:ln w="28575">
-                  <a:solidFill>
-                    <a:schemeClr val="bg2"/>
-                  </a:solidFill>
-                </a:ln>
-              </p:spPr>
-              <p:style>
-                <a:lnRef idx="1">
-                  <a:schemeClr val="accent1"/>
-                </a:lnRef>
-                <a:fillRef idx="0">
-                  <a:schemeClr val="accent1"/>
-                </a:fillRef>
-                <a:effectRef idx="0">
-                  <a:schemeClr val="accent1"/>
-                </a:effectRef>
-                <a:fontRef idx="minor">
-                  <a:schemeClr val="tx1"/>
-                </a:fontRef>
-              </p:style>
-              <p:txBody>
-                <a:bodyPr rtlCol="0" anchor="ctr"/>
-                <a:lstStyle/>
-                <a:p>
-                  <a:pPr algn="ctr"/>
-                  <a:endParaRPr lang="nb-NO"/>
-                </a:p>
-              </p:txBody>
-            </p:sp>
-            <p:sp>
-              <p:nvSpPr>
-                <p:cNvPr id="14" name="Bue 13"/>
-                <p:cNvSpPr/>
-                <p:nvPr/>
-              </p:nvSpPr>
-              <p:spPr>
-                <a:xfrm flipH="1" flipV="1">
-                  <a:off x="3845167" y="2086704"/>
-                  <a:ext cx="2473571" cy="937845"/>
-                </a:xfrm>
-                <a:prstGeom prst="arc">
-                  <a:avLst/>
-                </a:prstGeom>
-                <a:grpFill/>
-                <a:ln w="28575">
-                  <a:solidFill>
-                    <a:schemeClr val="bg2"/>
-                  </a:solidFill>
-                </a:ln>
-              </p:spPr>
-              <p:style>
-                <a:lnRef idx="1">
-                  <a:schemeClr val="accent1"/>
-                </a:lnRef>
-                <a:fillRef idx="0">
-                  <a:schemeClr val="accent1"/>
-                </a:fillRef>
-                <a:effectRef idx="0">
-                  <a:schemeClr val="accent1"/>
-                </a:effectRef>
-                <a:fontRef idx="minor">
-                  <a:schemeClr val="tx1"/>
-                </a:fontRef>
-              </p:style>
-              <p:txBody>
-                <a:bodyPr rtlCol="0" anchor="ctr"/>
-                <a:lstStyle/>
-                <a:p>
-                  <a:pPr algn="ctr"/>
-                  <a:endParaRPr lang="nb-NO"/>
-                </a:p>
-              </p:txBody>
-            </p:sp>
-          </p:grpSp>
-          <p:sp>
-            <p:nvSpPr>
-              <p:cNvPr id="7" name="Ellipse 6"/>
-              <p:cNvSpPr/>
-              <p:nvPr/>
-            </p:nvSpPr>
-            <p:spPr>
-              <a:xfrm flipH="1">
-                <a:off x="4727412" y="2987952"/>
-                <a:ext cx="630655" cy="252262"/>
-              </a:xfrm>
-              <a:prstGeom prst="ellipse">
-                <a:avLst/>
-              </a:prstGeom>
-              <a:solidFill>
-                <a:srgbClr val="DE2212"/>
-              </a:solidFill>
-              <a:ln w="28575">
-                <a:solidFill>
-                  <a:schemeClr val="bg2"/>
-                </a:solidFill>
-              </a:ln>
-            </p:spPr>
-            <p:style>
-              <a:lnRef idx="2">
-                <a:schemeClr val="accent1">
-                  <a:shade val="50000"/>
-                </a:schemeClr>
-              </a:lnRef>
-              <a:fillRef idx="1">
-                <a:schemeClr val="accent1"/>
-              </a:fillRef>
-              <a:effectRef idx="0">
-                <a:schemeClr val="accent1"/>
-              </a:effectRef>
-              <a:fontRef idx="minor">
-                <a:schemeClr val="lt1"/>
-              </a:fontRef>
-            </p:style>
-            <p:txBody>
-              <a:bodyPr rtlCol="0" anchor="ctr"/>
-              <a:lstStyle/>
-              <a:p>
-                <a:pPr algn="ctr"/>
-                <a:endParaRPr lang="nb-NO"/>
-              </a:p>
-            </p:txBody>
-          </p:sp>
-          <p:cxnSp>
-            <p:nvCxnSpPr>
-              <p:cNvPr id="8" name="Rett linje 7"/>
-              <p:cNvCxnSpPr>
-                <a:stCxn id="7" idx="6"/>
-              </p:cNvCxnSpPr>
-              <p:nvPr/>
-            </p:nvCxnSpPr>
-            <p:spPr>
-              <a:xfrm flipH="1">
-                <a:off x="4727412" y="3114083"/>
-                <a:ext cx="0" cy="539210"/>
-              </a:xfrm>
-              <a:prstGeom prst="line">
-                <a:avLst/>
-              </a:prstGeom>
-              <a:solidFill>
-                <a:srgbClr val="FF0000"/>
-              </a:solidFill>
-              <a:ln w="28575">
-                <a:solidFill>
-                  <a:schemeClr val="bg2"/>
-                </a:solidFill>
-              </a:ln>
-            </p:spPr>
-            <p:style>
-              <a:lnRef idx="1">
-                <a:schemeClr val="accent1"/>
-              </a:lnRef>
-              <a:fillRef idx="0">
-                <a:schemeClr val="accent1"/>
-              </a:fillRef>
-              <a:effectRef idx="0">
-                <a:schemeClr val="accent1"/>
-              </a:effectRef>
-              <a:fontRef idx="minor">
-                <a:schemeClr val="tx1"/>
-              </a:fontRef>
-            </p:style>
-          </p:cxnSp>
-          <p:cxnSp>
-            <p:nvCxnSpPr>
-              <p:cNvPr id="9" name="Rett linje 8"/>
-              <p:cNvCxnSpPr/>
-              <p:nvPr/>
-            </p:nvCxnSpPr>
-            <p:spPr>
-              <a:xfrm flipH="1">
-                <a:off x="5358067" y="3114083"/>
-                <a:ext cx="0" cy="539210"/>
-              </a:xfrm>
-              <a:prstGeom prst="line">
-                <a:avLst/>
-              </a:prstGeom>
-              <a:solidFill>
-                <a:srgbClr val="FF0000"/>
-              </a:solidFill>
-              <a:ln w="28575">
-                <a:solidFill>
-                  <a:schemeClr val="bg2"/>
-                </a:solidFill>
-              </a:ln>
-            </p:spPr>
-            <p:style>
-              <a:lnRef idx="1">
-                <a:schemeClr val="accent1"/>
-              </a:lnRef>
-              <a:fillRef idx="0">
-                <a:schemeClr val="accent1"/>
-              </a:fillRef>
-              <a:effectRef idx="0">
-                <a:schemeClr val="accent1"/>
-              </a:effectRef>
-              <a:fontRef idx="minor">
-                <a:schemeClr val="tx1"/>
-              </a:fontRef>
-            </p:style>
-          </p:cxnSp>
-          <p:grpSp>
-            <p:nvGrpSpPr>
-              <p:cNvPr id="10" name="Gruppe 9"/>
-              <p:cNvGrpSpPr/>
-              <p:nvPr/>
-            </p:nvGrpSpPr>
-            <p:grpSpPr>
-              <a:xfrm flipH="1">
-                <a:off x="4727412" y="3167687"/>
-                <a:ext cx="630655" cy="252263"/>
-                <a:chOff x="3845167" y="2086704"/>
-                <a:chExt cx="2473571" cy="937849"/>
-              </a:xfrm>
-              <a:solidFill>
-                <a:srgbClr val="DE2212"/>
-              </a:solidFill>
-            </p:grpSpPr>
-            <p:sp>
-              <p:nvSpPr>
-                <p:cNvPr id="11" name="Bue 10"/>
-                <p:cNvSpPr/>
-                <p:nvPr/>
-              </p:nvSpPr>
-              <p:spPr>
-                <a:xfrm flipV="1">
-                  <a:off x="3845167" y="2086708"/>
-                  <a:ext cx="2473571" cy="937845"/>
-                </a:xfrm>
-                <a:prstGeom prst="arc">
-                  <a:avLst/>
-                </a:prstGeom>
-                <a:grpFill/>
-                <a:ln w="28575">
-                  <a:solidFill>
-                    <a:schemeClr val="bg2"/>
-                  </a:solidFill>
-                </a:ln>
-              </p:spPr>
-              <p:style>
-                <a:lnRef idx="1">
-                  <a:schemeClr val="accent1"/>
-                </a:lnRef>
-                <a:fillRef idx="0">
-                  <a:schemeClr val="accent1"/>
-                </a:fillRef>
-                <a:effectRef idx="0">
-                  <a:schemeClr val="accent1"/>
-                </a:effectRef>
-                <a:fontRef idx="minor">
-                  <a:schemeClr val="tx1"/>
-                </a:fontRef>
-              </p:style>
-              <p:txBody>
-                <a:bodyPr rtlCol="0" anchor="ctr"/>
-                <a:lstStyle/>
-                <a:p>
-                  <a:pPr algn="ctr"/>
-                  <a:endParaRPr lang="nb-NO"/>
-                </a:p>
-              </p:txBody>
-            </p:sp>
-            <p:sp>
-              <p:nvSpPr>
-                <p:cNvPr id="12" name="Bue 11"/>
-                <p:cNvSpPr/>
-                <p:nvPr/>
-              </p:nvSpPr>
-              <p:spPr>
-                <a:xfrm flipH="1" flipV="1">
-                  <a:off x="3845167" y="2086704"/>
-                  <a:ext cx="2473571" cy="937845"/>
-                </a:xfrm>
-                <a:prstGeom prst="arc">
-                  <a:avLst/>
-                </a:prstGeom>
-                <a:grpFill/>
-                <a:ln w="28575">
-                  <a:solidFill>
-                    <a:schemeClr val="bg2"/>
-                  </a:solidFill>
-                </a:ln>
-              </p:spPr>
-              <p:style>
-                <a:lnRef idx="1">
-                  <a:schemeClr val="accent1"/>
-                </a:lnRef>
-                <a:fillRef idx="0">
-                  <a:schemeClr val="accent1"/>
-                </a:fillRef>
-                <a:effectRef idx="0">
-                  <a:schemeClr val="accent1"/>
-                </a:effectRef>
-                <a:fontRef idx="minor">
-                  <a:schemeClr val="tx1"/>
-                </a:fontRef>
-              </p:style>
-              <p:txBody>
-                <a:bodyPr rtlCol="0" anchor="ctr"/>
-                <a:lstStyle/>
-                <a:p>
-                  <a:pPr algn="ctr"/>
-                  <a:endParaRPr lang="nb-NO"/>
-                </a:p>
-              </p:txBody>
-            </p:sp>
-          </p:grpSp>
-        </p:grpSp>
-        <p:grpSp>
-          <p:nvGrpSpPr>
-            <p:cNvPr id="51" name="Gruppe 50"/>
-            <p:cNvGrpSpPr/>
-            <p:nvPr/>
-          </p:nvGrpSpPr>
-          <p:grpSpPr>
-            <a:xfrm>
-              <a:off x="5562455" y="2957472"/>
-              <a:ext cx="630656" cy="791472"/>
-              <a:chOff x="5538071" y="2987952"/>
-              <a:chExt cx="630656" cy="791472"/>
-            </a:xfrm>
-          </p:grpSpPr>
-          <p:sp>
-            <p:nvSpPr>
-              <p:cNvPr id="18" name="Rektangel 17"/>
-              <p:cNvSpPr/>
-              <p:nvPr/>
-            </p:nvSpPr>
-            <p:spPr>
-              <a:xfrm flipH="1">
-                <a:off x="5538072" y="3114082"/>
-                <a:ext cx="630655" cy="551508"/>
-              </a:xfrm>
-              <a:prstGeom prst="rect">
-                <a:avLst/>
-              </a:prstGeom>
-              <a:solidFill>
-                <a:srgbClr val="00A6EB"/>
-              </a:solidFill>
-              <a:ln w="28575">
-                <a:solidFill>
-                  <a:srgbClr val="00A6EB"/>
-                </a:solidFill>
-              </a:ln>
-            </p:spPr>
-            <p:style>
-              <a:lnRef idx="2">
-                <a:schemeClr val="accent1">
-                  <a:shade val="50000"/>
-                </a:schemeClr>
-              </a:lnRef>
-              <a:fillRef idx="1">
-                <a:schemeClr val="accent1"/>
-              </a:fillRef>
-              <a:effectRef idx="0">
-                <a:schemeClr val="accent1"/>
-              </a:effectRef>
-              <a:fontRef idx="minor">
-                <a:schemeClr val="lt1"/>
-              </a:fontRef>
-            </p:style>
-            <p:txBody>
-              <a:bodyPr rtlCol="0" anchor="ctr"/>
-              <a:lstStyle/>
-              <a:p>
-                <a:pPr algn="ctr"/>
-                <a:endParaRPr lang="nb-NO"/>
-              </a:p>
-            </p:txBody>
-          </p:sp>
-          <p:grpSp>
-            <p:nvGrpSpPr>
-              <p:cNvPr id="19" name="Gruppe 18"/>
-              <p:cNvGrpSpPr/>
-              <p:nvPr/>
-            </p:nvGrpSpPr>
-            <p:grpSpPr>
-              <a:xfrm flipH="1">
-                <a:off x="5538071" y="3347424"/>
-                <a:ext cx="630655" cy="252263"/>
-                <a:chOff x="3845167" y="2086704"/>
-                <a:chExt cx="2473571" cy="937849"/>
-              </a:xfrm>
-              <a:solidFill>
-                <a:srgbClr val="00A6EB"/>
-              </a:solidFill>
-            </p:grpSpPr>
-            <p:sp>
-              <p:nvSpPr>
-                <p:cNvPr id="29" name="Bue 28"/>
-                <p:cNvSpPr/>
-                <p:nvPr/>
-              </p:nvSpPr>
-              <p:spPr>
-                <a:xfrm flipV="1">
-                  <a:off x="3845167" y="2086708"/>
-                  <a:ext cx="2473571" cy="937845"/>
-                </a:xfrm>
-                <a:prstGeom prst="arc">
-                  <a:avLst/>
-                </a:prstGeom>
-                <a:grpFill/>
-                <a:ln w="28575">
-                  <a:solidFill>
-                    <a:schemeClr val="bg2"/>
-                  </a:solidFill>
-                </a:ln>
-              </p:spPr>
-              <p:style>
-                <a:lnRef idx="1">
-                  <a:schemeClr val="accent1"/>
-                </a:lnRef>
-                <a:fillRef idx="0">
-                  <a:schemeClr val="accent1"/>
-                </a:fillRef>
-                <a:effectRef idx="0">
-                  <a:schemeClr val="accent1"/>
-                </a:effectRef>
-                <a:fontRef idx="minor">
-                  <a:schemeClr val="tx1"/>
-                </a:fontRef>
-              </p:style>
-              <p:txBody>
-                <a:bodyPr rtlCol="0" anchor="ctr"/>
-                <a:lstStyle/>
-                <a:p>
-                  <a:pPr algn="ctr"/>
-                  <a:endParaRPr lang="nb-NO"/>
-                </a:p>
-              </p:txBody>
-            </p:sp>
-            <p:sp>
-              <p:nvSpPr>
-                <p:cNvPr id="30" name="Bue 29"/>
-                <p:cNvSpPr/>
-                <p:nvPr/>
-              </p:nvSpPr>
-              <p:spPr>
-                <a:xfrm flipH="1" flipV="1">
-                  <a:off x="3845167" y="2086704"/>
-                  <a:ext cx="2473571" cy="937845"/>
-                </a:xfrm>
-                <a:prstGeom prst="arc">
-                  <a:avLst/>
-                </a:prstGeom>
-                <a:grpFill/>
-                <a:ln w="28575">
-                  <a:solidFill>
-                    <a:schemeClr val="bg2"/>
-                  </a:solidFill>
-                </a:ln>
-              </p:spPr>
-              <p:style>
-                <a:lnRef idx="1">
-                  <a:schemeClr val="accent1"/>
-                </a:lnRef>
-                <a:fillRef idx="0">
-                  <a:schemeClr val="accent1"/>
-                </a:fillRef>
-                <a:effectRef idx="0">
-                  <a:schemeClr val="accent1"/>
-                </a:effectRef>
-                <a:fontRef idx="minor">
-                  <a:schemeClr val="tx1"/>
-                </a:fontRef>
-              </p:style>
-              <p:txBody>
-                <a:bodyPr rtlCol="0" anchor="ctr"/>
-                <a:lstStyle/>
-                <a:p>
-                  <a:pPr algn="ctr"/>
-                  <a:endParaRPr lang="nb-NO"/>
-                </a:p>
-              </p:txBody>
-            </p:sp>
-          </p:grpSp>
-          <p:grpSp>
-            <p:nvGrpSpPr>
-              <p:cNvPr id="20" name="Gruppe 19"/>
-              <p:cNvGrpSpPr/>
-              <p:nvPr/>
-            </p:nvGrpSpPr>
-            <p:grpSpPr>
-              <a:xfrm flipH="1">
-                <a:off x="5538072" y="3527161"/>
-                <a:ext cx="630655" cy="252263"/>
-                <a:chOff x="3845167" y="2086704"/>
-                <a:chExt cx="2473571" cy="937849"/>
-              </a:xfrm>
-              <a:solidFill>
-                <a:srgbClr val="00A6EB"/>
-              </a:solidFill>
-            </p:grpSpPr>
-            <p:sp>
-              <p:nvSpPr>
-                <p:cNvPr id="27" name="Bue 26"/>
-                <p:cNvSpPr/>
-                <p:nvPr/>
-              </p:nvSpPr>
-              <p:spPr>
-                <a:xfrm flipV="1">
-                  <a:off x="3845167" y="2086708"/>
-                  <a:ext cx="2473571" cy="937845"/>
-                </a:xfrm>
-                <a:prstGeom prst="arc">
-                  <a:avLst/>
-                </a:prstGeom>
-                <a:grpFill/>
-                <a:ln w="28575">
-                  <a:solidFill>
-                    <a:schemeClr val="bg2"/>
-                  </a:solidFill>
-                </a:ln>
-              </p:spPr>
-              <p:style>
-                <a:lnRef idx="1">
-                  <a:schemeClr val="accent1"/>
-                </a:lnRef>
-                <a:fillRef idx="0">
-                  <a:schemeClr val="accent1"/>
-                </a:fillRef>
-                <a:effectRef idx="0">
-                  <a:schemeClr val="accent1"/>
-                </a:effectRef>
-                <a:fontRef idx="minor">
-                  <a:schemeClr val="tx1"/>
-                </a:fontRef>
-              </p:style>
-              <p:txBody>
-                <a:bodyPr rtlCol="0" anchor="ctr"/>
-                <a:lstStyle/>
-                <a:p>
-                  <a:pPr algn="ctr"/>
-                  <a:endParaRPr lang="nb-NO"/>
-                </a:p>
-              </p:txBody>
-            </p:sp>
-            <p:sp>
-              <p:nvSpPr>
-                <p:cNvPr id="28" name="Bue 27"/>
-                <p:cNvSpPr/>
-                <p:nvPr/>
-              </p:nvSpPr>
-              <p:spPr>
-                <a:xfrm flipH="1" flipV="1">
-                  <a:off x="3845167" y="2086704"/>
-                  <a:ext cx="2473571" cy="937845"/>
-                </a:xfrm>
-                <a:prstGeom prst="arc">
-                  <a:avLst/>
-                </a:prstGeom>
-                <a:grpFill/>
-                <a:ln w="28575">
-                  <a:solidFill>
-                    <a:schemeClr val="bg2"/>
-                  </a:solidFill>
-                </a:ln>
-              </p:spPr>
-              <p:style>
-                <a:lnRef idx="1">
-                  <a:schemeClr val="accent1"/>
-                </a:lnRef>
-                <a:fillRef idx="0">
-                  <a:schemeClr val="accent1"/>
-                </a:fillRef>
-                <a:effectRef idx="0">
-                  <a:schemeClr val="accent1"/>
-                </a:effectRef>
-                <a:fontRef idx="minor">
-                  <a:schemeClr val="tx1"/>
-                </a:fontRef>
-              </p:style>
-              <p:txBody>
-                <a:bodyPr rtlCol="0" anchor="ctr"/>
-                <a:lstStyle/>
-                <a:p>
-                  <a:pPr algn="ctr"/>
-                  <a:endParaRPr lang="nb-NO"/>
-                </a:p>
-              </p:txBody>
-            </p:sp>
-          </p:grpSp>
-          <p:sp>
-            <p:nvSpPr>
-              <p:cNvPr id="21" name="Ellipse 20"/>
-              <p:cNvSpPr/>
-              <p:nvPr/>
-            </p:nvSpPr>
-            <p:spPr>
-              <a:xfrm flipH="1">
-                <a:off x="5538071" y="2987952"/>
-                <a:ext cx="630655" cy="252262"/>
-              </a:xfrm>
-              <a:prstGeom prst="ellipse">
-                <a:avLst/>
-              </a:prstGeom>
-              <a:solidFill>
-                <a:srgbClr val="00A6EB"/>
-              </a:solidFill>
-              <a:ln w="28575">
-                <a:solidFill>
-                  <a:schemeClr val="bg2"/>
-                </a:solidFill>
-              </a:ln>
-            </p:spPr>
-            <p:style>
-              <a:lnRef idx="2">
-                <a:schemeClr val="accent1">
-                  <a:shade val="50000"/>
-                </a:schemeClr>
-              </a:lnRef>
-              <a:fillRef idx="1">
-                <a:schemeClr val="accent1"/>
-              </a:fillRef>
-              <a:effectRef idx="0">
-                <a:schemeClr val="accent1"/>
-              </a:effectRef>
-              <a:fontRef idx="minor">
-                <a:schemeClr val="lt1"/>
-              </a:fontRef>
-            </p:style>
-            <p:txBody>
-              <a:bodyPr rtlCol="0" anchor="ctr"/>
-              <a:lstStyle/>
-              <a:p>
-                <a:pPr algn="ctr"/>
-                <a:endParaRPr lang="nb-NO"/>
-              </a:p>
-            </p:txBody>
-          </p:sp>
-          <p:cxnSp>
-            <p:nvCxnSpPr>
-              <p:cNvPr id="22" name="Rett linje 21"/>
-              <p:cNvCxnSpPr>
-                <a:stCxn id="21" idx="6"/>
-              </p:cNvCxnSpPr>
-              <p:nvPr/>
-            </p:nvCxnSpPr>
-            <p:spPr>
-              <a:xfrm flipH="1">
-                <a:off x="5538071" y="3114083"/>
-                <a:ext cx="0" cy="539210"/>
-              </a:xfrm>
-              <a:prstGeom prst="line">
-                <a:avLst/>
-              </a:prstGeom>
-              <a:solidFill>
-                <a:srgbClr val="FF0000"/>
-              </a:solidFill>
-              <a:ln w="28575">
-                <a:solidFill>
-                  <a:schemeClr val="bg2"/>
-                </a:solidFill>
-              </a:ln>
-            </p:spPr>
-            <p:style>
-              <a:lnRef idx="1">
-                <a:schemeClr val="accent1"/>
-              </a:lnRef>
-              <a:fillRef idx="0">
-                <a:schemeClr val="accent1"/>
-              </a:fillRef>
-              <a:effectRef idx="0">
-                <a:schemeClr val="accent1"/>
-              </a:effectRef>
-              <a:fontRef idx="minor">
-                <a:schemeClr val="tx1"/>
-              </a:fontRef>
-            </p:style>
-          </p:cxnSp>
-          <p:cxnSp>
-            <p:nvCxnSpPr>
-              <p:cNvPr id="23" name="Rett linje 22"/>
-              <p:cNvCxnSpPr/>
-              <p:nvPr/>
-            </p:nvCxnSpPr>
-            <p:spPr>
-              <a:xfrm flipH="1">
-                <a:off x="6168726" y="3114083"/>
-                <a:ext cx="0" cy="539210"/>
-              </a:xfrm>
-              <a:prstGeom prst="line">
-                <a:avLst/>
-              </a:prstGeom>
-              <a:solidFill>
-                <a:srgbClr val="FF0000"/>
-              </a:solidFill>
-              <a:ln w="28575">
-                <a:solidFill>
-                  <a:schemeClr val="bg2"/>
-                </a:solidFill>
-              </a:ln>
-            </p:spPr>
-            <p:style>
-              <a:lnRef idx="1">
-                <a:schemeClr val="accent1"/>
-              </a:lnRef>
-              <a:fillRef idx="0">
-                <a:schemeClr val="accent1"/>
-              </a:fillRef>
-              <a:effectRef idx="0">
-                <a:schemeClr val="accent1"/>
-              </a:effectRef>
-              <a:fontRef idx="minor">
-                <a:schemeClr val="tx1"/>
-              </a:fontRef>
-            </p:style>
-          </p:cxnSp>
-          <p:grpSp>
-            <p:nvGrpSpPr>
-              <p:cNvPr id="24" name="Gruppe 23"/>
-              <p:cNvGrpSpPr/>
-              <p:nvPr/>
-            </p:nvGrpSpPr>
-            <p:grpSpPr>
-              <a:xfrm flipH="1">
-                <a:off x="5538071" y="3167687"/>
-                <a:ext cx="630655" cy="252263"/>
-                <a:chOff x="3845167" y="2086704"/>
-                <a:chExt cx="2473571" cy="937849"/>
-              </a:xfrm>
-              <a:solidFill>
-                <a:srgbClr val="00A6EB"/>
-              </a:solidFill>
-            </p:grpSpPr>
-            <p:sp>
-              <p:nvSpPr>
-                <p:cNvPr id="25" name="Bue 24"/>
-                <p:cNvSpPr/>
-                <p:nvPr/>
-              </p:nvSpPr>
-              <p:spPr>
-                <a:xfrm flipV="1">
-                  <a:off x="3845167" y="2086708"/>
-                  <a:ext cx="2473571" cy="937845"/>
-                </a:xfrm>
-                <a:prstGeom prst="arc">
-                  <a:avLst/>
-                </a:prstGeom>
-                <a:grpFill/>
-                <a:ln w="28575">
-                  <a:solidFill>
-                    <a:schemeClr val="bg2"/>
-                  </a:solidFill>
-                </a:ln>
-              </p:spPr>
-              <p:style>
-                <a:lnRef idx="1">
-                  <a:schemeClr val="accent1"/>
-                </a:lnRef>
-                <a:fillRef idx="0">
-                  <a:schemeClr val="accent1"/>
-                </a:fillRef>
-                <a:effectRef idx="0">
-                  <a:schemeClr val="accent1"/>
-                </a:effectRef>
-                <a:fontRef idx="minor">
-                  <a:schemeClr val="tx1"/>
-                </a:fontRef>
-              </p:style>
-              <p:txBody>
-                <a:bodyPr rtlCol="0" anchor="ctr"/>
-                <a:lstStyle/>
-                <a:p>
-                  <a:pPr algn="ctr"/>
-                  <a:endParaRPr lang="nb-NO"/>
-                </a:p>
-              </p:txBody>
-            </p:sp>
-            <p:sp>
-              <p:nvSpPr>
-                <p:cNvPr id="26" name="Bue 25"/>
-                <p:cNvSpPr/>
-                <p:nvPr/>
-              </p:nvSpPr>
-              <p:spPr>
-                <a:xfrm flipH="1" flipV="1">
-                  <a:off x="3845167" y="2086704"/>
-                  <a:ext cx="2473571" cy="937845"/>
-                </a:xfrm>
-                <a:prstGeom prst="arc">
-                  <a:avLst/>
-                </a:prstGeom>
-                <a:grpFill/>
-                <a:ln w="28575">
-                  <a:solidFill>
-                    <a:schemeClr val="bg2"/>
-                  </a:solidFill>
-                </a:ln>
-              </p:spPr>
-              <p:style>
-                <a:lnRef idx="1">
-                  <a:schemeClr val="accent1"/>
-                </a:lnRef>
-                <a:fillRef idx="0">
-                  <a:schemeClr val="accent1"/>
-                </a:fillRef>
-                <a:effectRef idx="0">
-                  <a:schemeClr val="accent1"/>
-                </a:effectRef>
-                <a:fontRef idx="minor">
-                  <a:schemeClr val="tx1"/>
-                </a:fontRef>
-              </p:style>
-              <p:txBody>
-                <a:bodyPr rtlCol="0" anchor="ctr"/>
-                <a:lstStyle/>
-                <a:p>
-                  <a:pPr algn="ctr"/>
-                  <a:endParaRPr lang="nb-NO"/>
-                </a:p>
-              </p:txBody>
-            </p:sp>
-          </p:grpSp>
-        </p:grpSp>
-        <p:grpSp>
-          <p:nvGrpSpPr>
-            <p:cNvPr id="50" name="Gruppe 49"/>
-            <p:cNvGrpSpPr/>
-            <p:nvPr/>
-          </p:nvGrpSpPr>
-          <p:grpSpPr>
-            <a:xfrm>
-              <a:off x="5162972" y="3524600"/>
-              <a:ext cx="630656" cy="791472"/>
-              <a:chOff x="5162972" y="3524600"/>
-              <a:chExt cx="630656" cy="791472"/>
-            </a:xfrm>
-          </p:grpSpPr>
-          <p:sp>
-            <p:nvSpPr>
-              <p:cNvPr id="32" name="Rektangel 31"/>
-              <p:cNvSpPr/>
-              <p:nvPr/>
-            </p:nvSpPr>
-            <p:spPr>
-              <a:xfrm flipH="1">
-                <a:off x="5162973" y="3650730"/>
-                <a:ext cx="630655" cy="551508"/>
-              </a:xfrm>
-              <a:prstGeom prst="rect">
-                <a:avLst/>
-              </a:prstGeom>
-              <a:solidFill>
-                <a:srgbClr val="00A14A"/>
-              </a:solidFill>
-              <a:ln w="28575">
-                <a:solidFill>
-                  <a:srgbClr val="00A14A"/>
-                </a:solidFill>
-              </a:ln>
-            </p:spPr>
-            <p:style>
-              <a:lnRef idx="2">
-                <a:schemeClr val="accent1">
-                  <a:shade val="50000"/>
-                </a:schemeClr>
-              </a:lnRef>
-              <a:fillRef idx="1">
-                <a:schemeClr val="accent1"/>
-              </a:fillRef>
-              <a:effectRef idx="0">
-                <a:schemeClr val="accent1"/>
-              </a:effectRef>
-              <a:fontRef idx="minor">
-                <a:schemeClr val="lt1"/>
-              </a:fontRef>
-            </p:style>
-            <p:txBody>
-              <a:bodyPr rtlCol="0" anchor="ctr"/>
-              <a:lstStyle/>
-              <a:p>
-                <a:pPr algn="ctr"/>
-                <a:endParaRPr lang="nb-NO"/>
-              </a:p>
-            </p:txBody>
-          </p:sp>
-          <p:grpSp>
-            <p:nvGrpSpPr>
-              <p:cNvPr id="33" name="Gruppe 32"/>
-              <p:cNvGrpSpPr/>
-              <p:nvPr/>
-            </p:nvGrpSpPr>
-            <p:grpSpPr>
-              <a:xfrm flipH="1">
-                <a:off x="5162972" y="3884072"/>
-                <a:ext cx="630655" cy="252263"/>
-                <a:chOff x="3845167" y="2086704"/>
-                <a:chExt cx="2473571" cy="937849"/>
-              </a:xfrm>
-              <a:solidFill>
-                <a:srgbClr val="00A14A"/>
-              </a:solidFill>
-            </p:grpSpPr>
-            <p:sp>
-              <p:nvSpPr>
-                <p:cNvPr id="43" name="Bue 42"/>
-                <p:cNvSpPr/>
-                <p:nvPr/>
-              </p:nvSpPr>
-              <p:spPr>
-                <a:xfrm flipV="1">
-                  <a:off x="3845167" y="2086708"/>
-                  <a:ext cx="2473571" cy="937845"/>
-                </a:xfrm>
-                <a:prstGeom prst="arc">
-                  <a:avLst/>
-                </a:prstGeom>
-                <a:grpFill/>
-                <a:ln w="28575">
-                  <a:solidFill>
-                    <a:schemeClr val="bg2"/>
-                  </a:solidFill>
-                </a:ln>
-              </p:spPr>
-              <p:style>
-                <a:lnRef idx="1">
-                  <a:schemeClr val="accent1"/>
-                </a:lnRef>
-                <a:fillRef idx="0">
-                  <a:schemeClr val="accent1"/>
-                </a:fillRef>
-                <a:effectRef idx="0">
-                  <a:schemeClr val="accent1"/>
-                </a:effectRef>
-                <a:fontRef idx="minor">
-                  <a:schemeClr val="tx1"/>
-                </a:fontRef>
-              </p:style>
-              <p:txBody>
-                <a:bodyPr rtlCol="0" anchor="ctr"/>
-                <a:lstStyle/>
-                <a:p>
-                  <a:pPr algn="ctr"/>
-                  <a:endParaRPr lang="nb-NO"/>
-                </a:p>
-              </p:txBody>
-            </p:sp>
-            <p:sp>
-              <p:nvSpPr>
-                <p:cNvPr id="44" name="Bue 43"/>
-                <p:cNvSpPr/>
-                <p:nvPr/>
-              </p:nvSpPr>
-              <p:spPr>
-                <a:xfrm flipH="1" flipV="1">
-                  <a:off x="3845167" y="2086704"/>
-                  <a:ext cx="2473571" cy="937845"/>
-                </a:xfrm>
-                <a:prstGeom prst="arc">
-                  <a:avLst/>
-                </a:prstGeom>
-                <a:grpFill/>
-                <a:ln w="28575">
-                  <a:solidFill>
-                    <a:schemeClr val="bg2"/>
-                  </a:solidFill>
-                </a:ln>
-              </p:spPr>
-              <p:style>
-                <a:lnRef idx="1">
-                  <a:schemeClr val="accent1"/>
-                </a:lnRef>
-                <a:fillRef idx="0">
-                  <a:schemeClr val="accent1"/>
-                </a:fillRef>
-                <a:effectRef idx="0">
-                  <a:schemeClr val="accent1"/>
-                </a:effectRef>
-                <a:fontRef idx="minor">
-                  <a:schemeClr val="tx1"/>
-                </a:fontRef>
-              </p:style>
-              <p:txBody>
-                <a:bodyPr rtlCol="0" anchor="ctr"/>
-                <a:lstStyle/>
-                <a:p>
-                  <a:pPr algn="ctr"/>
-                  <a:endParaRPr lang="nb-NO"/>
-                </a:p>
-              </p:txBody>
-            </p:sp>
-          </p:grpSp>
-          <p:grpSp>
-            <p:nvGrpSpPr>
-              <p:cNvPr id="34" name="Gruppe 33"/>
-              <p:cNvGrpSpPr/>
-              <p:nvPr/>
-            </p:nvGrpSpPr>
-            <p:grpSpPr>
-              <a:xfrm flipH="1">
-                <a:off x="5162973" y="4063809"/>
-                <a:ext cx="630655" cy="252263"/>
-                <a:chOff x="3845167" y="2086704"/>
-                <a:chExt cx="2473571" cy="937849"/>
-              </a:xfrm>
-              <a:solidFill>
-                <a:srgbClr val="00A14A"/>
-              </a:solidFill>
-            </p:grpSpPr>
-            <p:sp>
-              <p:nvSpPr>
-                <p:cNvPr id="41" name="Bue 40"/>
-                <p:cNvSpPr/>
-                <p:nvPr/>
-              </p:nvSpPr>
-              <p:spPr>
-                <a:xfrm flipV="1">
-                  <a:off x="3845167" y="2086708"/>
-                  <a:ext cx="2473571" cy="937845"/>
-                </a:xfrm>
-                <a:prstGeom prst="arc">
-                  <a:avLst/>
-                </a:prstGeom>
-                <a:grpFill/>
-                <a:ln w="28575">
-                  <a:solidFill>
-                    <a:schemeClr val="bg2"/>
-                  </a:solidFill>
-                </a:ln>
-              </p:spPr>
-              <p:style>
-                <a:lnRef idx="1">
-                  <a:schemeClr val="accent1"/>
-                </a:lnRef>
-                <a:fillRef idx="0">
-                  <a:schemeClr val="accent1"/>
-                </a:fillRef>
-                <a:effectRef idx="0">
-                  <a:schemeClr val="accent1"/>
-                </a:effectRef>
-                <a:fontRef idx="minor">
-                  <a:schemeClr val="tx1"/>
-                </a:fontRef>
-              </p:style>
-              <p:txBody>
-                <a:bodyPr rtlCol="0" anchor="ctr"/>
-                <a:lstStyle/>
-                <a:p>
-                  <a:pPr algn="ctr"/>
-                  <a:endParaRPr lang="nb-NO"/>
-                </a:p>
-              </p:txBody>
-            </p:sp>
-            <p:sp>
-              <p:nvSpPr>
-                <p:cNvPr id="42" name="Bue 41"/>
-                <p:cNvSpPr/>
-                <p:nvPr/>
-              </p:nvSpPr>
-              <p:spPr>
-                <a:xfrm flipH="1" flipV="1">
-                  <a:off x="3845167" y="2086704"/>
-                  <a:ext cx="2473571" cy="937845"/>
-                </a:xfrm>
-                <a:prstGeom prst="arc">
-                  <a:avLst/>
-                </a:prstGeom>
-                <a:grpFill/>
-                <a:ln w="28575">
-                  <a:solidFill>
-                    <a:schemeClr val="bg2"/>
-                  </a:solidFill>
-                </a:ln>
-              </p:spPr>
-              <p:style>
-                <a:lnRef idx="1">
-                  <a:schemeClr val="accent1"/>
-                </a:lnRef>
-                <a:fillRef idx="0">
-                  <a:schemeClr val="accent1"/>
-                </a:fillRef>
-                <a:effectRef idx="0">
-                  <a:schemeClr val="accent1"/>
-                </a:effectRef>
-                <a:fontRef idx="minor">
-                  <a:schemeClr val="tx1"/>
-                </a:fontRef>
-              </p:style>
-              <p:txBody>
-                <a:bodyPr rtlCol="0" anchor="ctr"/>
-                <a:lstStyle/>
-                <a:p>
-                  <a:pPr algn="ctr"/>
-                  <a:endParaRPr lang="nb-NO"/>
-                </a:p>
-              </p:txBody>
-            </p:sp>
-          </p:grpSp>
-          <p:sp>
-            <p:nvSpPr>
-              <p:cNvPr id="35" name="Ellipse 34"/>
-              <p:cNvSpPr/>
-              <p:nvPr/>
-            </p:nvSpPr>
-            <p:spPr>
-              <a:xfrm flipH="1">
-                <a:off x="5162972" y="3524600"/>
-                <a:ext cx="630655" cy="252262"/>
-              </a:xfrm>
-              <a:prstGeom prst="ellipse">
-                <a:avLst/>
-              </a:prstGeom>
-              <a:solidFill>
-                <a:srgbClr val="00A14A"/>
-              </a:solidFill>
-              <a:ln w="28575">
-                <a:solidFill>
-                  <a:schemeClr val="bg2"/>
-                </a:solidFill>
-              </a:ln>
-            </p:spPr>
-            <p:style>
-              <a:lnRef idx="2">
-                <a:schemeClr val="accent1">
-                  <a:shade val="50000"/>
-                </a:schemeClr>
-              </a:lnRef>
-              <a:fillRef idx="1">
-                <a:schemeClr val="accent1"/>
-              </a:fillRef>
-              <a:effectRef idx="0">
-                <a:schemeClr val="accent1"/>
-              </a:effectRef>
-              <a:fontRef idx="minor">
-                <a:schemeClr val="lt1"/>
-              </a:fontRef>
-            </p:style>
-            <p:txBody>
-              <a:bodyPr rtlCol="0" anchor="ctr"/>
-              <a:lstStyle/>
-              <a:p>
-                <a:pPr algn="ctr"/>
-                <a:endParaRPr lang="nb-NO"/>
-              </a:p>
-            </p:txBody>
-          </p:sp>
-          <p:cxnSp>
-            <p:nvCxnSpPr>
-              <p:cNvPr id="36" name="Rett linje 35"/>
-              <p:cNvCxnSpPr>
-                <a:stCxn id="35" idx="6"/>
-              </p:cNvCxnSpPr>
-              <p:nvPr/>
-            </p:nvCxnSpPr>
-            <p:spPr>
-              <a:xfrm flipH="1">
-                <a:off x="5162972" y="3650731"/>
-                <a:ext cx="0" cy="539210"/>
-              </a:xfrm>
-              <a:prstGeom prst="line">
-                <a:avLst/>
-              </a:prstGeom>
-              <a:solidFill>
-                <a:srgbClr val="FF0000"/>
-              </a:solidFill>
-              <a:ln w="28575">
-                <a:solidFill>
-                  <a:schemeClr val="bg2"/>
-                </a:solidFill>
-              </a:ln>
-            </p:spPr>
-            <p:style>
-              <a:lnRef idx="1">
-                <a:schemeClr val="accent1"/>
-              </a:lnRef>
-              <a:fillRef idx="0">
-                <a:schemeClr val="accent1"/>
-              </a:fillRef>
-              <a:effectRef idx="0">
-                <a:schemeClr val="accent1"/>
-              </a:effectRef>
-              <a:fontRef idx="minor">
-                <a:schemeClr val="tx1"/>
-              </a:fontRef>
-            </p:style>
-          </p:cxnSp>
-          <p:cxnSp>
-            <p:nvCxnSpPr>
-              <p:cNvPr id="37" name="Rett linje 36"/>
-              <p:cNvCxnSpPr/>
-              <p:nvPr/>
-            </p:nvCxnSpPr>
-            <p:spPr>
-              <a:xfrm flipH="1">
-                <a:off x="5793627" y="3650731"/>
-                <a:ext cx="0" cy="539210"/>
-              </a:xfrm>
-              <a:prstGeom prst="line">
-                <a:avLst/>
-              </a:prstGeom>
-              <a:solidFill>
-                <a:srgbClr val="FF0000"/>
-              </a:solidFill>
-              <a:ln w="28575">
-                <a:solidFill>
-                  <a:schemeClr val="bg2"/>
-                </a:solidFill>
-              </a:ln>
-            </p:spPr>
-            <p:style>
-              <a:lnRef idx="1">
-                <a:schemeClr val="accent1"/>
-              </a:lnRef>
-              <a:fillRef idx="0">
-                <a:schemeClr val="accent1"/>
-              </a:fillRef>
-              <a:effectRef idx="0">
-                <a:schemeClr val="accent1"/>
-              </a:effectRef>
-              <a:fontRef idx="minor">
-                <a:schemeClr val="tx1"/>
-              </a:fontRef>
-            </p:style>
-          </p:cxnSp>
-          <p:grpSp>
-            <p:nvGrpSpPr>
-              <p:cNvPr id="38" name="Gruppe 37"/>
-              <p:cNvGrpSpPr/>
-              <p:nvPr/>
-            </p:nvGrpSpPr>
-            <p:grpSpPr>
-              <a:xfrm flipH="1">
-                <a:off x="5162972" y="3704335"/>
-                <a:ext cx="630655" cy="252263"/>
-                <a:chOff x="3845167" y="2086704"/>
-                <a:chExt cx="2473571" cy="937849"/>
-              </a:xfrm>
-              <a:solidFill>
-                <a:srgbClr val="00A14A"/>
-              </a:solidFill>
-            </p:grpSpPr>
-            <p:sp>
-              <p:nvSpPr>
-                <p:cNvPr id="39" name="Bue 38"/>
-                <p:cNvSpPr/>
-                <p:nvPr/>
-              </p:nvSpPr>
-              <p:spPr>
-                <a:xfrm flipV="1">
-                  <a:off x="3845167" y="2086708"/>
-                  <a:ext cx="2473571" cy="937845"/>
-                </a:xfrm>
-                <a:prstGeom prst="arc">
-                  <a:avLst/>
-                </a:prstGeom>
-                <a:grpFill/>
-                <a:ln w="28575">
-                  <a:solidFill>
-                    <a:schemeClr val="bg2"/>
-                  </a:solidFill>
-                </a:ln>
-              </p:spPr>
-              <p:style>
-                <a:lnRef idx="1">
-                  <a:schemeClr val="accent1"/>
-                </a:lnRef>
-                <a:fillRef idx="0">
-                  <a:schemeClr val="accent1"/>
-                </a:fillRef>
-                <a:effectRef idx="0">
-                  <a:schemeClr val="accent1"/>
-                </a:effectRef>
-                <a:fontRef idx="minor">
-                  <a:schemeClr val="tx1"/>
-                </a:fontRef>
-              </p:style>
-              <p:txBody>
-                <a:bodyPr rtlCol="0" anchor="ctr"/>
-                <a:lstStyle/>
-                <a:p>
-                  <a:pPr algn="ctr"/>
-                  <a:endParaRPr lang="nb-NO"/>
-                </a:p>
-              </p:txBody>
-            </p:sp>
-            <p:sp>
-              <p:nvSpPr>
-                <p:cNvPr id="40" name="Bue 39"/>
-                <p:cNvSpPr/>
-                <p:nvPr/>
-              </p:nvSpPr>
-              <p:spPr>
-                <a:xfrm flipH="1" flipV="1">
-                  <a:off x="3845167" y="2086704"/>
-                  <a:ext cx="2473571" cy="937845"/>
-                </a:xfrm>
-                <a:prstGeom prst="arc">
-                  <a:avLst/>
-                </a:prstGeom>
-                <a:grpFill/>
-                <a:ln w="28575">
-                  <a:solidFill>
-                    <a:schemeClr val="bg2"/>
-                  </a:solidFill>
-                </a:ln>
-              </p:spPr>
-              <p:style>
-                <a:lnRef idx="1">
-                  <a:schemeClr val="accent1"/>
-                </a:lnRef>
-                <a:fillRef idx="0">
-                  <a:schemeClr val="accent1"/>
-                </a:fillRef>
-                <a:effectRef idx="0">
-                  <a:schemeClr val="accent1"/>
-                </a:effectRef>
-                <a:fontRef idx="minor">
-                  <a:schemeClr val="tx1"/>
-                </a:fontRef>
-              </p:style>
-              <p:txBody>
-                <a:bodyPr rtlCol="0" anchor="ctr"/>
-                <a:lstStyle/>
-                <a:p>
-                  <a:pPr algn="ctr"/>
-                  <a:endParaRPr lang="nb-NO"/>
-                </a:p>
-              </p:txBody>
-            </p:sp>
-          </p:grpSp>
-        </p:grpSp>
         <p:sp>
           <p:nvSpPr>
             <p:cNvPr id="45" name="TekstSylinder 44"/>
@@ -13410,7 +11914,7 @@
           </p:nvSpPr>
           <p:spPr>
             <a:xfrm>
-              <a:off x="4334256" y="2374713"/>
+              <a:off x="4332252" y="2416775"/>
               <a:ext cx="2292096" cy="461665"/>
             </a:xfrm>
             <a:prstGeom prst="rect">
@@ -13447,19 +11951,1200 @@
             </a:p>
           </p:txBody>
         </p:sp>
+        <p:grpSp>
+          <p:nvGrpSpPr>
+            <p:cNvPr id="91" name="Gruppe 90"/>
+            <p:cNvGrpSpPr/>
+            <p:nvPr/>
+          </p:nvGrpSpPr>
+          <p:grpSpPr>
+            <a:xfrm>
+              <a:off x="4924474" y="2966645"/>
+              <a:ext cx="1107653" cy="1237785"/>
+              <a:chOff x="4924473" y="2966645"/>
+              <a:chExt cx="1107653" cy="1237785"/>
+            </a:xfrm>
+          </p:grpSpPr>
+          <p:sp>
+            <p:nvSpPr>
+              <p:cNvPr id="17" name="Trapes 16"/>
+              <p:cNvSpPr/>
+              <p:nvPr/>
+            </p:nvSpPr>
+            <p:spPr>
+              <a:xfrm>
+                <a:off x="5173810" y="3295705"/>
+                <a:ext cx="605641" cy="702367"/>
+              </a:xfrm>
+              <a:prstGeom prst="trapezoid">
+                <a:avLst>
+                  <a:gd name="adj" fmla="val 9924"/>
+                </a:avLst>
+              </a:prstGeom>
+              <a:solidFill>
+                <a:schemeClr val="bg1"/>
+              </a:solidFill>
+            </p:spPr>
+            <p:style>
+              <a:lnRef idx="2">
+                <a:schemeClr val="accent1">
+                  <a:shade val="50000"/>
+                </a:schemeClr>
+              </a:lnRef>
+              <a:fillRef idx="1">
+                <a:schemeClr val="accent1"/>
+              </a:fillRef>
+              <a:effectRef idx="0">
+                <a:schemeClr val="accent1"/>
+              </a:effectRef>
+              <a:fontRef idx="minor">
+                <a:schemeClr val="lt1"/>
+              </a:fontRef>
+            </p:style>
+            <p:txBody>
+              <a:bodyPr rtlCol="0" anchor="ctr"/>
+              <a:lstStyle/>
+              <a:p>
+                <a:pPr algn="ctr"/>
+                <a:endParaRPr lang="nb-NO"/>
+              </a:p>
+            </p:txBody>
+          </p:sp>
+          <p:cxnSp>
+            <p:nvCxnSpPr>
+              <p:cNvPr id="46" name="Rett linje 45"/>
+              <p:cNvCxnSpPr/>
+              <p:nvPr/>
+            </p:nvCxnSpPr>
+            <p:spPr>
+              <a:xfrm flipV="1">
+                <a:off x="5227797" y="3295706"/>
+                <a:ext cx="495140" cy="0"/>
+              </a:xfrm>
+              <a:prstGeom prst="line">
+                <a:avLst/>
+              </a:prstGeom>
+              <a:ln>
+                <a:solidFill>
+                  <a:srgbClr val="979EA6"/>
+                </a:solidFill>
+              </a:ln>
+            </p:spPr>
+            <p:style>
+              <a:lnRef idx="1">
+                <a:schemeClr val="accent1"/>
+              </a:lnRef>
+              <a:fillRef idx="0">
+                <a:schemeClr val="accent1"/>
+              </a:fillRef>
+              <a:effectRef idx="0">
+                <a:schemeClr val="accent1"/>
+              </a:effectRef>
+              <a:fontRef idx="minor">
+                <a:schemeClr val="tx1"/>
+              </a:fontRef>
+            </p:style>
+          </p:cxnSp>
+          <p:cxnSp>
+            <p:nvCxnSpPr>
+              <p:cNvPr id="58" name="Rett linje 57"/>
+              <p:cNvCxnSpPr/>
+              <p:nvPr/>
+            </p:nvCxnSpPr>
+            <p:spPr>
+              <a:xfrm flipV="1">
+                <a:off x="5175073" y="3998073"/>
+                <a:ext cx="600587" cy="0"/>
+              </a:xfrm>
+              <a:prstGeom prst="line">
+                <a:avLst/>
+              </a:prstGeom>
+              <a:ln>
+                <a:solidFill>
+                  <a:srgbClr val="979EA6"/>
+                </a:solidFill>
+              </a:ln>
+            </p:spPr>
+            <p:style>
+              <a:lnRef idx="1">
+                <a:schemeClr val="accent1"/>
+              </a:lnRef>
+              <a:fillRef idx="0">
+                <a:schemeClr val="accent1"/>
+              </a:fillRef>
+              <a:effectRef idx="0">
+                <a:schemeClr val="accent1"/>
+              </a:effectRef>
+              <a:fontRef idx="minor">
+                <a:schemeClr val="tx1"/>
+              </a:fontRef>
+            </p:style>
+          </p:cxnSp>
+          <p:sp>
+            <p:nvSpPr>
+              <p:cNvPr id="57" name="Avrundet rektangel 56"/>
+              <p:cNvSpPr/>
+              <p:nvPr/>
+            </p:nvSpPr>
+            <p:spPr>
+              <a:xfrm>
+                <a:off x="5099600" y="4077764"/>
+                <a:ext cx="748779" cy="126666"/>
+              </a:xfrm>
+              <a:prstGeom prst="roundRect">
+                <a:avLst/>
+              </a:prstGeom>
+              <a:solidFill>
+                <a:schemeClr val="bg1"/>
+              </a:solidFill>
+              <a:ln w="19050">
+                <a:solidFill>
+                  <a:schemeClr val="tx1">
+                    <a:lumMod val="65000"/>
+                    <a:lumOff val="35000"/>
+                  </a:schemeClr>
+                </a:solidFill>
+              </a:ln>
+            </p:spPr>
+            <p:style>
+              <a:lnRef idx="2">
+                <a:schemeClr val="accent1">
+                  <a:shade val="50000"/>
+                </a:schemeClr>
+              </a:lnRef>
+              <a:fillRef idx="1">
+                <a:schemeClr val="accent1"/>
+              </a:fillRef>
+              <a:effectRef idx="0">
+                <a:schemeClr val="accent1"/>
+              </a:effectRef>
+              <a:fontRef idx="minor">
+                <a:schemeClr val="lt1"/>
+              </a:fontRef>
+            </p:style>
+            <p:txBody>
+              <a:bodyPr rtlCol="0" anchor="ctr"/>
+              <a:lstStyle/>
+              <a:p>
+                <a:pPr algn="ctr"/>
+                <a:endParaRPr lang="nb-NO"/>
+              </a:p>
+            </p:txBody>
+          </p:sp>
+          <p:sp>
+            <p:nvSpPr>
+              <p:cNvPr id="61" name="Avrundet rektangel 60"/>
+              <p:cNvSpPr/>
+              <p:nvPr/>
+            </p:nvSpPr>
+            <p:spPr>
+              <a:xfrm>
+                <a:off x="5173810" y="2966646"/>
+                <a:ext cx="601851" cy="231678"/>
+              </a:xfrm>
+              <a:prstGeom prst="roundRect">
+                <a:avLst/>
+              </a:prstGeom>
+              <a:solidFill>
+                <a:schemeClr val="bg1"/>
+              </a:solidFill>
+              <a:ln w="19050">
+                <a:solidFill>
+                  <a:schemeClr val="tx1">
+                    <a:lumMod val="65000"/>
+                    <a:lumOff val="35000"/>
+                  </a:schemeClr>
+                </a:solidFill>
+              </a:ln>
+            </p:spPr>
+            <p:style>
+              <a:lnRef idx="2">
+                <a:schemeClr val="accent1">
+                  <a:shade val="50000"/>
+                </a:schemeClr>
+              </a:lnRef>
+              <a:fillRef idx="1">
+                <a:schemeClr val="accent1"/>
+              </a:fillRef>
+              <a:effectRef idx="0">
+                <a:schemeClr val="accent1"/>
+              </a:effectRef>
+              <a:fontRef idx="minor">
+                <a:schemeClr val="lt1"/>
+              </a:fontRef>
+            </p:style>
+            <p:txBody>
+              <a:bodyPr rtlCol="0" anchor="ctr"/>
+              <a:lstStyle/>
+              <a:p>
+                <a:pPr algn="ctr"/>
+                <a:endParaRPr lang="nb-NO"/>
+              </a:p>
+            </p:txBody>
+          </p:sp>
+          <p:sp>
+            <p:nvSpPr>
+              <p:cNvPr id="31" name="Rektangel 30"/>
+              <p:cNvSpPr/>
+              <p:nvPr/>
+            </p:nvSpPr>
+            <p:spPr>
+              <a:xfrm>
+                <a:off x="5681303" y="2966646"/>
+                <a:ext cx="94357" cy="150058"/>
+              </a:xfrm>
+              <a:prstGeom prst="rect">
+                <a:avLst/>
+              </a:prstGeom>
+              <a:solidFill>
+                <a:schemeClr val="bg1"/>
+              </a:solidFill>
+              <a:ln w="19050">
+                <a:solidFill>
+                  <a:schemeClr val="tx1">
+                    <a:lumMod val="65000"/>
+                    <a:lumOff val="35000"/>
+                  </a:schemeClr>
+                </a:solidFill>
+              </a:ln>
+            </p:spPr>
+            <p:style>
+              <a:lnRef idx="2">
+                <a:schemeClr val="accent1">
+                  <a:shade val="50000"/>
+                </a:schemeClr>
+              </a:lnRef>
+              <a:fillRef idx="1">
+                <a:schemeClr val="accent1"/>
+              </a:fillRef>
+              <a:effectRef idx="0">
+                <a:schemeClr val="accent1"/>
+              </a:effectRef>
+              <a:fontRef idx="minor">
+                <a:schemeClr val="lt1"/>
+              </a:fontRef>
+            </p:style>
+            <p:txBody>
+              <a:bodyPr rtlCol="0" anchor="ctr"/>
+              <a:lstStyle/>
+              <a:p>
+                <a:pPr algn="ctr"/>
+                <a:endParaRPr lang="nb-NO"/>
+              </a:p>
+            </p:txBody>
+          </p:sp>
+          <p:sp>
+            <p:nvSpPr>
+              <p:cNvPr id="62" name="Rektangel 61"/>
+              <p:cNvSpPr/>
+              <p:nvPr/>
+            </p:nvSpPr>
+            <p:spPr>
+              <a:xfrm>
+                <a:off x="5173810" y="2966646"/>
+                <a:ext cx="91656" cy="150058"/>
+              </a:xfrm>
+              <a:prstGeom prst="rect">
+                <a:avLst/>
+              </a:prstGeom>
+              <a:solidFill>
+                <a:schemeClr val="bg1"/>
+              </a:solidFill>
+              <a:ln w="19050">
+                <a:solidFill>
+                  <a:schemeClr val="tx1">
+                    <a:lumMod val="65000"/>
+                    <a:lumOff val="35000"/>
+                  </a:schemeClr>
+                </a:solidFill>
+              </a:ln>
+            </p:spPr>
+            <p:style>
+              <a:lnRef idx="2">
+                <a:schemeClr val="accent1">
+                  <a:shade val="50000"/>
+                </a:schemeClr>
+              </a:lnRef>
+              <a:fillRef idx="1">
+                <a:schemeClr val="accent1"/>
+              </a:fillRef>
+              <a:effectRef idx="0">
+                <a:schemeClr val="accent1"/>
+              </a:effectRef>
+              <a:fontRef idx="minor">
+                <a:schemeClr val="lt1"/>
+              </a:fontRef>
+            </p:style>
+            <p:txBody>
+              <a:bodyPr rtlCol="0" anchor="ctr"/>
+              <a:lstStyle/>
+              <a:p>
+                <a:pPr algn="ctr"/>
+                <a:endParaRPr lang="nb-NO"/>
+              </a:p>
+            </p:txBody>
+          </p:sp>
+          <p:grpSp>
+            <p:nvGrpSpPr>
+              <p:cNvPr id="54" name="Gruppe 53"/>
+              <p:cNvGrpSpPr/>
+              <p:nvPr/>
+            </p:nvGrpSpPr>
+            <p:grpSpPr>
+              <a:xfrm>
+                <a:off x="4924473" y="3271832"/>
+                <a:ext cx="401696" cy="704399"/>
+                <a:chOff x="7477568" y="3728864"/>
+                <a:chExt cx="807607" cy="1416189"/>
+              </a:xfrm>
+            </p:grpSpPr>
+            <p:sp>
+              <p:nvSpPr>
+                <p:cNvPr id="70" name="Frihåndsform 69"/>
+                <p:cNvSpPr/>
+                <p:nvPr/>
+              </p:nvSpPr>
+              <p:spPr>
+                <a:xfrm rot="1502173">
+                  <a:off x="7783624" y="3820772"/>
+                  <a:ext cx="501551" cy="1324281"/>
+                </a:xfrm>
+                <a:custGeom>
+                  <a:avLst/>
+                  <a:gdLst>
+                    <a:gd name="connsiteX0" fmla="*/ 0 w 501551"/>
+                    <a:gd name="connsiteY0" fmla="*/ 0 h 1324281"/>
+                    <a:gd name="connsiteX1" fmla="*/ 501551 w 501551"/>
+                    <a:gd name="connsiteY1" fmla="*/ 1324281 h 1324281"/>
+                    <a:gd name="connsiteX2" fmla="*/ 0 w 501551"/>
+                    <a:gd name="connsiteY2" fmla="*/ 1324281 h 1324281"/>
+                    <a:gd name="connsiteX3" fmla="*/ 0 w 501551"/>
+                    <a:gd name="connsiteY3" fmla="*/ 0 h 1324281"/>
+                  </a:gdLst>
+                  <a:ahLst/>
+                  <a:cxnLst>
+                    <a:cxn ang="0">
+                      <a:pos x="connsiteX0" y="connsiteY0"/>
+                    </a:cxn>
+                    <a:cxn ang="0">
+                      <a:pos x="connsiteX1" y="connsiteY1"/>
+                    </a:cxn>
+                    <a:cxn ang="0">
+                      <a:pos x="connsiteX2" y="connsiteY2"/>
+                    </a:cxn>
+                    <a:cxn ang="0">
+                      <a:pos x="connsiteX3" y="connsiteY3"/>
+                    </a:cxn>
+                  </a:cxnLst>
+                  <a:rect l="l" t="t" r="r" b="b"/>
+                  <a:pathLst>
+                    <a:path w="501551" h="1324281">
+                      <a:moveTo>
+                        <a:pt x="0" y="0"/>
+                      </a:moveTo>
+                      <a:cubicBezTo>
+                        <a:pt x="276998" y="0"/>
+                        <a:pt x="501550" y="592901"/>
+                        <a:pt x="501551" y="1324281"/>
+                      </a:cubicBezTo>
+                      <a:lnTo>
+                        <a:pt x="0" y="1324281"/>
+                      </a:lnTo>
+                      <a:lnTo>
+                        <a:pt x="0" y="0"/>
+                      </a:lnTo>
+                      <a:close/>
+                    </a:path>
+                  </a:pathLst>
+                </a:custGeom>
+                <a:solidFill>
+                  <a:srgbClr val="133E4D"/>
+                </a:solidFill>
+                <a:ln w="19050">
+                  <a:solidFill>
+                    <a:schemeClr val="tx1">
+                      <a:lumMod val="65000"/>
+                      <a:lumOff val="35000"/>
+                    </a:schemeClr>
+                  </a:solidFill>
+                </a:ln>
+              </p:spPr>
+              <p:style>
+                <a:lnRef idx="1">
+                  <a:schemeClr val="accent1"/>
+                </a:lnRef>
+                <a:fillRef idx="0">
+                  <a:schemeClr val="accent1"/>
+                </a:fillRef>
+                <a:effectRef idx="0">
+                  <a:schemeClr val="accent1"/>
+                </a:effectRef>
+                <a:fontRef idx="minor">
+                  <a:schemeClr val="tx1"/>
+                </a:fontRef>
+              </p:style>
+              <p:txBody>
+                <a:bodyPr wrap="square" rtlCol="0" anchor="ctr">
+                  <a:noAutofit/>
+                </a:bodyPr>
+                <a:lstStyle/>
+                <a:p>
+                  <a:pPr algn="ctr"/>
+                  <a:endParaRPr lang="nb-NO"/>
+                </a:p>
+              </p:txBody>
+            </p:sp>
+            <p:sp>
+              <p:nvSpPr>
+                <p:cNvPr id="47" name="Rektangel 46"/>
+                <p:cNvSpPr/>
+                <p:nvPr/>
+              </p:nvSpPr>
+              <p:spPr>
+                <a:xfrm rot="1500000">
+                  <a:off x="7477568" y="5054780"/>
+                  <a:ext cx="510463" cy="45719"/>
+                </a:xfrm>
+                <a:prstGeom prst="rect">
+                  <a:avLst/>
+                </a:prstGeom>
+                <a:solidFill>
+                  <a:srgbClr val="133E4D"/>
+                </a:solidFill>
+                <a:ln>
+                  <a:solidFill>
+                    <a:srgbClr val="133E4D"/>
+                  </a:solidFill>
+                </a:ln>
+              </p:spPr>
+              <p:style>
+                <a:lnRef idx="2">
+                  <a:schemeClr val="accent1">
+                    <a:shade val="50000"/>
+                  </a:schemeClr>
+                </a:lnRef>
+                <a:fillRef idx="1">
+                  <a:schemeClr val="accent1"/>
+                </a:fillRef>
+                <a:effectRef idx="0">
+                  <a:schemeClr val="accent1"/>
+                </a:effectRef>
+                <a:fontRef idx="minor">
+                  <a:schemeClr val="lt1"/>
+                </a:fontRef>
+              </p:style>
+              <p:txBody>
+                <a:bodyPr rtlCol="0" anchor="ctr"/>
+                <a:lstStyle/>
+                <a:p>
+                  <a:pPr algn="ctr"/>
+                  <a:endParaRPr lang="nb-NO"/>
+                </a:p>
+              </p:txBody>
+            </p:sp>
+            <p:sp>
+              <p:nvSpPr>
+                <p:cNvPr id="72" name="Rektangel 71"/>
+                <p:cNvSpPr/>
+                <p:nvPr/>
+              </p:nvSpPr>
+              <p:spPr>
+                <a:xfrm rot="1500000">
+                  <a:off x="7775779" y="3728864"/>
+                  <a:ext cx="45719" cy="1311665"/>
+                </a:xfrm>
+                <a:prstGeom prst="rect">
+                  <a:avLst/>
+                </a:prstGeom>
+                <a:solidFill>
+                  <a:srgbClr val="133E4D"/>
+                </a:solidFill>
+                <a:ln>
+                  <a:solidFill>
+                    <a:srgbClr val="133E4D"/>
+                  </a:solidFill>
+                </a:ln>
+              </p:spPr>
+              <p:style>
+                <a:lnRef idx="2">
+                  <a:schemeClr val="accent1">
+                    <a:shade val="50000"/>
+                  </a:schemeClr>
+                </a:lnRef>
+                <a:fillRef idx="1">
+                  <a:schemeClr val="accent1"/>
+                </a:fillRef>
+                <a:effectRef idx="0">
+                  <a:schemeClr val="accent1"/>
+                </a:effectRef>
+                <a:fontRef idx="minor">
+                  <a:schemeClr val="lt1"/>
+                </a:fontRef>
+              </p:style>
+              <p:txBody>
+                <a:bodyPr rtlCol="0" anchor="ctr"/>
+                <a:lstStyle/>
+                <a:p>
+                  <a:pPr algn="ctr"/>
+                  <a:endParaRPr lang="nb-NO"/>
+                </a:p>
+              </p:txBody>
+            </p:sp>
+          </p:grpSp>
+          <p:grpSp>
+            <p:nvGrpSpPr>
+              <p:cNvPr id="77" name="Gruppe 76"/>
+              <p:cNvGrpSpPr/>
+              <p:nvPr/>
+            </p:nvGrpSpPr>
+            <p:grpSpPr>
+              <a:xfrm flipH="1">
+                <a:off x="5630430" y="3271832"/>
+                <a:ext cx="401696" cy="704399"/>
+                <a:chOff x="7477568" y="3728864"/>
+                <a:chExt cx="807607" cy="1416189"/>
+              </a:xfrm>
+            </p:grpSpPr>
+            <p:sp>
+              <p:nvSpPr>
+                <p:cNvPr id="78" name="Frihåndsform 77"/>
+                <p:cNvSpPr/>
+                <p:nvPr/>
+              </p:nvSpPr>
+              <p:spPr>
+                <a:xfrm rot="1502173">
+                  <a:off x="7783624" y="3820772"/>
+                  <a:ext cx="501551" cy="1324281"/>
+                </a:xfrm>
+                <a:custGeom>
+                  <a:avLst/>
+                  <a:gdLst>
+                    <a:gd name="connsiteX0" fmla="*/ 0 w 501551"/>
+                    <a:gd name="connsiteY0" fmla="*/ 0 h 1324281"/>
+                    <a:gd name="connsiteX1" fmla="*/ 501551 w 501551"/>
+                    <a:gd name="connsiteY1" fmla="*/ 1324281 h 1324281"/>
+                    <a:gd name="connsiteX2" fmla="*/ 0 w 501551"/>
+                    <a:gd name="connsiteY2" fmla="*/ 1324281 h 1324281"/>
+                    <a:gd name="connsiteX3" fmla="*/ 0 w 501551"/>
+                    <a:gd name="connsiteY3" fmla="*/ 0 h 1324281"/>
+                  </a:gdLst>
+                  <a:ahLst/>
+                  <a:cxnLst>
+                    <a:cxn ang="0">
+                      <a:pos x="connsiteX0" y="connsiteY0"/>
+                    </a:cxn>
+                    <a:cxn ang="0">
+                      <a:pos x="connsiteX1" y="connsiteY1"/>
+                    </a:cxn>
+                    <a:cxn ang="0">
+                      <a:pos x="connsiteX2" y="connsiteY2"/>
+                    </a:cxn>
+                    <a:cxn ang="0">
+                      <a:pos x="connsiteX3" y="connsiteY3"/>
+                    </a:cxn>
+                  </a:cxnLst>
+                  <a:rect l="l" t="t" r="r" b="b"/>
+                  <a:pathLst>
+                    <a:path w="501551" h="1324281">
+                      <a:moveTo>
+                        <a:pt x="0" y="0"/>
+                      </a:moveTo>
+                      <a:cubicBezTo>
+                        <a:pt x="276998" y="0"/>
+                        <a:pt x="501550" y="592901"/>
+                        <a:pt x="501551" y="1324281"/>
+                      </a:cubicBezTo>
+                      <a:lnTo>
+                        <a:pt x="0" y="1324281"/>
+                      </a:lnTo>
+                      <a:lnTo>
+                        <a:pt x="0" y="0"/>
+                      </a:lnTo>
+                      <a:close/>
+                    </a:path>
+                  </a:pathLst>
+                </a:custGeom>
+                <a:solidFill>
+                  <a:srgbClr val="133E4D"/>
+                </a:solidFill>
+                <a:ln w="19050">
+                  <a:solidFill>
+                    <a:schemeClr val="tx1">
+                      <a:lumMod val="65000"/>
+                      <a:lumOff val="35000"/>
+                    </a:schemeClr>
+                  </a:solidFill>
+                </a:ln>
+              </p:spPr>
+              <p:style>
+                <a:lnRef idx="1">
+                  <a:schemeClr val="accent1"/>
+                </a:lnRef>
+                <a:fillRef idx="0">
+                  <a:schemeClr val="accent1"/>
+                </a:fillRef>
+                <a:effectRef idx="0">
+                  <a:schemeClr val="accent1"/>
+                </a:effectRef>
+                <a:fontRef idx="minor">
+                  <a:schemeClr val="tx1"/>
+                </a:fontRef>
+              </p:style>
+              <p:txBody>
+                <a:bodyPr wrap="square" rtlCol="0" anchor="ctr">
+                  <a:noAutofit/>
+                </a:bodyPr>
+                <a:lstStyle/>
+                <a:p>
+                  <a:pPr algn="ctr"/>
+                  <a:endParaRPr lang="nb-NO"/>
+                </a:p>
+              </p:txBody>
+            </p:sp>
+            <p:sp>
+              <p:nvSpPr>
+                <p:cNvPr id="79" name="Rektangel 78"/>
+                <p:cNvSpPr/>
+                <p:nvPr/>
+              </p:nvSpPr>
+              <p:spPr>
+                <a:xfrm rot="1500000">
+                  <a:off x="7477568" y="5054780"/>
+                  <a:ext cx="510463" cy="45719"/>
+                </a:xfrm>
+                <a:prstGeom prst="rect">
+                  <a:avLst/>
+                </a:prstGeom>
+                <a:solidFill>
+                  <a:srgbClr val="133E4D"/>
+                </a:solidFill>
+                <a:ln>
+                  <a:solidFill>
+                    <a:srgbClr val="133E4D"/>
+                  </a:solidFill>
+                </a:ln>
+              </p:spPr>
+              <p:style>
+                <a:lnRef idx="2">
+                  <a:schemeClr val="accent1">
+                    <a:shade val="50000"/>
+                  </a:schemeClr>
+                </a:lnRef>
+                <a:fillRef idx="1">
+                  <a:schemeClr val="accent1"/>
+                </a:fillRef>
+                <a:effectRef idx="0">
+                  <a:schemeClr val="accent1"/>
+                </a:effectRef>
+                <a:fontRef idx="minor">
+                  <a:schemeClr val="lt1"/>
+                </a:fontRef>
+              </p:style>
+              <p:txBody>
+                <a:bodyPr rtlCol="0" anchor="ctr"/>
+                <a:lstStyle/>
+                <a:p>
+                  <a:pPr algn="ctr"/>
+                  <a:endParaRPr lang="nb-NO"/>
+                </a:p>
+              </p:txBody>
+            </p:sp>
+            <p:sp>
+              <p:nvSpPr>
+                <p:cNvPr id="80" name="Rektangel 79"/>
+                <p:cNvSpPr/>
+                <p:nvPr/>
+              </p:nvSpPr>
+              <p:spPr>
+                <a:xfrm rot="1500000">
+                  <a:off x="7775779" y="3728864"/>
+                  <a:ext cx="45719" cy="1311665"/>
+                </a:xfrm>
+                <a:prstGeom prst="rect">
+                  <a:avLst/>
+                </a:prstGeom>
+                <a:solidFill>
+                  <a:srgbClr val="133E4D"/>
+                </a:solidFill>
+                <a:ln>
+                  <a:solidFill>
+                    <a:srgbClr val="133E4D"/>
+                  </a:solidFill>
+                </a:ln>
+              </p:spPr>
+              <p:style>
+                <a:lnRef idx="2">
+                  <a:schemeClr val="accent1">
+                    <a:shade val="50000"/>
+                  </a:schemeClr>
+                </a:lnRef>
+                <a:fillRef idx="1">
+                  <a:schemeClr val="accent1"/>
+                </a:fillRef>
+                <a:effectRef idx="0">
+                  <a:schemeClr val="accent1"/>
+                </a:effectRef>
+                <a:fontRef idx="minor">
+                  <a:schemeClr val="lt1"/>
+                </a:fontRef>
+              </p:style>
+              <p:txBody>
+                <a:bodyPr rtlCol="0" anchor="ctr"/>
+                <a:lstStyle/>
+                <a:p>
+                  <a:pPr algn="ctr"/>
+                  <a:endParaRPr lang="nb-NO"/>
+                </a:p>
+              </p:txBody>
+            </p:sp>
+          </p:grpSp>
+          <p:sp>
+            <p:nvSpPr>
+              <p:cNvPr id="59" name="Avrundet rektangel 58"/>
+              <p:cNvSpPr/>
+              <p:nvPr/>
+            </p:nvSpPr>
+            <p:spPr>
+              <a:xfrm>
+                <a:off x="5152292" y="3979900"/>
+                <a:ext cx="643395" cy="97864"/>
+              </a:xfrm>
+              <a:prstGeom prst="roundRect">
+                <a:avLst/>
+              </a:prstGeom>
+              <a:solidFill>
+                <a:schemeClr val="bg1"/>
+              </a:solidFill>
+              <a:ln w="19050">
+                <a:solidFill>
+                  <a:schemeClr val="tx1">
+                    <a:lumMod val="65000"/>
+                    <a:lumOff val="35000"/>
+                  </a:schemeClr>
+                </a:solidFill>
+              </a:ln>
+            </p:spPr>
+            <p:style>
+              <a:lnRef idx="2">
+                <a:schemeClr val="accent1">
+                  <a:shade val="50000"/>
+                </a:schemeClr>
+              </a:lnRef>
+              <a:fillRef idx="1">
+                <a:schemeClr val="accent1"/>
+              </a:fillRef>
+              <a:effectRef idx="0">
+                <a:schemeClr val="accent1"/>
+              </a:effectRef>
+              <a:fontRef idx="minor">
+                <a:schemeClr val="lt1"/>
+              </a:fontRef>
+            </p:style>
+            <p:txBody>
+              <a:bodyPr rtlCol="0" anchor="ctr"/>
+              <a:lstStyle/>
+              <a:p>
+                <a:pPr algn="ctr"/>
+                <a:endParaRPr lang="nb-NO"/>
+              </a:p>
+            </p:txBody>
+          </p:sp>
+          <p:sp>
+            <p:nvSpPr>
+              <p:cNvPr id="60" name="Avrundet rektangel 59"/>
+              <p:cNvSpPr/>
+              <p:nvPr/>
+            </p:nvSpPr>
+            <p:spPr>
+              <a:xfrm>
+                <a:off x="5195729" y="3197842"/>
+                <a:ext cx="556519" cy="97862"/>
+              </a:xfrm>
+              <a:prstGeom prst="roundRect">
+                <a:avLst/>
+              </a:prstGeom>
+              <a:solidFill>
+                <a:schemeClr val="bg1"/>
+              </a:solidFill>
+              <a:ln w="19050">
+                <a:solidFill>
+                  <a:schemeClr val="tx1">
+                    <a:lumMod val="65000"/>
+                    <a:lumOff val="35000"/>
+                  </a:schemeClr>
+                </a:solidFill>
+              </a:ln>
+            </p:spPr>
+            <p:style>
+              <a:lnRef idx="2">
+                <a:schemeClr val="accent1">
+                  <a:shade val="50000"/>
+                </a:schemeClr>
+              </a:lnRef>
+              <a:fillRef idx="1">
+                <a:schemeClr val="accent1"/>
+              </a:fillRef>
+              <a:effectRef idx="0">
+                <a:schemeClr val="accent1"/>
+              </a:effectRef>
+              <a:fontRef idx="minor">
+                <a:schemeClr val="lt1"/>
+              </a:fontRef>
+            </p:style>
+            <p:txBody>
+              <a:bodyPr rtlCol="0" anchor="ctr"/>
+              <a:lstStyle/>
+              <a:p>
+                <a:pPr algn="ctr"/>
+                <a:endParaRPr lang="nb-NO"/>
+              </a:p>
+            </p:txBody>
+          </p:sp>
+          <p:sp>
+            <p:nvSpPr>
+              <p:cNvPr id="63" name="Rektangel 62"/>
+              <p:cNvSpPr/>
+              <p:nvPr/>
+            </p:nvSpPr>
+            <p:spPr>
+              <a:xfrm>
+                <a:off x="5591227" y="2966646"/>
+                <a:ext cx="90491" cy="150058"/>
+              </a:xfrm>
+              <a:prstGeom prst="rect">
+                <a:avLst/>
+              </a:prstGeom>
+              <a:solidFill>
+                <a:srgbClr val="133E4D"/>
+              </a:solidFill>
+              <a:ln w="19050">
+                <a:solidFill>
+                  <a:schemeClr val="tx1">
+                    <a:lumMod val="65000"/>
+                    <a:lumOff val="35000"/>
+                  </a:schemeClr>
+                </a:solidFill>
+              </a:ln>
+            </p:spPr>
+            <p:style>
+              <a:lnRef idx="2">
+                <a:schemeClr val="accent1">
+                  <a:shade val="50000"/>
+                </a:schemeClr>
+              </a:lnRef>
+              <a:fillRef idx="1">
+                <a:schemeClr val="accent1"/>
+              </a:fillRef>
+              <a:effectRef idx="0">
+                <a:schemeClr val="accent1"/>
+              </a:effectRef>
+              <a:fontRef idx="minor">
+                <a:schemeClr val="lt1"/>
+              </a:fontRef>
+            </p:style>
+            <p:txBody>
+              <a:bodyPr rtlCol="0" anchor="ctr"/>
+              <a:lstStyle/>
+              <a:p>
+                <a:pPr algn="ctr"/>
+                <a:endParaRPr lang="nb-NO"/>
+              </a:p>
+            </p:txBody>
+          </p:sp>
+          <p:sp>
+            <p:nvSpPr>
+              <p:cNvPr id="81" name="Rektangel 80"/>
+              <p:cNvSpPr/>
+              <p:nvPr/>
+            </p:nvSpPr>
+            <p:spPr>
+              <a:xfrm>
+                <a:off x="5610162" y="2966645"/>
+                <a:ext cx="53404" cy="45719"/>
+              </a:xfrm>
+              <a:prstGeom prst="rect">
+                <a:avLst/>
+              </a:prstGeom>
+              <a:solidFill>
+                <a:srgbClr val="133E4D"/>
+              </a:solidFill>
+              <a:ln w="19050">
+                <a:solidFill>
+                  <a:srgbClr val="133E4D"/>
+                </a:solidFill>
+              </a:ln>
+            </p:spPr>
+            <p:style>
+              <a:lnRef idx="2">
+                <a:schemeClr val="accent1">
+                  <a:shade val="50000"/>
+                </a:schemeClr>
+              </a:lnRef>
+              <a:fillRef idx="1">
+                <a:schemeClr val="accent1"/>
+              </a:fillRef>
+              <a:effectRef idx="0">
+                <a:schemeClr val="accent1"/>
+              </a:effectRef>
+              <a:fontRef idx="minor">
+                <a:schemeClr val="lt1"/>
+              </a:fontRef>
+            </p:style>
+            <p:txBody>
+              <a:bodyPr rtlCol="0" anchor="ctr"/>
+              <a:lstStyle/>
+              <a:p>
+                <a:pPr algn="ctr"/>
+                <a:endParaRPr lang="nb-NO"/>
+              </a:p>
+            </p:txBody>
+          </p:sp>
+          <p:sp>
+            <p:nvSpPr>
+              <p:cNvPr id="84" name="Rektangel 83"/>
+              <p:cNvSpPr/>
+              <p:nvPr/>
+            </p:nvSpPr>
+            <p:spPr>
+              <a:xfrm>
+                <a:off x="5268950" y="2966646"/>
+                <a:ext cx="90491" cy="150058"/>
+              </a:xfrm>
+              <a:prstGeom prst="rect">
+                <a:avLst/>
+              </a:prstGeom>
+              <a:solidFill>
+                <a:srgbClr val="133E4D"/>
+              </a:solidFill>
+              <a:ln w="19050">
+                <a:solidFill>
+                  <a:schemeClr val="tx1">
+                    <a:lumMod val="65000"/>
+                    <a:lumOff val="35000"/>
+                  </a:schemeClr>
+                </a:solidFill>
+              </a:ln>
+            </p:spPr>
+            <p:style>
+              <a:lnRef idx="2">
+                <a:schemeClr val="accent1">
+                  <a:shade val="50000"/>
+                </a:schemeClr>
+              </a:lnRef>
+              <a:fillRef idx="1">
+                <a:schemeClr val="accent1"/>
+              </a:fillRef>
+              <a:effectRef idx="0">
+                <a:schemeClr val="accent1"/>
+              </a:effectRef>
+              <a:fontRef idx="minor">
+                <a:schemeClr val="lt1"/>
+              </a:fontRef>
+            </p:style>
+            <p:txBody>
+              <a:bodyPr rtlCol="0" anchor="ctr"/>
+              <a:lstStyle/>
+              <a:p>
+                <a:pPr algn="ctr"/>
+                <a:endParaRPr lang="nb-NO"/>
+              </a:p>
+            </p:txBody>
+          </p:sp>
+          <p:sp>
+            <p:nvSpPr>
+              <p:cNvPr id="85" name="Rektangel 84"/>
+              <p:cNvSpPr/>
+              <p:nvPr/>
+            </p:nvSpPr>
+            <p:spPr>
+              <a:xfrm>
+                <a:off x="5288280" y="2966645"/>
+                <a:ext cx="51999" cy="45719"/>
+              </a:xfrm>
+              <a:prstGeom prst="rect">
+                <a:avLst/>
+              </a:prstGeom>
+              <a:solidFill>
+                <a:srgbClr val="133E4D"/>
+              </a:solidFill>
+              <a:ln w="19050">
+                <a:solidFill>
+                  <a:srgbClr val="133E4D"/>
+                </a:solidFill>
+              </a:ln>
+            </p:spPr>
+            <p:style>
+              <a:lnRef idx="2">
+                <a:schemeClr val="accent1">
+                  <a:shade val="50000"/>
+                </a:schemeClr>
+              </a:lnRef>
+              <a:fillRef idx="1">
+                <a:schemeClr val="accent1"/>
+              </a:fillRef>
+              <a:effectRef idx="0">
+                <a:schemeClr val="accent1"/>
+              </a:effectRef>
+              <a:fontRef idx="minor">
+                <a:schemeClr val="lt1"/>
+              </a:fontRef>
+            </p:style>
+            <p:txBody>
+              <a:bodyPr rtlCol="0" anchor="ctr"/>
+              <a:lstStyle/>
+              <a:p>
+                <a:pPr algn="ctr"/>
+                <a:endParaRPr lang="nb-NO"/>
+              </a:p>
+            </p:txBody>
+          </p:sp>
+          <p:sp>
+            <p:nvSpPr>
+              <p:cNvPr id="88" name="Rektangel 87"/>
+              <p:cNvSpPr/>
+              <p:nvPr/>
+            </p:nvSpPr>
+            <p:spPr>
+              <a:xfrm>
+                <a:off x="5702598" y="3101584"/>
+                <a:ext cx="54311" cy="45719"/>
+              </a:xfrm>
+              <a:prstGeom prst="rect">
+                <a:avLst/>
+              </a:prstGeom>
+              <a:solidFill>
+                <a:schemeClr val="bg1"/>
+              </a:solidFill>
+              <a:ln w="19050">
+                <a:solidFill>
+                  <a:schemeClr val="bg1"/>
+                </a:solidFill>
+              </a:ln>
+            </p:spPr>
+            <p:style>
+              <a:lnRef idx="2">
+                <a:schemeClr val="accent1">
+                  <a:shade val="50000"/>
+                </a:schemeClr>
+              </a:lnRef>
+              <a:fillRef idx="1">
+                <a:schemeClr val="accent1"/>
+              </a:fillRef>
+              <a:effectRef idx="0">
+                <a:schemeClr val="accent1"/>
+              </a:effectRef>
+              <a:fontRef idx="minor">
+                <a:schemeClr val="lt1"/>
+              </a:fontRef>
+            </p:style>
+            <p:txBody>
+              <a:bodyPr rtlCol="0" anchor="ctr"/>
+              <a:lstStyle/>
+              <a:p>
+                <a:pPr algn="ctr"/>
+                <a:endParaRPr lang="nb-NO"/>
+              </a:p>
+            </p:txBody>
+          </p:sp>
+          <p:sp>
+            <p:nvSpPr>
+              <p:cNvPr id="89" name="Rektangel 88"/>
+              <p:cNvSpPr/>
+              <p:nvPr/>
+            </p:nvSpPr>
+            <p:spPr>
+              <a:xfrm>
+                <a:off x="5193029" y="3097558"/>
+                <a:ext cx="52727" cy="45719"/>
+              </a:xfrm>
+              <a:prstGeom prst="rect">
+                <a:avLst/>
+              </a:prstGeom>
+              <a:solidFill>
+                <a:schemeClr val="bg1"/>
+              </a:solidFill>
+              <a:ln w="19050">
+                <a:solidFill>
+                  <a:schemeClr val="bg1"/>
+                </a:solidFill>
+              </a:ln>
+            </p:spPr>
+            <p:style>
+              <a:lnRef idx="2">
+                <a:schemeClr val="accent1">
+                  <a:shade val="50000"/>
+                </a:schemeClr>
+              </a:lnRef>
+              <a:fillRef idx="1">
+                <a:schemeClr val="accent1"/>
+              </a:fillRef>
+              <a:effectRef idx="0">
+                <a:schemeClr val="accent1"/>
+              </a:effectRef>
+              <a:fontRef idx="minor">
+                <a:schemeClr val="lt1"/>
+              </a:fontRef>
+            </p:style>
+            <p:txBody>
+              <a:bodyPr rtlCol="0" anchor="ctr"/>
+              <a:lstStyle/>
+              <a:p>
+                <a:pPr algn="ctr"/>
+                <a:endParaRPr lang="nb-NO"/>
+              </a:p>
+            </p:txBody>
+          </p:sp>
+        </p:grpSp>
       </p:grpSp>
+    </p:spTree>
+    <p:extLst>
+      <p:ext uri="{BB962C8B-B14F-4D97-AF65-F5344CB8AC3E}">
+        <p14:creationId xmlns:p14="http://schemas.microsoft.com/office/powerpoint/2010/main" val="3364746252"/>
+      </p:ext>
+    </p:extLst>
+  </p:cSld>
+  <p:clrMapOvr>
+    <a:masterClrMapping/>
+  </p:clrMapOvr>
+  <p:timing>
+    <p:tnLst>
+      <p:par>
+        <p:cTn id="1" dur="indefinite" restart="never" nodeType="tmRoot"/>
+      </p:par>
+    </p:tnLst>
+  </p:timing>
+</p:sld>
+</file>
+
+<file path=ppt/slides/slide6.xml><?xml version="1.0" encoding="utf-8"?>
+<p:sld xmlns:a="http://schemas.openxmlformats.org/drawingml/2006/main" xmlns:r="http://schemas.openxmlformats.org/officeDocument/2006/relationships" xmlns:p="http://schemas.openxmlformats.org/presentationml/2006/main">
+  <p:cSld>
+    <p:spTree>
+      <p:nvGrpSpPr>
+        <p:cNvPr id="1" name=""/>
+        <p:cNvGrpSpPr/>
+        <p:nvPr/>
+      </p:nvGrpSpPr>
+      <p:grpSpPr>
+        <a:xfrm>
+          <a:off x="0" y="0"/>
+          <a:ext cx="0" cy="0"/>
+          <a:chOff x="0" y="0"/>
+          <a:chExt cx="0" cy="0"/>
+        </a:xfrm>
+      </p:grpSpPr>
       <p:sp>
         <p:nvSpPr>
-          <p:cNvPr id="3" name="Avrundet rektangel 2"/>
+          <p:cNvPr id="19" name="Rektangel 18"/>
           <p:cNvSpPr/>
           <p:nvPr/>
         </p:nvSpPr>
         <p:spPr>
           <a:xfrm>
-            <a:off x="7861610" y="2955073"/>
-            <a:ext cx="1505414" cy="254661"/>
+            <a:off x="8117299" y="-1028013"/>
+            <a:ext cx="2548328" cy="2191801"/>
           </a:xfrm>
-          <a:prstGeom prst="roundRect">
+          <a:prstGeom prst="rect">
             <a:avLst/>
           </a:prstGeom>
         </p:spPr>
@@ -13488,448 +13173,6 @@
           </a:p>
         </p:txBody>
       </p:sp>
-      <p:sp>
-        <p:nvSpPr>
-          <p:cNvPr id="48" name="Avrundet rektangel 47"/>
-          <p:cNvSpPr/>
-          <p:nvPr/>
-        </p:nvSpPr>
-        <p:spPr>
-          <a:xfrm>
-            <a:off x="7967546" y="2758319"/>
-            <a:ext cx="1293541" cy="196754"/>
-          </a:xfrm>
-          <a:prstGeom prst="roundRect">
-            <a:avLst/>
-          </a:prstGeom>
-        </p:spPr>
-        <p:style>
-          <a:lnRef idx="2">
-            <a:schemeClr val="accent1">
-              <a:shade val="50000"/>
-            </a:schemeClr>
-          </a:lnRef>
-          <a:fillRef idx="1">
-            <a:schemeClr val="accent1"/>
-          </a:fillRef>
-          <a:effectRef idx="0">
-            <a:schemeClr val="accent1"/>
-          </a:effectRef>
-          <a:fontRef idx="minor">
-            <a:schemeClr val="lt1"/>
-          </a:fontRef>
-        </p:style>
-        <p:txBody>
-          <a:bodyPr rtlCol="0" anchor="ctr"/>
-          <a:lstStyle/>
-          <a:p>
-            <a:pPr algn="ctr"/>
-            <a:endParaRPr lang="nb-NO"/>
-          </a:p>
-        </p:txBody>
-      </p:sp>
-      <p:sp>
-        <p:nvSpPr>
-          <p:cNvPr id="49" name="Avrundet rektangel 48"/>
-          <p:cNvSpPr/>
-          <p:nvPr/>
-        </p:nvSpPr>
-        <p:spPr>
-          <a:xfrm>
-            <a:off x="7967546" y="1185997"/>
-            <a:ext cx="1293541" cy="196754"/>
-          </a:xfrm>
-          <a:prstGeom prst="roundRect">
-            <a:avLst/>
-          </a:prstGeom>
-        </p:spPr>
-        <p:style>
-          <a:lnRef idx="2">
-            <a:schemeClr val="accent1">
-              <a:shade val="50000"/>
-            </a:schemeClr>
-          </a:lnRef>
-          <a:fillRef idx="1">
-            <a:schemeClr val="accent1"/>
-          </a:fillRef>
-          <a:effectRef idx="0">
-            <a:schemeClr val="accent1"/>
-          </a:effectRef>
-          <a:fontRef idx="minor">
-            <a:schemeClr val="lt1"/>
-          </a:fontRef>
-        </p:style>
-        <p:txBody>
-          <a:bodyPr rtlCol="0" anchor="ctr"/>
-          <a:lstStyle/>
-          <a:p>
-            <a:pPr algn="ctr"/>
-            <a:endParaRPr lang="nb-NO"/>
-          </a:p>
-        </p:txBody>
-      </p:sp>
-      <p:sp>
-        <p:nvSpPr>
-          <p:cNvPr id="55" name="Bue 54"/>
-          <p:cNvSpPr/>
-          <p:nvPr/>
-        </p:nvSpPr>
-        <p:spPr>
-          <a:xfrm rot="1502173">
-            <a:off x="7025425" y="1220214"/>
-            <a:ext cx="1003100" cy="2648561"/>
-          </a:xfrm>
-          <a:prstGeom prst="arc">
-            <a:avLst/>
-          </a:prstGeom>
-        </p:spPr>
-        <p:style>
-          <a:lnRef idx="1">
-            <a:schemeClr val="accent1"/>
-          </a:lnRef>
-          <a:fillRef idx="0">
-            <a:schemeClr val="accent1"/>
-          </a:fillRef>
-          <a:effectRef idx="0">
-            <a:schemeClr val="accent1"/>
-          </a:effectRef>
-          <a:fontRef idx="minor">
-            <a:schemeClr val="tx1"/>
-          </a:fontRef>
-        </p:style>
-        <p:txBody>
-          <a:bodyPr rtlCol="0" anchor="ctr"/>
-          <a:lstStyle/>
-          <a:p>
-            <a:pPr algn="ctr"/>
-            <a:endParaRPr lang="nb-NO"/>
-          </a:p>
-        </p:txBody>
-      </p:sp>
-      <p:sp>
-        <p:nvSpPr>
-          <p:cNvPr id="56" name="Bue 55"/>
-          <p:cNvSpPr/>
-          <p:nvPr/>
-        </p:nvSpPr>
-        <p:spPr>
-          <a:xfrm rot="20097827" flipH="1">
-            <a:off x="9141749" y="1220213"/>
-            <a:ext cx="1003100" cy="2648561"/>
-          </a:xfrm>
-          <a:prstGeom prst="arc">
-            <a:avLst/>
-          </a:prstGeom>
-        </p:spPr>
-        <p:style>
-          <a:lnRef idx="1">
-            <a:schemeClr val="accent1"/>
-          </a:lnRef>
-          <a:fillRef idx="0">
-            <a:schemeClr val="accent1"/>
-          </a:fillRef>
-          <a:effectRef idx="0">
-            <a:schemeClr val="accent1"/>
-          </a:effectRef>
-          <a:fontRef idx="minor">
-            <a:schemeClr val="tx1"/>
-          </a:fontRef>
-        </p:style>
-        <p:txBody>
-          <a:bodyPr rtlCol="0" anchor="ctr"/>
-          <a:lstStyle/>
-          <a:p>
-            <a:pPr algn="ctr"/>
-            <a:endParaRPr lang="nb-NO"/>
-          </a:p>
-        </p:txBody>
-      </p:sp>
-      <p:sp>
-        <p:nvSpPr>
-          <p:cNvPr id="71" name="Frihåndsform 70"/>
-          <p:cNvSpPr/>
-          <p:nvPr/>
-        </p:nvSpPr>
-        <p:spPr>
-          <a:xfrm rot="1502173">
-            <a:off x="8726205" y="3923147"/>
-            <a:ext cx="1065617" cy="1234565"/>
-          </a:xfrm>
-          <a:custGeom>
-            <a:avLst/>
-            <a:gdLst>
-              <a:gd name="connsiteX0" fmla="*/ 50084 w 1065617"/>
-              <a:gd name="connsiteY0" fmla="*/ 0 h 1234565"/>
-              <a:gd name="connsiteX1" fmla="*/ 1065617 w 1065617"/>
-              <a:gd name="connsiteY1" fmla="*/ 849948 h 1234565"/>
-              <a:gd name="connsiteX2" fmla="*/ 743714 w 1065617"/>
-              <a:gd name="connsiteY2" fmla="*/ 1234565 h 1234565"/>
-              <a:gd name="connsiteX3" fmla="*/ 50084 w 1065617"/>
-              <a:gd name="connsiteY3" fmla="*/ 0 h 1234565"/>
-            </a:gdLst>
-            <a:ahLst/>
-            <a:cxnLst>
-              <a:cxn ang="0">
-                <a:pos x="connsiteX0" y="connsiteY0"/>
-              </a:cxn>
-              <a:cxn ang="0">
-                <a:pos x="connsiteX1" y="connsiteY1"/>
-              </a:cxn>
-              <a:cxn ang="0">
-                <a:pos x="connsiteX2" y="connsiteY2"/>
-              </a:cxn>
-              <a:cxn ang="0">
-                <a:pos x="connsiteX3" y="connsiteY3"/>
-              </a:cxn>
-            </a:cxnLst>
-            <a:rect l="l" t="t" r="r" b="b"/>
-            <a:pathLst>
-              <a:path w="1065617" h="1234565">
-                <a:moveTo>
-                  <a:pt x="50084" y="0"/>
-                </a:moveTo>
-                <a:lnTo>
-                  <a:pt x="1065617" y="849948"/>
-                </a:lnTo>
-                <a:lnTo>
-                  <a:pt x="743714" y="1234565"/>
-                </a:lnTo>
-                <a:cubicBezTo>
-                  <a:pt x="182850" y="765152"/>
-                  <a:pt x="-127699" y="212417"/>
-                  <a:pt x="50084" y="0"/>
-                </a:cubicBezTo>
-                <a:close/>
-              </a:path>
-            </a:pathLst>
-          </a:custGeom>
-          <a:solidFill>
-            <a:srgbClr val="133E4D"/>
-          </a:solidFill>
-          <a:ln>
-            <a:solidFill>
-              <a:srgbClr val="133E4D"/>
-            </a:solidFill>
-          </a:ln>
-        </p:spPr>
-        <p:style>
-          <a:lnRef idx="1">
-            <a:schemeClr val="accent1"/>
-          </a:lnRef>
-          <a:fillRef idx="0">
-            <a:schemeClr val="accent1"/>
-          </a:fillRef>
-          <a:effectRef idx="0">
-            <a:schemeClr val="accent1"/>
-          </a:effectRef>
-          <a:fontRef idx="minor">
-            <a:schemeClr val="tx1"/>
-          </a:fontRef>
-        </p:style>
-        <p:txBody>
-          <a:bodyPr wrap="square" rtlCol="0" anchor="ctr">
-            <a:noAutofit/>
-          </a:bodyPr>
-          <a:lstStyle/>
-          <a:p>
-            <a:pPr algn="ctr"/>
-            <a:endParaRPr lang="nb-NO"/>
-          </a:p>
-        </p:txBody>
-      </p:sp>
-      <p:sp>
-        <p:nvSpPr>
-          <p:cNvPr id="70" name="Frihåndsform 69"/>
-          <p:cNvSpPr/>
-          <p:nvPr/>
-        </p:nvSpPr>
-        <p:spPr>
-          <a:xfrm rot="1502173">
-            <a:off x="7783624" y="3820774"/>
-            <a:ext cx="501551" cy="1324281"/>
-          </a:xfrm>
-          <a:custGeom>
-            <a:avLst/>
-            <a:gdLst>
-              <a:gd name="connsiteX0" fmla="*/ 0 w 501551"/>
-              <a:gd name="connsiteY0" fmla="*/ 0 h 1324281"/>
-              <a:gd name="connsiteX1" fmla="*/ 501551 w 501551"/>
-              <a:gd name="connsiteY1" fmla="*/ 1324281 h 1324281"/>
-              <a:gd name="connsiteX2" fmla="*/ 0 w 501551"/>
-              <a:gd name="connsiteY2" fmla="*/ 1324281 h 1324281"/>
-              <a:gd name="connsiteX3" fmla="*/ 0 w 501551"/>
-              <a:gd name="connsiteY3" fmla="*/ 0 h 1324281"/>
-            </a:gdLst>
-            <a:ahLst/>
-            <a:cxnLst>
-              <a:cxn ang="0">
-                <a:pos x="connsiteX0" y="connsiteY0"/>
-              </a:cxn>
-              <a:cxn ang="0">
-                <a:pos x="connsiteX1" y="connsiteY1"/>
-              </a:cxn>
-              <a:cxn ang="0">
-                <a:pos x="connsiteX2" y="connsiteY2"/>
-              </a:cxn>
-              <a:cxn ang="0">
-                <a:pos x="connsiteX3" y="connsiteY3"/>
-              </a:cxn>
-            </a:cxnLst>
-            <a:rect l="l" t="t" r="r" b="b"/>
-            <a:pathLst>
-              <a:path w="501551" h="1324281">
-                <a:moveTo>
-                  <a:pt x="0" y="0"/>
-                </a:moveTo>
-                <a:cubicBezTo>
-                  <a:pt x="276998" y="0"/>
-                  <a:pt x="501550" y="592901"/>
-                  <a:pt x="501551" y="1324281"/>
-                </a:cubicBezTo>
-                <a:lnTo>
-                  <a:pt x="0" y="1324281"/>
-                </a:lnTo>
-                <a:lnTo>
-                  <a:pt x="0" y="0"/>
-                </a:lnTo>
-                <a:close/>
-              </a:path>
-            </a:pathLst>
-          </a:custGeom>
-          <a:solidFill>
-            <a:srgbClr val="133E4D"/>
-          </a:solidFill>
-          <a:ln>
-            <a:solidFill>
-              <a:srgbClr val="133E4D"/>
-            </a:solidFill>
-          </a:ln>
-        </p:spPr>
-        <p:style>
-          <a:lnRef idx="1">
-            <a:schemeClr val="accent1"/>
-          </a:lnRef>
-          <a:fillRef idx="0">
-            <a:schemeClr val="accent1"/>
-          </a:fillRef>
-          <a:effectRef idx="0">
-            <a:schemeClr val="accent1"/>
-          </a:effectRef>
-          <a:fontRef idx="minor">
-            <a:schemeClr val="tx1"/>
-          </a:fontRef>
-        </p:style>
-        <p:txBody>
-          <a:bodyPr wrap="square" rtlCol="0" anchor="ctr">
-            <a:noAutofit/>
-          </a:bodyPr>
-          <a:lstStyle/>
-          <a:p>
-            <a:pPr algn="ctr"/>
-            <a:endParaRPr lang="nb-NO"/>
-          </a:p>
-        </p:txBody>
-      </p:sp>
-      <p:cxnSp>
-        <p:nvCxnSpPr>
-          <p:cNvPr id="46" name="Rett linje 45"/>
-          <p:cNvCxnSpPr/>
-          <p:nvPr/>
-        </p:nvCxnSpPr>
-        <p:spPr>
-          <a:xfrm flipV="1">
-            <a:off x="8087398" y="3776862"/>
-            <a:ext cx="995476" cy="1"/>
-          </a:xfrm>
-          <a:prstGeom prst="line">
-            <a:avLst/>
-          </a:prstGeom>
-          <a:ln>
-            <a:solidFill>
-              <a:srgbClr val="979EA6"/>
-            </a:solidFill>
-          </a:ln>
-        </p:spPr>
-        <p:style>
-          <a:lnRef idx="1">
-            <a:schemeClr val="accent1"/>
-          </a:lnRef>
-          <a:fillRef idx="0">
-            <a:schemeClr val="accent1"/>
-          </a:fillRef>
-          <a:effectRef idx="0">
-            <a:schemeClr val="accent1"/>
-          </a:effectRef>
-          <a:fontRef idx="minor">
-            <a:schemeClr val="tx1"/>
-          </a:fontRef>
-        </p:style>
-      </p:cxnSp>
-      <p:cxnSp>
-        <p:nvCxnSpPr>
-          <p:cNvPr id="58" name="Rett linje 57"/>
-          <p:cNvCxnSpPr/>
-          <p:nvPr/>
-        </p:nvCxnSpPr>
-        <p:spPr>
-          <a:xfrm flipV="1">
-            <a:off x="7981398" y="5188965"/>
-            <a:ext cx="1207476" cy="1"/>
-          </a:xfrm>
-          <a:prstGeom prst="line">
-            <a:avLst/>
-          </a:prstGeom>
-          <a:ln>
-            <a:solidFill>
-              <a:srgbClr val="979EA6"/>
-            </a:solidFill>
-          </a:ln>
-        </p:spPr>
-        <p:style>
-          <a:lnRef idx="1">
-            <a:schemeClr val="accent1"/>
-          </a:lnRef>
-          <a:fillRef idx="0">
-            <a:schemeClr val="accent1"/>
-          </a:fillRef>
-          <a:effectRef idx="0">
-            <a:schemeClr val="accent1"/>
-          </a:effectRef>
-          <a:fontRef idx="minor">
-            <a:schemeClr val="tx1"/>
-          </a:fontRef>
-        </p:style>
-      </p:cxnSp>
-    </p:spTree>
-    <p:extLst>
-      <p:ext uri="{BB962C8B-B14F-4D97-AF65-F5344CB8AC3E}">
-        <p14:creationId xmlns:p14="http://schemas.microsoft.com/office/powerpoint/2010/main" val="3364746252"/>
-      </p:ext>
-    </p:extLst>
-  </p:cSld>
-  <p:clrMapOvr>
-    <a:masterClrMapping/>
-  </p:clrMapOvr>
-</p:sld>
-</file>
-
-<file path=ppt/slides/slide6.xml><?xml version="1.0" encoding="utf-8"?>
-<p:sld xmlns:a="http://schemas.openxmlformats.org/drawingml/2006/main" xmlns:r="http://schemas.openxmlformats.org/officeDocument/2006/relationships" xmlns:p="http://schemas.openxmlformats.org/presentationml/2006/main">
-  <p:cSld>
-    <p:spTree>
-      <p:nvGrpSpPr>
-        <p:cNvPr id="1" name=""/>
-        <p:cNvGrpSpPr/>
-        <p:nvPr/>
-      </p:nvGrpSpPr>
-      <p:grpSpPr>
-        <a:xfrm>
-          <a:off x="0" y="0"/>
-          <a:ext cx="0" cy="0"/>
-          <a:chOff x="0" y="0"/>
-          <a:chExt cx="0" cy="0"/>
-        </a:xfrm>
-      </p:grpSpPr>
       <p:sp>
         <p:nvSpPr>
           <p:cNvPr id="2" name="Hexagon 35">
@@ -14637,202 +13880,6 @@
               </a:solidFill>
               <a:latin typeface="Trebuchet MS" panose="020B0603020202020204" pitchFamily="34" charset="0"/>
             </a:endParaRPr>
-          </a:p>
-        </p:txBody>
-      </p:sp>
-      <p:sp>
-        <p:nvSpPr>
-          <p:cNvPr id="3" name="Avrundet rektangel 2"/>
-          <p:cNvSpPr/>
-          <p:nvPr/>
-        </p:nvSpPr>
-        <p:spPr>
-          <a:xfrm>
-            <a:off x="7861610" y="2955073"/>
-            <a:ext cx="1505414" cy="254661"/>
-          </a:xfrm>
-          <a:prstGeom prst="roundRect">
-            <a:avLst/>
-          </a:prstGeom>
-        </p:spPr>
-        <p:style>
-          <a:lnRef idx="2">
-            <a:schemeClr val="accent1">
-              <a:shade val="50000"/>
-            </a:schemeClr>
-          </a:lnRef>
-          <a:fillRef idx="1">
-            <a:schemeClr val="accent1"/>
-          </a:fillRef>
-          <a:effectRef idx="0">
-            <a:schemeClr val="accent1"/>
-          </a:effectRef>
-          <a:fontRef idx="minor">
-            <a:schemeClr val="lt1"/>
-          </a:fontRef>
-        </p:style>
-        <p:txBody>
-          <a:bodyPr rtlCol="0" anchor="ctr"/>
-          <a:lstStyle/>
-          <a:p>
-            <a:pPr algn="ctr"/>
-            <a:endParaRPr lang="nb-NO"/>
-          </a:p>
-        </p:txBody>
-      </p:sp>
-      <p:sp>
-        <p:nvSpPr>
-          <p:cNvPr id="48" name="Avrundet rektangel 47"/>
-          <p:cNvSpPr/>
-          <p:nvPr/>
-        </p:nvSpPr>
-        <p:spPr>
-          <a:xfrm>
-            <a:off x="7967546" y="2758319"/>
-            <a:ext cx="1293541" cy="196754"/>
-          </a:xfrm>
-          <a:prstGeom prst="roundRect">
-            <a:avLst/>
-          </a:prstGeom>
-        </p:spPr>
-        <p:style>
-          <a:lnRef idx="2">
-            <a:schemeClr val="accent1">
-              <a:shade val="50000"/>
-            </a:schemeClr>
-          </a:lnRef>
-          <a:fillRef idx="1">
-            <a:schemeClr val="accent1"/>
-          </a:fillRef>
-          <a:effectRef idx="0">
-            <a:schemeClr val="accent1"/>
-          </a:effectRef>
-          <a:fontRef idx="minor">
-            <a:schemeClr val="lt1"/>
-          </a:fontRef>
-        </p:style>
-        <p:txBody>
-          <a:bodyPr rtlCol="0" anchor="ctr"/>
-          <a:lstStyle/>
-          <a:p>
-            <a:pPr algn="ctr"/>
-            <a:endParaRPr lang="nb-NO"/>
-          </a:p>
-        </p:txBody>
-      </p:sp>
-      <p:sp>
-        <p:nvSpPr>
-          <p:cNvPr id="49" name="Avrundet rektangel 48"/>
-          <p:cNvSpPr/>
-          <p:nvPr/>
-        </p:nvSpPr>
-        <p:spPr>
-          <a:xfrm>
-            <a:off x="7967546" y="1185997"/>
-            <a:ext cx="1293541" cy="196754"/>
-          </a:xfrm>
-          <a:prstGeom prst="roundRect">
-            <a:avLst/>
-          </a:prstGeom>
-        </p:spPr>
-        <p:style>
-          <a:lnRef idx="2">
-            <a:schemeClr val="accent1">
-              <a:shade val="50000"/>
-            </a:schemeClr>
-          </a:lnRef>
-          <a:fillRef idx="1">
-            <a:schemeClr val="accent1"/>
-          </a:fillRef>
-          <a:effectRef idx="0">
-            <a:schemeClr val="accent1"/>
-          </a:effectRef>
-          <a:fontRef idx="minor">
-            <a:schemeClr val="lt1"/>
-          </a:fontRef>
-        </p:style>
-        <p:txBody>
-          <a:bodyPr rtlCol="0" anchor="ctr"/>
-          <a:lstStyle/>
-          <a:p>
-            <a:pPr algn="ctr"/>
-            <a:endParaRPr lang="nb-NO"/>
-          </a:p>
-        </p:txBody>
-      </p:sp>
-      <p:sp>
-        <p:nvSpPr>
-          <p:cNvPr id="31" name="Bue 30"/>
-          <p:cNvSpPr/>
-          <p:nvPr/>
-        </p:nvSpPr>
-        <p:spPr>
-          <a:xfrm rot="1502173">
-            <a:off x="7025425" y="1220214"/>
-            <a:ext cx="1003100" cy="2648561"/>
-          </a:xfrm>
-          <a:prstGeom prst="arc">
-            <a:avLst/>
-          </a:prstGeom>
-        </p:spPr>
-        <p:style>
-          <a:lnRef idx="1">
-            <a:schemeClr val="accent1"/>
-          </a:lnRef>
-          <a:fillRef idx="0">
-            <a:schemeClr val="accent1"/>
-          </a:fillRef>
-          <a:effectRef idx="0">
-            <a:schemeClr val="accent1"/>
-          </a:effectRef>
-          <a:fontRef idx="minor">
-            <a:schemeClr val="tx1"/>
-          </a:fontRef>
-        </p:style>
-        <p:txBody>
-          <a:bodyPr rtlCol="0" anchor="ctr"/>
-          <a:lstStyle/>
-          <a:p>
-            <a:pPr algn="ctr"/>
-            <a:endParaRPr lang="nb-NO"/>
-          </a:p>
-        </p:txBody>
-      </p:sp>
-      <p:sp>
-        <p:nvSpPr>
-          <p:cNvPr id="54" name="Bue 53"/>
-          <p:cNvSpPr/>
-          <p:nvPr/>
-        </p:nvSpPr>
-        <p:spPr>
-          <a:xfrm rot="20097827" flipH="1">
-            <a:off x="9141749" y="1220213"/>
-            <a:ext cx="1003100" cy="2648561"/>
-          </a:xfrm>
-          <a:prstGeom prst="arc">
-            <a:avLst/>
-          </a:prstGeom>
-        </p:spPr>
-        <p:style>
-          <a:lnRef idx="1">
-            <a:schemeClr val="accent1"/>
-          </a:lnRef>
-          <a:fillRef idx="0">
-            <a:schemeClr val="accent1"/>
-          </a:fillRef>
-          <a:effectRef idx="0">
-            <a:schemeClr val="accent1"/>
-          </a:effectRef>
-          <a:fontRef idx="minor">
-            <a:schemeClr val="tx1"/>
-          </a:fontRef>
-        </p:style>
-        <p:txBody>
-          <a:bodyPr rtlCol="0" anchor="ctr"/>
-          <a:lstStyle/>
-          <a:p>
-            <a:pPr algn="ctr"/>
-            <a:endParaRPr lang="nb-NO"/>
           </a:p>
         </p:txBody>
       </p:sp>
@@ -16006,6 +15053,764 @@
           </p:style>
         </p:cxnSp>
       </p:grpSp>
+      <p:sp>
+        <p:nvSpPr>
+          <p:cNvPr id="18" name="Ellipse 17"/>
+          <p:cNvSpPr/>
+          <p:nvPr/>
+        </p:nvSpPr>
+        <p:spPr>
+          <a:xfrm>
+            <a:off x="9022166" y="1762144"/>
+            <a:ext cx="262042" cy="267824"/>
+          </a:xfrm>
+          <a:prstGeom prst="ellipse">
+            <a:avLst/>
+          </a:prstGeom>
+          <a:solidFill>
+            <a:schemeClr val="bg1"/>
+          </a:solidFill>
+          <a:ln>
+            <a:solidFill>
+              <a:schemeClr val="tx1">
+                <a:lumMod val="65000"/>
+                <a:lumOff val="35000"/>
+              </a:schemeClr>
+            </a:solidFill>
+          </a:ln>
+        </p:spPr>
+        <p:style>
+          <a:lnRef idx="2">
+            <a:schemeClr val="accent1">
+              <a:shade val="50000"/>
+            </a:schemeClr>
+          </a:lnRef>
+          <a:fillRef idx="1">
+            <a:schemeClr val="accent1"/>
+          </a:fillRef>
+          <a:effectRef idx="0">
+            <a:schemeClr val="accent1"/>
+          </a:effectRef>
+          <a:fontRef idx="minor">
+            <a:schemeClr val="lt1"/>
+          </a:fontRef>
+        </p:style>
+        <p:txBody>
+          <a:bodyPr rtlCol="0" anchor="ctr"/>
+          <a:lstStyle/>
+          <a:p>
+            <a:pPr algn="ctr"/>
+            <a:endParaRPr lang="nb-NO"/>
+          </a:p>
+        </p:txBody>
+      </p:sp>
+      <p:cxnSp>
+        <p:nvCxnSpPr>
+          <p:cNvPr id="39" name="Rett linje 38"/>
+          <p:cNvCxnSpPr>
+            <a:stCxn id="18" idx="4"/>
+            <a:endCxn id="18" idx="0"/>
+          </p:cNvCxnSpPr>
+          <p:nvPr/>
+        </p:nvCxnSpPr>
+        <p:spPr>
+          <a:xfrm flipV="1">
+            <a:off x="9153187" y="1762144"/>
+            <a:ext cx="0" cy="36000"/>
+          </a:xfrm>
+          <a:prstGeom prst="line">
+            <a:avLst/>
+          </a:prstGeom>
+          <a:ln w="12700">
+            <a:solidFill>
+              <a:schemeClr val="tx1">
+                <a:lumMod val="65000"/>
+                <a:lumOff val="35000"/>
+              </a:schemeClr>
+            </a:solidFill>
+          </a:ln>
+        </p:spPr>
+        <p:style>
+          <a:lnRef idx="1">
+            <a:schemeClr val="accent1"/>
+          </a:lnRef>
+          <a:fillRef idx="0">
+            <a:schemeClr val="accent1"/>
+          </a:fillRef>
+          <a:effectRef idx="0">
+            <a:schemeClr val="accent1"/>
+          </a:effectRef>
+          <a:fontRef idx="minor">
+            <a:schemeClr val="tx1"/>
+          </a:fontRef>
+        </p:style>
+      </p:cxnSp>
+      <p:cxnSp>
+        <p:nvCxnSpPr>
+          <p:cNvPr id="106" name="Rett linje 105"/>
+          <p:cNvCxnSpPr/>
+          <p:nvPr/>
+        </p:nvCxnSpPr>
+        <p:spPr>
+          <a:xfrm flipV="1">
+            <a:off x="9162712" y="1993968"/>
+            <a:ext cx="0" cy="36000"/>
+          </a:xfrm>
+          <a:prstGeom prst="line">
+            <a:avLst/>
+          </a:prstGeom>
+          <a:ln w="12700">
+            <a:solidFill>
+              <a:schemeClr val="tx1">
+                <a:lumMod val="65000"/>
+                <a:lumOff val="35000"/>
+              </a:schemeClr>
+            </a:solidFill>
+          </a:ln>
+        </p:spPr>
+        <p:style>
+          <a:lnRef idx="1">
+            <a:schemeClr val="accent1"/>
+          </a:lnRef>
+          <a:fillRef idx="0">
+            <a:schemeClr val="accent1"/>
+          </a:fillRef>
+          <a:effectRef idx="0">
+            <a:schemeClr val="accent1"/>
+          </a:effectRef>
+          <a:fontRef idx="minor">
+            <a:schemeClr val="tx1"/>
+          </a:fontRef>
+        </p:style>
+      </p:cxnSp>
+      <p:cxnSp>
+        <p:nvCxnSpPr>
+          <p:cNvPr id="107" name="Rett linje 106"/>
+          <p:cNvCxnSpPr/>
+          <p:nvPr/>
+        </p:nvCxnSpPr>
+        <p:spPr>
+          <a:xfrm rot="5400000" flipV="1">
+            <a:off x="9266208" y="1879668"/>
+            <a:ext cx="0" cy="36000"/>
+          </a:xfrm>
+          <a:prstGeom prst="line">
+            <a:avLst/>
+          </a:prstGeom>
+          <a:ln w="12700">
+            <a:solidFill>
+              <a:schemeClr val="tx1">
+                <a:lumMod val="65000"/>
+                <a:lumOff val="35000"/>
+              </a:schemeClr>
+            </a:solidFill>
+          </a:ln>
+        </p:spPr>
+        <p:style>
+          <a:lnRef idx="1">
+            <a:schemeClr val="accent1"/>
+          </a:lnRef>
+          <a:fillRef idx="0">
+            <a:schemeClr val="accent1"/>
+          </a:fillRef>
+          <a:effectRef idx="0">
+            <a:schemeClr val="accent1"/>
+          </a:effectRef>
+          <a:fontRef idx="minor">
+            <a:schemeClr val="tx1"/>
+          </a:fontRef>
+        </p:style>
+      </p:cxnSp>
+      <p:cxnSp>
+        <p:nvCxnSpPr>
+          <p:cNvPr id="108" name="Rett linje 107"/>
+          <p:cNvCxnSpPr/>
+          <p:nvPr/>
+        </p:nvCxnSpPr>
+        <p:spPr>
+          <a:xfrm rot="5400000" flipV="1">
+            <a:off x="9044602" y="1879668"/>
+            <a:ext cx="0" cy="36000"/>
+          </a:xfrm>
+          <a:prstGeom prst="line">
+            <a:avLst/>
+          </a:prstGeom>
+          <a:ln w="12700">
+            <a:solidFill>
+              <a:schemeClr val="tx1">
+                <a:lumMod val="65000"/>
+                <a:lumOff val="35000"/>
+              </a:schemeClr>
+            </a:solidFill>
+          </a:ln>
+        </p:spPr>
+        <p:style>
+          <a:lnRef idx="1">
+            <a:schemeClr val="accent1"/>
+          </a:lnRef>
+          <a:fillRef idx="0">
+            <a:schemeClr val="accent1"/>
+          </a:fillRef>
+          <a:effectRef idx="0">
+            <a:schemeClr val="accent1"/>
+          </a:effectRef>
+          <a:fontRef idx="minor">
+            <a:schemeClr val="tx1"/>
+          </a:fontRef>
+        </p:style>
+      </p:cxnSp>
+      <p:cxnSp>
+        <p:nvCxnSpPr>
+          <p:cNvPr id="110" name="Rett linje 109"/>
+          <p:cNvCxnSpPr/>
+          <p:nvPr/>
+        </p:nvCxnSpPr>
+        <p:spPr>
+          <a:xfrm rot="1800000" flipV="1">
+            <a:off x="9203106" y="1780144"/>
+            <a:ext cx="0" cy="36000"/>
+          </a:xfrm>
+          <a:prstGeom prst="line">
+            <a:avLst/>
+          </a:prstGeom>
+          <a:ln w="12700">
+            <a:solidFill>
+              <a:schemeClr val="tx1">
+                <a:lumMod val="65000"/>
+                <a:lumOff val="35000"/>
+              </a:schemeClr>
+            </a:solidFill>
+          </a:ln>
+        </p:spPr>
+        <p:style>
+          <a:lnRef idx="1">
+            <a:schemeClr val="accent1"/>
+          </a:lnRef>
+          <a:fillRef idx="0">
+            <a:schemeClr val="accent1"/>
+          </a:fillRef>
+          <a:effectRef idx="0">
+            <a:schemeClr val="accent1"/>
+          </a:effectRef>
+          <a:fontRef idx="minor">
+            <a:schemeClr val="tx1"/>
+          </a:fontRef>
+        </p:style>
+      </p:cxnSp>
+      <p:cxnSp>
+        <p:nvCxnSpPr>
+          <p:cNvPr id="111" name="Rett linje 110"/>
+          <p:cNvCxnSpPr/>
+          <p:nvPr/>
+        </p:nvCxnSpPr>
+        <p:spPr>
+          <a:xfrm rot="1800000" flipV="1">
+            <a:off x="9108610" y="1978379"/>
+            <a:ext cx="0" cy="36000"/>
+          </a:xfrm>
+          <a:prstGeom prst="line">
+            <a:avLst/>
+          </a:prstGeom>
+          <a:ln w="12700">
+            <a:solidFill>
+              <a:schemeClr val="tx1">
+                <a:lumMod val="65000"/>
+                <a:lumOff val="35000"/>
+              </a:schemeClr>
+            </a:solidFill>
+          </a:ln>
+        </p:spPr>
+        <p:style>
+          <a:lnRef idx="1">
+            <a:schemeClr val="accent1"/>
+          </a:lnRef>
+          <a:fillRef idx="0">
+            <a:schemeClr val="accent1"/>
+          </a:fillRef>
+          <a:effectRef idx="0">
+            <a:schemeClr val="accent1"/>
+          </a:effectRef>
+          <a:fontRef idx="minor">
+            <a:schemeClr val="tx1"/>
+          </a:fontRef>
+        </p:style>
+      </p:cxnSp>
+      <p:cxnSp>
+        <p:nvCxnSpPr>
+          <p:cNvPr id="112" name="Rett linje 111"/>
+          <p:cNvCxnSpPr/>
+          <p:nvPr/>
+        </p:nvCxnSpPr>
+        <p:spPr>
+          <a:xfrm rot="3600000" flipV="1">
+            <a:off x="9060191" y="1942008"/>
+            <a:ext cx="0" cy="36000"/>
+          </a:xfrm>
+          <a:prstGeom prst="line">
+            <a:avLst/>
+          </a:prstGeom>
+          <a:ln w="12700">
+            <a:solidFill>
+              <a:schemeClr val="tx1">
+                <a:lumMod val="65000"/>
+                <a:lumOff val="35000"/>
+              </a:schemeClr>
+            </a:solidFill>
+          </a:ln>
+        </p:spPr>
+        <p:style>
+          <a:lnRef idx="1">
+            <a:schemeClr val="accent1"/>
+          </a:lnRef>
+          <a:fillRef idx="0">
+            <a:schemeClr val="accent1"/>
+          </a:fillRef>
+          <a:effectRef idx="0">
+            <a:schemeClr val="accent1"/>
+          </a:effectRef>
+          <a:fontRef idx="minor">
+            <a:schemeClr val="tx1"/>
+          </a:fontRef>
+        </p:style>
+      </p:cxnSp>
+      <p:cxnSp>
+        <p:nvCxnSpPr>
+          <p:cNvPr id="114" name="Rett linje 113"/>
+          <p:cNvCxnSpPr/>
+          <p:nvPr/>
+        </p:nvCxnSpPr>
+        <p:spPr>
+          <a:xfrm rot="3600000" flipV="1">
+            <a:off x="9248207" y="1814764"/>
+            <a:ext cx="0" cy="36000"/>
+          </a:xfrm>
+          <a:prstGeom prst="line">
+            <a:avLst/>
+          </a:prstGeom>
+          <a:ln w="12700">
+            <a:solidFill>
+              <a:schemeClr val="tx1">
+                <a:lumMod val="65000"/>
+                <a:lumOff val="35000"/>
+              </a:schemeClr>
+            </a:solidFill>
+          </a:ln>
+        </p:spPr>
+        <p:style>
+          <a:lnRef idx="1">
+            <a:schemeClr val="accent1"/>
+          </a:lnRef>
+          <a:fillRef idx="0">
+            <a:schemeClr val="accent1"/>
+          </a:fillRef>
+          <a:effectRef idx="0">
+            <a:schemeClr val="accent1"/>
+          </a:effectRef>
+          <a:fontRef idx="minor">
+            <a:schemeClr val="tx1"/>
+          </a:fontRef>
+        </p:style>
+      </p:cxnSp>
+      <p:cxnSp>
+        <p:nvCxnSpPr>
+          <p:cNvPr id="115" name="Rett linje 114"/>
+          <p:cNvCxnSpPr/>
+          <p:nvPr/>
+        </p:nvCxnSpPr>
+        <p:spPr>
+          <a:xfrm rot="7200000" flipV="1">
+            <a:off x="9057914" y="1823765"/>
+            <a:ext cx="0" cy="36000"/>
+          </a:xfrm>
+          <a:prstGeom prst="line">
+            <a:avLst/>
+          </a:prstGeom>
+          <a:ln w="12700">
+            <a:solidFill>
+              <a:schemeClr val="tx1">
+                <a:lumMod val="65000"/>
+                <a:lumOff val="35000"/>
+              </a:schemeClr>
+            </a:solidFill>
+          </a:ln>
+        </p:spPr>
+        <p:style>
+          <a:lnRef idx="1">
+            <a:schemeClr val="accent1"/>
+          </a:lnRef>
+          <a:fillRef idx="0">
+            <a:schemeClr val="accent1"/>
+          </a:fillRef>
+          <a:effectRef idx="0">
+            <a:schemeClr val="accent1"/>
+          </a:effectRef>
+          <a:fontRef idx="minor">
+            <a:schemeClr val="tx1"/>
+          </a:fontRef>
+        </p:style>
+      </p:cxnSp>
+      <p:cxnSp>
+        <p:nvCxnSpPr>
+          <p:cNvPr id="116" name="Rett linje 115"/>
+          <p:cNvCxnSpPr/>
+          <p:nvPr/>
+        </p:nvCxnSpPr>
+        <p:spPr>
+          <a:xfrm rot="7200000" flipV="1">
+            <a:off x="9248207" y="1933007"/>
+            <a:ext cx="0" cy="36000"/>
+          </a:xfrm>
+          <a:prstGeom prst="line">
+            <a:avLst/>
+          </a:prstGeom>
+          <a:ln w="12700">
+            <a:solidFill>
+              <a:schemeClr val="tx1">
+                <a:lumMod val="65000"/>
+                <a:lumOff val="35000"/>
+              </a:schemeClr>
+            </a:solidFill>
+          </a:ln>
+        </p:spPr>
+        <p:style>
+          <a:lnRef idx="1">
+            <a:schemeClr val="accent1"/>
+          </a:lnRef>
+          <a:fillRef idx="0">
+            <a:schemeClr val="accent1"/>
+          </a:fillRef>
+          <a:effectRef idx="0">
+            <a:schemeClr val="accent1"/>
+          </a:effectRef>
+          <a:fontRef idx="minor">
+            <a:schemeClr val="tx1"/>
+          </a:fontRef>
+        </p:style>
+      </p:cxnSp>
+      <p:cxnSp>
+        <p:nvCxnSpPr>
+          <p:cNvPr id="117" name="Rett linje 116"/>
+          <p:cNvCxnSpPr/>
+          <p:nvPr/>
+        </p:nvCxnSpPr>
+        <p:spPr>
+          <a:xfrm rot="9000000" flipV="1">
+            <a:off x="9090135" y="1780144"/>
+            <a:ext cx="0" cy="36000"/>
+          </a:xfrm>
+          <a:prstGeom prst="line">
+            <a:avLst/>
+          </a:prstGeom>
+          <a:ln w="12700">
+            <a:solidFill>
+              <a:schemeClr val="tx1">
+                <a:lumMod val="65000"/>
+                <a:lumOff val="35000"/>
+              </a:schemeClr>
+            </a:solidFill>
+          </a:ln>
+        </p:spPr>
+        <p:style>
+          <a:lnRef idx="1">
+            <a:schemeClr val="accent1"/>
+          </a:lnRef>
+          <a:fillRef idx="0">
+            <a:schemeClr val="accent1"/>
+          </a:fillRef>
+          <a:effectRef idx="0">
+            <a:schemeClr val="accent1"/>
+          </a:effectRef>
+          <a:fontRef idx="minor">
+            <a:schemeClr val="tx1"/>
+          </a:fontRef>
+        </p:style>
+      </p:cxnSp>
+      <p:cxnSp>
+        <p:nvCxnSpPr>
+          <p:cNvPr id="118" name="Rett linje 117"/>
+          <p:cNvCxnSpPr/>
+          <p:nvPr/>
+        </p:nvCxnSpPr>
+        <p:spPr>
+          <a:xfrm rot="9000000" flipV="1">
+            <a:off x="9223618" y="1971635"/>
+            <a:ext cx="0" cy="36000"/>
+          </a:xfrm>
+          <a:prstGeom prst="line">
+            <a:avLst/>
+          </a:prstGeom>
+          <a:ln w="12700">
+            <a:solidFill>
+              <a:schemeClr val="tx1">
+                <a:lumMod val="65000"/>
+                <a:lumOff val="35000"/>
+              </a:schemeClr>
+            </a:solidFill>
+          </a:ln>
+        </p:spPr>
+        <p:style>
+          <a:lnRef idx="1">
+            <a:schemeClr val="accent1"/>
+          </a:lnRef>
+          <a:fillRef idx="0">
+            <a:schemeClr val="accent1"/>
+          </a:fillRef>
+          <a:effectRef idx="0">
+            <a:schemeClr val="accent1"/>
+          </a:effectRef>
+          <a:fontRef idx="minor">
+            <a:schemeClr val="tx1"/>
+          </a:fontRef>
+        </p:style>
+      </p:cxnSp>
+      <p:cxnSp>
+        <p:nvCxnSpPr>
+          <p:cNvPr id="69" name="Rett pilkobling 68"/>
+          <p:cNvCxnSpPr/>
+          <p:nvPr/>
+        </p:nvCxnSpPr>
+        <p:spPr>
+          <a:xfrm flipV="1">
+            <a:off x="9459146" y="1393786"/>
+            <a:ext cx="72000" cy="116754"/>
+          </a:xfrm>
+          <a:prstGeom prst="straightConnector1">
+            <a:avLst/>
+          </a:prstGeom>
+          <a:ln w="15875">
+            <a:headEnd type="oval"/>
+            <a:tailEnd type="stealth"/>
+          </a:ln>
+        </p:spPr>
+        <p:style>
+          <a:lnRef idx="1">
+            <a:schemeClr val="accent1"/>
+          </a:lnRef>
+          <a:fillRef idx="0">
+            <a:schemeClr val="accent1"/>
+          </a:fillRef>
+          <a:effectRef idx="0">
+            <a:schemeClr val="accent1"/>
+          </a:effectRef>
+          <a:fontRef idx="minor">
+            <a:schemeClr val="tx1"/>
+          </a:fontRef>
+        </p:style>
+      </p:cxnSp>
+      <p:sp>
+        <p:nvSpPr>
+          <p:cNvPr id="121" name="Ellipse 120"/>
+          <p:cNvSpPr/>
+          <p:nvPr/>
+        </p:nvSpPr>
+        <p:spPr>
+          <a:xfrm>
+            <a:off x="9137405" y="1878056"/>
+            <a:ext cx="36000" cy="36000"/>
+          </a:xfrm>
+          <a:prstGeom prst="ellipse">
+            <a:avLst/>
+          </a:prstGeom>
+          <a:solidFill>
+            <a:schemeClr val="tx1"/>
+          </a:solidFill>
+          <a:ln w="3175">
+            <a:solidFill>
+              <a:schemeClr val="tx1"/>
+            </a:solidFill>
+          </a:ln>
+        </p:spPr>
+        <p:style>
+          <a:lnRef idx="2">
+            <a:schemeClr val="accent1">
+              <a:shade val="50000"/>
+            </a:schemeClr>
+          </a:lnRef>
+          <a:fillRef idx="1">
+            <a:schemeClr val="accent1"/>
+          </a:fillRef>
+          <a:effectRef idx="0">
+            <a:schemeClr val="accent1"/>
+          </a:effectRef>
+          <a:fontRef idx="minor">
+            <a:schemeClr val="lt1"/>
+          </a:fontRef>
+        </p:style>
+        <p:txBody>
+          <a:bodyPr rtlCol="0" anchor="ctr"/>
+          <a:lstStyle/>
+          <a:p>
+            <a:pPr algn="ctr"/>
+            <a:endParaRPr lang="nb-NO"/>
+          </a:p>
+        </p:txBody>
+      </p:sp>
+      <p:cxnSp>
+        <p:nvCxnSpPr>
+          <p:cNvPr id="122" name="Rett linje 121"/>
+          <p:cNvCxnSpPr/>
+          <p:nvPr/>
+        </p:nvCxnSpPr>
+        <p:spPr>
+          <a:xfrm rot="1800000" flipV="1">
+            <a:off x="9175835" y="1823180"/>
+            <a:ext cx="0" cy="72000"/>
+          </a:xfrm>
+          <a:prstGeom prst="line">
+            <a:avLst/>
+          </a:prstGeom>
+          <a:ln w="12700">
+            <a:solidFill>
+              <a:schemeClr val="tx1"/>
+            </a:solidFill>
+          </a:ln>
+        </p:spPr>
+        <p:style>
+          <a:lnRef idx="1">
+            <a:schemeClr val="accent1"/>
+          </a:lnRef>
+          <a:fillRef idx="0">
+            <a:schemeClr val="accent1"/>
+          </a:fillRef>
+          <a:effectRef idx="0">
+            <a:schemeClr val="accent1"/>
+          </a:effectRef>
+          <a:fontRef idx="minor">
+            <a:schemeClr val="tx1"/>
+          </a:fontRef>
+        </p:style>
+      </p:cxnSp>
+      <p:sp>
+        <p:nvSpPr>
+          <p:cNvPr id="123" name="Likebent trekant 122"/>
+          <p:cNvSpPr/>
+          <p:nvPr/>
+        </p:nvSpPr>
+        <p:spPr>
+          <a:xfrm rot="1800000">
+            <a:off x="9186637" y="1799245"/>
+            <a:ext cx="28800" cy="36000"/>
+          </a:xfrm>
+          <a:prstGeom prst="triangle">
+            <a:avLst/>
+          </a:prstGeom>
+          <a:solidFill>
+            <a:schemeClr val="tx1"/>
+          </a:solidFill>
+          <a:ln w="3175">
+            <a:solidFill>
+              <a:schemeClr val="tx1"/>
+            </a:solidFill>
+          </a:ln>
+        </p:spPr>
+        <p:style>
+          <a:lnRef idx="2">
+            <a:schemeClr val="accent1">
+              <a:shade val="50000"/>
+            </a:schemeClr>
+          </a:lnRef>
+          <a:fillRef idx="1">
+            <a:schemeClr val="accent1"/>
+          </a:fillRef>
+          <a:effectRef idx="0">
+            <a:schemeClr val="accent1"/>
+          </a:effectRef>
+          <a:fontRef idx="minor">
+            <a:schemeClr val="lt1"/>
+          </a:fontRef>
+        </p:style>
+        <p:txBody>
+          <a:bodyPr rtlCol="0" anchor="ctr"/>
+          <a:lstStyle/>
+          <a:p>
+            <a:pPr algn="ctr"/>
+            <a:endParaRPr lang="nb-NO"/>
+          </a:p>
+        </p:txBody>
+      </p:sp>
+      <p:cxnSp>
+        <p:nvCxnSpPr>
+          <p:cNvPr id="124" name="Rett linje 123"/>
+          <p:cNvCxnSpPr/>
+          <p:nvPr/>
+        </p:nvCxnSpPr>
+        <p:spPr>
+          <a:xfrm rot="5400000" flipV="1">
+            <a:off x="9186991" y="1882052"/>
+            <a:ext cx="0" cy="36000"/>
+          </a:xfrm>
+          <a:prstGeom prst="line">
+            <a:avLst/>
+          </a:prstGeom>
+          <a:ln w="12700">
+            <a:solidFill>
+              <a:schemeClr val="tx1"/>
+            </a:solidFill>
+          </a:ln>
+        </p:spPr>
+        <p:style>
+          <a:lnRef idx="1">
+            <a:schemeClr val="accent1"/>
+          </a:lnRef>
+          <a:fillRef idx="0">
+            <a:schemeClr val="accent1"/>
+          </a:fillRef>
+          <a:effectRef idx="0">
+            <a:schemeClr val="accent1"/>
+          </a:effectRef>
+          <a:fontRef idx="minor">
+            <a:schemeClr val="tx1"/>
+          </a:fontRef>
+        </p:style>
+      </p:cxnSp>
+      <p:sp>
+        <p:nvSpPr>
+          <p:cNvPr id="125" name="Likebent trekant 124"/>
+          <p:cNvSpPr/>
+          <p:nvPr/>
+        </p:nvSpPr>
+        <p:spPr>
+          <a:xfrm rot="5400000">
+            <a:off x="9207001" y="1877807"/>
+            <a:ext cx="36000" cy="36000"/>
+          </a:xfrm>
+          <a:prstGeom prst="triangle">
+            <a:avLst/>
+          </a:prstGeom>
+          <a:solidFill>
+            <a:schemeClr val="tx1"/>
+          </a:solidFill>
+          <a:ln w="3175">
+            <a:solidFill>
+              <a:schemeClr val="tx1"/>
+            </a:solidFill>
+          </a:ln>
+        </p:spPr>
+        <p:style>
+          <a:lnRef idx="2">
+            <a:schemeClr val="accent1">
+              <a:shade val="50000"/>
+            </a:schemeClr>
+          </a:lnRef>
+          <a:fillRef idx="1">
+            <a:schemeClr val="accent1"/>
+          </a:fillRef>
+          <a:effectRef idx="0">
+            <a:schemeClr val="accent1"/>
+          </a:effectRef>
+          <a:fontRef idx="minor">
+            <a:schemeClr val="lt1"/>
+          </a:fontRef>
+        </p:style>
+        <p:txBody>
+          <a:bodyPr rtlCol="0" anchor="ctr"/>
+          <a:lstStyle/>
+          <a:p>
+            <a:pPr algn="ctr"/>
+            <a:endParaRPr lang="nb-NO"/>
+          </a:p>
+        </p:txBody>
+      </p:sp>
     </p:spTree>
     <p:extLst>
       <p:ext uri="{BB962C8B-B14F-4D97-AF65-F5344CB8AC3E}">
@@ -16016,6 +15821,13 @@
   <p:clrMapOvr>
     <a:masterClrMapping/>
   </p:clrMapOvr>
+  <p:timing>
+    <p:tnLst>
+      <p:par>
+        <p:cTn id="1" dur="indefinite" restart="never" nodeType="tmRoot"/>
+      </p:par>
+    </p:tnLst>
+  </p:timing>
 </p:sld>
 </file>
 
@@ -16281,21 +16093,6 @@
 </file>
 
 <file path=customXml/item1.xml><?xml version="1.0" encoding="utf-8"?>
-<p:properties xmlns:p="http://schemas.microsoft.com/office/2006/metadata/properties" xmlns:xsi="http://www.w3.org/2001/XMLSchema-instance" xmlns:pc="http://schemas.microsoft.com/office/infopath/2007/PartnerControls">
-  <documentManagement/>
-</p:properties>
-</file>
-
-<file path=customXml/item2.xml><?xml version="1.0" encoding="utf-8"?>
-<?mso-contentType ?>
-<FormTemplates xmlns="http://schemas.microsoft.com/sharepoint/v3/contenttype/forms">
-  <Display>DocumentLibraryForm</Display>
-  <Edit>DocumentLibraryForm</Edit>
-  <New>DocumentLibraryForm</New>
-</FormTemplates>
-</file>
-
-<file path=customXml/item3.xml><?xml version="1.0" encoding="utf-8"?>
 <ct:contentTypeSchema xmlns:ct="http://schemas.microsoft.com/office/2006/metadata/contentType" xmlns:ma="http://schemas.microsoft.com/office/2006/metadata/properties/metaAttributes" ct:_="" ma:_="" ma:contentTypeName="Dokument" ma:contentTypeID="0x0101004E8DCD7061C9614189F6D0F57B1C8645" ma:contentTypeVersion="9" ma:contentTypeDescription="Opprett et nytt dokument." ma:contentTypeScope="" ma:versionID="d59b8845ebd1283ad3bf6a548e8d2471">
   <xsd:schema xmlns:xsd="http://www.w3.org/2001/XMLSchema" xmlns:xs="http://www.w3.org/2001/XMLSchema" xmlns:p="http://schemas.microsoft.com/office/2006/metadata/properties" xmlns:ns3="077b9b9c-7f67-45a8-98b7-b654137cbace" targetNamespace="http://schemas.microsoft.com/office/2006/metadata/properties" ma:root="true" ma:fieldsID="972a228023c3d388b754ae5803fd6dc7" ns3:_="">
     <xsd:import namespace="077b9b9c-7f67-45a8-98b7-b654137cbace"/>
@@ -16473,31 +16270,22 @@
 </ct:contentTypeSchema>
 </file>
 
-<file path=customXml/itemProps1.xml><?xml version="1.0" encoding="utf-8"?>
-<ds:datastoreItem xmlns:ds="http://schemas.openxmlformats.org/officeDocument/2006/customXml" ds:itemID="{7DEC415D-4AD5-4872-9DD1-7B94914CAE4D}">
-  <ds:schemaRefs>
-    <ds:schemaRef ds:uri="http://purl.org/dc/elements/1.1/"/>
-    <ds:schemaRef ds:uri="http://schemas.microsoft.com/office/2006/metadata/properties"/>
-    <ds:schemaRef ds:uri="http://schemas.microsoft.com/office/2006/documentManagement/types"/>
-    <ds:schemaRef ds:uri="http://schemas.openxmlformats.org/package/2006/metadata/core-properties"/>
-    <ds:schemaRef ds:uri="077b9b9c-7f67-45a8-98b7-b654137cbace"/>
-    <ds:schemaRef ds:uri="http://purl.org/dc/dcmitype/"/>
-    <ds:schemaRef ds:uri="http://schemas.microsoft.com/office/infopath/2007/PartnerControls"/>
-    <ds:schemaRef ds:uri="http://www.w3.org/XML/1998/namespace"/>
-    <ds:schemaRef ds:uri="http://purl.org/dc/terms/"/>
-  </ds:schemaRefs>
-</ds:datastoreItem>
+<file path=customXml/item2.xml><?xml version="1.0" encoding="utf-8"?>
+<?mso-contentType ?>
+<FormTemplates xmlns="http://schemas.microsoft.com/sharepoint/v3/contenttype/forms">
+  <Display>DocumentLibraryForm</Display>
+  <Edit>DocumentLibraryForm</Edit>
+  <New>DocumentLibraryForm</New>
+</FormTemplates>
 </file>
 
-<file path=customXml/itemProps2.xml><?xml version="1.0" encoding="utf-8"?>
-<ds:datastoreItem xmlns:ds="http://schemas.openxmlformats.org/officeDocument/2006/customXml" ds:itemID="{4BE7E9B0-0351-4956-BF80-844462B099ED}">
-  <ds:schemaRefs>
-    <ds:schemaRef ds:uri="http://schemas.microsoft.com/sharepoint/v3/contenttype/forms"/>
-  </ds:schemaRefs>
-</ds:datastoreItem>
+<file path=customXml/item3.xml><?xml version="1.0" encoding="utf-8"?>
+<p:properties xmlns:p="http://schemas.microsoft.com/office/2006/metadata/properties" xmlns:xsi="http://www.w3.org/2001/XMLSchema-instance" xmlns:pc="http://schemas.microsoft.com/office/infopath/2007/PartnerControls">
+  <documentManagement/>
+</p:properties>
 </file>
 
-<file path=customXml/itemProps3.xml><?xml version="1.0" encoding="utf-8"?>
+<file path=customXml/itemProps1.xml><?xml version="1.0" encoding="utf-8"?>
 <ds:datastoreItem xmlns:ds="http://schemas.openxmlformats.org/officeDocument/2006/customXml" ds:itemID="{A3A0C07D-31B7-4057-9C9C-1ED42245A98F}">
   <ds:schemaRefs>
     <ds:schemaRef ds:uri="http://schemas.microsoft.com/office/2006/metadata/contentType"/>
@@ -16513,4 +16301,28 @@
     <ds:schemaRef ds:uri="http://schemas.microsoft.com/internal/obd"/>
   </ds:schemaRefs>
 </ds:datastoreItem>
+</file>
+
+<file path=customXml/itemProps2.xml><?xml version="1.0" encoding="utf-8"?>
+<ds:datastoreItem xmlns:ds="http://schemas.openxmlformats.org/officeDocument/2006/customXml" ds:itemID="{4BE7E9B0-0351-4956-BF80-844462B099ED}">
+  <ds:schemaRefs>
+    <ds:schemaRef ds:uri="http://schemas.microsoft.com/sharepoint/v3/contenttype/forms"/>
+  </ds:schemaRefs>
+</ds:datastoreItem>
+</file>
+
+<file path=customXml/itemProps3.xml><?xml version="1.0" encoding="utf-8"?>
+<ds:datastoreItem xmlns:ds="http://schemas.openxmlformats.org/officeDocument/2006/customXml" ds:itemID="{7DEC415D-4AD5-4872-9DD1-7B94914CAE4D}">
+  <ds:schemaRefs>
+    <ds:schemaRef ds:uri="http://purl.org/dc/elements/1.1/"/>
+    <ds:schemaRef ds:uri="http://schemas.microsoft.com/office/2006/metadata/properties"/>
+    <ds:schemaRef ds:uri="http://schemas.microsoft.com/office/2006/documentManagement/types"/>
+    <ds:schemaRef ds:uri="http://schemas.openxmlformats.org/package/2006/metadata/core-properties"/>
+    <ds:schemaRef ds:uri="077b9b9c-7f67-45a8-98b7-b654137cbace"/>
+    <ds:schemaRef ds:uri="http://purl.org/dc/dcmitype/"/>
+    <ds:schemaRef ds:uri="http://schemas.microsoft.com/office/infopath/2007/PartnerControls"/>
+    <ds:schemaRef ds:uri="http://www.w3.org/XML/1998/namespace"/>
+    <ds:schemaRef ds:uri="http://purl.org/dc/terms/"/>
+  </ds:schemaRefs>
+</ds:datastoreItem>
 </file>
--- a/data-raw/logos.pptx
+++ b/data-raw/logos.pptx
@@ -259,7 +259,7 @@
           <a:p>
             <a:fld id="{09605B3F-6133-425E-A10B-41F9F06FCAC6}" type="datetimeFigureOut">
               <a:rPr lang="nb-NO" smtClean="0"/>
-              <a:t>18.05.2022</a:t>
+              <a:t>06.06.2022</a:t>
             </a:fld>
             <a:endParaRPr lang="nb-NO"/>
           </a:p>
@@ -429,7 +429,7 @@
           <a:p>
             <a:fld id="{09605B3F-6133-425E-A10B-41F9F06FCAC6}" type="datetimeFigureOut">
               <a:rPr lang="nb-NO" smtClean="0"/>
-              <a:t>18.05.2022</a:t>
+              <a:t>06.06.2022</a:t>
             </a:fld>
             <a:endParaRPr lang="nb-NO"/>
           </a:p>
@@ -609,7 +609,7 @@
           <a:p>
             <a:fld id="{09605B3F-6133-425E-A10B-41F9F06FCAC6}" type="datetimeFigureOut">
               <a:rPr lang="nb-NO" smtClean="0"/>
-              <a:t>18.05.2022</a:t>
+              <a:t>06.06.2022</a:t>
             </a:fld>
             <a:endParaRPr lang="nb-NO"/>
           </a:p>
@@ -779,7 +779,7 @@
           <a:p>
             <a:fld id="{09605B3F-6133-425E-A10B-41F9F06FCAC6}" type="datetimeFigureOut">
               <a:rPr lang="nb-NO" smtClean="0"/>
-              <a:t>18.05.2022</a:t>
+              <a:t>06.06.2022</a:t>
             </a:fld>
             <a:endParaRPr lang="nb-NO"/>
           </a:p>
@@ -1025,7 +1025,7 @@
           <a:p>
             <a:fld id="{09605B3F-6133-425E-A10B-41F9F06FCAC6}" type="datetimeFigureOut">
               <a:rPr lang="nb-NO" smtClean="0"/>
-              <a:t>18.05.2022</a:t>
+              <a:t>06.06.2022</a:t>
             </a:fld>
             <a:endParaRPr lang="nb-NO"/>
           </a:p>
@@ -1257,7 +1257,7 @@
           <a:p>
             <a:fld id="{09605B3F-6133-425E-A10B-41F9F06FCAC6}" type="datetimeFigureOut">
               <a:rPr lang="nb-NO" smtClean="0"/>
-              <a:t>18.05.2022</a:t>
+              <a:t>06.06.2022</a:t>
             </a:fld>
             <a:endParaRPr lang="nb-NO"/>
           </a:p>
@@ -1624,7 +1624,7 @@
           <a:p>
             <a:fld id="{09605B3F-6133-425E-A10B-41F9F06FCAC6}" type="datetimeFigureOut">
               <a:rPr lang="nb-NO" smtClean="0"/>
-              <a:t>18.05.2022</a:t>
+              <a:t>06.06.2022</a:t>
             </a:fld>
             <a:endParaRPr lang="nb-NO"/>
           </a:p>
@@ -1742,7 +1742,7 @@
           <a:p>
             <a:fld id="{09605B3F-6133-425E-A10B-41F9F06FCAC6}" type="datetimeFigureOut">
               <a:rPr lang="nb-NO" smtClean="0"/>
-              <a:t>18.05.2022</a:t>
+              <a:t>06.06.2022</a:t>
             </a:fld>
             <a:endParaRPr lang="nb-NO"/>
           </a:p>
@@ -1837,7 +1837,7 @@
           <a:p>
             <a:fld id="{09605B3F-6133-425E-A10B-41F9F06FCAC6}" type="datetimeFigureOut">
               <a:rPr lang="nb-NO" smtClean="0"/>
-              <a:t>18.05.2022</a:t>
+              <a:t>06.06.2022</a:t>
             </a:fld>
             <a:endParaRPr lang="nb-NO"/>
           </a:p>
@@ -2114,7 +2114,7 @@
           <a:p>
             <a:fld id="{09605B3F-6133-425E-A10B-41F9F06FCAC6}" type="datetimeFigureOut">
               <a:rPr lang="nb-NO" smtClean="0"/>
-              <a:t>18.05.2022</a:t>
+              <a:t>06.06.2022</a:t>
             </a:fld>
             <a:endParaRPr lang="nb-NO"/>
           </a:p>
@@ -2367,7 +2367,7 @@
           <a:p>
             <a:fld id="{09605B3F-6133-425E-A10B-41F9F06FCAC6}" type="datetimeFigureOut">
               <a:rPr lang="nb-NO" smtClean="0"/>
-              <a:t>18.05.2022</a:t>
+              <a:t>06.06.2022</a:t>
             </a:fld>
             <a:endParaRPr lang="nb-NO"/>
           </a:p>
@@ -2580,7 +2580,7 @@
           <a:p>
             <a:fld id="{09605B3F-6133-425E-A10B-41F9F06FCAC6}" type="datetimeFigureOut">
               <a:rPr lang="nb-NO" smtClean="0"/>
-              <a:t>18.05.2022</a:t>
+              <a:t>06.06.2022</a:t>
             </a:fld>
             <a:endParaRPr lang="nb-NO"/>
           </a:p>
@@ -11832,7 +11832,7 @@
       </p:grpSpPr>
       <p:grpSp>
         <p:nvGrpSpPr>
-          <p:cNvPr id="92" name="Gruppe 91"/>
+          <p:cNvPr id="3" name="Gruppe 2"/>
           <p:cNvGrpSpPr/>
           <p:nvPr/>
         </p:nvGrpSpPr>
@@ -11840,7 +11840,7 @@
           <a:xfrm>
             <a:off x="4735200" y="2244483"/>
             <a:ext cx="2721600" cy="2369033"/>
-            <a:chOff x="4117500" y="2122800"/>
+            <a:chOff x="4735200" y="2244483"/>
             <a:chExt cx="2721600" cy="2369033"/>
           </a:xfrm>
         </p:grpSpPr>
@@ -11860,7 +11860,7 @@
           </p:nvSpPr>
           <p:spPr>
             <a:xfrm rot="1800000">
-              <a:off x="4117500" y="2122800"/>
+              <a:off x="4735200" y="2244483"/>
               <a:ext cx="2721600" cy="2369033"/>
             </a:xfrm>
             <a:prstGeom prst="hexagon">
@@ -11914,8 +11914,8 @@
           </p:nvSpPr>
           <p:spPr>
             <a:xfrm>
-              <a:off x="4332252" y="2416775"/>
-              <a:ext cx="2292096" cy="461665"/>
+              <a:off x="4949952" y="2677802"/>
+              <a:ext cx="2292096" cy="492443"/>
             </a:xfrm>
             <a:prstGeom prst="rect">
               <a:avLst/>
@@ -11930,7 +11930,7 @@
             <a:p>
               <a:pPr algn="ctr"/>
               <a:r>
-                <a:rPr lang="nb-NO" sz="2400" dirty="0" err="1" smtClean="0">
+                <a:rPr lang="nb-NO" sz="2600" dirty="0" err="1" smtClean="0">
                   <a:solidFill>
                     <a:schemeClr val="bg2">
                       <a:lumMod val="90000"/>
@@ -11940,7 +11940,7 @@
                 </a:rPr>
                 <a:t>NVIcheckmate</a:t>
               </a:r>
-              <a:endParaRPr lang="nb-NO" sz="2400" dirty="0">
+              <a:endParaRPr lang="nb-NO" sz="2600" dirty="0">
                 <a:solidFill>
                   <a:schemeClr val="bg2">
                     <a:lumMod val="90000"/>
@@ -11959,8 +11959,8 @@
           </p:nvGrpSpPr>
           <p:grpSpPr>
             <a:xfrm>
-              <a:off x="4924474" y="2966645"/>
-              <a:ext cx="1107653" cy="1237785"/>
+              <a:off x="5618790" y="3282528"/>
+              <a:ext cx="954420" cy="1066550"/>
               <a:chOff x="4924473" y="2966645"/>
               <a:chExt cx="1107653" cy="1237785"/>
             </a:xfrm>
@@ -13141,7 +13141,7 @@
         </p:nvSpPr>
         <p:spPr>
           <a:xfrm>
-            <a:off x="8117299" y="-1028013"/>
+            <a:off x="8309363" y="2230614"/>
             <a:ext cx="2548328" cy="2191801"/>
           </a:xfrm>
           <a:prstGeom prst="rect">
@@ -15563,40 +15563,6 @@
           </a:fontRef>
         </p:style>
       </p:cxnSp>
-      <p:cxnSp>
-        <p:nvCxnSpPr>
-          <p:cNvPr id="69" name="Rett pilkobling 68"/>
-          <p:cNvCxnSpPr/>
-          <p:nvPr/>
-        </p:nvCxnSpPr>
-        <p:spPr>
-          <a:xfrm flipV="1">
-            <a:off x="9459146" y="1393786"/>
-            <a:ext cx="72000" cy="116754"/>
-          </a:xfrm>
-          <a:prstGeom prst="straightConnector1">
-            <a:avLst/>
-          </a:prstGeom>
-          <a:ln w="15875">
-            <a:headEnd type="oval"/>
-            <a:tailEnd type="stealth"/>
-          </a:ln>
-        </p:spPr>
-        <p:style>
-          <a:lnRef idx="1">
-            <a:schemeClr val="accent1"/>
-          </a:lnRef>
-          <a:fillRef idx="0">
-            <a:schemeClr val="accent1"/>
-          </a:fillRef>
-          <a:effectRef idx="0">
-            <a:schemeClr val="accent1"/>
-          </a:effectRef>
-          <a:fontRef idx="minor">
-            <a:schemeClr val="tx1"/>
-          </a:fontRef>
-        </p:style>
-      </p:cxnSp>
       <p:sp>
         <p:nvSpPr>
           <p:cNvPr id="121" name="Ellipse 120"/>
@@ -16093,6 +16059,21 @@
 </file>
 
 <file path=customXml/item1.xml><?xml version="1.0" encoding="utf-8"?>
+<p:properties xmlns:p="http://schemas.microsoft.com/office/2006/metadata/properties" xmlns:xsi="http://www.w3.org/2001/XMLSchema-instance" xmlns:pc="http://schemas.microsoft.com/office/infopath/2007/PartnerControls">
+  <documentManagement/>
+</p:properties>
+</file>
+
+<file path=customXml/item2.xml><?xml version="1.0" encoding="utf-8"?>
+<?mso-contentType ?>
+<FormTemplates xmlns="http://schemas.microsoft.com/sharepoint/v3/contenttype/forms">
+  <Display>DocumentLibraryForm</Display>
+  <Edit>DocumentLibraryForm</Edit>
+  <New>DocumentLibraryForm</New>
+</FormTemplates>
+</file>
+
+<file path=customXml/item3.xml><?xml version="1.0" encoding="utf-8"?>
 <ct:contentTypeSchema xmlns:ct="http://schemas.microsoft.com/office/2006/metadata/contentType" xmlns:ma="http://schemas.microsoft.com/office/2006/metadata/properties/metaAttributes" ct:_="" ma:_="" ma:contentTypeName="Dokument" ma:contentTypeID="0x0101004E8DCD7061C9614189F6D0F57B1C8645" ma:contentTypeVersion="9" ma:contentTypeDescription="Opprett et nytt dokument." ma:contentTypeScope="" ma:versionID="d59b8845ebd1283ad3bf6a548e8d2471">
   <xsd:schema xmlns:xsd="http://www.w3.org/2001/XMLSchema" xmlns:xs="http://www.w3.org/2001/XMLSchema" xmlns:p="http://schemas.microsoft.com/office/2006/metadata/properties" xmlns:ns3="077b9b9c-7f67-45a8-98b7-b654137cbace" targetNamespace="http://schemas.microsoft.com/office/2006/metadata/properties" ma:root="true" ma:fieldsID="972a228023c3d388b754ae5803fd6dc7" ns3:_="">
     <xsd:import namespace="077b9b9c-7f67-45a8-98b7-b654137cbace"/>
@@ -16270,22 +16251,31 @@
 </ct:contentTypeSchema>
 </file>
 
-<file path=customXml/item2.xml><?xml version="1.0" encoding="utf-8"?>
-<?mso-contentType ?>
-<FormTemplates xmlns="http://schemas.microsoft.com/sharepoint/v3/contenttype/forms">
-  <Display>DocumentLibraryForm</Display>
-  <Edit>DocumentLibraryForm</Edit>
-  <New>DocumentLibraryForm</New>
-</FormTemplates>
+<file path=customXml/itemProps1.xml><?xml version="1.0" encoding="utf-8"?>
+<ds:datastoreItem xmlns:ds="http://schemas.openxmlformats.org/officeDocument/2006/customXml" ds:itemID="{7DEC415D-4AD5-4872-9DD1-7B94914CAE4D}">
+  <ds:schemaRefs>
+    <ds:schemaRef ds:uri="http://purl.org/dc/elements/1.1/"/>
+    <ds:schemaRef ds:uri="http://schemas.microsoft.com/office/2006/metadata/properties"/>
+    <ds:schemaRef ds:uri="http://schemas.microsoft.com/office/2006/documentManagement/types"/>
+    <ds:schemaRef ds:uri="http://schemas.openxmlformats.org/package/2006/metadata/core-properties"/>
+    <ds:schemaRef ds:uri="077b9b9c-7f67-45a8-98b7-b654137cbace"/>
+    <ds:schemaRef ds:uri="http://purl.org/dc/dcmitype/"/>
+    <ds:schemaRef ds:uri="http://schemas.microsoft.com/office/infopath/2007/PartnerControls"/>
+    <ds:schemaRef ds:uri="http://www.w3.org/XML/1998/namespace"/>
+    <ds:schemaRef ds:uri="http://purl.org/dc/terms/"/>
+  </ds:schemaRefs>
+</ds:datastoreItem>
 </file>
 
-<file path=customXml/item3.xml><?xml version="1.0" encoding="utf-8"?>
-<p:properties xmlns:p="http://schemas.microsoft.com/office/2006/metadata/properties" xmlns:xsi="http://www.w3.org/2001/XMLSchema-instance" xmlns:pc="http://schemas.microsoft.com/office/infopath/2007/PartnerControls">
-  <documentManagement/>
-</p:properties>
+<file path=customXml/itemProps2.xml><?xml version="1.0" encoding="utf-8"?>
+<ds:datastoreItem xmlns:ds="http://schemas.openxmlformats.org/officeDocument/2006/customXml" ds:itemID="{4BE7E9B0-0351-4956-BF80-844462B099ED}">
+  <ds:schemaRefs>
+    <ds:schemaRef ds:uri="http://schemas.microsoft.com/sharepoint/v3/contenttype/forms"/>
+  </ds:schemaRefs>
+</ds:datastoreItem>
 </file>
 
-<file path=customXml/itemProps1.xml><?xml version="1.0" encoding="utf-8"?>
+<file path=customXml/itemProps3.xml><?xml version="1.0" encoding="utf-8"?>
 <ds:datastoreItem xmlns:ds="http://schemas.openxmlformats.org/officeDocument/2006/customXml" ds:itemID="{A3A0C07D-31B7-4057-9C9C-1ED42245A98F}">
   <ds:schemaRefs>
     <ds:schemaRef ds:uri="http://schemas.microsoft.com/office/2006/metadata/contentType"/>
@@ -16301,28 +16291,4 @@
     <ds:schemaRef ds:uri="http://schemas.microsoft.com/internal/obd"/>
   </ds:schemaRefs>
 </ds:datastoreItem>
-</file>
-
-<file path=customXml/itemProps2.xml><?xml version="1.0" encoding="utf-8"?>
-<ds:datastoreItem xmlns:ds="http://schemas.openxmlformats.org/officeDocument/2006/customXml" ds:itemID="{4BE7E9B0-0351-4956-BF80-844462B099ED}">
-  <ds:schemaRefs>
-    <ds:schemaRef ds:uri="http://schemas.microsoft.com/sharepoint/v3/contenttype/forms"/>
-  </ds:schemaRefs>
-</ds:datastoreItem>
-</file>
-
-<file path=customXml/itemProps3.xml><?xml version="1.0" encoding="utf-8"?>
-<ds:datastoreItem xmlns:ds="http://schemas.openxmlformats.org/officeDocument/2006/customXml" ds:itemID="{7DEC415D-4AD5-4872-9DD1-7B94914CAE4D}">
-  <ds:schemaRefs>
-    <ds:schemaRef ds:uri="http://purl.org/dc/elements/1.1/"/>
-    <ds:schemaRef ds:uri="http://schemas.microsoft.com/office/2006/metadata/properties"/>
-    <ds:schemaRef ds:uri="http://schemas.microsoft.com/office/2006/documentManagement/types"/>
-    <ds:schemaRef ds:uri="http://schemas.openxmlformats.org/package/2006/metadata/core-properties"/>
-    <ds:schemaRef ds:uri="077b9b9c-7f67-45a8-98b7-b654137cbace"/>
-    <ds:schemaRef ds:uri="http://purl.org/dc/dcmitype/"/>
-    <ds:schemaRef ds:uri="http://schemas.microsoft.com/office/infopath/2007/PartnerControls"/>
-    <ds:schemaRef ds:uri="http://www.w3.org/XML/1998/namespace"/>
-    <ds:schemaRef ds:uri="http://purl.org/dc/terms/"/>
-  </ds:schemaRefs>
-</ds:datastoreItem>
 </file>
--- a/data-raw/logos.pptx
+++ b/data-raw/logos.pptx
@@ -259,7 +259,7 @@
           <a:p>
             <a:fld id="{09605B3F-6133-425E-A10B-41F9F06FCAC6}" type="datetimeFigureOut">
               <a:rPr lang="nb-NO" smtClean="0"/>
-              <a:t>06.06.2022</a:t>
+              <a:t>08.06.2022</a:t>
             </a:fld>
             <a:endParaRPr lang="nb-NO"/>
           </a:p>
@@ -429,7 +429,7 @@
           <a:p>
             <a:fld id="{09605B3F-6133-425E-A10B-41F9F06FCAC6}" type="datetimeFigureOut">
               <a:rPr lang="nb-NO" smtClean="0"/>
-              <a:t>06.06.2022</a:t>
+              <a:t>08.06.2022</a:t>
             </a:fld>
             <a:endParaRPr lang="nb-NO"/>
           </a:p>
@@ -609,7 +609,7 @@
           <a:p>
             <a:fld id="{09605B3F-6133-425E-A10B-41F9F06FCAC6}" type="datetimeFigureOut">
               <a:rPr lang="nb-NO" smtClean="0"/>
-              <a:t>06.06.2022</a:t>
+              <a:t>08.06.2022</a:t>
             </a:fld>
             <a:endParaRPr lang="nb-NO"/>
           </a:p>
@@ -779,7 +779,7 @@
           <a:p>
             <a:fld id="{09605B3F-6133-425E-A10B-41F9F06FCAC6}" type="datetimeFigureOut">
               <a:rPr lang="nb-NO" smtClean="0"/>
-              <a:t>06.06.2022</a:t>
+              <a:t>08.06.2022</a:t>
             </a:fld>
             <a:endParaRPr lang="nb-NO"/>
           </a:p>
@@ -1025,7 +1025,7 @@
           <a:p>
             <a:fld id="{09605B3F-6133-425E-A10B-41F9F06FCAC6}" type="datetimeFigureOut">
               <a:rPr lang="nb-NO" smtClean="0"/>
-              <a:t>06.06.2022</a:t>
+              <a:t>08.06.2022</a:t>
             </a:fld>
             <a:endParaRPr lang="nb-NO"/>
           </a:p>
@@ -1257,7 +1257,7 @@
           <a:p>
             <a:fld id="{09605B3F-6133-425E-A10B-41F9F06FCAC6}" type="datetimeFigureOut">
               <a:rPr lang="nb-NO" smtClean="0"/>
-              <a:t>06.06.2022</a:t>
+              <a:t>08.06.2022</a:t>
             </a:fld>
             <a:endParaRPr lang="nb-NO"/>
           </a:p>
@@ -1624,7 +1624,7 @@
           <a:p>
             <a:fld id="{09605B3F-6133-425E-A10B-41F9F06FCAC6}" type="datetimeFigureOut">
               <a:rPr lang="nb-NO" smtClean="0"/>
-              <a:t>06.06.2022</a:t>
+              <a:t>08.06.2022</a:t>
             </a:fld>
             <a:endParaRPr lang="nb-NO"/>
           </a:p>
@@ -1742,7 +1742,7 @@
           <a:p>
             <a:fld id="{09605B3F-6133-425E-A10B-41F9F06FCAC6}" type="datetimeFigureOut">
               <a:rPr lang="nb-NO" smtClean="0"/>
-              <a:t>06.06.2022</a:t>
+              <a:t>08.06.2022</a:t>
             </a:fld>
             <a:endParaRPr lang="nb-NO"/>
           </a:p>
@@ -1837,7 +1837,7 @@
           <a:p>
             <a:fld id="{09605B3F-6133-425E-A10B-41F9F06FCAC6}" type="datetimeFigureOut">
               <a:rPr lang="nb-NO" smtClean="0"/>
-              <a:t>06.06.2022</a:t>
+              <a:t>08.06.2022</a:t>
             </a:fld>
             <a:endParaRPr lang="nb-NO"/>
           </a:p>
@@ -2114,7 +2114,7 @@
           <a:p>
             <a:fld id="{09605B3F-6133-425E-A10B-41F9F06FCAC6}" type="datetimeFigureOut">
               <a:rPr lang="nb-NO" smtClean="0"/>
-              <a:t>06.06.2022</a:t>
+              <a:t>08.06.2022</a:t>
             </a:fld>
             <a:endParaRPr lang="nb-NO"/>
           </a:p>
@@ -2367,7 +2367,7 @@
           <a:p>
             <a:fld id="{09605B3F-6133-425E-A10B-41F9F06FCAC6}" type="datetimeFigureOut">
               <a:rPr lang="nb-NO" smtClean="0"/>
-              <a:t>06.06.2022</a:t>
+              <a:t>08.06.2022</a:t>
             </a:fld>
             <a:endParaRPr lang="nb-NO"/>
           </a:p>
@@ -2580,7 +2580,7 @@
           <a:p>
             <a:fld id="{09605B3F-6133-425E-A10B-41F9F06FCAC6}" type="datetimeFigureOut">
               <a:rPr lang="nb-NO" smtClean="0"/>
-              <a:t>06.06.2022</a:t>
+              <a:t>08.06.2022</a:t>
             </a:fld>
             <a:endParaRPr lang="nb-NO"/>
           </a:p>
@@ -13133,142 +13133,54 @@
           <a:chExt cx="0" cy="0"/>
         </a:xfrm>
       </p:grpSpPr>
-      <p:sp>
-        <p:nvSpPr>
-          <p:cNvPr id="19" name="Rektangel 18"/>
-          <p:cNvSpPr/>
-          <p:nvPr/>
-        </p:nvSpPr>
-        <p:spPr>
-          <a:xfrm>
-            <a:off x="8309363" y="2230614"/>
-            <a:ext cx="2548328" cy="2191801"/>
-          </a:xfrm>
-          <a:prstGeom prst="rect">
-            <a:avLst/>
-          </a:prstGeom>
-        </p:spPr>
-        <p:style>
-          <a:lnRef idx="2">
-            <a:schemeClr val="accent1">
-              <a:shade val="50000"/>
-            </a:schemeClr>
-          </a:lnRef>
-          <a:fillRef idx="1">
-            <a:schemeClr val="accent1"/>
-          </a:fillRef>
-          <a:effectRef idx="0">
-            <a:schemeClr val="accent1"/>
-          </a:effectRef>
-          <a:fontRef idx="minor">
-            <a:schemeClr val="lt1"/>
-          </a:fontRef>
-        </p:style>
-        <p:txBody>
-          <a:bodyPr rtlCol="0" anchor="ctr"/>
-          <a:lstStyle/>
-          <a:p>
-            <a:pPr algn="ctr"/>
-            <a:endParaRPr lang="nb-NO"/>
-          </a:p>
-        </p:txBody>
-      </p:sp>
-      <p:sp>
-        <p:nvSpPr>
-          <p:cNvPr id="2" name="Hexagon 35">
-            <a:extLst>
-              <a:ext uri="{FF2B5EF4-FFF2-40B4-BE49-F238E27FC236}">
-                <a16:creationId xmlns:a16="http://schemas.microsoft.com/office/drawing/2014/main" id="{90E46B38-1301-774F-8904-FFF8966BD8C2}"/>
-              </a:ext>
-            </a:extLst>
-          </p:cNvPr>
-          <p:cNvSpPr>
-            <a:spLocks noChangeAspect="1"/>
-          </p:cNvSpPr>
-          <p:nvPr/>
-        </p:nvSpPr>
-        <p:spPr>
-          <a:xfrm rot="1800000">
-            <a:off x="4117500" y="2122800"/>
-            <a:ext cx="2721600" cy="2369033"/>
-          </a:xfrm>
-          <a:prstGeom prst="hexagon">
-            <a:avLst>
-              <a:gd name="adj" fmla="val 28372"/>
-              <a:gd name="vf" fmla="val 115470"/>
-            </a:avLst>
-          </a:prstGeom>
-          <a:solidFill>
-            <a:srgbClr val="133E4D"/>
-          </a:solidFill>
-          <a:ln w="69850">
-            <a:solidFill>
-              <a:schemeClr val="tx1">
-                <a:lumMod val="85000"/>
-                <a:lumOff val="15000"/>
-              </a:schemeClr>
-            </a:solidFill>
-          </a:ln>
-        </p:spPr>
-        <p:style>
-          <a:lnRef idx="2">
-            <a:schemeClr val="accent1">
-              <a:shade val="50000"/>
-            </a:schemeClr>
-          </a:lnRef>
-          <a:fillRef idx="1">
-            <a:schemeClr val="accent1"/>
-          </a:fillRef>
-          <a:effectRef idx="0">
-            <a:schemeClr val="accent1"/>
-          </a:effectRef>
-          <a:fontRef idx="minor">
-            <a:schemeClr val="lt1"/>
-          </a:fontRef>
-        </p:style>
-        <p:txBody>
-          <a:bodyPr rtlCol="0" anchor="ctr"/>
-          <a:lstStyle/>
-          <a:p>
-            <a:pPr algn="ctr"/>
-            <a:endParaRPr lang="en-US" dirty="0"/>
-          </a:p>
-        </p:txBody>
-      </p:sp>
       <p:grpSp>
         <p:nvGrpSpPr>
-          <p:cNvPr id="17" name="Gruppe 16"/>
+          <p:cNvPr id="234" name="Gruppe 233"/>
           <p:cNvGrpSpPr/>
           <p:nvPr/>
         </p:nvGrpSpPr>
         <p:grpSpPr>
           <a:xfrm>
-            <a:off x="4703028" y="3213950"/>
-            <a:ext cx="631303" cy="791472"/>
-            <a:chOff x="4703028" y="3213950"/>
-            <a:chExt cx="631303" cy="791472"/>
+            <a:off x="4727109" y="2122800"/>
+            <a:ext cx="2721600" cy="2369033"/>
+            <a:chOff x="4727109" y="2122800"/>
+            <a:chExt cx="2721600" cy="2369033"/>
           </a:xfrm>
         </p:grpSpPr>
         <p:sp>
           <p:nvSpPr>
-            <p:cNvPr id="56" name="Rektangel 55"/>
-            <p:cNvSpPr/>
+            <p:cNvPr id="2" name="Hexagon 35">
+              <a:extLst>
+                <a:ext uri="{FF2B5EF4-FFF2-40B4-BE49-F238E27FC236}">
+                  <a16:creationId xmlns:a16="http://schemas.microsoft.com/office/drawing/2014/main" id="{90E46B38-1301-774F-8904-FFF8966BD8C2}"/>
+                </a:ext>
+              </a:extLst>
+            </p:cNvPr>
+            <p:cNvSpPr>
+              <a:spLocks noChangeAspect="1"/>
+            </p:cNvSpPr>
             <p:nvPr/>
           </p:nvSpPr>
           <p:spPr>
-            <a:xfrm flipH="1">
-              <a:off x="4703676" y="3644880"/>
-              <a:ext cx="630655" cy="229889"/>
+            <a:xfrm rot="1800000">
+              <a:off x="4727109" y="2122800"/>
+              <a:ext cx="2721600" cy="2369033"/>
             </a:xfrm>
-            <a:prstGeom prst="rect">
-              <a:avLst/>
+            <a:prstGeom prst="hexagon">
+              <a:avLst>
+                <a:gd name="adj" fmla="val 28372"/>
+                <a:gd name="vf" fmla="val 115470"/>
+              </a:avLst>
             </a:prstGeom>
             <a:solidFill>
-              <a:srgbClr val="00A6EB"/>
+              <a:srgbClr val="133E4D"/>
             </a:solidFill>
-            <a:ln w="28575">
+            <a:ln w="69850">
               <a:solidFill>
-                <a:srgbClr val="00A6EB"/>
+                <a:schemeClr val="tx1">
+                  <a:lumMod val="85000"/>
+                  <a:lumOff val="15000"/>
+                </a:schemeClr>
               </a:solidFill>
             </a:ln>
           </p:spPr>
@@ -13293,156 +13205,61 @@
             <a:lstStyle/>
             <a:p>
               <a:pPr algn="ctr"/>
-              <a:endParaRPr lang="nb-NO"/>
-            </a:p>
-          </p:txBody>
-        </p:sp>
-        <p:sp>
-          <p:nvSpPr>
-            <p:cNvPr id="55" name="Rektangel 54"/>
-            <p:cNvSpPr/>
-            <p:nvPr/>
-          </p:nvSpPr>
-          <p:spPr>
-            <a:xfrm flipH="1">
-              <a:off x="4703676" y="3492480"/>
-              <a:ext cx="630655" cy="229890"/>
-            </a:xfrm>
-            <a:prstGeom prst="rect">
-              <a:avLst/>
-            </a:prstGeom>
-            <a:solidFill>
-              <a:srgbClr val="00A14A"/>
-            </a:solidFill>
-            <a:ln w="28575">
-              <a:solidFill>
-                <a:srgbClr val="00A14A"/>
-              </a:solidFill>
-            </a:ln>
-          </p:spPr>
-          <p:style>
-            <a:lnRef idx="2">
-              <a:schemeClr val="accent1">
-                <a:shade val="50000"/>
-              </a:schemeClr>
-            </a:lnRef>
-            <a:fillRef idx="1">
-              <a:schemeClr val="accent1"/>
-            </a:fillRef>
-            <a:effectRef idx="0">
-              <a:schemeClr val="accent1"/>
-            </a:effectRef>
-            <a:fontRef idx="minor">
-              <a:schemeClr val="lt1"/>
-            </a:fontRef>
-          </p:style>
-          <p:txBody>
-            <a:bodyPr rtlCol="0" anchor="ctr"/>
-            <a:lstStyle/>
-            <a:p>
-              <a:pPr algn="ctr"/>
-              <a:endParaRPr lang="nb-NO"/>
-            </a:p>
-          </p:txBody>
-        </p:sp>
-        <p:sp>
-          <p:nvSpPr>
-            <p:cNvPr id="4" name="Rektangel 3"/>
-            <p:cNvSpPr/>
-            <p:nvPr/>
-          </p:nvSpPr>
-          <p:spPr>
-            <a:xfrm flipH="1">
-              <a:off x="4703269" y="3340080"/>
-              <a:ext cx="630655" cy="199410"/>
-            </a:xfrm>
-            <a:prstGeom prst="rect">
-              <a:avLst/>
-            </a:prstGeom>
-            <a:solidFill>
-              <a:srgbClr val="DE2212"/>
-            </a:solidFill>
-            <a:ln w="28575">
-              <a:solidFill>
-                <a:srgbClr val="DE2212"/>
-              </a:solidFill>
-            </a:ln>
-          </p:spPr>
-          <p:style>
-            <a:lnRef idx="2">
-              <a:schemeClr val="accent1">
-                <a:shade val="50000"/>
-              </a:schemeClr>
-            </a:lnRef>
-            <a:fillRef idx="1">
-              <a:schemeClr val="accent1"/>
-            </a:fillRef>
-            <a:effectRef idx="0">
-              <a:schemeClr val="accent1"/>
-            </a:effectRef>
-            <a:fontRef idx="minor">
-              <a:schemeClr val="lt1"/>
-            </a:fontRef>
-          </p:style>
-          <p:txBody>
-            <a:bodyPr rtlCol="0" anchor="ctr"/>
-            <a:lstStyle/>
-            <a:p>
-              <a:pPr algn="ctr"/>
-              <a:endParaRPr lang="nb-NO"/>
+              <a:endParaRPr lang="en-US" dirty="0"/>
             </a:p>
           </p:txBody>
         </p:sp>
         <p:grpSp>
           <p:nvGrpSpPr>
-            <p:cNvPr id="5" name="Gruppe 4"/>
+            <p:cNvPr id="17" name="Gruppe 16"/>
             <p:cNvGrpSpPr/>
             <p:nvPr/>
           </p:nvGrpSpPr>
           <p:grpSpPr>
-            <a:xfrm flipH="1">
-              <a:off x="4703028" y="3573422"/>
-              <a:ext cx="630655" cy="252263"/>
-              <a:chOff x="3845167" y="2086704"/>
-              <a:chExt cx="2473571" cy="937849"/>
+            <a:xfrm>
+              <a:off x="5231357" y="3213950"/>
+              <a:ext cx="631303" cy="791472"/>
+              <a:chOff x="4703028" y="3213950"/>
+              <a:chExt cx="631303" cy="791472"/>
             </a:xfrm>
-            <a:solidFill>
-              <a:srgbClr val="00A14A"/>
-            </a:solidFill>
           </p:grpSpPr>
           <p:sp>
             <p:nvSpPr>
-              <p:cNvPr id="15" name="Bue 14"/>
+              <p:cNvPr id="56" name="Rektangel 55"/>
               <p:cNvSpPr/>
               <p:nvPr/>
             </p:nvSpPr>
             <p:spPr>
-              <a:xfrm flipV="1">
-                <a:off x="3845167" y="2086708"/>
-                <a:ext cx="2473571" cy="937845"/>
+              <a:xfrm flipH="1">
+                <a:off x="4703676" y="3644880"/>
+                <a:ext cx="630655" cy="229889"/>
               </a:xfrm>
-              <a:prstGeom prst="arc">
+              <a:prstGeom prst="rect">
                 <a:avLst/>
               </a:prstGeom>
-              <a:grpFill/>
+              <a:solidFill>
+                <a:srgbClr val="00A6EB"/>
+              </a:solidFill>
               <a:ln w="28575">
                 <a:solidFill>
-                  <a:schemeClr val="bg2"/>
+                  <a:srgbClr val="00A6EB"/>
                 </a:solidFill>
               </a:ln>
             </p:spPr>
             <p:style>
-              <a:lnRef idx="1">
-                <a:schemeClr val="accent1"/>
+              <a:lnRef idx="2">
+                <a:schemeClr val="accent1">
+                  <a:shade val="50000"/>
+                </a:schemeClr>
               </a:lnRef>
-              <a:fillRef idx="0">
+              <a:fillRef idx="1">
                 <a:schemeClr val="accent1"/>
               </a:fillRef>
               <a:effectRef idx="0">
                 <a:schemeClr val="accent1"/>
               </a:effectRef>
               <a:fontRef idx="minor">
-                <a:schemeClr val="tx1"/>
+                <a:schemeClr val="lt1"/>
               </a:fontRef>
             </p:style>
             <p:txBody>
@@ -13456,99 +13273,41 @@
           </p:sp>
           <p:sp>
             <p:nvSpPr>
-              <p:cNvPr id="16" name="Bue 15"/>
+              <p:cNvPr id="55" name="Rektangel 54"/>
               <p:cNvSpPr/>
               <p:nvPr/>
             </p:nvSpPr>
             <p:spPr>
-              <a:xfrm flipH="1" flipV="1">
-                <a:off x="3845167" y="2086704"/>
-                <a:ext cx="2473571" cy="937845"/>
+              <a:xfrm flipH="1">
+                <a:off x="4703676" y="3492480"/>
+                <a:ext cx="630655" cy="229890"/>
               </a:xfrm>
-              <a:prstGeom prst="arc">
+              <a:prstGeom prst="rect">
                 <a:avLst/>
               </a:prstGeom>
-              <a:grpFill/>
+              <a:solidFill>
+                <a:srgbClr val="00A14A"/>
+              </a:solidFill>
               <a:ln w="28575">
                 <a:solidFill>
-                  <a:schemeClr val="bg2"/>
+                  <a:srgbClr val="00A14A"/>
                 </a:solidFill>
               </a:ln>
             </p:spPr>
             <p:style>
-              <a:lnRef idx="1">
-                <a:schemeClr val="accent1"/>
+              <a:lnRef idx="2">
+                <a:schemeClr val="accent1">
+                  <a:shade val="50000"/>
+                </a:schemeClr>
               </a:lnRef>
-              <a:fillRef idx="0">
+              <a:fillRef idx="1">
                 <a:schemeClr val="accent1"/>
               </a:fillRef>
               <a:effectRef idx="0">
                 <a:schemeClr val="accent1"/>
               </a:effectRef>
               <a:fontRef idx="minor">
-                <a:schemeClr val="tx1"/>
-              </a:fontRef>
-            </p:style>
-            <p:txBody>
-              <a:bodyPr rtlCol="0" anchor="ctr"/>
-              <a:lstStyle/>
-              <a:p>
-                <a:pPr algn="ctr"/>
-                <a:endParaRPr lang="nb-NO"/>
-              </a:p>
-            </p:txBody>
-          </p:sp>
-        </p:grpSp>
-        <p:grpSp>
-          <p:nvGrpSpPr>
-            <p:cNvPr id="6" name="Gruppe 5"/>
-            <p:cNvGrpSpPr/>
-            <p:nvPr/>
-          </p:nvGrpSpPr>
-          <p:grpSpPr>
-            <a:xfrm flipH="1">
-              <a:off x="4703029" y="3753159"/>
-              <a:ext cx="630655" cy="252263"/>
-              <a:chOff x="3845167" y="2086704"/>
-              <a:chExt cx="2473571" cy="937849"/>
-            </a:xfrm>
-            <a:solidFill>
-              <a:srgbClr val="00A6EB"/>
-            </a:solidFill>
-          </p:grpSpPr>
-          <p:sp>
-            <p:nvSpPr>
-              <p:cNvPr id="13" name="Bue 12"/>
-              <p:cNvSpPr/>
-              <p:nvPr/>
-            </p:nvSpPr>
-            <p:spPr>
-              <a:xfrm flipV="1">
-                <a:off x="3845167" y="2086708"/>
-                <a:ext cx="2473571" cy="937845"/>
-              </a:xfrm>
-              <a:prstGeom prst="arc">
-                <a:avLst/>
-              </a:prstGeom>
-              <a:grpFill/>
-              <a:ln w="28575">
-                <a:solidFill>
-                  <a:schemeClr val="bg2"/>
-                </a:solidFill>
-              </a:ln>
-            </p:spPr>
-            <p:style>
-              <a:lnRef idx="1">
-                <a:schemeClr val="accent1"/>
-              </a:lnRef>
-              <a:fillRef idx="0">
-                <a:schemeClr val="accent1"/>
-              </a:fillRef>
-              <a:effectRef idx="0">
-                <a:schemeClr val="accent1"/>
-              </a:effectRef>
-              <a:fontRef idx="minor">
-                <a:schemeClr val="tx1"/>
+                <a:schemeClr val="lt1"/>
               </a:fontRef>
             </p:style>
             <p:txBody>
@@ -13562,37 +13321,41 @@
           </p:sp>
           <p:sp>
             <p:nvSpPr>
-              <p:cNvPr id="14" name="Bue 13"/>
+              <p:cNvPr id="4" name="Rektangel 3"/>
               <p:cNvSpPr/>
               <p:nvPr/>
             </p:nvSpPr>
             <p:spPr>
-              <a:xfrm flipH="1" flipV="1">
-                <a:off x="3845167" y="2086704"/>
-                <a:ext cx="2473571" cy="937845"/>
+              <a:xfrm flipH="1">
+                <a:off x="4703269" y="3340080"/>
+                <a:ext cx="630655" cy="199410"/>
               </a:xfrm>
-              <a:prstGeom prst="arc">
+              <a:prstGeom prst="rect">
                 <a:avLst/>
               </a:prstGeom>
-              <a:grpFill/>
+              <a:solidFill>
+                <a:srgbClr val="DE2212"/>
+              </a:solidFill>
               <a:ln w="28575">
                 <a:solidFill>
-                  <a:schemeClr val="bg2"/>
+                  <a:srgbClr val="DE2212"/>
                 </a:solidFill>
               </a:ln>
             </p:spPr>
             <p:style>
-              <a:lnRef idx="1">
-                <a:schemeClr val="accent1"/>
+              <a:lnRef idx="2">
+                <a:schemeClr val="accent1">
+                  <a:shade val="50000"/>
+                </a:schemeClr>
               </a:lnRef>
-              <a:fillRef idx="0">
+              <a:fillRef idx="1">
                 <a:schemeClr val="accent1"/>
               </a:fillRef>
               <a:effectRef idx="0">
                 <a:schemeClr val="accent1"/>
               </a:effectRef>
               <a:fontRef idx="minor">
-                <a:schemeClr val="tx1"/>
+                <a:schemeClr val="lt1"/>
               </a:fontRef>
             </p:style>
             <p:txBody>
@@ -13604,77 +13367,513 @@
               </a:p>
             </p:txBody>
           </p:sp>
+          <p:grpSp>
+            <p:nvGrpSpPr>
+              <p:cNvPr id="5" name="Gruppe 4"/>
+              <p:cNvGrpSpPr/>
+              <p:nvPr/>
+            </p:nvGrpSpPr>
+            <p:grpSpPr>
+              <a:xfrm flipH="1">
+                <a:off x="4703028" y="3573422"/>
+                <a:ext cx="630655" cy="252263"/>
+                <a:chOff x="3845167" y="2086704"/>
+                <a:chExt cx="2473571" cy="937849"/>
+              </a:xfrm>
+              <a:solidFill>
+                <a:srgbClr val="00A14A"/>
+              </a:solidFill>
+            </p:grpSpPr>
+            <p:sp>
+              <p:nvSpPr>
+                <p:cNvPr id="15" name="Bue 14"/>
+                <p:cNvSpPr/>
+                <p:nvPr/>
+              </p:nvSpPr>
+              <p:spPr>
+                <a:xfrm flipV="1">
+                  <a:off x="3845167" y="2086708"/>
+                  <a:ext cx="2473571" cy="937845"/>
+                </a:xfrm>
+                <a:prstGeom prst="arc">
+                  <a:avLst/>
+                </a:prstGeom>
+                <a:grpFill/>
+                <a:ln w="28575">
+                  <a:solidFill>
+                    <a:schemeClr val="bg2"/>
+                  </a:solidFill>
+                </a:ln>
+              </p:spPr>
+              <p:style>
+                <a:lnRef idx="1">
+                  <a:schemeClr val="accent1"/>
+                </a:lnRef>
+                <a:fillRef idx="0">
+                  <a:schemeClr val="accent1"/>
+                </a:fillRef>
+                <a:effectRef idx="0">
+                  <a:schemeClr val="accent1"/>
+                </a:effectRef>
+                <a:fontRef idx="minor">
+                  <a:schemeClr val="tx1"/>
+                </a:fontRef>
+              </p:style>
+              <p:txBody>
+                <a:bodyPr rtlCol="0" anchor="ctr"/>
+                <a:lstStyle/>
+                <a:p>
+                  <a:pPr algn="ctr"/>
+                  <a:endParaRPr lang="nb-NO"/>
+                </a:p>
+              </p:txBody>
+            </p:sp>
+            <p:sp>
+              <p:nvSpPr>
+                <p:cNvPr id="16" name="Bue 15"/>
+                <p:cNvSpPr/>
+                <p:nvPr/>
+              </p:nvSpPr>
+              <p:spPr>
+                <a:xfrm flipH="1" flipV="1">
+                  <a:off x="3845167" y="2086704"/>
+                  <a:ext cx="2473571" cy="937845"/>
+                </a:xfrm>
+                <a:prstGeom prst="arc">
+                  <a:avLst/>
+                </a:prstGeom>
+                <a:grpFill/>
+                <a:ln w="28575">
+                  <a:solidFill>
+                    <a:schemeClr val="bg2"/>
+                  </a:solidFill>
+                </a:ln>
+              </p:spPr>
+              <p:style>
+                <a:lnRef idx="1">
+                  <a:schemeClr val="accent1"/>
+                </a:lnRef>
+                <a:fillRef idx="0">
+                  <a:schemeClr val="accent1"/>
+                </a:fillRef>
+                <a:effectRef idx="0">
+                  <a:schemeClr val="accent1"/>
+                </a:effectRef>
+                <a:fontRef idx="minor">
+                  <a:schemeClr val="tx1"/>
+                </a:fontRef>
+              </p:style>
+              <p:txBody>
+                <a:bodyPr rtlCol="0" anchor="ctr"/>
+                <a:lstStyle/>
+                <a:p>
+                  <a:pPr algn="ctr"/>
+                  <a:endParaRPr lang="nb-NO"/>
+                </a:p>
+              </p:txBody>
+            </p:sp>
+          </p:grpSp>
+          <p:grpSp>
+            <p:nvGrpSpPr>
+              <p:cNvPr id="6" name="Gruppe 5"/>
+              <p:cNvGrpSpPr/>
+              <p:nvPr/>
+            </p:nvGrpSpPr>
+            <p:grpSpPr>
+              <a:xfrm flipH="1">
+                <a:off x="4703029" y="3753159"/>
+                <a:ext cx="630655" cy="252263"/>
+                <a:chOff x="3845167" y="2086704"/>
+                <a:chExt cx="2473571" cy="937849"/>
+              </a:xfrm>
+              <a:solidFill>
+                <a:srgbClr val="00A6EB"/>
+              </a:solidFill>
+            </p:grpSpPr>
+            <p:sp>
+              <p:nvSpPr>
+                <p:cNvPr id="13" name="Bue 12"/>
+                <p:cNvSpPr/>
+                <p:nvPr/>
+              </p:nvSpPr>
+              <p:spPr>
+                <a:xfrm flipV="1">
+                  <a:off x="3845167" y="2086708"/>
+                  <a:ext cx="2473571" cy="937845"/>
+                </a:xfrm>
+                <a:prstGeom prst="arc">
+                  <a:avLst/>
+                </a:prstGeom>
+                <a:grpFill/>
+                <a:ln w="28575">
+                  <a:solidFill>
+                    <a:schemeClr val="bg2"/>
+                  </a:solidFill>
+                </a:ln>
+              </p:spPr>
+              <p:style>
+                <a:lnRef idx="1">
+                  <a:schemeClr val="accent1"/>
+                </a:lnRef>
+                <a:fillRef idx="0">
+                  <a:schemeClr val="accent1"/>
+                </a:fillRef>
+                <a:effectRef idx="0">
+                  <a:schemeClr val="accent1"/>
+                </a:effectRef>
+                <a:fontRef idx="minor">
+                  <a:schemeClr val="tx1"/>
+                </a:fontRef>
+              </p:style>
+              <p:txBody>
+                <a:bodyPr rtlCol="0" anchor="ctr"/>
+                <a:lstStyle/>
+                <a:p>
+                  <a:pPr algn="ctr"/>
+                  <a:endParaRPr lang="nb-NO"/>
+                </a:p>
+              </p:txBody>
+            </p:sp>
+            <p:sp>
+              <p:nvSpPr>
+                <p:cNvPr id="14" name="Bue 13"/>
+                <p:cNvSpPr/>
+                <p:nvPr/>
+              </p:nvSpPr>
+              <p:spPr>
+                <a:xfrm flipH="1" flipV="1">
+                  <a:off x="3845167" y="2086704"/>
+                  <a:ext cx="2473571" cy="937845"/>
+                </a:xfrm>
+                <a:prstGeom prst="arc">
+                  <a:avLst/>
+                </a:prstGeom>
+                <a:grpFill/>
+                <a:ln w="28575">
+                  <a:solidFill>
+                    <a:schemeClr val="bg2"/>
+                  </a:solidFill>
+                </a:ln>
+              </p:spPr>
+              <p:style>
+                <a:lnRef idx="1">
+                  <a:schemeClr val="accent1"/>
+                </a:lnRef>
+                <a:fillRef idx="0">
+                  <a:schemeClr val="accent1"/>
+                </a:fillRef>
+                <a:effectRef idx="0">
+                  <a:schemeClr val="accent1"/>
+                </a:effectRef>
+                <a:fontRef idx="minor">
+                  <a:schemeClr val="tx1"/>
+                </a:fontRef>
+              </p:style>
+              <p:txBody>
+                <a:bodyPr rtlCol="0" anchor="ctr"/>
+                <a:lstStyle/>
+                <a:p>
+                  <a:pPr algn="ctr"/>
+                  <a:endParaRPr lang="nb-NO"/>
+                </a:p>
+              </p:txBody>
+            </p:sp>
+          </p:grpSp>
+          <p:sp>
+            <p:nvSpPr>
+              <p:cNvPr id="7" name="Ellipse 6"/>
+              <p:cNvSpPr/>
+              <p:nvPr/>
+            </p:nvSpPr>
+            <p:spPr>
+              <a:xfrm flipH="1">
+                <a:off x="4703028" y="3213950"/>
+                <a:ext cx="630655" cy="252262"/>
+              </a:xfrm>
+              <a:prstGeom prst="ellipse">
+                <a:avLst/>
+              </a:prstGeom>
+              <a:solidFill>
+                <a:srgbClr val="DE2212"/>
+              </a:solidFill>
+              <a:ln w="28575">
+                <a:solidFill>
+                  <a:schemeClr val="bg2"/>
+                </a:solidFill>
+              </a:ln>
+            </p:spPr>
+            <p:style>
+              <a:lnRef idx="2">
+                <a:schemeClr val="accent1">
+                  <a:shade val="50000"/>
+                </a:schemeClr>
+              </a:lnRef>
+              <a:fillRef idx="1">
+                <a:schemeClr val="accent1"/>
+              </a:fillRef>
+              <a:effectRef idx="0">
+                <a:schemeClr val="accent1"/>
+              </a:effectRef>
+              <a:fontRef idx="minor">
+                <a:schemeClr val="lt1"/>
+              </a:fontRef>
+            </p:style>
+            <p:txBody>
+              <a:bodyPr rtlCol="0" anchor="ctr"/>
+              <a:lstStyle/>
+              <a:p>
+                <a:pPr algn="ctr"/>
+                <a:endParaRPr lang="nb-NO"/>
+              </a:p>
+            </p:txBody>
+          </p:sp>
+          <p:cxnSp>
+            <p:nvCxnSpPr>
+              <p:cNvPr id="8" name="Rett linje 7"/>
+              <p:cNvCxnSpPr>
+                <a:stCxn id="7" idx="6"/>
+              </p:cNvCxnSpPr>
+              <p:nvPr/>
+            </p:nvCxnSpPr>
+            <p:spPr>
+              <a:xfrm flipH="1">
+                <a:off x="4703028" y="3340081"/>
+                <a:ext cx="0" cy="539210"/>
+              </a:xfrm>
+              <a:prstGeom prst="line">
+                <a:avLst/>
+              </a:prstGeom>
+              <a:solidFill>
+                <a:srgbClr val="FF0000"/>
+              </a:solidFill>
+              <a:ln w="28575">
+                <a:solidFill>
+                  <a:schemeClr val="bg2"/>
+                </a:solidFill>
+              </a:ln>
+            </p:spPr>
+            <p:style>
+              <a:lnRef idx="1">
+                <a:schemeClr val="accent1"/>
+              </a:lnRef>
+              <a:fillRef idx="0">
+                <a:schemeClr val="accent1"/>
+              </a:fillRef>
+              <a:effectRef idx="0">
+                <a:schemeClr val="accent1"/>
+              </a:effectRef>
+              <a:fontRef idx="minor">
+                <a:schemeClr val="tx1"/>
+              </a:fontRef>
+            </p:style>
+          </p:cxnSp>
+          <p:cxnSp>
+            <p:nvCxnSpPr>
+              <p:cNvPr id="9" name="Rett linje 8"/>
+              <p:cNvCxnSpPr/>
+              <p:nvPr/>
+            </p:nvCxnSpPr>
+            <p:spPr>
+              <a:xfrm flipH="1">
+                <a:off x="5333683" y="3340081"/>
+                <a:ext cx="0" cy="539210"/>
+              </a:xfrm>
+              <a:prstGeom prst="line">
+                <a:avLst/>
+              </a:prstGeom>
+              <a:solidFill>
+                <a:srgbClr val="FF0000"/>
+              </a:solidFill>
+              <a:ln w="28575">
+                <a:solidFill>
+                  <a:schemeClr val="bg2"/>
+                </a:solidFill>
+              </a:ln>
+            </p:spPr>
+            <p:style>
+              <a:lnRef idx="1">
+                <a:schemeClr val="accent1"/>
+              </a:lnRef>
+              <a:fillRef idx="0">
+                <a:schemeClr val="accent1"/>
+              </a:fillRef>
+              <a:effectRef idx="0">
+                <a:schemeClr val="accent1"/>
+              </a:effectRef>
+              <a:fontRef idx="minor">
+                <a:schemeClr val="tx1"/>
+              </a:fontRef>
+            </p:style>
+          </p:cxnSp>
+          <p:grpSp>
+            <p:nvGrpSpPr>
+              <p:cNvPr id="10" name="Gruppe 9"/>
+              <p:cNvGrpSpPr/>
+              <p:nvPr/>
+            </p:nvGrpSpPr>
+            <p:grpSpPr>
+              <a:xfrm flipH="1">
+                <a:off x="4703028" y="3393685"/>
+                <a:ext cx="630655" cy="252263"/>
+                <a:chOff x="3845167" y="2086704"/>
+                <a:chExt cx="2473571" cy="937849"/>
+              </a:xfrm>
+              <a:solidFill>
+                <a:srgbClr val="DE2212"/>
+              </a:solidFill>
+            </p:grpSpPr>
+            <p:sp>
+              <p:nvSpPr>
+                <p:cNvPr id="11" name="Bue 10"/>
+                <p:cNvSpPr/>
+                <p:nvPr/>
+              </p:nvSpPr>
+              <p:spPr>
+                <a:xfrm flipV="1">
+                  <a:off x="3845167" y="2086708"/>
+                  <a:ext cx="2473571" cy="937845"/>
+                </a:xfrm>
+                <a:prstGeom prst="arc">
+                  <a:avLst/>
+                </a:prstGeom>
+                <a:grpFill/>
+                <a:ln w="28575">
+                  <a:solidFill>
+                    <a:schemeClr val="bg2"/>
+                  </a:solidFill>
+                </a:ln>
+              </p:spPr>
+              <p:style>
+                <a:lnRef idx="1">
+                  <a:schemeClr val="accent1"/>
+                </a:lnRef>
+                <a:fillRef idx="0">
+                  <a:schemeClr val="accent1"/>
+                </a:fillRef>
+                <a:effectRef idx="0">
+                  <a:schemeClr val="accent1"/>
+                </a:effectRef>
+                <a:fontRef idx="minor">
+                  <a:schemeClr val="tx1"/>
+                </a:fontRef>
+              </p:style>
+              <p:txBody>
+                <a:bodyPr rtlCol="0" anchor="ctr"/>
+                <a:lstStyle/>
+                <a:p>
+                  <a:pPr algn="ctr"/>
+                  <a:endParaRPr lang="nb-NO"/>
+                </a:p>
+              </p:txBody>
+            </p:sp>
+            <p:sp>
+              <p:nvSpPr>
+                <p:cNvPr id="12" name="Bue 11"/>
+                <p:cNvSpPr/>
+                <p:nvPr/>
+              </p:nvSpPr>
+              <p:spPr>
+                <a:xfrm flipH="1" flipV="1">
+                  <a:off x="3845167" y="2086704"/>
+                  <a:ext cx="2473571" cy="937845"/>
+                </a:xfrm>
+                <a:prstGeom prst="arc">
+                  <a:avLst/>
+                </a:prstGeom>
+                <a:grpFill/>
+                <a:ln w="28575">
+                  <a:solidFill>
+                    <a:schemeClr val="bg2"/>
+                  </a:solidFill>
+                </a:ln>
+              </p:spPr>
+              <p:style>
+                <a:lnRef idx="1">
+                  <a:schemeClr val="accent1"/>
+                </a:lnRef>
+                <a:fillRef idx="0">
+                  <a:schemeClr val="accent1"/>
+                </a:fillRef>
+                <a:effectRef idx="0">
+                  <a:schemeClr val="accent1"/>
+                </a:effectRef>
+                <a:fontRef idx="minor">
+                  <a:schemeClr val="tx1"/>
+                </a:fontRef>
+              </p:style>
+              <p:txBody>
+                <a:bodyPr rtlCol="0" anchor="ctr"/>
+                <a:lstStyle/>
+                <a:p>
+                  <a:pPr algn="ctr"/>
+                  <a:endParaRPr lang="nb-NO"/>
+                </a:p>
+              </p:txBody>
+            </p:sp>
+          </p:grpSp>
         </p:grpSp>
         <p:sp>
           <p:nvSpPr>
-            <p:cNvPr id="7" name="Ellipse 6"/>
-            <p:cNvSpPr/>
+            <p:cNvPr id="45" name="TekstSylinder 44"/>
+            <p:cNvSpPr txBox="1"/>
             <p:nvPr/>
           </p:nvSpPr>
           <p:spPr>
-            <a:xfrm flipH="1">
-              <a:off x="4703028" y="3213950"/>
-              <a:ext cx="630655" cy="252262"/>
+            <a:xfrm>
+              <a:off x="4943865" y="2374713"/>
+              <a:ext cx="2292096" cy="461665"/>
             </a:xfrm>
-            <a:prstGeom prst="ellipse">
+            <a:prstGeom prst="rect">
               <a:avLst/>
             </a:prstGeom>
-            <a:solidFill>
-              <a:srgbClr val="DE2212"/>
-            </a:solidFill>
-            <a:ln w="28575">
-              <a:solidFill>
-                <a:schemeClr val="bg2"/>
-              </a:solidFill>
-            </a:ln>
+            <a:noFill/>
           </p:spPr>
-          <p:style>
-            <a:lnRef idx="2">
-              <a:schemeClr val="accent1">
-                <a:shade val="50000"/>
-              </a:schemeClr>
-            </a:lnRef>
-            <a:fillRef idx="1">
-              <a:schemeClr val="accent1"/>
-            </a:fillRef>
-            <a:effectRef idx="0">
-              <a:schemeClr val="accent1"/>
-            </a:effectRef>
-            <a:fontRef idx="minor">
-              <a:schemeClr val="lt1"/>
-            </a:fontRef>
-          </p:style>
           <p:txBody>
-            <a:bodyPr rtlCol="0" anchor="ctr"/>
+            <a:bodyPr wrap="square" rtlCol="0">
+              <a:spAutoFit/>
+            </a:bodyPr>
             <a:lstStyle/>
             <a:p>
               <a:pPr algn="ctr"/>
-              <a:endParaRPr lang="nb-NO"/>
+              <a:r>
+                <a:rPr lang="nb-NO" sz="2400" dirty="0" err="1" smtClean="0">
+                  <a:solidFill>
+                    <a:schemeClr val="bg2">
+                      <a:lumMod val="90000"/>
+                    </a:schemeClr>
+                  </a:solidFill>
+                  <a:latin typeface="Trebuchet MS" panose="020B0603020202020204" pitchFamily="34" charset="0"/>
+                </a:rPr>
+                <a:t>NVIbatch</a:t>
+              </a:r>
+              <a:endParaRPr lang="nb-NO" sz="2400" dirty="0">
+                <a:solidFill>
+                  <a:schemeClr val="bg2">
+                    <a:lumMod val="90000"/>
+                  </a:schemeClr>
+                </a:solidFill>
+                <a:latin typeface="Trebuchet MS" panose="020B0603020202020204" pitchFamily="34" charset="0"/>
+              </a:endParaRPr>
             </a:p>
           </p:txBody>
         </p:sp>
         <p:cxnSp>
           <p:nvCxnSpPr>
-            <p:cNvPr id="8" name="Rett linje 7"/>
-            <p:cNvCxnSpPr>
-              <a:stCxn id="7" idx="6"/>
-            </p:cNvCxnSpPr>
+            <p:cNvPr id="58" name="Rett linje 57"/>
+            <p:cNvCxnSpPr/>
             <p:nvPr/>
           </p:nvCxnSpPr>
           <p:spPr>
-            <a:xfrm flipH="1">
-              <a:off x="4703028" y="3340081"/>
-              <a:ext cx="0" cy="539210"/>
+            <a:xfrm flipV="1">
+              <a:off x="5547008" y="3127248"/>
+              <a:ext cx="0" cy="204852"/>
             </a:xfrm>
             <a:prstGeom prst="line">
               <a:avLst/>
             </a:prstGeom>
-            <a:solidFill>
-              <a:srgbClr val="FF0000"/>
-            </a:solidFill>
             <a:ln w="28575">
               <a:solidFill>
-                <a:schemeClr val="bg2"/>
+                <a:srgbClr val="979EA6"/>
               </a:solidFill>
             </a:ln>
           </p:spPr>
@@ -13695,24 +13894,56 @@
         </p:cxnSp>
         <p:cxnSp>
           <p:nvCxnSpPr>
-            <p:cNvPr id="9" name="Rett linje 8"/>
+            <p:cNvPr id="63" name="Rett linje 62"/>
             <p:cNvCxnSpPr/>
             <p:nvPr/>
           </p:nvCxnSpPr>
           <p:spPr>
-            <a:xfrm flipH="1">
-              <a:off x="5333683" y="3340081"/>
-              <a:ext cx="0" cy="539210"/>
+            <a:xfrm flipV="1">
+              <a:off x="5615772" y="3126066"/>
+              <a:ext cx="480228" cy="1185"/>
             </a:xfrm>
             <a:prstGeom prst="line">
               <a:avLst/>
             </a:prstGeom>
-            <a:solidFill>
-              <a:srgbClr val="FF0000"/>
-            </a:solidFill>
             <a:ln w="28575">
               <a:solidFill>
-                <a:schemeClr val="bg2"/>
+                <a:srgbClr val="979EA6"/>
+              </a:solidFill>
+            </a:ln>
+          </p:spPr>
+          <p:style>
+            <a:lnRef idx="1">
+              <a:schemeClr val="accent1"/>
+            </a:lnRef>
+            <a:fillRef idx="0">
+              <a:schemeClr val="accent1"/>
+            </a:fillRef>
+            <a:effectRef idx="0">
+              <a:schemeClr val="accent1"/>
+            </a:effectRef>
+            <a:fontRef idx="minor">
+              <a:schemeClr val="tx1"/>
+            </a:fontRef>
+          </p:style>
+        </p:cxnSp>
+        <p:cxnSp>
+          <p:nvCxnSpPr>
+            <p:cNvPr id="68" name="Rett linje 67"/>
+            <p:cNvCxnSpPr/>
+            <p:nvPr/>
+          </p:nvCxnSpPr>
+          <p:spPr>
+            <a:xfrm flipV="1">
+              <a:off x="6086939" y="3111589"/>
+              <a:ext cx="1" cy="929854"/>
+            </a:xfrm>
+            <a:prstGeom prst="line">
+              <a:avLst/>
+            </a:prstGeom>
+            <a:ln w="28575">
+              <a:solidFill>
+                <a:srgbClr val="979EA6"/>
               </a:solidFill>
             </a:ln>
           </p:spPr>
@@ -13733,54 +13964,58 @@
         </p:cxnSp>
         <p:grpSp>
           <p:nvGrpSpPr>
-            <p:cNvPr id="10" name="Gruppe 9"/>
+            <p:cNvPr id="20" name="Gruppe 19"/>
             <p:cNvGrpSpPr/>
             <p:nvPr/>
           </p:nvGrpSpPr>
           <p:grpSpPr>
-            <a:xfrm flipH="1">
-              <a:off x="4703028" y="3393685"/>
-              <a:ext cx="630655" cy="252263"/>
-              <a:chOff x="3845167" y="2086704"/>
-              <a:chExt cx="2473571" cy="937849"/>
+            <a:xfrm>
+              <a:off x="5415987" y="2981145"/>
+              <a:ext cx="262042" cy="267824"/>
+              <a:chOff x="9022166" y="1762144"/>
+              <a:chExt cx="262042" cy="267824"/>
             </a:xfrm>
-            <a:solidFill>
-              <a:srgbClr val="DE2212"/>
-            </a:solidFill>
           </p:grpSpPr>
           <p:sp>
             <p:nvSpPr>
-              <p:cNvPr id="11" name="Bue 10"/>
+              <p:cNvPr id="18" name="Ellipse 17"/>
               <p:cNvSpPr/>
               <p:nvPr/>
             </p:nvSpPr>
             <p:spPr>
-              <a:xfrm flipV="1">
-                <a:off x="3845167" y="2086708"/>
-                <a:ext cx="2473571" cy="937845"/>
+              <a:xfrm>
+                <a:off x="9022166" y="1762144"/>
+                <a:ext cx="262042" cy="267824"/>
               </a:xfrm>
-              <a:prstGeom prst="arc">
+              <a:prstGeom prst="ellipse">
                 <a:avLst/>
               </a:prstGeom>
-              <a:grpFill/>
-              <a:ln w="28575">
+              <a:solidFill>
+                <a:schemeClr val="bg1"/>
+              </a:solidFill>
+              <a:ln>
                 <a:solidFill>
-                  <a:schemeClr val="bg2"/>
+                  <a:schemeClr val="tx1">
+                    <a:lumMod val="65000"/>
+                    <a:lumOff val="35000"/>
+                  </a:schemeClr>
                 </a:solidFill>
               </a:ln>
             </p:spPr>
             <p:style>
-              <a:lnRef idx="1">
-                <a:schemeClr val="accent1"/>
+              <a:lnRef idx="2">
+                <a:schemeClr val="accent1">
+                  <a:shade val="50000"/>
+                </a:schemeClr>
               </a:lnRef>
-              <a:fillRef idx="0">
+              <a:fillRef idx="1">
                 <a:schemeClr val="accent1"/>
               </a:fillRef>
               <a:effectRef idx="0">
                 <a:schemeClr val="accent1"/>
               </a:effectRef>
               <a:fontRef idx="minor">
-                <a:schemeClr val="tx1"/>
+                <a:schemeClr val="lt1"/>
               </a:fontRef>
             </p:style>
             <p:txBody>
@@ -13792,24 +14027,29 @@
               </a:p>
             </p:txBody>
           </p:sp>
-          <p:sp>
-            <p:nvSpPr>
-              <p:cNvPr id="12" name="Bue 11"/>
-              <p:cNvSpPr/>
+          <p:cxnSp>
+            <p:nvCxnSpPr>
+              <p:cNvPr id="39" name="Rett linje 38"/>
+              <p:cNvCxnSpPr>
+                <a:stCxn id="18" idx="4"/>
+                <a:endCxn id="18" idx="0"/>
+              </p:cNvCxnSpPr>
               <p:nvPr/>
-            </p:nvSpPr>
+            </p:nvCxnSpPr>
             <p:spPr>
-              <a:xfrm flipH="1" flipV="1">
-                <a:off x="3845167" y="2086704"/>
-                <a:ext cx="2473571" cy="937845"/>
+              <a:xfrm flipV="1">
+                <a:off x="9153187" y="1762144"/>
+                <a:ext cx="0" cy="36000"/>
               </a:xfrm>
-              <a:prstGeom prst="arc">
+              <a:prstGeom prst="line">
                 <a:avLst/>
               </a:prstGeom>
-              <a:grpFill/>
-              <a:ln w="28575">
+              <a:ln w="12700">
                 <a:solidFill>
-                  <a:schemeClr val="bg2"/>
+                  <a:schemeClr val="tx1">
+                    <a:lumMod val="65000"/>
+                    <a:lumOff val="35000"/>
+                  </a:schemeClr>
                 </a:solidFill>
               </a:ln>
             </p:spPr>
@@ -13825,6 +14065,630 @@
               </a:effectRef>
               <a:fontRef idx="minor">
                 <a:schemeClr val="tx1"/>
+              </a:fontRef>
+            </p:style>
+          </p:cxnSp>
+          <p:cxnSp>
+            <p:nvCxnSpPr>
+              <p:cNvPr id="106" name="Rett linje 105"/>
+              <p:cNvCxnSpPr/>
+              <p:nvPr/>
+            </p:nvCxnSpPr>
+            <p:spPr>
+              <a:xfrm flipV="1">
+                <a:off x="9162712" y="1993968"/>
+                <a:ext cx="0" cy="36000"/>
+              </a:xfrm>
+              <a:prstGeom prst="line">
+                <a:avLst/>
+              </a:prstGeom>
+              <a:ln w="12700">
+                <a:solidFill>
+                  <a:schemeClr val="tx1">
+                    <a:lumMod val="65000"/>
+                    <a:lumOff val="35000"/>
+                  </a:schemeClr>
+                </a:solidFill>
+              </a:ln>
+            </p:spPr>
+            <p:style>
+              <a:lnRef idx="1">
+                <a:schemeClr val="accent1"/>
+              </a:lnRef>
+              <a:fillRef idx="0">
+                <a:schemeClr val="accent1"/>
+              </a:fillRef>
+              <a:effectRef idx="0">
+                <a:schemeClr val="accent1"/>
+              </a:effectRef>
+              <a:fontRef idx="minor">
+                <a:schemeClr val="tx1"/>
+              </a:fontRef>
+            </p:style>
+          </p:cxnSp>
+          <p:cxnSp>
+            <p:nvCxnSpPr>
+              <p:cNvPr id="107" name="Rett linje 106"/>
+              <p:cNvCxnSpPr/>
+              <p:nvPr/>
+            </p:nvCxnSpPr>
+            <p:spPr>
+              <a:xfrm rot="5400000" flipV="1">
+                <a:off x="9266208" y="1879668"/>
+                <a:ext cx="0" cy="36000"/>
+              </a:xfrm>
+              <a:prstGeom prst="line">
+                <a:avLst/>
+              </a:prstGeom>
+              <a:ln w="12700">
+                <a:solidFill>
+                  <a:schemeClr val="tx1">
+                    <a:lumMod val="65000"/>
+                    <a:lumOff val="35000"/>
+                  </a:schemeClr>
+                </a:solidFill>
+              </a:ln>
+            </p:spPr>
+            <p:style>
+              <a:lnRef idx="1">
+                <a:schemeClr val="accent1"/>
+              </a:lnRef>
+              <a:fillRef idx="0">
+                <a:schemeClr val="accent1"/>
+              </a:fillRef>
+              <a:effectRef idx="0">
+                <a:schemeClr val="accent1"/>
+              </a:effectRef>
+              <a:fontRef idx="minor">
+                <a:schemeClr val="tx1"/>
+              </a:fontRef>
+            </p:style>
+          </p:cxnSp>
+          <p:cxnSp>
+            <p:nvCxnSpPr>
+              <p:cNvPr id="108" name="Rett linje 107"/>
+              <p:cNvCxnSpPr/>
+              <p:nvPr/>
+            </p:nvCxnSpPr>
+            <p:spPr>
+              <a:xfrm rot="5400000" flipV="1">
+                <a:off x="9044602" y="1879668"/>
+                <a:ext cx="0" cy="36000"/>
+              </a:xfrm>
+              <a:prstGeom prst="line">
+                <a:avLst/>
+              </a:prstGeom>
+              <a:ln w="12700">
+                <a:solidFill>
+                  <a:schemeClr val="tx1">
+                    <a:lumMod val="65000"/>
+                    <a:lumOff val="35000"/>
+                  </a:schemeClr>
+                </a:solidFill>
+              </a:ln>
+            </p:spPr>
+            <p:style>
+              <a:lnRef idx="1">
+                <a:schemeClr val="accent1"/>
+              </a:lnRef>
+              <a:fillRef idx="0">
+                <a:schemeClr val="accent1"/>
+              </a:fillRef>
+              <a:effectRef idx="0">
+                <a:schemeClr val="accent1"/>
+              </a:effectRef>
+              <a:fontRef idx="minor">
+                <a:schemeClr val="tx1"/>
+              </a:fontRef>
+            </p:style>
+          </p:cxnSp>
+          <p:cxnSp>
+            <p:nvCxnSpPr>
+              <p:cNvPr id="110" name="Rett linje 109"/>
+              <p:cNvCxnSpPr/>
+              <p:nvPr/>
+            </p:nvCxnSpPr>
+            <p:spPr>
+              <a:xfrm rot="1800000" flipV="1">
+                <a:off x="9203106" y="1780144"/>
+                <a:ext cx="0" cy="36000"/>
+              </a:xfrm>
+              <a:prstGeom prst="line">
+                <a:avLst/>
+              </a:prstGeom>
+              <a:ln w="12700">
+                <a:solidFill>
+                  <a:schemeClr val="tx1">
+                    <a:lumMod val="65000"/>
+                    <a:lumOff val="35000"/>
+                  </a:schemeClr>
+                </a:solidFill>
+              </a:ln>
+            </p:spPr>
+            <p:style>
+              <a:lnRef idx="1">
+                <a:schemeClr val="accent1"/>
+              </a:lnRef>
+              <a:fillRef idx="0">
+                <a:schemeClr val="accent1"/>
+              </a:fillRef>
+              <a:effectRef idx="0">
+                <a:schemeClr val="accent1"/>
+              </a:effectRef>
+              <a:fontRef idx="minor">
+                <a:schemeClr val="tx1"/>
+              </a:fontRef>
+            </p:style>
+          </p:cxnSp>
+          <p:cxnSp>
+            <p:nvCxnSpPr>
+              <p:cNvPr id="111" name="Rett linje 110"/>
+              <p:cNvCxnSpPr/>
+              <p:nvPr/>
+            </p:nvCxnSpPr>
+            <p:spPr>
+              <a:xfrm rot="1800000" flipV="1">
+                <a:off x="9108610" y="1978379"/>
+                <a:ext cx="0" cy="36000"/>
+              </a:xfrm>
+              <a:prstGeom prst="line">
+                <a:avLst/>
+              </a:prstGeom>
+              <a:ln w="12700">
+                <a:solidFill>
+                  <a:schemeClr val="tx1">
+                    <a:lumMod val="65000"/>
+                    <a:lumOff val="35000"/>
+                  </a:schemeClr>
+                </a:solidFill>
+              </a:ln>
+            </p:spPr>
+            <p:style>
+              <a:lnRef idx="1">
+                <a:schemeClr val="accent1"/>
+              </a:lnRef>
+              <a:fillRef idx="0">
+                <a:schemeClr val="accent1"/>
+              </a:fillRef>
+              <a:effectRef idx="0">
+                <a:schemeClr val="accent1"/>
+              </a:effectRef>
+              <a:fontRef idx="minor">
+                <a:schemeClr val="tx1"/>
+              </a:fontRef>
+            </p:style>
+          </p:cxnSp>
+          <p:cxnSp>
+            <p:nvCxnSpPr>
+              <p:cNvPr id="112" name="Rett linje 111"/>
+              <p:cNvCxnSpPr/>
+              <p:nvPr/>
+            </p:nvCxnSpPr>
+            <p:spPr>
+              <a:xfrm rot="3600000" flipV="1">
+                <a:off x="9060191" y="1942008"/>
+                <a:ext cx="0" cy="36000"/>
+              </a:xfrm>
+              <a:prstGeom prst="line">
+                <a:avLst/>
+              </a:prstGeom>
+              <a:ln w="12700">
+                <a:solidFill>
+                  <a:schemeClr val="tx1">
+                    <a:lumMod val="65000"/>
+                    <a:lumOff val="35000"/>
+                  </a:schemeClr>
+                </a:solidFill>
+              </a:ln>
+            </p:spPr>
+            <p:style>
+              <a:lnRef idx="1">
+                <a:schemeClr val="accent1"/>
+              </a:lnRef>
+              <a:fillRef idx="0">
+                <a:schemeClr val="accent1"/>
+              </a:fillRef>
+              <a:effectRef idx="0">
+                <a:schemeClr val="accent1"/>
+              </a:effectRef>
+              <a:fontRef idx="minor">
+                <a:schemeClr val="tx1"/>
+              </a:fontRef>
+            </p:style>
+          </p:cxnSp>
+          <p:cxnSp>
+            <p:nvCxnSpPr>
+              <p:cNvPr id="114" name="Rett linje 113"/>
+              <p:cNvCxnSpPr/>
+              <p:nvPr/>
+            </p:nvCxnSpPr>
+            <p:spPr>
+              <a:xfrm rot="3600000" flipV="1">
+                <a:off x="9248207" y="1814764"/>
+                <a:ext cx="0" cy="36000"/>
+              </a:xfrm>
+              <a:prstGeom prst="line">
+                <a:avLst/>
+              </a:prstGeom>
+              <a:ln w="12700">
+                <a:solidFill>
+                  <a:schemeClr val="tx1">
+                    <a:lumMod val="65000"/>
+                    <a:lumOff val="35000"/>
+                  </a:schemeClr>
+                </a:solidFill>
+              </a:ln>
+            </p:spPr>
+            <p:style>
+              <a:lnRef idx="1">
+                <a:schemeClr val="accent1"/>
+              </a:lnRef>
+              <a:fillRef idx="0">
+                <a:schemeClr val="accent1"/>
+              </a:fillRef>
+              <a:effectRef idx="0">
+                <a:schemeClr val="accent1"/>
+              </a:effectRef>
+              <a:fontRef idx="minor">
+                <a:schemeClr val="tx1"/>
+              </a:fontRef>
+            </p:style>
+          </p:cxnSp>
+          <p:cxnSp>
+            <p:nvCxnSpPr>
+              <p:cNvPr id="115" name="Rett linje 114"/>
+              <p:cNvCxnSpPr/>
+              <p:nvPr/>
+            </p:nvCxnSpPr>
+            <p:spPr>
+              <a:xfrm rot="7200000" flipV="1">
+                <a:off x="9057914" y="1823765"/>
+                <a:ext cx="0" cy="36000"/>
+              </a:xfrm>
+              <a:prstGeom prst="line">
+                <a:avLst/>
+              </a:prstGeom>
+              <a:ln w="12700">
+                <a:solidFill>
+                  <a:schemeClr val="tx1">
+                    <a:lumMod val="65000"/>
+                    <a:lumOff val="35000"/>
+                  </a:schemeClr>
+                </a:solidFill>
+              </a:ln>
+            </p:spPr>
+            <p:style>
+              <a:lnRef idx="1">
+                <a:schemeClr val="accent1"/>
+              </a:lnRef>
+              <a:fillRef idx="0">
+                <a:schemeClr val="accent1"/>
+              </a:fillRef>
+              <a:effectRef idx="0">
+                <a:schemeClr val="accent1"/>
+              </a:effectRef>
+              <a:fontRef idx="minor">
+                <a:schemeClr val="tx1"/>
+              </a:fontRef>
+            </p:style>
+          </p:cxnSp>
+          <p:cxnSp>
+            <p:nvCxnSpPr>
+              <p:cNvPr id="116" name="Rett linje 115"/>
+              <p:cNvCxnSpPr/>
+              <p:nvPr/>
+            </p:nvCxnSpPr>
+            <p:spPr>
+              <a:xfrm rot="7200000" flipV="1">
+                <a:off x="9248207" y="1933007"/>
+                <a:ext cx="0" cy="36000"/>
+              </a:xfrm>
+              <a:prstGeom prst="line">
+                <a:avLst/>
+              </a:prstGeom>
+              <a:ln w="12700">
+                <a:solidFill>
+                  <a:schemeClr val="tx1">
+                    <a:lumMod val="65000"/>
+                    <a:lumOff val="35000"/>
+                  </a:schemeClr>
+                </a:solidFill>
+              </a:ln>
+            </p:spPr>
+            <p:style>
+              <a:lnRef idx="1">
+                <a:schemeClr val="accent1"/>
+              </a:lnRef>
+              <a:fillRef idx="0">
+                <a:schemeClr val="accent1"/>
+              </a:fillRef>
+              <a:effectRef idx="0">
+                <a:schemeClr val="accent1"/>
+              </a:effectRef>
+              <a:fontRef idx="minor">
+                <a:schemeClr val="tx1"/>
+              </a:fontRef>
+            </p:style>
+          </p:cxnSp>
+          <p:cxnSp>
+            <p:nvCxnSpPr>
+              <p:cNvPr id="117" name="Rett linje 116"/>
+              <p:cNvCxnSpPr/>
+              <p:nvPr/>
+            </p:nvCxnSpPr>
+            <p:spPr>
+              <a:xfrm rot="9000000" flipV="1">
+                <a:off x="9090135" y="1780144"/>
+                <a:ext cx="0" cy="36000"/>
+              </a:xfrm>
+              <a:prstGeom prst="line">
+                <a:avLst/>
+              </a:prstGeom>
+              <a:ln w="12700">
+                <a:solidFill>
+                  <a:schemeClr val="tx1">
+                    <a:lumMod val="65000"/>
+                    <a:lumOff val="35000"/>
+                  </a:schemeClr>
+                </a:solidFill>
+              </a:ln>
+            </p:spPr>
+            <p:style>
+              <a:lnRef idx="1">
+                <a:schemeClr val="accent1"/>
+              </a:lnRef>
+              <a:fillRef idx="0">
+                <a:schemeClr val="accent1"/>
+              </a:fillRef>
+              <a:effectRef idx="0">
+                <a:schemeClr val="accent1"/>
+              </a:effectRef>
+              <a:fontRef idx="minor">
+                <a:schemeClr val="tx1"/>
+              </a:fontRef>
+            </p:style>
+          </p:cxnSp>
+          <p:cxnSp>
+            <p:nvCxnSpPr>
+              <p:cNvPr id="118" name="Rett linje 117"/>
+              <p:cNvCxnSpPr/>
+              <p:nvPr/>
+            </p:nvCxnSpPr>
+            <p:spPr>
+              <a:xfrm rot="9000000" flipV="1">
+                <a:off x="9223618" y="1971635"/>
+                <a:ext cx="0" cy="36000"/>
+              </a:xfrm>
+              <a:prstGeom prst="line">
+                <a:avLst/>
+              </a:prstGeom>
+              <a:ln w="12700">
+                <a:solidFill>
+                  <a:schemeClr val="tx1">
+                    <a:lumMod val="65000"/>
+                    <a:lumOff val="35000"/>
+                  </a:schemeClr>
+                </a:solidFill>
+              </a:ln>
+            </p:spPr>
+            <p:style>
+              <a:lnRef idx="1">
+                <a:schemeClr val="accent1"/>
+              </a:lnRef>
+              <a:fillRef idx="0">
+                <a:schemeClr val="accent1"/>
+              </a:fillRef>
+              <a:effectRef idx="0">
+                <a:schemeClr val="accent1"/>
+              </a:effectRef>
+              <a:fontRef idx="minor">
+                <a:schemeClr val="tx1"/>
+              </a:fontRef>
+            </p:style>
+          </p:cxnSp>
+          <p:sp>
+            <p:nvSpPr>
+              <p:cNvPr id="121" name="Ellipse 120"/>
+              <p:cNvSpPr/>
+              <p:nvPr/>
+            </p:nvSpPr>
+            <p:spPr>
+              <a:xfrm>
+                <a:off x="9137405" y="1878056"/>
+                <a:ext cx="36000" cy="36000"/>
+              </a:xfrm>
+              <a:prstGeom prst="ellipse">
+                <a:avLst/>
+              </a:prstGeom>
+              <a:solidFill>
+                <a:schemeClr val="tx1"/>
+              </a:solidFill>
+              <a:ln w="3175">
+                <a:solidFill>
+                  <a:schemeClr val="tx1"/>
+                </a:solidFill>
+              </a:ln>
+            </p:spPr>
+            <p:style>
+              <a:lnRef idx="2">
+                <a:schemeClr val="accent1">
+                  <a:shade val="50000"/>
+                </a:schemeClr>
+              </a:lnRef>
+              <a:fillRef idx="1">
+                <a:schemeClr val="accent1"/>
+              </a:fillRef>
+              <a:effectRef idx="0">
+                <a:schemeClr val="accent1"/>
+              </a:effectRef>
+              <a:fontRef idx="minor">
+                <a:schemeClr val="lt1"/>
+              </a:fontRef>
+            </p:style>
+            <p:txBody>
+              <a:bodyPr rtlCol="0" anchor="ctr"/>
+              <a:lstStyle/>
+              <a:p>
+                <a:pPr algn="ctr"/>
+                <a:endParaRPr lang="nb-NO"/>
+              </a:p>
+            </p:txBody>
+          </p:sp>
+          <p:cxnSp>
+            <p:nvCxnSpPr>
+              <p:cNvPr id="122" name="Rett linje 121"/>
+              <p:cNvCxnSpPr/>
+              <p:nvPr/>
+            </p:nvCxnSpPr>
+            <p:spPr>
+              <a:xfrm rot="1800000" flipV="1">
+                <a:off x="9175835" y="1823180"/>
+                <a:ext cx="0" cy="72000"/>
+              </a:xfrm>
+              <a:prstGeom prst="line">
+                <a:avLst/>
+              </a:prstGeom>
+              <a:ln w="12700">
+                <a:solidFill>
+                  <a:schemeClr val="tx1"/>
+                </a:solidFill>
+              </a:ln>
+            </p:spPr>
+            <p:style>
+              <a:lnRef idx="1">
+                <a:schemeClr val="accent1"/>
+              </a:lnRef>
+              <a:fillRef idx="0">
+                <a:schemeClr val="accent1"/>
+              </a:fillRef>
+              <a:effectRef idx="0">
+                <a:schemeClr val="accent1"/>
+              </a:effectRef>
+              <a:fontRef idx="minor">
+                <a:schemeClr val="tx1"/>
+              </a:fontRef>
+            </p:style>
+          </p:cxnSp>
+          <p:sp>
+            <p:nvSpPr>
+              <p:cNvPr id="123" name="Likebent trekant 122"/>
+              <p:cNvSpPr/>
+              <p:nvPr/>
+            </p:nvSpPr>
+            <p:spPr>
+              <a:xfrm rot="1800000">
+                <a:off x="9186637" y="1799245"/>
+                <a:ext cx="28800" cy="36000"/>
+              </a:xfrm>
+              <a:prstGeom prst="triangle">
+                <a:avLst/>
+              </a:prstGeom>
+              <a:solidFill>
+                <a:schemeClr val="tx1"/>
+              </a:solidFill>
+              <a:ln w="3175">
+                <a:solidFill>
+                  <a:schemeClr val="tx1"/>
+                </a:solidFill>
+              </a:ln>
+            </p:spPr>
+            <p:style>
+              <a:lnRef idx="2">
+                <a:schemeClr val="accent1">
+                  <a:shade val="50000"/>
+                </a:schemeClr>
+              </a:lnRef>
+              <a:fillRef idx="1">
+                <a:schemeClr val="accent1"/>
+              </a:fillRef>
+              <a:effectRef idx="0">
+                <a:schemeClr val="accent1"/>
+              </a:effectRef>
+              <a:fontRef idx="minor">
+                <a:schemeClr val="lt1"/>
+              </a:fontRef>
+            </p:style>
+            <p:txBody>
+              <a:bodyPr rtlCol="0" anchor="ctr"/>
+              <a:lstStyle/>
+              <a:p>
+                <a:pPr algn="ctr"/>
+                <a:endParaRPr lang="nb-NO"/>
+              </a:p>
+            </p:txBody>
+          </p:sp>
+          <p:cxnSp>
+            <p:nvCxnSpPr>
+              <p:cNvPr id="124" name="Rett linje 123"/>
+              <p:cNvCxnSpPr/>
+              <p:nvPr/>
+            </p:nvCxnSpPr>
+            <p:spPr>
+              <a:xfrm rot="5400000" flipV="1">
+                <a:off x="9186991" y="1882052"/>
+                <a:ext cx="0" cy="36000"/>
+              </a:xfrm>
+              <a:prstGeom prst="line">
+                <a:avLst/>
+              </a:prstGeom>
+              <a:ln w="12700">
+                <a:solidFill>
+                  <a:schemeClr val="tx1"/>
+                </a:solidFill>
+              </a:ln>
+            </p:spPr>
+            <p:style>
+              <a:lnRef idx="1">
+                <a:schemeClr val="accent1"/>
+              </a:lnRef>
+              <a:fillRef idx="0">
+                <a:schemeClr val="accent1"/>
+              </a:fillRef>
+              <a:effectRef idx="0">
+                <a:schemeClr val="accent1"/>
+              </a:effectRef>
+              <a:fontRef idx="minor">
+                <a:schemeClr val="tx1"/>
+              </a:fontRef>
+            </p:style>
+          </p:cxnSp>
+          <p:sp>
+            <p:nvSpPr>
+              <p:cNvPr id="125" name="Likebent trekant 124"/>
+              <p:cNvSpPr/>
+              <p:nvPr/>
+            </p:nvSpPr>
+            <p:spPr>
+              <a:xfrm rot="5400000">
+                <a:off x="9207001" y="1877807"/>
+                <a:ext cx="36000" cy="36000"/>
+              </a:xfrm>
+              <a:prstGeom prst="triangle">
+                <a:avLst/>
+              </a:prstGeom>
+              <a:solidFill>
+                <a:schemeClr val="tx1"/>
+              </a:solidFill>
+              <a:ln w="3175">
+                <a:solidFill>
+                  <a:schemeClr val="tx1"/>
+                </a:solidFill>
+              </a:ln>
+            </p:spPr>
+            <p:style>
+              <a:lnRef idx="2">
+                <a:schemeClr val="accent1">
+                  <a:shade val="50000"/>
+                </a:schemeClr>
+              </a:lnRef>
+              <a:fillRef idx="1">
+                <a:schemeClr val="accent1"/>
+              </a:fillRef>
+              <a:effectRef idx="0">
+                <a:schemeClr val="accent1"/>
+              </a:effectRef>
+              <a:fontRef idx="minor">
+                <a:schemeClr val="lt1"/>
               </a:fontRef>
             </p:style>
             <p:txBody>
@@ -13837,272 +14701,23 @@
             </p:txBody>
           </p:sp>
         </p:grpSp>
-      </p:grpSp>
-      <p:sp>
-        <p:nvSpPr>
-          <p:cNvPr id="45" name="TekstSylinder 44"/>
-          <p:cNvSpPr txBox="1"/>
-          <p:nvPr/>
-        </p:nvSpPr>
-        <p:spPr>
-          <a:xfrm>
-            <a:off x="4334256" y="2374713"/>
-            <a:ext cx="2292096" cy="461665"/>
-          </a:xfrm>
-          <a:prstGeom prst="rect">
-            <a:avLst/>
-          </a:prstGeom>
-          <a:noFill/>
-        </p:spPr>
-        <p:txBody>
-          <a:bodyPr wrap="square" rtlCol="0">
-            <a:spAutoFit/>
-          </a:bodyPr>
-          <a:lstStyle/>
-          <a:p>
-            <a:pPr algn="ctr"/>
-            <a:r>
-              <a:rPr lang="nb-NO" sz="2400" dirty="0" err="1" smtClean="0">
-                <a:solidFill>
-                  <a:schemeClr val="bg2">
-                    <a:lumMod val="90000"/>
-                  </a:schemeClr>
-                </a:solidFill>
-                <a:latin typeface="Trebuchet MS" panose="020B0603020202020204" pitchFamily="34" charset="0"/>
-              </a:rPr>
-              <a:t>NVIbatch</a:t>
-            </a:r>
-            <a:endParaRPr lang="nb-NO" sz="2400" dirty="0">
-              <a:solidFill>
-                <a:schemeClr val="bg2">
-                  <a:lumMod val="90000"/>
-                </a:schemeClr>
-              </a:solidFill>
-              <a:latin typeface="Trebuchet MS" panose="020B0603020202020204" pitchFamily="34" charset="0"/>
-            </a:endParaRPr>
-          </a:p>
-        </p:txBody>
-      </p:sp>
-      <p:cxnSp>
-        <p:nvCxnSpPr>
-          <p:cNvPr id="58" name="Rett linje 57"/>
-          <p:cNvCxnSpPr/>
-          <p:nvPr/>
-        </p:nvCxnSpPr>
-        <p:spPr>
-          <a:xfrm flipV="1">
-            <a:off x="5018355" y="3127248"/>
-            <a:ext cx="0" cy="204852"/>
-          </a:xfrm>
-          <a:prstGeom prst="line">
-            <a:avLst/>
-          </a:prstGeom>
-          <a:ln w="28575">
-            <a:solidFill>
-              <a:srgbClr val="979EA6"/>
-            </a:solidFill>
-          </a:ln>
-        </p:spPr>
-        <p:style>
-          <a:lnRef idx="1">
-            <a:schemeClr val="accent1"/>
-          </a:lnRef>
-          <a:fillRef idx="0">
-            <a:schemeClr val="accent1"/>
-          </a:fillRef>
-          <a:effectRef idx="0">
-            <a:schemeClr val="accent1"/>
-          </a:effectRef>
-          <a:fontRef idx="minor">
-            <a:schemeClr val="tx1"/>
-          </a:fontRef>
-        </p:style>
-      </p:cxnSp>
-      <p:cxnSp>
-        <p:nvCxnSpPr>
-          <p:cNvPr id="63" name="Rett linje 62"/>
-          <p:cNvCxnSpPr/>
-          <p:nvPr/>
-        </p:nvCxnSpPr>
-        <p:spPr>
-          <a:xfrm flipV="1">
-            <a:off x="5006163" y="3127249"/>
-            <a:ext cx="522909" cy="1"/>
-          </a:xfrm>
-          <a:prstGeom prst="line">
-            <a:avLst/>
-          </a:prstGeom>
-          <a:ln w="28575">
-            <a:solidFill>
-              <a:srgbClr val="979EA6"/>
-            </a:solidFill>
-          </a:ln>
-        </p:spPr>
-        <p:style>
-          <a:lnRef idx="1">
-            <a:schemeClr val="accent1"/>
-          </a:lnRef>
-          <a:fillRef idx="0">
-            <a:schemeClr val="accent1"/>
-          </a:fillRef>
-          <a:effectRef idx="0">
-            <a:schemeClr val="accent1"/>
-          </a:effectRef>
-          <a:fontRef idx="minor">
-            <a:schemeClr val="tx1"/>
-          </a:fontRef>
-        </p:style>
-      </p:cxnSp>
-      <p:cxnSp>
-        <p:nvCxnSpPr>
-          <p:cNvPr id="68" name="Rett linje 67"/>
-          <p:cNvCxnSpPr/>
-          <p:nvPr/>
-        </p:nvCxnSpPr>
-        <p:spPr>
-          <a:xfrm flipV="1">
-            <a:off x="5516880" y="3115057"/>
-            <a:ext cx="0" cy="759712"/>
-          </a:xfrm>
-          <a:prstGeom prst="line">
-            <a:avLst/>
-          </a:prstGeom>
-          <a:ln w="28575">
-            <a:solidFill>
-              <a:srgbClr val="979EA6"/>
-            </a:solidFill>
-          </a:ln>
-        </p:spPr>
-        <p:style>
-          <a:lnRef idx="1">
-            <a:schemeClr val="accent1"/>
-          </a:lnRef>
-          <a:fillRef idx="0">
-            <a:schemeClr val="accent1"/>
-          </a:fillRef>
-          <a:effectRef idx="0">
-            <a:schemeClr val="accent1"/>
-          </a:effectRef>
-          <a:fontRef idx="minor">
-            <a:schemeClr val="tx1"/>
-          </a:fontRef>
-        </p:style>
-      </p:cxnSp>
-      <p:cxnSp>
-        <p:nvCxnSpPr>
-          <p:cNvPr id="70" name="Rett linje 69"/>
-          <p:cNvCxnSpPr/>
-          <p:nvPr/>
-        </p:nvCxnSpPr>
-        <p:spPr>
-          <a:xfrm flipV="1">
-            <a:off x="5516233" y="3850068"/>
-            <a:ext cx="169850" cy="2"/>
-          </a:xfrm>
-          <a:prstGeom prst="line">
-            <a:avLst/>
-          </a:prstGeom>
-          <a:ln w="28575">
-            <a:solidFill>
-              <a:srgbClr val="979EA6"/>
-            </a:solidFill>
-            <a:tailEnd type="triangle"/>
-          </a:ln>
-        </p:spPr>
-        <p:style>
-          <a:lnRef idx="1">
-            <a:schemeClr val="accent1"/>
-          </a:lnRef>
-          <a:fillRef idx="0">
-            <a:schemeClr val="accent1"/>
-          </a:fillRef>
-          <a:effectRef idx="0">
-            <a:schemeClr val="accent1"/>
-          </a:effectRef>
-          <a:fontRef idx="minor">
-            <a:schemeClr val="tx1"/>
-          </a:fontRef>
-        </p:style>
-      </p:cxnSp>
-      <p:grpSp>
-        <p:nvGrpSpPr>
-          <p:cNvPr id="83" name="Gruppe 82"/>
-          <p:cNvGrpSpPr/>
-          <p:nvPr/>
-        </p:nvGrpSpPr>
-        <p:grpSpPr>
-          <a:xfrm>
-            <a:off x="5718048" y="3076993"/>
-            <a:ext cx="640080" cy="919696"/>
-            <a:chOff x="5791200" y="2955073"/>
-            <a:chExt cx="640080" cy="919696"/>
-          </a:xfrm>
-        </p:grpSpPr>
-        <p:sp>
-          <p:nvSpPr>
-            <p:cNvPr id="72" name="Rektangel 71"/>
-            <p:cNvSpPr/>
-            <p:nvPr/>
-          </p:nvSpPr>
-          <p:spPr>
-            <a:xfrm>
-              <a:off x="5791200" y="2955073"/>
-              <a:ext cx="640080" cy="919696"/>
-            </a:xfrm>
-            <a:prstGeom prst="rect">
-              <a:avLst/>
-            </a:prstGeom>
-            <a:solidFill>
-              <a:schemeClr val="bg1"/>
-            </a:solidFill>
-            <a:ln>
-              <a:solidFill>
-                <a:schemeClr val="bg1"/>
-              </a:solidFill>
-            </a:ln>
-          </p:spPr>
-          <p:style>
-            <a:lnRef idx="2">
-              <a:schemeClr val="accent1">
-                <a:shade val="50000"/>
-              </a:schemeClr>
-            </a:lnRef>
-            <a:fillRef idx="1">
-              <a:schemeClr val="accent1"/>
-            </a:fillRef>
-            <a:effectRef idx="0">
-              <a:schemeClr val="accent1"/>
-            </a:effectRef>
-            <a:fontRef idx="minor">
-              <a:schemeClr val="lt1"/>
-            </a:fontRef>
-          </p:style>
-          <p:txBody>
-            <a:bodyPr rtlCol="0" anchor="ctr"/>
-            <a:lstStyle/>
-            <a:p>
-              <a:pPr algn="ctr"/>
-              <a:endParaRPr lang="nb-NO"/>
-            </a:p>
-          </p:txBody>
-        </p:sp>
         <p:cxnSp>
           <p:nvCxnSpPr>
-            <p:cNvPr id="73" name="Rett linje 72"/>
+            <p:cNvPr id="229" name="Rett linje 228"/>
             <p:cNvCxnSpPr/>
             <p:nvPr/>
           </p:nvCxnSpPr>
           <p:spPr>
             <a:xfrm flipV="1">
-              <a:off x="5893016" y="3077176"/>
-              <a:ext cx="428403" cy="2"/>
+              <a:off x="6074693" y="4021654"/>
+              <a:ext cx="210907" cy="5080"/>
             </a:xfrm>
             <a:prstGeom prst="line">
               <a:avLst/>
             </a:prstGeom>
             <a:ln w="28575">
               <a:solidFill>
-                <a:srgbClr val="00A6EB"/>
+                <a:srgbClr val="979EA6"/>
               </a:solidFill>
             </a:ln>
           </p:spPr>
@@ -14121,1662 +14736,2076 @@
             </a:fontRef>
           </p:style>
         </p:cxnSp>
-        <p:cxnSp>
-          <p:nvCxnSpPr>
-            <p:cNvPr id="75" name="Rett linje 74"/>
-            <p:cNvCxnSpPr/>
+        <p:grpSp>
+          <p:nvGrpSpPr>
+            <p:cNvPr id="214" name="Gruppe 213"/>
+            <p:cNvGrpSpPr/>
             <p:nvPr/>
-          </p:nvCxnSpPr>
-          <p:spPr>
-            <a:xfrm flipV="1">
-              <a:off x="5893016" y="3178609"/>
-              <a:ext cx="428403" cy="2"/>
+          </p:nvGrpSpPr>
+          <p:grpSpPr>
+            <a:xfrm>
+              <a:off x="6293179" y="3208985"/>
+              <a:ext cx="778060" cy="873686"/>
+              <a:chOff x="6364299" y="3208985"/>
+              <a:chExt cx="778060" cy="873686"/>
             </a:xfrm>
-            <a:prstGeom prst="line">
-              <a:avLst/>
-            </a:prstGeom>
-            <a:ln w="28575">
+          </p:grpSpPr>
+          <p:grpSp>
+            <p:nvGrpSpPr>
+              <p:cNvPr id="213" name="Gruppe 212"/>
+              <p:cNvGrpSpPr/>
+              <p:nvPr/>
+            </p:nvGrpSpPr>
+            <p:grpSpPr>
+              <a:xfrm>
+                <a:off x="6446933" y="3208985"/>
+                <a:ext cx="695426" cy="790573"/>
+                <a:chOff x="7145456" y="4551016"/>
+                <a:chExt cx="695426" cy="790573"/>
+              </a:xfrm>
+            </p:grpSpPr>
+            <p:sp>
+              <p:nvSpPr>
+                <p:cNvPr id="188" name="Rektangel 187"/>
+                <p:cNvSpPr/>
+                <p:nvPr/>
+              </p:nvSpPr>
+              <p:spPr>
+                <a:xfrm>
+                  <a:off x="7145456" y="4551016"/>
+                  <a:ext cx="596520" cy="765720"/>
+                </a:xfrm>
+                <a:prstGeom prst="rect">
+                  <a:avLst/>
+                </a:prstGeom>
+                <a:solidFill>
+                  <a:schemeClr val="bg1"/>
+                </a:solidFill>
+                <a:ln w="12700">
+                  <a:solidFill>
+                    <a:srgbClr val="DE2212"/>
+                  </a:solidFill>
+                </a:ln>
+              </p:spPr>
+              <p:style>
+                <a:lnRef idx="2">
+                  <a:schemeClr val="accent1">
+                    <a:shade val="50000"/>
+                  </a:schemeClr>
+                </a:lnRef>
+                <a:fillRef idx="1">
+                  <a:schemeClr val="accent1"/>
+                </a:fillRef>
+                <a:effectRef idx="0">
+                  <a:schemeClr val="accent1"/>
+                </a:effectRef>
+                <a:fontRef idx="minor">
+                  <a:schemeClr val="lt1"/>
+                </a:fontRef>
+              </p:style>
+              <p:txBody>
+                <a:bodyPr rtlCol="0" anchor="ctr"/>
+                <a:lstStyle/>
+                <a:p>
+                  <a:pPr algn="ctr"/>
+                  <a:endParaRPr lang="nb-NO"/>
+                </a:p>
+              </p:txBody>
+            </p:sp>
+            <p:cxnSp>
+              <p:nvCxnSpPr>
+                <p:cNvPr id="189" name="Rett linje 188"/>
+                <p:cNvCxnSpPr/>
+                <p:nvPr/>
+              </p:nvCxnSpPr>
+              <p:spPr>
+                <a:xfrm flipV="1">
+                  <a:off x="7209716" y="4693443"/>
+                  <a:ext cx="468000" cy="2"/>
+                </a:xfrm>
+                <a:prstGeom prst="line">
+                  <a:avLst/>
+                </a:prstGeom>
+                <a:ln w="28575">
+                  <a:solidFill>
+                    <a:srgbClr val="DE2212"/>
+                  </a:solidFill>
+                </a:ln>
+              </p:spPr>
+              <p:style>
+                <a:lnRef idx="1">
+                  <a:schemeClr val="accent1"/>
+                </a:lnRef>
+                <a:fillRef idx="0">
+                  <a:schemeClr val="accent1"/>
+                </a:fillRef>
+                <a:effectRef idx="0">
+                  <a:schemeClr val="accent1"/>
+                </a:effectRef>
+                <a:fontRef idx="minor">
+                  <a:schemeClr val="tx1"/>
+                </a:fontRef>
+              </p:style>
+            </p:cxnSp>
+            <p:cxnSp>
+              <p:nvCxnSpPr>
+                <p:cNvPr id="190" name="Rett linje 189"/>
+                <p:cNvCxnSpPr/>
+                <p:nvPr/>
+              </p:nvCxnSpPr>
+              <p:spPr>
+                <a:xfrm>
+                  <a:off x="7209716" y="5245663"/>
+                  <a:ext cx="230416" cy="0"/>
+                </a:xfrm>
+                <a:prstGeom prst="line">
+                  <a:avLst/>
+                </a:prstGeom>
+                <a:ln w="28575">
+                  <a:solidFill>
+                    <a:srgbClr val="DE2212"/>
+                  </a:solidFill>
+                </a:ln>
+              </p:spPr>
+              <p:style>
+                <a:lnRef idx="1">
+                  <a:schemeClr val="accent1"/>
+                </a:lnRef>
+                <a:fillRef idx="0">
+                  <a:schemeClr val="accent1"/>
+                </a:fillRef>
+                <a:effectRef idx="0">
+                  <a:schemeClr val="accent1"/>
+                </a:effectRef>
+                <a:fontRef idx="minor">
+                  <a:schemeClr val="tx1"/>
+                </a:fontRef>
+              </p:style>
+            </p:cxnSp>
+            <p:cxnSp>
+              <p:nvCxnSpPr>
+                <p:cNvPr id="191" name="Rett linje 190"/>
+                <p:cNvCxnSpPr/>
+                <p:nvPr/>
+              </p:nvCxnSpPr>
+              <p:spPr>
+                <a:xfrm flipV="1">
+                  <a:off x="7209716" y="4772332"/>
+                  <a:ext cx="468000" cy="2"/>
+                </a:xfrm>
+                <a:prstGeom prst="line">
+                  <a:avLst/>
+                </a:prstGeom>
+                <a:ln w="28575">
+                  <a:solidFill>
+                    <a:srgbClr val="DE2212"/>
+                  </a:solidFill>
+                </a:ln>
+              </p:spPr>
+              <p:style>
+                <a:lnRef idx="1">
+                  <a:schemeClr val="accent1"/>
+                </a:lnRef>
+                <a:fillRef idx="0">
+                  <a:schemeClr val="accent1"/>
+                </a:fillRef>
+                <a:effectRef idx="0">
+                  <a:schemeClr val="accent1"/>
+                </a:effectRef>
+                <a:fontRef idx="minor">
+                  <a:schemeClr val="tx1"/>
+                </a:fontRef>
+              </p:style>
+            </p:cxnSp>
+            <p:cxnSp>
+              <p:nvCxnSpPr>
+                <p:cNvPr id="192" name="Rett linje 191"/>
+                <p:cNvCxnSpPr/>
+                <p:nvPr/>
+              </p:nvCxnSpPr>
+              <p:spPr>
+                <a:xfrm flipV="1">
+                  <a:off x="7209716" y="4930110"/>
+                  <a:ext cx="468000" cy="2"/>
+                </a:xfrm>
+                <a:prstGeom prst="line">
+                  <a:avLst/>
+                </a:prstGeom>
+                <a:ln w="28575">
+                  <a:solidFill>
+                    <a:srgbClr val="DE2212"/>
+                  </a:solidFill>
+                </a:ln>
+              </p:spPr>
+              <p:style>
+                <a:lnRef idx="1">
+                  <a:schemeClr val="accent1"/>
+                </a:lnRef>
+                <a:fillRef idx="0">
+                  <a:schemeClr val="accent1"/>
+                </a:fillRef>
+                <a:effectRef idx="0">
+                  <a:schemeClr val="accent1"/>
+                </a:effectRef>
+                <a:fontRef idx="minor">
+                  <a:schemeClr val="tx1"/>
+                </a:fontRef>
+              </p:style>
+            </p:cxnSp>
+            <p:cxnSp>
+              <p:nvCxnSpPr>
+                <p:cNvPr id="193" name="Rett linje 192"/>
+                <p:cNvCxnSpPr/>
+                <p:nvPr/>
+              </p:nvCxnSpPr>
+              <p:spPr>
+                <a:xfrm flipV="1">
+                  <a:off x="7209716" y="5008999"/>
+                  <a:ext cx="468000" cy="2"/>
+                </a:xfrm>
+                <a:prstGeom prst="line">
+                  <a:avLst/>
+                </a:prstGeom>
+                <a:ln w="28575">
+                  <a:solidFill>
+                    <a:srgbClr val="DE2212"/>
+                  </a:solidFill>
+                </a:ln>
+              </p:spPr>
+              <p:style>
+                <a:lnRef idx="1">
+                  <a:schemeClr val="accent1"/>
+                </a:lnRef>
+                <a:fillRef idx="0">
+                  <a:schemeClr val="accent1"/>
+                </a:fillRef>
+                <a:effectRef idx="0">
+                  <a:schemeClr val="accent1"/>
+                </a:effectRef>
+                <a:fontRef idx="minor">
+                  <a:schemeClr val="tx1"/>
+                </a:fontRef>
+              </p:style>
+            </p:cxnSp>
+            <p:cxnSp>
+              <p:nvCxnSpPr>
+                <p:cNvPr id="194" name="Rett linje 193"/>
+                <p:cNvCxnSpPr/>
+                <p:nvPr/>
+              </p:nvCxnSpPr>
+              <p:spPr>
+                <a:xfrm flipV="1">
+                  <a:off x="7299716" y="4614554"/>
+                  <a:ext cx="288000" cy="2"/>
+                </a:xfrm>
+                <a:prstGeom prst="line">
+                  <a:avLst/>
+                </a:prstGeom>
+                <a:ln w="28575">
+                  <a:solidFill>
+                    <a:srgbClr val="DE2212"/>
+                  </a:solidFill>
+                </a:ln>
+              </p:spPr>
+              <p:style>
+                <a:lnRef idx="1">
+                  <a:schemeClr val="accent1"/>
+                </a:lnRef>
+                <a:fillRef idx="0">
+                  <a:schemeClr val="accent1"/>
+                </a:fillRef>
+                <a:effectRef idx="0">
+                  <a:schemeClr val="accent1"/>
+                </a:effectRef>
+                <a:fontRef idx="minor">
+                  <a:schemeClr val="tx1"/>
+                </a:fontRef>
+              </p:style>
+            </p:cxnSp>
+            <p:cxnSp>
+              <p:nvCxnSpPr>
+                <p:cNvPr id="195" name="Rett linje 194"/>
+                <p:cNvCxnSpPr/>
+                <p:nvPr/>
+              </p:nvCxnSpPr>
+              <p:spPr>
+                <a:xfrm flipV="1">
+                  <a:off x="7209716" y="5087888"/>
+                  <a:ext cx="468000" cy="2"/>
+                </a:xfrm>
+                <a:prstGeom prst="line">
+                  <a:avLst/>
+                </a:prstGeom>
+                <a:ln w="28575">
+                  <a:solidFill>
+                    <a:srgbClr val="DE2212"/>
+                  </a:solidFill>
+                </a:ln>
+              </p:spPr>
+              <p:style>
+                <a:lnRef idx="1">
+                  <a:schemeClr val="accent1"/>
+                </a:lnRef>
+                <a:fillRef idx="0">
+                  <a:schemeClr val="accent1"/>
+                </a:fillRef>
+                <a:effectRef idx="0">
+                  <a:schemeClr val="accent1"/>
+                </a:effectRef>
+                <a:fontRef idx="minor">
+                  <a:schemeClr val="tx1"/>
+                </a:fontRef>
+              </p:style>
+            </p:cxnSp>
+            <p:cxnSp>
+              <p:nvCxnSpPr>
+                <p:cNvPr id="196" name="Rett linje 195"/>
+                <p:cNvCxnSpPr/>
+                <p:nvPr/>
+              </p:nvCxnSpPr>
+              <p:spPr>
+                <a:xfrm flipV="1">
+                  <a:off x="7209716" y="4851221"/>
+                  <a:ext cx="468000" cy="2"/>
+                </a:xfrm>
+                <a:prstGeom prst="line">
+                  <a:avLst/>
+                </a:prstGeom>
+                <a:ln w="28575">
+                  <a:solidFill>
+                    <a:srgbClr val="DE2212"/>
+                  </a:solidFill>
+                </a:ln>
+              </p:spPr>
+              <p:style>
+                <a:lnRef idx="1">
+                  <a:schemeClr val="accent1"/>
+                </a:lnRef>
+                <a:fillRef idx="0">
+                  <a:schemeClr val="accent1"/>
+                </a:fillRef>
+                <a:effectRef idx="0">
+                  <a:schemeClr val="accent1"/>
+                </a:effectRef>
+                <a:fontRef idx="minor">
+                  <a:schemeClr val="tx1"/>
+                </a:fontRef>
+              </p:style>
+            </p:cxnSp>
+            <p:cxnSp>
+              <p:nvCxnSpPr>
+                <p:cNvPr id="197" name="Rett linje 196"/>
+                <p:cNvCxnSpPr/>
+                <p:nvPr/>
+              </p:nvCxnSpPr>
+              <p:spPr>
+                <a:xfrm flipV="1">
+                  <a:off x="7209716" y="5166777"/>
+                  <a:ext cx="468000" cy="2"/>
+                </a:xfrm>
+                <a:prstGeom prst="line">
+                  <a:avLst/>
+                </a:prstGeom>
+                <a:ln w="28575">
+                  <a:solidFill>
+                    <a:srgbClr val="DE2212"/>
+                  </a:solidFill>
+                </a:ln>
+              </p:spPr>
+              <p:style>
+                <a:lnRef idx="1">
+                  <a:schemeClr val="accent1"/>
+                </a:lnRef>
+                <a:fillRef idx="0">
+                  <a:schemeClr val="accent1"/>
+                </a:fillRef>
+                <a:effectRef idx="0">
+                  <a:schemeClr val="accent1"/>
+                </a:effectRef>
+                <a:fontRef idx="minor">
+                  <a:schemeClr val="tx1"/>
+                </a:fontRef>
+              </p:style>
+            </p:cxnSp>
+            <p:sp>
+              <p:nvSpPr>
+                <p:cNvPr id="198" name="Rektangel 197"/>
+                <p:cNvSpPr/>
+                <p:nvPr/>
+              </p:nvSpPr>
+              <p:spPr>
+                <a:xfrm>
+                  <a:off x="7570058" y="5145731"/>
+                  <a:ext cx="171918" cy="171005"/>
+                </a:xfrm>
+                <a:prstGeom prst="rect">
+                  <a:avLst/>
+                </a:prstGeom>
+                <a:solidFill>
+                  <a:schemeClr val="bg1"/>
+                </a:solidFill>
+                <a:ln w="12700">
+                  <a:solidFill>
+                    <a:srgbClr val="DE2212"/>
+                  </a:solidFill>
+                </a:ln>
+              </p:spPr>
+              <p:style>
+                <a:lnRef idx="2">
+                  <a:schemeClr val="accent1">
+                    <a:shade val="50000"/>
+                  </a:schemeClr>
+                </a:lnRef>
+                <a:fillRef idx="1">
+                  <a:schemeClr val="accent1"/>
+                </a:fillRef>
+                <a:effectRef idx="0">
+                  <a:schemeClr val="accent1"/>
+                </a:effectRef>
+                <a:fontRef idx="minor">
+                  <a:schemeClr val="lt1"/>
+                </a:fontRef>
+              </p:style>
+              <p:txBody>
+                <a:bodyPr rtlCol="0" anchor="ctr"/>
+                <a:lstStyle/>
+                <a:p>
+                  <a:pPr algn="ctr"/>
+                  <a:endParaRPr lang="nb-NO"/>
+                </a:p>
+              </p:txBody>
+            </p:sp>
+            <p:sp>
+              <p:nvSpPr>
+                <p:cNvPr id="199" name="Rektangel 198"/>
+                <p:cNvSpPr/>
+                <p:nvPr/>
+              </p:nvSpPr>
+              <p:spPr>
+                <a:xfrm rot="2700000">
+                  <a:off x="7641374" y="5142080"/>
+                  <a:ext cx="120546" cy="278471"/>
+                </a:xfrm>
+                <a:prstGeom prst="rect">
+                  <a:avLst/>
+                </a:prstGeom>
+                <a:solidFill>
+                  <a:srgbClr val="133E4D"/>
+                </a:solidFill>
+                <a:ln>
+                  <a:solidFill>
+                    <a:srgbClr val="133E4D"/>
+                  </a:solidFill>
+                </a:ln>
+              </p:spPr>
+              <p:style>
+                <a:lnRef idx="2">
+                  <a:schemeClr val="accent1">
+                    <a:shade val="50000"/>
+                  </a:schemeClr>
+                </a:lnRef>
+                <a:fillRef idx="1">
+                  <a:schemeClr val="accent1"/>
+                </a:fillRef>
+                <a:effectRef idx="0">
+                  <a:schemeClr val="accent1"/>
+                </a:effectRef>
+                <a:fontRef idx="minor">
+                  <a:schemeClr val="lt1"/>
+                </a:fontRef>
+              </p:style>
+              <p:txBody>
+                <a:bodyPr rtlCol="0" anchor="ctr"/>
+                <a:lstStyle/>
+                <a:p>
+                  <a:pPr algn="ctr"/>
+                  <a:endParaRPr lang="nb-NO"/>
+                </a:p>
+              </p:txBody>
+            </p:sp>
+          </p:grpSp>
+          <p:grpSp>
+            <p:nvGrpSpPr>
+              <p:cNvPr id="212" name="Gruppe 211"/>
+              <p:cNvGrpSpPr/>
+              <p:nvPr/>
+            </p:nvGrpSpPr>
+            <p:grpSpPr>
+              <a:xfrm>
+                <a:off x="6405616" y="3250542"/>
+                <a:ext cx="695426" cy="790573"/>
+                <a:chOff x="8425616" y="4851221"/>
+                <a:chExt cx="695426" cy="790573"/>
+              </a:xfrm>
+            </p:grpSpPr>
+            <p:sp>
+              <p:nvSpPr>
+                <p:cNvPr id="200" name="Rektangel 199"/>
+                <p:cNvSpPr/>
+                <p:nvPr/>
+              </p:nvSpPr>
+              <p:spPr>
+                <a:xfrm>
+                  <a:off x="8425616" y="4851221"/>
+                  <a:ext cx="596520" cy="765720"/>
+                </a:xfrm>
+                <a:prstGeom prst="rect">
+                  <a:avLst/>
+                </a:prstGeom>
+                <a:solidFill>
+                  <a:schemeClr val="bg1"/>
+                </a:solidFill>
+                <a:ln w="12700">
+                  <a:solidFill>
+                    <a:srgbClr val="00A14A"/>
+                  </a:solidFill>
+                </a:ln>
+              </p:spPr>
+              <p:style>
+                <a:lnRef idx="2">
+                  <a:schemeClr val="accent1">
+                    <a:shade val="50000"/>
+                  </a:schemeClr>
+                </a:lnRef>
+                <a:fillRef idx="1">
+                  <a:schemeClr val="accent1"/>
+                </a:fillRef>
+                <a:effectRef idx="0">
+                  <a:schemeClr val="accent1"/>
+                </a:effectRef>
+                <a:fontRef idx="minor">
+                  <a:schemeClr val="lt1"/>
+                </a:fontRef>
+              </p:style>
+              <p:txBody>
+                <a:bodyPr rtlCol="0" anchor="ctr"/>
+                <a:lstStyle/>
+                <a:p>
+                  <a:pPr algn="ctr"/>
+                  <a:endParaRPr lang="nb-NO"/>
+                </a:p>
+              </p:txBody>
+            </p:sp>
+            <p:cxnSp>
+              <p:nvCxnSpPr>
+                <p:cNvPr id="201" name="Rett linje 200"/>
+                <p:cNvCxnSpPr/>
+                <p:nvPr/>
+              </p:nvCxnSpPr>
+              <p:spPr>
+                <a:xfrm flipV="1">
+                  <a:off x="8489876" y="4993648"/>
+                  <a:ext cx="468000" cy="2"/>
+                </a:xfrm>
+                <a:prstGeom prst="line">
+                  <a:avLst/>
+                </a:prstGeom>
+                <a:ln w="28575">
+                  <a:solidFill>
+                    <a:srgbClr val="00A14A"/>
+                  </a:solidFill>
+                </a:ln>
+              </p:spPr>
+              <p:style>
+                <a:lnRef idx="1">
+                  <a:schemeClr val="accent1"/>
+                </a:lnRef>
+                <a:fillRef idx="0">
+                  <a:schemeClr val="accent1"/>
+                </a:fillRef>
+                <a:effectRef idx="0">
+                  <a:schemeClr val="accent1"/>
+                </a:effectRef>
+                <a:fontRef idx="minor">
+                  <a:schemeClr val="tx1"/>
+                </a:fontRef>
+              </p:style>
+            </p:cxnSp>
+            <p:cxnSp>
+              <p:nvCxnSpPr>
+                <p:cNvPr id="202" name="Rett linje 201"/>
+                <p:cNvCxnSpPr/>
+                <p:nvPr/>
+              </p:nvCxnSpPr>
+              <p:spPr>
+                <a:xfrm>
+                  <a:off x="8489876" y="5545868"/>
+                  <a:ext cx="230416" cy="0"/>
+                </a:xfrm>
+                <a:prstGeom prst="line">
+                  <a:avLst/>
+                </a:prstGeom>
+                <a:ln w="28575">
+                  <a:solidFill>
+                    <a:srgbClr val="00A14A"/>
+                  </a:solidFill>
+                </a:ln>
+              </p:spPr>
+              <p:style>
+                <a:lnRef idx="1">
+                  <a:schemeClr val="accent1"/>
+                </a:lnRef>
+                <a:fillRef idx="0">
+                  <a:schemeClr val="accent1"/>
+                </a:fillRef>
+                <a:effectRef idx="0">
+                  <a:schemeClr val="accent1"/>
+                </a:effectRef>
+                <a:fontRef idx="minor">
+                  <a:schemeClr val="tx1"/>
+                </a:fontRef>
+              </p:style>
+            </p:cxnSp>
+            <p:cxnSp>
+              <p:nvCxnSpPr>
+                <p:cNvPr id="203" name="Rett linje 202"/>
+                <p:cNvCxnSpPr/>
+                <p:nvPr/>
+              </p:nvCxnSpPr>
+              <p:spPr>
+                <a:xfrm flipV="1">
+                  <a:off x="8489876" y="5072537"/>
+                  <a:ext cx="468000" cy="2"/>
+                </a:xfrm>
+                <a:prstGeom prst="line">
+                  <a:avLst/>
+                </a:prstGeom>
+                <a:ln w="28575">
+                  <a:solidFill>
+                    <a:srgbClr val="00A14A"/>
+                  </a:solidFill>
+                </a:ln>
+              </p:spPr>
+              <p:style>
+                <a:lnRef idx="1">
+                  <a:schemeClr val="accent1"/>
+                </a:lnRef>
+                <a:fillRef idx="0">
+                  <a:schemeClr val="accent1"/>
+                </a:fillRef>
+                <a:effectRef idx="0">
+                  <a:schemeClr val="accent1"/>
+                </a:effectRef>
+                <a:fontRef idx="minor">
+                  <a:schemeClr val="tx1"/>
+                </a:fontRef>
+              </p:style>
+            </p:cxnSp>
+            <p:cxnSp>
+              <p:nvCxnSpPr>
+                <p:cNvPr id="204" name="Rett linje 203"/>
+                <p:cNvCxnSpPr/>
+                <p:nvPr/>
+              </p:nvCxnSpPr>
+              <p:spPr>
+                <a:xfrm flipV="1">
+                  <a:off x="8489876" y="5230315"/>
+                  <a:ext cx="468000" cy="2"/>
+                </a:xfrm>
+                <a:prstGeom prst="line">
+                  <a:avLst/>
+                </a:prstGeom>
+                <a:ln w="28575">
+                  <a:solidFill>
+                    <a:srgbClr val="00A14A"/>
+                  </a:solidFill>
+                </a:ln>
+              </p:spPr>
+              <p:style>
+                <a:lnRef idx="1">
+                  <a:schemeClr val="accent1"/>
+                </a:lnRef>
+                <a:fillRef idx="0">
+                  <a:schemeClr val="accent1"/>
+                </a:fillRef>
+                <a:effectRef idx="0">
+                  <a:schemeClr val="accent1"/>
+                </a:effectRef>
+                <a:fontRef idx="minor">
+                  <a:schemeClr val="tx1"/>
+                </a:fontRef>
+              </p:style>
+            </p:cxnSp>
+            <p:cxnSp>
+              <p:nvCxnSpPr>
+                <p:cNvPr id="205" name="Rett linje 204"/>
+                <p:cNvCxnSpPr/>
+                <p:nvPr/>
+              </p:nvCxnSpPr>
+              <p:spPr>
+                <a:xfrm flipV="1">
+                  <a:off x="8489876" y="5309204"/>
+                  <a:ext cx="468000" cy="2"/>
+                </a:xfrm>
+                <a:prstGeom prst="line">
+                  <a:avLst/>
+                </a:prstGeom>
+                <a:ln w="28575">
+                  <a:solidFill>
+                    <a:srgbClr val="00A14A"/>
+                  </a:solidFill>
+                </a:ln>
+              </p:spPr>
+              <p:style>
+                <a:lnRef idx="1">
+                  <a:schemeClr val="accent1"/>
+                </a:lnRef>
+                <a:fillRef idx="0">
+                  <a:schemeClr val="accent1"/>
+                </a:fillRef>
+                <a:effectRef idx="0">
+                  <a:schemeClr val="accent1"/>
+                </a:effectRef>
+                <a:fontRef idx="minor">
+                  <a:schemeClr val="tx1"/>
+                </a:fontRef>
+              </p:style>
+            </p:cxnSp>
+            <p:cxnSp>
+              <p:nvCxnSpPr>
+                <p:cNvPr id="206" name="Rett linje 205"/>
+                <p:cNvCxnSpPr/>
+                <p:nvPr/>
+              </p:nvCxnSpPr>
+              <p:spPr>
+                <a:xfrm flipV="1">
+                  <a:off x="8579876" y="4914759"/>
+                  <a:ext cx="288000" cy="2"/>
+                </a:xfrm>
+                <a:prstGeom prst="line">
+                  <a:avLst/>
+                </a:prstGeom>
+                <a:ln w="28575">
+                  <a:solidFill>
+                    <a:srgbClr val="00A14A"/>
+                  </a:solidFill>
+                </a:ln>
+              </p:spPr>
+              <p:style>
+                <a:lnRef idx="1">
+                  <a:schemeClr val="accent1"/>
+                </a:lnRef>
+                <a:fillRef idx="0">
+                  <a:schemeClr val="accent1"/>
+                </a:fillRef>
+                <a:effectRef idx="0">
+                  <a:schemeClr val="accent1"/>
+                </a:effectRef>
+                <a:fontRef idx="minor">
+                  <a:schemeClr val="tx1"/>
+                </a:fontRef>
+              </p:style>
+            </p:cxnSp>
+            <p:cxnSp>
+              <p:nvCxnSpPr>
+                <p:cNvPr id="207" name="Rett linje 206"/>
+                <p:cNvCxnSpPr/>
+                <p:nvPr/>
+              </p:nvCxnSpPr>
+              <p:spPr>
+                <a:xfrm flipV="1">
+                  <a:off x="8489876" y="5388093"/>
+                  <a:ext cx="468000" cy="2"/>
+                </a:xfrm>
+                <a:prstGeom prst="line">
+                  <a:avLst/>
+                </a:prstGeom>
+                <a:ln w="28575">
+                  <a:solidFill>
+                    <a:srgbClr val="00A14A"/>
+                  </a:solidFill>
+                </a:ln>
+              </p:spPr>
+              <p:style>
+                <a:lnRef idx="1">
+                  <a:schemeClr val="accent1"/>
+                </a:lnRef>
+                <a:fillRef idx="0">
+                  <a:schemeClr val="accent1"/>
+                </a:fillRef>
+                <a:effectRef idx="0">
+                  <a:schemeClr val="accent1"/>
+                </a:effectRef>
+                <a:fontRef idx="minor">
+                  <a:schemeClr val="tx1"/>
+                </a:fontRef>
+              </p:style>
+            </p:cxnSp>
+            <p:cxnSp>
+              <p:nvCxnSpPr>
+                <p:cNvPr id="208" name="Rett linje 207"/>
+                <p:cNvCxnSpPr/>
+                <p:nvPr/>
+              </p:nvCxnSpPr>
+              <p:spPr>
+                <a:xfrm flipV="1">
+                  <a:off x="8489876" y="5151426"/>
+                  <a:ext cx="468000" cy="2"/>
+                </a:xfrm>
+                <a:prstGeom prst="line">
+                  <a:avLst/>
+                </a:prstGeom>
+                <a:ln w="28575">
+                  <a:solidFill>
+                    <a:srgbClr val="00A14A"/>
+                  </a:solidFill>
+                </a:ln>
+              </p:spPr>
+              <p:style>
+                <a:lnRef idx="1">
+                  <a:schemeClr val="accent1"/>
+                </a:lnRef>
+                <a:fillRef idx="0">
+                  <a:schemeClr val="accent1"/>
+                </a:fillRef>
+                <a:effectRef idx="0">
+                  <a:schemeClr val="accent1"/>
+                </a:effectRef>
+                <a:fontRef idx="minor">
+                  <a:schemeClr val="tx1"/>
+                </a:fontRef>
+              </p:style>
+            </p:cxnSp>
+            <p:cxnSp>
+              <p:nvCxnSpPr>
+                <p:cNvPr id="209" name="Rett linje 208"/>
+                <p:cNvCxnSpPr/>
+                <p:nvPr/>
+              </p:nvCxnSpPr>
+              <p:spPr>
+                <a:xfrm flipV="1">
+                  <a:off x="8489876" y="5466982"/>
+                  <a:ext cx="468000" cy="2"/>
+                </a:xfrm>
+                <a:prstGeom prst="line">
+                  <a:avLst/>
+                </a:prstGeom>
+                <a:ln w="28575">
+                  <a:solidFill>
+                    <a:srgbClr val="00A14A"/>
+                  </a:solidFill>
+                </a:ln>
+              </p:spPr>
+              <p:style>
+                <a:lnRef idx="1">
+                  <a:schemeClr val="accent1"/>
+                </a:lnRef>
+                <a:fillRef idx="0">
+                  <a:schemeClr val="accent1"/>
+                </a:fillRef>
+                <a:effectRef idx="0">
+                  <a:schemeClr val="accent1"/>
+                </a:effectRef>
+                <a:fontRef idx="minor">
+                  <a:schemeClr val="tx1"/>
+                </a:fontRef>
+              </p:style>
+            </p:cxnSp>
+            <p:sp>
+              <p:nvSpPr>
+                <p:cNvPr id="210" name="Rektangel 209"/>
+                <p:cNvSpPr/>
+                <p:nvPr/>
+              </p:nvSpPr>
+              <p:spPr>
+                <a:xfrm>
+                  <a:off x="8850218" y="5445936"/>
+                  <a:ext cx="171918" cy="171005"/>
+                </a:xfrm>
+                <a:prstGeom prst="rect">
+                  <a:avLst/>
+                </a:prstGeom>
+                <a:solidFill>
+                  <a:schemeClr val="bg1"/>
+                </a:solidFill>
+                <a:ln w="12700">
+                  <a:solidFill>
+                    <a:srgbClr val="00A14A"/>
+                  </a:solidFill>
+                </a:ln>
+              </p:spPr>
+              <p:style>
+                <a:lnRef idx="2">
+                  <a:schemeClr val="accent1">
+                    <a:shade val="50000"/>
+                  </a:schemeClr>
+                </a:lnRef>
+                <a:fillRef idx="1">
+                  <a:schemeClr val="accent1"/>
+                </a:fillRef>
+                <a:effectRef idx="0">
+                  <a:schemeClr val="accent1"/>
+                </a:effectRef>
+                <a:fontRef idx="minor">
+                  <a:schemeClr val="lt1"/>
+                </a:fontRef>
+              </p:style>
+              <p:txBody>
+                <a:bodyPr rtlCol="0" anchor="ctr"/>
+                <a:lstStyle/>
+                <a:p>
+                  <a:pPr algn="ctr"/>
+                  <a:endParaRPr lang="nb-NO"/>
+                </a:p>
+              </p:txBody>
+            </p:sp>
+            <p:sp>
+              <p:nvSpPr>
+                <p:cNvPr id="211" name="Rektangel 210"/>
+                <p:cNvSpPr/>
+                <p:nvPr/>
+              </p:nvSpPr>
+              <p:spPr>
+                <a:xfrm rot="2700000">
+                  <a:off x="8921534" y="5442285"/>
+                  <a:ext cx="120546" cy="278471"/>
+                </a:xfrm>
+                <a:prstGeom prst="rect">
+                  <a:avLst/>
+                </a:prstGeom>
+                <a:solidFill>
+                  <a:srgbClr val="133E4D"/>
+                </a:solidFill>
+                <a:ln>
+                  <a:solidFill>
+                    <a:srgbClr val="133E4D"/>
+                  </a:solidFill>
+                </a:ln>
+              </p:spPr>
+              <p:style>
+                <a:lnRef idx="2">
+                  <a:schemeClr val="accent1">
+                    <a:shade val="50000"/>
+                  </a:schemeClr>
+                </a:lnRef>
+                <a:fillRef idx="1">
+                  <a:schemeClr val="accent1"/>
+                </a:fillRef>
+                <a:effectRef idx="0">
+                  <a:schemeClr val="accent1"/>
+                </a:effectRef>
+                <a:fontRef idx="minor">
+                  <a:schemeClr val="lt1"/>
+                </a:fontRef>
+              </p:style>
+              <p:txBody>
+                <a:bodyPr rtlCol="0" anchor="ctr"/>
+                <a:lstStyle/>
+                <a:p>
+                  <a:pPr algn="ctr"/>
+                  <a:endParaRPr lang="nb-NO"/>
+                </a:p>
+              </p:txBody>
+            </p:sp>
+          </p:grpSp>
+          <p:grpSp>
+            <p:nvGrpSpPr>
+              <p:cNvPr id="186" name="Gruppe 185"/>
+              <p:cNvGrpSpPr/>
+              <p:nvPr/>
+            </p:nvGrpSpPr>
+            <p:grpSpPr>
+              <a:xfrm>
+                <a:off x="6364299" y="3292098"/>
+                <a:ext cx="695426" cy="790573"/>
+                <a:chOff x="6354139" y="3358138"/>
+                <a:chExt cx="695426" cy="790573"/>
+              </a:xfrm>
+            </p:grpSpPr>
+            <p:sp>
+              <p:nvSpPr>
+                <p:cNvPr id="72" name="Rektangel 71"/>
+                <p:cNvSpPr/>
+                <p:nvPr/>
+              </p:nvSpPr>
+              <p:spPr>
+                <a:xfrm>
+                  <a:off x="6354139" y="3358138"/>
+                  <a:ext cx="596520" cy="765720"/>
+                </a:xfrm>
+                <a:prstGeom prst="rect">
+                  <a:avLst/>
+                </a:prstGeom>
+                <a:solidFill>
+                  <a:schemeClr val="bg1"/>
+                </a:solidFill>
+                <a:ln w="12700">
+                  <a:solidFill>
+                    <a:srgbClr val="00A6EB"/>
+                  </a:solidFill>
+                </a:ln>
+              </p:spPr>
+              <p:style>
+                <a:lnRef idx="2">
+                  <a:schemeClr val="accent1">
+                    <a:shade val="50000"/>
+                  </a:schemeClr>
+                </a:lnRef>
+                <a:fillRef idx="1">
+                  <a:schemeClr val="accent1"/>
+                </a:fillRef>
+                <a:effectRef idx="0">
+                  <a:schemeClr val="accent1"/>
+                </a:effectRef>
+                <a:fontRef idx="minor">
+                  <a:schemeClr val="lt1"/>
+                </a:fontRef>
+              </p:style>
+              <p:txBody>
+                <a:bodyPr rtlCol="0" anchor="ctr"/>
+                <a:lstStyle/>
+                <a:p>
+                  <a:pPr algn="ctr"/>
+                  <a:endParaRPr lang="nb-NO"/>
+                </a:p>
+              </p:txBody>
+            </p:sp>
+            <p:cxnSp>
+              <p:nvCxnSpPr>
+                <p:cNvPr id="75" name="Rett linje 74"/>
+                <p:cNvCxnSpPr/>
+                <p:nvPr/>
+              </p:nvCxnSpPr>
+              <p:spPr>
+                <a:xfrm flipV="1">
+                  <a:off x="6418399" y="3500565"/>
+                  <a:ext cx="468000" cy="2"/>
+                </a:xfrm>
+                <a:prstGeom prst="line">
+                  <a:avLst/>
+                </a:prstGeom>
+                <a:ln w="28575">
+                  <a:solidFill>
+                    <a:srgbClr val="00A6EB"/>
+                  </a:solidFill>
+                </a:ln>
+              </p:spPr>
+              <p:style>
+                <a:lnRef idx="1">
+                  <a:schemeClr val="accent1"/>
+                </a:lnRef>
+                <a:fillRef idx="0">
+                  <a:schemeClr val="accent1"/>
+                </a:fillRef>
+                <a:effectRef idx="0">
+                  <a:schemeClr val="accent1"/>
+                </a:effectRef>
+                <a:fontRef idx="minor">
+                  <a:schemeClr val="tx1"/>
+                </a:fontRef>
+              </p:style>
+            </p:cxnSp>
+            <p:cxnSp>
+              <p:nvCxnSpPr>
+                <p:cNvPr id="81" name="Rett linje 80"/>
+                <p:cNvCxnSpPr/>
+                <p:nvPr/>
+              </p:nvCxnSpPr>
+              <p:spPr>
+                <a:xfrm>
+                  <a:off x="6418399" y="4052785"/>
+                  <a:ext cx="230416" cy="0"/>
+                </a:xfrm>
+                <a:prstGeom prst="line">
+                  <a:avLst/>
+                </a:prstGeom>
+                <a:ln w="28575">
+                  <a:solidFill>
+                    <a:srgbClr val="00A6EB"/>
+                  </a:solidFill>
+                </a:ln>
+              </p:spPr>
+              <p:style>
+                <a:lnRef idx="1">
+                  <a:schemeClr val="accent1"/>
+                </a:lnRef>
+                <a:fillRef idx="0">
+                  <a:schemeClr val="accent1"/>
+                </a:fillRef>
+                <a:effectRef idx="0">
+                  <a:schemeClr val="accent1"/>
+                </a:effectRef>
+                <a:fontRef idx="minor">
+                  <a:schemeClr val="tx1"/>
+                </a:fontRef>
+              </p:style>
+            </p:cxnSp>
+            <p:cxnSp>
+              <p:nvCxnSpPr>
+                <p:cNvPr id="104" name="Rett linje 103"/>
+                <p:cNvCxnSpPr/>
+                <p:nvPr/>
+              </p:nvCxnSpPr>
+              <p:spPr>
+                <a:xfrm flipV="1">
+                  <a:off x="6418399" y="3579454"/>
+                  <a:ext cx="468000" cy="2"/>
+                </a:xfrm>
+                <a:prstGeom prst="line">
+                  <a:avLst/>
+                </a:prstGeom>
+                <a:ln w="28575">
+                  <a:solidFill>
+                    <a:srgbClr val="00A6EB"/>
+                  </a:solidFill>
+                </a:ln>
+              </p:spPr>
+              <p:style>
+                <a:lnRef idx="1">
+                  <a:schemeClr val="accent1"/>
+                </a:lnRef>
+                <a:fillRef idx="0">
+                  <a:schemeClr val="accent1"/>
+                </a:fillRef>
+                <a:effectRef idx="0">
+                  <a:schemeClr val="accent1"/>
+                </a:effectRef>
+                <a:fontRef idx="minor">
+                  <a:schemeClr val="tx1"/>
+                </a:fontRef>
+              </p:style>
+            </p:cxnSp>
+            <p:cxnSp>
+              <p:nvCxnSpPr>
+                <p:cNvPr id="105" name="Rett linje 104"/>
+                <p:cNvCxnSpPr/>
+                <p:nvPr/>
+              </p:nvCxnSpPr>
+              <p:spPr>
+                <a:xfrm flipV="1">
+                  <a:off x="6418399" y="3737232"/>
+                  <a:ext cx="468000" cy="2"/>
+                </a:xfrm>
+                <a:prstGeom prst="line">
+                  <a:avLst/>
+                </a:prstGeom>
+                <a:ln w="28575">
+                  <a:solidFill>
+                    <a:srgbClr val="00A6EB"/>
+                  </a:solidFill>
+                </a:ln>
+              </p:spPr>
+              <p:style>
+                <a:lnRef idx="1">
+                  <a:schemeClr val="accent1"/>
+                </a:lnRef>
+                <a:fillRef idx="0">
+                  <a:schemeClr val="accent1"/>
+                </a:fillRef>
+                <a:effectRef idx="0">
+                  <a:schemeClr val="accent1"/>
+                </a:effectRef>
+                <a:fontRef idx="minor">
+                  <a:schemeClr val="tx1"/>
+                </a:fontRef>
+              </p:style>
+            </p:cxnSp>
+            <p:cxnSp>
+              <p:nvCxnSpPr>
+                <p:cNvPr id="109" name="Rett linje 108"/>
+                <p:cNvCxnSpPr/>
+                <p:nvPr/>
+              </p:nvCxnSpPr>
+              <p:spPr>
+                <a:xfrm flipV="1">
+                  <a:off x="6418399" y="3816121"/>
+                  <a:ext cx="468000" cy="2"/>
+                </a:xfrm>
+                <a:prstGeom prst="line">
+                  <a:avLst/>
+                </a:prstGeom>
+                <a:ln w="28575">
+                  <a:solidFill>
+                    <a:srgbClr val="00A6EB"/>
+                  </a:solidFill>
+                </a:ln>
+              </p:spPr>
+              <p:style>
+                <a:lnRef idx="1">
+                  <a:schemeClr val="accent1"/>
+                </a:lnRef>
+                <a:fillRef idx="0">
+                  <a:schemeClr val="accent1"/>
+                </a:fillRef>
+                <a:effectRef idx="0">
+                  <a:schemeClr val="accent1"/>
+                </a:effectRef>
+                <a:fontRef idx="minor">
+                  <a:schemeClr val="tx1"/>
+                </a:fontRef>
+              </p:style>
+            </p:cxnSp>
+            <p:cxnSp>
+              <p:nvCxnSpPr>
+                <p:cNvPr id="113" name="Rett linje 112"/>
+                <p:cNvCxnSpPr/>
+                <p:nvPr/>
+              </p:nvCxnSpPr>
+              <p:spPr>
+                <a:xfrm flipV="1">
+                  <a:off x="6508399" y="3421676"/>
+                  <a:ext cx="288000" cy="2"/>
+                </a:xfrm>
+                <a:prstGeom prst="line">
+                  <a:avLst/>
+                </a:prstGeom>
+                <a:ln w="28575">
+                  <a:solidFill>
+                    <a:srgbClr val="00A6EB"/>
+                  </a:solidFill>
+                </a:ln>
+              </p:spPr>
+              <p:style>
+                <a:lnRef idx="1">
+                  <a:schemeClr val="accent1"/>
+                </a:lnRef>
+                <a:fillRef idx="0">
+                  <a:schemeClr val="accent1"/>
+                </a:fillRef>
+                <a:effectRef idx="0">
+                  <a:schemeClr val="accent1"/>
+                </a:effectRef>
+                <a:fontRef idx="minor">
+                  <a:schemeClr val="tx1"/>
+                </a:fontRef>
+              </p:style>
+            </p:cxnSp>
+            <p:cxnSp>
+              <p:nvCxnSpPr>
+                <p:cNvPr id="119" name="Rett linje 118"/>
+                <p:cNvCxnSpPr/>
+                <p:nvPr/>
+              </p:nvCxnSpPr>
+              <p:spPr>
+                <a:xfrm flipV="1">
+                  <a:off x="6418399" y="3895010"/>
+                  <a:ext cx="468000" cy="2"/>
+                </a:xfrm>
+                <a:prstGeom prst="line">
+                  <a:avLst/>
+                </a:prstGeom>
+                <a:ln w="28575">
+                  <a:solidFill>
+                    <a:srgbClr val="00A6EB"/>
+                  </a:solidFill>
+                </a:ln>
+              </p:spPr>
+              <p:style>
+                <a:lnRef idx="1">
+                  <a:schemeClr val="accent1"/>
+                </a:lnRef>
+                <a:fillRef idx="0">
+                  <a:schemeClr val="accent1"/>
+                </a:fillRef>
+                <a:effectRef idx="0">
+                  <a:schemeClr val="accent1"/>
+                </a:effectRef>
+                <a:fontRef idx="minor">
+                  <a:schemeClr val="tx1"/>
+                </a:fontRef>
+              </p:style>
+            </p:cxnSp>
+            <p:cxnSp>
+              <p:nvCxnSpPr>
+                <p:cNvPr id="120" name="Rett linje 119"/>
+                <p:cNvCxnSpPr/>
+                <p:nvPr/>
+              </p:nvCxnSpPr>
+              <p:spPr>
+                <a:xfrm flipV="1">
+                  <a:off x="6418399" y="3658343"/>
+                  <a:ext cx="468000" cy="2"/>
+                </a:xfrm>
+                <a:prstGeom prst="line">
+                  <a:avLst/>
+                </a:prstGeom>
+                <a:ln w="28575">
+                  <a:solidFill>
+                    <a:srgbClr val="00A6EB"/>
+                  </a:solidFill>
+                </a:ln>
+              </p:spPr>
+              <p:style>
+                <a:lnRef idx="1">
+                  <a:schemeClr val="accent1"/>
+                </a:lnRef>
+                <a:fillRef idx="0">
+                  <a:schemeClr val="accent1"/>
+                </a:fillRef>
+                <a:effectRef idx="0">
+                  <a:schemeClr val="accent1"/>
+                </a:effectRef>
+                <a:fontRef idx="minor">
+                  <a:schemeClr val="tx1"/>
+                </a:fontRef>
+              </p:style>
+            </p:cxnSp>
+            <p:cxnSp>
+              <p:nvCxnSpPr>
+                <p:cNvPr id="128" name="Rett linje 127"/>
+                <p:cNvCxnSpPr/>
+                <p:nvPr/>
+              </p:nvCxnSpPr>
+              <p:spPr>
+                <a:xfrm flipV="1">
+                  <a:off x="6418399" y="3973899"/>
+                  <a:ext cx="468000" cy="2"/>
+                </a:xfrm>
+                <a:prstGeom prst="line">
+                  <a:avLst/>
+                </a:prstGeom>
+                <a:ln w="28575">
+                  <a:solidFill>
+                    <a:srgbClr val="00A6EB"/>
+                  </a:solidFill>
+                </a:ln>
+              </p:spPr>
+              <p:style>
+                <a:lnRef idx="1">
+                  <a:schemeClr val="accent1"/>
+                </a:lnRef>
+                <a:fillRef idx="0">
+                  <a:schemeClr val="accent1"/>
+                </a:fillRef>
+                <a:effectRef idx="0">
+                  <a:schemeClr val="accent1"/>
+                </a:effectRef>
+                <a:fontRef idx="minor">
+                  <a:schemeClr val="tx1"/>
+                </a:fontRef>
+              </p:style>
+            </p:cxnSp>
+            <p:sp>
+              <p:nvSpPr>
+                <p:cNvPr id="82" name="Rektangel 81"/>
+                <p:cNvSpPr/>
+                <p:nvPr/>
+              </p:nvSpPr>
+              <p:spPr>
+                <a:xfrm>
+                  <a:off x="6778741" y="3952853"/>
+                  <a:ext cx="171918" cy="171005"/>
+                </a:xfrm>
+                <a:prstGeom prst="rect">
+                  <a:avLst/>
+                </a:prstGeom>
+                <a:solidFill>
+                  <a:schemeClr val="bg1"/>
+                </a:solidFill>
+                <a:ln w="12700">
+                  <a:solidFill>
+                    <a:srgbClr val="00A6EB"/>
+                  </a:solidFill>
+                </a:ln>
+              </p:spPr>
+              <p:style>
+                <a:lnRef idx="2">
+                  <a:schemeClr val="accent1">
+                    <a:shade val="50000"/>
+                  </a:schemeClr>
+                </a:lnRef>
+                <a:fillRef idx="1">
+                  <a:schemeClr val="accent1"/>
+                </a:fillRef>
+                <a:effectRef idx="0">
+                  <a:schemeClr val="accent1"/>
+                </a:effectRef>
+                <a:fontRef idx="minor">
+                  <a:schemeClr val="lt1"/>
+                </a:fontRef>
+              </p:style>
+              <p:txBody>
+                <a:bodyPr rtlCol="0" anchor="ctr"/>
+                <a:lstStyle/>
+                <a:p>
+                  <a:pPr algn="ctr"/>
+                  <a:endParaRPr lang="nb-NO"/>
+                </a:p>
+              </p:txBody>
+            </p:sp>
+            <p:sp>
+              <p:nvSpPr>
+                <p:cNvPr id="141" name="Rektangel 140"/>
+                <p:cNvSpPr/>
+                <p:nvPr/>
+              </p:nvSpPr>
+              <p:spPr>
+                <a:xfrm rot="2700000">
+                  <a:off x="6850057" y="3949202"/>
+                  <a:ext cx="120546" cy="278471"/>
+                </a:xfrm>
+                <a:prstGeom prst="rect">
+                  <a:avLst/>
+                </a:prstGeom>
+                <a:solidFill>
+                  <a:srgbClr val="133E4D"/>
+                </a:solidFill>
+                <a:ln>
+                  <a:solidFill>
+                    <a:srgbClr val="133E4D"/>
+                  </a:solidFill>
+                </a:ln>
+              </p:spPr>
+              <p:style>
+                <a:lnRef idx="2">
+                  <a:schemeClr val="accent1">
+                    <a:shade val="50000"/>
+                  </a:schemeClr>
+                </a:lnRef>
+                <a:fillRef idx="1">
+                  <a:schemeClr val="accent1"/>
+                </a:fillRef>
+                <a:effectRef idx="0">
+                  <a:schemeClr val="accent1"/>
+                </a:effectRef>
+                <a:fontRef idx="minor">
+                  <a:schemeClr val="lt1"/>
+                </a:fontRef>
+              </p:style>
+              <p:txBody>
+                <a:bodyPr rtlCol="0" anchor="ctr"/>
+                <a:lstStyle/>
+                <a:p>
+                  <a:pPr algn="ctr"/>
+                  <a:endParaRPr lang="nb-NO"/>
+                </a:p>
+              </p:txBody>
+            </p:sp>
+          </p:grpSp>
+        </p:grpSp>
+        <p:grpSp>
+          <p:nvGrpSpPr>
+            <p:cNvPr id="228" name="Gruppe 227"/>
+            <p:cNvGrpSpPr/>
+            <p:nvPr/>
+          </p:nvGrpSpPr>
+          <p:grpSpPr>
+            <a:xfrm>
+              <a:off x="6116431" y="3644880"/>
+              <a:ext cx="550721" cy="552156"/>
+              <a:chOff x="6014159" y="3751687"/>
+              <a:chExt cx="550721" cy="552156"/>
+            </a:xfrm>
+          </p:grpSpPr>
+          <p:cxnSp>
+            <p:nvCxnSpPr>
+              <p:cNvPr id="70" name="Rett linje 69"/>
+              <p:cNvCxnSpPr/>
+              <p:nvPr/>
+            </p:nvCxnSpPr>
+            <p:spPr>
+              <a:xfrm flipV="1">
+                <a:off x="6166194" y="4021417"/>
+                <a:ext cx="246651" cy="12696"/>
+              </a:xfrm>
+              <a:prstGeom prst="line">
+                <a:avLst/>
+              </a:prstGeom>
+              <a:ln w="28575">
+                <a:solidFill>
+                  <a:srgbClr val="979EA6"/>
+                </a:solidFill>
+                <a:tailEnd type="triangle"/>
+              </a:ln>
+            </p:spPr>
+            <p:style>
+              <a:lnRef idx="1">
+                <a:schemeClr val="accent1"/>
+              </a:lnRef>
+              <a:fillRef idx="0">
+                <a:schemeClr val="accent1"/>
+              </a:fillRef>
+              <a:effectRef idx="0">
+                <a:schemeClr val="accent1"/>
+              </a:effectRef>
+              <a:fontRef idx="minor">
+                <a:schemeClr val="tx1"/>
+              </a:fontRef>
+            </p:style>
+          </p:cxnSp>
+          <p:grpSp>
+            <p:nvGrpSpPr>
+              <p:cNvPr id="61" name="Gruppe 60"/>
+              <p:cNvGrpSpPr/>
+              <p:nvPr/>
+            </p:nvGrpSpPr>
+            <p:grpSpPr>
+              <a:xfrm>
+                <a:off x="6014159" y="3751687"/>
+                <a:ext cx="550721" cy="552156"/>
+                <a:chOff x="6744713" y="5022683"/>
+                <a:chExt cx="322451" cy="323291"/>
+              </a:xfrm>
+            </p:grpSpPr>
+            <p:sp>
+              <p:nvSpPr>
+                <p:cNvPr id="130" name="Ellipse 129"/>
+                <p:cNvSpPr>
+                  <a:spLocks noChangeAspect="1"/>
+                </p:cNvSpPr>
+                <p:nvPr/>
+              </p:nvSpPr>
+              <p:spPr>
+                <a:xfrm>
+                  <a:off x="6777960" y="5055929"/>
+                  <a:ext cx="255941" cy="255941"/>
+                </a:xfrm>
+                <a:prstGeom prst="ellipse">
+                  <a:avLst/>
+                </a:prstGeom>
+                <a:solidFill>
+                  <a:schemeClr val="tx1">
+                    <a:lumMod val="65000"/>
+                    <a:lumOff val="35000"/>
+                  </a:schemeClr>
+                </a:solidFill>
+                <a:ln w="3175">
+                  <a:solidFill>
+                    <a:srgbClr val="979EA6"/>
+                  </a:solidFill>
+                </a:ln>
+              </p:spPr>
+              <p:style>
+                <a:lnRef idx="2">
+                  <a:schemeClr val="accent1">
+                    <a:shade val="50000"/>
+                  </a:schemeClr>
+                </a:lnRef>
+                <a:fillRef idx="1">
+                  <a:schemeClr val="accent1"/>
+                </a:fillRef>
+                <a:effectRef idx="0">
+                  <a:schemeClr val="accent1"/>
+                </a:effectRef>
+                <a:fontRef idx="minor">
+                  <a:schemeClr val="lt1"/>
+                </a:fontRef>
+              </p:style>
+              <p:txBody>
+                <a:bodyPr rtlCol="0" anchor="ctr"/>
+                <a:lstStyle/>
+                <a:p>
+                  <a:pPr algn="ctr"/>
+                  <a:endParaRPr lang="nb-NO"/>
+                </a:p>
+              </p:txBody>
+            </p:sp>
+            <p:sp>
+              <p:nvSpPr>
+                <p:cNvPr id="131" name="Trapes 130"/>
+                <p:cNvSpPr/>
+                <p:nvPr/>
+              </p:nvSpPr>
+              <p:spPr>
+                <a:xfrm rot="5400000">
+                  <a:off x="7012675" y="5160863"/>
+                  <a:ext cx="62499" cy="46478"/>
+                </a:xfrm>
+                <a:prstGeom prst="trapezoid">
+                  <a:avLst/>
+                </a:prstGeom>
+                <a:solidFill>
+                  <a:schemeClr val="tx1">
+                    <a:lumMod val="65000"/>
+                    <a:lumOff val="35000"/>
+                  </a:schemeClr>
+                </a:solidFill>
+                <a:ln w="3175">
+                  <a:solidFill>
+                    <a:srgbClr val="979EA6"/>
+                  </a:solidFill>
+                </a:ln>
+              </p:spPr>
+              <p:style>
+                <a:lnRef idx="2">
+                  <a:schemeClr val="accent1">
+                    <a:shade val="50000"/>
+                  </a:schemeClr>
+                </a:lnRef>
+                <a:fillRef idx="1">
+                  <a:schemeClr val="accent1"/>
+                </a:fillRef>
+                <a:effectRef idx="0">
+                  <a:schemeClr val="accent1"/>
+                </a:effectRef>
+                <a:fontRef idx="minor">
+                  <a:schemeClr val="lt1"/>
+                </a:fontRef>
+              </p:style>
+              <p:txBody>
+                <a:bodyPr rtlCol="0" anchor="ctr"/>
+                <a:lstStyle/>
+                <a:p>
+                  <a:pPr algn="ctr"/>
+                  <a:endParaRPr lang="nb-NO"/>
+                </a:p>
+              </p:txBody>
+            </p:sp>
+            <p:sp>
+              <p:nvSpPr>
+                <p:cNvPr id="132" name="Trapes 131"/>
+                <p:cNvSpPr/>
+                <p:nvPr/>
+              </p:nvSpPr>
+              <p:spPr>
+                <a:xfrm rot="5400000" flipV="1">
+                  <a:off x="6736702" y="5160863"/>
+                  <a:ext cx="62499" cy="46478"/>
+                </a:xfrm>
+                <a:prstGeom prst="trapezoid">
+                  <a:avLst/>
+                </a:prstGeom>
+                <a:solidFill>
+                  <a:schemeClr val="tx1">
+                    <a:lumMod val="65000"/>
+                    <a:lumOff val="35000"/>
+                  </a:schemeClr>
+                </a:solidFill>
+                <a:ln w="3175">
+                  <a:solidFill>
+                    <a:srgbClr val="979EA6"/>
+                  </a:solidFill>
+                </a:ln>
+              </p:spPr>
+              <p:style>
+                <a:lnRef idx="2">
+                  <a:schemeClr val="accent1">
+                    <a:shade val="50000"/>
+                  </a:schemeClr>
+                </a:lnRef>
+                <a:fillRef idx="1">
+                  <a:schemeClr val="accent1"/>
+                </a:fillRef>
+                <a:effectRef idx="0">
+                  <a:schemeClr val="accent1"/>
+                </a:effectRef>
+                <a:fontRef idx="minor">
+                  <a:schemeClr val="lt1"/>
+                </a:fontRef>
+              </p:style>
+              <p:txBody>
+                <a:bodyPr rtlCol="0" anchor="ctr"/>
+                <a:lstStyle/>
+                <a:p>
+                  <a:pPr algn="ctr"/>
+                  <a:endParaRPr lang="nb-NO"/>
+                </a:p>
+              </p:txBody>
+            </p:sp>
+            <p:sp>
+              <p:nvSpPr>
+                <p:cNvPr id="133" name="Trapes 132"/>
+                <p:cNvSpPr/>
+                <p:nvPr/>
+              </p:nvSpPr>
+              <p:spPr>
+                <a:xfrm>
+                  <a:off x="6874688" y="5022683"/>
+                  <a:ext cx="62499" cy="46478"/>
+                </a:xfrm>
+                <a:prstGeom prst="trapezoid">
+                  <a:avLst/>
+                </a:prstGeom>
+                <a:solidFill>
+                  <a:schemeClr val="tx1">
+                    <a:lumMod val="65000"/>
+                    <a:lumOff val="35000"/>
+                  </a:schemeClr>
+                </a:solidFill>
+                <a:ln w="3175">
+                  <a:solidFill>
+                    <a:srgbClr val="979EA6"/>
+                  </a:solidFill>
+                </a:ln>
+              </p:spPr>
+              <p:style>
+                <a:lnRef idx="2">
+                  <a:schemeClr val="accent1">
+                    <a:shade val="50000"/>
+                  </a:schemeClr>
+                </a:lnRef>
+                <a:fillRef idx="1">
+                  <a:schemeClr val="accent1"/>
+                </a:fillRef>
+                <a:effectRef idx="0">
+                  <a:schemeClr val="accent1"/>
+                </a:effectRef>
+                <a:fontRef idx="minor">
+                  <a:schemeClr val="lt1"/>
+                </a:fontRef>
+              </p:style>
+              <p:txBody>
+                <a:bodyPr rtlCol="0" anchor="ctr"/>
+                <a:lstStyle/>
+                <a:p>
+                  <a:pPr algn="ctr"/>
+                  <a:endParaRPr lang="nb-NO"/>
+                </a:p>
+              </p:txBody>
+            </p:sp>
+            <p:sp>
+              <p:nvSpPr>
+                <p:cNvPr id="134" name="Trapes 133"/>
+                <p:cNvSpPr/>
+                <p:nvPr/>
+              </p:nvSpPr>
+              <p:spPr>
+                <a:xfrm rot="10800000">
+                  <a:off x="6874688" y="5299496"/>
+                  <a:ext cx="62499" cy="46478"/>
+                </a:xfrm>
+                <a:prstGeom prst="trapezoid">
+                  <a:avLst/>
+                </a:prstGeom>
+                <a:solidFill>
+                  <a:schemeClr val="tx1">
+                    <a:lumMod val="65000"/>
+                    <a:lumOff val="35000"/>
+                  </a:schemeClr>
+                </a:solidFill>
+                <a:ln w="3175">
+                  <a:solidFill>
+                    <a:srgbClr val="979EA6"/>
+                  </a:solidFill>
+                </a:ln>
+              </p:spPr>
+              <p:style>
+                <a:lnRef idx="2">
+                  <a:schemeClr val="accent1">
+                    <a:shade val="50000"/>
+                  </a:schemeClr>
+                </a:lnRef>
+                <a:fillRef idx="1">
+                  <a:schemeClr val="accent1"/>
+                </a:fillRef>
+                <a:effectRef idx="0">
+                  <a:schemeClr val="accent1"/>
+                </a:effectRef>
+                <a:fontRef idx="minor">
+                  <a:schemeClr val="lt1"/>
+                </a:fontRef>
+              </p:style>
+              <p:txBody>
+                <a:bodyPr rtlCol="0" anchor="ctr"/>
+                <a:lstStyle/>
+                <a:p>
+                  <a:pPr algn="ctr"/>
+                  <a:endParaRPr lang="nb-NO"/>
+                </a:p>
+              </p:txBody>
+            </p:sp>
+            <p:sp>
+              <p:nvSpPr>
+                <p:cNvPr id="135" name="Trapes 134"/>
+                <p:cNvSpPr/>
+                <p:nvPr/>
+              </p:nvSpPr>
+              <p:spPr>
+                <a:xfrm rot="2700000" flipV="1">
+                  <a:off x="6776974" y="5258803"/>
+                  <a:ext cx="62499" cy="46478"/>
+                </a:xfrm>
+                <a:prstGeom prst="trapezoid">
+                  <a:avLst/>
+                </a:prstGeom>
+                <a:solidFill>
+                  <a:schemeClr val="tx1">
+                    <a:lumMod val="65000"/>
+                    <a:lumOff val="35000"/>
+                  </a:schemeClr>
+                </a:solidFill>
+                <a:ln w="3175">
+                  <a:solidFill>
+                    <a:srgbClr val="979EA6"/>
+                  </a:solidFill>
+                </a:ln>
+              </p:spPr>
+              <p:style>
+                <a:lnRef idx="2">
+                  <a:schemeClr val="accent1">
+                    <a:shade val="50000"/>
+                  </a:schemeClr>
+                </a:lnRef>
+                <a:fillRef idx="1">
+                  <a:schemeClr val="accent1"/>
+                </a:fillRef>
+                <a:effectRef idx="0">
+                  <a:schemeClr val="accent1"/>
+                </a:effectRef>
+                <a:fontRef idx="minor">
+                  <a:schemeClr val="lt1"/>
+                </a:fontRef>
+              </p:style>
+              <p:txBody>
+                <a:bodyPr rtlCol="0" anchor="ctr"/>
+                <a:lstStyle/>
+                <a:p>
+                  <a:pPr algn="ctr"/>
+                  <a:endParaRPr lang="nb-NO"/>
+                </a:p>
+              </p:txBody>
+            </p:sp>
+            <p:sp>
+              <p:nvSpPr>
+                <p:cNvPr id="136" name="Trapes 135"/>
+                <p:cNvSpPr/>
+                <p:nvPr/>
+              </p:nvSpPr>
+              <p:spPr>
+                <a:xfrm rot="2700000">
+                  <a:off x="6972729" y="5063048"/>
+                  <a:ext cx="62499" cy="46478"/>
+                </a:xfrm>
+                <a:prstGeom prst="trapezoid">
+                  <a:avLst/>
+                </a:prstGeom>
+                <a:solidFill>
+                  <a:schemeClr val="tx1">
+                    <a:lumMod val="65000"/>
+                    <a:lumOff val="35000"/>
+                  </a:schemeClr>
+                </a:solidFill>
+                <a:ln w="3175">
+                  <a:solidFill>
+                    <a:srgbClr val="979EA6"/>
+                  </a:solidFill>
+                </a:ln>
+              </p:spPr>
+              <p:style>
+                <a:lnRef idx="2">
+                  <a:schemeClr val="accent1">
+                    <a:shade val="50000"/>
+                  </a:schemeClr>
+                </a:lnRef>
+                <a:fillRef idx="1">
+                  <a:schemeClr val="accent1"/>
+                </a:fillRef>
+                <a:effectRef idx="0">
+                  <a:schemeClr val="accent1"/>
+                </a:effectRef>
+                <a:fontRef idx="minor">
+                  <a:schemeClr val="lt1"/>
+                </a:fontRef>
+              </p:style>
+              <p:txBody>
+                <a:bodyPr rtlCol="0" anchor="ctr"/>
+                <a:lstStyle/>
+                <a:p>
+                  <a:pPr algn="ctr"/>
+                  <a:endParaRPr lang="nb-NO"/>
+                </a:p>
+              </p:txBody>
+            </p:sp>
+            <p:sp>
+              <p:nvSpPr>
+                <p:cNvPr id="137" name="Trapes 136"/>
+                <p:cNvSpPr/>
+                <p:nvPr/>
+              </p:nvSpPr>
+              <p:spPr>
+                <a:xfrm rot="18900000">
+                  <a:off x="6776921" y="5063149"/>
+                  <a:ext cx="62499" cy="46478"/>
+                </a:xfrm>
+                <a:prstGeom prst="trapezoid">
+                  <a:avLst/>
+                </a:prstGeom>
+                <a:solidFill>
+                  <a:schemeClr val="tx1">
+                    <a:lumMod val="65000"/>
+                    <a:lumOff val="35000"/>
+                  </a:schemeClr>
+                </a:solidFill>
+                <a:ln w="3175">
+                  <a:solidFill>
+                    <a:srgbClr val="979EA6"/>
+                  </a:solidFill>
+                </a:ln>
+              </p:spPr>
+              <p:style>
+                <a:lnRef idx="2">
+                  <a:schemeClr val="accent1">
+                    <a:shade val="50000"/>
+                  </a:schemeClr>
+                </a:lnRef>
+                <a:fillRef idx="1">
+                  <a:schemeClr val="accent1"/>
+                </a:fillRef>
+                <a:effectRef idx="0">
+                  <a:schemeClr val="accent1"/>
+                </a:effectRef>
+                <a:fontRef idx="minor">
+                  <a:schemeClr val="lt1"/>
+                </a:fontRef>
+              </p:style>
+              <p:txBody>
+                <a:bodyPr rtlCol="0" anchor="ctr"/>
+                <a:lstStyle/>
+                <a:p>
+                  <a:pPr algn="ctr"/>
+                  <a:endParaRPr lang="nb-NO"/>
+                </a:p>
+              </p:txBody>
+            </p:sp>
+            <p:sp>
+              <p:nvSpPr>
+                <p:cNvPr id="138" name="Trapes 137"/>
+                <p:cNvSpPr/>
+                <p:nvPr/>
+              </p:nvSpPr>
+              <p:spPr>
+                <a:xfrm rot="8100000">
+                  <a:off x="6972587" y="5258814"/>
+                  <a:ext cx="62499" cy="46478"/>
+                </a:xfrm>
+                <a:prstGeom prst="trapezoid">
+                  <a:avLst/>
+                </a:prstGeom>
+                <a:solidFill>
+                  <a:schemeClr val="tx1">
+                    <a:lumMod val="65000"/>
+                    <a:lumOff val="35000"/>
+                  </a:schemeClr>
+                </a:solidFill>
+                <a:ln w="3175">
+                  <a:solidFill>
+                    <a:srgbClr val="979EA6"/>
+                  </a:solidFill>
+                </a:ln>
+              </p:spPr>
+              <p:style>
+                <a:lnRef idx="2">
+                  <a:schemeClr val="accent1">
+                    <a:shade val="50000"/>
+                  </a:schemeClr>
+                </a:lnRef>
+                <a:fillRef idx="1">
+                  <a:schemeClr val="accent1"/>
+                </a:fillRef>
+                <a:effectRef idx="0">
+                  <a:schemeClr val="accent1"/>
+                </a:effectRef>
+                <a:fontRef idx="minor">
+                  <a:schemeClr val="lt1"/>
+                </a:fontRef>
+              </p:style>
+              <p:txBody>
+                <a:bodyPr rtlCol="0" anchor="ctr"/>
+                <a:lstStyle/>
+                <a:p>
+                  <a:pPr algn="ctr"/>
+                  <a:endParaRPr lang="nb-NO"/>
+                </a:p>
+              </p:txBody>
+            </p:sp>
+          </p:grpSp>
+          <p:sp>
+            <p:nvSpPr>
+              <p:cNvPr id="139" name="Ellipse 138"/>
+              <p:cNvSpPr/>
+              <p:nvPr/>
+            </p:nvSpPr>
+            <p:spPr>
+              <a:xfrm rot="5400000">
+                <a:off x="6080470" y="3818716"/>
+                <a:ext cx="418099" cy="418099"/>
+              </a:xfrm>
+              <a:prstGeom prst="ellipse">
+                <a:avLst/>
+              </a:prstGeom>
               <a:solidFill>
-                <a:srgbClr val="00A6EB"/>
+                <a:schemeClr val="tx1">
+                  <a:lumMod val="65000"/>
+                  <a:lumOff val="35000"/>
+                </a:schemeClr>
               </a:solidFill>
-            </a:ln>
-          </p:spPr>
-          <p:style>
-            <a:lnRef idx="1">
-              <a:schemeClr val="accent1"/>
-            </a:lnRef>
-            <a:fillRef idx="0">
-              <a:schemeClr val="accent1"/>
-            </a:fillRef>
-            <a:effectRef idx="0">
-              <a:schemeClr val="accent1"/>
-            </a:effectRef>
-            <a:fontRef idx="minor">
-              <a:schemeClr val="tx1"/>
-            </a:fontRef>
-          </p:style>
-        </p:cxnSp>
-        <p:cxnSp>
-          <p:nvCxnSpPr>
-            <p:cNvPr id="76" name="Rett linje 75"/>
-            <p:cNvCxnSpPr/>
-            <p:nvPr/>
-          </p:nvCxnSpPr>
-          <p:spPr>
-            <a:xfrm flipV="1">
-              <a:off x="5893016" y="3280042"/>
-              <a:ext cx="428403" cy="2"/>
-            </a:xfrm>
-            <a:prstGeom prst="line">
-              <a:avLst/>
-            </a:prstGeom>
-            <a:ln w="28575">
-              <a:solidFill>
-                <a:srgbClr val="00A6EB"/>
-              </a:solidFill>
-            </a:ln>
-          </p:spPr>
-          <p:style>
-            <a:lnRef idx="1">
-              <a:schemeClr val="accent1"/>
-            </a:lnRef>
-            <a:fillRef idx="0">
-              <a:schemeClr val="accent1"/>
-            </a:fillRef>
-            <a:effectRef idx="0">
-              <a:schemeClr val="accent1"/>
-            </a:effectRef>
-            <a:fontRef idx="minor">
-              <a:schemeClr val="tx1"/>
-            </a:fontRef>
-          </p:style>
-        </p:cxnSp>
-        <p:cxnSp>
-          <p:nvCxnSpPr>
-            <p:cNvPr id="77" name="Rett linje 76"/>
-            <p:cNvCxnSpPr/>
-            <p:nvPr/>
-          </p:nvCxnSpPr>
-          <p:spPr>
-            <a:xfrm flipV="1">
-              <a:off x="5893016" y="3381475"/>
-              <a:ext cx="428403" cy="2"/>
-            </a:xfrm>
-            <a:prstGeom prst="line">
-              <a:avLst/>
-            </a:prstGeom>
-            <a:ln w="28575">
-              <a:solidFill>
-                <a:srgbClr val="00A6EB"/>
-              </a:solidFill>
-            </a:ln>
-          </p:spPr>
-          <p:style>
-            <a:lnRef idx="1">
-              <a:schemeClr val="accent1"/>
-            </a:lnRef>
-            <a:fillRef idx="0">
-              <a:schemeClr val="accent1"/>
-            </a:fillRef>
-            <a:effectRef idx="0">
-              <a:schemeClr val="accent1"/>
-            </a:effectRef>
-            <a:fontRef idx="minor">
-              <a:schemeClr val="tx1"/>
-            </a:fontRef>
-          </p:style>
-        </p:cxnSp>
-        <p:cxnSp>
-          <p:nvCxnSpPr>
-            <p:cNvPr id="78" name="Rett linje 77"/>
-            <p:cNvCxnSpPr/>
-            <p:nvPr/>
-          </p:nvCxnSpPr>
-          <p:spPr>
-            <a:xfrm flipV="1">
-              <a:off x="5893016" y="3482908"/>
-              <a:ext cx="428403" cy="2"/>
-            </a:xfrm>
-            <a:prstGeom prst="line">
-              <a:avLst/>
-            </a:prstGeom>
-            <a:ln w="28575">
-              <a:solidFill>
-                <a:srgbClr val="00A6EB"/>
-              </a:solidFill>
-            </a:ln>
-          </p:spPr>
-          <p:style>
-            <a:lnRef idx="1">
-              <a:schemeClr val="accent1"/>
-            </a:lnRef>
-            <a:fillRef idx="0">
-              <a:schemeClr val="accent1"/>
-            </a:fillRef>
-            <a:effectRef idx="0">
-              <a:schemeClr val="accent1"/>
-            </a:effectRef>
-            <a:fontRef idx="minor">
-              <a:schemeClr val="tx1"/>
-            </a:fontRef>
-          </p:style>
-        </p:cxnSp>
-        <p:cxnSp>
-          <p:nvCxnSpPr>
-            <p:cNvPr id="79" name="Rett linje 78"/>
-            <p:cNvCxnSpPr/>
-            <p:nvPr/>
-          </p:nvCxnSpPr>
-          <p:spPr>
-            <a:xfrm flipV="1">
-              <a:off x="5893016" y="3584341"/>
-              <a:ext cx="428403" cy="2"/>
-            </a:xfrm>
-            <a:prstGeom prst="line">
-              <a:avLst/>
-            </a:prstGeom>
-            <a:ln w="28575">
-              <a:solidFill>
-                <a:srgbClr val="00A6EB"/>
-              </a:solidFill>
-            </a:ln>
-          </p:spPr>
-          <p:style>
-            <a:lnRef idx="1">
-              <a:schemeClr val="accent1"/>
-            </a:lnRef>
-            <a:fillRef idx="0">
-              <a:schemeClr val="accent1"/>
-            </a:fillRef>
-            <a:effectRef idx="0">
-              <a:schemeClr val="accent1"/>
-            </a:effectRef>
-            <a:fontRef idx="minor">
-              <a:schemeClr val="tx1"/>
-            </a:fontRef>
-          </p:style>
-        </p:cxnSp>
-        <p:cxnSp>
-          <p:nvCxnSpPr>
-            <p:cNvPr id="80" name="Rett linje 79"/>
-            <p:cNvCxnSpPr/>
-            <p:nvPr/>
-          </p:nvCxnSpPr>
-          <p:spPr>
-            <a:xfrm flipV="1">
-              <a:off x="5893016" y="3685773"/>
-              <a:ext cx="428403" cy="2"/>
-            </a:xfrm>
-            <a:prstGeom prst="line">
-              <a:avLst/>
-            </a:prstGeom>
-            <a:ln w="28575">
-              <a:solidFill>
-                <a:srgbClr val="00A6EB"/>
-              </a:solidFill>
-            </a:ln>
-          </p:spPr>
-          <p:style>
-            <a:lnRef idx="1">
-              <a:schemeClr val="accent1"/>
-            </a:lnRef>
-            <a:fillRef idx="0">
-              <a:schemeClr val="accent1"/>
-            </a:fillRef>
-            <a:effectRef idx="0">
-              <a:schemeClr val="accent1"/>
-            </a:effectRef>
-            <a:fontRef idx="minor">
-              <a:schemeClr val="tx1"/>
-            </a:fontRef>
-          </p:style>
-        </p:cxnSp>
-        <p:cxnSp>
-          <p:nvCxnSpPr>
-            <p:cNvPr id="81" name="Rett linje 80"/>
-            <p:cNvCxnSpPr/>
-            <p:nvPr/>
-          </p:nvCxnSpPr>
-          <p:spPr>
-            <a:xfrm>
-              <a:off x="5893016" y="3790996"/>
-              <a:ext cx="230416" cy="0"/>
-            </a:xfrm>
-            <a:prstGeom prst="line">
-              <a:avLst/>
-            </a:prstGeom>
-            <a:ln w="28575">
-              <a:solidFill>
-                <a:srgbClr val="00A6EB"/>
-              </a:solidFill>
-            </a:ln>
-          </p:spPr>
-          <p:style>
-            <a:lnRef idx="1">
-              <a:schemeClr val="accent1"/>
-            </a:lnRef>
-            <a:fillRef idx="0">
-              <a:schemeClr val="accent1"/>
-            </a:fillRef>
-            <a:effectRef idx="0">
-              <a:schemeClr val="accent1"/>
-            </a:effectRef>
-            <a:fontRef idx="minor">
-              <a:schemeClr val="tx1"/>
-            </a:fontRef>
-          </p:style>
-        </p:cxnSp>
-      </p:grpSp>
-      <p:grpSp>
-        <p:nvGrpSpPr>
-          <p:cNvPr id="84" name="Gruppe 83"/>
-          <p:cNvGrpSpPr/>
-          <p:nvPr/>
-        </p:nvGrpSpPr>
-        <p:grpSpPr>
-          <a:xfrm>
-            <a:off x="5809474" y="2956841"/>
-            <a:ext cx="640080" cy="919696"/>
-            <a:chOff x="5791200" y="2955073"/>
-            <a:chExt cx="640080" cy="919696"/>
-          </a:xfrm>
-        </p:grpSpPr>
-        <p:sp>
-          <p:nvSpPr>
-            <p:cNvPr id="85" name="Rektangel 84"/>
-            <p:cNvSpPr/>
-            <p:nvPr/>
-          </p:nvSpPr>
-          <p:spPr>
-            <a:xfrm>
-              <a:off x="5791200" y="2955073"/>
-              <a:ext cx="640080" cy="919696"/>
-            </a:xfrm>
-            <a:prstGeom prst="rect">
-              <a:avLst/>
-            </a:prstGeom>
-            <a:solidFill>
-              <a:schemeClr val="bg1"/>
-            </a:solidFill>
-            <a:ln>
+              <a:ln w="3175">
+                <a:solidFill>
+                  <a:schemeClr val="tx1">
+                    <a:lumMod val="65000"/>
+                    <a:lumOff val="35000"/>
+                  </a:schemeClr>
+                </a:solidFill>
+              </a:ln>
+            </p:spPr>
+            <p:style>
+              <a:lnRef idx="2">
+                <a:schemeClr val="accent1">
+                  <a:shade val="50000"/>
+                </a:schemeClr>
+              </a:lnRef>
+              <a:fillRef idx="1">
+                <a:schemeClr val="accent1"/>
+              </a:fillRef>
+              <a:effectRef idx="0">
+                <a:schemeClr val="accent1"/>
+              </a:effectRef>
+              <a:fontRef idx="minor">
+                <a:schemeClr val="lt1"/>
+              </a:fontRef>
+            </p:style>
+            <p:txBody>
+              <a:bodyPr rtlCol="0" anchor="ctr"/>
+              <a:lstStyle/>
+              <a:p>
+                <a:pPr algn="ctr"/>
+                <a:endParaRPr lang="nb-NO"/>
+              </a:p>
+            </p:txBody>
+          </p:sp>
+          <p:sp>
+            <p:nvSpPr>
+              <p:cNvPr id="140" name="Ellipse 139"/>
+              <p:cNvSpPr/>
+              <p:nvPr/>
+            </p:nvSpPr>
+            <p:spPr>
+              <a:xfrm>
+                <a:off x="6146184" y="3890357"/>
+                <a:ext cx="286671" cy="274817"/>
+              </a:xfrm>
+              <a:prstGeom prst="ellipse">
+                <a:avLst/>
+              </a:prstGeom>
               <a:solidFill>
                 <a:schemeClr val="bg1"/>
               </a:solidFill>
-            </a:ln>
-          </p:spPr>
-          <p:style>
-            <a:lnRef idx="2">
-              <a:schemeClr val="accent1">
-                <a:shade val="50000"/>
-              </a:schemeClr>
-            </a:lnRef>
-            <a:fillRef idx="1">
-              <a:schemeClr val="accent1"/>
-            </a:fillRef>
-            <a:effectRef idx="0">
-              <a:schemeClr val="accent1"/>
-            </a:effectRef>
-            <a:fontRef idx="minor">
-              <a:schemeClr val="lt1"/>
-            </a:fontRef>
-          </p:style>
-          <p:txBody>
-            <a:bodyPr rtlCol="0" anchor="ctr"/>
-            <a:lstStyle/>
-            <a:p>
-              <a:pPr algn="ctr"/>
-              <a:endParaRPr lang="nb-NO"/>
-            </a:p>
-          </p:txBody>
-        </p:sp>
-        <p:cxnSp>
-          <p:nvCxnSpPr>
-            <p:cNvPr id="86" name="Rett linje 85"/>
-            <p:cNvCxnSpPr/>
-            <p:nvPr/>
-          </p:nvCxnSpPr>
-          <p:spPr>
-            <a:xfrm flipV="1">
-              <a:off x="5893016" y="3077176"/>
-              <a:ext cx="428403" cy="2"/>
-            </a:xfrm>
-            <a:prstGeom prst="line">
-              <a:avLst/>
-            </a:prstGeom>
-            <a:ln w="28575">
-              <a:solidFill>
-                <a:srgbClr val="00A6EB"/>
-              </a:solidFill>
-            </a:ln>
-          </p:spPr>
-          <p:style>
-            <a:lnRef idx="1">
-              <a:schemeClr val="accent1"/>
-            </a:lnRef>
-            <a:fillRef idx="0">
-              <a:schemeClr val="accent1"/>
-            </a:fillRef>
-            <a:effectRef idx="0">
-              <a:schemeClr val="accent1"/>
-            </a:effectRef>
-            <a:fontRef idx="minor">
-              <a:schemeClr val="tx1"/>
-            </a:fontRef>
-          </p:style>
-        </p:cxnSp>
-        <p:cxnSp>
-          <p:nvCxnSpPr>
-            <p:cNvPr id="87" name="Rett linje 86"/>
-            <p:cNvCxnSpPr/>
-            <p:nvPr/>
-          </p:nvCxnSpPr>
-          <p:spPr>
-            <a:xfrm flipV="1">
-              <a:off x="5893016" y="3178609"/>
-              <a:ext cx="428403" cy="2"/>
-            </a:xfrm>
-            <a:prstGeom prst="line">
-              <a:avLst/>
-            </a:prstGeom>
-            <a:ln w="28575">
-              <a:solidFill>
-                <a:srgbClr val="00A6EB"/>
-              </a:solidFill>
-            </a:ln>
-          </p:spPr>
-          <p:style>
-            <a:lnRef idx="1">
-              <a:schemeClr val="accent1"/>
-            </a:lnRef>
-            <a:fillRef idx="0">
-              <a:schemeClr val="accent1"/>
-            </a:fillRef>
-            <a:effectRef idx="0">
-              <a:schemeClr val="accent1"/>
-            </a:effectRef>
-            <a:fontRef idx="minor">
-              <a:schemeClr val="tx1"/>
-            </a:fontRef>
-          </p:style>
-        </p:cxnSp>
-        <p:cxnSp>
-          <p:nvCxnSpPr>
-            <p:cNvPr id="88" name="Rett linje 87"/>
-            <p:cNvCxnSpPr/>
-            <p:nvPr/>
-          </p:nvCxnSpPr>
-          <p:spPr>
-            <a:xfrm flipV="1">
-              <a:off x="5893016" y="3280042"/>
-              <a:ext cx="428403" cy="2"/>
-            </a:xfrm>
-            <a:prstGeom prst="line">
-              <a:avLst/>
-            </a:prstGeom>
-            <a:ln w="28575">
-              <a:solidFill>
-                <a:srgbClr val="00A6EB"/>
-              </a:solidFill>
-            </a:ln>
-          </p:spPr>
-          <p:style>
-            <a:lnRef idx="1">
-              <a:schemeClr val="accent1"/>
-            </a:lnRef>
-            <a:fillRef idx="0">
-              <a:schemeClr val="accent1"/>
-            </a:fillRef>
-            <a:effectRef idx="0">
-              <a:schemeClr val="accent1"/>
-            </a:effectRef>
-            <a:fontRef idx="minor">
-              <a:schemeClr val="tx1"/>
-            </a:fontRef>
-          </p:style>
-        </p:cxnSp>
-        <p:cxnSp>
-          <p:nvCxnSpPr>
-            <p:cNvPr id="89" name="Rett linje 88"/>
-            <p:cNvCxnSpPr/>
-            <p:nvPr/>
-          </p:nvCxnSpPr>
-          <p:spPr>
-            <a:xfrm flipV="1">
-              <a:off x="5893016" y="3381475"/>
-              <a:ext cx="428403" cy="2"/>
-            </a:xfrm>
-            <a:prstGeom prst="line">
-              <a:avLst/>
-            </a:prstGeom>
-            <a:ln w="28575">
-              <a:solidFill>
-                <a:srgbClr val="00A6EB"/>
-              </a:solidFill>
-            </a:ln>
-          </p:spPr>
-          <p:style>
-            <a:lnRef idx="1">
-              <a:schemeClr val="accent1"/>
-            </a:lnRef>
-            <a:fillRef idx="0">
-              <a:schemeClr val="accent1"/>
-            </a:fillRef>
-            <a:effectRef idx="0">
-              <a:schemeClr val="accent1"/>
-            </a:effectRef>
-            <a:fontRef idx="minor">
-              <a:schemeClr val="tx1"/>
-            </a:fontRef>
-          </p:style>
-        </p:cxnSp>
-        <p:cxnSp>
-          <p:nvCxnSpPr>
-            <p:cNvPr id="90" name="Rett linje 89"/>
-            <p:cNvCxnSpPr/>
-            <p:nvPr/>
-          </p:nvCxnSpPr>
-          <p:spPr>
-            <a:xfrm flipV="1">
-              <a:off x="5893016" y="3482908"/>
-              <a:ext cx="428403" cy="2"/>
-            </a:xfrm>
-            <a:prstGeom prst="line">
-              <a:avLst/>
-            </a:prstGeom>
-            <a:ln w="28575">
-              <a:solidFill>
-                <a:srgbClr val="00A6EB"/>
-              </a:solidFill>
-            </a:ln>
-          </p:spPr>
-          <p:style>
-            <a:lnRef idx="1">
-              <a:schemeClr val="accent1"/>
-            </a:lnRef>
-            <a:fillRef idx="0">
-              <a:schemeClr val="accent1"/>
-            </a:fillRef>
-            <a:effectRef idx="0">
-              <a:schemeClr val="accent1"/>
-            </a:effectRef>
-            <a:fontRef idx="minor">
-              <a:schemeClr val="tx1"/>
-            </a:fontRef>
-          </p:style>
-        </p:cxnSp>
-        <p:cxnSp>
-          <p:nvCxnSpPr>
-            <p:cNvPr id="91" name="Rett linje 90"/>
-            <p:cNvCxnSpPr/>
-            <p:nvPr/>
-          </p:nvCxnSpPr>
-          <p:spPr>
-            <a:xfrm flipV="1">
-              <a:off x="5893016" y="3584341"/>
-              <a:ext cx="428403" cy="2"/>
-            </a:xfrm>
-            <a:prstGeom prst="line">
-              <a:avLst/>
-            </a:prstGeom>
-            <a:ln w="28575">
-              <a:solidFill>
-                <a:srgbClr val="00A6EB"/>
-              </a:solidFill>
-            </a:ln>
-          </p:spPr>
-          <p:style>
-            <a:lnRef idx="1">
-              <a:schemeClr val="accent1"/>
-            </a:lnRef>
-            <a:fillRef idx="0">
-              <a:schemeClr val="accent1"/>
-            </a:fillRef>
-            <a:effectRef idx="0">
-              <a:schemeClr val="accent1"/>
-            </a:effectRef>
-            <a:fontRef idx="minor">
-              <a:schemeClr val="tx1"/>
-            </a:fontRef>
-          </p:style>
-        </p:cxnSp>
-        <p:cxnSp>
-          <p:nvCxnSpPr>
-            <p:cNvPr id="92" name="Rett linje 91"/>
-            <p:cNvCxnSpPr/>
-            <p:nvPr/>
-          </p:nvCxnSpPr>
-          <p:spPr>
-            <a:xfrm flipV="1">
-              <a:off x="5893016" y="3685773"/>
-              <a:ext cx="428403" cy="2"/>
-            </a:xfrm>
-            <a:prstGeom prst="line">
-              <a:avLst/>
-            </a:prstGeom>
-            <a:ln w="28575">
-              <a:solidFill>
-                <a:srgbClr val="00A6EB"/>
-              </a:solidFill>
-            </a:ln>
-          </p:spPr>
-          <p:style>
-            <a:lnRef idx="1">
-              <a:schemeClr val="accent1"/>
-            </a:lnRef>
-            <a:fillRef idx="0">
-              <a:schemeClr val="accent1"/>
-            </a:fillRef>
-            <a:effectRef idx="0">
-              <a:schemeClr val="accent1"/>
-            </a:effectRef>
-            <a:fontRef idx="minor">
-              <a:schemeClr val="tx1"/>
-            </a:fontRef>
-          </p:style>
-        </p:cxnSp>
-        <p:cxnSp>
-          <p:nvCxnSpPr>
-            <p:cNvPr id="93" name="Rett linje 92"/>
-            <p:cNvCxnSpPr/>
-            <p:nvPr/>
-          </p:nvCxnSpPr>
-          <p:spPr>
-            <a:xfrm>
-              <a:off x="5893016" y="3790996"/>
-              <a:ext cx="230416" cy="0"/>
-            </a:xfrm>
-            <a:prstGeom prst="line">
-              <a:avLst/>
-            </a:prstGeom>
-            <a:ln w="28575">
-              <a:solidFill>
-                <a:srgbClr val="00A6EB"/>
-              </a:solidFill>
-            </a:ln>
-          </p:spPr>
-          <p:style>
-            <a:lnRef idx="1">
-              <a:schemeClr val="accent1"/>
-            </a:lnRef>
-            <a:fillRef idx="0">
-              <a:schemeClr val="accent1"/>
-            </a:fillRef>
-            <a:effectRef idx="0">
-              <a:schemeClr val="accent1"/>
-            </a:effectRef>
-            <a:fontRef idx="minor">
-              <a:schemeClr val="tx1"/>
-            </a:fontRef>
-          </p:style>
-        </p:cxnSp>
+              <a:ln w="12700">
+                <a:solidFill>
+                  <a:schemeClr val="tx1">
+                    <a:lumMod val="65000"/>
+                    <a:lumOff val="35000"/>
+                  </a:schemeClr>
+                </a:solidFill>
+              </a:ln>
+            </p:spPr>
+            <p:style>
+              <a:lnRef idx="2">
+                <a:schemeClr val="accent1">
+                  <a:shade val="50000"/>
+                </a:schemeClr>
+              </a:lnRef>
+              <a:fillRef idx="1">
+                <a:schemeClr val="accent1"/>
+              </a:fillRef>
+              <a:effectRef idx="0">
+                <a:schemeClr val="accent1"/>
+              </a:effectRef>
+              <a:fontRef idx="minor">
+                <a:schemeClr val="lt1"/>
+              </a:fontRef>
+            </p:style>
+            <p:txBody>
+              <a:bodyPr rtlCol="0" anchor="ctr"/>
+              <a:lstStyle/>
+              <a:p>
+                <a:pPr algn="ctr"/>
+                <a:endParaRPr lang="nb-NO"/>
+              </a:p>
+            </p:txBody>
+          </p:sp>
+        </p:grpSp>
       </p:grpSp>
-      <p:grpSp>
-        <p:nvGrpSpPr>
-          <p:cNvPr id="94" name="Gruppe 93"/>
-          <p:cNvGrpSpPr/>
-          <p:nvPr/>
-        </p:nvGrpSpPr>
-        <p:grpSpPr>
-          <a:xfrm>
-            <a:off x="5966637" y="2828650"/>
-            <a:ext cx="640080" cy="919696"/>
-            <a:chOff x="5791200" y="2955073"/>
-            <a:chExt cx="640080" cy="919696"/>
-          </a:xfrm>
-        </p:grpSpPr>
-        <p:sp>
-          <p:nvSpPr>
-            <p:cNvPr id="95" name="Rektangel 94"/>
-            <p:cNvSpPr/>
-            <p:nvPr/>
-          </p:nvSpPr>
-          <p:spPr>
-            <a:xfrm>
-              <a:off x="5791200" y="2955073"/>
-              <a:ext cx="640080" cy="919696"/>
-            </a:xfrm>
-            <a:prstGeom prst="rect">
-              <a:avLst/>
-            </a:prstGeom>
-            <a:solidFill>
-              <a:schemeClr val="bg1"/>
-            </a:solidFill>
-            <a:ln>
-              <a:solidFill>
-                <a:schemeClr val="bg1"/>
-              </a:solidFill>
-            </a:ln>
-          </p:spPr>
-          <p:style>
-            <a:lnRef idx="2">
-              <a:schemeClr val="accent1">
-                <a:shade val="50000"/>
-              </a:schemeClr>
-            </a:lnRef>
-            <a:fillRef idx="1">
-              <a:schemeClr val="accent1"/>
-            </a:fillRef>
-            <a:effectRef idx="0">
-              <a:schemeClr val="accent1"/>
-            </a:effectRef>
-            <a:fontRef idx="minor">
-              <a:schemeClr val="lt1"/>
-            </a:fontRef>
-          </p:style>
-          <p:txBody>
-            <a:bodyPr rtlCol="0" anchor="ctr"/>
-            <a:lstStyle/>
-            <a:p>
-              <a:pPr algn="ctr"/>
-              <a:endParaRPr lang="nb-NO"/>
-            </a:p>
-          </p:txBody>
-        </p:sp>
-        <p:cxnSp>
-          <p:nvCxnSpPr>
-            <p:cNvPr id="96" name="Rett linje 95"/>
-            <p:cNvCxnSpPr/>
-            <p:nvPr/>
-          </p:nvCxnSpPr>
-          <p:spPr>
-            <a:xfrm flipV="1">
-              <a:off x="5893016" y="3077176"/>
-              <a:ext cx="428403" cy="2"/>
-            </a:xfrm>
-            <a:prstGeom prst="line">
-              <a:avLst/>
-            </a:prstGeom>
-            <a:ln w="28575">
-              <a:solidFill>
-                <a:srgbClr val="00A6EB"/>
-              </a:solidFill>
-            </a:ln>
-          </p:spPr>
-          <p:style>
-            <a:lnRef idx="1">
-              <a:schemeClr val="accent1"/>
-            </a:lnRef>
-            <a:fillRef idx="0">
-              <a:schemeClr val="accent1"/>
-            </a:fillRef>
-            <a:effectRef idx="0">
-              <a:schemeClr val="accent1"/>
-            </a:effectRef>
-            <a:fontRef idx="minor">
-              <a:schemeClr val="tx1"/>
-            </a:fontRef>
-          </p:style>
-        </p:cxnSp>
-        <p:cxnSp>
-          <p:nvCxnSpPr>
-            <p:cNvPr id="97" name="Rett linje 96"/>
-            <p:cNvCxnSpPr/>
-            <p:nvPr/>
-          </p:nvCxnSpPr>
-          <p:spPr>
-            <a:xfrm flipV="1">
-              <a:off x="5893016" y="3178609"/>
-              <a:ext cx="428403" cy="2"/>
-            </a:xfrm>
-            <a:prstGeom prst="line">
-              <a:avLst/>
-            </a:prstGeom>
-            <a:ln w="28575">
-              <a:solidFill>
-                <a:srgbClr val="00A6EB"/>
-              </a:solidFill>
-            </a:ln>
-          </p:spPr>
-          <p:style>
-            <a:lnRef idx="1">
-              <a:schemeClr val="accent1"/>
-            </a:lnRef>
-            <a:fillRef idx="0">
-              <a:schemeClr val="accent1"/>
-            </a:fillRef>
-            <a:effectRef idx="0">
-              <a:schemeClr val="accent1"/>
-            </a:effectRef>
-            <a:fontRef idx="minor">
-              <a:schemeClr val="tx1"/>
-            </a:fontRef>
-          </p:style>
-        </p:cxnSp>
-        <p:cxnSp>
-          <p:nvCxnSpPr>
-            <p:cNvPr id="98" name="Rett linje 97"/>
-            <p:cNvCxnSpPr/>
-            <p:nvPr/>
-          </p:nvCxnSpPr>
-          <p:spPr>
-            <a:xfrm flipV="1">
-              <a:off x="5893016" y="3280042"/>
-              <a:ext cx="428403" cy="2"/>
-            </a:xfrm>
-            <a:prstGeom prst="line">
-              <a:avLst/>
-            </a:prstGeom>
-            <a:ln w="28575">
-              <a:solidFill>
-                <a:srgbClr val="00A6EB"/>
-              </a:solidFill>
-            </a:ln>
-          </p:spPr>
-          <p:style>
-            <a:lnRef idx="1">
-              <a:schemeClr val="accent1"/>
-            </a:lnRef>
-            <a:fillRef idx="0">
-              <a:schemeClr val="accent1"/>
-            </a:fillRef>
-            <a:effectRef idx="0">
-              <a:schemeClr val="accent1"/>
-            </a:effectRef>
-            <a:fontRef idx="minor">
-              <a:schemeClr val="tx1"/>
-            </a:fontRef>
-          </p:style>
-        </p:cxnSp>
-        <p:cxnSp>
-          <p:nvCxnSpPr>
-            <p:cNvPr id="99" name="Rett linje 98"/>
-            <p:cNvCxnSpPr/>
-            <p:nvPr/>
-          </p:nvCxnSpPr>
-          <p:spPr>
-            <a:xfrm flipV="1">
-              <a:off x="5893016" y="3381475"/>
-              <a:ext cx="428403" cy="2"/>
-            </a:xfrm>
-            <a:prstGeom prst="line">
-              <a:avLst/>
-            </a:prstGeom>
-            <a:ln w="28575">
-              <a:solidFill>
-                <a:srgbClr val="00A6EB"/>
-              </a:solidFill>
-            </a:ln>
-          </p:spPr>
-          <p:style>
-            <a:lnRef idx="1">
-              <a:schemeClr val="accent1"/>
-            </a:lnRef>
-            <a:fillRef idx="0">
-              <a:schemeClr val="accent1"/>
-            </a:fillRef>
-            <a:effectRef idx="0">
-              <a:schemeClr val="accent1"/>
-            </a:effectRef>
-            <a:fontRef idx="minor">
-              <a:schemeClr val="tx1"/>
-            </a:fontRef>
-          </p:style>
-        </p:cxnSp>
-        <p:cxnSp>
-          <p:nvCxnSpPr>
-            <p:cNvPr id="100" name="Rett linje 99"/>
-            <p:cNvCxnSpPr/>
-            <p:nvPr/>
-          </p:nvCxnSpPr>
-          <p:spPr>
-            <a:xfrm flipV="1">
-              <a:off x="5893016" y="3482908"/>
-              <a:ext cx="428403" cy="2"/>
-            </a:xfrm>
-            <a:prstGeom prst="line">
-              <a:avLst/>
-            </a:prstGeom>
-            <a:ln w="28575">
-              <a:solidFill>
-                <a:srgbClr val="00A6EB"/>
-              </a:solidFill>
-            </a:ln>
-          </p:spPr>
-          <p:style>
-            <a:lnRef idx="1">
-              <a:schemeClr val="accent1"/>
-            </a:lnRef>
-            <a:fillRef idx="0">
-              <a:schemeClr val="accent1"/>
-            </a:fillRef>
-            <a:effectRef idx="0">
-              <a:schemeClr val="accent1"/>
-            </a:effectRef>
-            <a:fontRef idx="minor">
-              <a:schemeClr val="tx1"/>
-            </a:fontRef>
-          </p:style>
-        </p:cxnSp>
-        <p:cxnSp>
-          <p:nvCxnSpPr>
-            <p:cNvPr id="101" name="Rett linje 100"/>
-            <p:cNvCxnSpPr/>
-            <p:nvPr/>
-          </p:nvCxnSpPr>
-          <p:spPr>
-            <a:xfrm flipV="1">
-              <a:off x="5893016" y="3584341"/>
-              <a:ext cx="428403" cy="2"/>
-            </a:xfrm>
-            <a:prstGeom prst="line">
-              <a:avLst/>
-            </a:prstGeom>
-            <a:ln w="28575">
-              <a:solidFill>
-                <a:srgbClr val="00A6EB"/>
-              </a:solidFill>
-            </a:ln>
-          </p:spPr>
-          <p:style>
-            <a:lnRef idx="1">
-              <a:schemeClr val="accent1"/>
-            </a:lnRef>
-            <a:fillRef idx="0">
-              <a:schemeClr val="accent1"/>
-            </a:fillRef>
-            <a:effectRef idx="0">
-              <a:schemeClr val="accent1"/>
-            </a:effectRef>
-            <a:fontRef idx="minor">
-              <a:schemeClr val="tx1"/>
-            </a:fontRef>
-          </p:style>
-        </p:cxnSp>
-        <p:cxnSp>
-          <p:nvCxnSpPr>
-            <p:cNvPr id="102" name="Rett linje 101"/>
-            <p:cNvCxnSpPr/>
-            <p:nvPr/>
-          </p:nvCxnSpPr>
-          <p:spPr>
-            <a:xfrm flipV="1">
-              <a:off x="5893016" y="3685773"/>
-              <a:ext cx="428403" cy="2"/>
-            </a:xfrm>
-            <a:prstGeom prst="line">
-              <a:avLst/>
-            </a:prstGeom>
-            <a:ln w="28575">
-              <a:solidFill>
-                <a:srgbClr val="00A6EB"/>
-              </a:solidFill>
-            </a:ln>
-          </p:spPr>
-          <p:style>
-            <a:lnRef idx="1">
-              <a:schemeClr val="accent1"/>
-            </a:lnRef>
-            <a:fillRef idx="0">
-              <a:schemeClr val="accent1"/>
-            </a:fillRef>
-            <a:effectRef idx="0">
-              <a:schemeClr val="accent1"/>
-            </a:effectRef>
-            <a:fontRef idx="minor">
-              <a:schemeClr val="tx1"/>
-            </a:fontRef>
-          </p:style>
-        </p:cxnSp>
-        <p:cxnSp>
-          <p:nvCxnSpPr>
-            <p:cNvPr id="103" name="Rett linje 102"/>
-            <p:cNvCxnSpPr/>
-            <p:nvPr/>
-          </p:nvCxnSpPr>
-          <p:spPr>
-            <a:xfrm>
-              <a:off x="5893016" y="3790996"/>
-              <a:ext cx="230416" cy="0"/>
-            </a:xfrm>
-            <a:prstGeom prst="line">
-              <a:avLst/>
-            </a:prstGeom>
-            <a:ln w="28575">
-              <a:solidFill>
-                <a:srgbClr val="00A6EB"/>
-              </a:solidFill>
-            </a:ln>
-          </p:spPr>
-          <p:style>
-            <a:lnRef idx="1">
-              <a:schemeClr val="accent1"/>
-            </a:lnRef>
-            <a:fillRef idx="0">
-              <a:schemeClr val="accent1"/>
-            </a:fillRef>
-            <a:effectRef idx="0">
-              <a:schemeClr val="accent1"/>
-            </a:effectRef>
-            <a:fontRef idx="minor">
-              <a:schemeClr val="tx1"/>
-            </a:fontRef>
-          </p:style>
-        </p:cxnSp>
-      </p:grpSp>
-      <p:sp>
-        <p:nvSpPr>
-          <p:cNvPr id="18" name="Ellipse 17"/>
-          <p:cNvSpPr/>
-          <p:nvPr/>
-        </p:nvSpPr>
-        <p:spPr>
-          <a:xfrm>
-            <a:off x="9022166" y="1762144"/>
-            <a:ext cx="262042" cy="267824"/>
-          </a:xfrm>
-          <a:prstGeom prst="ellipse">
-            <a:avLst/>
-          </a:prstGeom>
-          <a:solidFill>
-            <a:schemeClr val="bg1"/>
-          </a:solidFill>
-          <a:ln>
-            <a:solidFill>
-              <a:schemeClr val="tx1">
-                <a:lumMod val="65000"/>
-                <a:lumOff val="35000"/>
-              </a:schemeClr>
-            </a:solidFill>
-          </a:ln>
-        </p:spPr>
-        <p:style>
-          <a:lnRef idx="2">
-            <a:schemeClr val="accent1">
-              <a:shade val="50000"/>
-            </a:schemeClr>
-          </a:lnRef>
-          <a:fillRef idx="1">
-            <a:schemeClr val="accent1"/>
-          </a:fillRef>
-          <a:effectRef idx="0">
-            <a:schemeClr val="accent1"/>
-          </a:effectRef>
-          <a:fontRef idx="minor">
-            <a:schemeClr val="lt1"/>
-          </a:fontRef>
-        </p:style>
-        <p:txBody>
-          <a:bodyPr rtlCol="0" anchor="ctr"/>
-          <a:lstStyle/>
-          <a:p>
-            <a:pPr algn="ctr"/>
-            <a:endParaRPr lang="nb-NO"/>
-          </a:p>
-        </p:txBody>
-      </p:sp>
-      <p:cxnSp>
-        <p:nvCxnSpPr>
-          <p:cNvPr id="39" name="Rett linje 38"/>
-          <p:cNvCxnSpPr>
-            <a:stCxn id="18" idx="4"/>
-            <a:endCxn id="18" idx="0"/>
-          </p:cNvCxnSpPr>
-          <p:nvPr/>
-        </p:nvCxnSpPr>
-        <p:spPr>
-          <a:xfrm flipV="1">
-            <a:off x="9153187" y="1762144"/>
-            <a:ext cx="0" cy="36000"/>
-          </a:xfrm>
-          <a:prstGeom prst="line">
-            <a:avLst/>
-          </a:prstGeom>
-          <a:ln w="12700">
-            <a:solidFill>
-              <a:schemeClr val="tx1">
-                <a:lumMod val="65000"/>
-                <a:lumOff val="35000"/>
-              </a:schemeClr>
-            </a:solidFill>
-          </a:ln>
-        </p:spPr>
-        <p:style>
-          <a:lnRef idx="1">
-            <a:schemeClr val="accent1"/>
-          </a:lnRef>
-          <a:fillRef idx="0">
-            <a:schemeClr val="accent1"/>
-          </a:fillRef>
-          <a:effectRef idx="0">
-            <a:schemeClr val="accent1"/>
-          </a:effectRef>
-          <a:fontRef idx="minor">
-            <a:schemeClr val="tx1"/>
-          </a:fontRef>
-        </p:style>
-      </p:cxnSp>
-      <p:cxnSp>
-        <p:nvCxnSpPr>
-          <p:cNvPr id="106" name="Rett linje 105"/>
-          <p:cNvCxnSpPr/>
-          <p:nvPr/>
-        </p:nvCxnSpPr>
-        <p:spPr>
-          <a:xfrm flipV="1">
-            <a:off x="9162712" y="1993968"/>
-            <a:ext cx="0" cy="36000"/>
-          </a:xfrm>
-          <a:prstGeom prst="line">
-            <a:avLst/>
-          </a:prstGeom>
-          <a:ln w="12700">
-            <a:solidFill>
-              <a:schemeClr val="tx1">
-                <a:lumMod val="65000"/>
-                <a:lumOff val="35000"/>
-              </a:schemeClr>
-            </a:solidFill>
-          </a:ln>
-        </p:spPr>
-        <p:style>
-          <a:lnRef idx="1">
-            <a:schemeClr val="accent1"/>
-          </a:lnRef>
-          <a:fillRef idx="0">
-            <a:schemeClr val="accent1"/>
-          </a:fillRef>
-          <a:effectRef idx="0">
-            <a:schemeClr val="accent1"/>
-          </a:effectRef>
-          <a:fontRef idx="minor">
-            <a:schemeClr val="tx1"/>
-          </a:fontRef>
-        </p:style>
-      </p:cxnSp>
-      <p:cxnSp>
-        <p:nvCxnSpPr>
-          <p:cNvPr id="107" name="Rett linje 106"/>
-          <p:cNvCxnSpPr/>
-          <p:nvPr/>
-        </p:nvCxnSpPr>
-        <p:spPr>
-          <a:xfrm rot="5400000" flipV="1">
-            <a:off x="9266208" y="1879668"/>
-            <a:ext cx="0" cy="36000"/>
-          </a:xfrm>
-          <a:prstGeom prst="line">
-            <a:avLst/>
-          </a:prstGeom>
-          <a:ln w="12700">
-            <a:solidFill>
-              <a:schemeClr val="tx1">
-                <a:lumMod val="65000"/>
-                <a:lumOff val="35000"/>
-              </a:schemeClr>
-            </a:solidFill>
-          </a:ln>
-        </p:spPr>
-        <p:style>
-          <a:lnRef idx="1">
-            <a:schemeClr val="accent1"/>
-          </a:lnRef>
-          <a:fillRef idx="0">
-            <a:schemeClr val="accent1"/>
-          </a:fillRef>
-          <a:effectRef idx="0">
-            <a:schemeClr val="accent1"/>
-          </a:effectRef>
-          <a:fontRef idx="minor">
-            <a:schemeClr val="tx1"/>
-          </a:fontRef>
-        </p:style>
-      </p:cxnSp>
-      <p:cxnSp>
-        <p:nvCxnSpPr>
-          <p:cNvPr id="108" name="Rett linje 107"/>
-          <p:cNvCxnSpPr/>
-          <p:nvPr/>
-        </p:nvCxnSpPr>
-        <p:spPr>
-          <a:xfrm rot="5400000" flipV="1">
-            <a:off x="9044602" y="1879668"/>
-            <a:ext cx="0" cy="36000"/>
-          </a:xfrm>
-          <a:prstGeom prst="line">
-            <a:avLst/>
-          </a:prstGeom>
-          <a:ln w="12700">
-            <a:solidFill>
-              <a:schemeClr val="tx1">
-                <a:lumMod val="65000"/>
-                <a:lumOff val="35000"/>
-              </a:schemeClr>
-            </a:solidFill>
-          </a:ln>
-        </p:spPr>
-        <p:style>
-          <a:lnRef idx="1">
-            <a:schemeClr val="accent1"/>
-          </a:lnRef>
-          <a:fillRef idx="0">
-            <a:schemeClr val="accent1"/>
-          </a:fillRef>
-          <a:effectRef idx="0">
-            <a:schemeClr val="accent1"/>
-          </a:effectRef>
-          <a:fontRef idx="minor">
-            <a:schemeClr val="tx1"/>
-          </a:fontRef>
-        </p:style>
-      </p:cxnSp>
-      <p:cxnSp>
-        <p:nvCxnSpPr>
-          <p:cNvPr id="110" name="Rett linje 109"/>
-          <p:cNvCxnSpPr/>
-          <p:nvPr/>
-        </p:nvCxnSpPr>
-        <p:spPr>
-          <a:xfrm rot="1800000" flipV="1">
-            <a:off x="9203106" y="1780144"/>
-            <a:ext cx="0" cy="36000"/>
-          </a:xfrm>
-          <a:prstGeom prst="line">
-            <a:avLst/>
-          </a:prstGeom>
-          <a:ln w="12700">
-            <a:solidFill>
-              <a:schemeClr val="tx1">
-                <a:lumMod val="65000"/>
-                <a:lumOff val="35000"/>
-              </a:schemeClr>
-            </a:solidFill>
-          </a:ln>
-        </p:spPr>
-        <p:style>
-          <a:lnRef idx="1">
-            <a:schemeClr val="accent1"/>
-          </a:lnRef>
-          <a:fillRef idx="0">
-            <a:schemeClr val="accent1"/>
-          </a:fillRef>
-          <a:effectRef idx="0">
-            <a:schemeClr val="accent1"/>
-          </a:effectRef>
-          <a:fontRef idx="minor">
-            <a:schemeClr val="tx1"/>
-          </a:fontRef>
-        </p:style>
-      </p:cxnSp>
-      <p:cxnSp>
-        <p:nvCxnSpPr>
-          <p:cNvPr id="111" name="Rett linje 110"/>
-          <p:cNvCxnSpPr/>
-          <p:nvPr/>
-        </p:nvCxnSpPr>
-        <p:spPr>
-          <a:xfrm rot="1800000" flipV="1">
-            <a:off x="9108610" y="1978379"/>
-            <a:ext cx="0" cy="36000"/>
-          </a:xfrm>
-          <a:prstGeom prst="line">
-            <a:avLst/>
-          </a:prstGeom>
-          <a:ln w="12700">
-            <a:solidFill>
-              <a:schemeClr val="tx1">
-                <a:lumMod val="65000"/>
-                <a:lumOff val="35000"/>
-              </a:schemeClr>
-            </a:solidFill>
-          </a:ln>
-        </p:spPr>
-        <p:style>
-          <a:lnRef idx="1">
-            <a:schemeClr val="accent1"/>
-          </a:lnRef>
-          <a:fillRef idx="0">
-            <a:schemeClr val="accent1"/>
-          </a:fillRef>
-          <a:effectRef idx="0">
-            <a:schemeClr val="accent1"/>
-          </a:effectRef>
-          <a:fontRef idx="minor">
-            <a:schemeClr val="tx1"/>
-          </a:fontRef>
-        </p:style>
-      </p:cxnSp>
-      <p:cxnSp>
-        <p:nvCxnSpPr>
-          <p:cNvPr id="112" name="Rett linje 111"/>
-          <p:cNvCxnSpPr/>
-          <p:nvPr/>
-        </p:nvCxnSpPr>
-        <p:spPr>
-          <a:xfrm rot="3600000" flipV="1">
-            <a:off x="9060191" y="1942008"/>
-            <a:ext cx="0" cy="36000"/>
-          </a:xfrm>
-          <a:prstGeom prst="line">
-            <a:avLst/>
-          </a:prstGeom>
-          <a:ln w="12700">
-            <a:solidFill>
-              <a:schemeClr val="tx1">
-                <a:lumMod val="65000"/>
-                <a:lumOff val="35000"/>
-              </a:schemeClr>
-            </a:solidFill>
-          </a:ln>
-        </p:spPr>
-        <p:style>
-          <a:lnRef idx="1">
-            <a:schemeClr val="accent1"/>
-          </a:lnRef>
-          <a:fillRef idx="0">
-            <a:schemeClr val="accent1"/>
-          </a:fillRef>
-          <a:effectRef idx="0">
-            <a:schemeClr val="accent1"/>
-          </a:effectRef>
-          <a:fontRef idx="minor">
-            <a:schemeClr val="tx1"/>
-          </a:fontRef>
-        </p:style>
-      </p:cxnSp>
-      <p:cxnSp>
-        <p:nvCxnSpPr>
-          <p:cNvPr id="114" name="Rett linje 113"/>
-          <p:cNvCxnSpPr/>
-          <p:nvPr/>
-        </p:nvCxnSpPr>
-        <p:spPr>
-          <a:xfrm rot="3600000" flipV="1">
-            <a:off x="9248207" y="1814764"/>
-            <a:ext cx="0" cy="36000"/>
-          </a:xfrm>
-          <a:prstGeom prst="line">
-            <a:avLst/>
-          </a:prstGeom>
-          <a:ln w="12700">
-            <a:solidFill>
-              <a:schemeClr val="tx1">
-                <a:lumMod val="65000"/>
-                <a:lumOff val="35000"/>
-              </a:schemeClr>
-            </a:solidFill>
-          </a:ln>
-        </p:spPr>
-        <p:style>
-          <a:lnRef idx="1">
-            <a:schemeClr val="accent1"/>
-          </a:lnRef>
-          <a:fillRef idx="0">
-            <a:schemeClr val="accent1"/>
-          </a:fillRef>
-          <a:effectRef idx="0">
-            <a:schemeClr val="accent1"/>
-          </a:effectRef>
-          <a:fontRef idx="minor">
-            <a:schemeClr val="tx1"/>
-          </a:fontRef>
-        </p:style>
-      </p:cxnSp>
-      <p:cxnSp>
-        <p:nvCxnSpPr>
-          <p:cNvPr id="115" name="Rett linje 114"/>
-          <p:cNvCxnSpPr/>
-          <p:nvPr/>
-        </p:nvCxnSpPr>
-        <p:spPr>
-          <a:xfrm rot="7200000" flipV="1">
-            <a:off x="9057914" y="1823765"/>
-            <a:ext cx="0" cy="36000"/>
-          </a:xfrm>
-          <a:prstGeom prst="line">
-            <a:avLst/>
-          </a:prstGeom>
-          <a:ln w="12700">
-            <a:solidFill>
-              <a:schemeClr val="tx1">
-                <a:lumMod val="65000"/>
-                <a:lumOff val="35000"/>
-              </a:schemeClr>
-            </a:solidFill>
-          </a:ln>
-        </p:spPr>
-        <p:style>
-          <a:lnRef idx="1">
-            <a:schemeClr val="accent1"/>
-          </a:lnRef>
-          <a:fillRef idx="0">
-            <a:schemeClr val="accent1"/>
-          </a:fillRef>
-          <a:effectRef idx="0">
-            <a:schemeClr val="accent1"/>
-          </a:effectRef>
-          <a:fontRef idx="minor">
-            <a:schemeClr val="tx1"/>
-          </a:fontRef>
-        </p:style>
-      </p:cxnSp>
-      <p:cxnSp>
-        <p:nvCxnSpPr>
-          <p:cNvPr id="116" name="Rett linje 115"/>
-          <p:cNvCxnSpPr/>
-          <p:nvPr/>
-        </p:nvCxnSpPr>
-        <p:spPr>
-          <a:xfrm rot="7200000" flipV="1">
-            <a:off x="9248207" y="1933007"/>
-            <a:ext cx="0" cy="36000"/>
-          </a:xfrm>
-          <a:prstGeom prst="line">
-            <a:avLst/>
-          </a:prstGeom>
-          <a:ln w="12700">
-            <a:solidFill>
-              <a:schemeClr val="tx1">
-                <a:lumMod val="65000"/>
-                <a:lumOff val="35000"/>
-              </a:schemeClr>
-            </a:solidFill>
-          </a:ln>
-        </p:spPr>
-        <p:style>
-          <a:lnRef idx="1">
-            <a:schemeClr val="accent1"/>
-          </a:lnRef>
-          <a:fillRef idx="0">
-            <a:schemeClr val="accent1"/>
-          </a:fillRef>
-          <a:effectRef idx="0">
-            <a:schemeClr val="accent1"/>
-          </a:effectRef>
-          <a:fontRef idx="minor">
-            <a:schemeClr val="tx1"/>
-          </a:fontRef>
-        </p:style>
-      </p:cxnSp>
-      <p:cxnSp>
-        <p:nvCxnSpPr>
-          <p:cNvPr id="117" name="Rett linje 116"/>
-          <p:cNvCxnSpPr/>
-          <p:nvPr/>
-        </p:nvCxnSpPr>
-        <p:spPr>
-          <a:xfrm rot="9000000" flipV="1">
-            <a:off x="9090135" y="1780144"/>
-            <a:ext cx="0" cy="36000"/>
-          </a:xfrm>
-          <a:prstGeom prst="line">
-            <a:avLst/>
-          </a:prstGeom>
-          <a:ln w="12700">
-            <a:solidFill>
-              <a:schemeClr val="tx1">
-                <a:lumMod val="65000"/>
-                <a:lumOff val="35000"/>
-              </a:schemeClr>
-            </a:solidFill>
-          </a:ln>
-        </p:spPr>
-        <p:style>
-          <a:lnRef idx="1">
-            <a:schemeClr val="accent1"/>
-          </a:lnRef>
-          <a:fillRef idx="0">
-            <a:schemeClr val="accent1"/>
-          </a:fillRef>
-          <a:effectRef idx="0">
-            <a:schemeClr val="accent1"/>
-          </a:effectRef>
-          <a:fontRef idx="minor">
-            <a:schemeClr val="tx1"/>
-          </a:fontRef>
-        </p:style>
-      </p:cxnSp>
-      <p:cxnSp>
-        <p:nvCxnSpPr>
-          <p:cNvPr id="118" name="Rett linje 117"/>
-          <p:cNvCxnSpPr/>
-          <p:nvPr/>
-        </p:nvCxnSpPr>
-        <p:spPr>
-          <a:xfrm rot="9000000" flipV="1">
-            <a:off x="9223618" y="1971635"/>
-            <a:ext cx="0" cy="36000"/>
-          </a:xfrm>
-          <a:prstGeom prst="line">
-            <a:avLst/>
-          </a:prstGeom>
-          <a:ln w="12700">
-            <a:solidFill>
-              <a:schemeClr val="tx1">
-                <a:lumMod val="65000"/>
-                <a:lumOff val="35000"/>
-              </a:schemeClr>
-            </a:solidFill>
-          </a:ln>
-        </p:spPr>
-        <p:style>
-          <a:lnRef idx="1">
-            <a:schemeClr val="accent1"/>
-          </a:lnRef>
-          <a:fillRef idx="0">
-            <a:schemeClr val="accent1"/>
-          </a:fillRef>
-          <a:effectRef idx="0">
-            <a:schemeClr val="accent1"/>
-          </a:effectRef>
-          <a:fontRef idx="minor">
-            <a:schemeClr val="tx1"/>
-          </a:fontRef>
-        </p:style>
-      </p:cxnSp>
-      <p:sp>
-        <p:nvSpPr>
-          <p:cNvPr id="121" name="Ellipse 120"/>
-          <p:cNvSpPr/>
-          <p:nvPr/>
-        </p:nvSpPr>
-        <p:spPr>
-          <a:xfrm>
-            <a:off x="9137405" y="1878056"/>
-            <a:ext cx="36000" cy="36000"/>
-          </a:xfrm>
-          <a:prstGeom prst="ellipse">
-            <a:avLst/>
-          </a:prstGeom>
-          <a:solidFill>
-            <a:schemeClr val="tx1"/>
-          </a:solidFill>
-          <a:ln w="3175">
-            <a:solidFill>
-              <a:schemeClr val="tx1"/>
-            </a:solidFill>
-          </a:ln>
-        </p:spPr>
-        <p:style>
-          <a:lnRef idx="2">
-            <a:schemeClr val="accent1">
-              <a:shade val="50000"/>
-            </a:schemeClr>
-          </a:lnRef>
-          <a:fillRef idx="1">
-            <a:schemeClr val="accent1"/>
-          </a:fillRef>
-          <a:effectRef idx="0">
-            <a:schemeClr val="accent1"/>
-          </a:effectRef>
-          <a:fontRef idx="minor">
-            <a:schemeClr val="lt1"/>
-          </a:fontRef>
-        </p:style>
-        <p:txBody>
-          <a:bodyPr rtlCol="0" anchor="ctr"/>
-          <a:lstStyle/>
-          <a:p>
-            <a:pPr algn="ctr"/>
-            <a:endParaRPr lang="nb-NO"/>
-          </a:p>
-        </p:txBody>
-      </p:sp>
-      <p:cxnSp>
-        <p:nvCxnSpPr>
-          <p:cNvPr id="122" name="Rett linje 121"/>
-          <p:cNvCxnSpPr/>
-          <p:nvPr/>
-        </p:nvCxnSpPr>
-        <p:spPr>
-          <a:xfrm rot="1800000" flipV="1">
-            <a:off x="9175835" y="1823180"/>
-            <a:ext cx="0" cy="72000"/>
-          </a:xfrm>
-          <a:prstGeom prst="line">
-            <a:avLst/>
-          </a:prstGeom>
-          <a:ln w="12700">
-            <a:solidFill>
-              <a:schemeClr val="tx1"/>
-            </a:solidFill>
-          </a:ln>
-        </p:spPr>
-        <p:style>
-          <a:lnRef idx="1">
-            <a:schemeClr val="accent1"/>
-          </a:lnRef>
-          <a:fillRef idx="0">
-            <a:schemeClr val="accent1"/>
-          </a:fillRef>
-          <a:effectRef idx="0">
-            <a:schemeClr val="accent1"/>
-          </a:effectRef>
-          <a:fontRef idx="minor">
-            <a:schemeClr val="tx1"/>
-          </a:fontRef>
-        </p:style>
-      </p:cxnSp>
-      <p:sp>
-        <p:nvSpPr>
-          <p:cNvPr id="123" name="Likebent trekant 122"/>
-          <p:cNvSpPr/>
-          <p:nvPr/>
-        </p:nvSpPr>
-        <p:spPr>
-          <a:xfrm rot="1800000">
-            <a:off x="9186637" y="1799245"/>
-            <a:ext cx="28800" cy="36000"/>
-          </a:xfrm>
-          <a:prstGeom prst="triangle">
-            <a:avLst/>
-          </a:prstGeom>
-          <a:solidFill>
-            <a:schemeClr val="tx1"/>
-          </a:solidFill>
-          <a:ln w="3175">
-            <a:solidFill>
-              <a:schemeClr val="tx1"/>
-            </a:solidFill>
-          </a:ln>
-        </p:spPr>
-        <p:style>
-          <a:lnRef idx="2">
-            <a:schemeClr val="accent1">
-              <a:shade val="50000"/>
-            </a:schemeClr>
-          </a:lnRef>
-          <a:fillRef idx="1">
-            <a:schemeClr val="accent1"/>
-          </a:fillRef>
-          <a:effectRef idx="0">
-            <a:schemeClr val="accent1"/>
-          </a:effectRef>
-          <a:fontRef idx="minor">
-            <a:schemeClr val="lt1"/>
-          </a:fontRef>
-        </p:style>
-        <p:txBody>
-          <a:bodyPr rtlCol="0" anchor="ctr"/>
-          <a:lstStyle/>
-          <a:p>
-            <a:pPr algn="ctr"/>
-            <a:endParaRPr lang="nb-NO"/>
-          </a:p>
-        </p:txBody>
-      </p:sp>
-      <p:cxnSp>
-        <p:nvCxnSpPr>
-          <p:cNvPr id="124" name="Rett linje 123"/>
-          <p:cNvCxnSpPr/>
-          <p:nvPr/>
-        </p:nvCxnSpPr>
-        <p:spPr>
-          <a:xfrm rot="5400000" flipV="1">
-            <a:off x="9186991" y="1882052"/>
-            <a:ext cx="0" cy="36000"/>
-          </a:xfrm>
-          <a:prstGeom prst="line">
-            <a:avLst/>
-          </a:prstGeom>
-          <a:ln w="12700">
-            <a:solidFill>
-              <a:schemeClr val="tx1"/>
-            </a:solidFill>
-          </a:ln>
-        </p:spPr>
-        <p:style>
-          <a:lnRef idx="1">
-            <a:schemeClr val="accent1"/>
-          </a:lnRef>
-          <a:fillRef idx="0">
-            <a:schemeClr val="accent1"/>
-          </a:fillRef>
-          <a:effectRef idx="0">
-            <a:schemeClr val="accent1"/>
-          </a:effectRef>
-          <a:fontRef idx="minor">
-            <a:schemeClr val="tx1"/>
-          </a:fontRef>
-        </p:style>
-      </p:cxnSp>
-      <p:sp>
-        <p:nvSpPr>
-          <p:cNvPr id="125" name="Likebent trekant 124"/>
-          <p:cNvSpPr/>
-          <p:nvPr/>
-        </p:nvSpPr>
-        <p:spPr>
-          <a:xfrm rot="5400000">
-            <a:off x="9207001" y="1877807"/>
-            <a:ext cx="36000" cy="36000"/>
-          </a:xfrm>
-          <a:prstGeom prst="triangle">
-            <a:avLst/>
-          </a:prstGeom>
-          <a:solidFill>
-            <a:schemeClr val="tx1"/>
-          </a:solidFill>
-          <a:ln w="3175">
-            <a:solidFill>
-              <a:schemeClr val="tx1"/>
-            </a:solidFill>
-          </a:ln>
-        </p:spPr>
-        <p:style>
-          <a:lnRef idx="2">
-            <a:schemeClr val="accent1">
-              <a:shade val="50000"/>
-            </a:schemeClr>
-          </a:lnRef>
-          <a:fillRef idx="1">
-            <a:schemeClr val="accent1"/>
-          </a:fillRef>
-          <a:effectRef idx="0">
-            <a:schemeClr val="accent1"/>
-          </a:effectRef>
-          <a:fontRef idx="minor">
-            <a:schemeClr val="lt1"/>
-          </a:fontRef>
-        </p:style>
-        <p:txBody>
-          <a:bodyPr rtlCol="0" anchor="ctr"/>
-          <a:lstStyle/>
-          <a:p>
-            <a:pPr algn="ctr"/>
-            <a:endParaRPr lang="nb-NO"/>
-          </a:p>
-        </p:txBody>
-      </p:sp>
     </p:spTree>
     <p:extLst>
       <p:ext uri="{BB962C8B-B14F-4D97-AF65-F5344CB8AC3E}">
@@ -16059,21 +17088,6 @@
 </file>
 
 <file path=customXml/item1.xml><?xml version="1.0" encoding="utf-8"?>
-<p:properties xmlns:p="http://schemas.microsoft.com/office/2006/metadata/properties" xmlns:xsi="http://www.w3.org/2001/XMLSchema-instance" xmlns:pc="http://schemas.microsoft.com/office/infopath/2007/PartnerControls">
-  <documentManagement/>
-</p:properties>
-</file>
-
-<file path=customXml/item2.xml><?xml version="1.0" encoding="utf-8"?>
-<?mso-contentType ?>
-<FormTemplates xmlns="http://schemas.microsoft.com/sharepoint/v3/contenttype/forms">
-  <Display>DocumentLibraryForm</Display>
-  <Edit>DocumentLibraryForm</Edit>
-  <New>DocumentLibraryForm</New>
-</FormTemplates>
-</file>
-
-<file path=customXml/item3.xml><?xml version="1.0" encoding="utf-8"?>
 <ct:contentTypeSchema xmlns:ct="http://schemas.microsoft.com/office/2006/metadata/contentType" xmlns:ma="http://schemas.microsoft.com/office/2006/metadata/properties/metaAttributes" ct:_="" ma:_="" ma:contentTypeName="Dokument" ma:contentTypeID="0x0101004E8DCD7061C9614189F6D0F57B1C8645" ma:contentTypeVersion="9" ma:contentTypeDescription="Opprett et nytt dokument." ma:contentTypeScope="" ma:versionID="d59b8845ebd1283ad3bf6a548e8d2471">
   <xsd:schema xmlns:xsd="http://www.w3.org/2001/XMLSchema" xmlns:xs="http://www.w3.org/2001/XMLSchema" xmlns:p="http://schemas.microsoft.com/office/2006/metadata/properties" xmlns:ns3="077b9b9c-7f67-45a8-98b7-b654137cbace" targetNamespace="http://schemas.microsoft.com/office/2006/metadata/properties" ma:root="true" ma:fieldsID="972a228023c3d388b754ae5803fd6dc7" ns3:_="">
     <xsd:import namespace="077b9b9c-7f67-45a8-98b7-b654137cbace"/>
@@ -16251,31 +17265,22 @@
 </ct:contentTypeSchema>
 </file>
 
-<file path=customXml/itemProps1.xml><?xml version="1.0" encoding="utf-8"?>
-<ds:datastoreItem xmlns:ds="http://schemas.openxmlformats.org/officeDocument/2006/customXml" ds:itemID="{7DEC415D-4AD5-4872-9DD1-7B94914CAE4D}">
-  <ds:schemaRefs>
-    <ds:schemaRef ds:uri="http://purl.org/dc/elements/1.1/"/>
-    <ds:schemaRef ds:uri="http://schemas.microsoft.com/office/2006/metadata/properties"/>
-    <ds:schemaRef ds:uri="http://schemas.microsoft.com/office/2006/documentManagement/types"/>
-    <ds:schemaRef ds:uri="http://schemas.openxmlformats.org/package/2006/metadata/core-properties"/>
-    <ds:schemaRef ds:uri="077b9b9c-7f67-45a8-98b7-b654137cbace"/>
-    <ds:schemaRef ds:uri="http://purl.org/dc/dcmitype/"/>
-    <ds:schemaRef ds:uri="http://schemas.microsoft.com/office/infopath/2007/PartnerControls"/>
-    <ds:schemaRef ds:uri="http://www.w3.org/XML/1998/namespace"/>
-    <ds:schemaRef ds:uri="http://purl.org/dc/terms/"/>
-  </ds:schemaRefs>
-</ds:datastoreItem>
+<file path=customXml/item2.xml><?xml version="1.0" encoding="utf-8"?>
+<?mso-contentType ?>
+<FormTemplates xmlns="http://schemas.microsoft.com/sharepoint/v3/contenttype/forms">
+  <Display>DocumentLibraryForm</Display>
+  <Edit>DocumentLibraryForm</Edit>
+  <New>DocumentLibraryForm</New>
+</FormTemplates>
 </file>
 
-<file path=customXml/itemProps2.xml><?xml version="1.0" encoding="utf-8"?>
-<ds:datastoreItem xmlns:ds="http://schemas.openxmlformats.org/officeDocument/2006/customXml" ds:itemID="{4BE7E9B0-0351-4956-BF80-844462B099ED}">
-  <ds:schemaRefs>
-    <ds:schemaRef ds:uri="http://schemas.microsoft.com/sharepoint/v3/contenttype/forms"/>
-  </ds:schemaRefs>
-</ds:datastoreItem>
+<file path=customXml/item3.xml><?xml version="1.0" encoding="utf-8"?>
+<p:properties xmlns:p="http://schemas.microsoft.com/office/2006/metadata/properties" xmlns:xsi="http://www.w3.org/2001/XMLSchema-instance" xmlns:pc="http://schemas.microsoft.com/office/infopath/2007/PartnerControls">
+  <documentManagement/>
+</p:properties>
 </file>
 
-<file path=customXml/itemProps3.xml><?xml version="1.0" encoding="utf-8"?>
+<file path=customXml/itemProps1.xml><?xml version="1.0" encoding="utf-8"?>
 <ds:datastoreItem xmlns:ds="http://schemas.openxmlformats.org/officeDocument/2006/customXml" ds:itemID="{A3A0C07D-31B7-4057-9C9C-1ED42245A98F}">
   <ds:schemaRefs>
     <ds:schemaRef ds:uri="http://schemas.microsoft.com/office/2006/metadata/contentType"/>
@@ -16291,4 +17296,28 @@
     <ds:schemaRef ds:uri="http://schemas.microsoft.com/internal/obd"/>
   </ds:schemaRefs>
 </ds:datastoreItem>
+</file>
+
+<file path=customXml/itemProps2.xml><?xml version="1.0" encoding="utf-8"?>
+<ds:datastoreItem xmlns:ds="http://schemas.openxmlformats.org/officeDocument/2006/customXml" ds:itemID="{4BE7E9B0-0351-4956-BF80-844462B099ED}">
+  <ds:schemaRefs>
+    <ds:schemaRef ds:uri="http://schemas.microsoft.com/sharepoint/v3/contenttype/forms"/>
+  </ds:schemaRefs>
+</ds:datastoreItem>
+</file>
+
+<file path=customXml/itemProps3.xml><?xml version="1.0" encoding="utf-8"?>
+<ds:datastoreItem xmlns:ds="http://schemas.openxmlformats.org/officeDocument/2006/customXml" ds:itemID="{7DEC415D-4AD5-4872-9DD1-7B94914CAE4D}">
+  <ds:schemaRefs>
+    <ds:schemaRef ds:uri="http://purl.org/dc/elements/1.1/"/>
+    <ds:schemaRef ds:uri="http://schemas.microsoft.com/office/2006/metadata/properties"/>
+    <ds:schemaRef ds:uri="http://schemas.microsoft.com/office/2006/documentManagement/types"/>
+    <ds:schemaRef ds:uri="http://schemas.openxmlformats.org/package/2006/metadata/core-properties"/>
+    <ds:schemaRef ds:uri="077b9b9c-7f67-45a8-98b7-b654137cbace"/>
+    <ds:schemaRef ds:uri="http://purl.org/dc/dcmitype/"/>
+    <ds:schemaRef ds:uri="http://schemas.microsoft.com/office/infopath/2007/PartnerControls"/>
+    <ds:schemaRef ds:uri="http://www.w3.org/XML/1998/namespace"/>
+    <ds:schemaRef ds:uri="http://purl.org/dc/terms/"/>
+  </ds:schemaRefs>
+</ds:datastoreItem>
 </file>
--- a/data-raw/logos.pptx
+++ b/data-raw/logos.pptx
@@ -11,6 +11,11 @@
     <p:sldId id="259" r:id="rId8"/>
     <p:sldId id="260" r:id="rId9"/>
     <p:sldId id="261" r:id="rId10"/>
+    <p:sldId id="262" r:id="rId11"/>
+    <p:sldId id="263" r:id="rId12"/>
+    <p:sldId id="266" r:id="rId13"/>
+    <p:sldId id="264" r:id="rId14"/>
+    <p:sldId id="265" r:id="rId15"/>
   </p:sldIdLst>
   <p:sldSz cx="12192000" cy="6858000"/>
   <p:notesSz cx="6858000" cy="9144000"/>
@@ -112,12 +117,12 @@
   <p:extLst>
     <p:ext uri="{EFAFB233-063F-42B5-8137-9DF3F51BA10A}">
       <p15:sldGuideLst xmlns:p15="http://schemas.microsoft.com/office/powerpoint/2012/main">
-        <p15:guide id="1" orient="horz" pos="2160" userDrawn="1">
+        <p15:guide id="1" orient="horz" pos="2183" userDrawn="1">
           <p15:clr>
             <a:srgbClr val="A4A3A4"/>
           </p15:clr>
         </p15:guide>
-        <p15:guide id="2" pos="3840" userDrawn="1">
+        <p15:guide id="2" pos="3817" userDrawn="1">
           <p15:clr>
             <a:srgbClr val="A4A3A4"/>
           </p15:clr>
@@ -259,7 +264,7 @@
           <a:p>
             <a:fld id="{09605B3F-6133-425E-A10B-41F9F06FCAC6}" type="datetimeFigureOut">
               <a:rPr lang="nb-NO" smtClean="0"/>
-              <a:t>08.06.2022</a:t>
+              <a:t>24.06.2023</a:t>
             </a:fld>
             <a:endParaRPr lang="nb-NO"/>
           </a:p>
@@ -429,7 +434,7 @@
           <a:p>
             <a:fld id="{09605B3F-6133-425E-A10B-41F9F06FCAC6}" type="datetimeFigureOut">
               <a:rPr lang="nb-NO" smtClean="0"/>
-              <a:t>08.06.2022</a:t>
+              <a:t>24.06.2023</a:t>
             </a:fld>
             <a:endParaRPr lang="nb-NO"/>
           </a:p>
@@ -609,7 +614,7 @@
           <a:p>
             <a:fld id="{09605B3F-6133-425E-A10B-41F9F06FCAC6}" type="datetimeFigureOut">
               <a:rPr lang="nb-NO" smtClean="0"/>
-              <a:t>08.06.2022</a:t>
+              <a:t>24.06.2023</a:t>
             </a:fld>
             <a:endParaRPr lang="nb-NO"/>
           </a:p>
@@ -779,7 +784,7 @@
           <a:p>
             <a:fld id="{09605B3F-6133-425E-A10B-41F9F06FCAC6}" type="datetimeFigureOut">
               <a:rPr lang="nb-NO" smtClean="0"/>
-              <a:t>08.06.2022</a:t>
+              <a:t>24.06.2023</a:t>
             </a:fld>
             <a:endParaRPr lang="nb-NO"/>
           </a:p>
@@ -1025,7 +1030,7 @@
           <a:p>
             <a:fld id="{09605B3F-6133-425E-A10B-41F9F06FCAC6}" type="datetimeFigureOut">
               <a:rPr lang="nb-NO" smtClean="0"/>
-              <a:t>08.06.2022</a:t>
+              <a:t>24.06.2023</a:t>
             </a:fld>
             <a:endParaRPr lang="nb-NO"/>
           </a:p>
@@ -1257,7 +1262,7 @@
           <a:p>
             <a:fld id="{09605B3F-6133-425E-A10B-41F9F06FCAC6}" type="datetimeFigureOut">
               <a:rPr lang="nb-NO" smtClean="0"/>
-              <a:t>08.06.2022</a:t>
+              <a:t>24.06.2023</a:t>
             </a:fld>
             <a:endParaRPr lang="nb-NO"/>
           </a:p>
@@ -1624,7 +1629,7 @@
           <a:p>
             <a:fld id="{09605B3F-6133-425E-A10B-41F9F06FCAC6}" type="datetimeFigureOut">
               <a:rPr lang="nb-NO" smtClean="0"/>
-              <a:t>08.06.2022</a:t>
+              <a:t>24.06.2023</a:t>
             </a:fld>
             <a:endParaRPr lang="nb-NO"/>
           </a:p>
@@ -1742,7 +1747,7 @@
           <a:p>
             <a:fld id="{09605B3F-6133-425E-A10B-41F9F06FCAC6}" type="datetimeFigureOut">
               <a:rPr lang="nb-NO" smtClean="0"/>
-              <a:t>08.06.2022</a:t>
+              <a:t>24.06.2023</a:t>
             </a:fld>
             <a:endParaRPr lang="nb-NO"/>
           </a:p>
@@ -1837,7 +1842,7 @@
           <a:p>
             <a:fld id="{09605B3F-6133-425E-A10B-41F9F06FCAC6}" type="datetimeFigureOut">
               <a:rPr lang="nb-NO" smtClean="0"/>
-              <a:t>08.06.2022</a:t>
+              <a:t>24.06.2023</a:t>
             </a:fld>
             <a:endParaRPr lang="nb-NO"/>
           </a:p>
@@ -2114,7 +2119,7 @@
           <a:p>
             <a:fld id="{09605B3F-6133-425E-A10B-41F9F06FCAC6}" type="datetimeFigureOut">
               <a:rPr lang="nb-NO" smtClean="0"/>
-              <a:t>08.06.2022</a:t>
+              <a:t>24.06.2023</a:t>
             </a:fld>
             <a:endParaRPr lang="nb-NO"/>
           </a:p>
@@ -2367,7 +2372,7 @@
           <a:p>
             <a:fld id="{09605B3F-6133-425E-A10B-41F9F06FCAC6}" type="datetimeFigureOut">
               <a:rPr lang="nb-NO" smtClean="0"/>
-              <a:t>08.06.2022</a:t>
+              <a:t>24.06.2023</a:t>
             </a:fld>
             <a:endParaRPr lang="nb-NO"/>
           </a:p>
@@ -2580,7 +2585,7 @@
           <a:p>
             <a:fld id="{09605B3F-6133-425E-A10B-41F9F06FCAC6}" type="datetimeFigureOut">
               <a:rPr lang="nb-NO" smtClean="0"/>
-              <a:t>08.06.2022</a:t>
+              <a:t>24.06.2023</a:t>
             </a:fld>
             <a:endParaRPr lang="nb-NO"/>
           </a:p>
@@ -5104,6 +5109,1286 @@
 </p:sld>
 </file>
 
+<file path=ppt/slides/slide10.xml><?xml version="1.0" encoding="utf-8"?>
+<p:sld xmlns:a="http://schemas.openxmlformats.org/drawingml/2006/main" xmlns:r="http://schemas.openxmlformats.org/officeDocument/2006/relationships" xmlns:p="http://schemas.openxmlformats.org/presentationml/2006/main">
+  <p:cSld>
+    <p:spTree>
+      <p:nvGrpSpPr>
+        <p:cNvPr id="1" name=""/>
+        <p:cNvGrpSpPr/>
+        <p:nvPr/>
+      </p:nvGrpSpPr>
+      <p:grpSpPr>
+        <a:xfrm>
+          <a:off x="0" y="0"/>
+          <a:ext cx="0" cy="0"/>
+          <a:chOff x="0" y="0"/>
+          <a:chExt cx="0" cy="0"/>
+        </a:xfrm>
+      </p:grpSpPr>
+      <p:grpSp>
+        <p:nvGrpSpPr>
+          <p:cNvPr id="4" name="Gruppe 3"/>
+          <p:cNvGrpSpPr/>
+          <p:nvPr/>
+        </p:nvGrpSpPr>
+        <p:grpSpPr>
+          <a:xfrm>
+            <a:off x="7767139" y="1078276"/>
+            <a:ext cx="1360800" cy="1184517"/>
+            <a:chOff x="4735200" y="2244483"/>
+            <a:chExt cx="2721600" cy="2369033"/>
+          </a:xfrm>
+        </p:grpSpPr>
+        <p:sp>
+          <p:nvSpPr>
+            <p:cNvPr id="2" name="Hexagon 35">
+              <a:extLst>
+                <a:ext uri="{FF2B5EF4-FFF2-40B4-BE49-F238E27FC236}">
+                  <a16:creationId xmlns:a16="http://schemas.microsoft.com/office/drawing/2014/main" id="{90E46B38-1301-774F-8904-FFF8966BD8C2}"/>
+                </a:ext>
+              </a:extLst>
+            </p:cNvPr>
+            <p:cNvSpPr>
+              <a:spLocks noChangeAspect="1"/>
+            </p:cNvSpPr>
+            <p:nvPr/>
+          </p:nvSpPr>
+          <p:spPr>
+            <a:xfrm rot="1800000">
+              <a:off x="4735200" y="2244483"/>
+              <a:ext cx="2721600" cy="2369033"/>
+            </a:xfrm>
+            <a:prstGeom prst="hexagon">
+              <a:avLst>
+                <a:gd name="adj" fmla="val 28372"/>
+                <a:gd name="vf" fmla="val 115470"/>
+              </a:avLst>
+            </a:prstGeom>
+            <a:solidFill>
+              <a:srgbClr val="133E4D"/>
+            </a:solidFill>
+            <a:ln w="69850">
+              <a:solidFill>
+                <a:schemeClr val="tx1">
+                  <a:lumMod val="85000"/>
+                  <a:lumOff val="15000"/>
+                </a:schemeClr>
+              </a:solidFill>
+            </a:ln>
+          </p:spPr>
+          <p:style>
+            <a:lnRef idx="2">
+              <a:schemeClr val="accent1">
+                <a:shade val="50000"/>
+              </a:schemeClr>
+            </a:lnRef>
+            <a:fillRef idx="1">
+              <a:schemeClr val="accent1"/>
+            </a:fillRef>
+            <a:effectRef idx="0">
+              <a:schemeClr val="accent1"/>
+            </a:effectRef>
+            <a:fontRef idx="minor">
+              <a:schemeClr val="lt1"/>
+            </a:fontRef>
+          </p:style>
+          <p:txBody>
+            <a:bodyPr rtlCol="0" anchor="ctr"/>
+            <a:lstStyle/>
+            <a:p>
+              <a:pPr algn="ctr"/>
+              <a:endParaRPr lang="en-US" sz="1050" dirty="0"/>
+            </a:p>
+          </p:txBody>
+        </p:sp>
+        <p:sp>
+          <p:nvSpPr>
+            <p:cNvPr id="3" name="TekstSylinder 2"/>
+            <p:cNvSpPr txBox="1"/>
+            <p:nvPr/>
+          </p:nvSpPr>
+          <p:spPr>
+            <a:xfrm>
+              <a:off x="4951956" y="2496397"/>
+              <a:ext cx="2292096" cy="553998"/>
+            </a:xfrm>
+            <a:prstGeom prst="rect">
+              <a:avLst/>
+            </a:prstGeom>
+            <a:noFill/>
+          </p:spPr>
+          <p:txBody>
+            <a:bodyPr wrap="square" rtlCol="0">
+              <a:spAutoFit/>
+            </a:bodyPr>
+            <a:lstStyle/>
+            <a:p>
+              <a:pPr algn="ctr"/>
+              <a:r>
+                <a:rPr lang="nb-NO" sz="1200" dirty="0" err="1" smtClean="0">
+                  <a:solidFill>
+                    <a:schemeClr val="bg2">
+                      <a:lumMod val="90000"/>
+                    </a:schemeClr>
+                  </a:solidFill>
+                  <a:latin typeface="Trebuchet MS" panose="020B0603020202020204" pitchFamily="34" charset="0"/>
+                </a:rPr>
+                <a:t>NVIpackager</a:t>
+              </a:r>
+              <a:endParaRPr lang="nb-NO" sz="1200" dirty="0">
+                <a:solidFill>
+                  <a:schemeClr val="bg2">
+                    <a:lumMod val="90000"/>
+                  </a:schemeClr>
+                </a:solidFill>
+                <a:latin typeface="Trebuchet MS" panose="020B0603020202020204" pitchFamily="34" charset="0"/>
+              </a:endParaRPr>
+            </a:p>
+          </p:txBody>
+        </p:sp>
+      </p:grpSp>
+      <p:grpSp>
+        <p:nvGrpSpPr>
+          <p:cNvPr id="5" name="Gruppe 4"/>
+          <p:cNvGrpSpPr/>
+          <p:nvPr/>
+        </p:nvGrpSpPr>
+        <p:grpSpPr>
+          <a:xfrm>
+            <a:off x="3281562" y="1089535"/>
+            <a:ext cx="1360800" cy="1184517"/>
+            <a:chOff x="4735200" y="2244483"/>
+            <a:chExt cx="2721600" cy="2369033"/>
+          </a:xfrm>
+        </p:grpSpPr>
+        <p:sp>
+          <p:nvSpPr>
+            <p:cNvPr id="6" name="Hexagon 35">
+              <a:extLst>
+                <a:ext uri="{FF2B5EF4-FFF2-40B4-BE49-F238E27FC236}">
+                  <a16:creationId xmlns:a16="http://schemas.microsoft.com/office/drawing/2014/main" id="{90E46B38-1301-774F-8904-FFF8966BD8C2}"/>
+                </a:ext>
+              </a:extLst>
+            </p:cNvPr>
+            <p:cNvSpPr>
+              <a:spLocks noChangeAspect="1"/>
+            </p:cNvSpPr>
+            <p:nvPr/>
+          </p:nvSpPr>
+          <p:spPr>
+            <a:xfrm rot="1800000">
+              <a:off x="4735200" y="2244483"/>
+              <a:ext cx="2721600" cy="2369033"/>
+            </a:xfrm>
+            <a:prstGeom prst="hexagon">
+              <a:avLst>
+                <a:gd name="adj" fmla="val 28372"/>
+                <a:gd name="vf" fmla="val 115470"/>
+              </a:avLst>
+            </a:prstGeom>
+            <a:solidFill>
+              <a:srgbClr val="133E4D"/>
+            </a:solidFill>
+            <a:ln w="69850">
+              <a:solidFill>
+                <a:schemeClr val="tx1">
+                  <a:lumMod val="85000"/>
+                  <a:lumOff val="15000"/>
+                </a:schemeClr>
+              </a:solidFill>
+            </a:ln>
+          </p:spPr>
+          <p:style>
+            <a:lnRef idx="2">
+              <a:schemeClr val="accent1">
+                <a:shade val="50000"/>
+              </a:schemeClr>
+            </a:lnRef>
+            <a:fillRef idx="1">
+              <a:schemeClr val="accent1"/>
+            </a:fillRef>
+            <a:effectRef idx="0">
+              <a:schemeClr val="accent1"/>
+            </a:effectRef>
+            <a:fontRef idx="minor">
+              <a:schemeClr val="lt1"/>
+            </a:fontRef>
+          </p:style>
+          <p:txBody>
+            <a:bodyPr rtlCol="0" anchor="ctr"/>
+            <a:lstStyle/>
+            <a:p>
+              <a:pPr algn="ctr"/>
+              <a:endParaRPr lang="en-US" sz="1050" dirty="0"/>
+            </a:p>
+          </p:txBody>
+        </p:sp>
+        <p:sp>
+          <p:nvSpPr>
+            <p:cNvPr id="7" name="TekstSylinder 6"/>
+            <p:cNvSpPr txBox="1"/>
+            <p:nvPr/>
+          </p:nvSpPr>
+          <p:spPr>
+            <a:xfrm>
+              <a:off x="4951956" y="2496397"/>
+              <a:ext cx="2292096" cy="553998"/>
+            </a:xfrm>
+            <a:prstGeom prst="rect">
+              <a:avLst/>
+            </a:prstGeom>
+            <a:noFill/>
+          </p:spPr>
+          <p:txBody>
+            <a:bodyPr wrap="square" rtlCol="0">
+              <a:spAutoFit/>
+            </a:bodyPr>
+            <a:lstStyle/>
+            <a:p>
+              <a:pPr algn="ctr"/>
+              <a:r>
+                <a:rPr lang="nb-NO" sz="1200" dirty="0" err="1" smtClean="0">
+                  <a:solidFill>
+                    <a:schemeClr val="bg2">
+                      <a:lumMod val="90000"/>
+                    </a:schemeClr>
+                  </a:solidFill>
+                  <a:latin typeface="Trebuchet MS" panose="020B0603020202020204" pitchFamily="34" charset="0"/>
+                </a:rPr>
+                <a:t>NVIconfig</a:t>
+              </a:r>
+              <a:endParaRPr lang="nb-NO" sz="1200" dirty="0">
+                <a:solidFill>
+                  <a:schemeClr val="bg2">
+                    <a:lumMod val="90000"/>
+                  </a:schemeClr>
+                </a:solidFill>
+                <a:latin typeface="Trebuchet MS" panose="020B0603020202020204" pitchFamily="34" charset="0"/>
+              </a:endParaRPr>
+            </a:p>
+          </p:txBody>
+        </p:sp>
+      </p:grpSp>
+      <p:grpSp>
+        <p:nvGrpSpPr>
+          <p:cNvPr id="8" name="Gruppe 7"/>
+          <p:cNvGrpSpPr/>
+          <p:nvPr/>
+        </p:nvGrpSpPr>
+        <p:grpSpPr>
+          <a:xfrm>
+            <a:off x="972959" y="3121163"/>
+            <a:ext cx="1360800" cy="1184517"/>
+            <a:chOff x="4735200" y="2244483"/>
+            <a:chExt cx="2721600" cy="2369033"/>
+          </a:xfrm>
+        </p:grpSpPr>
+        <p:sp>
+          <p:nvSpPr>
+            <p:cNvPr id="9" name="Hexagon 35">
+              <a:extLst>
+                <a:ext uri="{FF2B5EF4-FFF2-40B4-BE49-F238E27FC236}">
+                  <a16:creationId xmlns:a16="http://schemas.microsoft.com/office/drawing/2014/main" id="{90E46B38-1301-774F-8904-FFF8966BD8C2}"/>
+                </a:ext>
+              </a:extLst>
+            </p:cNvPr>
+            <p:cNvSpPr>
+              <a:spLocks noChangeAspect="1"/>
+            </p:cNvSpPr>
+            <p:nvPr/>
+          </p:nvSpPr>
+          <p:spPr>
+            <a:xfrm rot="1800000">
+              <a:off x="4735200" y="2244483"/>
+              <a:ext cx="2721600" cy="2369033"/>
+            </a:xfrm>
+            <a:prstGeom prst="hexagon">
+              <a:avLst>
+                <a:gd name="adj" fmla="val 28372"/>
+                <a:gd name="vf" fmla="val 115470"/>
+              </a:avLst>
+            </a:prstGeom>
+            <a:solidFill>
+              <a:srgbClr val="133E4D"/>
+            </a:solidFill>
+            <a:ln w="69850">
+              <a:solidFill>
+                <a:schemeClr val="tx1">
+                  <a:lumMod val="85000"/>
+                  <a:lumOff val="15000"/>
+                </a:schemeClr>
+              </a:solidFill>
+            </a:ln>
+          </p:spPr>
+          <p:style>
+            <a:lnRef idx="2">
+              <a:schemeClr val="accent1">
+                <a:shade val="50000"/>
+              </a:schemeClr>
+            </a:lnRef>
+            <a:fillRef idx="1">
+              <a:schemeClr val="accent1"/>
+            </a:fillRef>
+            <a:effectRef idx="0">
+              <a:schemeClr val="accent1"/>
+            </a:effectRef>
+            <a:fontRef idx="minor">
+              <a:schemeClr val="lt1"/>
+            </a:fontRef>
+          </p:style>
+          <p:txBody>
+            <a:bodyPr rtlCol="0" anchor="ctr"/>
+            <a:lstStyle/>
+            <a:p>
+              <a:pPr algn="ctr"/>
+              <a:endParaRPr lang="en-US" sz="1050" dirty="0"/>
+            </a:p>
+          </p:txBody>
+        </p:sp>
+        <p:sp>
+          <p:nvSpPr>
+            <p:cNvPr id="10" name="TekstSylinder 9"/>
+            <p:cNvSpPr txBox="1"/>
+            <p:nvPr/>
+          </p:nvSpPr>
+          <p:spPr>
+            <a:xfrm>
+              <a:off x="4951956" y="2496397"/>
+              <a:ext cx="2292096" cy="553998"/>
+            </a:xfrm>
+            <a:prstGeom prst="rect">
+              <a:avLst/>
+            </a:prstGeom>
+            <a:noFill/>
+          </p:spPr>
+          <p:txBody>
+            <a:bodyPr wrap="square" rtlCol="0">
+              <a:spAutoFit/>
+            </a:bodyPr>
+            <a:lstStyle/>
+            <a:p>
+              <a:pPr algn="ctr"/>
+              <a:r>
+                <a:rPr lang="nb-NO" sz="1200" dirty="0" err="1" smtClean="0">
+                  <a:solidFill>
+                    <a:schemeClr val="bg2">
+                      <a:lumMod val="90000"/>
+                    </a:schemeClr>
+                  </a:solidFill>
+                  <a:latin typeface="Trebuchet MS" panose="020B0603020202020204" pitchFamily="34" charset="0"/>
+                </a:rPr>
+                <a:t>NVIbatch</a:t>
+              </a:r>
+              <a:endParaRPr lang="nb-NO" sz="1200" dirty="0">
+                <a:solidFill>
+                  <a:schemeClr val="bg2">
+                    <a:lumMod val="90000"/>
+                  </a:schemeClr>
+                </a:solidFill>
+                <a:latin typeface="Trebuchet MS" panose="020B0603020202020204" pitchFamily="34" charset="0"/>
+              </a:endParaRPr>
+            </a:p>
+          </p:txBody>
+        </p:sp>
+      </p:grpSp>
+      <p:grpSp>
+        <p:nvGrpSpPr>
+          <p:cNvPr id="11" name="Gruppe 10"/>
+          <p:cNvGrpSpPr/>
+          <p:nvPr/>
+        </p:nvGrpSpPr>
+        <p:grpSpPr>
+          <a:xfrm>
+            <a:off x="6044691" y="486017"/>
+            <a:ext cx="1360800" cy="1184517"/>
+            <a:chOff x="4735200" y="2244483"/>
+            <a:chExt cx="2721600" cy="2369033"/>
+          </a:xfrm>
+        </p:grpSpPr>
+        <p:sp>
+          <p:nvSpPr>
+            <p:cNvPr id="12" name="Hexagon 35">
+              <a:extLst>
+                <a:ext uri="{FF2B5EF4-FFF2-40B4-BE49-F238E27FC236}">
+                  <a16:creationId xmlns:a16="http://schemas.microsoft.com/office/drawing/2014/main" id="{90E46B38-1301-774F-8904-FFF8966BD8C2}"/>
+                </a:ext>
+              </a:extLst>
+            </p:cNvPr>
+            <p:cNvSpPr>
+              <a:spLocks noChangeAspect="1"/>
+            </p:cNvSpPr>
+            <p:nvPr/>
+          </p:nvSpPr>
+          <p:spPr>
+            <a:xfrm rot="1800000">
+              <a:off x="4735200" y="2244483"/>
+              <a:ext cx="2721600" cy="2369033"/>
+            </a:xfrm>
+            <a:prstGeom prst="hexagon">
+              <a:avLst>
+                <a:gd name="adj" fmla="val 28372"/>
+                <a:gd name="vf" fmla="val 115470"/>
+              </a:avLst>
+            </a:prstGeom>
+            <a:solidFill>
+              <a:srgbClr val="133E4D"/>
+            </a:solidFill>
+            <a:ln w="69850">
+              <a:solidFill>
+                <a:schemeClr val="tx1">
+                  <a:lumMod val="85000"/>
+                  <a:lumOff val="15000"/>
+                </a:schemeClr>
+              </a:solidFill>
+            </a:ln>
+          </p:spPr>
+          <p:style>
+            <a:lnRef idx="2">
+              <a:schemeClr val="accent1">
+                <a:shade val="50000"/>
+              </a:schemeClr>
+            </a:lnRef>
+            <a:fillRef idx="1">
+              <a:schemeClr val="accent1"/>
+            </a:fillRef>
+            <a:effectRef idx="0">
+              <a:schemeClr val="accent1"/>
+            </a:effectRef>
+            <a:fontRef idx="minor">
+              <a:schemeClr val="lt1"/>
+            </a:fontRef>
+          </p:style>
+          <p:txBody>
+            <a:bodyPr rtlCol="0" anchor="ctr"/>
+            <a:lstStyle/>
+            <a:p>
+              <a:pPr algn="ctr"/>
+              <a:endParaRPr lang="en-US" sz="1050" dirty="0"/>
+            </a:p>
+          </p:txBody>
+        </p:sp>
+        <p:sp>
+          <p:nvSpPr>
+            <p:cNvPr id="13" name="TekstSylinder 12"/>
+            <p:cNvSpPr txBox="1"/>
+            <p:nvPr/>
+          </p:nvSpPr>
+          <p:spPr>
+            <a:xfrm>
+              <a:off x="4951956" y="2496397"/>
+              <a:ext cx="2292096" cy="553998"/>
+            </a:xfrm>
+            <a:prstGeom prst="rect">
+              <a:avLst/>
+            </a:prstGeom>
+            <a:noFill/>
+          </p:spPr>
+          <p:txBody>
+            <a:bodyPr wrap="square" rtlCol="0">
+              <a:spAutoFit/>
+            </a:bodyPr>
+            <a:lstStyle/>
+            <a:p>
+              <a:pPr algn="ctr"/>
+              <a:r>
+                <a:rPr lang="nb-NO" sz="1200" dirty="0" err="1" smtClean="0">
+                  <a:solidFill>
+                    <a:schemeClr val="bg2">
+                      <a:lumMod val="90000"/>
+                    </a:schemeClr>
+                  </a:solidFill>
+                  <a:latin typeface="Trebuchet MS" panose="020B0603020202020204" pitchFamily="34" charset="0"/>
+                </a:rPr>
+                <a:t>NVIrpackages</a:t>
+              </a:r>
+              <a:endParaRPr lang="nb-NO" sz="1200" dirty="0">
+                <a:solidFill>
+                  <a:schemeClr val="bg2">
+                    <a:lumMod val="90000"/>
+                  </a:schemeClr>
+                </a:solidFill>
+                <a:latin typeface="Trebuchet MS" panose="020B0603020202020204" pitchFamily="34" charset="0"/>
+              </a:endParaRPr>
+            </a:p>
+          </p:txBody>
+        </p:sp>
+      </p:grpSp>
+      <p:grpSp>
+        <p:nvGrpSpPr>
+          <p:cNvPr id="14" name="Gruppe 13"/>
+          <p:cNvGrpSpPr/>
+          <p:nvPr/>
+        </p:nvGrpSpPr>
+        <p:grpSpPr>
+          <a:xfrm>
+            <a:off x="3290104" y="3239247"/>
+            <a:ext cx="1360800" cy="1184517"/>
+            <a:chOff x="4735200" y="2244483"/>
+            <a:chExt cx="2721600" cy="2369033"/>
+          </a:xfrm>
+        </p:grpSpPr>
+        <p:sp>
+          <p:nvSpPr>
+            <p:cNvPr id="15" name="Hexagon 35">
+              <a:extLst>
+                <a:ext uri="{FF2B5EF4-FFF2-40B4-BE49-F238E27FC236}">
+                  <a16:creationId xmlns:a16="http://schemas.microsoft.com/office/drawing/2014/main" id="{90E46B38-1301-774F-8904-FFF8966BD8C2}"/>
+                </a:ext>
+              </a:extLst>
+            </p:cNvPr>
+            <p:cNvSpPr>
+              <a:spLocks noChangeAspect="1"/>
+            </p:cNvSpPr>
+            <p:nvPr/>
+          </p:nvSpPr>
+          <p:spPr>
+            <a:xfrm rot="1800000">
+              <a:off x="4735200" y="2244483"/>
+              <a:ext cx="2721600" cy="2369033"/>
+            </a:xfrm>
+            <a:prstGeom prst="hexagon">
+              <a:avLst>
+                <a:gd name="adj" fmla="val 28372"/>
+                <a:gd name="vf" fmla="val 115470"/>
+              </a:avLst>
+            </a:prstGeom>
+            <a:solidFill>
+              <a:srgbClr val="133E4D"/>
+            </a:solidFill>
+            <a:ln w="69850">
+              <a:solidFill>
+                <a:schemeClr val="tx1">
+                  <a:lumMod val="85000"/>
+                  <a:lumOff val="15000"/>
+                </a:schemeClr>
+              </a:solidFill>
+            </a:ln>
+          </p:spPr>
+          <p:style>
+            <a:lnRef idx="2">
+              <a:schemeClr val="accent1">
+                <a:shade val="50000"/>
+              </a:schemeClr>
+            </a:lnRef>
+            <a:fillRef idx="1">
+              <a:schemeClr val="accent1"/>
+            </a:fillRef>
+            <a:effectRef idx="0">
+              <a:schemeClr val="accent1"/>
+            </a:effectRef>
+            <a:fontRef idx="minor">
+              <a:schemeClr val="lt1"/>
+            </a:fontRef>
+          </p:style>
+          <p:txBody>
+            <a:bodyPr rtlCol="0" anchor="ctr"/>
+            <a:lstStyle/>
+            <a:p>
+              <a:pPr algn="ctr"/>
+              <a:endParaRPr lang="en-US" sz="1050" dirty="0"/>
+            </a:p>
+          </p:txBody>
+        </p:sp>
+        <p:sp>
+          <p:nvSpPr>
+            <p:cNvPr id="16" name="TekstSylinder 15"/>
+            <p:cNvSpPr txBox="1"/>
+            <p:nvPr/>
+          </p:nvSpPr>
+          <p:spPr>
+            <a:xfrm>
+              <a:off x="4951956" y="2496397"/>
+              <a:ext cx="2292096" cy="553998"/>
+            </a:xfrm>
+            <a:prstGeom prst="rect">
+              <a:avLst/>
+            </a:prstGeom>
+            <a:noFill/>
+          </p:spPr>
+          <p:txBody>
+            <a:bodyPr wrap="square" rtlCol="0">
+              <a:spAutoFit/>
+            </a:bodyPr>
+            <a:lstStyle/>
+            <a:p>
+              <a:pPr algn="ctr"/>
+              <a:r>
+                <a:rPr lang="nb-NO" sz="1200" dirty="0" err="1" smtClean="0">
+                  <a:solidFill>
+                    <a:schemeClr val="bg2">
+                      <a:lumMod val="90000"/>
+                    </a:schemeClr>
+                  </a:solidFill>
+                  <a:latin typeface="Trebuchet MS" panose="020B0603020202020204" pitchFamily="34" charset="0"/>
+                </a:rPr>
+                <a:t>NVIdb</a:t>
+              </a:r>
+              <a:endParaRPr lang="nb-NO" sz="1200" dirty="0">
+                <a:solidFill>
+                  <a:schemeClr val="bg2">
+                    <a:lumMod val="90000"/>
+                  </a:schemeClr>
+                </a:solidFill>
+                <a:latin typeface="Trebuchet MS" panose="020B0603020202020204" pitchFamily="34" charset="0"/>
+              </a:endParaRPr>
+            </a:p>
+          </p:txBody>
+        </p:sp>
+      </p:grpSp>
+      <p:grpSp>
+        <p:nvGrpSpPr>
+          <p:cNvPr id="17" name="Gruppe 16"/>
+          <p:cNvGrpSpPr/>
+          <p:nvPr/>
+        </p:nvGrpSpPr>
+        <p:grpSpPr>
+          <a:xfrm>
+            <a:off x="9269884" y="2262008"/>
+            <a:ext cx="1360800" cy="1184517"/>
+            <a:chOff x="4735200" y="2244483"/>
+            <a:chExt cx="2721600" cy="2369033"/>
+          </a:xfrm>
+        </p:grpSpPr>
+        <p:sp>
+          <p:nvSpPr>
+            <p:cNvPr id="18" name="Hexagon 35">
+              <a:extLst>
+                <a:ext uri="{FF2B5EF4-FFF2-40B4-BE49-F238E27FC236}">
+                  <a16:creationId xmlns:a16="http://schemas.microsoft.com/office/drawing/2014/main" id="{90E46B38-1301-774F-8904-FFF8966BD8C2}"/>
+                </a:ext>
+              </a:extLst>
+            </p:cNvPr>
+            <p:cNvSpPr>
+              <a:spLocks noChangeAspect="1"/>
+            </p:cNvSpPr>
+            <p:nvPr/>
+          </p:nvSpPr>
+          <p:spPr>
+            <a:xfrm rot="1800000">
+              <a:off x="4735200" y="2244483"/>
+              <a:ext cx="2721600" cy="2369033"/>
+            </a:xfrm>
+            <a:prstGeom prst="hexagon">
+              <a:avLst>
+                <a:gd name="adj" fmla="val 28372"/>
+                <a:gd name="vf" fmla="val 115470"/>
+              </a:avLst>
+            </a:prstGeom>
+            <a:solidFill>
+              <a:srgbClr val="133E4D"/>
+            </a:solidFill>
+            <a:ln w="69850">
+              <a:solidFill>
+                <a:schemeClr val="tx1">
+                  <a:lumMod val="85000"/>
+                  <a:lumOff val="15000"/>
+                </a:schemeClr>
+              </a:solidFill>
+            </a:ln>
+          </p:spPr>
+          <p:style>
+            <a:lnRef idx="2">
+              <a:schemeClr val="accent1">
+                <a:shade val="50000"/>
+              </a:schemeClr>
+            </a:lnRef>
+            <a:fillRef idx="1">
+              <a:schemeClr val="accent1"/>
+            </a:fillRef>
+            <a:effectRef idx="0">
+              <a:schemeClr val="accent1"/>
+            </a:effectRef>
+            <a:fontRef idx="minor">
+              <a:schemeClr val="lt1"/>
+            </a:fontRef>
+          </p:style>
+          <p:txBody>
+            <a:bodyPr rtlCol="0" anchor="ctr"/>
+            <a:lstStyle/>
+            <a:p>
+              <a:pPr algn="ctr"/>
+              <a:endParaRPr lang="en-US" sz="1050" dirty="0"/>
+            </a:p>
+          </p:txBody>
+        </p:sp>
+        <p:sp>
+          <p:nvSpPr>
+            <p:cNvPr id="19" name="TekstSylinder 18"/>
+            <p:cNvSpPr txBox="1"/>
+            <p:nvPr/>
+          </p:nvSpPr>
+          <p:spPr>
+            <a:xfrm>
+              <a:off x="4951956" y="2496397"/>
+              <a:ext cx="2292096" cy="923330"/>
+            </a:xfrm>
+            <a:prstGeom prst="rect">
+              <a:avLst/>
+            </a:prstGeom>
+            <a:noFill/>
+          </p:spPr>
+          <p:txBody>
+            <a:bodyPr wrap="square" rtlCol="0">
+              <a:spAutoFit/>
+            </a:bodyPr>
+            <a:lstStyle/>
+            <a:p>
+              <a:pPr algn="ctr"/>
+              <a:r>
+                <a:rPr lang="nb-NO" sz="1200" dirty="0" err="1" smtClean="0">
+                  <a:solidFill>
+                    <a:schemeClr val="bg2">
+                      <a:lumMod val="90000"/>
+                    </a:schemeClr>
+                  </a:solidFill>
+                  <a:latin typeface="Trebuchet MS" panose="020B0603020202020204" pitchFamily="34" charset="0"/>
+                </a:rPr>
+                <a:t>NVIcheckmate</a:t>
+              </a:r>
+              <a:endParaRPr lang="nb-NO" sz="1200" dirty="0">
+                <a:solidFill>
+                  <a:schemeClr val="bg2">
+                    <a:lumMod val="90000"/>
+                  </a:schemeClr>
+                </a:solidFill>
+                <a:latin typeface="Trebuchet MS" panose="020B0603020202020204" pitchFamily="34" charset="0"/>
+              </a:endParaRPr>
+            </a:p>
+          </p:txBody>
+        </p:sp>
+      </p:grpSp>
+      <p:grpSp>
+        <p:nvGrpSpPr>
+          <p:cNvPr id="20" name="Gruppe 19"/>
+          <p:cNvGrpSpPr/>
+          <p:nvPr/>
+        </p:nvGrpSpPr>
+        <p:grpSpPr>
+          <a:xfrm>
+            <a:off x="6618717" y="5095138"/>
+            <a:ext cx="1360800" cy="1184517"/>
+            <a:chOff x="4735200" y="2244483"/>
+            <a:chExt cx="2721600" cy="2369033"/>
+          </a:xfrm>
+        </p:grpSpPr>
+        <p:sp>
+          <p:nvSpPr>
+            <p:cNvPr id="21" name="Hexagon 35">
+              <a:extLst>
+                <a:ext uri="{FF2B5EF4-FFF2-40B4-BE49-F238E27FC236}">
+                  <a16:creationId xmlns:a16="http://schemas.microsoft.com/office/drawing/2014/main" id="{90E46B38-1301-774F-8904-FFF8966BD8C2}"/>
+                </a:ext>
+              </a:extLst>
+            </p:cNvPr>
+            <p:cNvSpPr>
+              <a:spLocks noChangeAspect="1"/>
+            </p:cNvSpPr>
+            <p:nvPr/>
+          </p:nvSpPr>
+          <p:spPr>
+            <a:xfrm rot="1800000">
+              <a:off x="4735200" y="2244483"/>
+              <a:ext cx="2721600" cy="2369033"/>
+            </a:xfrm>
+            <a:prstGeom prst="hexagon">
+              <a:avLst>
+                <a:gd name="adj" fmla="val 28372"/>
+                <a:gd name="vf" fmla="val 115470"/>
+              </a:avLst>
+            </a:prstGeom>
+            <a:solidFill>
+              <a:srgbClr val="133E4D"/>
+            </a:solidFill>
+            <a:ln w="69850">
+              <a:solidFill>
+                <a:schemeClr val="tx1">
+                  <a:lumMod val="85000"/>
+                  <a:lumOff val="15000"/>
+                </a:schemeClr>
+              </a:solidFill>
+            </a:ln>
+          </p:spPr>
+          <p:style>
+            <a:lnRef idx="2">
+              <a:schemeClr val="accent1">
+                <a:shade val="50000"/>
+              </a:schemeClr>
+            </a:lnRef>
+            <a:fillRef idx="1">
+              <a:schemeClr val="accent1"/>
+            </a:fillRef>
+            <a:effectRef idx="0">
+              <a:schemeClr val="accent1"/>
+            </a:effectRef>
+            <a:fontRef idx="minor">
+              <a:schemeClr val="lt1"/>
+            </a:fontRef>
+          </p:style>
+          <p:txBody>
+            <a:bodyPr rtlCol="0" anchor="ctr"/>
+            <a:lstStyle/>
+            <a:p>
+              <a:pPr algn="ctr"/>
+              <a:endParaRPr lang="en-US" sz="1050" dirty="0"/>
+            </a:p>
+          </p:txBody>
+        </p:sp>
+        <p:sp>
+          <p:nvSpPr>
+            <p:cNvPr id="22" name="TekstSylinder 21"/>
+            <p:cNvSpPr txBox="1"/>
+            <p:nvPr/>
+          </p:nvSpPr>
+          <p:spPr>
+            <a:xfrm>
+              <a:off x="4951956" y="2496397"/>
+              <a:ext cx="2292096" cy="553998"/>
+            </a:xfrm>
+            <a:prstGeom prst="rect">
+              <a:avLst/>
+            </a:prstGeom>
+            <a:noFill/>
+          </p:spPr>
+          <p:txBody>
+            <a:bodyPr wrap="square" rtlCol="0">
+              <a:spAutoFit/>
+            </a:bodyPr>
+            <a:lstStyle/>
+            <a:p>
+              <a:pPr algn="ctr"/>
+              <a:r>
+                <a:rPr lang="nb-NO" sz="1200" dirty="0" err="1" smtClean="0">
+                  <a:solidFill>
+                    <a:schemeClr val="bg2">
+                      <a:lumMod val="90000"/>
+                    </a:schemeClr>
+                  </a:solidFill>
+                  <a:latin typeface="Trebuchet MS" panose="020B0603020202020204" pitchFamily="34" charset="0"/>
+                </a:rPr>
+                <a:t>NVIspatial</a:t>
+              </a:r>
+              <a:endParaRPr lang="nb-NO" sz="1200" dirty="0">
+                <a:solidFill>
+                  <a:schemeClr val="bg2">
+                    <a:lumMod val="90000"/>
+                  </a:schemeClr>
+                </a:solidFill>
+                <a:latin typeface="Trebuchet MS" panose="020B0603020202020204" pitchFamily="34" charset="0"/>
+              </a:endParaRPr>
+            </a:p>
+          </p:txBody>
+        </p:sp>
+      </p:grpSp>
+      <p:grpSp>
+        <p:nvGrpSpPr>
+          <p:cNvPr id="23" name="Gruppe 22"/>
+          <p:cNvGrpSpPr/>
+          <p:nvPr/>
+        </p:nvGrpSpPr>
+        <p:grpSpPr>
+          <a:xfrm>
+            <a:off x="5756019" y="3115119"/>
+            <a:ext cx="1360800" cy="1184517"/>
+            <a:chOff x="4735200" y="2244483"/>
+            <a:chExt cx="2721600" cy="2369033"/>
+          </a:xfrm>
+        </p:grpSpPr>
+        <p:sp>
+          <p:nvSpPr>
+            <p:cNvPr id="24" name="Hexagon 35">
+              <a:extLst>
+                <a:ext uri="{FF2B5EF4-FFF2-40B4-BE49-F238E27FC236}">
+                  <a16:creationId xmlns:a16="http://schemas.microsoft.com/office/drawing/2014/main" id="{90E46B38-1301-774F-8904-FFF8966BD8C2}"/>
+                </a:ext>
+              </a:extLst>
+            </p:cNvPr>
+            <p:cNvSpPr>
+              <a:spLocks noChangeAspect="1"/>
+            </p:cNvSpPr>
+            <p:nvPr/>
+          </p:nvSpPr>
+          <p:spPr>
+            <a:xfrm rot="1800000">
+              <a:off x="4735200" y="2244483"/>
+              <a:ext cx="2721600" cy="2369033"/>
+            </a:xfrm>
+            <a:prstGeom prst="hexagon">
+              <a:avLst>
+                <a:gd name="adj" fmla="val 28372"/>
+                <a:gd name="vf" fmla="val 115470"/>
+              </a:avLst>
+            </a:prstGeom>
+            <a:solidFill>
+              <a:srgbClr val="133E4D"/>
+            </a:solidFill>
+            <a:ln w="69850">
+              <a:solidFill>
+                <a:schemeClr val="tx1">
+                  <a:lumMod val="85000"/>
+                  <a:lumOff val="15000"/>
+                </a:schemeClr>
+              </a:solidFill>
+            </a:ln>
+          </p:spPr>
+          <p:style>
+            <a:lnRef idx="2">
+              <a:schemeClr val="accent1">
+                <a:shade val="50000"/>
+              </a:schemeClr>
+            </a:lnRef>
+            <a:fillRef idx="1">
+              <a:schemeClr val="accent1"/>
+            </a:fillRef>
+            <a:effectRef idx="0">
+              <a:schemeClr val="accent1"/>
+            </a:effectRef>
+            <a:fontRef idx="minor">
+              <a:schemeClr val="lt1"/>
+            </a:fontRef>
+          </p:style>
+          <p:txBody>
+            <a:bodyPr rtlCol="0" anchor="ctr"/>
+            <a:lstStyle/>
+            <a:p>
+              <a:pPr algn="ctr"/>
+              <a:endParaRPr lang="en-US" sz="1050" dirty="0"/>
+            </a:p>
+          </p:txBody>
+        </p:sp>
+        <p:sp>
+          <p:nvSpPr>
+            <p:cNvPr id="25" name="TekstSylinder 24"/>
+            <p:cNvSpPr txBox="1"/>
+            <p:nvPr/>
+          </p:nvSpPr>
+          <p:spPr>
+            <a:xfrm>
+              <a:off x="4951956" y="2496397"/>
+              <a:ext cx="2292096" cy="553998"/>
+            </a:xfrm>
+            <a:prstGeom prst="rect">
+              <a:avLst/>
+            </a:prstGeom>
+            <a:noFill/>
+          </p:spPr>
+          <p:txBody>
+            <a:bodyPr wrap="square" rtlCol="0">
+              <a:spAutoFit/>
+            </a:bodyPr>
+            <a:lstStyle/>
+            <a:p>
+              <a:pPr algn="ctr"/>
+              <a:r>
+                <a:rPr lang="nb-NO" sz="1200" dirty="0" err="1" smtClean="0">
+                  <a:solidFill>
+                    <a:schemeClr val="bg2">
+                      <a:lumMod val="90000"/>
+                    </a:schemeClr>
+                  </a:solidFill>
+                  <a:latin typeface="Trebuchet MS" panose="020B0603020202020204" pitchFamily="34" charset="0"/>
+                </a:rPr>
+                <a:t>NVIpretty</a:t>
+              </a:r>
+              <a:endParaRPr lang="nb-NO" sz="1200" dirty="0">
+                <a:solidFill>
+                  <a:schemeClr val="bg2">
+                    <a:lumMod val="90000"/>
+                  </a:schemeClr>
+                </a:solidFill>
+                <a:latin typeface="Trebuchet MS" panose="020B0603020202020204" pitchFamily="34" charset="0"/>
+              </a:endParaRPr>
+            </a:p>
+          </p:txBody>
+        </p:sp>
+      </p:grpSp>
+      <p:grpSp>
+        <p:nvGrpSpPr>
+          <p:cNvPr id="28" name="Gruppe 27"/>
+          <p:cNvGrpSpPr/>
+          <p:nvPr/>
+        </p:nvGrpSpPr>
+        <p:grpSpPr>
+          <a:xfrm>
+            <a:off x="1886020" y="4969181"/>
+            <a:ext cx="1360800" cy="1184517"/>
+            <a:chOff x="4735200" y="2244483"/>
+            <a:chExt cx="2721600" cy="2369033"/>
+          </a:xfrm>
+        </p:grpSpPr>
+        <p:sp>
+          <p:nvSpPr>
+            <p:cNvPr id="29" name="Hexagon 35">
+              <a:extLst>
+                <a:ext uri="{FF2B5EF4-FFF2-40B4-BE49-F238E27FC236}">
+                  <a16:creationId xmlns:a16="http://schemas.microsoft.com/office/drawing/2014/main" id="{90E46B38-1301-774F-8904-FFF8966BD8C2}"/>
+                </a:ext>
+              </a:extLst>
+            </p:cNvPr>
+            <p:cNvSpPr>
+              <a:spLocks noChangeAspect="1"/>
+            </p:cNvSpPr>
+            <p:nvPr/>
+          </p:nvSpPr>
+          <p:spPr>
+            <a:xfrm rot="1800000">
+              <a:off x="4735200" y="2244483"/>
+              <a:ext cx="2721600" cy="2369033"/>
+            </a:xfrm>
+            <a:prstGeom prst="hexagon">
+              <a:avLst>
+                <a:gd name="adj" fmla="val 28372"/>
+                <a:gd name="vf" fmla="val 115470"/>
+              </a:avLst>
+            </a:prstGeom>
+            <a:solidFill>
+              <a:srgbClr val="133E4D"/>
+            </a:solidFill>
+            <a:ln w="69850">
+              <a:solidFill>
+                <a:schemeClr val="tx1">
+                  <a:lumMod val="85000"/>
+                  <a:lumOff val="15000"/>
+                </a:schemeClr>
+              </a:solidFill>
+            </a:ln>
+          </p:spPr>
+          <p:style>
+            <a:lnRef idx="2">
+              <a:schemeClr val="accent1">
+                <a:shade val="50000"/>
+              </a:schemeClr>
+            </a:lnRef>
+            <a:fillRef idx="1">
+              <a:schemeClr val="accent1"/>
+            </a:fillRef>
+            <a:effectRef idx="0">
+              <a:schemeClr val="accent1"/>
+            </a:effectRef>
+            <a:fontRef idx="minor">
+              <a:schemeClr val="lt1"/>
+            </a:fontRef>
+          </p:style>
+          <p:txBody>
+            <a:bodyPr rtlCol="0" anchor="ctr"/>
+            <a:lstStyle/>
+            <a:p>
+              <a:pPr algn="ctr"/>
+              <a:endParaRPr lang="en-US" sz="1050" dirty="0"/>
+            </a:p>
+          </p:txBody>
+        </p:sp>
+        <p:sp>
+          <p:nvSpPr>
+            <p:cNvPr id="30" name="TekstSylinder 29"/>
+            <p:cNvSpPr txBox="1"/>
+            <p:nvPr/>
+          </p:nvSpPr>
+          <p:spPr>
+            <a:xfrm>
+              <a:off x="4951956" y="2496397"/>
+              <a:ext cx="2292096" cy="553998"/>
+            </a:xfrm>
+            <a:prstGeom prst="rect">
+              <a:avLst/>
+            </a:prstGeom>
+            <a:noFill/>
+          </p:spPr>
+          <p:txBody>
+            <a:bodyPr wrap="square" rtlCol="0">
+              <a:spAutoFit/>
+            </a:bodyPr>
+            <a:lstStyle/>
+            <a:p>
+              <a:pPr algn="ctr"/>
+              <a:r>
+                <a:rPr lang="nb-NO" sz="1200" dirty="0" err="1" smtClean="0">
+                  <a:solidFill>
+                    <a:schemeClr val="bg2">
+                      <a:lumMod val="90000"/>
+                    </a:schemeClr>
+                  </a:solidFill>
+                  <a:latin typeface="Trebuchet MS" panose="020B0603020202020204" pitchFamily="34" charset="0"/>
+                </a:rPr>
+                <a:t>OKcheck</a:t>
+              </a:r>
+              <a:endParaRPr lang="nb-NO" sz="1200" dirty="0">
+                <a:solidFill>
+                  <a:schemeClr val="bg2">
+                    <a:lumMod val="90000"/>
+                  </a:schemeClr>
+                </a:solidFill>
+                <a:latin typeface="Trebuchet MS" panose="020B0603020202020204" pitchFamily="34" charset="0"/>
+              </a:endParaRPr>
+            </a:p>
+          </p:txBody>
+        </p:sp>
+      </p:grpSp>
+      <p:grpSp>
+        <p:nvGrpSpPr>
+          <p:cNvPr id="31" name="Gruppe 30"/>
+          <p:cNvGrpSpPr/>
+          <p:nvPr/>
+        </p:nvGrpSpPr>
+        <p:grpSpPr>
+          <a:xfrm>
+            <a:off x="4247715" y="4998419"/>
+            <a:ext cx="1360800" cy="1184517"/>
+            <a:chOff x="4735200" y="2244483"/>
+            <a:chExt cx="2721600" cy="2369033"/>
+          </a:xfrm>
+        </p:grpSpPr>
+        <p:sp>
+          <p:nvSpPr>
+            <p:cNvPr id="32" name="Hexagon 35">
+              <a:extLst>
+                <a:ext uri="{FF2B5EF4-FFF2-40B4-BE49-F238E27FC236}">
+                  <a16:creationId xmlns:a16="http://schemas.microsoft.com/office/drawing/2014/main" id="{90E46B38-1301-774F-8904-FFF8966BD8C2}"/>
+                </a:ext>
+              </a:extLst>
+            </p:cNvPr>
+            <p:cNvSpPr>
+              <a:spLocks noChangeAspect="1"/>
+            </p:cNvSpPr>
+            <p:nvPr/>
+          </p:nvSpPr>
+          <p:spPr>
+            <a:xfrm rot="1800000">
+              <a:off x="4735200" y="2244483"/>
+              <a:ext cx="2721600" cy="2369033"/>
+            </a:xfrm>
+            <a:prstGeom prst="hexagon">
+              <a:avLst>
+                <a:gd name="adj" fmla="val 28372"/>
+                <a:gd name="vf" fmla="val 115470"/>
+              </a:avLst>
+            </a:prstGeom>
+            <a:solidFill>
+              <a:srgbClr val="133E4D"/>
+            </a:solidFill>
+            <a:ln w="69850">
+              <a:solidFill>
+                <a:schemeClr val="tx1">
+                  <a:lumMod val="85000"/>
+                  <a:lumOff val="15000"/>
+                </a:schemeClr>
+              </a:solidFill>
+            </a:ln>
+          </p:spPr>
+          <p:style>
+            <a:lnRef idx="2">
+              <a:schemeClr val="accent1">
+                <a:shade val="50000"/>
+              </a:schemeClr>
+            </a:lnRef>
+            <a:fillRef idx="1">
+              <a:schemeClr val="accent1"/>
+            </a:fillRef>
+            <a:effectRef idx="0">
+              <a:schemeClr val="accent1"/>
+            </a:effectRef>
+            <a:fontRef idx="minor">
+              <a:schemeClr val="lt1"/>
+            </a:fontRef>
+          </p:style>
+          <p:txBody>
+            <a:bodyPr rtlCol="0" anchor="ctr"/>
+            <a:lstStyle/>
+            <a:p>
+              <a:pPr algn="ctr"/>
+              <a:endParaRPr lang="en-US" sz="1050" dirty="0"/>
+            </a:p>
+          </p:txBody>
+        </p:sp>
+        <p:sp>
+          <p:nvSpPr>
+            <p:cNvPr id="33" name="TekstSylinder 32"/>
+            <p:cNvSpPr txBox="1"/>
+            <p:nvPr/>
+          </p:nvSpPr>
+          <p:spPr>
+            <a:xfrm>
+              <a:off x="4951956" y="2496397"/>
+              <a:ext cx="2292096" cy="553998"/>
+            </a:xfrm>
+            <a:prstGeom prst="rect">
+              <a:avLst/>
+            </a:prstGeom>
+            <a:noFill/>
+          </p:spPr>
+          <p:txBody>
+            <a:bodyPr wrap="square" rtlCol="0">
+              <a:spAutoFit/>
+            </a:bodyPr>
+            <a:lstStyle/>
+            <a:p>
+              <a:pPr algn="ctr"/>
+              <a:r>
+                <a:rPr lang="nb-NO" sz="1200" dirty="0" err="1" smtClean="0">
+                  <a:solidFill>
+                    <a:schemeClr val="bg2">
+                      <a:lumMod val="90000"/>
+                    </a:schemeClr>
+                  </a:solidFill>
+                  <a:latin typeface="Trebuchet MS" panose="020B0603020202020204" pitchFamily="34" charset="0"/>
+                </a:rPr>
+                <a:t>OKplan</a:t>
+              </a:r>
+              <a:endParaRPr lang="nb-NO" sz="1200" dirty="0">
+                <a:solidFill>
+                  <a:schemeClr val="bg2">
+                    <a:lumMod val="90000"/>
+                  </a:schemeClr>
+                </a:solidFill>
+                <a:latin typeface="Trebuchet MS" panose="020B0603020202020204" pitchFamily="34" charset="0"/>
+              </a:endParaRPr>
+            </a:p>
+          </p:txBody>
+        </p:sp>
+      </p:grpSp>
+    </p:spTree>
+    <p:extLst>
+      <p:ext uri="{BB962C8B-B14F-4D97-AF65-F5344CB8AC3E}">
+        <p14:creationId xmlns:p14="http://schemas.microsoft.com/office/powerpoint/2010/main" val="294022146"/>
+      </p:ext>
+    </p:extLst>
+  </p:cSld>
+  <p:clrMapOvr>
+    <a:masterClrMapping/>
+  </p:clrMapOvr>
+</p:sld>
+</file>
+
+<file path=ppt/slides/slide11.xml><?xml version="1.0" encoding="utf-8"?>
+<p:sld xmlns:a="http://schemas.openxmlformats.org/drawingml/2006/main" xmlns:r="http://schemas.openxmlformats.org/officeDocument/2006/relationships" xmlns:p="http://schemas.openxmlformats.org/presentationml/2006/main">
+  <p:cSld>
+    <p:spTree>
+      <p:nvGrpSpPr>
+        <p:cNvPr id="1" name=""/>
+        <p:cNvGrpSpPr/>
+        <p:nvPr/>
+      </p:nvGrpSpPr>
+      <p:grpSpPr>
+        <a:xfrm>
+          <a:off x="0" y="0"/>
+          <a:ext cx="0" cy="0"/>
+          <a:chOff x="0" y="0"/>
+          <a:chExt cx="0" cy="0"/>
+        </a:xfrm>
+      </p:grpSpPr>
+    </p:spTree>
+    <p:extLst>
+      <p:ext uri="{BB962C8B-B14F-4D97-AF65-F5344CB8AC3E}">
+        <p14:creationId xmlns:p14="http://schemas.microsoft.com/office/powerpoint/2010/main" val="2536045497"/>
+      </p:ext>
+    </p:extLst>
+  </p:cSld>
+  <p:clrMapOvr>
+    <a:masterClrMapping/>
+  </p:clrMapOvr>
+</p:sld>
+</file>
+
 <file path=ppt/slides/slide2.xml><?xml version="1.0" encoding="utf-8"?>
 <p:sld xmlns:a="http://schemas.openxmlformats.org/drawingml/2006/main" xmlns:r="http://schemas.openxmlformats.org/officeDocument/2006/relationships" xmlns:p="http://schemas.openxmlformats.org/presentationml/2006/main">
   <p:cSld>
@@ -5129,7 +6414,7 @@
         </p:nvSpPr>
         <p:spPr>
           <a:xfrm>
-            <a:off x="1534357" y="1152451"/>
+            <a:off x="1139734" y="1018767"/>
             <a:ext cx="10003971" cy="5529943"/>
           </a:xfrm>
           <a:prstGeom prst="rect">
@@ -6843,7 +8128,7 @@
         </p:nvGrpSpPr>
         <p:grpSpPr>
           <a:xfrm>
-            <a:off x="4117500" y="2122800"/>
+            <a:off x="4735200" y="2244483"/>
             <a:ext cx="2721600" cy="2369033"/>
             <a:chOff x="4117500" y="2122800"/>
             <a:chExt cx="2721600" cy="2369033"/>
@@ -8523,7 +9808,7 @@
         </p:nvGrpSpPr>
         <p:grpSpPr>
           <a:xfrm>
-            <a:off x="4117500" y="2122800"/>
+            <a:off x="4735200" y="2244483"/>
             <a:ext cx="2721600" cy="2369033"/>
             <a:chOff x="4117500" y="2122800"/>
             <a:chExt cx="2721600" cy="2369033"/>
@@ -13141,7 +14426,7 @@
         </p:nvGrpSpPr>
         <p:grpSpPr>
           <a:xfrm>
-            <a:off x="4727109" y="2122800"/>
+            <a:off x="4735200" y="2244483"/>
             <a:ext cx="2721600" cy="2369033"/>
             <a:chOff x="4727109" y="2122800"/>
             <a:chExt cx="2721600" cy="2369033"/>
@@ -16810,6 +18095,4841 @@
     <p:extLst>
       <p:ext uri="{BB962C8B-B14F-4D97-AF65-F5344CB8AC3E}">
         <p14:creationId xmlns:p14="http://schemas.microsoft.com/office/powerpoint/2010/main" val="2705109802"/>
+      </p:ext>
+    </p:extLst>
+  </p:cSld>
+  <p:clrMapOvr>
+    <a:masterClrMapping/>
+  </p:clrMapOvr>
+  <p:timing>
+    <p:tnLst>
+      <p:par>
+        <p:cTn id="1" dur="indefinite" restart="never" nodeType="tmRoot"/>
+      </p:par>
+    </p:tnLst>
+  </p:timing>
+</p:sld>
+</file>
+
+<file path=ppt/slides/slide7.xml><?xml version="1.0" encoding="utf-8"?>
+<p:sld xmlns:a="http://schemas.openxmlformats.org/drawingml/2006/main" xmlns:r="http://schemas.openxmlformats.org/officeDocument/2006/relationships" xmlns:p="http://schemas.openxmlformats.org/presentationml/2006/main">
+  <p:cSld>
+    <p:spTree>
+      <p:nvGrpSpPr>
+        <p:cNvPr id="1" name=""/>
+        <p:cNvGrpSpPr/>
+        <p:nvPr/>
+      </p:nvGrpSpPr>
+      <p:grpSpPr>
+        <a:xfrm>
+          <a:off x="0" y="0"/>
+          <a:ext cx="0" cy="0"/>
+          <a:chOff x="0" y="0"/>
+          <a:chExt cx="0" cy="0"/>
+        </a:xfrm>
+      </p:grpSpPr>
+      <p:sp>
+        <p:nvSpPr>
+          <p:cNvPr id="2" name="Hexagon 35">
+            <a:extLst>
+              <a:ext uri="{FF2B5EF4-FFF2-40B4-BE49-F238E27FC236}">
+                <a16:creationId xmlns:a16="http://schemas.microsoft.com/office/drawing/2014/main" id="{90E46B38-1301-774F-8904-FFF8966BD8C2}"/>
+              </a:ext>
+            </a:extLst>
+          </p:cNvPr>
+          <p:cNvSpPr>
+            <a:spLocks noChangeAspect="1"/>
+          </p:cNvSpPr>
+          <p:nvPr/>
+        </p:nvSpPr>
+        <p:spPr>
+          <a:xfrm rot="1800000">
+            <a:off x="4735199" y="2243618"/>
+            <a:ext cx="2721600" cy="2369033"/>
+          </a:xfrm>
+          <a:prstGeom prst="hexagon">
+            <a:avLst>
+              <a:gd name="adj" fmla="val 28372"/>
+              <a:gd name="vf" fmla="val 115470"/>
+            </a:avLst>
+          </a:prstGeom>
+          <a:solidFill>
+            <a:srgbClr val="133E4D"/>
+          </a:solidFill>
+          <a:ln w="69850">
+            <a:solidFill>
+              <a:schemeClr val="tx1">
+                <a:lumMod val="85000"/>
+                <a:lumOff val="15000"/>
+              </a:schemeClr>
+            </a:solidFill>
+          </a:ln>
+        </p:spPr>
+        <p:style>
+          <a:lnRef idx="2">
+            <a:schemeClr val="accent1">
+              <a:shade val="50000"/>
+            </a:schemeClr>
+          </a:lnRef>
+          <a:fillRef idx="1">
+            <a:schemeClr val="accent1"/>
+          </a:fillRef>
+          <a:effectRef idx="0">
+            <a:schemeClr val="accent1"/>
+          </a:effectRef>
+          <a:fontRef idx="minor">
+            <a:schemeClr val="lt1"/>
+          </a:fontRef>
+        </p:style>
+        <p:txBody>
+          <a:bodyPr rtlCol="0" anchor="ctr"/>
+          <a:lstStyle/>
+          <a:p>
+            <a:pPr algn="ctr"/>
+            <a:endParaRPr lang="en-US" dirty="0"/>
+          </a:p>
+        </p:txBody>
+      </p:sp>
+      <p:sp>
+        <p:nvSpPr>
+          <p:cNvPr id="45" name="TekstSylinder 44"/>
+          <p:cNvSpPr txBox="1"/>
+          <p:nvPr/>
+        </p:nvSpPr>
+        <p:spPr>
+          <a:xfrm>
+            <a:off x="4951956" y="2496396"/>
+            <a:ext cx="2292096" cy="461665"/>
+          </a:xfrm>
+          <a:prstGeom prst="rect">
+            <a:avLst/>
+          </a:prstGeom>
+          <a:noFill/>
+        </p:spPr>
+        <p:txBody>
+          <a:bodyPr wrap="square" rtlCol="0">
+            <a:spAutoFit/>
+          </a:bodyPr>
+          <a:lstStyle/>
+          <a:p>
+            <a:pPr algn="ctr"/>
+            <a:r>
+              <a:rPr lang="nb-NO" sz="2400" dirty="0" err="1" smtClean="0">
+                <a:solidFill>
+                  <a:schemeClr val="bg2">
+                    <a:lumMod val="90000"/>
+                  </a:schemeClr>
+                </a:solidFill>
+                <a:latin typeface="Trebuchet MS" panose="020B0603020202020204" pitchFamily="34" charset="0"/>
+              </a:rPr>
+              <a:t>NVIrpackages</a:t>
+            </a:r>
+            <a:endParaRPr lang="nb-NO" sz="2400" dirty="0">
+              <a:solidFill>
+                <a:schemeClr val="bg2">
+                  <a:lumMod val="90000"/>
+                </a:schemeClr>
+              </a:solidFill>
+              <a:latin typeface="Trebuchet MS" panose="020B0603020202020204" pitchFamily="34" charset="0"/>
+            </a:endParaRPr>
+          </a:p>
+        </p:txBody>
+      </p:sp>
+      <p:grpSp>
+        <p:nvGrpSpPr>
+          <p:cNvPr id="23" name="Gruppe 22"/>
+          <p:cNvGrpSpPr/>
+          <p:nvPr/>
+        </p:nvGrpSpPr>
+        <p:grpSpPr>
+          <a:xfrm>
+            <a:off x="5021549" y="2934743"/>
+            <a:ext cx="809576" cy="855660"/>
+            <a:chOff x="5050117" y="2956482"/>
+            <a:chExt cx="809576" cy="855660"/>
+          </a:xfrm>
+        </p:grpSpPr>
+        <p:sp>
+          <p:nvSpPr>
+            <p:cNvPr id="144" name="Rektangel 143"/>
+            <p:cNvSpPr/>
+            <p:nvPr/>
+          </p:nvSpPr>
+          <p:spPr>
+            <a:xfrm>
+              <a:off x="5092515" y="3399549"/>
+              <a:ext cx="724780" cy="404972"/>
+            </a:xfrm>
+            <a:prstGeom prst="rect">
+              <a:avLst/>
+            </a:prstGeom>
+            <a:solidFill>
+              <a:srgbClr val="DE2212"/>
+            </a:solidFill>
+            <a:ln w="38100">
+              <a:solidFill>
+                <a:schemeClr val="tx1"/>
+              </a:solidFill>
+            </a:ln>
+          </p:spPr>
+          <p:style>
+            <a:lnRef idx="2">
+              <a:schemeClr val="accent1">
+                <a:shade val="50000"/>
+              </a:schemeClr>
+            </a:lnRef>
+            <a:fillRef idx="1">
+              <a:schemeClr val="accent1"/>
+            </a:fillRef>
+            <a:effectRef idx="0">
+              <a:schemeClr val="accent1"/>
+            </a:effectRef>
+            <a:fontRef idx="minor">
+              <a:schemeClr val="lt1"/>
+            </a:fontRef>
+          </p:style>
+          <p:txBody>
+            <a:bodyPr rtlCol="0" anchor="ctr"/>
+            <a:lstStyle/>
+            <a:p>
+              <a:pPr algn="ctr"/>
+              <a:endParaRPr lang="nb-NO"/>
+            </a:p>
+          </p:txBody>
+        </p:sp>
+        <p:sp>
+          <p:nvSpPr>
+            <p:cNvPr id="145" name="Rektangel 144"/>
+            <p:cNvSpPr/>
+            <p:nvPr/>
+          </p:nvSpPr>
+          <p:spPr>
+            <a:xfrm>
+              <a:off x="5050117" y="3319008"/>
+              <a:ext cx="809576" cy="168452"/>
+            </a:xfrm>
+            <a:prstGeom prst="rect">
+              <a:avLst/>
+            </a:prstGeom>
+            <a:solidFill>
+              <a:srgbClr val="DE2212"/>
+            </a:solidFill>
+            <a:ln w="38100">
+              <a:solidFill>
+                <a:schemeClr val="tx1"/>
+              </a:solidFill>
+            </a:ln>
+          </p:spPr>
+          <p:style>
+            <a:lnRef idx="2">
+              <a:schemeClr val="accent1">
+                <a:shade val="50000"/>
+              </a:schemeClr>
+            </a:lnRef>
+            <a:fillRef idx="1">
+              <a:schemeClr val="accent1"/>
+            </a:fillRef>
+            <a:effectRef idx="0">
+              <a:schemeClr val="accent1"/>
+            </a:effectRef>
+            <a:fontRef idx="minor">
+              <a:schemeClr val="lt1"/>
+            </a:fontRef>
+          </p:style>
+          <p:txBody>
+            <a:bodyPr rtlCol="0" anchor="ctr"/>
+            <a:lstStyle/>
+            <a:p>
+              <a:pPr algn="ctr"/>
+              <a:endParaRPr lang="nb-NO"/>
+            </a:p>
+          </p:txBody>
+        </p:sp>
+        <p:grpSp>
+          <p:nvGrpSpPr>
+            <p:cNvPr id="21" name="Gruppe 20"/>
+            <p:cNvGrpSpPr/>
+            <p:nvPr/>
+          </p:nvGrpSpPr>
+          <p:grpSpPr>
+            <a:xfrm flipH="1">
+              <a:off x="5114406" y="2959699"/>
+              <a:ext cx="682771" cy="850847"/>
+              <a:chOff x="5207173" y="3066078"/>
+              <a:chExt cx="682771" cy="850847"/>
+            </a:xfrm>
+          </p:grpSpPr>
+          <p:sp>
+            <p:nvSpPr>
+              <p:cNvPr id="150" name="Bue 149"/>
+              <p:cNvSpPr/>
+              <p:nvPr/>
+            </p:nvSpPr>
+            <p:spPr>
+              <a:xfrm rot="2871944" flipH="1">
+                <a:off x="5078259" y="3387226"/>
+                <a:ext cx="742139" cy="317260"/>
+              </a:xfrm>
+              <a:prstGeom prst="arc">
+                <a:avLst/>
+              </a:prstGeom>
+              <a:ln w="50800">
+                <a:solidFill>
+                  <a:srgbClr val="00A14A"/>
+                </a:solidFill>
+              </a:ln>
+            </p:spPr>
+            <p:style>
+              <a:lnRef idx="1">
+                <a:schemeClr val="accent1"/>
+              </a:lnRef>
+              <a:fillRef idx="0">
+                <a:schemeClr val="accent1"/>
+              </a:fillRef>
+              <a:effectRef idx="0">
+                <a:schemeClr val="accent1"/>
+              </a:effectRef>
+              <a:fontRef idx="minor">
+                <a:schemeClr val="tx1"/>
+              </a:fontRef>
+            </p:style>
+            <p:txBody>
+              <a:bodyPr rtlCol="0" anchor="ctr"/>
+              <a:lstStyle/>
+              <a:p>
+                <a:pPr algn="ctr"/>
+                <a:endParaRPr lang="nb-NO"/>
+              </a:p>
+            </p:txBody>
+          </p:sp>
+          <p:sp>
+            <p:nvSpPr>
+              <p:cNvPr id="151" name="Bue 150"/>
+              <p:cNvSpPr/>
+              <p:nvPr/>
+            </p:nvSpPr>
+            <p:spPr>
+              <a:xfrm rot="21424734" flipH="1" flipV="1">
+                <a:off x="5207173" y="3066078"/>
+                <a:ext cx="682771" cy="344050"/>
+              </a:xfrm>
+              <a:prstGeom prst="arc">
+                <a:avLst/>
+              </a:prstGeom>
+              <a:ln w="50800">
+                <a:solidFill>
+                  <a:srgbClr val="00A14A"/>
+                </a:solidFill>
+              </a:ln>
+            </p:spPr>
+            <p:style>
+              <a:lnRef idx="1">
+                <a:schemeClr val="accent1"/>
+              </a:lnRef>
+              <a:fillRef idx="0">
+                <a:schemeClr val="accent1"/>
+              </a:fillRef>
+              <a:effectRef idx="0">
+                <a:schemeClr val="accent1"/>
+              </a:effectRef>
+              <a:fontRef idx="minor">
+                <a:schemeClr val="tx1"/>
+              </a:fontRef>
+            </p:style>
+            <p:txBody>
+              <a:bodyPr rtlCol="0" anchor="ctr"/>
+              <a:lstStyle/>
+              <a:p>
+                <a:pPr algn="ctr"/>
+                <a:endParaRPr lang="nb-NO"/>
+              </a:p>
+            </p:txBody>
+          </p:sp>
+        </p:grpSp>
+        <p:grpSp>
+          <p:nvGrpSpPr>
+            <p:cNvPr id="165" name="Gruppe 164"/>
+            <p:cNvGrpSpPr/>
+            <p:nvPr/>
+          </p:nvGrpSpPr>
+          <p:grpSpPr>
+            <a:xfrm>
+              <a:off x="5114133" y="2956482"/>
+              <a:ext cx="682771" cy="850847"/>
+              <a:chOff x="5207173" y="3066078"/>
+              <a:chExt cx="682771" cy="850847"/>
+            </a:xfrm>
+          </p:grpSpPr>
+          <p:sp>
+            <p:nvSpPr>
+              <p:cNvPr id="166" name="Bue 165"/>
+              <p:cNvSpPr/>
+              <p:nvPr/>
+            </p:nvSpPr>
+            <p:spPr>
+              <a:xfrm rot="2871944" flipH="1">
+                <a:off x="5078259" y="3387226"/>
+                <a:ext cx="742139" cy="317260"/>
+              </a:xfrm>
+              <a:prstGeom prst="arc">
+                <a:avLst/>
+              </a:prstGeom>
+              <a:ln w="50800">
+                <a:solidFill>
+                  <a:srgbClr val="00A14A"/>
+                </a:solidFill>
+              </a:ln>
+            </p:spPr>
+            <p:style>
+              <a:lnRef idx="1">
+                <a:schemeClr val="accent1"/>
+              </a:lnRef>
+              <a:fillRef idx="0">
+                <a:schemeClr val="accent1"/>
+              </a:fillRef>
+              <a:effectRef idx="0">
+                <a:schemeClr val="accent1"/>
+              </a:effectRef>
+              <a:fontRef idx="minor">
+                <a:schemeClr val="tx1"/>
+              </a:fontRef>
+            </p:style>
+            <p:txBody>
+              <a:bodyPr rtlCol="0" anchor="ctr"/>
+              <a:lstStyle/>
+              <a:p>
+                <a:pPr algn="ctr"/>
+                <a:endParaRPr lang="nb-NO"/>
+              </a:p>
+            </p:txBody>
+          </p:sp>
+          <p:sp>
+            <p:nvSpPr>
+              <p:cNvPr id="167" name="Bue 166"/>
+              <p:cNvSpPr/>
+              <p:nvPr/>
+            </p:nvSpPr>
+            <p:spPr>
+              <a:xfrm rot="21424734" flipH="1" flipV="1">
+                <a:off x="5207173" y="3066078"/>
+                <a:ext cx="682771" cy="344050"/>
+              </a:xfrm>
+              <a:prstGeom prst="arc">
+                <a:avLst/>
+              </a:prstGeom>
+              <a:ln w="50800">
+                <a:solidFill>
+                  <a:srgbClr val="00A14A"/>
+                </a:solidFill>
+              </a:ln>
+            </p:spPr>
+            <p:style>
+              <a:lnRef idx="1">
+                <a:schemeClr val="accent1"/>
+              </a:lnRef>
+              <a:fillRef idx="0">
+                <a:schemeClr val="accent1"/>
+              </a:fillRef>
+              <a:effectRef idx="0">
+                <a:schemeClr val="accent1"/>
+              </a:effectRef>
+              <a:fontRef idx="minor">
+                <a:schemeClr val="tx1"/>
+              </a:fontRef>
+            </p:style>
+            <p:txBody>
+              <a:bodyPr rtlCol="0" anchor="ctr"/>
+              <a:lstStyle/>
+              <a:p>
+                <a:pPr algn="ctr"/>
+                <a:endParaRPr lang="nb-NO"/>
+              </a:p>
+            </p:txBody>
+          </p:sp>
+        </p:grpSp>
+        <p:sp>
+          <p:nvSpPr>
+            <p:cNvPr id="148" name="Ellipse 147"/>
+            <p:cNvSpPr/>
+            <p:nvPr/>
+          </p:nvSpPr>
+          <p:spPr>
+            <a:xfrm>
+              <a:off x="5359656" y="3232758"/>
+              <a:ext cx="190499" cy="171469"/>
+            </a:xfrm>
+            <a:prstGeom prst="ellipse">
+              <a:avLst/>
+            </a:prstGeom>
+            <a:solidFill>
+              <a:srgbClr val="00A14A"/>
+            </a:solidFill>
+            <a:ln w="0">
+              <a:solidFill>
+                <a:srgbClr val="133E4D"/>
+              </a:solidFill>
+            </a:ln>
+          </p:spPr>
+          <p:style>
+            <a:lnRef idx="2">
+              <a:schemeClr val="accent1">
+                <a:shade val="50000"/>
+              </a:schemeClr>
+            </a:lnRef>
+            <a:fillRef idx="1">
+              <a:schemeClr val="accent1"/>
+            </a:fillRef>
+            <a:effectRef idx="0">
+              <a:schemeClr val="accent1"/>
+            </a:effectRef>
+            <a:fontRef idx="minor">
+              <a:schemeClr val="lt1"/>
+            </a:fontRef>
+          </p:style>
+          <p:txBody>
+            <a:bodyPr rtlCol="0" anchor="ctr"/>
+            <a:lstStyle/>
+            <a:p>
+              <a:pPr algn="ctr"/>
+              <a:endParaRPr lang="nb-NO"/>
+            </a:p>
+          </p:txBody>
+        </p:sp>
+        <p:sp>
+          <p:nvSpPr>
+            <p:cNvPr id="149" name="Rektangel 148"/>
+            <p:cNvSpPr/>
+            <p:nvPr/>
+          </p:nvSpPr>
+          <p:spPr>
+            <a:xfrm>
+              <a:off x="5372533" y="3299712"/>
+              <a:ext cx="164744" cy="512430"/>
+            </a:xfrm>
+            <a:prstGeom prst="rect">
+              <a:avLst/>
+            </a:prstGeom>
+            <a:solidFill>
+              <a:srgbClr val="00A14A"/>
+            </a:solidFill>
+            <a:ln>
+              <a:solidFill>
+                <a:srgbClr val="00A14A"/>
+              </a:solidFill>
+            </a:ln>
+          </p:spPr>
+          <p:style>
+            <a:lnRef idx="2">
+              <a:schemeClr val="accent1">
+                <a:shade val="50000"/>
+              </a:schemeClr>
+            </a:lnRef>
+            <a:fillRef idx="1">
+              <a:schemeClr val="accent1"/>
+            </a:fillRef>
+            <a:effectRef idx="0">
+              <a:schemeClr val="accent1"/>
+            </a:effectRef>
+            <a:fontRef idx="minor">
+              <a:schemeClr val="lt1"/>
+            </a:fontRef>
+          </p:style>
+          <p:txBody>
+            <a:bodyPr rtlCol="0" anchor="ctr"/>
+            <a:lstStyle/>
+            <a:p>
+              <a:pPr algn="ctr"/>
+              <a:endParaRPr lang="nb-NO"/>
+            </a:p>
+          </p:txBody>
+        </p:sp>
+      </p:grpSp>
+      <p:grpSp>
+        <p:nvGrpSpPr>
+          <p:cNvPr id="26" name="Gruppe 25"/>
+          <p:cNvGrpSpPr/>
+          <p:nvPr/>
+        </p:nvGrpSpPr>
+        <p:grpSpPr>
+          <a:xfrm>
+            <a:off x="6155017" y="2762718"/>
+            <a:ext cx="809576" cy="875508"/>
+            <a:chOff x="6155017" y="2762718"/>
+            <a:chExt cx="809576" cy="875508"/>
+          </a:xfrm>
+        </p:grpSpPr>
+        <p:sp>
+          <p:nvSpPr>
+            <p:cNvPr id="219" name="Rektangel 218"/>
+            <p:cNvSpPr/>
+            <p:nvPr/>
+          </p:nvSpPr>
+          <p:spPr>
+            <a:xfrm>
+              <a:off x="6197415" y="3205785"/>
+              <a:ext cx="724780" cy="404972"/>
+            </a:xfrm>
+            <a:prstGeom prst="rect">
+              <a:avLst/>
+            </a:prstGeom>
+            <a:solidFill>
+              <a:srgbClr val="00A6EB"/>
+            </a:solidFill>
+            <a:ln w="38100">
+              <a:solidFill>
+                <a:schemeClr val="tx1"/>
+              </a:solidFill>
+            </a:ln>
+          </p:spPr>
+          <p:style>
+            <a:lnRef idx="2">
+              <a:schemeClr val="accent1">
+                <a:shade val="50000"/>
+              </a:schemeClr>
+            </a:lnRef>
+            <a:fillRef idx="1">
+              <a:schemeClr val="accent1"/>
+            </a:fillRef>
+            <a:effectRef idx="0">
+              <a:schemeClr val="accent1"/>
+            </a:effectRef>
+            <a:fontRef idx="minor">
+              <a:schemeClr val="lt1"/>
+            </a:fontRef>
+          </p:style>
+          <p:txBody>
+            <a:bodyPr rtlCol="0" anchor="ctr"/>
+            <a:lstStyle/>
+            <a:p>
+              <a:pPr algn="ctr"/>
+              <a:endParaRPr lang="nb-NO"/>
+            </a:p>
+          </p:txBody>
+        </p:sp>
+        <p:sp>
+          <p:nvSpPr>
+            <p:cNvPr id="220" name="Rektangel 219"/>
+            <p:cNvSpPr/>
+            <p:nvPr/>
+          </p:nvSpPr>
+          <p:spPr>
+            <a:xfrm>
+              <a:off x="6155017" y="3125244"/>
+              <a:ext cx="809576" cy="168452"/>
+            </a:xfrm>
+            <a:prstGeom prst="rect">
+              <a:avLst/>
+            </a:prstGeom>
+            <a:solidFill>
+              <a:srgbClr val="00A6EB"/>
+            </a:solidFill>
+            <a:ln w="38100">
+              <a:solidFill>
+                <a:schemeClr val="tx1"/>
+              </a:solidFill>
+            </a:ln>
+          </p:spPr>
+          <p:style>
+            <a:lnRef idx="2">
+              <a:schemeClr val="accent1">
+                <a:shade val="50000"/>
+              </a:schemeClr>
+            </a:lnRef>
+            <a:fillRef idx="1">
+              <a:schemeClr val="accent1"/>
+            </a:fillRef>
+            <a:effectRef idx="0">
+              <a:schemeClr val="accent1"/>
+            </a:effectRef>
+            <a:fontRef idx="minor">
+              <a:schemeClr val="lt1"/>
+            </a:fontRef>
+          </p:style>
+          <p:txBody>
+            <a:bodyPr rtlCol="0" anchor="ctr"/>
+            <a:lstStyle/>
+            <a:p>
+              <a:pPr algn="ctr"/>
+              <a:endParaRPr lang="nb-NO"/>
+            </a:p>
+          </p:txBody>
+        </p:sp>
+        <p:grpSp>
+          <p:nvGrpSpPr>
+            <p:cNvPr id="221" name="Gruppe 220"/>
+            <p:cNvGrpSpPr/>
+            <p:nvPr/>
+          </p:nvGrpSpPr>
+          <p:grpSpPr>
+            <a:xfrm flipH="1">
+              <a:off x="6219306" y="2765935"/>
+              <a:ext cx="682771" cy="850847"/>
+              <a:chOff x="5207173" y="3066078"/>
+              <a:chExt cx="682771" cy="850847"/>
+            </a:xfrm>
+          </p:grpSpPr>
+          <p:sp>
+            <p:nvSpPr>
+              <p:cNvPr id="227" name="Bue 226"/>
+              <p:cNvSpPr/>
+              <p:nvPr/>
+            </p:nvSpPr>
+            <p:spPr>
+              <a:xfrm rot="2871944" flipH="1">
+                <a:off x="5078259" y="3387226"/>
+                <a:ext cx="742139" cy="317260"/>
+              </a:xfrm>
+              <a:prstGeom prst="arc">
+                <a:avLst/>
+              </a:prstGeom>
+              <a:ln w="50800">
+                <a:solidFill>
+                  <a:srgbClr val="DE2212"/>
+                </a:solidFill>
+              </a:ln>
+            </p:spPr>
+            <p:style>
+              <a:lnRef idx="1">
+                <a:schemeClr val="accent1"/>
+              </a:lnRef>
+              <a:fillRef idx="0">
+                <a:schemeClr val="accent1"/>
+              </a:fillRef>
+              <a:effectRef idx="0">
+                <a:schemeClr val="accent1"/>
+              </a:effectRef>
+              <a:fontRef idx="minor">
+                <a:schemeClr val="tx1"/>
+              </a:fontRef>
+            </p:style>
+            <p:txBody>
+              <a:bodyPr rtlCol="0" anchor="ctr"/>
+              <a:lstStyle/>
+              <a:p>
+                <a:pPr algn="ctr"/>
+                <a:endParaRPr lang="nb-NO"/>
+              </a:p>
+            </p:txBody>
+          </p:sp>
+          <p:sp>
+            <p:nvSpPr>
+              <p:cNvPr id="230" name="Bue 229"/>
+              <p:cNvSpPr/>
+              <p:nvPr/>
+            </p:nvSpPr>
+            <p:spPr>
+              <a:xfrm rot="21424734" flipH="1" flipV="1">
+                <a:off x="5207173" y="3066078"/>
+                <a:ext cx="682771" cy="344050"/>
+              </a:xfrm>
+              <a:prstGeom prst="arc">
+                <a:avLst/>
+              </a:prstGeom>
+              <a:ln w="50800">
+                <a:solidFill>
+                  <a:srgbClr val="DE2212"/>
+                </a:solidFill>
+              </a:ln>
+            </p:spPr>
+            <p:style>
+              <a:lnRef idx="1">
+                <a:schemeClr val="accent1"/>
+              </a:lnRef>
+              <a:fillRef idx="0">
+                <a:schemeClr val="accent1"/>
+              </a:fillRef>
+              <a:effectRef idx="0">
+                <a:schemeClr val="accent1"/>
+              </a:effectRef>
+              <a:fontRef idx="minor">
+                <a:schemeClr val="tx1"/>
+              </a:fontRef>
+            </p:style>
+            <p:txBody>
+              <a:bodyPr rtlCol="0" anchor="ctr"/>
+              <a:lstStyle/>
+              <a:p>
+                <a:pPr algn="ctr"/>
+                <a:endParaRPr lang="nb-NO"/>
+              </a:p>
+            </p:txBody>
+          </p:sp>
+        </p:grpSp>
+        <p:grpSp>
+          <p:nvGrpSpPr>
+            <p:cNvPr id="222" name="Gruppe 221"/>
+            <p:cNvGrpSpPr/>
+            <p:nvPr/>
+          </p:nvGrpSpPr>
+          <p:grpSpPr>
+            <a:xfrm>
+              <a:off x="6219033" y="2762718"/>
+              <a:ext cx="682771" cy="850847"/>
+              <a:chOff x="5207173" y="3066078"/>
+              <a:chExt cx="682771" cy="850847"/>
+            </a:xfrm>
+          </p:grpSpPr>
+          <p:sp>
+            <p:nvSpPr>
+              <p:cNvPr id="225" name="Bue 224"/>
+              <p:cNvSpPr/>
+              <p:nvPr/>
+            </p:nvSpPr>
+            <p:spPr>
+              <a:xfrm rot="2871944" flipH="1">
+                <a:off x="5078259" y="3387226"/>
+                <a:ext cx="742139" cy="317260"/>
+              </a:xfrm>
+              <a:prstGeom prst="arc">
+                <a:avLst/>
+              </a:prstGeom>
+              <a:ln w="50800">
+                <a:solidFill>
+                  <a:srgbClr val="DE2212"/>
+                </a:solidFill>
+              </a:ln>
+            </p:spPr>
+            <p:style>
+              <a:lnRef idx="1">
+                <a:schemeClr val="accent1"/>
+              </a:lnRef>
+              <a:fillRef idx="0">
+                <a:schemeClr val="accent1"/>
+              </a:fillRef>
+              <a:effectRef idx="0">
+                <a:schemeClr val="accent1"/>
+              </a:effectRef>
+              <a:fontRef idx="minor">
+                <a:schemeClr val="tx1"/>
+              </a:fontRef>
+            </p:style>
+            <p:txBody>
+              <a:bodyPr rtlCol="0" anchor="ctr"/>
+              <a:lstStyle/>
+              <a:p>
+                <a:pPr algn="ctr"/>
+                <a:endParaRPr lang="nb-NO"/>
+              </a:p>
+            </p:txBody>
+          </p:sp>
+          <p:sp>
+            <p:nvSpPr>
+              <p:cNvPr id="226" name="Bue 225"/>
+              <p:cNvSpPr/>
+              <p:nvPr/>
+            </p:nvSpPr>
+            <p:spPr>
+              <a:xfrm rot="21424734" flipH="1" flipV="1">
+                <a:off x="5207173" y="3066078"/>
+                <a:ext cx="682771" cy="344050"/>
+              </a:xfrm>
+              <a:prstGeom prst="arc">
+                <a:avLst/>
+              </a:prstGeom>
+              <a:ln w="50800">
+                <a:solidFill>
+                  <a:srgbClr val="DE2212"/>
+                </a:solidFill>
+              </a:ln>
+            </p:spPr>
+            <p:style>
+              <a:lnRef idx="1">
+                <a:schemeClr val="accent1"/>
+              </a:lnRef>
+              <a:fillRef idx="0">
+                <a:schemeClr val="accent1"/>
+              </a:fillRef>
+              <a:effectRef idx="0">
+                <a:schemeClr val="accent1"/>
+              </a:effectRef>
+              <a:fontRef idx="minor">
+                <a:schemeClr val="tx1"/>
+              </a:fontRef>
+            </p:style>
+            <p:txBody>
+              <a:bodyPr rtlCol="0" anchor="ctr"/>
+              <a:lstStyle/>
+              <a:p>
+                <a:pPr algn="ctr"/>
+                <a:endParaRPr lang="nb-NO"/>
+              </a:p>
+            </p:txBody>
+          </p:sp>
+        </p:grpSp>
+        <p:sp>
+          <p:nvSpPr>
+            <p:cNvPr id="223" name="Ellipse 222"/>
+            <p:cNvSpPr/>
+            <p:nvPr/>
+          </p:nvSpPr>
+          <p:spPr>
+            <a:xfrm>
+              <a:off x="6464556" y="3038994"/>
+              <a:ext cx="190499" cy="171469"/>
+            </a:xfrm>
+            <a:prstGeom prst="ellipse">
+              <a:avLst/>
+            </a:prstGeom>
+            <a:solidFill>
+              <a:srgbClr val="DE2212"/>
+            </a:solidFill>
+            <a:ln w="0">
+              <a:solidFill>
+                <a:srgbClr val="133E4D"/>
+              </a:solidFill>
+            </a:ln>
+          </p:spPr>
+          <p:style>
+            <a:lnRef idx="2">
+              <a:schemeClr val="accent1">
+                <a:shade val="50000"/>
+              </a:schemeClr>
+            </a:lnRef>
+            <a:fillRef idx="1">
+              <a:schemeClr val="accent1"/>
+            </a:fillRef>
+            <a:effectRef idx="0">
+              <a:schemeClr val="accent1"/>
+            </a:effectRef>
+            <a:fontRef idx="minor">
+              <a:schemeClr val="lt1"/>
+            </a:fontRef>
+          </p:style>
+          <p:txBody>
+            <a:bodyPr rtlCol="0" anchor="ctr"/>
+            <a:lstStyle/>
+            <a:p>
+              <a:pPr algn="ctr"/>
+              <a:endParaRPr lang="nb-NO"/>
+            </a:p>
+          </p:txBody>
+        </p:sp>
+        <p:sp>
+          <p:nvSpPr>
+            <p:cNvPr id="224" name="Rektangel 223"/>
+            <p:cNvSpPr/>
+            <p:nvPr/>
+          </p:nvSpPr>
+          <p:spPr>
+            <a:xfrm>
+              <a:off x="6477433" y="3086100"/>
+              <a:ext cx="164744" cy="552126"/>
+            </a:xfrm>
+            <a:prstGeom prst="rect">
+              <a:avLst/>
+            </a:prstGeom>
+            <a:solidFill>
+              <a:srgbClr val="DE2212"/>
+            </a:solidFill>
+            <a:ln>
+              <a:solidFill>
+                <a:srgbClr val="DE2212"/>
+              </a:solidFill>
+            </a:ln>
+          </p:spPr>
+          <p:style>
+            <a:lnRef idx="2">
+              <a:schemeClr val="accent1">
+                <a:shade val="50000"/>
+              </a:schemeClr>
+            </a:lnRef>
+            <a:fillRef idx="1">
+              <a:schemeClr val="accent1"/>
+            </a:fillRef>
+            <a:effectRef idx="0">
+              <a:schemeClr val="accent1"/>
+            </a:effectRef>
+            <a:fontRef idx="minor">
+              <a:schemeClr val="lt1"/>
+            </a:fontRef>
+          </p:style>
+          <p:txBody>
+            <a:bodyPr rtlCol="0" anchor="ctr"/>
+            <a:lstStyle/>
+            <a:p>
+              <a:pPr algn="ctr"/>
+              <a:endParaRPr lang="nb-NO"/>
+            </a:p>
+          </p:txBody>
+        </p:sp>
+      </p:grpSp>
+      <p:grpSp>
+        <p:nvGrpSpPr>
+          <p:cNvPr id="27" name="Gruppe 26"/>
+          <p:cNvGrpSpPr/>
+          <p:nvPr/>
+        </p:nvGrpSpPr>
+        <p:grpSpPr>
+          <a:xfrm>
+            <a:off x="5750981" y="3590955"/>
+            <a:ext cx="809576" cy="855660"/>
+            <a:chOff x="5750981" y="3590955"/>
+            <a:chExt cx="809576" cy="855660"/>
+          </a:xfrm>
+        </p:grpSpPr>
+        <p:sp>
+          <p:nvSpPr>
+            <p:cNvPr id="232" name="Rektangel 231"/>
+            <p:cNvSpPr/>
+            <p:nvPr/>
+          </p:nvSpPr>
+          <p:spPr>
+            <a:xfrm>
+              <a:off x="5793379" y="4034022"/>
+              <a:ext cx="724780" cy="404972"/>
+            </a:xfrm>
+            <a:prstGeom prst="rect">
+              <a:avLst/>
+            </a:prstGeom>
+            <a:solidFill>
+              <a:srgbClr val="00A14A"/>
+            </a:solidFill>
+            <a:ln w="38100">
+              <a:solidFill>
+                <a:schemeClr val="tx1"/>
+              </a:solidFill>
+            </a:ln>
+          </p:spPr>
+          <p:style>
+            <a:lnRef idx="2">
+              <a:schemeClr val="accent1">
+                <a:shade val="50000"/>
+              </a:schemeClr>
+            </a:lnRef>
+            <a:fillRef idx="1">
+              <a:schemeClr val="accent1"/>
+            </a:fillRef>
+            <a:effectRef idx="0">
+              <a:schemeClr val="accent1"/>
+            </a:effectRef>
+            <a:fontRef idx="minor">
+              <a:schemeClr val="lt1"/>
+            </a:fontRef>
+          </p:style>
+          <p:txBody>
+            <a:bodyPr rtlCol="0" anchor="ctr"/>
+            <a:lstStyle/>
+            <a:p>
+              <a:pPr algn="ctr"/>
+              <a:endParaRPr lang="nb-NO"/>
+            </a:p>
+          </p:txBody>
+        </p:sp>
+        <p:sp>
+          <p:nvSpPr>
+            <p:cNvPr id="233" name="Rektangel 232"/>
+            <p:cNvSpPr/>
+            <p:nvPr/>
+          </p:nvSpPr>
+          <p:spPr>
+            <a:xfrm>
+              <a:off x="5750981" y="3953481"/>
+              <a:ext cx="809576" cy="168452"/>
+            </a:xfrm>
+            <a:prstGeom prst="rect">
+              <a:avLst/>
+            </a:prstGeom>
+            <a:solidFill>
+              <a:srgbClr val="00A14A"/>
+            </a:solidFill>
+            <a:ln w="38100">
+              <a:solidFill>
+                <a:schemeClr val="tx1"/>
+              </a:solidFill>
+            </a:ln>
+          </p:spPr>
+          <p:style>
+            <a:lnRef idx="2">
+              <a:schemeClr val="accent1">
+                <a:shade val="50000"/>
+              </a:schemeClr>
+            </a:lnRef>
+            <a:fillRef idx="1">
+              <a:schemeClr val="accent1"/>
+            </a:fillRef>
+            <a:effectRef idx="0">
+              <a:schemeClr val="accent1"/>
+            </a:effectRef>
+            <a:fontRef idx="minor">
+              <a:schemeClr val="lt1"/>
+            </a:fontRef>
+          </p:style>
+          <p:txBody>
+            <a:bodyPr rtlCol="0" anchor="ctr"/>
+            <a:lstStyle/>
+            <a:p>
+              <a:pPr algn="ctr"/>
+              <a:endParaRPr lang="nb-NO"/>
+            </a:p>
+          </p:txBody>
+        </p:sp>
+        <p:grpSp>
+          <p:nvGrpSpPr>
+            <p:cNvPr id="235" name="Gruppe 234"/>
+            <p:cNvGrpSpPr/>
+            <p:nvPr/>
+          </p:nvGrpSpPr>
+          <p:grpSpPr>
+            <a:xfrm flipH="1">
+              <a:off x="5815270" y="3594172"/>
+              <a:ext cx="682771" cy="850847"/>
+              <a:chOff x="5207173" y="3066078"/>
+              <a:chExt cx="682771" cy="850847"/>
+            </a:xfrm>
+          </p:grpSpPr>
+          <p:sp>
+            <p:nvSpPr>
+              <p:cNvPr id="241" name="Bue 240"/>
+              <p:cNvSpPr/>
+              <p:nvPr/>
+            </p:nvSpPr>
+            <p:spPr>
+              <a:xfrm rot="2871944" flipH="1">
+                <a:off x="5078259" y="3387226"/>
+                <a:ext cx="742139" cy="317260"/>
+              </a:xfrm>
+              <a:prstGeom prst="arc">
+                <a:avLst/>
+              </a:prstGeom>
+              <a:ln w="50800">
+                <a:solidFill>
+                  <a:srgbClr val="00A6EB"/>
+                </a:solidFill>
+              </a:ln>
+            </p:spPr>
+            <p:style>
+              <a:lnRef idx="1">
+                <a:schemeClr val="accent1"/>
+              </a:lnRef>
+              <a:fillRef idx="0">
+                <a:schemeClr val="accent1"/>
+              </a:fillRef>
+              <a:effectRef idx="0">
+                <a:schemeClr val="accent1"/>
+              </a:effectRef>
+              <a:fontRef idx="minor">
+                <a:schemeClr val="tx1"/>
+              </a:fontRef>
+            </p:style>
+            <p:txBody>
+              <a:bodyPr rtlCol="0" anchor="ctr"/>
+              <a:lstStyle/>
+              <a:p>
+                <a:pPr algn="ctr"/>
+                <a:endParaRPr lang="nb-NO"/>
+              </a:p>
+            </p:txBody>
+          </p:sp>
+          <p:sp>
+            <p:nvSpPr>
+              <p:cNvPr id="242" name="Bue 241"/>
+              <p:cNvSpPr/>
+              <p:nvPr/>
+            </p:nvSpPr>
+            <p:spPr>
+              <a:xfrm rot="21424734" flipH="1" flipV="1">
+                <a:off x="5207173" y="3066078"/>
+                <a:ext cx="682771" cy="344050"/>
+              </a:xfrm>
+              <a:prstGeom prst="arc">
+                <a:avLst/>
+              </a:prstGeom>
+              <a:ln w="50800">
+                <a:solidFill>
+                  <a:srgbClr val="00A6EB"/>
+                </a:solidFill>
+              </a:ln>
+            </p:spPr>
+            <p:style>
+              <a:lnRef idx="1">
+                <a:schemeClr val="accent1"/>
+              </a:lnRef>
+              <a:fillRef idx="0">
+                <a:schemeClr val="accent1"/>
+              </a:fillRef>
+              <a:effectRef idx="0">
+                <a:schemeClr val="accent1"/>
+              </a:effectRef>
+              <a:fontRef idx="minor">
+                <a:schemeClr val="tx1"/>
+              </a:fontRef>
+            </p:style>
+            <p:txBody>
+              <a:bodyPr rtlCol="0" anchor="ctr"/>
+              <a:lstStyle/>
+              <a:p>
+                <a:pPr algn="ctr"/>
+                <a:endParaRPr lang="nb-NO"/>
+              </a:p>
+            </p:txBody>
+          </p:sp>
+        </p:grpSp>
+        <p:grpSp>
+          <p:nvGrpSpPr>
+            <p:cNvPr id="236" name="Gruppe 235"/>
+            <p:cNvGrpSpPr/>
+            <p:nvPr/>
+          </p:nvGrpSpPr>
+          <p:grpSpPr>
+            <a:xfrm>
+              <a:off x="5814997" y="3590955"/>
+              <a:ext cx="682771" cy="850847"/>
+              <a:chOff x="5207173" y="3066078"/>
+              <a:chExt cx="682771" cy="850847"/>
+            </a:xfrm>
+          </p:grpSpPr>
+          <p:sp>
+            <p:nvSpPr>
+              <p:cNvPr id="239" name="Bue 238"/>
+              <p:cNvSpPr/>
+              <p:nvPr/>
+            </p:nvSpPr>
+            <p:spPr>
+              <a:xfrm rot="2871944" flipH="1">
+                <a:off x="5078259" y="3387226"/>
+                <a:ext cx="742139" cy="317260"/>
+              </a:xfrm>
+              <a:prstGeom prst="arc">
+                <a:avLst/>
+              </a:prstGeom>
+              <a:ln w="50800">
+                <a:solidFill>
+                  <a:srgbClr val="00A6EB"/>
+                </a:solidFill>
+              </a:ln>
+            </p:spPr>
+            <p:style>
+              <a:lnRef idx="1">
+                <a:schemeClr val="accent1"/>
+              </a:lnRef>
+              <a:fillRef idx="0">
+                <a:schemeClr val="accent1"/>
+              </a:fillRef>
+              <a:effectRef idx="0">
+                <a:schemeClr val="accent1"/>
+              </a:effectRef>
+              <a:fontRef idx="minor">
+                <a:schemeClr val="tx1"/>
+              </a:fontRef>
+            </p:style>
+            <p:txBody>
+              <a:bodyPr rtlCol="0" anchor="ctr"/>
+              <a:lstStyle/>
+              <a:p>
+                <a:pPr algn="ctr"/>
+                <a:endParaRPr lang="nb-NO"/>
+              </a:p>
+            </p:txBody>
+          </p:sp>
+          <p:sp>
+            <p:nvSpPr>
+              <p:cNvPr id="240" name="Bue 239"/>
+              <p:cNvSpPr/>
+              <p:nvPr/>
+            </p:nvSpPr>
+            <p:spPr>
+              <a:xfrm rot="21424734" flipH="1" flipV="1">
+                <a:off x="5207173" y="3066078"/>
+                <a:ext cx="682771" cy="344050"/>
+              </a:xfrm>
+              <a:prstGeom prst="arc">
+                <a:avLst/>
+              </a:prstGeom>
+              <a:ln w="50800">
+                <a:solidFill>
+                  <a:srgbClr val="00A6EB"/>
+                </a:solidFill>
+              </a:ln>
+            </p:spPr>
+            <p:style>
+              <a:lnRef idx="1">
+                <a:schemeClr val="accent1"/>
+              </a:lnRef>
+              <a:fillRef idx="0">
+                <a:schemeClr val="accent1"/>
+              </a:fillRef>
+              <a:effectRef idx="0">
+                <a:schemeClr val="accent1"/>
+              </a:effectRef>
+              <a:fontRef idx="minor">
+                <a:schemeClr val="tx1"/>
+              </a:fontRef>
+            </p:style>
+            <p:txBody>
+              <a:bodyPr rtlCol="0" anchor="ctr"/>
+              <a:lstStyle/>
+              <a:p>
+                <a:pPr algn="ctr"/>
+                <a:endParaRPr lang="nb-NO"/>
+              </a:p>
+            </p:txBody>
+          </p:sp>
+        </p:grpSp>
+        <p:sp>
+          <p:nvSpPr>
+            <p:cNvPr id="237" name="Ellipse 236"/>
+            <p:cNvSpPr/>
+            <p:nvPr/>
+          </p:nvSpPr>
+          <p:spPr>
+            <a:xfrm>
+              <a:off x="6060520" y="3867231"/>
+              <a:ext cx="190499" cy="171469"/>
+            </a:xfrm>
+            <a:prstGeom prst="ellipse">
+              <a:avLst/>
+            </a:prstGeom>
+            <a:solidFill>
+              <a:srgbClr val="00A6EB"/>
+            </a:solidFill>
+            <a:ln w="0">
+              <a:solidFill>
+                <a:srgbClr val="133E4D"/>
+              </a:solidFill>
+            </a:ln>
+          </p:spPr>
+          <p:style>
+            <a:lnRef idx="2">
+              <a:schemeClr val="accent1">
+                <a:shade val="50000"/>
+              </a:schemeClr>
+            </a:lnRef>
+            <a:fillRef idx="1">
+              <a:schemeClr val="accent1"/>
+            </a:fillRef>
+            <a:effectRef idx="0">
+              <a:schemeClr val="accent1"/>
+            </a:effectRef>
+            <a:fontRef idx="minor">
+              <a:schemeClr val="lt1"/>
+            </a:fontRef>
+          </p:style>
+          <p:txBody>
+            <a:bodyPr rtlCol="0" anchor="ctr"/>
+            <a:lstStyle/>
+            <a:p>
+              <a:pPr algn="ctr"/>
+              <a:endParaRPr lang="nb-NO"/>
+            </a:p>
+          </p:txBody>
+        </p:sp>
+        <p:sp>
+          <p:nvSpPr>
+            <p:cNvPr id="238" name="Rektangel 237"/>
+            <p:cNvSpPr/>
+            <p:nvPr/>
+          </p:nvSpPr>
+          <p:spPr>
+            <a:xfrm>
+              <a:off x="6073397" y="3934185"/>
+              <a:ext cx="164744" cy="512430"/>
+            </a:xfrm>
+            <a:prstGeom prst="rect">
+              <a:avLst/>
+            </a:prstGeom>
+            <a:solidFill>
+              <a:srgbClr val="00A6EB"/>
+            </a:solidFill>
+            <a:ln>
+              <a:solidFill>
+                <a:srgbClr val="00A6EB"/>
+              </a:solidFill>
+            </a:ln>
+          </p:spPr>
+          <p:style>
+            <a:lnRef idx="2">
+              <a:schemeClr val="accent1">
+                <a:shade val="50000"/>
+              </a:schemeClr>
+            </a:lnRef>
+            <a:fillRef idx="1">
+              <a:schemeClr val="accent1"/>
+            </a:fillRef>
+            <a:effectRef idx="0">
+              <a:schemeClr val="accent1"/>
+            </a:effectRef>
+            <a:fontRef idx="minor">
+              <a:schemeClr val="lt1"/>
+            </a:fontRef>
+          </p:style>
+          <p:txBody>
+            <a:bodyPr rtlCol="0" anchor="ctr"/>
+            <a:lstStyle/>
+            <a:p>
+              <a:pPr algn="ctr"/>
+              <a:endParaRPr lang="nb-NO"/>
+            </a:p>
+          </p:txBody>
+        </p:sp>
+      </p:grpSp>
+    </p:spTree>
+    <p:extLst>
+      <p:ext uri="{BB962C8B-B14F-4D97-AF65-F5344CB8AC3E}">
+        <p14:creationId xmlns:p14="http://schemas.microsoft.com/office/powerpoint/2010/main" val="3017280428"/>
+      </p:ext>
+    </p:extLst>
+  </p:cSld>
+  <p:clrMapOvr>
+    <a:masterClrMapping/>
+  </p:clrMapOvr>
+  <p:timing>
+    <p:tnLst>
+      <p:par>
+        <p:cTn id="1" dur="indefinite" restart="never" nodeType="tmRoot"/>
+      </p:par>
+    </p:tnLst>
+  </p:timing>
+</p:sld>
+</file>
+
+<file path=ppt/slides/slide8.xml><?xml version="1.0" encoding="utf-8"?>
+<p:sld xmlns:a="http://schemas.openxmlformats.org/drawingml/2006/main" xmlns:r="http://schemas.openxmlformats.org/officeDocument/2006/relationships" xmlns:p="http://schemas.openxmlformats.org/presentationml/2006/main">
+  <p:cSld>
+    <p:spTree>
+      <p:nvGrpSpPr>
+        <p:cNvPr id="1" name=""/>
+        <p:cNvGrpSpPr/>
+        <p:nvPr/>
+      </p:nvGrpSpPr>
+      <p:grpSpPr>
+        <a:xfrm>
+          <a:off x="0" y="0"/>
+          <a:ext cx="0" cy="0"/>
+          <a:chOff x="0" y="0"/>
+          <a:chExt cx="0" cy="0"/>
+        </a:xfrm>
+      </p:grpSpPr>
+      <p:grpSp>
+        <p:nvGrpSpPr>
+          <p:cNvPr id="93" name="Gruppe 92"/>
+          <p:cNvGrpSpPr/>
+          <p:nvPr/>
+        </p:nvGrpSpPr>
+        <p:grpSpPr>
+          <a:xfrm>
+            <a:off x="4735200" y="2244483"/>
+            <a:ext cx="2721600" cy="2369033"/>
+            <a:chOff x="4735200" y="2244483"/>
+            <a:chExt cx="2721600" cy="2369033"/>
+          </a:xfrm>
+        </p:grpSpPr>
+        <p:sp>
+          <p:nvSpPr>
+            <p:cNvPr id="2" name="Hexagon 35">
+              <a:extLst>
+                <a:ext uri="{FF2B5EF4-FFF2-40B4-BE49-F238E27FC236}">
+                  <a16:creationId xmlns:a16="http://schemas.microsoft.com/office/drawing/2014/main" id="{90E46B38-1301-774F-8904-FFF8966BD8C2}"/>
+                </a:ext>
+              </a:extLst>
+            </p:cNvPr>
+            <p:cNvSpPr>
+              <a:spLocks noChangeAspect="1"/>
+            </p:cNvSpPr>
+            <p:nvPr/>
+          </p:nvSpPr>
+          <p:spPr>
+            <a:xfrm rot="1800000">
+              <a:off x="4735200" y="2244483"/>
+              <a:ext cx="2721600" cy="2369033"/>
+            </a:xfrm>
+            <a:prstGeom prst="hexagon">
+              <a:avLst>
+                <a:gd name="adj" fmla="val 28372"/>
+                <a:gd name="vf" fmla="val 115470"/>
+              </a:avLst>
+            </a:prstGeom>
+            <a:solidFill>
+              <a:srgbClr val="133E4D"/>
+            </a:solidFill>
+            <a:ln w="69850">
+              <a:solidFill>
+                <a:schemeClr val="tx1">
+                  <a:lumMod val="85000"/>
+                  <a:lumOff val="15000"/>
+                </a:schemeClr>
+              </a:solidFill>
+            </a:ln>
+          </p:spPr>
+          <p:style>
+            <a:lnRef idx="2">
+              <a:schemeClr val="accent1">
+                <a:shade val="50000"/>
+              </a:schemeClr>
+            </a:lnRef>
+            <a:fillRef idx="1">
+              <a:schemeClr val="accent1"/>
+            </a:fillRef>
+            <a:effectRef idx="0">
+              <a:schemeClr val="accent1"/>
+            </a:effectRef>
+            <a:fontRef idx="minor">
+              <a:schemeClr val="lt1"/>
+            </a:fontRef>
+          </p:style>
+          <p:txBody>
+            <a:bodyPr rtlCol="0" anchor="ctr"/>
+            <a:lstStyle/>
+            <a:p>
+              <a:pPr algn="ctr"/>
+              <a:endParaRPr lang="en-US" dirty="0"/>
+            </a:p>
+          </p:txBody>
+        </p:sp>
+        <p:grpSp>
+          <p:nvGrpSpPr>
+            <p:cNvPr id="72" name="Gruppe 71"/>
+            <p:cNvGrpSpPr/>
+            <p:nvPr/>
+          </p:nvGrpSpPr>
+          <p:grpSpPr>
+            <a:xfrm>
+              <a:off x="5222973" y="3163344"/>
+              <a:ext cx="1684615" cy="1351819"/>
+              <a:chOff x="5222973" y="3163344"/>
+              <a:chExt cx="1684615" cy="1351819"/>
+            </a:xfrm>
+          </p:grpSpPr>
+          <p:sp>
+            <p:nvSpPr>
+              <p:cNvPr id="29" name="Rektangel 28"/>
+              <p:cNvSpPr/>
+              <p:nvPr/>
+            </p:nvSpPr>
+            <p:spPr>
+              <a:xfrm>
+                <a:off x="5311700" y="3686073"/>
+                <a:ext cx="1489507" cy="558250"/>
+              </a:xfrm>
+              <a:prstGeom prst="rect">
+                <a:avLst/>
+              </a:prstGeom>
+              <a:solidFill>
+                <a:schemeClr val="tx1">
+                  <a:lumMod val="50000"/>
+                  <a:lumOff val="50000"/>
+                </a:schemeClr>
+              </a:solidFill>
+              <a:ln>
+                <a:noFill/>
+              </a:ln>
+            </p:spPr>
+            <p:style>
+              <a:lnRef idx="2">
+                <a:schemeClr val="accent1">
+                  <a:shade val="50000"/>
+                </a:schemeClr>
+              </a:lnRef>
+              <a:fillRef idx="1">
+                <a:schemeClr val="accent1"/>
+              </a:fillRef>
+              <a:effectRef idx="0">
+                <a:schemeClr val="accent1"/>
+              </a:effectRef>
+              <a:fontRef idx="minor">
+                <a:schemeClr val="lt1"/>
+              </a:fontRef>
+            </p:style>
+            <p:txBody>
+              <a:bodyPr rtlCol="0" anchor="ctr"/>
+              <a:lstStyle/>
+              <a:p>
+                <a:pPr algn="ctr"/>
+                <a:endParaRPr lang="nb-NO">
+                  <a:ln w="0"/>
+                  <a:solidFill>
+                    <a:schemeClr val="tx1"/>
+                  </a:solidFill>
+                  <a:effectLst>
+                    <a:outerShdw blurRad="38100" dist="19050" dir="2700000" algn="tl" rotWithShape="0">
+                      <a:schemeClr val="dk1">
+                        <a:alpha val="40000"/>
+                      </a:schemeClr>
+                    </a:outerShdw>
+                  </a:effectLst>
+                </a:endParaRPr>
+              </a:p>
+            </p:txBody>
+          </p:sp>
+          <p:sp>
+            <p:nvSpPr>
+              <p:cNvPr id="67" name="Likebent trekant 66"/>
+              <p:cNvSpPr/>
+              <p:nvPr/>
+            </p:nvSpPr>
+            <p:spPr>
+              <a:xfrm flipV="1">
+                <a:off x="5324707" y="4244323"/>
+                <a:ext cx="1489509" cy="270840"/>
+              </a:xfrm>
+              <a:prstGeom prst="triangle">
+                <a:avLst/>
+              </a:prstGeom>
+              <a:solidFill>
+                <a:schemeClr val="tx1">
+                  <a:lumMod val="50000"/>
+                  <a:lumOff val="50000"/>
+                </a:schemeClr>
+              </a:solidFill>
+              <a:ln>
+                <a:noFill/>
+              </a:ln>
+            </p:spPr>
+            <p:style>
+              <a:lnRef idx="2">
+                <a:schemeClr val="accent1">
+                  <a:shade val="50000"/>
+                </a:schemeClr>
+              </a:lnRef>
+              <a:fillRef idx="1">
+                <a:schemeClr val="accent1"/>
+              </a:fillRef>
+              <a:effectRef idx="0">
+                <a:schemeClr val="accent1"/>
+              </a:effectRef>
+              <a:fontRef idx="minor">
+                <a:schemeClr val="lt1"/>
+              </a:fontRef>
+            </p:style>
+            <p:txBody>
+              <a:bodyPr rtlCol="0" anchor="ctr"/>
+              <a:lstStyle/>
+              <a:p>
+                <a:pPr algn="ctr"/>
+                <a:endParaRPr lang="nb-NO">
+                  <a:ln w="0"/>
+                  <a:solidFill>
+                    <a:schemeClr val="tx1"/>
+                  </a:solidFill>
+                  <a:effectLst>
+                    <a:outerShdw blurRad="38100" dist="19050" dir="2700000" algn="tl" rotWithShape="0">
+                      <a:schemeClr val="dk1">
+                        <a:alpha val="40000"/>
+                      </a:schemeClr>
+                    </a:outerShdw>
+                  </a:effectLst>
+                </a:endParaRPr>
+              </a:p>
+            </p:txBody>
+          </p:sp>
+          <p:sp>
+            <p:nvSpPr>
+              <p:cNvPr id="68" name="Likebent trekant 67"/>
+              <p:cNvSpPr/>
+              <p:nvPr/>
+            </p:nvSpPr>
+            <p:spPr>
+              <a:xfrm flipV="1">
+                <a:off x="5324708" y="3685960"/>
+                <a:ext cx="1489509" cy="270840"/>
+              </a:xfrm>
+              <a:prstGeom prst="triangle">
+                <a:avLst/>
+              </a:prstGeom>
+              <a:solidFill>
+                <a:schemeClr val="bg1"/>
+              </a:solidFill>
+              <a:ln>
+                <a:noFill/>
+              </a:ln>
+            </p:spPr>
+            <p:style>
+              <a:lnRef idx="2">
+                <a:schemeClr val="accent1">
+                  <a:shade val="50000"/>
+                </a:schemeClr>
+              </a:lnRef>
+              <a:fillRef idx="1">
+                <a:schemeClr val="accent1"/>
+              </a:fillRef>
+              <a:effectRef idx="0">
+                <a:schemeClr val="accent1"/>
+              </a:effectRef>
+              <a:fontRef idx="minor">
+                <a:schemeClr val="lt1"/>
+              </a:fontRef>
+            </p:style>
+            <p:txBody>
+              <a:bodyPr rtlCol="0" anchor="ctr"/>
+              <a:lstStyle/>
+              <a:p>
+                <a:pPr algn="ctr"/>
+                <a:endParaRPr lang="nb-NO">
+                  <a:ln w="0"/>
+                  <a:solidFill>
+                    <a:schemeClr val="tx1"/>
+                  </a:solidFill>
+                  <a:effectLst>
+                    <a:outerShdw blurRad="38100" dist="19050" dir="2700000" algn="tl" rotWithShape="0">
+                      <a:schemeClr val="dk1">
+                        <a:alpha val="40000"/>
+                      </a:schemeClr>
+                    </a:outerShdw>
+                  </a:effectLst>
+                </a:endParaRPr>
+              </a:p>
+            </p:txBody>
+          </p:sp>
+          <p:sp>
+            <p:nvSpPr>
+              <p:cNvPr id="69" name="Likebent trekant 68"/>
+              <p:cNvSpPr/>
+              <p:nvPr/>
+            </p:nvSpPr>
+            <p:spPr>
+              <a:xfrm>
+                <a:off x="5315885" y="3415233"/>
+                <a:ext cx="1489509" cy="270840"/>
+              </a:xfrm>
+              <a:prstGeom prst="triangle">
+                <a:avLst/>
+              </a:prstGeom>
+              <a:solidFill>
+                <a:schemeClr val="bg1"/>
+              </a:solidFill>
+              <a:ln>
+                <a:noFill/>
+              </a:ln>
+            </p:spPr>
+            <p:style>
+              <a:lnRef idx="2">
+                <a:schemeClr val="accent1">
+                  <a:shade val="50000"/>
+                </a:schemeClr>
+              </a:lnRef>
+              <a:fillRef idx="1">
+                <a:schemeClr val="accent1"/>
+              </a:fillRef>
+              <a:effectRef idx="0">
+                <a:schemeClr val="accent1"/>
+              </a:effectRef>
+              <a:fontRef idx="minor">
+                <a:schemeClr val="lt1"/>
+              </a:fontRef>
+            </p:style>
+            <p:txBody>
+              <a:bodyPr rtlCol="0" anchor="ctr"/>
+              <a:lstStyle/>
+              <a:p>
+                <a:pPr algn="ctr"/>
+                <a:endParaRPr lang="nb-NO">
+                  <a:ln w="0"/>
+                  <a:solidFill>
+                    <a:schemeClr val="tx1"/>
+                  </a:solidFill>
+                  <a:effectLst>
+                    <a:outerShdw blurRad="38100" dist="19050" dir="2700000" algn="tl" rotWithShape="0">
+                      <a:schemeClr val="dk1">
+                        <a:alpha val="40000"/>
+                      </a:schemeClr>
+                    </a:outerShdw>
+                  </a:effectLst>
+                </a:endParaRPr>
+              </a:p>
+            </p:txBody>
+          </p:sp>
+          <p:sp>
+            <p:nvSpPr>
+              <p:cNvPr id="70" name="Parallellogram 69"/>
+              <p:cNvSpPr/>
+              <p:nvPr/>
+            </p:nvSpPr>
+            <p:spPr>
+              <a:xfrm rot="3702997" flipH="1" flipV="1">
+                <a:off x="5375968" y="3010349"/>
+                <a:ext cx="469960" cy="775949"/>
+              </a:xfrm>
+              <a:prstGeom prst="parallelogram">
+                <a:avLst/>
+              </a:prstGeom>
+              <a:solidFill>
+                <a:schemeClr val="tx1">
+                  <a:lumMod val="50000"/>
+                  <a:lumOff val="50000"/>
+                </a:schemeClr>
+              </a:solidFill>
+              <a:ln>
+                <a:solidFill>
+                  <a:srgbClr val="979EA6"/>
+                </a:solidFill>
+              </a:ln>
+            </p:spPr>
+            <p:style>
+              <a:lnRef idx="2">
+                <a:schemeClr val="accent1">
+                  <a:shade val="50000"/>
+                </a:schemeClr>
+              </a:lnRef>
+              <a:fillRef idx="1">
+                <a:schemeClr val="accent1"/>
+              </a:fillRef>
+              <a:effectRef idx="0">
+                <a:schemeClr val="accent1"/>
+              </a:effectRef>
+              <a:fontRef idx="minor">
+                <a:schemeClr val="lt1"/>
+              </a:fontRef>
+            </p:style>
+            <p:txBody>
+              <a:bodyPr rtlCol="0" anchor="ctr"/>
+              <a:lstStyle/>
+              <a:p>
+                <a:pPr algn="ctr"/>
+                <a:endParaRPr lang="nb-NO">
+                  <a:ln w="0"/>
+                  <a:solidFill>
+                    <a:schemeClr val="tx1"/>
+                  </a:solidFill>
+                  <a:effectLst>
+                    <a:outerShdw blurRad="38100" dist="19050" dir="2700000" algn="tl" rotWithShape="0">
+                      <a:schemeClr val="dk1">
+                        <a:alpha val="40000"/>
+                      </a:schemeClr>
+                    </a:outerShdw>
+                  </a:effectLst>
+                </a:endParaRPr>
+              </a:p>
+            </p:txBody>
+          </p:sp>
+          <p:sp>
+            <p:nvSpPr>
+              <p:cNvPr id="71" name="Parallellogram 70"/>
+              <p:cNvSpPr/>
+              <p:nvPr/>
+            </p:nvSpPr>
+            <p:spPr>
+              <a:xfrm rot="17897003" flipH="1">
+                <a:off x="6284635" y="3012021"/>
+                <a:ext cx="469958" cy="775949"/>
+              </a:xfrm>
+              <a:prstGeom prst="parallelogram">
+                <a:avLst/>
+              </a:prstGeom>
+              <a:solidFill>
+                <a:schemeClr val="tx1">
+                  <a:lumMod val="50000"/>
+                  <a:lumOff val="50000"/>
+                </a:schemeClr>
+              </a:solidFill>
+              <a:ln>
+                <a:solidFill>
+                  <a:srgbClr val="979EA6"/>
+                </a:solidFill>
+              </a:ln>
+            </p:spPr>
+            <p:style>
+              <a:lnRef idx="2">
+                <a:schemeClr val="accent1">
+                  <a:shade val="50000"/>
+                </a:schemeClr>
+              </a:lnRef>
+              <a:fillRef idx="1">
+                <a:schemeClr val="accent1"/>
+              </a:fillRef>
+              <a:effectRef idx="0">
+                <a:schemeClr val="accent1"/>
+              </a:effectRef>
+              <a:fontRef idx="minor">
+                <a:schemeClr val="lt1"/>
+              </a:fontRef>
+            </p:style>
+            <p:txBody>
+              <a:bodyPr rtlCol="0" anchor="ctr"/>
+              <a:lstStyle/>
+              <a:p>
+                <a:pPr algn="ctr"/>
+                <a:endParaRPr lang="nb-NO">
+                  <a:ln w="0"/>
+                  <a:solidFill>
+                    <a:schemeClr val="tx1"/>
+                  </a:solidFill>
+                  <a:effectLst>
+                    <a:outerShdw blurRad="38100" dist="19050" dir="2700000" algn="tl" rotWithShape="0">
+                      <a:schemeClr val="dk1">
+                        <a:alpha val="40000"/>
+                      </a:schemeClr>
+                    </a:outerShdw>
+                  </a:effectLst>
+                </a:endParaRPr>
+              </a:p>
+            </p:txBody>
+          </p:sp>
+        </p:grpSp>
+        <p:sp>
+          <p:nvSpPr>
+            <p:cNvPr id="47" name="Rektangel 46"/>
+            <p:cNvSpPr/>
+            <p:nvPr/>
+          </p:nvSpPr>
+          <p:spPr>
+            <a:xfrm>
+              <a:off x="5319919" y="3686186"/>
+              <a:ext cx="1489507" cy="558250"/>
+            </a:xfrm>
+            <a:prstGeom prst="rect">
+              <a:avLst/>
+            </a:prstGeom>
+            <a:ln>
+              <a:noFill/>
+            </a:ln>
+          </p:spPr>
+          <p:style>
+            <a:lnRef idx="2">
+              <a:schemeClr val="accent1">
+                <a:shade val="50000"/>
+              </a:schemeClr>
+            </a:lnRef>
+            <a:fillRef idx="1">
+              <a:schemeClr val="accent1"/>
+            </a:fillRef>
+            <a:effectRef idx="0">
+              <a:schemeClr val="accent1"/>
+            </a:effectRef>
+            <a:fontRef idx="minor">
+              <a:schemeClr val="lt1"/>
+            </a:fontRef>
+          </p:style>
+          <p:txBody>
+            <a:bodyPr rtlCol="0" anchor="ctr"/>
+            <a:lstStyle/>
+            <a:p>
+              <a:pPr algn="ctr"/>
+              <a:endParaRPr lang="nb-NO">
+                <a:ln w="0"/>
+                <a:solidFill>
+                  <a:schemeClr val="tx1"/>
+                </a:solidFill>
+                <a:effectLst>
+                  <a:outerShdw blurRad="38100" dist="19050" dir="2700000" algn="tl" rotWithShape="0">
+                    <a:schemeClr val="dk1">
+                      <a:alpha val="40000"/>
+                    </a:schemeClr>
+                  </a:outerShdw>
+                </a:effectLst>
+              </a:endParaRPr>
+            </a:p>
+          </p:txBody>
+        </p:sp>
+        <p:sp>
+          <p:nvSpPr>
+            <p:cNvPr id="48" name="Likebent trekant 47"/>
+            <p:cNvSpPr/>
+            <p:nvPr/>
+          </p:nvSpPr>
+          <p:spPr>
+            <a:xfrm flipV="1">
+              <a:off x="5321502" y="4244436"/>
+              <a:ext cx="1489509" cy="270614"/>
+            </a:xfrm>
+            <a:prstGeom prst="triangle">
+              <a:avLst/>
+            </a:prstGeom>
+            <a:ln>
+              <a:noFill/>
+            </a:ln>
+          </p:spPr>
+          <p:style>
+            <a:lnRef idx="2">
+              <a:schemeClr val="accent1">
+                <a:shade val="50000"/>
+              </a:schemeClr>
+            </a:lnRef>
+            <a:fillRef idx="1">
+              <a:schemeClr val="accent1"/>
+            </a:fillRef>
+            <a:effectRef idx="0">
+              <a:schemeClr val="accent1"/>
+            </a:effectRef>
+            <a:fontRef idx="minor">
+              <a:schemeClr val="lt1"/>
+            </a:fontRef>
+          </p:style>
+          <p:txBody>
+            <a:bodyPr rtlCol="0" anchor="ctr"/>
+            <a:lstStyle/>
+            <a:p>
+              <a:pPr algn="ctr"/>
+              <a:endParaRPr lang="nb-NO">
+                <a:ln w="0"/>
+                <a:solidFill>
+                  <a:schemeClr val="tx1"/>
+                </a:solidFill>
+                <a:effectLst>
+                  <a:outerShdw blurRad="38100" dist="19050" dir="2700000" algn="tl" rotWithShape="0">
+                    <a:schemeClr val="dk1">
+                      <a:alpha val="40000"/>
+                    </a:schemeClr>
+                  </a:outerShdw>
+                </a:effectLst>
+              </a:endParaRPr>
+            </a:p>
+          </p:txBody>
+        </p:sp>
+        <p:sp>
+          <p:nvSpPr>
+            <p:cNvPr id="49" name="Rektangel 48"/>
+            <p:cNvSpPr/>
+            <p:nvPr/>
+          </p:nvSpPr>
+          <p:spPr>
+            <a:xfrm>
+              <a:off x="5318130" y="3686186"/>
+              <a:ext cx="1489507" cy="558250"/>
+            </a:xfrm>
+            <a:prstGeom prst="rect">
+              <a:avLst/>
+            </a:prstGeom>
+            <a:ln>
+              <a:noFill/>
+            </a:ln>
+          </p:spPr>
+          <p:style>
+            <a:lnRef idx="2">
+              <a:schemeClr val="accent1">
+                <a:shade val="50000"/>
+              </a:schemeClr>
+            </a:lnRef>
+            <a:fillRef idx="1">
+              <a:schemeClr val="accent1"/>
+            </a:fillRef>
+            <a:effectRef idx="0">
+              <a:schemeClr val="accent1"/>
+            </a:effectRef>
+            <a:fontRef idx="minor">
+              <a:schemeClr val="lt1"/>
+            </a:fontRef>
+          </p:style>
+          <p:txBody>
+            <a:bodyPr rtlCol="0" anchor="ctr"/>
+            <a:lstStyle/>
+            <a:p>
+              <a:pPr algn="ctr"/>
+              <a:endParaRPr lang="nb-NO">
+                <a:ln w="0"/>
+                <a:solidFill>
+                  <a:schemeClr val="tx1"/>
+                </a:solidFill>
+                <a:effectLst>
+                  <a:outerShdw blurRad="38100" dist="19050" dir="2700000" algn="tl" rotWithShape="0">
+                    <a:schemeClr val="dk1">
+                      <a:alpha val="40000"/>
+                    </a:schemeClr>
+                  </a:outerShdw>
+                </a:effectLst>
+              </a:endParaRPr>
+            </a:p>
+          </p:txBody>
+        </p:sp>
+        <p:sp>
+          <p:nvSpPr>
+            <p:cNvPr id="50" name="Likebent trekant 49"/>
+            <p:cNvSpPr/>
+            <p:nvPr/>
+          </p:nvSpPr>
+          <p:spPr>
+            <a:xfrm flipV="1">
+              <a:off x="5311700" y="4244436"/>
+              <a:ext cx="1489509" cy="270614"/>
+            </a:xfrm>
+            <a:prstGeom prst="triangle">
+              <a:avLst/>
+            </a:prstGeom>
+            <a:solidFill>
+              <a:schemeClr val="tx1">
+                <a:lumMod val="50000"/>
+                <a:lumOff val="50000"/>
+              </a:schemeClr>
+            </a:solidFill>
+            <a:ln>
+              <a:noFill/>
+            </a:ln>
+          </p:spPr>
+          <p:style>
+            <a:lnRef idx="2">
+              <a:schemeClr val="accent1">
+                <a:shade val="50000"/>
+              </a:schemeClr>
+            </a:lnRef>
+            <a:fillRef idx="1">
+              <a:schemeClr val="accent1"/>
+            </a:fillRef>
+            <a:effectRef idx="0">
+              <a:schemeClr val="accent1"/>
+            </a:effectRef>
+            <a:fontRef idx="minor">
+              <a:schemeClr val="lt1"/>
+            </a:fontRef>
+          </p:style>
+          <p:txBody>
+            <a:bodyPr rtlCol="0" anchor="ctr"/>
+            <a:lstStyle/>
+            <a:p>
+              <a:pPr algn="ctr"/>
+              <a:endParaRPr lang="nb-NO">
+                <a:ln w="0"/>
+                <a:solidFill>
+                  <a:schemeClr val="tx1"/>
+                </a:solidFill>
+                <a:effectLst>
+                  <a:outerShdw blurRad="38100" dist="19050" dir="2700000" algn="tl" rotWithShape="0">
+                    <a:schemeClr val="dk1">
+                      <a:alpha val="40000"/>
+                    </a:schemeClr>
+                  </a:outerShdw>
+                </a:effectLst>
+              </a:endParaRPr>
+            </a:p>
+          </p:txBody>
+        </p:sp>
+        <p:sp>
+          <p:nvSpPr>
+            <p:cNvPr id="51" name="Rektangel 50"/>
+            <p:cNvSpPr/>
+            <p:nvPr/>
+          </p:nvSpPr>
+          <p:spPr>
+            <a:xfrm>
+              <a:off x="5311701" y="3686073"/>
+              <a:ext cx="1489507" cy="558250"/>
+            </a:xfrm>
+            <a:prstGeom prst="rect">
+              <a:avLst/>
+            </a:prstGeom>
+            <a:solidFill>
+              <a:schemeClr val="tx1">
+                <a:lumMod val="50000"/>
+                <a:lumOff val="50000"/>
+              </a:schemeClr>
+            </a:solidFill>
+            <a:ln>
+              <a:noFill/>
+            </a:ln>
+          </p:spPr>
+          <p:style>
+            <a:lnRef idx="2">
+              <a:schemeClr val="accent1">
+                <a:shade val="50000"/>
+              </a:schemeClr>
+            </a:lnRef>
+            <a:fillRef idx="1">
+              <a:schemeClr val="accent1"/>
+            </a:fillRef>
+            <a:effectRef idx="0">
+              <a:schemeClr val="accent1"/>
+            </a:effectRef>
+            <a:fontRef idx="minor">
+              <a:schemeClr val="lt1"/>
+            </a:fontRef>
+          </p:style>
+          <p:txBody>
+            <a:bodyPr rtlCol="0" anchor="ctr"/>
+            <a:lstStyle/>
+            <a:p>
+              <a:pPr algn="ctr"/>
+              <a:endParaRPr lang="nb-NO">
+                <a:ln w="0"/>
+                <a:solidFill>
+                  <a:schemeClr val="tx1"/>
+                </a:solidFill>
+                <a:effectLst>
+                  <a:outerShdw blurRad="38100" dist="19050" dir="2700000" algn="tl" rotWithShape="0">
+                    <a:schemeClr val="dk1">
+                      <a:alpha val="40000"/>
+                    </a:schemeClr>
+                  </a:outerShdw>
+                </a:effectLst>
+              </a:endParaRPr>
+            </a:p>
+          </p:txBody>
+        </p:sp>
+        <p:sp>
+          <p:nvSpPr>
+            <p:cNvPr id="52" name="Parallellogram 51"/>
+            <p:cNvSpPr/>
+            <p:nvPr/>
+          </p:nvSpPr>
+          <p:spPr>
+            <a:xfrm rot="17897003" flipH="1">
+              <a:off x="5368765" y="3598640"/>
+              <a:ext cx="469567" cy="775949"/>
+            </a:xfrm>
+            <a:prstGeom prst="parallelogram">
+              <a:avLst/>
+            </a:prstGeom>
+            <a:solidFill>
+              <a:schemeClr val="tx1">
+                <a:lumMod val="50000"/>
+                <a:lumOff val="50000"/>
+              </a:schemeClr>
+            </a:solidFill>
+            <a:ln>
+              <a:solidFill>
+                <a:srgbClr val="979EA6"/>
+              </a:solidFill>
+            </a:ln>
+          </p:spPr>
+          <p:style>
+            <a:lnRef idx="2">
+              <a:schemeClr val="accent1">
+                <a:shade val="50000"/>
+              </a:schemeClr>
+            </a:lnRef>
+            <a:fillRef idx="1">
+              <a:schemeClr val="accent1"/>
+            </a:fillRef>
+            <a:effectRef idx="0">
+              <a:schemeClr val="accent1"/>
+            </a:effectRef>
+            <a:fontRef idx="minor">
+              <a:schemeClr val="lt1"/>
+            </a:fontRef>
+          </p:style>
+          <p:txBody>
+            <a:bodyPr rtlCol="0" anchor="ctr"/>
+            <a:lstStyle/>
+            <a:p>
+              <a:pPr algn="ctr"/>
+              <a:endParaRPr lang="nb-NO">
+                <a:ln w="0"/>
+                <a:solidFill>
+                  <a:schemeClr val="tx1"/>
+                </a:solidFill>
+                <a:effectLst>
+                  <a:outerShdw blurRad="38100" dist="19050" dir="2700000" algn="tl" rotWithShape="0">
+                    <a:schemeClr val="dk1">
+                      <a:alpha val="40000"/>
+                    </a:schemeClr>
+                  </a:outerShdw>
+                </a:effectLst>
+              </a:endParaRPr>
+            </a:p>
+          </p:txBody>
+        </p:sp>
+        <p:sp>
+          <p:nvSpPr>
+            <p:cNvPr id="53" name="Parallellogram 52"/>
+            <p:cNvSpPr/>
+            <p:nvPr/>
+          </p:nvSpPr>
+          <p:spPr>
+            <a:xfrm rot="3702997" flipH="1" flipV="1">
+              <a:off x="6274578" y="3598641"/>
+              <a:ext cx="469567" cy="775949"/>
+            </a:xfrm>
+            <a:prstGeom prst="parallelogram">
+              <a:avLst/>
+            </a:prstGeom>
+            <a:solidFill>
+              <a:schemeClr val="tx1">
+                <a:lumMod val="50000"/>
+                <a:lumOff val="50000"/>
+              </a:schemeClr>
+            </a:solidFill>
+            <a:ln>
+              <a:solidFill>
+                <a:srgbClr val="979EA6"/>
+              </a:solidFill>
+            </a:ln>
+          </p:spPr>
+          <p:style>
+            <a:lnRef idx="2">
+              <a:schemeClr val="accent1">
+                <a:shade val="50000"/>
+              </a:schemeClr>
+            </a:lnRef>
+            <a:fillRef idx="1">
+              <a:schemeClr val="accent1"/>
+            </a:fillRef>
+            <a:effectRef idx="0">
+              <a:schemeClr val="accent1"/>
+            </a:effectRef>
+            <a:fontRef idx="minor">
+              <a:schemeClr val="lt1"/>
+            </a:fontRef>
+          </p:style>
+          <p:txBody>
+            <a:bodyPr rtlCol="0" anchor="ctr"/>
+            <a:lstStyle/>
+            <a:p>
+              <a:pPr algn="ctr"/>
+              <a:endParaRPr lang="nb-NO">
+                <a:ln w="0"/>
+                <a:solidFill>
+                  <a:schemeClr val="tx1"/>
+                </a:solidFill>
+                <a:effectLst>
+                  <a:outerShdw blurRad="38100" dist="19050" dir="2700000" algn="tl" rotWithShape="0">
+                    <a:schemeClr val="dk1">
+                      <a:alpha val="40000"/>
+                    </a:schemeClr>
+                  </a:outerShdw>
+                </a:effectLst>
+              </a:endParaRPr>
+            </a:p>
+          </p:txBody>
+        </p:sp>
+        <p:sp>
+          <p:nvSpPr>
+            <p:cNvPr id="54" name="Likebent trekant 53"/>
+            <p:cNvSpPr/>
+            <p:nvPr/>
+          </p:nvSpPr>
+          <p:spPr>
+            <a:xfrm>
+              <a:off x="5311700" y="3415346"/>
+              <a:ext cx="1489509" cy="270614"/>
+            </a:xfrm>
+            <a:prstGeom prst="triangle">
+              <a:avLst/>
+            </a:prstGeom>
+            <a:solidFill>
+              <a:schemeClr val="bg1"/>
+            </a:solidFill>
+            <a:ln>
+              <a:noFill/>
+            </a:ln>
+          </p:spPr>
+          <p:style>
+            <a:lnRef idx="2">
+              <a:schemeClr val="accent1">
+                <a:shade val="50000"/>
+              </a:schemeClr>
+            </a:lnRef>
+            <a:fillRef idx="1">
+              <a:schemeClr val="accent1"/>
+            </a:fillRef>
+            <a:effectRef idx="0">
+              <a:schemeClr val="accent1"/>
+            </a:effectRef>
+            <a:fontRef idx="minor">
+              <a:schemeClr val="lt1"/>
+            </a:fontRef>
+          </p:style>
+          <p:txBody>
+            <a:bodyPr rtlCol="0" anchor="ctr"/>
+            <a:lstStyle/>
+            <a:p>
+              <a:pPr algn="ctr"/>
+              <a:endParaRPr lang="nb-NO">
+                <a:ln w="0"/>
+                <a:solidFill>
+                  <a:schemeClr val="tx1"/>
+                </a:solidFill>
+                <a:effectLst>
+                  <a:outerShdw blurRad="38100" dist="19050" dir="2700000" algn="tl" rotWithShape="0">
+                    <a:schemeClr val="dk1">
+                      <a:alpha val="40000"/>
+                    </a:schemeClr>
+                  </a:outerShdw>
+                </a:effectLst>
+              </a:endParaRPr>
+            </a:p>
+          </p:txBody>
+        </p:sp>
+        <p:sp>
+          <p:nvSpPr>
+            <p:cNvPr id="55" name="Likebent trekant 54"/>
+            <p:cNvSpPr/>
+            <p:nvPr/>
+          </p:nvSpPr>
+          <p:spPr>
+            <a:xfrm flipV="1">
+              <a:off x="5311700" y="3686073"/>
+              <a:ext cx="1489509" cy="270614"/>
+            </a:xfrm>
+            <a:prstGeom prst="triangle">
+              <a:avLst/>
+            </a:prstGeom>
+            <a:solidFill>
+              <a:schemeClr val="bg1"/>
+            </a:solidFill>
+            <a:ln>
+              <a:noFill/>
+            </a:ln>
+          </p:spPr>
+          <p:style>
+            <a:lnRef idx="2">
+              <a:schemeClr val="accent1">
+                <a:shade val="50000"/>
+              </a:schemeClr>
+            </a:lnRef>
+            <a:fillRef idx="1">
+              <a:schemeClr val="accent1"/>
+            </a:fillRef>
+            <a:effectRef idx="0">
+              <a:schemeClr val="accent1"/>
+            </a:effectRef>
+            <a:fontRef idx="minor">
+              <a:schemeClr val="lt1"/>
+            </a:fontRef>
+          </p:style>
+          <p:txBody>
+            <a:bodyPr rtlCol="0" anchor="ctr"/>
+            <a:lstStyle/>
+            <a:p>
+              <a:pPr algn="ctr"/>
+              <a:endParaRPr lang="nb-NO">
+                <a:ln w="0"/>
+                <a:solidFill>
+                  <a:schemeClr val="tx1"/>
+                </a:solidFill>
+                <a:effectLst>
+                  <a:outerShdw blurRad="38100" dist="19050" dir="2700000" algn="tl" rotWithShape="0">
+                    <a:schemeClr val="dk1">
+                      <a:alpha val="40000"/>
+                    </a:schemeClr>
+                  </a:outerShdw>
+                </a:effectLst>
+              </a:endParaRPr>
+            </a:p>
+          </p:txBody>
+        </p:sp>
+        <p:sp>
+          <p:nvSpPr>
+            <p:cNvPr id="56" name="Parallellogram 55"/>
+            <p:cNvSpPr/>
+            <p:nvPr/>
+          </p:nvSpPr>
+          <p:spPr>
+            <a:xfrm rot="3702997" flipH="1" flipV="1">
+              <a:off x="5371979" y="3010350"/>
+              <a:ext cx="469567" cy="775949"/>
+            </a:xfrm>
+            <a:prstGeom prst="parallelogram">
+              <a:avLst/>
+            </a:prstGeom>
+            <a:solidFill>
+              <a:schemeClr val="tx1">
+                <a:lumMod val="50000"/>
+                <a:lumOff val="50000"/>
+              </a:schemeClr>
+            </a:solidFill>
+            <a:ln>
+              <a:solidFill>
+                <a:srgbClr val="979EA6"/>
+              </a:solidFill>
+            </a:ln>
+          </p:spPr>
+          <p:style>
+            <a:lnRef idx="2">
+              <a:schemeClr val="accent1">
+                <a:shade val="50000"/>
+              </a:schemeClr>
+            </a:lnRef>
+            <a:fillRef idx="1">
+              <a:schemeClr val="accent1"/>
+            </a:fillRef>
+            <a:effectRef idx="0">
+              <a:schemeClr val="accent1"/>
+            </a:effectRef>
+            <a:fontRef idx="minor">
+              <a:schemeClr val="lt1"/>
+            </a:fontRef>
+          </p:style>
+          <p:txBody>
+            <a:bodyPr rtlCol="0" anchor="ctr"/>
+            <a:lstStyle/>
+            <a:p>
+              <a:pPr algn="ctr"/>
+              <a:endParaRPr lang="nb-NO">
+                <a:ln w="0"/>
+                <a:solidFill>
+                  <a:schemeClr val="tx1"/>
+                </a:solidFill>
+                <a:effectLst>
+                  <a:outerShdw blurRad="38100" dist="19050" dir="2700000" algn="tl" rotWithShape="0">
+                    <a:schemeClr val="dk1">
+                      <a:alpha val="40000"/>
+                    </a:schemeClr>
+                  </a:outerShdw>
+                </a:effectLst>
+              </a:endParaRPr>
+            </a:p>
+          </p:txBody>
+        </p:sp>
+        <p:sp>
+          <p:nvSpPr>
+            <p:cNvPr id="57" name="Parallellogram 56"/>
+            <p:cNvSpPr/>
+            <p:nvPr/>
+          </p:nvSpPr>
+          <p:spPr>
+            <a:xfrm rot="17897003" flipH="1">
+              <a:off x="6280645" y="3012021"/>
+              <a:ext cx="469567" cy="775949"/>
+            </a:xfrm>
+            <a:prstGeom prst="parallelogram">
+              <a:avLst/>
+            </a:prstGeom>
+            <a:solidFill>
+              <a:schemeClr val="tx1">
+                <a:lumMod val="50000"/>
+                <a:lumOff val="50000"/>
+              </a:schemeClr>
+            </a:solidFill>
+            <a:ln>
+              <a:solidFill>
+                <a:srgbClr val="979EA6"/>
+              </a:solidFill>
+            </a:ln>
+          </p:spPr>
+          <p:style>
+            <a:lnRef idx="2">
+              <a:schemeClr val="accent1">
+                <a:shade val="50000"/>
+              </a:schemeClr>
+            </a:lnRef>
+            <a:fillRef idx="1">
+              <a:schemeClr val="accent1"/>
+            </a:fillRef>
+            <a:effectRef idx="0">
+              <a:schemeClr val="accent1"/>
+            </a:effectRef>
+            <a:fontRef idx="minor">
+              <a:schemeClr val="lt1"/>
+            </a:fontRef>
+          </p:style>
+          <p:txBody>
+            <a:bodyPr rtlCol="0" anchor="ctr"/>
+            <a:lstStyle/>
+            <a:p>
+              <a:pPr algn="ctr"/>
+              <a:endParaRPr lang="nb-NO">
+                <a:ln w="0"/>
+                <a:solidFill>
+                  <a:schemeClr val="tx1"/>
+                </a:solidFill>
+                <a:effectLst>
+                  <a:outerShdw blurRad="38100" dist="19050" dir="2700000" algn="tl" rotWithShape="0">
+                    <a:schemeClr val="dk1">
+                      <a:alpha val="40000"/>
+                    </a:schemeClr>
+                  </a:outerShdw>
+                </a:effectLst>
+              </a:endParaRPr>
+            </a:p>
+          </p:txBody>
+        </p:sp>
+        <p:sp>
+          <p:nvSpPr>
+            <p:cNvPr id="4" name="Likebent trekant 3"/>
+            <p:cNvSpPr/>
+            <p:nvPr/>
+          </p:nvSpPr>
+          <p:spPr>
+            <a:xfrm flipV="1">
+              <a:off x="5321501" y="4244436"/>
+              <a:ext cx="1489509" cy="270614"/>
+            </a:xfrm>
+            <a:prstGeom prst="triangle">
+              <a:avLst/>
+            </a:prstGeom>
+            <a:ln>
+              <a:noFill/>
+            </a:ln>
+          </p:spPr>
+          <p:style>
+            <a:lnRef idx="2">
+              <a:schemeClr val="accent1">
+                <a:shade val="50000"/>
+              </a:schemeClr>
+            </a:lnRef>
+            <a:fillRef idx="1">
+              <a:schemeClr val="accent1"/>
+            </a:fillRef>
+            <a:effectRef idx="0">
+              <a:schemeClr val="accent1"/>
+            </a:effectRef>
+            <a:fontRef idx="minor">
+              <a:schemeClr val="lt1"/>
+            </a:fontRef>
+          </p:style>
+          <p:txBody>
+            <a:bodyPr rtlCol="0" anchor="ctr"/>
+            <a:lstStyle/>
+            <a:p>
+              <a:pPr algn="ctr"/>
+              <a:endParaRPr lang="nb-NO">
+                <a:ln w="0"/>
+                <a:solidFill>
+                  <a:schemeClr val="tx1"/>
+                </a:solidFill>
+                <a:effectLst>
+                  <a:outerShdw blurRad="38100" dist="19050" dir="2700000" algn="tl" rotWithShape="0">
+                    <a:schemeClr val="dk1">
+                      <a:alpha val="40000"/>
+                    </a:schemeClr>
+                  </a:outerShdw>
+                </a:effectLst>
+              </a:endParaRPr>
+            </a:p>
+          </p:txBody>
+        </p:sp>
+        <p:sp>
+          <p:nvSpPr>
+            <p:cNvPr id="26" name="Likebent trekant 25"/>
+            <p:cNvSpPr/>
+            <p:nvPr/>
+          </p:nvSpPr>
+          <p:spPr>
+            <a:xfrm flipV="1">
+              <a:off x="5311699" y="4244436"/>
+              <a:ext cx="1489509" cy="270614"/>
+            </a:xfrm>
+            <a:prstGeom prst="triangle">
+              <a:avLst/>
+            </a:prstGeom>
+            <a:solidFill>
+              <a:schemeClr val="tx1">
+                <a:lumMod val="50000"/>
+                <a:lumOff val="50000"/>
+              </a:schemeClr>
+            </a:solidFill>
+            <a:ln>
+              <a:noFill/>
+            </a:ln>
+          </p:spPr>
+          <p:style>
+            <a:lnRef idx="2">
+              <a:schemeClr val="accent1">
+                <a:shade val="50000"/>
+              </a:schemeClr>
+            </a:lnRef>
+            <a:fillRef idx="1">
+              <a:schemeClr val="accent1"/>
+            </a:fillRef>
+            <a:effectRef idx="0">
+              <a:schemeClr val="accent1"/>
+            </a:effectRef>
+            <a:fontRef idx="minor">
+              <a:schemeClr val="lt1"/>
+            </a:fontRef>
+          </p:style>
+          <p:txBody>
+            <a:bodyPr rtlCol="0" anchor="ctr"/>
+            <a:lstStyle/>
+            <a:p>
+              <a:pPr algn="ctr"/>
+              <a:endParaRPr lang="nb-NO">
+                <a:ln w="0"/>
+                <a:solidFill>
+                  <a:schemeClr val="tx1"/>
+                </a:solidFill>
+                <a:effectLst>
+                  <a:outerShdw blurRad="38100" dist="19050" dir="2700000" algn="tl" rotWithShape="0">
+                    <a:schemeClr val="dk1">
+                      <a:alpha val="40000"/>
+                    </a:schemeClr>
+                  </a:outerShdw>
+                </a:effectLst>
+              </a:endParaRPr>
+            </a:p>
+          </p:txBody>
+        </p:sp>
+        <p:sp>
+          <p:nvSpPr>
+            <p:cNvPr id="33" name="Parallellogram 32"/>
+            <p:cNvSpPr/>
+            <p:nvPr/>
+          </p:nvSpPr>
+          <p:spPr>
+            <a:xfrm rot="3702997" flipH="1" flipV="1">
+              <a:off x="6274577" y="3598641"/>
+              <a:ext cx="469567" cy="775949"/>
+            </a:xfrm>
+            <a:prstGeom prst="parallelogram">
+              <a:avLst/>
+            </a:prstGeom>
+            <a:solidFill>
+              <a:schemeClr val="tx1">
+                <a:lumMod val="50000"/>
+                <a:lumOff val="50000"/>
+              </a:schemeClr>
+            </a:solidFill>
+            <a:ln>
+              <a:solidFill>
+                <a:srgbClr val="979EA6"/>
+              </a:solidFill>
+            </a:ln>
+          </p:spPr>
+          <p:style>
+            <a:lnRef idx="2">
+              <a:schemeClr val="accent1">
+                <a:shade val="50000"/>
+              </a:schemeClr>
+            </a:lnRef>
+            <a:fillRef idx="1">
+              <a:schemeClr val="accent1"/>
+            </a:fillRef>
+            <a:effectRef idx="0">
+              <a:schemeClr val="accent1"/>
+            </a:effectRef>
+            <a:fontRef idx="minor">
+              <a:schemeClr val="lt1"/>
+            </a:fontRef>
+          </p:style>
+          <p:txBody>
+            <a:bodyPr rtlCol="0" anchor="ctr"/>
+            <a:lstStyle/>
+            <a:p>
+              <a:pPr algn="ctr"/>
+              <a:endParaRPr lang="nb-NO">
+                <a:ln w="0"/>
+                <a:solidFill>
+                  <a:schemeClr val="tx1"/>
+                </a:solidFill>
+                <a:effectLst>
+                  <a:outerShdw blurRad="38100" dist="19050" dir="2700000" algn="tl" rotWithShape="0">
+                    <a:schemeClr val="dk1">
+                      <a:alpha val="40000"/>
+                    </a:schemeClr>
+                  </a:outerShdw>
+                </a:effectLst>
+              </a:endParaRPr>
+            </a:p>
+          </p:txBody>
+        </p:sp>
+        <p:sp>
+          <p:nvSpPr>
+            <p:cNvPr id="28" name="Likebent trekant 27"/>
+            <p:cNvSpPr/>
+            <p:nvPr/>
+          </p:nvSpPr>
+          <p:spPr>
+            <a:xfrm>
+              <a:off x="5311699" y="3415346"/>
+              <a:ext cx="1489509" cy="270614"/>
+            </a:xfrm>
+            <a:prstGeom prst="triangle">
+              <a:avLst/>
+            </a:prstGeom>
+            <a:solidFill>
+              <a:schemeClr val="bg1"/>
+            </a:solidFill>
+            <a:ln>
+              <a:noFill/>
+            </a:ln>
+          </p:spPr>
+          <p:style>
+            <a:lnRef idx="2">
+              <a:schemeClr val="accent1">
+                <a:shade val="50000"/>
+              </a:schemeClr>
+            </a:lnRef>
+            <a:fillRef idx="1">
+              <a:schemeClr val="accent1"/>
+            </a:fillRef>
+            <a:effectRef idx="0">
+              <a:schemeClr val="accent1"/>
+            </a:effectRef>
+            <a:fontRef idx="minor">
+              <a:schemeClr val="lt1"/>
+            </a:fontRef>
+          </p:style>
+          <p:txBody>
+            <a:bodyPr rtlCol="0" anchor="ctr"/>
+            <a:lstStyle/>
+            <a:p>
+              <a:pPr algn="ctr"/>
+              <a:endParaRPr lang="nb-NO">
+                <a:ln w="0"/>
+                <a:solidFill>
+                  <a:schemeClr val="tx1"/>
+                </a:solidFill>
+                <a:effectLst>
+                  <a:outerShdw blurRad="38100" dist="19050" dir="2700000" algn="tl" rotWithShape="0">
+                    <a:schemeClr val="dk1">
+                      <a:alpha val="40000"/>
+                    </a:schemeClr>
+                  </a:outerShdw>
+                </a:effectLst>
+              </a:endParaRPr>
+            </a:p>
+          </p:txBody>
+        </p:sp>
+        <p:sp>
+          <p:nvSpPr>
+            <p:cNvPr id="30" name="Likebent trekant 29"/>
+            <p:cNvSpPr/>
+            <p:nvPr/>
+          </p:nvSpPr>
+          <p:spPr>
+            <a:xfrm flipV="1">
+              <a:off x="5311699" y="3686073"/>
+              <a:ext cx="1489509" cy="270614"/>
+            </a:xfrm>
+            <a:prstGeom prst="triangle">
+              <a:avLst/>
+            </a:prstGeom>
+            <a:solidFill>
+              <a:schemeClr val="bg1"/>
+            </a:solidFill>
+            <a:ln>
+              <a:noFill/>
+            </a:ln>
+          </p:spPr>
+          <p:style>
+            <a:lnRef idx="2">
+              <a:schemeClr val="accent1">
+                <a:shade val="50000"/>
+              </a:schemeClr>
+            </a:lnRef>
+            <a:fillRef idx="1">
+              <a:schemeClr val="accent1"/>
+            </a:fillRef>
+            <a:effectRef idx="0">
+              <a:schemeClr val="accent1"/>
+            </a:effectRef>
+            <a:fontRef idx="minor">
+              <a:schemeClr val="lt1"/>
+            </a:fontRef>
+          </p:style>
+          <p:txBody>
+            <a:bodyPr rtlCol="0" anchor="ctr"/>
+            <a:lstStyle/>
+            <a:p>
+              <a:pPr algn="ctr"/>
+              <a:endParaRPr lang="nb-NO">
+                <a:ln w="0"/>
+                <a:solidFill>
+                  <a:schemeClr val="tx1"/>
+                </a:solidFill>
+                <a:effectLst>
+                  <a:outerShdw blurRad="38100" dist="19050" dir="2700000" algn="tl" rotWithShape="0">
+                    <a:schemeClr val="dk1">
+                      <a:alpha val="40000"/>
+                    </a:schemeClr>
+                  </a:outerShdw>
+                </a:effectLst>
+              </a:endParaRPr>
+            </a:p>
+          </p:txBody>
+        </p:sp>
+        <p:sp>
+          <p:nvSpPr>
+            <p:cNvPr id="32" name="Parallellogram 31"/>
+            <p:cNvSpPr/>
+            <p:nvPr/>
+          </p:nvSpPr>
+          <p:spPr>
+            <a:xfrm rot="3702997" flipH="1" flipV="1">
+              <a:off x="5371978" y="3010350"/>
+              <a:ext cx="469567" cy="775949"/>
+            </a:xfrm>
+            <a:prstGeom prst="parallelogram">
+              <a:avLst/>
+            </a:prstGeom>
+            <a:solidFill>
+              <a:schemeClr val="tx1">
+                <a:lumMod val="50000"/>
+                <a:lumOff val="50000"/>
+              </a:schemeClr>
+            </a:solidFill>
+            <a:ln>
+              <a:solidFill>
+                <a:srgbClr val="979EA6"/>
+              </a:solidFill>
+            </a:ln>
+          </p:spPr>
+          <p:style>
+            <a:lnRef idx="2">
+              <a:schemeClr val="accent1">
+                <a:shade val="50000"/>
+              </a:schemeClr>
+            </a:lnRef>
+            <a:fillRef idx="1">
+              <a:schemeClr val="accent1"/>
+            </a:fillRef>
+            <a:effectRef idx="0">
+              <a:schemeClr val="accent1"/>
+            </a:effectRef>
+            <a:fontRef idx="minor">
+              <a:schemeClr val="lt1"/>
+            </a:fontRef>
+          </p:style>
+          <p:txBody>
+            <a:bodyPr rtlCol="0" anchor="ctr"/>
+            <a:lstStyle/>
+            <a:p>
+              <a:pPr algn="ctr"/>
+              <a:endParaRPr lang="nb-NO">
+                <a:ln w="0"/>
+                <a:solidFill>
+                  <a:schemeClr val="tx1"/>
+                </a:solidFill>
+                <a:effectLst>
+                  <a:outerShdw blurRad="38100" dist="19050" dir="2700000" algn="tl" rotWithShape="0">
+                    <a:schemeClr val="dk1">
+                      <a:alpha val="40000"/>
+                    </a:schemeClr>
+                  </a:outerShdw>
+                </a:effectLst>
+              </a:endParaRPr>
+            </a:p>
+          </p:txBody>
+        </p:sp>
+        <p:sp>
+          <p:nvSpPr>
+            <p:cNvPr id="34" name="Parallellogram 33"/>
+            <p:cNvSpPr/>
+            <p:nvPr/>
+          </p:nvSpPr>
+          <p:spPr>
+            <a:xfrm rot="17897003" flipH="1">
+              <a:off x="6280644" y="3012021"/>
+              <a:ext cx="469567" cy="775949"/>
+            </a:xfrm>
+            <a:prstGeom prst="parallelogram">
+              <a:avLst/>
+            </a:prstGeom>
+            <a:solidFill>
+              <a:schemeClr val="tx1">
+                <a:lumMod val="50000"/>
+                <a:lumOff val="50000"/>
+              </a:schemeClr>
+            </a:solidFill>
+            <a:ln>
+              <a:solidFill>
+                <a:srgbClr val="979EA6"/>
+              </a:solidFill>
+            </a:ln>
+          </p:spPr>
+          <p:style>
+            <a:lnRef idx="2">
+              <a:schemeClr val="accent1">
+                <a:shade val="50000"/>
+              </a:schemeClr>
+            </a:lnRef>
+            <a:fillRef idx="1">
+              <a:schemeClr val="accent1"/>
+            </a:fillRef>
+            <a:effectRef idx="0">
+              <a:schemeClr val="accent1"/>
+            </a:effectRef>
+            <a:fontRef idx="minor">
+              <a:schemeClr val="lt1"/>
+            </a:fontRef>
+          </p:style>
+          <p:txBody>
+            <a:bodyPr rtlCol="0" anchor="ctr"/>
+            <a:lstStyle/>
+            <a:p>
+              <a:pPr algn="ctr"/>
+              <a:endParaRPr lang="nb-NO">
+                <a:ln w="0"/>
+                <a:solidFill>
+                  <a:schemeClr val="tx1"/>
+                </a:solidFill>
+                <a:effectLst>
+                  <a:outerShdw blurRad="38100" dist="19050" dir="2700000" algn="tl" rotWithShape="0">
+                    <a:schemeClr val="dk1">
+                      <a:alpha val="40000"/>
+                    </a:schemeClr>
+                  </a:outerShdw>
+                </a:effectLst>
+              </a:endParaRPr>
+            </a:p>
+          </p:txBody>
+        </p:sp>
+        <p:sp>
+          <p:nvSpPr>
+            <p:cNvPr id="45" name="TekstSylinder 44"/>
+            <p:cNvSpPr txBox="1"/>
+            <p:nvPr/>
+          </p:nvSpPr>
+          <p:spPr>
+            <a:xfrm>
+              <a:off x="4951956" y="2496396"/>
+              <a:ext cx="2292096" cy="461665"/>
+            </a:xfrm>
+            <a:prstGeom prst="rect">
+              <a:avLst/>
+            </a:prstGeom>
+            <a:noFill/>
+          </p:spPr>
+          <p:txBody>
+            <a:bodyPr wrap="square" rtlCol="0">
+              <a:spAutoFit/>
+            </a:bodyPr>
+            <a:lstStyle/>
+            <a:p>
+              <a:pPr algn="ctr"/>
+              <a:r>
+                <a:rPr lang="nb-NO" sz="2400" dirty="0" err="1" smtClean="0">
+                  <a:solidFill>
+                    <a:schemeClr val="bg2">
+                      <a:lumMod val="90000"/>
+                    </a:schemeClr>
+                  </a:solidFill>
+                  <a:latin typeface="Trebuchet MS" panose="020B0603020202020204" pitchFamily="34" charset="0"/>
+                </a:rPr>
+                <a:t>NVIpackager</a:t>
+              </a:r>
+              <a:endParaRPr lang="nb-NO" sz="2400" dirty="0">
+                <a:solidFill>
+                  <a:schemeClr val="bg2">
+                    <a:lumMod val="90000"/>
+                  </a:schemeClr>
+                </a:solidFill>
+                <a:latin typeface="Trebuchet MS" panose="020B0603020202020204" pitchFamily="34" charset="0"/>
+              </a:endParaRPr>
+            </a:p>
+          </p:txBody>
+        </p:sp>
+        <p:sp>
+          <p:nvSpPr>
+            <p:cNvPr id="59" name="Likebent trekant 58"/>
+            <p:cNvSpPr/>
+            <p:nvPr/>
+          </p:nvSpPr>
+          <p:spPr>
+            <a:xfrm>
+              <a:off x="5302876" y="3415346"/>
+              <a:ext cx="1489509" cy="270614"/>
+            </a:xfrm>
+            <a:prstGeom prst="triangle">
+              <a:avLst/>
+            </a:prstGeom>
+            <a:solidFill>
+              <a:schemeClr val="bg1"/>
+            </a:solidFill>
+            <a:ln>
+              <a:noFill/>
+            </a:ln>
+          </p:spPr>
+          <p:style>
+            <a:lnRef idx="2">
+              <a:schemeClr val="accent1">
+                <a:shade val="50000"/>
+              </a:schemeClr>
+            </a:lnRef>
+            <a:fillRef idx="1">
+              <a:schemeClr val="accent1"/>
+            </a:fillRef>
+            <a:effectRef idx="0">
+              <a:schemeClr val="accent1"/>
+            </a:effectRef>
+            <a:fontRef idx="minor">
+              <a:schemeClr val="lt1"/>
+            </a:fontRef>
+          </p:style>
+          <p:txBody>
+            <a:bodyPr rtlCol="0" anchor="ctr"/>
+            <a:lstStyle/>
+            <a:p>
+              <a:pPr algn="ctr"/>
+              <a:endParaRPr lang="nb-NO">
+                <a:ln w="0"/>
+                <a:solidFill>
+                  <a:schemeClr val="tx1"/>
+                </a:solidFill>
+                <a:effectLst>
+                  <a:outerShdw blurRad="38100" dist="19050" dir="2700000" algn="tl" rotWithShape="0">
+                    <a:schemeClr val="dk1">
+                      <a:alpha val="40000"/>
+                    </a:schemeClr>
+                  </a:outerShdw>
+                </a:effectLst>
+              </a:endParaRPr>
+            </a:p>
+          </p:txBody>
+        </p:sp>
+        <p:sp>
+          <p:nvSpPr>
+            <p:cNvPr id="60" name="Parallellogram 59"/>
+            <p:cNvSpPr/>
+            <p:nvPr/>
+          </p:nvSpPr>
+          <p:spPr>
+            <a:xfrm rot="3702997" flipH="1" flipV="1">
+              <a:off x="5363155" y="3010350"/>
+              <a:ext cx="469567" cy="775949"/>
+            </a:xfrm>
+            <a:prstGeom prst="parallelogram">
+              <a:avLst/>
+            </a:prstGeom>
+            <a:solidFill>
+              <a:schemeClr val="tx1">
+                <a:lumMod val="50000"/>
+                <a:lumOff val="50000"/>
+              </a:schemeClr>
+            </a:solidFill>
+            <a:ln>
+              <a:solidFill>
+                <a:srgbClr val="979EA6"/>
+              </a:solidFill>
+            </a:ln>
+          </p:spPr>
+          <p:style>
+            <a:lnRef idx="2">
+              <a:schemeClr val="accent1">
+                <a:shade val="50000"/>
+              </a:schemeClr>
+            </a:lnRef>
+            <a:fillRef idx="1">
+              <a:schemeClr val="accent1"/>
+            </a:fillRef>
+            <a:effectRef idx="0">
+              <a:schemeClr val="accent1"/>
+            </a:effectRef>
+            <a:fontRef idx="minor">
+              <a:schemeClr val="lt1"/>
+            </a:fontRef>
+          </p:style>
+          <p:txBody>
+            <a:bodyPr rtlCol="0" anchor="ctr"/>
+            <a:lstStyle/>
+            <a:p>
+              <a:pPr algn="ctr"/>
+              <a:endParaRPr lang="nb-NO">
+                <a:ln w="0"/>
+                <a:solidFill>
+                  <a:schemeClr val="tx1"/>
+                </a:solidFill>
+                <a:effectLst>
+                  <a:outerShdw blurRad="38100" dist="19050" dir="2700000" algn="tl" rotWithShape="0">
+                    <a:schemeClr val="dk1">
+                      <a:alpha val="40000"/>
+                    </a:schemeClr>
+                  </a:outerShdw>
+                </a:effectLst>
+              </a:endParaRPr>
+            </a:p>
+          </p:txBody>
+        </p:sp>
+        <p:sp>
+          <p:nvSpPr>
+            <p:cNvPr id="61" name="Parallellogram 60"/>
+            <p:cNvSpPr/>
+            <p:nvPr/>
+          </p:nvSpPr>
+          <p:spPr>
+            <a:xfrm rot="17897003" flipH="1">
+              <a:off x="6271821" y="3012021"/>
+              <a:ext cx="469567" cy="775949"/>
+            </a:xfrm>
+            <a:prstGeom prst="parallelogram">
+              <a:avLst/>
+            </a:prstGeom>
+            <a:solidFill>
+              <a:schemeClr val="tx1">
+                <a:lumMod val="50000"/>
+                <a:lumOff val="50000"/>
+              </a:schemeClr>
+            </a:solidFill>
+            <a:ln>
+              <a:solidFill>
+                <a:srgbClr val="979EA6"/>
+              </a:solidFill>
+            </a:ln>
+          </p:spPr>
+          <p:style>
+            <a:lnRef idx="2">
+              <a:schemeClr val="accent1">
+                <a:shade val="50000"/>
+              </a:schemeClr>
+            </a:lnRef>
+            <a:fillRef idx="1">
+              <a:schemeClr val="accent1"/>
+            </a:fillRef>
+            <a:effectRef idx="0">
+              <a:schemeClr val="accent1"/>
+            </a:effectRef>
+            <a:fontRef idx="minor">
+              <a:schemeClr val="lt1"/>
+            </a:fontRef>
+          </p:style>
+          <p:txBody>
+            <a:bodyPr rtlCol="0" anchor="ctr"/>
+            <a:lstStyle/>
+            <a:p>
+              <a:pPr algn="ctr"/>
+              <a:endParaRPr lang="nb-NO">
+                <a:ln w="0"/>
+                <a:solidFill>
+                  <a:schemeClr val="tx1"/>
+                </a:solidFill>
+                <a:effectLst>
+                  <a:outerShdw blurRad="38100" dist="19050" dir="2700000" algn="tl" rotWithShape="0">
+                    <a:schemeClr val="dk1">
+                      <a:alpha val="40000"/>
+                    </a:schemeClr>
+                  </a:outerShdw>
+                </a:effectLst>
+              </a:endParaRPr>
+            </a:p>
+          </p:txBody>
+        </p:sp>
+        <p:sp>
+          <p:nvSpPr>
+            <p:cNvPr id="63" name="Likebent trekant 62"/>
+            <p:cNvSpPr/>
+            <p:nvPr/>
+          </p:nvSpPr>
+          <p:spPr>
+            <a:xfrm flipV="1">
+              <a:off x="5311700" y="3686073"/>
+              <a:ext cx="1489509" cy="270614"/>
+            </a:xfrm>
+            <a:prstGeom prst="triangle">
+              <a:avLst/>
+            </a:prstGeom>
+            <a:solidFill>
+              <a:schemeClr val="bg1"/>
+            </a:solidFill>
+            <a:ln>
+              <a:noFill/>
+            </a:ln>
+          </p:spPr>
+          <p:style>
+            <a:lnRef idx="2">
+              <a:schemeClr val="accent1">
+                <a:shade val="50000"/>
+              </a:schemeClr>
+            </a:lnRef>
+            <a:fillRef idx="1">
+              <a:schemeClr val="accent1"/>
+            </a:fillRef>
+            <a:effectRef idx="0">
+              <a:schemeClr val="accent1"/>
+            </a:effectRef>
+            <a:fontRef idx="minor">
+              <a:schemeClr val="lt1"/>
+            </a:fontRef>
+          </p:style>
+          <p:txBody>
+            <a:bodyPr rtlCol="0" anchor="ctr"/>
+            <a:lstStyle/>
+            <a:p>
+              <a:pPr algn="ctr"/>
+              <a:endParaRPr lang="nb-NO">
+                <a:ln w="0"/>
+                <a:solidFill>
+                  <a:schemeClr val="tx1"/>
+                </a:solidFill>
+                <a:effectLst>
+                  <a:outerShdw blurRad="38100" dist="19050" dir="2700000" algn="tl" rotWithShape="0">
+                    <a:schemeClr val="dk1">
+                      <a:alpha val="40000"/>
+                    </a:schemeClr>
+                  </a:outerShdw>
+                </a:effectLst>
+              </a:endParaRPr>
+            </a:p>
+          </p:txBody>
+        </p:sp>
+        <p:sp>
+          <p:nvSpPr>
+            <p:cNvPr id="64" name="Likebent trekant 63"/>
+            <p:cNvSpPr/>
+            <p:nvPr/>
+          </p:nvSpPr>
+          <p:spPr>
+            <a:xfrm>
+              <a:off x="5302877" y="3415346"/>
+              <a:ext cx="1489509" cy="270614"/>
+            </a:xfrm>
+            <a:prstGeom prst="triangle">
+              <a:avLst/>
+            </a:prstGeom>
+            <a:solidFill>
+              <a:schemeClr val="bg1"/>
+            </a:solidFill>
+            <a:ln>
+              <a:noFill/>
+            </a:ln>
+          </p:spPr>
+          <p:style>
+            <a:lnRef idx="2">
+              <a:schemeClr val="accent1">
+                <a:shade val="50000"/>
+              </a:schemeClr>
+            </a:lnRef>
+            <a:fillRef idx="1">
+              <a:schemeClr val="accent1"/>
+            </a:fillRef>
+            <a:effectRef idx="0">
+              <a:schemeClr val="accent1"/>
+            </a:effectRef>
+            <a:fontRef idx="minor">
+              <a:schemeClr val="lt1"/>
+            </a:fontRef>
+          </p:style>
+          <p:txBody>
+            <a:bodyPr rtlCol="0" anchor="ctr"/>
+            <a:lstStyle/>
+            <a:p>
+              <a:pPr algn="ctr"/>
+              <a:endParaRPr lang="nb-NO">
+                <a:ln w="0"/>
+                <a:solidFill>
+                  <a:schemeClr val="tx1"/>
+                </a:solidFill>
+                <a:effectLst>
+                  <a:outerShdw blurRad="38100" dist="19050" dir="2700000" algn="tl" rotWithShape="0">
+                    <a:schemeClr val="dk1">
+                      <a:alpha val="40000"/>
+                    </a:schemeClr>
+                  </a:outerShdw>
+                </a:effectLst>
+              </a:endParaRPr>
+            </a:p>
+          </p:txBody>
+        </p:sp>
+        <p:sp>
+          <p:nvSpPr>
+            <p:cNvPr id="65" name="Parallellogram 64"/>
+            <p:cNvSpPr/>
+            <p:nvPr/>
+          </p:nvSpPr>
+          <p:spPr>
+            <a:xfrm rot="3702997" flipH="1" flipV="1">
+              <a:off x="5363150" y="3021915"/>
+              <a:ext cx="469567" cy="775949"/>
+            </a:xfrm>
+            <a:prstGeom prst="parallelogram">
+              <a:avLst/>
+            </a:prstGeom>
+            <a:solidFill>
+              <a:schemeClr val="tx1">
+                <a:lumMod val="50000"/>
+                <a:lumOff val="50000"/>
+              </a:schemeClr>
+            </a:solidFill>
+            <a:ln>
+              <a:solidFill>
+                <a:srgbClr val="979EA6"/>
+              </a:solidFill>
+            </a:ln>
+          </p:spPr>
+          <p:style>
+            <a:lnRef idx="2">
+              <a:schemeClr val="accent1">
+                <a:shade val="50000"/>
+              </a:schemeClr>
+            </a:lnRef>
+            <a:fillRef idx="1">
+              <a:schemeClr val="accent1"/>
+            </a:fillRef>
+            <a:effectRef idx="0">
+              <a:schemeClr val="accent1"/>
+            </a:effectRef>
+            <a:fontRef idx="minor">
+              <a:schemeClr val="lt1"/>
+            </a:fontRef>
+          </p:style>
+          <p:txBody>
+            <a:bodyPr rtlCol="0" anchor="ctr"/>
+            <a:lstStyle/>
+            <a:p>
+              <a:pPr algn="ctr"/>
+              <a:endParaRPr lang="nb-NO">
+                <a:ln w="0"/>
+                <a:solidFill>
+                  <a:schemeClr val="tx1"/>
+                </a:solidFill>
+                <a:effectLst>
+                  <a:outerShdw blurRad="38100" dist="19050" dir="2700000" algn="tl" rotWithShape="0">
+                    <a:schemeClr val="dk1">
+                      <a:alpha val="40000"/>
+                    </a:schemeClr>
+                  </a:outerShdw>
+                </a:effectLst>
+              </a:endParaRPr>
+            </a:p>
+          </p:txBody>
+        </p:sp>
+        <p:sp>
+          <p:nvSpPr>
+            <p:cNvPr id="66" name="Parallellogram 65"/>
+            <p:cNvSpPr/>
+            <p:nvPr/>
+          </p:nvSpPr>
+          <p:spPr>
+            <a:xfrm rot="17897003" flipH="1">
+              <a:off x="6271822" y="3012021"/>
+              <a:ext cx="469567" cy="775949"/>
+            </a:xfrm>
+            <a:prstGeom prst="parallelogram">
+              <a:avLst/>
+            </a:prstGeom>
+            <a:solidFill>
+              <a:schemeClr val="tx1">
+                <a:lumMod val="50000"/>
+                <a:lumOff val="50000"/>
+              </a:schemeClr>
+            </a:solidFill>
+            <a:ln>
+              <a:solidFill>
+                <a:srgbClr val="979EA6"/>
+              </a:solidFill>
+            </a:ln>
+          </p:spPr>
+          <p:style>
+            <a:lnRef idx="2">
+              <a:schemeClr val="accent1">
+                <a:shade val="50000"/>
+              </a:schemeClr>
+            </a:lnRef>
+            <a:fillRef idx="1">
+              <a:schemeClr val="accent1"/>
+            </a:fillRef>
+            <a:effectRef idx="0">
+              <a:schemeClr val="accent1"/>
+            </a:effectRef>
+            <a:fontRef idx="minor">
+              <a:schemeClr val="lt1"/>
+            </a:fontRef>
+          </p:style>
+          <p:txBody>
+            <a:bodyPr rtlCol="0" anchor="ctr"/>
+            <a:lstStyle/>
+            <a:p>
+              <a:pPr algn="ctr"/>
+              <a:endParaRPr lang="nb-NO">
+                <a:ln w="0"/>
+                <a:solidFill>
+                  <a:schemeClr val="tx1"/>
+                </a:solidFill>
+                <a:effectLst>
+                  <a:outerShdw blurRad="38100" dist="19050" dir="2700000" algn="tl" rotWithShape="0">
+                    <a:schemeClr val="dk1">
+                      <a:alpha val="40000"/>
+                    </a:schemeClr>
+                  </a:outerShdw>
+                </a:effectLst>
+              </a:endParaRPr>
+            </a:p>
+          </p:txBody>
+        </p:sp>
+        <p:sp>
+          <p:nvSpPr>
+            <p:cNvPr id="36" name="Rektangel 35"/>
+            <p:cNvSpPr/>
+            <p:nvPr/>
+          </p:nvSpPr>
+          <p:spPr>
+            <a:xfrm>
+              <a:off x="5430672" y="3427958"/>
+              <a:ext cx="444352" cy="646331"/>
+            </a:xfrm>
+            <a:prstGeom prst="rect">
+              <a:avLst/>
+            </a:prstGeom>
+            <a:noFill/>
+          </p:spPr>
+          <p:txBody>
+            <a:bodyPr wrap="none" lIns="91440" tIns="45720" rIns="91440" bIns="45720">
+              <a:spAutoFit/>
+            </a:bodyPr>
+            <a:lstStyle/>
+            <a:p>
+              <a:pPr algn="ctr"/>
+              <a:r>
+                <a:rPr lang="nb-NO" sz="3600" b="1" cap="none" spc="0" dirty="0" smtClean="0">
+                  <a:ln w="9525">
+                    <a:solidFill>
+                      <a:schemeClr val="bg1"/>
+                    </a:solidFill>
+                    <a:prstDash val="solid"/>
+                  </a:ln>
+                  <a:solidFill>
+                    <a:srgbClr val="00A14A"/>
+                  </a:solidFill>
+                  <a:effectLst>
+                    <a:outerShdw blurRad="12700" dist="38100" dir="2700000" algn="tl" rotWithShape="0">
+                      <a:schemeClr val="accent5">
+                        <a:lumMod val="60000"/>
+                        <a:lumOff val="40000"/>
+                      </a:schemeClr>
+                    </a:outerShdw>
+                  </a:effectLst>
+                </a:rPr>
+                <a:t>R</a:t>
+              </a:r>
+              <a:endParaRPr lang="nb-NO" sz="3600" b="1" cap="none" spc="0" dirty="0">
+                <a:ln w="9525">
+                  <a:solidFill>
+                    <a:schemeClr val="bg1"/>
+                  </a:solidFill>
+                  <a:prstDash val="solid"/>
+                </a:ln>
+                <a:solidFill>
+                  <a:srgbClr val="00A14A"/>
+                </a:solidFill>
+                <a:effectLst>
+                  <a:outerShdw blurRad="12700" dist="38100" dir="2700000" algn="tl" rotWithShape="0">
+                    <a:schemeClr val="accent5">
+                      <a:lumMod val="60000"/>
+                      <a:lumOff val="40000"/>
+                    </a:schemeClr>
+                  </a:outerShdw>
+                </a:effectLst>
+              </a:endParaRPr>
+            </a:p>
+          </p:txBody>
+        </p:sp>
+        <p:sp>
+          <p:nvSpPr>
+            <p:cNvPr id="74" name="Rektangel 73"/>
+            <p:cNvSpPr/>
+            <p:nvPr/>
+          </p:nvSpPr>
+          <p:spPr>
+            <a:xfrm>
+              <a:off x="5993995" y="3175889"/>
+              <a:ext cx="386644" cy="523220"/>
+            </a:xfrm>
+            <a:prstGeom prst="rect">
+              <a:avLst/>
+            </a:prstGeom>
+            <a:noFill/>
+          </p:spPr>
+          <p:txBody>
+            <a:bodyPr wrap="none" lIns="91440" tIns="45720" rIns="91440" bIns="45720">
+              <a:spAutoFit/>
+            </a:bodyPr>
+            <a:lstStyle/>
+            <a:p>
+              <a:pPr algn="ctr"/>
+              <a:r>
+                <a:rPr lang="nb-NO" sz="2800" b="1" cap="none" spc="0" dirty="0" smtClean="0">
+                  <a:ln w="9525">
+                    <a:solidFill>
+                      <a:schemeClr val="bg1"/>
+                    </a:solidFill>
+                    <a:prstDash val="solid"/>
+                  </a:ln>
+                  <a:solidFill>
+                    <a:srgbClr val="00A14A"/>
+                  </a:solidFill>
+                  <a:effectLst>
+                    <a:outerShdw blurRad="12700" dist="38100" dir="2700000" algn="tl" rotWithShape="0">
+                      <a:schemeClr val="accent5">
+                        <a:lumMod val="60000"/>
+                        <a:lumOff val="40000"/>
+                      </a:schemeClr>
+                    </a:outerShdw>
+                  </a:effectLst>
+                </a:rPr>
+                <a:t>R</a:t>
+              </a:r>
+              <a:endParaRPr lang="nb-NO" sz="2800" b="1" cap="none" spc="0" dirty="0">
+                <a:ln w="9525">
+                  <a:solidFill>
+                    <a:schemeClr val="bg1"/>
+                  </a:solidFill>
+                  <a:prstDash val="solid"/>
+                </a:ln>
+                <a:solidFill>
+                  <a:srgbClr val="00A14A"/>
+                </a:solidFill>
+                <a:effectLst>
+                  <a:outerShdw blurRad="12700" dist="38100" dir="2700000" algn="tl" rotWithShape="0">
+                    <a:schemeClr val="accent5">
+                      <a:lumMod val="60000"/>
+                      <a:lumOff val="40000"/>
+                    </a:schemeClr>
+                  </a:outerShdw>
+                </a:effectLst>
+              </a:endParaRPr>
+            </a:p>
+          </p:txBody>
+        </p:sp>
+        <p:sp>
+          <p:nvSpPr>
+            <p:cNvPr id="81" name="Rektangel 80"/>
+            <p:cNvSpPr/>
+            <p:nvPr/>
+          </p:nvSpPr>
+          <p:spPr>
+            <a:xfrm>
+              <a:off x="6205702" y="3330042"/>
+              <a:ext cx="386644" cy="523220"/>
+            </a:xfrm>
+            <a:prstGeom prst="rect">
+              <a:avLst/>
+            </a:prstGeom>
+            <a:noFill/>
+          </p:spPr>
+          <p:txBody>
+            <a:bodyPr wrap="none" lIns="91440" tIns="45720" rIns="91440" bIns="45720">
+              <a:spAutoFit/>
+            </a:bodyPr>
+            <a:lstStyle/>
+            <a:p>
+              <a:pPr algn="ctr"/>
+              <a:r>
+                <a:rPr lang="nb-NO" sz="2800" b="1" cap="none" spc="0" dirty="0" smtClean="0">
+                  <a:ln w="9525">
+                    <a:solidFill>
+                      <a:schemeClr val="bg1"/>
+                    </a:solidFill>
+                    <a:prstDash val="solid"/>
+                  </a:ln>
+                  <a:solidFill>
+                    <a:srgbClr val="DE2212"/>
+                  </a:solidFill>
+                  <a:effectLst>
+                    <a:outerShdw blurRad="12700" dist="38100" dir="2700000" algn="tl" rotWithShape="0">
+                      <a:schemeClr val="accent5">
+                        <a:lumMod val="60000"/>
+                        <a:lumOff val="40000"/>
+                      </a:schemeClr>
+                    </a:outerShdw>
+                  </a:effectLst>
+                </a:rPr>
+                <a:t>R</a:t>
+              </a:r>
+              <a:endParaRPr lang="nb-NO" sz="2800" b="1" cap="none" spc="0" dirty="0">
+                <a:ln w="9525">
+                  <a:solidFill>
+                    <a:schemeClr val="bg1"/>
+                  </a:solidFill>
+                  <a:prstDash val="solid"/>
+                </a:ln>
+                <a:solidFill>
+                  <a:srgbClr val="DE2212"/>
+                </a:solidFill>
+                <a:effectLst>
+                  <a:outerShdw blurRad="12700" dist="38100" dir="2700000" algn="tl" rotWithShape="0">
+                    <a:schemeClr val="accent5">
+                      <a:lumMod val="60000"/>
+                      <a:lumOff val="40000"/>
+                    </a:schemeClr>
+                  </a:outerShdw>
+                </a:effectLst>
+              </a:endParaRPr>
+            </a:p>
+          </p:txBody>
+        </p:sp>
+        <p:sp>
+          <p:nvSpPr>
+            <p:cNvPr id="75" name="Rektangel 74"/>
+            <p:cNvSpPr/>
+            <p:nvPr/>
+          </p:nvSpPr>
+          <p:spPr>
+            <a:xfrm>
+              <a:off x="5659277" y="3521590"/>
+              <a:ext cx="444352" cy="646331"/>
+            </a:xfrm>
+            <a:prstGeom prst="rect">
+              <a:avLst/>
+            </a:prstGeom>
+            <a:noFill/>
+          </p:spPr>
+          <p:txBody>
+            <a:bodyPr wrap="none" lIns="91440" tIns="45720" rIns="91440" bIns="45720">
+              <a:spAutoFit/>
+            </a:bodyPr>
+            <a:lstStyle/>
+            <a:p>
+              <a:pPr algn="ctr"/>
+              <a:r>
+                <a:rPr lang="nb-NO" sz="3600" b="1" cap="none" spc="0" dirty="0" smtClean="0">
+                  <a:ln w="9525">
+                    <a:solidFill>
+                      <a:schemeClr val="bg1"/>
+                    </a:solidFill>
+                    <a:prstDash val="solid"/>
+                  </a:ln>
+                  <a:solidFill>
+                    <a:srgbClr val="DE2212"/>
+                  </a:solidFill>
+                  <a:effectLst>
+                    <a:outerShdw blurRad="12700" dist="38100" dir="2700000" algn="tl" rotWithShape="0">
+                      <a:schemeClr val="accent5">
+                        <a:lumMod val="60000"/>
+                        <a:lumOff val="40000"/>
+                      </a:schemeClr>
+                    </a:outerShdw>
+                  </a:effectLst>
+                </a:rPr>
+                <a:t>R</a:t>
+              </a:r>
+              <a:endParaRPr lang="nb-NO" sz="3600" b="1" cap="none" spc="0" dirty="0">
+                <a:ln w="9525">
+                  <a:solidFill>
+                    <a:schemeClr val="bg1"/>
+                  </a:solidFill>
+                  <a:prstDash val="solid"/>
+                </a:ln>
+                <a:solidFill>
+                  <a:srgbClr val="DE2212"/>
+                </a:solidFill>
+                <a:effectLst>
+                  <a:outerShdw blurRad="12700" dist="38100" dir="2700000" algn="tl" rotWithShape="0">
+                    <a:schemeClr val="accent5">
+                      <a:lumMod val="60000"/>
+                      <a:lumOff val="40000"/>
+                    </a:schemeClr>
+                  </a:outerShdw>
+                </a:effectLst>
+              </a:endParaRPr>
+            </a:p>
+          </p:txBody>
+        </p:sp>
+        <p:sp>
+          <p:nvSpPr>
+            <p:cNvPr id="76" name="Rektangel 75"/>
+            <p:cNvSpPr/>
+            <p:nvPr/>
+          </p:nvSpPr>
+          <p:spPr>
+            <a:xfrm>
+              <a:off x="6256160" y="3497255"/>
+              <a:ext cx="444352" cy="646331"/>
+            </a:xfrm>
+            <a:prstGeom prst="rect">
+              <a:avLst/>
+            </a:prstGeom>
+            <a:noFill/>
+          </p:spPr>
+          <p:txBody>
+            <a:bodyPr wrap="none" lIns="91440" tIns="45720" rIns="91440" bIns="45720">
+              <a:spAutoFit/>
+            </a:bodyPr>
+            <a:lstStyle/>
+            <a:p>
+              <a:pPr algn="ctr"/>
+              <a:r>
+                <a:rPr lang="nb-NO" sz="3600" b="1" cap="none" spc="0" dirty="0" smtClean="0">
+                  <a:ln w="9525">
+                    <a:solidFill>
+                      <a:schemeClr val="bg1"/>
+                    </a:solidFill>
+                    <a:prstDash val="solid"/>
+                  </a:ln>
+                  <a:solidFill>
+                    <a:srgbClr val="00A14A"/>
+                  </a:solidFill>
+                  <a:effectLst>
+                    <a:outerShdw blurRad="12700" dist="38100" dir="2700000" algn="tl" rotWithShape="0">
+                      <a:schemeClr val="accent5">
+                        <a:lumMod val="60000"/>
+                        <a:lumOff val="40000"/>
+                      </a:schemeClr>
+                    </a:outerShdw>
+                  </a:effectLst>
+                </a:rPr>
+                <a:t>R</a:t>
+              </a:r>
+              <a:endParaRPr lang="nb-NO" sz="3600" b="1" cap="none" spc="0" dirty="0">
+                <a:ln w="9525">
+                  <a:solidFill>
+                    <a:schemeClr val="bg1"/>
+                  </a:solidFill>
+                  <a:prstDash val="solid"/>
+                </a:ln>
+                <a:solidFill>
+                  <a:srgbClr val="00A14A"/>
+                </a:solidFill>
+                <a:effectLst>
+                  <a:outerShdw blurRad="12700" dist="38100" dir="2700000" algn="tl" rotWithShape="0">
+                    <a:schemeClr val="accent5">
+                      <a:lumMod val="60000"/>
+                      <a:lumOff val="40000"/>
+                    </a:schemeClr>
+                  </a:outerShdw>
+                </a:effectLst>
+              </a:endParaRPr>
+            </a:p>
+          </p:txBody>
+        </p:sp>
+        <p:sp>
+          <p:nvSpPr>
+            <p:cNvPr id="77" name="Rektangel 76"/>
+            <p:cNvSpPr/>
+            <p:nvPr/>
+          </p:nvSpPr>
+          <p:spPr>
+            <a:xfrm>
+              <a:off x="5513228" y="3127597"/>
+              <a:ext cx="328936" cy="400110"/>
+            </a:xfrm>
+            <a:prstGeom prst="rect">
+              <a:avLst/>
+            </a:prstGeom>
+            <a:noFill/>
+          </p:spPr>
+          <p:txBody>
+            <a:bodyPr wrap="none" lIns="91440" tIns="45720" rIns="91440" bIns="45720">
+              <a:spAutoFit/>
+            </a:bodyPr>
+            <a:lstStyle/>
+            <a:p>
+              <a:pPr algn="ctr"/>
+              <a:r>
+                <a:rPr lang="nb-NO" sz="2000" b="1" cap="none" spc="0" dirty="0" smtClean="0">
+                  <a:ln w="9525">
+                    <a:solidFill>
+                      <a:schemeClr val="bg1"/>
+                    </a:solidFill>
+                    <a:prstDash val="solid"/>
+                  </a:ln>
+                  <a:solidFill>
+                    <a:srgbClr val="DE2212"/>
+                  </a:solidFill>
+                  <a:effectLst>
+                    <a:outerShdw blurRad="12700" dist="38100" dir="2700000" algn="tl" rotWithShape="0">
+                      <a:schemeClr val="accent5">
+                        <a:lumMod val="60000"/>
+                        <a:lumOff val="40000"/>
+                      </a:schemeClr>
+                    </a:outerShdw>
+                  </a:effectLst>
+                </a:rPr>
+                <a:t>R</a:t>
+              </a:r>
+              <a:endParaRPr lang="nb-NO" sz="2000" b="1" cap="none" spc="0" dirty="0">
+                <a:ln w="9525">
+                  <a:solidFill>
+                    <a:schemeClr val="bg1"/>
+                  </a:solidFill>
+                  <a:prstDash val="solid"/>
+                </a:ln>
+                <a:solidFill>
+                  <a:srgbClr val="DE2212"/>
+                </a:solidFill>
+                <a:effectLst>
+                  <a:outerShdw blurRad="12700" dist="38100" dir="2700000" algn="tl" rotWithShape="0">
+                    <a:schemeClr val="accent5">
+                      <a:lumMod val="60000"/>
+                      <a:lumOff val="40000"/>
+                    </a:schemeClr>
+                  </a:outerShdw>
+                </a:effectLst>
+              </a:endParaRPr>
+            </a:p>
+          </p:txBody>
+        </p:sp>
+        <p:sp>
+          <p:nvSpPr>
+            <p:cNvPr id="78" name="Rektangel 77"/>
+            <p:cNvSpPr/>
+            <p:nvPr/>
+          </p:nvSpPr>
+          <p:spPr>
+            <a:xfrm>
+              <a:off x="5290292" y="3327249"/>
+              <a:ext cx="357790" cy="461665"/>
+            </a:xfrm>
+            <a:prstGeom prst="rect">
+              <a:avLst/>
+            </a:prstGeom>
+            <a:noFill/>
+          </p:spPr>
+          <p:txBody>
+            <a:bodyPr wrap="none" lIns="91440" tIns="45720" rIns="91440" bIns="45720">
+              <a:spAutoFit/>
+            </a:bodyPr>
+            <a:lstStyle/>
+            <a:p>
+              <a:pPr algn="ctr"/>
+              <a:r>
+                <a:rPr lang="nb-NO" sz="2400" b="1" cap="none" spc="0" dirty="0" smtClean="0">
+                  <a:ln w="9525">
+                    <a:solidFill>
+                      <a:schemeClr val="bg1"/>
+                    </a:solidFill>
+                    <a:prstDash val="solid"/>
+                  </a:ln>
+                  <a:solidFill>
+                    <a:srgbClr val="00A6EB"/>
+                  </a:solidFill>
+                  <a:effectLst>
+                    <a:outerShdw blurRad="12700" dist="38100" dir="2700000" algn="tl" rotWithShape="0">
+                      <a:schemeClr val="accent5">
+                        <a:lumMod val="60000"/>
+                        <a:lumOff val="40000"/>
+                      </a:schemeClr>
+                    </a:outerShdw>
+                  </a:effectLst>
+                </a:rPr>
+                <a:t>R</a:t>
+              </a:r>
+              <a:endParaRPr lang="nb-NO" sz="2400" b="1" cap="none" spc="0" dirty="0">
+                <a:ln w="9525">
+                  <a:solidFill>
+                    <a:schemeClr val="bg1"/>
+                  </a:solidFill>
+                  <a:prstDash val="solid"/>
+                </a:ln>
+                <a:solidFill>
+                  <a:srgbClr val="00A6EB"/>
+                </a:solidFill>
+                <a:effectLst>
+                  <a:outerShdw blurRad="12700" dist="38100" dir="2700000" algn="tl" rotWithShape="0">
+                    <a:schemeClr val="accent5">
+                      <a:lumMod val="60000"/>
+                      <a:lumOff val="40000"/>
+                    </a:schemeClr>
+                  </a:outerShdw>
+                </a:effectLst>
+              </a:endParaRPr>
+            </a:p>
+          </p:txBody>
+        </p:sp>
+        <p:sp>
+          <p:nvSpPr>
+            <p:cNvPr id="79" name="Rektangel 78"/>
+            <p:cNvSpPr/>
+            <p:nvPr/>
+          </p:nvSpPr>
+          <p:spPr>
+            <a:xfrm>
+              <a:off x="5570115" y="3292390"/>
+              <a:ext cx="357790" cy="461665"/>
+            </a:xfrm>
+            <a:prstGeom prst="rect">
+              <a:avLst/>
+            </a:prstGeom>
+            <a:noFill/>
+          </p:spPr>
+          <p:txBody>
+            <a:bodyPr wrap="none" lIns="91440" tIns="45720" rIns="91440" bIns="45720">
+              <a:spAutoFit/>
+            </a:bodyPr>
+            <a:lstStyle/>
+            <a:p>
+              <a:pPr algn="ctr"/>
+              <a:r>
+                <a:rPr lang="nb-NO" sz="2400" b="1" cap="none" spc="0" dirty="0" smtClean="0">
+                  <a:ln w="9525">
+                    <a:solidFill>
+                      <a:schemeClr val="bg1"/>
+                    </a:solidFill>
+                    <a:prstDash val="solid"/>
+                  </a:ln>
+                  <a:solidFill>
+                    <a:srgbClr val="00A14A"/>
+                  </a:solidFill>
+                  <a:effectLst>
+                    <a:outerShdw blurRad="12700" dist="38100" dir="2700000" algn="tl" rotWithShape="0">
+                      <a:schemeClr val="accent5">
+                        <a:lumMod val="60000"/>
+                        <a:lumOff val="40000"/>
+                      </a:schemeClr>
+                    </a:outerShdw>
+                  </a:effectLst>
+                </a:rPr>
+                <a:t>R</a:t>
+              </a:r>
+              <a:endParaRPr lang="nb-NO" sz="2400" b="1" cap="none" spc="0" dirty="0">
+                <a:ln w="9525">
+                  <a:solidFill>
+                    <a:schemeClr val="bg1"/>
+                  </a:solidFill>
+                  <a:prstDash val="solid"/>
+                </a:ln>
+                <a:solidFill>
+                  <a:srgbClr val="00A14A"/>
+                </a:solidFill>
+                <a:effectLst>
+                  <a:outerShdw blurRad="12700" dist="38100" dir="2700000" algn="tl" rotWithShape="0">
+                    <a:schemeClr val="accent5">
+                      <a:lumMod val="60000"/>
+                      <a:lumOff val="40000"/>
+                    </a:schemeClr>
+                  </a:outerShdw>
+                </a:effectLst>
+              </a:endParaRPr>
+            </a:p>
+          </p:txBody>
+        </p:sp>
+        <p:sp>
+          <p:nvSpPr>
+            <p:cNvPr id="80" name="Rektangel 79"/>
+            <p:cNvSpPr/>
+            <p:nvPr/>
+          </p:nvSpPr>
+          <p:spPr>
+            <a:xfrm>
+              <a:off x="5934626" y="3458067"/>
+              <a:ext cx="444352" cy="646331"/>
+            </a:xfrm>
+            <a:prstGeom prst="rect">
+              <a:avLst/>
+            </a:prstGeom>
+            <a:noFill/>
+          </p:spPr>
+          <p:txBody>
+            <a:bodyPr wrap="none" lIns="91440" tIns="45720" rIns="91440" bIns="45720">
+              <a:spAutoFit/>
+            </a:bodyPr>
+            <a:lstStyle/>
+            <a:p>
+              <a:pPr algn="ctr"/>
+              <a:r>
+                <a:rPr lang="nb-NO" sz="3600" b="1" cap="none" spc="0" dirty="0" smtClean="0">
+                  <a:ln w="9525">
+                    <a:solidFill>
+                      <a:schemeClr val="bg1"/>
+                    </a:solidFill>
+                    <a:prstDash val="solid"/>
+                  </a:ln>
+                  <a:solidFill>
+                    <a:srgbClr val="00A6EB"/>
+                  </a:solidFill>
+                  <a:effectLst>
+                    <a:outerShdw blurRad="12700" dist="38100" dir="2700000" algn="tl" rotWithShape="0">
+                      <a:schemeClr val="accent5">
+                        <a:lumMod val="60000"/>
+                        <a:lumOff val="40000"/>
+                      </a:schemeClr>
+                    </a:outerShdw>
+                  </a:effectLst>
+                </a:rPr>
+                <a:t>R</a:t>
+              </a:r>
+              <a:endParaRPr lang="nb-NO" sz="3600" b="1" cap="none" spc="0" dirty="0">
+                <a:ln w="9525">
+                  <a:solidFill>
+                    <a:schemeClr val="bg1"/>
+                  </a:solidFill>
+                  <a:prstDash val="solid"/>
+                </a:ln>
+                <a:solidFill>
+                  <a:srgbClr val="00A6EB"/>
+                </a:solidFill>
+                <a:effectLst>
+                  <a:outerShdw blurRad="12700" dist="38100" dir="2700000" algn="tl" rotWithShape="0">
+                    <a:schemeClr val="accent5">
+                      <a:lumMod val="60000"/>
+                      <a:lumOff val="40000"/>
+                    </a:schemeClr>
+                  </a:outerShdw>
+                </a:effectLst>
+              </a:endParaRPr>
+            </a:p>
+          </p:txBody>
+        </p:sp>
+        <p:grpSp>
+          <p:nvGrpSpPr>
+            <p:cNvPr id="73" name="Gruppe 72"/>
+            <p:cNvGrpSpPr/>
+            <p:nvPr/>
+          </p:nvGrpSpPr>
+          <p:grpSpPr>
+            <a:xfrm>
+              <a:off x="5215573" y="3751831"/>
+              <a:ext cx="1681763" cy="469568"/>
+              <a:chOff x="5215573" y="3751831"/>
+              <a:chExt cx="1681763" cy="469568"/>
+            </a:xfrm>
+          </p:grpSpPr>
+          <p:sp>
+            <p:nvSpPr>
+              <p:cNvPr id="5" name="Parallellogram 4"/>
+              <p:cNvSpPr/>
+              <p:nvPr/>
+            </p:nvSpPr>
+            <p:spPr>
+              <a:xfrm rot="17897003" flipH="1">
+                <a:off x="5368764" y="3598640"/>
+                <a:ext cx="469567" cy="775949"/>
+              </a:xfrm>
+              <a:prstGeom prst="parallelogram">
+                <a:avLst/>
+              </a:prstGeom>
+              <a:solidFill>
+                <a:schemeClr val="tx1">
+                  <a:lumMod val="50000"/>
+                  <a:lumOff val="50000"/>
+                </a:schemeClr>
+              </a:solidFill>
+              <a:ln>
+                <a:solidFill>
+                  <a:srgbClr val="979EA6"/>
+                </a:solidFill>
+              </a:ln>
+            </p:spPr>
+            <p:style>
+              <a:lnRef idx="2">
+                <a:schemeClr val="accent1">
+                  <a:shade val="50000"/>
+                </a:schemeClr>
+              </a:lnRef>
+              <a:fillRef idx="1">
+                <a:schemeClr val="accent1"/>
+              </a:fillRef>
+              <a:effectRef idx="0">
+                <a:schemeClr val="accent1"/>
+              </a:effectRef>
+              <a:fontRef idx="minor">
+                <a:schemeClr val="lt1"/>
+              </a:fontRef>
+            </p:style>
+            <p:txBody>
+              <a:bodyPr rtlCol="0" anchor="ctr"/>
+              <a:lstStyle/>
+              <a:p>
+                <a:pPr algn="ctr"/>
+                <a:endParaRPr lang="nb-NO">
+                  <a:ln w="0"/>
+                  <a:solidFill>
+                    <a:schemeClr val="tx1"/>
+                  </a:solidFill>
+                  <a:effectLst>
+                    <a:outerShdw blurRad="38100" dist="19050" dir="2700000" algn="tl" rotWithShape="0">
+                      <a:schemeClr val="dk1">
+                        <a:alpha val="40000"/>
+                      </a:schemeClr>
+                    </a:outerShdw>
+                  </a:effectLst>
+                </a:endParaRPr>
+              </a:p>
+            </p:txBody>
+          </p:sp>
+          <p:sp>
+            <p:nvSpPr>
+              <p:cNvPr id="62" name="Parallellogram 61"/>
+              <p:cNvSpPr/>
+              <p:nvPr/>
+            </p:nvSpPr>
+            <p:spPr>
+              <a:xfrm rot="3702997" flipH="1" flipV="1">
+                <a:off x="6274578" y="3598641"/>
+                <a:ext cx="469567" cy="775949"/>
+              </a:xfrm>
+              <a:prstGeom prst="parallelogram">
+                <a:avLst/>
+              </a:prstGeom>
+              <a:solidFill>
+                <a:schemeClr val="tx1">
+                  <a:lumMod val="50000"/>
+                  <a:lumOff val="50000"/>
+                </a:schemeClr>
+              </a:solidFill>
+              <a:ln>
+                <a:solidFill>
+                  <a:srgbClr val="979EA6"/>
+                </a:solidFill>
+              </a:ln>
+            </p:spPr>
+            <p:style>
+              <a:lnRef idx="2">
+                <a:schemeClr val="accent1">
+                  <a:shade val="50000"/>
+                </a:schemeClr>
+              </a:lnRef>
+              <a:fillRef idx="1">
+                <a:schemeClr val="accent1"/>
+              </a:fillRef>
+              <a:effectRef idx="0">
+                <a:schemeClr val="accent1"/>
+              </a:effectRef>
+              <a:fontRef idx="minor">
+                <a:schemeClr val="lt1"/>
+              </a:fontRef>
+            </p:style>
+            <p:txBody>
+              <a:bodyPr rtlCol="0" anchor="ctr"/>
+              <a:lstStyle/>
+              <a:p>
+                <a:pPr algn="ctr"/>
+                <a:endParaRPr lang="nb-NO">
+                  <a:ln w="0"/>
+                  <a:solidFill>
+                    <a:schemeClr val="tx1"/>
+                  </a:solidFill>
+                  <a:effectLst>
+                    <a:outerShdw blurRad="38100" dist="19050" dir="2700000" algn="tl" rotWithShape="0">
+                      <a:schemeClr val="dk1">
+                        <a:alpha val="40000"/>
+                      </a:schemeClr>
+                    </a:outerShdw>
+                  </a:effectLst>
+                </a:endParaRPr>
+              </a:p>
+            </p:txBody>
+          </p:sp>
+        </p:grpSp>
+        <p:sp>
+          <p:nvSpPr>
+            <p:cNvPr id="82" name="Rektangel 81"/>
+            <p:cNvSpPr/>
+            <p:nvPr/>
+          </p:nvSpPr>
+          <p:spPr>
+            <a:xfrm>
+              <a:off x="6358313" y="3186821"/>
+              <a:ext cx="357790" cy="461665"/>
+            </a:xfrm>
+            <a:prstGeom prst="rect">
+              <a:avLst/>
+            </a:prstGeom>
+            <a:noFill/>
+          </p:spPr>
+          <p:txBody>
+            <a:bodyPr wrap="none" lIns="91440" tIns="45720" rIns="91440" bIns="45720">
+              <a:spAutoFit/>
+            </a:bodyPr>
+            <a:lstStyle/>
+            <a:p>
+              <a:pPr algn="ctr"/>
+              <a:r>
+                <a:rPr lang="nb-NO" sz="2400" b="1" cap="none" spc="0" dirty="0" smtClean="0">
+                  <a:ln w="9525">
+                    <a:solidFill>
+                      <a:schemeClr val="bg1"/>
+                    </a:solidFill>
+                    <a:prstDash val="solid"/>
+                  </a:ln>
+                  <a:solidFill>
+                    <a:srgbClr val="00A14A"/>
+                  </a:solidFill>
+                  <a:effectLst>
+                    <a:outerShdw blurRad="12700" dist="38100" dir="2700000" algn="tl" rotWithShape="0">
+                      <a:schemeClr val="accent5">
+                        <a:lumMod val="60000"/>
+                        <a:lumOff val="40000"/>
+                      </a:schemeClr>
+                    </a:outerShdw>
+                  </a:effectLst>
+                </a:rPr>
+                <a:t>R</a:t>
+              </a:r>
+              <a:endParaRPr lang="nb-NO" sz="2400" b="1" cap="none" spc="0" dirty="0">
+                <a:ln w="9525">
+                  <a:solidFill>
+                    <a:schemeClr val="bg1"/>
+                  </a:solidFill>
+                  <a:prstDash val="solid"/>
+                </a:ln>
+                <a:solidFill>
+                  <a:srgbClr val="00A14A"/>
+                </a:solidFill>
+                <a:effectLst>
+                  <a:outerShdw blurRad="12700" dist="38100" dir="2700000" algn="tl" rotWithShape="0">
+                    <a:schemeClr val="accent5">
+                      <a:lumMod val="60000"/>
+                      <a:lumOff val="40000"/>
+                    </a:schemeClr>
+                  </a:outerShdw>
+                </a:effectLst>
+              </a:endParaRPr>
+            </a:p>
+          </p:txBody>
+        </p:sp>
+        <p:sp>
+          <p:nvSpPr>
+            <p:cNvPr id="83" name="Rektangel 82"/>
+            <p:cNvSpPr/>
+            <p:nvPr/>
+          </p:nvSpPr>
+          <p:spPr>
+            <a:xfrm>
+              <a:off x="6195908" y="2997249"/>
+              <a:ext cx="314509" cy="369332"/>
+            </a:xfrm>
+            <a:prstGeom prst="rect">
+              <a:avLst/>
+            </a:prstGeom>
+            <a:noFill/>
+          </p:spPr>
+          <p:txBody>
+            <a:bodyPr wrap="none" lIns="91440" tIns="45720" rIns="91440" bIns="45720">
+              <a:spAutoFit/>
+            </a:bodyPr>
+            <a:lstStyle/>
+            <a:p>
+              <a:pPr algn="ctr"/>
+              <a:r>
+                <a:rPr lang="nb-NO" b="1" cap="none" spc="0" dirty="0" smtClean="0">
+                  <a:ln w="9525">
+                    <a:solidFill>
+                      <a:schemeClr val="bg1"/>
+                    </a:solidFill>
+                    <a:prstDash val="solid"/>
+                  </a:ln>
+                  <a:solidFill>
+                    <a:srgbClr val="00A6EB"/>
+                  </a:solidFill>
+                  <a:effectLst>
+                    <a:outerShdw blurRad="12700" dist="38100" dir="2700000" algn="tl" rotWithShape="0">
+                      <a:schemeClr val="accent5">
+                        <a:lumMod val="60000"/>
+                        <a:lumOff val="40000"/>
+                      </a:schemeClr>
+                    </a:outerShdw>
+                  </a:effectLst>
+                </a:rPr>
+                <a:t>R</a:t>
+              </a:r>
+              <a:endParaRPr lang="nb-NO" b="1" cap="none" spc="0" dirty="0">
+                <a:ln w="9525">
+                  <a:solidFill>
+                    <a:schemeClr val="bg1"/>
+                  </a:solidFill>
+                  <a:prstDash val="solid"/>
+                </a:ln>
+                <a:solidFill>
+                  <a:srgbClr val="00A6EB"/>
+                </a:solidFill>
+                <a:effectLst>
+                  <a:outerShdw blurRad="12700" dist="38100" dir="2700000" algn="tl" rotWithShape="0">
+                    <a:schemeClr val="accent5">
+                      <a:lumMod val="60000"/>
+                      <a:lumOff val="40000"/>
+                    </a:schemeClr>
+                  </a:outerShdw>
+                </a:effectLst>
+              </a:endParaRPr>
+            </a:p>
+          </p:txBody>
+        </p:sp>
+        <p:sp>
+          <p:nvSpPr>
+            <p:cNvPr id="84" name="Rektangel 83"/>
+            <p:cNvSpPr/>
+            <p:nvPr/>
+          </p:nvSpPr>
+          <p:spPr>
+            <a:xfrm>
+              <a:off x="5969499" y="2983123"/>
+              <a:ext cx="314509" cy="369332"/>
+            </a:xfrm>
+            <a:prstGeom prst="rect">
+              <a:avLst/>
+            </a:prstGeom>
+            <a:noFill/>
+          </p:spPr>
+          <p:txBody>
+            <a:bodyPr wrap="none" lIns="91440" tIns="45720" rIns="91440" bIns="45720">
+              <a:spAutoFit/>
+            </a:bodyPr>
+            <a:lstStyle/>
+            <a:p>
+              <a:pPr algn="ctr"/>
+              <a:r>
+                <a:rPr lang="nb-NO" b="1" cap="none" spc="0" dirty="0" smtClean="0">
+                  <a:ln w="9525">
+                    <a:solidFill>
+                      <a:schemeClr val="bg1"/>
+                    </a:solidFill>
+                    <a:prstDash val="solid"/>
+                  </a:ln>
+                  <a:solidFill>
+                    <a:srgbClr val="00A14A"/>
+                  </a:solidFill>
+                  <a:effectLst>
+                    <a:outerShdw blurRad="12700" dist="38100" dir="2700000" algn="tl" rotWithShape="0">
+                      <a:schemeClr val="accent5">
+                        <a:lumMod val="60000"/>
+                        <a:lumOff val="40000"/>
+                      </a:schemeClr>
+                    </a:outerShdw>
+                  </a:effectLst>
+                </a:rPr>
+                <a:t>R</a:t>
+              </a:r>
+              <a:endParaRPr lang="nb-NO" b="1" cap="none" spc="0" dirty="0">
+                <a:ln w="9525">
+                  <a:solidFill>
+                    <a:schemeClr val="bg1"/>
+                  </a:solidFill>
+                  <a:prstDash val="solid"/>
+                </a:ln>
+                <a:solidFill>
+                  <a:srgbClr val="00A14A"/>
+                </a:solidFill>
+                <a:effectLst>
+                  <a:outerShdw blurRad="12700" dist="38100" dir="2700000" algn="tl" rotWithShape="0">
+                    <a:schemeClr val="accent5">
+                      <a:lumMod val="60000"/>
+                      <a:lumOff val="40000"/>
+                    </a:schemeClr>
+                  </a:outerShdw>
+                </a:effectLst>
+              </a:endParaRPr>
+            </a:p>
+          </p:txBody>
+        </p:sp>
+        <p:sp>
+          <p:nvSpPr>
+            <p:cNvPr id="85" name="Rektangel 84"/>
+            <p:cNvSpPr/>
+            <p:nvPr/>
+          </p:nvSpPr>
+          <p:spPr>
+            <a:xfrm>
+              <a:off x="5707886" y="3015180"/>
+              <a:ext cx="328936" cy="400110"/>
+            </a:xfrm>
+            <a:prstGeom prst="rect">
+              <a:avLst/>
+            </a:prstGeom>
+            <a:noFill/>
+          </p:spPr>
+          <p:txBody>
+            <a:bodyPr wrap="none" lIns="91440" tIns="45720" rIns="91440" bIns="45720">
+              <a:spAutoFit/>
+            </a:bodyPr>
+            <a:lstStyle/>
+            <a:p>
+              <a:pPr algn="ctr"/>
+              <a:r>
+                <a:rPr lang="nb-NO" sz="2000" b="1" cap="none" spc="0" dirty="0" smtClean="0">
+                  <a:ln w="9525">
+                    <a:solidFill>
+                      <a:schemeClr val="bg1"/>
+                    </a:solidFill>
+                    <a:prstDash val="solid"/>
+                  </a:ln>
+                  <a:solidFill>
+                    <a:srgbClr val="DE2212"/>
+                  </a:solidFill>
+                  <a:effectLst>
+                    <a:outerShdw blurRad="12700" dist="38100" dir="2700000" algn="tl" rotWithShape="0">
+                      <a:schemeClr val="accent5">
+                        <a:lumMod val="60000"/>
+                        <a:lumOff val="40000"/>
+                      </a:schemeClr>
+                    </a:outerShdw>
+                  </a:effectLst>
+                </a:rPr>
+                <a:t>R</a:t>
+              </a:r>
+              <a:endParaRPr lang="nb-NO" sz="2000" b="1" cap="none" spc="0" dirty="0">
+                <a:ln w="9525">
+                  <a:solidFill>
+                    <a:schemeClr val="bg1"/>
+                  </a:solidFill>
+                  <a:prstDash val="solid"/>
+                </a:ln>
+                <a:solidFill>
+                  <a:srgbClr val="DE2212"/>
+                </a:solidFill>
+                <a:effectLst>
+                  <a:outerShdw blurRad="12700" dist="38100" dir="2700000" algn="tl" rotWithShape="0">
+                    <a:schemeClr val="accent5">
+                      <a:lumMod val="60000"/>
+                      <a:lumOff val="40000"/>
+                    </a:schemeClr>
+                  </a:outerShdw>
+                </a:effectLst>
+              </a:endParaRPr>
+            </a:p>
+          </p:txBody>
+        </p:sp>
+        <p:sp>
+          <p:nvSpPr>
+            <p:cNvPr id="86" name="Rektangel 85"/>
+            <p:cNvSpPr/>
+            <p:nvPr/>
+          </p:nvSpPr>
+          <p:spPr>
+            <a:xfrm>
+              <a:off x="6547270" y="3334182"/>
+              <a:ext cx="328936" cy="400110"/>
+            </a:xfrm>
+            <a:prstGeom prst="rect">
+              <a:avLst/>
+            </a:prstGeom>
+            <a:noFill/>
+          </p:spPr>
+          <p:txBody>
+            <a:bodyPr wrap="none" lIns="91440" tIns="45720" rIns="91440" bIns="45720">
+              <a:spAutoFit/>
+            </a:bodyPr>
+            <a:lstStyle/>
+            <a:p>
+              <a:pPr algn="ctr"/>
+              <a:r>
+                <a:rPr lang="nb-NO" sz="2000" b="1" cap="none" spc="0" dirty="0" smtClean="0">
+                  <a:ln w="9525">
+                    <a:solidFill>
+                      <a:schemeClr val="bg1"/>
+                    </a:solidFill>
+                    <a:prstDash val="solid"/>
+                  </a:ln>
+                  <a:solidFill>
+                    <a:srgbClr val="00A6EB"/>
+                  </a:solidFill>
+                  <a:effectLst>
+                    <a:outerShdw blurRad="12700" dist="38100" dir="2700000" algn="tl" rotWithShape="0">
+                      <a:schemeClr val="accent5">
+                        <a:lumMod val="60000"/>
+                        <a:lumOff val="40000"/>
+                      </a:schemeClr>
+                    </a:outerShdw>
+                  </a:effectLst>
+                </a:rPr>
+                <a:t>R</a:t>
+              </a:r>
+              <a:endParaRPr lang="nb-NO" sz="2000" b="1" cap="none" spc="0" dirty="0">
+                <a:ln w="9525">
+                  <a:solidFill>
+                    <a:schemeClr val="bg1"/>
+                  </a:solidFill>
+                  <a:prstDash val="solid"/>
+                </a:ln>
+                <a:solidFill>
+                  <a:srgbClr val="00A6EB"/>
+                </a:solidFill>
+                <a:effectLst>
+                  <a:outerShdw blurRad="12700" dist="38100" dir="2700000" algn="tl" rotWithShape="0">
+                    <a:schemeClr val="accent5">
+                      <a:lumMod val="60000"/>
+                      <a:lumOff val="40000"/>
+                    </a:schemeClr>
+                  </a:outerShdw>
+                </a:effectLst>
+              </a:endParaRPr>
+            </a:p>
+          </p:txBody>
+        </p:sp>
+        <p:sp>
+          <p:nvSpPr>
+            <p:cNvPr id="87" name="Rektangel 86"/>
+            <p:cNvSpPr/>
+            <p:nvPr/>
+          </p:nvSpPr>
+          <p:spPr>
+            <a:xfrm>
+              <a:off x="5180939" y="3050345"/>
+              <a:ext cx="357790" cy="461665"/>
+            </a:xfrm>
+            <a:prstGeom prst="rect">
+              <a:avLst/>
+            </a:prstGeom>
+            <a:noFill/>
+          </p:spPr>
+          <p:txBody>
+            <a:bodyPr wrap="none" lIns="91440" tIns="45720" rIns="91440" bIns="45720">
+              <a:spAutoFit/>
+            </a:bodyPr>
+            <a:lstStyle/>
+            <a:p>
+              <a:pPr algn="ctr"/>
+              <a:r>
+                <a:rPr lang="nb-NO" sz="2400" b="1" cap="none" spc="0" dirty="0" smtClean="0">
+                  <a:ln w="9525">
+                    <a:solidFill>
+                      <a:schemeClr val="bg1"/>
+                    </a:solidFill>
+                    <a:prstDash val="solid"/>
+                  </a:ln>
+                  <a:solidFill>
+                    <a:srgbClr val="00A14A"/>
+                  </a:solidFill>
+                  <a:effectLst>
+                    <a:outerShdw blurRad="12700" dist="38100" dir="2700000" algn="tl" rotWithShape="0">
+                      <a:schemeClr val="accent5">
+                        <a:lumMod val="60000"/>
+                        <a:lumOff val="40000"/>
+                      </a:schemeClr>
+                    </a:outerShdw>
+                  </a:effectLst>
+                </a:rPr>
+                <a:t>R</a:t>
+              </a:r>
+              <a:endParaRPr lang="nb-NO" sz="2400" b="1" cap="none" spc="0" dirty="0">
+                <a:ln w="9525">
+                  <a:solidFill>
+                    <a:schemeClr val="bg1"/>
+                  </a:solidFill>
+                  <a:prstDash val="solid"/>
+                </a:ln>
+                <a:solidFill>
+                  <a:srgbClr val="00A14A"/>
+                </a:solidFill>
+                <a:effectLst>
+                  <a:outerShdw blurRad="12700" dist="38100" dir="2700000" algn="tl" rotWithShape="0">
+                    <a:schemeClr val="accent5">
+                      <a:lumMod val="60000"/>
+                      <a:lumOff val="40000"/>
+                    </a:schemeClr>
+                  </a:outerShdw>
+                </a:effectLst>
+              </a:endParaRPr>
+            </a:p>
+          </p:txBody>
+        </p:sp>
+        <p:sp>
+          <p:nvSpPr>
+            <p:cNvPr id="88" name="Rektangel 87"/>
+            <p:cNvSpPr/>
+            <p:nvPr/>
+          </p:nvSpPr>
+          <p:spPr>
+            <a:xfrm>
+              <a:off x="5787451" y="3378825"/>
+              <a:ext cx="328936" cy="400110"/>
+            </a:xfrm>
+            <a:prstGeom prst="rect">
+              <a:avLst/>
+            </a:prstGeom>
+            <a:noFill/>
+          </p:spPr>
+          <p:txBody>
+            <a:bodyPr wrap="none" lIns="91440" tIns="45720" rIns="91440" bIns="45720">
+              <a:spAutoFit/>
+            </a:bodyPr>
+            <a:lstStyle/>
+            <a:p>
+              <a:pPr algn="ctr"/>
+              <a:r>
+                <a:rPr lang="nb-NO" sz="2000" b="1" cap="none" spc="0" dirty="0" smtClean="0">
+                  <a:ln w="9525">
+                    <a:solidFill>
+                      <a:schemeClr val="bg1"/>
+                    </a:solidFill>
+                    <a:prstDash val="solid"/>
+                  </a:ln>
+                  <a:solidFill>
+                    <a:srgbClr val="FF0000"/>
+                  </a:solidFill>
+                  <a:effectLst>
+                    <a:outerShdw blurRad="12700" dist="38100" dir="2700000" algn="tl" rotWithShape="0">
+                      <a:schemeClr val="accent5">
+                        <a:lumMod val="60000"/>
+                        <a:lumOff val="40000"/>
+                      </a:schemeClr>
+                    </a:outerShdw>
+                  </a:effectLst>
+                </a:rPr>
+                <a:t>R</a:t>
+              </a:r>
+              <a:endParaRPr lang="nb-NO" sz="2000" b="1" cap="none" spc="0" dirty="0">
+                <a:ln w="9525">
+                  <a:solidFill>
+                    <a:schemeClr val="bg1"/>
+                  </a:solidFill>
+                  <a:prstDash val="solid"/>
+                </a:ln>
+                <a:solidFill>
+                  <a:srgbClr val="FF0000"/>
+                </a:solidFill>
+                <a:effectLst>
+                  <a:outerShdw blurRad="12700" dist="38100" dir="2700000" algn="tl" rotWithShape="0">
+                    <a:schemeClr val="accent5">
+                      <a:lumMod val="60000"/>
+                      <a:lumOff val="40000"/>
+                    </a:schemeClr>
+                  </a:outerShdw>
+                </a:effectLst>
+              </a:endParaRPr>
+            </a:p>
+          </p:txBody>
+        </p:sp>
+        <p:sp>
+          <p:nvSpPr>
+            <p:cNvPr id="92" name="Rektangel 91"/>
+            <p:cNvSpPr/>
+            <p:nvPr/>
+          </p:nvSpPr>
+          <p:spPr>
+            <a:xfrm>
+              <a:off x="6550382" y="3019736"/>
+              <a:ext cx="357790" cy="461665"/>
+            </a:xfrm>
+            <a:prstGeom prst="rect">
+              <a:avLst/>
+            </a:prstGeom>
+            <a:noFill/>
+          </p:spPr>
+          <p:txBody>
+            <a:bodyPr wrap="none" lIns="91440" tIns="45720" rIns="91440" bIns="45720">
+              <a:spAutoFit/>
+            </a:bodyPr>
+            <a:lstStyle/>
+            <a:p>
+              <a:pPr algn="ctr"/>
+              <a:r>
+                <a:rPr lang="nb-NO" sz="2400" b="1" cap="none" spc="0" dirty="0" smtClean="0">
+                  <a:ln w="9525">
+                    <a:solidFill>
+                      <a:schemeClr val="bg1"/>
+                    </a:solidFill>
+                    <a:prstDash val="solid"/>
+                  </a:ln>
+                  <a:solidFill>
+                    <a:srgbClr val="DE2212"/>
+                  </a:solidFill>
+                  <a:effectLst>
+                    <a:outerShdw blurRad="12700" dist="38100" dir="2700000" algn="tl" rotWithShape="0">
+                      <a:schemeClr val="accent5">
+                        <a:lumMod val="60000"/>
+                        <a:lumOff val="40000"/>
+                      </a:schemeClr>
+                    </a:outerShdw>
+                  </a:effectLst>
+                </a:rPr>
+                <a:t>R</a:t>
+              </a:r>
+              <a:endParaRPr lang="nb-NO" sz="2400" b="1" cap="none" spc="0" dirty="0">
+                <a:ln w="9525">
+                  <a:solidFill>
+                    <a:schemeClr val="bg1"/>
+                  </a:solidFill>
+                  <a:prstDash val="solid"/>
+                </a:ln>
+                <a:solidFill>
+                  <a:srgbClr val="DE2212"/>
+                </a:solidFill>
+                <a:effectLst>
+                  <a:outerShdw blurRad="12700" dist="38100" dir="2700000" algn="tl" rotWithShape="0">
+                    <a:schemeClr val="accent5">
+                      <a:lumMod val="60000"/>
+                      <a:lumOff val="40000"/>
+                    </a:schemeClr>
+                  </a:outerShdw>
+                </a:effectLst>
+              </a:endParaRPr>
+            </a:p>
+          </p:txBody>
+        </p:sp>
+      </p:grpSp>
+    </p:spTree>
+    <p:extLst>
+      <p:ext uri="{BB962C8B-B14F-4D97-AF65-F5344CB8AC3E}">
+        <p14:creationId xmlns:p14="http://schemas.microsoft.com/office/powerpoint/2010/main" val="997282470"/>
+      </p:ext>
+    </p:extLst>
+  </p:cSld>
+  <p:clrMapOvr>
+    <a:masterClrMapping/>
+  </p:clrMapOvr>
+  <p:timing>
+    <p:tnLst>
+      <p:par>
+        <p:cTn id="1" dur="indefinite" restart="never" nodeType="tmRoot"/>
+      </p:par>
+    </p:tnLst>
+  </p:timing>
+</p:sld>
+</file>
+
+<file path=ppt/slides/slide9.xml><?xml version="1.0" encoding="utf-8"?>
+<p:sld xmlns:a="http://schemas.openxmlformats.org/drawingml/2006/main" xmlns:r="http://schemas.openxmlformats.org/officeDocument/2006/relationships" xmlns:p="http://schemas.openxmlformats.org/presentationml/2006/main">
+  <p:cSld>
+    <p:spTree>
+      <p:nvGrpSpPr>
+        <p:cNvPr id="1" name=""/>
+        <p:cNvGrpSpPr/>
+        <p:nvPr/>
+      </p:nvGrpSpPr>
+      <p:grpSpPr>
+        <a:xfrm>
+          <a:off x="0" y="0"/>
+          <a:ext cx="0" cy="0"/>
+          <a:chOff x="0" y="0"/>
+          <a:chExt cx="0" cy="0"/>
+        </a:xfrm>
+      </p:grpSpPr>
+      <p:sp>
+        <p:nvSpPr>
+          <p:cNvPr id="2" name="Hexagon 35">
+            <a:extLst>
+              <a:ext uri="{FF2B5EF4-FFF2-40B4-BE49-F238E27FC236}">
+                <a16:creationId xmlns:a16="http://schemas.microsoft.com/office/drawing/2014/main" id="{90E46B38-1301-774F-8904-FFF8966BD8C2}"/>
+              </a:ext>
+            </a:extLst>
+          </p:cNvPr>
+          <p:cNvSpPr>
+            <a:spLocks noChangeAspect="1"/>
+          </p:cNvSpPr>
+          <p:nvPr/>
+        </p:nvSpPr>
+        <p:spPr>
+          <a:xfrm rot="1800000">
+            <a:off x="4735200" y="2244483"/>
+            <a:ext cx="2721600" cy="2369033"/>
+          </a:xfrm>
+          <a:prstGeom prst="hexagon">
+            <a:avLst>
+              <a:gd name="adj" fmla="val 28372"/>
+              <a:gd name="vf" fmla="val 115470"/>
+            </a:avLst>
+          </a:prstGeom>
+          <a:solidFill>
+            <a:srgbClr val="133E4D"/>
+          </a:solidFill>
+          <a:ln w="69850">
+            <a:solidFill>
+              <a:schemeClr val="tx1">
+                <a:lumMod val="85000"/>
+                <a:lumOff val="15000"/>
+              </a:schemeClr>
+            </a:solidFill>
+          </a:ln>
+        </p:spPr>
+        <p:style>
+          <a:lnRef idx="2">
+            <a:schemeClr val="accent1">
+              <a:shade val="50000"/>
+            </a:schemeClr>
+          </a:lnRef>
+          <a:fillRef idx="1">
+            <a:schemeClr val="accent1"/>
+          </a:fillRef>
+          <a:effectRef idx="0">
+            <a:schemeClr val="accent1"/>
+          </a:effectRef>
+          <a:fontRef idx="minor">
+            <a:schemeClr val="lt1"/>
+          </a:fontRef>
+        </p:style>
+        <p:txBody>
+          <a:bodyPr rtlCol="0" anchor="ctr"/>
+          <a:lstStyle/>
+          <a:p>
+            <a:pPr algn="ctr"/>
+            <a:endParaRPr lang="en-US" dirty="0"/>
+          </a:p>
+        </p:txBody>
+      </p:sp>
+      <p:sp>
+        <p:nvSpPr>
+          <p:cNvPr id="45" name="TekstSylinder 44"/>
+          <p:cNvSpPr txBox="1"/>
+          <p:nvPr/>
+        </p:nvSpPr>
+        <p:spPr>
+          <a:xfrm>
+            <a:off x="4951956" y="2496396"/>
+            <a:ext cx="2292096" cy="461665"/>
+          </a:xfrm>
+          <a:prstGeom prst="rect">
+            <a:avLst/>
+          </a:prstGeom>
+          <a:noFill/>
+        </p:spPr>
+        <p:txBody>
+          <a:bodyPr wrap="square" rtlCol="0">
+            <a:spAutoFit/>
+          </a:bodyPr>
+          <a:lstStyle/>
+          <a:p>
+            <a:pPr algn="ctr"/>
+            <a:r>
+              <a:rPr lang="nb-NO" sz="2400" dirty="0" err="1" smtClean="0">
+                <a:solidFill>
+                  <a:schemeClr val="bg2">
+                    <a:lumMod val="90000"/>
+                  </a:schemeClr>
+                </a:solidFill>
+                <a:latin typeface="Trebuchet MS" panose="020B0603020202020204" pitchFamily="34" charset="0"/>
+              </a:rPr>
+              <a:t>NVItemplate</a:t>
+            </a:r>
+            <a:endParaRPr lang="nb-NO" sz="2400" dirty="0">
+              <a:solidFill>
+                <a:schemeClr val="bg2">
+                  <a:lumMod val="90000"/>
+                </a:schemeClr>
+              </a:solidFill>
+              <a:latin typeface="Trebuchet MS" panose="020B0603020202020204" pitchFamily="34" charset="0"/>
+            </a:endParaRPr>
+          </a:p>
+        </p:txBody>
+      </p:sp>
+    </p:spTree>
+    <p:extLst>
+      <p:ext uri="{BB962C8B-B14F-4D97-AF65-F5344CB8AC3E}">
+        <p14:creationId xmlns:p14="http://schemas.microsoft.com/office/powerpoint/2010/main" val="2421291886"/>
       </p:ext>
     </p:extLst>
   </p:cSld>
@@ -17266,18 +23386,18 @@
 </file>
 
 <file path=customXml/item2.xml><?xml version="1.0" encoding="utf-8"?>
+<p:properties xmlns:p="http://schemas.microsoft.com/office/2006/metadata/properties" xmlns:xsi="http://www.w3.org/2001/XMLSchema-instance" xmlns:pc="http://schemas.microsoft.com/office/infopath/2007/PartnerControls">
+  <documentManagement/>
+</p:properties>
+</file>
+
+<file path=customXml/item3.xml><?xml version="1.0" encoding="utf-8"?>
 <?mso-contentType ?>
 <FormTemplates xmlns="http://schemas.microsoft.com/sharepoint/v3/contenttype/forms">
   <Display>DocumentLibraryForm</Display>
   <Edit>DocumentLibraryForm</Edit>
   <New>DocumentLibraryForm</New>
 </FormTemplates>
-</file>
-
-<file path=customXml/item3.xml><?xml version="1.0" encoding="utf-8"?>
-<p:properties xmlns:p="http://schemas.microsoft.com/office/2006/metadata/properties" xmlns:xsi="http://www.w3.org/2001/XMLSchema-instance" xmlns:pc="http://schemas.microsoft.com/office/infopath/2007/PartnerControls">
-  <documentManagement/>
-</p:properties>
 </file>
 
 <file path=customXml/itemProps1.xml><?xml version="1.0" encoding="utf-8"?>
@@ -17299,14 +23419,6 @@
 </file>
 
 <file path=customXml/itemProps2.xml><?xml version="1.0" encoding="utf-8"?>
-<ds:datastoreItem xmlns:ds="http://schemas.openxmlformats.org/officeDocument/2006/customXml" ds:itemID="{4BE7E9B0-0351-4956-BF80-844462B099ED}">
-  <ds:schemaRefs>
-    <ds:schemaRef ds:uri="http://schemas.microsoft.com/sharepoint/v3/contenttype/forms"/>
-  </ds:schemaRefs>
-</ds:datastoreItem>
-</file>
-
-<file path=customXml/itemProps3.xml><?xml version="1.0" encoding="utf-8"?>
 <ds:datastoreItem xmlns:ds="http://schemas.openxmlformats.org/officeDocument/2006/customXml" ds:itemID="{7DEC415D-4AD5-4872-9DD1-7B94914CAE4D}">
   <ds:schemaRefs>
     <ds:schemaRef ds:uri="http://purl.org/dc/elements/1.1/"/>
@@ -17320,4 +23432,12 @@
     <ds:schemaRef ds:uri="http://purl.org/dc/terms/"/>
   </ds:schemaRefs>
 </ds:datastoreItem>
+</file>
+
+<file path=customXml/itemProps3.xml><?xml version="1.0" encoding="utf-8"?>
+<ds:datastoreItem xmlns:ds="http://schemas.openxmlformats.org/officeDocument/2006/customXml" ds:itemID="{4BE7E9B0-0351-4956-BF80-844462B099ED}">
+  <ds:schemaRefs>
+    <ds:schemaRef ds:uri="http://schemas.microsoft.com/sharepoint/v3/contenttype/forms"/>
+  </ds:schemaRefs>
+</ds:datastoreItem>
 </file>
--- a/data-raw/logos.pptx
+++ b/data-raw/logos.pptx
@@ -13,9 +13,10 @@
     <p:sldId id="261" r:id="rId10"/>
     <p:sldId id="262" r:id="rId11"/>
     <p:sldId id="263" r:id="rId12"/>
-    <p:sldId id="266" r:id="rId13"/>
-    <p:sldId id="264" r:id="rId14"/>
-    <p:sldId id="265" r:id="rId15"/>
+    <p:sldId id="267" r:id="rId13"/>
+    <p:sldId id="266" r:id="rId14"/>
+    <p:sldId id="264" r:id="rId15"/>
+    <p:sldId id="265" r:id="rId16"/>
   </p:sldIdLst>
   <p:sldSz cx="12192000" cy="6858000"/>
   <p:notesSz cx="6858000" cy="9144000"/>
@@ -264,7 +265,7 @@
           <a:p>
             <a:fld id="{09605B3F-6133-425E-A10B-41F9F06FCAC6}" type="datetimeFigureOut">
               <a:rPr lang="nb-NO" smtClean="0"/>
-              <a:t>24.06.2023</a:t>
+              <a:t>29.06.2023</a:t>
             </a:fld>
             <a:endParaRPr lang="nb-NO"/>
           </a:p>
@@ -434,7 +435,7 @@
           <a:p>
             <a:fld id="{09605B3F-6133-425E-A10B-41F9F06FCAC6}" type="datetimeFigureOut">
               <a:rPr lang="nb-NO" smtClean="0"/>
-              <a:t>24.06.2023</a:t>
+              <a:t>29.06.2023</a:t>
             </a:fld>
             <a:endParaRPr lang="nb-NO"/>
           </a:p>
@@ -614,7 +615,7 @@
           <a:p>
             <a:fld id="{09605B3F-6133-425E-A10B-41F9F06FCAC6}" type="datetimeFigureOut">
               <a:rPr lang="nb-NO" smtClean="0"/>
-              <a:t>24.06.2023</a:t>
+              <a:t>29.06.2023</a:t>
             </a:fld>
             <a:endParaRPr lang="nb-NO"/>
           </a:p>
@@ -784,7 +785,7 @@
           <a:p>
             <a:fld id="{09605B3F-6133-425E-A10B-41F9F06FCAC6}" type="datetimeFigureOut">
               <a:rPr lang="nb-NO" smtClean="0"/>
-              <a:t>24.06.2023</a:t>
+              <a:t>29.06.2023</a:t>
             </a:fld>
             <a:endParaRPr lang="nb-NO"/>
           </a:p>
@@ -1030,7 +1031,7 @@
           <a:p>
             <a:fld id="{09605B3F-6133-425E-A10B-41F9F06FCAC6}" type="datetimeFigureOut">
               <a:rPr lang="nb-NO" smtClean="0"/>
-              <a:t>24.06.2023</a:t>
+              <a:t>29.06.2023</a:t>
             </a:fld>
             <a:endParaRPr lang="nb-NO"/>
           </a:p>
@@ -1262,7 +1263,7 @@
           <a:p>
             <a:fld id="{09605B3F-6133-425E-A10B-41F9F06FCAC6}" type="datetimeFigureOut">
               <a:rPr lang="nb-NO" smtClean="0"/>
-              <a:t>24.06.2023</a:t>
+              <a:t>29.06.2023</a:t>
             </a:fld>
             <a:endParaRPr lang="nb-NO"/>
           </a:p>
@@ -1629,7 +1630,7 @@
           <a:p>
             <a:fld id="{09605B3F-6133-425E-A10B-41F9F06FCAC6}" type="datetimeFigureOut">
               <a:rPr lang="nb-NO" smtClean="0"/>
-              <a:t>24.06.2023</a:t>
+              <a:t>29.06.2023</a:t>
             </a:fld>
             <a:endParaRPr lang="nb-NO"/>
           </a:p>
@@ -1747,7 +1748,7 @@
           <a:p>
             <a:fld id="{09605B3F-6133-425E-A10B-41F9F06FCAC6}" type="datetimeFigureOut">
               <a:rPr lang="nb-NO" smtClean="0"/>
-              <a:t>24.06.2023</a:t>
+              <a:t>29.06.2023</a:t>
             </a:fld>
             <a:endParaRPr lang="nb-NO"/>
           </a:p>
@@ -1842,7 +1843,7 @@
           <a:p>
             <a:fld id="{09605B3F-6133-425E-A10B-41F9F06FCAC6}" type="datetimeFigureOut">
               <a:rPr lang="nb-NO" smtClean="0"/>
-              <a:t>24.06.2023</a:t>
+              <a:t>29.06.2023</a:t>
             </a:fld>
             <a:endParaRPr lang="nb-NO"/>
           </a:p>
@@ -2119,7 +2120,7 @@
           <a:p>
             <a:fld id="{09605B3F-6133-425E-A10B-41F9F06FCAC6}" type="datetimeFigureOut">
               <a:rPr lang="nb-NO" smtClean="0"/>
-              <a:t>24.06.2023</a:t>
+              <a:t>29.06.2023</a:t>
             </a:fld>
             <a:endParaRPr lang="nb-NO"/>
           </a:p>
@@ -2372,7 +2373,7 @@
           <a:p>
             <a:fld id="{09605B3F-6133-425E-A10B-41F9F06FCAC6}" type="datetimeFigureOut">
               <a:rPr lang="nb-NO" smtClean="0"/>
-              <a:t>24.06.2023</a:t>
+              <a:t>29.06.2023</a:t>
             </a:fld>
             <a:endParaRPr lang="nb-NO"/>
           </a:p>
@@ -2585,7 +2586,7 @@
           <a:p>
             <a:fld id="{09605B3F-6133-425E-A10B-41F9F06FCAC6}" type="datetimeFigureOut">
               <a:rPr lang="nb-NO" smtClean="0"/>
-              <a:t>24.06.2023</a:t>
+              <a:t>29.06.2023</a:t>
             </a:fld>
             <a:endParaRPr lang="nb-NO"/>
           </a:p>
@@ -5126,6 +5127,150 @@
           <a:chExt cx="0" cy="0"/>
         </a:xfrm>
       </p:grpSpPr>
+      <p:sp>
+        <p:nvSpPr>
+          <p:cNvPr id="2" name="Hexagon 35">
+            <a:extLst>
+              <a:ext uri="{FF2B5EF4-FFF2-40B4-BE49-F238E27FC236}">
+                <a16:creationId xmlns:a16="http://schemas.microsoft.com/office/drawing/2014/main" id="{90E46B38-1301-774F-8904-FFF8966BD8C2}"/>
+              </a:ext>
+            </a:extLst>
+          </p:cNvPr>
+          <p:cNvSpPr>
+            <a:spLocks noChangeAspect="1"/>
+          </p:cNvSpPr>
+          <p:nvPr/>
+        </p:nvSpPr>
+        <p:spPr>
+          <a:xfrm rot="1800000">
+            <a:off x="4735200" y="2244483"/>
+            <a:ext cx="2721600" cy="2369033"/>
+          </a:xfrm>
+          <a:prstGeom prst="hexagon">
+            <a:avLst>
+              <a:gd name="adj" fmla="val 28372"/>
+              <a:gd name="vf" fmla="val 115470"/>
+            </a:avLst>
+          </a:prstGeom>
+          <a:solidFill>
+            <a:srgbClr val="133E4D"/>
+          </a:solidFill>
+          <a:ln w="69850">
+            <a:solidFill>
+              <a:schemeClr val="tx1">
+                <a:lumMod val="85000"/>
+                <a:lumOff val="15000"/>
+              </a:schemeClr>
+            </a:solidFill>
+          </a:ln>
+        </p:spPr>
+        <p:style>
+          <a:lnRef idx="2">
+            <a:schemeClr val="accent1">
+              <a:shade val="50000"/>
+            </a:schemeClr>
+          </a:lnRef>
+          <a:fillRef idx="1">
+            <a:schemeClr val="accent1"/>
+          </a:fillRef>
+          <a:effectRef idx="0">
+            <a:schemeClr val="accent1"/>
+          </a:effectRef>
+          <a:fontRef idx="minor">
+            <a:schemeClr val="lt1"/>
+          </a:fontRef>
+        </p:style>
+        <p:txBody>
+          <a:bodyPr rtlCol="0" anchor="ctr"/>
+          <a:lstStyle/>
+          <a:p>
+            <a:pPr algn="ctr"/>
+            <a:endParaRPr lang="en-US" dirty="0"/>
+          </a:p>
+        </p:txBody>
+      </p:sp>
+      <p:sp>
+        <p:nvSpPr>
+          <p:cNvPr id="45" name="TekstSylinder 44"/>
+          <p:cNvSpPr txBox="1"/>
+          <p:nvPr/>
+        </p:nvSpPr>
+        <p:spPr>
+          <a:xfrm>
+            <a:off x="4951956" y="2496396"/>
+            <a:ext cx="2292096" cy="461665"/>
+          </a:xfrm>
+          <a:prstGeom prst="rect">
+            <a:avLst/>
+          </a:prstGeom>
+          <a:noFill/>
+        </p:spPr>
+        <p:txBody>
+          <a:bodyPr wrap="square" rtlCol="0">
+            <a:spAutoFit/>
+          </a:bodyPr>
+          <a:lstStyle/>
+          <a:p>
+            <a:pPr algn="ctr"/>
+            <a:r>
+              <a:rPr lang="nb-NO" sz="2400" dirty="0" err="1" smtClean="0">
+                <a:solidFill>
+                  <a:schemeClr val="bg2">
+                    <a:lumMod val="90000"/>
+                  </a:schemeClr>
+                </a:solidFill>
+                <a:latin typeface="Trebuchet MS" panose="020B0603020202020204" pitchFamily="34" charset="0"/>
+              </a:rPr>
+              <a:t>NVItemplate</a:t>
+            </a:r>
+            <a:endParaRPr lang="nb-NO" sz="2400" dirty="0">
+              <a:solidFill>
+                <a:schemeClr val="bg2">
+                  <a:lumMod val="90000"/>
+                </a:schemeClr>
+              </a:solidFill>
+              <a:latin typeface="Trebuchet MS" panose="020B0603020202020204" pitchFamily="34" charset="0"/>
+            </a:endParaRPr>
+          </a:p>
+        </p:txBody>
+      </p:sp>
+    </p:spTree>
+    <p:extLst>
+      <p:ext uri="{BB962C8B-B14F-4D97-AF65-F5344CB8AC3E}">
+        <p14:creationId xmlns:p14="http://schemas.microsoft.com/office/powerpoint/2010/main" val="2421291886"/>
+      </p:ext>
+    </p:extLst>
+  </p:cSld>
+  <p:clrMapOvr>
+    <a:masterClrMapping/>
+  </p:clrMapOvr>
+  <p:timing>
+    <p:tnLst>
+      <p:par>
+        <p:cTn id="1" dur="indefinite" restart="never" nodeType="tmRoot"/>
+      </p:par>
+    </p:tnLst>
+  </p:timing>
+</p:sld>
+</file>
+
+<file path=ppt/slides/slide11.xml><?xml version="1.0" encoding="utf-8"?>
+<p:sld xmlns:a="http://schemas.openxmlformats.org/drawingml/2006/main" xmlns:r="http://schemas.openxmlformats.org/officeDocument/2006/relationships" xmlns:p="http://schemas.openxmlformats.org/presentationml/2006/main">
+  <p:cSld>
+    <p:spTree>
+      <p:nvGrpSpPr>
+        <p:cNvPr id="1" name=""/>
+        <p:cNvGrpSpPr/>
+        <p:nvPr/>
+      </p:nvGrpSpPr>
+      <p:grpSpPr>
+        <a:xfrm>
+          <a:off x="0" y="0"/>
+          <a:ext cx="0" cy="0"/>
+          <a:chOff x="0" y="0"/>
+          <a:chExt cx="0" cy="0"/>
+        </a:xfrm>
+      </p:grpSpPr>
       <p:grpSp>
         <p:nvGrpSpPr>
           <p:cNvPr id="4" name="Gruppe 3"/>
@@ -6359,7 +6504,7 @@
 </p:sld>
 </file>
 
-<file path=ppt/slides/slide11.xml><?xml version="1.0" encoding="utf-8"?>
+<file path=ppt/slides/slide12.xml><?xml version="1.0" encoding="utf-8"?>
 <p:sld xmlns:a="http://schemas.openxmlformats.org/drawingml/2006/main" xmlns:r="http://schemas.openxmlformats.org/officeDocument/2006/relationships" xmlns:p="http://schemas.openxmlformats.org/presentationml/2006/main">
   <p:cSld>
     <p:spTree>
@@ -22819,117 +22964,1312 @@
           <a:chExt cx="0" cy="0"/>
         </a:xfrm>
       </p:grpSpPr>
-      <p:sp>
-        <p:nvSpPr>
-          <p:cNvPr id="2" name="Hexagon 35">
-            <a:extLst>
-              <a:ext uri="{FF2B5EF4-FFF2-40B4-BE49-F238E27FC236}">
-                <a16:creationId xmlns:a16="http://schemas.microsoft.com/office/drawing/2014/main" id="{90E46B38-1301-774F-8904-FFF8966BD8C2}"/>
-              </a:ext>
-            </a:extLst>
-          </p:cNvPr>
-          <p:cNvSpPr>
-            <a:spLocks noChangeAspect="1"/>
-          </p:cNvSpPr>
+      <p:grpSp>
+        <p:nvGrpSpPr>
+          <p:cNvPr id="9" name="Gruppe 8"/>
+          <p:cNvGrpSpPr/>
           <p:nvPr/>
-        </p:nvSpPr>
-        <p:spPr>
-          <a:xfrm rot="1800000">
+        </p:nvGrpSpPr>
+        <p:grpSpPr>
+          <a:xfrm>
             <a:off x="4735200" y="2244483"/>
             <a:ext cx="2721600" cy="2369033"/>
+            <a:chOff x="4735200" y="2244483"/>
+            <a:chExt cx="2721600" cy="2369033"/>
           </a:xfrm>
-          <a:prstGeom prst="hexagon">
-            <a:avLst>
-              <a:gd name="adj" fmla="val 28372"/>
-              <a:gd name="vf" fmla="val 115470"/>
-            </a:avLst>
-          </a:prstGeom>
-          <a:solidFill>
-            <a:srgbClr val="133E4D"/>
-          </a:solidFill>
-          <a:ln w="69850">
+        </p:grpSpPr>
+        <p:sp>
+          <p:nvSpPr>
+            <p:cNvPr id="2" name="Hexagon 35">
+              <a:extLst>
+                <a:ext uri="{FF2B5EF4-FFF2-40B4-BE49-F238E27FC236}">
+                  <a16:creationId xmlns:a16="http://schemas.microsoft.com/office/drawing/2014/main" id="{90E46B38-1301-774F-8904-FFF8966BD8C2}"/>
+                </a:ext>
+              </a:extLst>
+            </p:cNvPr>
+            <p:cNvSpPr>
+              <a:spLocks noChangeAspect="1"/>
+            </p:cNvSpPr>
+            <p:nvPr/>
+          </p:nvSpPr>
+          <p:spPr>
+            <a:xfrm rot="1800000">
+              <a:off x="4735200" y="2244483"/>
+              <a:ext cx="2721600" cy="2369033"/>
+            </a:xfrm>
+            <a:prstGeom prst="hexagon">
+              <a:avLst>
+                <a:gd name="adj" fmla="val 28372"/>
+                <a:gd name="vf" fmla="val 115470"/>
+              </a:avLst>
+            </a:prstGeom>
             <a:solidFill>
-              <a:schemeClr val="tx1">
-                <a:lumMod val="85000"/>
-                <a:lumOff val="15000"/>
+              <a:srgbClr val="133E4D"/>
+            </a:solidFill>
+            <a:ln w="69850">
+              <a:solidFill>
+                <a:schemeClr val="tx1">
+                  <a:lumMod val="85000"/>
+                  <a:lumOff val="15000"/>
+                </a:schemeClr>
+              </a:solidFill>
+            </a:ln>
+          </p:spPr>
+          <p:style>
+            <a:lnRef idx="2">
+              <a:schemeClr val="accent1">
+                <a:shade val="50000"/>
               </a:schemeClr>
-            </a:solidFill>
-          </a:ln>
-        </p:spPr>
-        <p:style>
-          <a:lnRef idx="2">
-            <a:schemeClr val="accent1">
-              <a:shade val="50000"/>
-            </a:schemeClr>
-          </a:lnRef>
-          <a:fillRef idx="1">
-            <a:schemeClr val="accent1"/>
-          </a:fillRef>
-          <a:effectRef idx="0">
-            <a:schemeClr val="accent1"/>
-          </a:effectRef>
-          <a:fontRef idx="minor">
-            <a:schemeClr val="lt1"/>
-          </a:fontRef>
-        </p:style>
-        <p:txBody>
-          <a:bodyPr rtlCol="0" anchor="ctr"/>
-          <a:lstStyle/>
-          <a:p>
-            <a:pPr algn="ctr"/>
-            <a:endParaRPr lang="en-US" dirty="0"/>
-          </a:p>
-        </p:txBody>
-      </p:sp>
-      <p:sp>
-        <p:nvSpPr>
-          <p:cNvPr id="45" name="TekstSylinder 44"/>
-          <p:cNvSpPr txBox="1"/>
-          <p:nvPr/>
-        </p:nvSpPr>
-        <p:spPr>
-          <a:xfrm>
-            <a:off x="4951956" y="2496396"/>
-            <a:ext cx="2292096" cy="461665"/>
-          </a:xfrm>
-          <a:prstGeom prst="rect">
-            <a:avLst/>
-          </a:prstGeom>
-          <a:noFill/>
-        </p:spPr>
-        <p:txBody>
-          <a:bodyPr wrap="square" rtlCol="0">
-            <a:spAutoFit/>
-          </a:bodyPr>
-          <a:lstStyle/>
-          <a:p>
-            <a:pPr algn="ctr"/>
-            <a:r>
-              <a:rPr lang="nb-NO" sz="2400" dirty="0" err="1" smtClean="0">
+            </a:lnRef>
+            <a:fillRef idx="1">
+              <a:schemeClr val="accent1"/>
+            </a:fillRef>
+            <a:effectRef idx="0">
+              <a:schemeClr val="accent1"/>
+            </a:effectRef>
+            <a:fontRef idx="minor">
+              <a:schemeClr val="lt1"/>
+            </a:fontRef>
+          </p:style>
+          <p:txBody>
+            <a:bodyPr rtlCol="0" anchor="ctr"/>
+            <a:lstStyle/>
+            <a:p>
+              <a:pPr algn="ctr"/>
+              <a:endParaRPr lang="en-US" dirty="0"/>
+            </a:p>
+          </p:txBody>
+        </p:sp>
+        <p:sp>
+          <p:nvSpPr>
+            <p:cNvPr id="45" name="TekstSylinder 44"/>
+            <p:cNvSpPr txBox="1"/>
+            <p:nvPr/>
+          </p:nvSpPr>
+          <p:spPr>
+            <a:xfrm>
+              <a:off x="4951956" y="2496396"/>
+              <a:ext cx="2292096" cy="461665"/>
+            </a:xfrm>
+            <a:prstGeom prst="rect">
+              <a:avLst/>
+            </a:prstGeom>
+            <a:noFill/>
+          </p:spPr>
+          <p:txBody>
+            <a:bodyPr wrap="square" rtlCol="0">
+              <a:spAutoFit/>
+            </a:bodyPr>
+            <a:lstStyle/>
+            <a:p>
+              <a:pPr algn="ctr"/>
+              <a:r>
+                <a:rPr lang="nb-NO" sz="2400" dirty="0" err="1" smtClean="0">
+                  <a:solidFill>
+                    <a:schemeClr val="bg2">
+                      <a:lumMod val="90000"/>
+                    </a:schemeClr>
+                  </a:solidFill>
+                  <a:latin typeface="Trebuchet MS" panose="020B0603020202020204" pitchFamily="34" charset="0"/>
+                </a:rPr>
+                <a:t>NVIconfig</a:t>
+              </a:r>
+              <a:endParaRPr lang="nb-NO" sz="2400" dirty="0">
                 <a:solidFill>
                   <a:schemeClr val="bg2">
                     <a:lumMod val="90000"/>
                   </a:schemeClr>
                 </a:solidFill>
                 <a:latin typeface="Trebuchet MS" panose="020B0603020202020204" pitchFamily="34" charset="0"/>
-              </a:rPr>
-              <a:t>NVItemplate</a:t>
-            </a:r>
-            <a:endParaRPr lang="nb-NO" sz="2400" dirty="0">
+              </a:endParaRPr>
+            </a:p>
+          </p:txBody>
+        </p:sp>
+        <p:grpSp>
+          <p:nvGrpSpPr>
+            <p:cNvPr id="8" name="Gruppe 7"/>
+            <p:cNvGrpSpPr/>
+            <p:nvPr/>
+          </p:nvGrpSpPr>
+          <p:grpSpPr>
+            <a:xfrm>
+              <a:off x="5433167" y="2979582"/>
+              <a:ext cx="1274008" cy="1450487"/>
+              <a:chOff x="5433167" y="2979582"/>
+              <a:chExt cx="1274008" cy="1450487"/>
+            </a:xfrm>
+          </p:grpSpPr>
+          <p:sp>
+            <p:nvSpPr>
+              <p:cNvPr id="72" name="Rektangel 71"/>
+              <p:cNvSpPr/>
+              <p:nvPr/>
+            </p:nvSpPr>
+            <p:spPr>
+              <a:xfrm>
+                <a:off x="5584584" y="3015726"/>
+                <a:ext cx="960528" cy="1250754"/>
+              </a:xfrm>
+              <a:prstGeom prst="rect">
+                <a:avLst/>
+              </a:prstGeom>
               <a:solidFill>
-                <a:schemeClr val="bg2">
-                  <a:lumMod val="90000"/>
+                <a:schemeClr val="bg1"/>
+              </a:solidFill>
+              <a:ln w="12700">
+                <a:solidFill>
+                  <a:srgbClr val="979EA6"/>
+                </a:solidFill>
+              </a:ln>
+            </p:spPr>
+            <p:style>
+              <a:lnRef idx="2">
+                <a:schemeClr val="accent1">
+                  <a:shade val="50000"/>
                 </a:schemeClr>
+              </a:lnRef>
+              <a:fillRef idx="1">
+                <a:schemeClr val="accent1"/>
+              </a:fillRef>
+              <a:effectRef idx="0">
+                <a:schemeClr val="accent1"/>
+              </a:effectRef>
+              <a:fontRef idx="minor">
+                <a:schemeClr val="lt1"/>
+              </a:fontRef>
+            </p:style>
+            <p:txBody>
+              <a:bodyPr rtlCol="0" anchor="ctr"/>
+              <a:lstStyle/>
+              <a:p>
+                <a:pPr algn="ctr"/>
+                <a:endParaRPr lang="nb-NO"/>
+              </a:p>
+            </p:txBody>
+          </p:sp>
+          <p:cxnSp>
+            <p:nvCxnSpPr>
+              <p:cNvPr id="81" name="Rett linje 80"/>
+              <p:cNvCxnSpPr/>
+              <p:nvPr/>
+            </p:nvCxnSpPr>
+            <p:spPr>
+              <a:xfrm>
+                <a:off x="5688057" y="4160646"/>
+                <a:ext cx="371020" cy="0"/>
+              </a:xfrm>
+              <a:prstGeom prst="line">
+                <a:avLst/>
+              </a:prstGeom>
+              <a:ln w="28575">
+                <a:solidFill>
+                  <a:srgbClr val="979EA6"/>
+                </a:solidFill>
+              </a:ln>
+            </p:spPr>
+            <p:style>
+              <a:lnRef idx="1">
+                <a:schemeClr val="accent1"/>
+              </a:lnRef>
+              <a:fillRef idx="0">
+                <a:schemeClr val="accent1"/>
+              </a:fillRef>
+              <a:effectRef idx="0">
+                <a:schemeClr val="accent1"/>
+              </a:effectRef>
+              <a:fontRef idx="minor">
+                <a:schemeClr val="tx1"/>
+              </a:fontRef>
+            </p:style>
+          </p:cxnSp>
+          <p:cxnSp>
+            <p:nvCxnSpPr>
+              <p:cNvPr id="104" name="Rett linje 103"/>
+              <p:cNvCxnSpPr/>
+              <p:nvPr/>
+            </p:nvCxnSpPr>
+            <p:spPr>
+              <a:xfrm flipV="1">
+                <a:off x="5688057" y="3439205"/>
+                <a:ext cx="753582" cy="3"/>
+              </a:xfrm>
+              <a:prstGeom prst="line">
+                <a:avLst/>
+              </a:prstGeom>
+              <a:ln w="28575">
+                <a:solidFill>
+                  <a:srgbClr val="979EA6"/>
+                </a:solidFill>
+              </a:ln>
+            </p:spPr>
+            <p:style>
+              <a:lnRef idx="1">
+                <a:schemeClr val="accent1"/>
+              </a:lnRef>
+              <a:fillRef idx="0">
+                <a:schemeClr val="accent1"/>
+              </a:fillRef>
+              <a:effectRef idx="0">
+                <a:schemeClr val="accent1"/>
+              </a:effectRef>
+              <a:fontRef idx="minor">
+                <a:schemeClr val="tx1"/>
+              </a:fontRef>
+            </p:style>
+          </p:cxnSp>
+          <p:cxnSp>
+            <p:nvCxnSpPr>
+              <p:cNvPr id="105" name="Rett linje 104"/>
+              <p:cNvCxnSpPr/>
+              <p:nvPr/>
+            </p:nvCxnSpPr>
+            <p:spPr>
+              <a:xfrm flipV="1">
+                <a:off x="5688057" y="3709745"/>
+                <a:ext cx="753582" cy="3"/>
+              </a:xfrm>
+              <a:prstGeom prst="line">
+                <a:avLst/>
+              </a:prstGeom>
+              <a:ln w="28575">
+                <a:solidFill>
+                  <a:srgbClr val="979EA6"/>
+                </a:solidFill>
+              </a:ln>
+            </p:spPr>
+            <p:style>
+              <a:lnRef idx="1">
+                <a:schemeClr val="accent1"/>
+              </a:lnRef>
+              <a:fillRef idx="0">
+                <a:schemeClr val="accent1"/>
+              </a:fillRef>
+              <a:effectRef idx="0">
+                <a:schemeClr val="accent1"/>
+              </a:effectRef>
+              <a:fontRef idx="minor">
+                <a:schemeClr val="tx1"/>
+              </a:fontRef>
+            </p:style>
+          </p:cxnSp>
+          <p:cxnSp>
+            <p:nvCxnSpPr>
+              <p:cNvPr id="109" name="Rett linje 108"/>
+              <p:cNvCxnSpPr/>
+              <p:nvPr/>
+            </p:nvCxnSpPr>
+            <p:spPr>
+              <a:xfrm flipV="1">
+                <a:off x="5688057" y="3799925"/>
+                <a:ext cx="753582" cy="3"/>
+              </a:xfrm>
+              <a:prstGeom prst="line">
+                <a:avLst/>
+              </a:prstGeom>
+              <a:ln w="28575">
+                <a:solidFill>
+                  <a:srgbClr val="979EA6"/>
+                </a:solidFill>
+              </a:ln>
+            </p:spPr>
+            <p:style>
+              <a:lnRef idx="1">
+                <a:schemeClr val="accent1"/>
+              </a:lnRef>
+              <a:fillRef idx="0">
+                <a:schemeClr val="accent1"/>
+              </a:fillRef>
+              <a:effectRef idx="0">
+                <a:schemeClr val="accent1"/>
+              </a:effectRef>
+              <a:fontRef idx="minor">
+                <a:schemeClr val="tx1"/>
+              </a:fontRef>
+            </p:style>
+          </p:cxnSp>
+          <p:cxnSp>
+            <p:nvCxnSpPr>
+              <p:cNvPr id="119" name="Rett linje 118"/>
+              <p:cNvCxnSpPr/>
+              <p:nvPr/>
+            </p:nvCxnSpPr>
+            <p:spPr>
+              <a:xfrm flipV="1">
+                <a:off x="5688057" y="3890105"/>
+                <a:ext cx="753582" cy="3"/>
+              </a:xfrm>
+              <a:prstGeom prst="line">
+                <a:avLst/>
+              </a:prstGeom>
+              <a:ln w="28575">
+                <a:solidFill>
+                  <a:srgbClr val="979EA6"/>
+                </a:solidFill>
+              </a:ln>
+            </p:spPr>
+            <p:style>
+              <a:lnRef idx="1">
+                <a:schemeClr val="accent1"/>
+              </a:lnRef>
+              <a:fillRef idx="0">
+                <a:schemeClr val="accent1"/>
+              </a:fillRef>
+              <a:effectRef idx="0">
+                <a:schemeClr val="accent1"/>
+              </a:effectRef>
+              <a:fontRef idx="minor">
+                <a:schemeClr val="tx1"/>
+              </a:fontRef>
+            </p:style>
+          </p:cxnSp>
+          <p:cxnSp>
+            <p:nvCxnSpPr>
+              <p:cNvPr id="120" name="Rett linje 119"/>
+              <p:cNvCxnSpPr/>
+              <p:nvPr/>
+            </p:nvCxnSpPr>
+            <p:spPr>
+              <a:xfrm flipV="1">
+                <a:off x="5688057" y="3529385"/>
+                <a:ext cx="753582" cy="3"/>
+              </a:xfrm>
+              <a:prstGeom prst="line">
+                <a:avLst/>
+              </a:prstGeom>
+              <a:ln w="28575">
+                <a:solidFill>
+                  <a:srgbClr val="979EA6"/>
+                </a:solidFill>
+              </a:ln>
+            </p:spPr>
+            <p:style>
+              <a:lnRef idx="1">
+                <a:schemeClr val="accent1"/>
+              </a:lnRef>
+              <a:fillRef idx="0">
+                <a:schemeClr val="accent1"/>
+              </a:fillRef>
+              <a:effectRef idx="0">
+                <a:schemeClr val="accent1"/>
+              </a:effectRef>
+              <a:fontRef idx="minor">
+                <a:schemeClr val="tx1"/>
+              </a:fontRef>
+            </p:style>
+          </p:cxnSp>
+          <p:cxnSp>
+            <p:nvCxnSpPr>
+              <p:cNvPr id="128" name="Rett linje 127"/>
+              <p:cNvCxnSpPr/>
+              <p:nvPr/>
+            </p:nvCxnSpPr>
+            <p:spPr>
+              <a:xfrm flipV="1">
+                <a:off x="5688057" y="3980285"/>
+                <a:ext cx="753582" cy="3"/>
+              </a:xfrm>
+              <a:prstGeom prst="line">
+                <a:avLst/>
+              </a:prstGeom>
+              <a:ln w="28575">
+                <a:solidFill>
+                  <a:srgbClr val="979EA6"/>
+                </a:solidFill>
+              </a:ln>
+            </p:spPr>
+            <p:style>
+              <a:lnRef idx="1">
+                <a:schemeClr val="accent1"/>
+              </a:lnRef>
+              <a:fillRef idx="0">
+                <a:schemeClr val="accent1"/>
+              </a:fillRef>
+              <a:effectRef idx="0">
+                <a:schemeClr val="accent1"/>
+              </a:effectRef>
+              <a:fontRef idx="minor">
+                <a:schemeClr val="tx1"/>
+              </a:fontRef>
+            </p:style>
+          </p:cxnSp>
+          <p:sp>
+            <p:nvSpPr>
+              <p:cNvPr id="82" name="Rektangel 81"/>
+              <p:cNvSpPr/>
+              <p:nvPr/>
+            </p:nvSpPr>
+            <p:spPr>
+              <a:xfrm>
+                <a:off x="5584584" y="3015726"/>
+                <a:ext cx="276826" cy="273056"/>
+              </a:xfrm>
+              <a:prstGeom prst="rect">
+                <a:avLst/>
+              </a:prstGeom>
+              <a:solidFill>
+                <a:schemeClr val="bg1"/>
               </a:solidFill>
-              <a:latin typeface="Trebuchet MS" panose="020B0603020202020204" pitchFamily="34" charset="0"/>
-            </a:endParaRPr>
-          </a:p>
-        </p:txBody>
-      </p:sp>
+              <a:ln w="12700">
+                <a:solidFill>
+                  <a:srgbClr val="979EA6"/>
+                </a:solidFill>
+              </a:ln>
+            </p:spPr>
+            <p:style>
+              <a:lnRef idx="2">
+                <a:schemeClr val="accent1">
+                  <a:shade val="50000"/>
+                </a:schemeClr>
+              </a:lnRef>
+              <a:fillRef idx="1">
+                <a:schemeClr val="accent1"/>
+              </a:fillRef>
+              <a:effectRef idx="0">
+                <a:schemeClr val="accent1"/>
+              </a:effectRef>
+              <a:fontRef idx="minor">
+                <a:schemeClr val="lt1"/>
+              </a:fontRef>
+            </p:style>
+            <p:txBody>
+              <a:bodyPr rtlCol="0" anchor="ctr"/>
+              <a:lstStyle/>
+              <a:p>
+                <a:pPr algn="ctr"/>
+                <a:endParaRPr lang="nb-NO"/>
+              </a:p>
+            </p:txBody>
+          </p:sp>
+          <p:sp>
+            <p:nvSpPr>
+              <p:cNvPr id="141" name="Rektangel 140"/>
+              <p:cNvSpPr/>
+              <p:nvPr/>
+            </p:nvSpPr>
+            <p:spPr>
+              <a:xfrm rot="2700000">
+                <a:off x="5561124" y="2851625"/>
+                <a:ext cx="192485" cy="448399"/>
+              </a:xfrm>
+              <a:prstGeom prst="rect">
+                <a:avLst/>
+              </a:prstGeom>
+              <a:solidFill>
+                <a:srgbClr val="133E4D"/>
+              </a:solidFill>
+              <a:ln>
+                <a:solidFill>
+                  <a:srgbClr val="133E4D"/>
+                </a:solidFill>
+              </a:ln>
+            </p:spPr>
+            <p:style>
+              <a:lnRef idx="2">
+                <a:schemeClr val="accent1">
+                  <a:shade val="50000"/>
+                </a:schemeClr>
+              </a:lnRef>
+              <a:fillRef idx="1">
+                <a:schemeClr val="accent1"/>
+              </a:fillRef>
+              <a:effectRef idx="0">
+                <a:schemeClr val="accent1"/>
+              </a:effectRef>
+              <a:fontRef idx="minor">
+                <a:schemeClr val="lt1"/>
+              </a:fontRef>
+            </p:style>
+            <p:txBody>
+              <a:bodyPr rtlCol="0" anchor="ctr"/>
+              <a:lstStyle/>
+              <a:p>
+                <a:pPr algn="ctr"/>
+                <a:endParaRPr lang="nb-NO"/>
+              </a:p>
+            </p:txBody>
+          </p:sp>
+          <p:sp>
+            <p:nvSpPr>
+              <p:cNvPr id="4" name="TekstSylinder 3"/>
+              <p:cNvSpPr txBox="1"/>
+              <p:nvPr/>
+            </p:nvSpPr>
+            <p:spPr>
+              <a:xfrm>
+                <a:off x="5825488" y="3075825"/>
+                <a:ext cx="468000" cy="236478"/>
+              </a:xfrm>
+              <a:prstGeom prst="rect">
+                <a:avLst/>
+              </a:prstGeom>
+              <a:noFill/>
+            </p:spPr>
+            <p:txBody>
+              <a:bodyPr wrap="square" lIns="0" tIns="0" rIns="0" bIns="0" rtlCol="0">
+                <a:noAutofit/>
+              </a:bodyPr>
+              <a:lstStyle/>
+              <a:p>
+                <a:pPr algn="ctr"/>
+                <a:r>
+                  <a:rPr lang="nb-NO" sz="1400" dirty="0" smtClean="0">
+                    <a:solidFill>
+                      <a:srgbClr val="7C858E"/>
+                    </a:solidFill>
+                  </a:rPr>
+                  <a:t>CFG</a:t>
+                </a:r>
+                <a:endParaRPr lang="nb-NO" sz="1400" dirty="0">
+                  <a:solidFill>
+                    <a:srgbClr val="7C858E"/>
+                  </a:solidFill>
+                </a:endParaRPr>
+              </a:p>
+            </p:txBody>
+          </p:sp>
+          <p:cxnSp>
+            <p:nvCxnSpPr>
+              <p:cNvPr id="30" name="Rett linje 29"/>
+              <p:cNvCxnSpPr/>
+              <p:nvPr/>
+            </p:nvCxnSpPr>
+            <p:spPr>
+              <a:xfrm flipV="1">
+                <a:off x="5688057" y="3619565"/>
+                <a:ext cx="753582" cy="3"/>
+              </a:xfrm>
+              <a:prstGeom prst="line">
+                <a:avLst/>
+              </a:prstGeom>
+              <a:ln w="28575">
+                <a:solidFill>
+                  <a:srgbClr val="979EA6"/>
+                </a:solidFill>
+              </a:ln>
+            </p:spPr>
+            <p:style>
+              <a:lnRef idx="1">
+                <a:schemeClr val="accent1"/>
+              </a:lnRef>
+              <a:fillRef idx="0">
+                <a:schemeClr val="accent1"/>
+              </a:fillRef>
+              <a:effectRef idx="0">
+                <a:schemeClr val="accent1"/>
+              </a:effectRef>
+              <a:fontRef idx="minor">
+                <a:schemeClr val="tx1"/>
+              </a:fontRef>
+            </p:style>
+          </p:cxnSp>
+          <p:cxnSp>
+            <p:nvCxnSpPr>
+              <p:cNvPr id="31" name="Rett linje 30"/>
+              <p:cNvCxnSpPr/>
+              <p:nvPr/>
+            </p:nvCxnSpPr>
+            <p:spPr>
+              <a:xfrm flipV="1">
+                <a:off x="5688057" y="3349025"/>
+                <a:ext cx="753582" cy="3"/>
+              </a:xfrm>
+              <a:prstGeom prst="line">
+                <a:avLst/>
+              </a:prstGeom>
+              <a:ln w="28575">
+                <a:solidFill>
+                  <a:srgbClr val="979EA6"/>
+                </a:solidFill>
+              </a:ln>
+            </p:spPr>
+            <p:style>
+              <a:lnRef idx="1">
+                <a:schemeClr val="accent1"/>
+              </a:lnRef>
+              <a:fillRef idx="0">
+                <a:schemeClr val="accent1"/>
+              </a:fillRef>
+              <a:effectRef idx="0">
+                <a:schemeClr val="accent1"/>
+              </a:effectRef>
+              <a:fontRef idx="minor">
+                <a:schemeClr val="tx1"/>
+              </a:fontRef>
+            </p:style>
+          </p:cxnSp>
+          <p:cxnSp>
+            <p:nvCxnSpPr>
+              <p:cNvPr id="33" name="Rett linje 32"/>
+              <p:cNvCxnSpPr/>
+              <p:nvPr/>
+            </p:nvCxnSpPr>
+            <p:spPr>
+              <a:xfrm flipV="1">
+                <a:off x="5688057" y="4070465"/>
+                <a:ext cx="753582" cy="3"/>
+              </a:xfrm>
+              <a:prstGeom prst="line">
+                <a:avLst/>
+              </a:prstGeom>
+              <a:ln w="28575">
+                <a:solidFill>
+                  <a:srgbClr val="979EA6"/>
+                </a:solidFill>
+              </a:ln>
+            </p:spPr>
+            <p:style>
+              <a:lnRef idx="1">
+                <a:schemeClr val="accent1"/>
+              </a:lnRef>
+              <a:fillRef idx="0">
+                <a:schemeClr val="accent1"/>
+              </a:fillRef>
+              <a:effectRef idx="0">
+                <a:schemeClr val="accent1"/>
+              </a:effectRef>
+              <a:fontRef idx="minor">
+                <a:schemeClr val="tx1"/>
+              </a:fontRef>
+            </p:style>
+          </p:cxnSp>
+          <p:grpSp>
+            <p:nvGrpSpPr>
+              <p:cNvPr id="228" name="Gruppe 227"/>
+              <p:cNvGrpSpPr/>
+              <p:nvPr/>
+            </p:nvGrpSpPr>
+            <p:grpSpPr>
+              <a:xfrm>
+                <a:off x="6156454" y="3877913"/>
+                <a:ext cx="550721" cy="552156"/>
+                <a:chOff x="6014159" y="3751687"/>
+                <a:chExt cx="550721" cy="552156"/>
+              </a:xfrm>
+            </p:grpSpPr>
+            <p:cxnSp>
+              <p:nvCxnSpPr>
+                <p:cNvPr id="70" name="Rett linje 69"/>
+                <p:cNvCxnSpPr/>
+                <p:nvPr/>
+              </p:nvCxnSpPr>
+              <p:spPr>
+                <a:xfrm flipV="1">
+                  <a:off x="6166194" y="4021417"/>
+                  <a:ext cx="246651" cy="12696"/>
+                </a:xfrm>
+                <a:prstGeom prst="line">
+                  <a:avLst/>
+                </a:prstGeom>
+                <a:ln w="28575">
+                  <a:solidFill>
+                    <a:srgbClr val="979EA6"/>
+                  </a:solidFill>
+                  <a:tailEnd type="triangle"/>
+                </a:ln>
+              </p:spPr>
+              <p:style>
+                <a:lnRef idx="1">
+                  <a:schemeClr val="accent1"/>
+                </a:lnRef>
+                <a:fillRef idx="0">
+                  <a:schemeClr val="accent1"/>
+                </a:fillRef>
+                <a:effectRef idx="0">
+                  <a:schemeClr val="accent1"/>
+                </a:effectRef>
+                <a:fontRef idx="minor">
+                  <a:schemeClr val="tx1"/>
+                </a:fontRef>
+              </p:style>
+            </p:cxnSp>
+            <p:grpSp>
+              <p:nvGrpSpPr>
+                <p:cNvPr id="61" name="Gruppe 60"/>
+                <p:cNvGrpSpPr/>
+                <p:nvPr/>
+              </p:nvGrpSpPr>
+              <p:grpSpPr>
+                <a:xfrm>
+                  <a:off x="6014159" y="3751687"/>
+                  <a:ext cx="550721" cy="552156"/>
+                  <a:chOff x="6744713" y="5022683"/>
+                  <a:chExt cx="322451" cy="323291"/>
+                </a:xfrm>
+              </p:grpSpPr>
+              <p:sp>
+                <p:nvSpPr>
+                  <p:cNvPr id="130" name="Ellipse 129"/>
+                  <p:cNvSpPr>
+                    <a:spLocks noChangeAspect="1"/>
+                  </p:cNvSpPr>
+                  <p:nvPr/>
+                </p:nvSpPr>
+                <p:spPr>
+                  <a:xfrm>
+                    <a:off x="6777960" y="5055929"/>
+                    <a:ext cx="255941" cy="255941"/>
+                  </a:xfrm>
+                  <a:prstGeom prst="ellipse">
+                    <a:avLst/>
+                  </a:prstGeom>
+                  <a:solidFill>
+                    <a:schemeClr val="tx1">
+                      <a:lumMod val="65000"/>
+                      <a:lumOff val="35000"/>
+                    </a:schemeClr>
+                  </a:solidFill>
+                  <a:ln w="3175">
+                    <a:solidFill>
+                      <a:srgbClr val="979EA6"/>
+                    </a:solidFill>
+                  </a:ln>
+                </p:spPr>
+                <p:style>
+                  <a:lnRef idx="2">
+                    <a:schemeClr val="accent1">
+                      <a:shade val="50000"/>
+                    </a:schemeClr>
+                  </a:lnRef>
+                  <a:fillRef idx="1">
+                    <a:schemeClr val="accent1"/>
+                  </a:fillRef>
+                  <a:effectRef idx="0">
+                    <a:schemeClr val="accent1"/>
+                  </a:effectRef>
+                  <a:fontRef idx="minor">
+                    <a:schemeClr val="lt1"/>
+                  </a:fontRef>
+                </p:style>
+                <p:txBody>
+                  <a:bodyPr rtlCol="0" anchor="ctr"/>
+                  <a:lstStyle/>
+                  <a:p>
+                    <a:pPr algn="ctr"/>
+                    <a:endParaRPr lang="nb-NO"/>
+                  </a:p>
+                </p:txBody>
+              </p:sp>
+              <p:sp>
+                <p:nvSpPr>
+                  <p:cNvPr id="131" name="Trapes 130"/>
+                  <p:cNvSpPr/>
+                  <p:nvPr/>
+                </p:nvSpPr>
+                <p:spPr>
+                  <a:xfrm rot="5400000">
+                    <a:off x="7012675" y="5160863"/>
+                    <a:ext cx="62499" cy="46478"/>
+                  </a:xfrm>
+                  <a:prstGeom prst="trapezoid">
+                    <a:avLst/>
+                  </a:prstGeom>
+                  <a:solidFill>
+                    <a:schemeClr val="tx1">
+                      <a:lumMod val="65000"/>
+                      <a:lumOff val="35000"/>
+                    </a:schemeClr>
+                  </a:solidFill>
+                  <a:ln w="3175">
+                    <a:solidFill>
+                      <a:srgbClr val="979EA6"/>
+                    </a:solidFill>
+                  </a:ln>
+                </p:spPr>
+                <p:style>
+                  <a:lnRef idx="2">
+                    <a:schemeClr val="accent1">
+                      <a:shade val="50000"/>
+                    </a:schemeClr>
+                  </a:lnRef>
+                  <a:fillRef idx="1">
+                    <a:schemeClr val="accent1"/>
+                  </a:fillRef>
+                  <a:effectRef idx="0">
+                    <a:schemeClr val="accent1"/>
+                  </a:effectRef>
+                  <a:fontRef idx="minor">
+                    <a:schemeClr val="lt1"/>
+                  </a:fontRef>
+                </p:style>
+                <p:txBody>
+                  <a:bodyPr rtlCol="0" anchor="ctr"/>
+                  <a:lstStyle/>
+                  <a:p>
+                    <a:pPr algn="ctr"/>
+                    <a:endParaRPr lang="nb-NO"/>
+                  </a:p>
+                </p:txBody>
+              </p:sp>
+              <p:sp>
+                <p:nvSpPr>
+                  <p:cNvPr id="132" name="Trapes 131"/>
+                  <p:cNvSpPr/>
+                  <p:nvPr/>
+                </p:nvSpPr>
+                <p:spPr>
+                  <a:xfrm rot="5400000" flipV="1">
+                    <a:off x="6736702" y="5160863"/>
+                    <a:ext cx="62499" cy="46478"/>
+                  </a:xfrm>
+                  <a:prstGeom prst="trapezoid">
+                    <a:avLst/>
+                  </a:prstGeom>
+                  <a:solidFill>
+                    <a:schemeClr val="tx1">
+                      <a:lumMod val="65000"/>
+                      <a:lumOff val="35000"/>
+                    </a:schemeClr>
+                  </a:solidFill>
+                  <a:ln w="3175">
+                    <a:solidFill>
+                      <a:srgbClr val="979EA6"/>
+                    </a:solidFill>
+                  </a:ln>
+                </p:spPr>
+                <p:style>
+                  <a:lnRef idx="2">
+                    <a:schemeClr val="accent1">
+                      <a:shade val="50000"/>
+                    </a:schemeClr>
+                  </a:lnRef>
+                  <a:fillRef idx="1">
+                    <a:schemeClr val="accent1"/>
+                  </a:fillRef>
+                  <a:effectRef idx="0">
+                    <a:schemeClr val="accent1"/>
+                  </a:effectRef>
+                  <a:fontRef idx="minor">
+                    <a:schemeClr val="lt1"/>
+                  </a:fontRef>
+                </p:style>
+                <p:txBody>
+                  <a:bodyPr rtlCol="0" anchor="ctr"/>
+                  <a:lstStyle/>
+                  <a:p>
+                    <a:pPr algn="ctr"/>
+                    <a:endParaRPr lang="nb-NO"/>
+                  </a:p>
+                </p:txBody>
+              </p:sp>
+              <p:sp>
+                <p:nvSpPr>
+                  <p:cNvPr id="133" name="Trapes 132"/>
+                  <p:cNvSpPr/>
+                  <p:nvPr/>
+                </p:nvSpPr>
+                <p:spPr>
+                  <a:xfrm>
+                    <a:off x="6874688" y="5022683"/>
+                    <a:ext cx="62499" cy="46478"/>
+                  </a:xfrm>
+                  <a:prstGeom prst="trapezoid">
+                    <a:avLst/>
+                  </a:prstGeom>
+                  <a:solidFill>
+                    <a:schemeClr val="tx1">
+                      <a:lumMod val="65000"/>
+                      <a:lumOff val="35000"/>
+                    </a:schemeClr>
+                  </a:solidFill>
+                  <a:ln w="3175">
+                    <a:solidFill>
+                      <a:srgbClr val="979EA6"/>
+                    </a:solidFill>
+                  </a:ln>
+                </p:spPr>
+                <p:style>
+                  <a:lnRef idx="2">
+                    <a:schemeClr val="accent1">
+                      <a:shade val="50000"/>
+                    </a:schemeClr>
+                  </a:lnRef>
+                  <a:fillRef idx="1">
+                    <a:schemeClr val="accent1"/>
+                  </a:fillRef>
+                  <a:effectRef idx="0">
+                    <a:schemeClr val="accent1"/>
+                  </a:effectRef>
+                  <a:fontRef idx="minor">
+                    <a:schemeClr val="lt1"/>
+                  </a:fontRef>
+                </p:style>
+                <p:txBody>
+                  <a:bodyPr rtlCol="0" anchor="ctr"/>
+                  <a:lstStyle/>
+                  <a:p>
+                    <a:pPr algn="ctr"/>
+                    <a:endParaRPr lang="nb-NO"/>
+                  </a:p>
+                </p:txBody>
+              </p:sp>
+              <p:sp>
+                <p:nvSpPr>
+                  <p:cNvPr id="134" name="Trapes 133"/>
+                  <p:cNvSpPr/>
+                  <p:nvPr/>
+                </p:nvSpPr>
+                <p:spPr>
+                  <a:xfrm rot="10800000">
+                    <a:off x="6874688" y="5299496"/>
+                    <a:ext cx="62499" cy="46478"/>
+                  </a:xfrm>
+                  <a:prstGeom prst="trapezoid">
+                    <a:avLst/>
+                  </a:prstGeom>
+                  <a:solidFill>
+                    <a:schemeClr val="tx1">
+                      <a:lumMod val="65000"/>
+                      <a:lumOff val="35000"/>
+                    </a:schemeClr>
+                  </a:solidFill>
+                  <a:ln w="3175">
+                    <a:solidFill>
+                      <a:srgbClr val="979EA6"/>
+                    </a:solidFill>
+                  </a:ln>
+                </p:spPr>
+                <p:style>
+                  <a:lnRef idx="2">
+                    <a:schemeClr val="accent1">
+                      <a:shade val="50000"/>
+                    </a:schemeClr>
+                  </a:lnRef>
+                  <a:fillRef idx="1">
+                    <a:schemeClr val="accent1"/>
+                  </a:fillRef>
+                  <a:effectRef idx="0">
+                    <a:schemeClr val="accent1"/>
+                  </a:effectRef>
+                  <a:fontRef idx="minor">
+                    <a:schemeClr val="lt1"/>
+                  </a:fontRef>
+                </p:style>
+                <p:txBody>
+                  <a:bodyPr rtlCol="0" anchor="ctr"/>
+                  <a:lstStyle/>
+                  <a:p>
+                    <a:pPr algn="ctr"/>
+                    <a:endParaRPr lang="nb-NO"/>
+                  </a:p>
+                </p:txBody>
+              </p:sp>
+              <p:sp>
+                <p:nvSpPr>
+                  <p:cNvPr id="135" name="Trapes 134"/>
+                  <p:cNvSpPr/>
+                  <p:nvPr/>
+                </p:nvSpPr>
+                <p:spPr>
+                  <a:xfrm rot="2700000" flipV="1">
+                    <a:off x="6776974" y="5258803"/>
+                    <a:ext cx="62499" cy="46478"/>
+                  </a:xfrm>
+                  <a:prstGeom prst="trapezoid">
+                    <a:avLst/>
+                  </a:prstGeom>
+                  <a:solidFill>
+                    <a:schemeClr val="tx1">
+                      <a:lumMod val="65000"/>
+                      <a:lumOff val="35000"/>
+                    </a:schemeClr>
+                  </a:solidFill>
+                  <a:ln w="3175">
+                    <a:solidFill>
+                      <a:srgbClr val="979EA6"/>
+                    </a:solidFill>
+                  </a:ln>
+                </p:spPr>
+                <p:style>
+                  <a:lnRef idx="2">
+                    <a:schemeClr val="accent1">
+                      <a:shade val="50000"/>
+                    </a:schemeClr>
+                  </a:lnRef>
+                  <a:fillRef idx="1">
+                    <a:schemeClr val="accent1"/>
+                  </a:fillRef>
+                  <a:effectRef idx="0">
+                    <a:schemeClr val="accent1"/>
+                  </a:effectRef>
+                  <a:fontRef idx="minor">
+                    <a:schemeClr val="lt1"/>
+                  </a:fontRef>
+                </p:style>
+                <p:txBody>
+                  <a:bodyPr rtlCol="0" anchor="ctr"/>
+                  <a:lstStyle/>
+                  <a:p>
+                    <a:pPr algn="ctr"/>
+                    <a:endParaRPr lang="nb-NO"/>
+                  </a:p>
+                </p:txBody>
+              </p:sp>
+              <p:sp>
+                <p:nvSpPr>
+                  <p:cNvPr id="136" name="Trapes 135"/>
+                  <p:cNvSpPr/>
+                  <p:nvPr/>
+                </p:nvSpPr>
+                <p:spPr>
+                  <a:xfrm rot="2700000">
+                    <a:off x="6972729" y="5063048"/>
+                    <a:ext cx="62499" cy="46478"/>
+                  </a:xfrm>
+                  <a:prstGeom prst="trapezoid">
+                    <a:avLst/>
+                  </a:prstGeom>
+                  <a:solidFill>
+                    <a:schemeClr val="tx1">
+                      <a:lumMod val="65000"/>
+                      <a:lumOff val="35000"/>
+                    </a:schemeClr>
+                  </a:solidFill>
+                  <a:ln w="3175">
+                    <a:solidFill>
+                      <a:srgbClr val="979EA6"/>
+                    </a:solidFill>
+                  </a:ln>
+                </p:spPr>
+                <p:style>
+                  <a:lnRef idx="2">
+                    <a:schemeClr val="accent1">
+                      <a:shade val="50000"/>
+                    </a:schemeClr>
+                  </a:lnRef>
+                  <a:fillRef idx="1">
+                    <a:schemeClr val="accent1"/>
+                  </a:fillRef>
+                  <a:effectRef idx="0">
+                    <a:schemeClr val="accent1"/>
+                  </a:effectRef>
+                  <a:fontRef idx="minor">
+                    <a:schemeClr val="lt1"/>
+                  </a:fontRef>
+                </p:style>
+                <p:txBody>
+                  <a:bodyPr rtlCol="0" anchor="ctr"/>
+                  <a:lstStyle/>
+                  <a:p>
+                    <a:pPr algn="ctr"/>
+                    <a:endParaRPr lang="nb-NO"/>
+                  </a:p>
+                </p:txBody>
+              </p:sp>
+              <p:sp>
+                <p:nvSpPr>
+                  <p:cNvPr id="137" name="Trapes 136"/>
+                  <p:cNvSpPr/>
+                  <p:nvPr/>
+                </p:nvSpPr>
+                <p:spPr>
+                  <a:xfrm rot="18900000">
+                    <a:off x="6776921" y="5063149"/>
+                    <a:ext cx="62499" cy="46478"/>
+                  </a:xfrm>
+                  <a:prstGeom prst="trapezoid">
+                    <a:avLst/>
+                  </a:prstGeom>
+                  <a:solidFill>
+                    <a:schemeClr val="tx1">
+                      <a:lumMod val="65000"/>
+                      <a:lumOff val="35000"/>
+                    </a:schemeClr>
+                  </a:solidFill>
+                  <a:ln w="3175">
+                    <a:solidFill>
+                      <a:srgbClr val="979EA6"/>
+                    </a:solidFill>
+                  </a:ln>
+                </p:spPr>
+                <p:style>
+                  <a:lnRef idx="2">
+                    <a:schemeClr val="accent1">
+                      <a:shade val="50000"/>
+                    </a:schemeClr>
+                  </a:lnRef>
+                  <a:fillRef idx="1">
+                    <a:schemeClr val="accent1"/>
+                  </a:fillRef>
+                  <a:effectRef idx="0">
+                    <a:schemeClr val="accent1"/>
+                  </a:effectRef>
+                  <a:fontRef idx="minor">
+                    <a:schemeClr val="lt1"/>
+                  </a:fontRef>
+                </p:style>
+                <p:txBody>
+                  <a:bodyPr rtlCol="0" anchor="ctr"/>
+                  <a:lstStyle/>
+                  <a:p>
+                    <a:pPr algn="ctr"/>
+                    <a:endParaRPr lang="nb-NO"/>
+                  </a:p>
+                </p:txBody>
+              </p:sp>
+              <p:sp>
+                <p:nvSpPr>
+                  <p:cNvPr id="138" name="Trapes 137"/>
+                  <p:cNvSpPr/>
+                  <p:nvPr/>
+                </p:nvSpPr>
+                <p:spPr>
+                  <a:xfrm rot="8100000">
+                    <a:off x="6972587" y="5258814"/>
+                    <a:ext cx="62499" cy="46478"/>
+                  </a:xfrm>
+                  <a:prstGeom prst="trapezoid">
+                    <a:avLst/>
+                  </a:prstGeom>
+                  <a:solidFill>
+                    <a:schemeClr val="tx1">
+                      <a:lumMod val="65000"/>
+                      <a:lumOff val="35000"/>
+                    </a:schemeClr>
+                  </a:solidFill>
+                  <a:ln w="3175">
+                    <a:solidFill>
+                      <a:srgbClr val="979EA6"/>
+                    </a:solidFill>
+                  </a:ln>
+                </p:spPr>
+                <p:style>
+                  <a:lnRef idx="2">
+                    <a:schemeClr val="accent1">
+                      <a:shade val="50000"/>
+                    </a:schemeClr>
+                  </a:lnRef>
+                  <a:fillRef idx="1">
+                    <a:schemeClr val="accent1"/>
+                  </a:fillRef>
+                  <a:effectRef idx="0">
+                    <a:schemeClr val="accent1"/>
+                  </a:effectRef>
+                  <a:fontRef idx="minor">
+                    <a:schemeClr val="lt1"/>
+                  </a:fontRef>
+                </p:style>
+                <p:txBody>
+                  <a:bodyPr rtlCol="0" anchor="ctr"/>
+                  <a:lstStyle/>
+                  <a:p>
+                    <a:pPr algn="ctr"/>
+                    <a:endParaRPr lang="nb-NO"/>
+                  </a:p>
+                </p:txBody>
+              </p:sp>
+            </p:grpSp>
+            <p:sp>
+              <p:nvSpPr>
+                <p:cNvPr id="139" name="Ellipse 138"/>
+                <p:cNvSpPr/>
+                <p:nvPr/>
+              </p:nvSpPr>
+              <p:spPr>
+                <a:xfrm rot="5400000">
+                  <a:off x="6080470" y="3818716"/>
+                  <a:ext cx="418099" cy="418099"/>
+                </a:xfrm>
+                <a:prstGeom prst="ellipse">
+                  <a:avLst/>
+                </a:prstGeom>
+                <a:solidFill>
+                  <a:schemeClr val="tx1">
+                    <a:lumMod val="65000"/>
+                    <a:lumOff val="35000"/>
+                  </a:schemeClr>
+                </a:solidFill>
+                <a:ln w="3175">
+                  <a:solidFill>
+                    <a:schemeClr val="tx1">
+                      <a:lumMod val="65000"/>
+                      <a:lumOff val="35000"/>
+                    </a:schemeClr>
+                  </a:solidFill>
+                </a:ln>
+              </p:spPr>
+              <p:style>
+                <a:lnRef idx="2">
+                  <a:schemeClr val="accent1">
+                    <a:shade val="50000"/>
+                  </a:schemeClr>
+                </a:lnRef>
+                <a:fillRef idx="1">
+                  <a:schemeClr val="accent1"/>
+                </a:fillRef>
+                <a:effectRef idx="0">
+                  <a:schemeClr val="accent1"/>
+                </a:effectRef>
+                <a:fontRef idx="minor">
+                  <a:schemeClr val="lt1"/>
+                </a:fontRef>
+              </p:style>
+              <p:txBody>
+                <a:bodyPr rtlCol="0" anchor="ctr"/>
+                <a:lstStyle/>
+                <a:p>
+                  <a:pPr algn="ctr"/>
+                  <a:endParaRPr lang="nb-NO"/>
+                </a:p>
+              </p:txBody>
+            </p:sp>
+            <p:sp>
+              <p:nvSpPr>
+                <p:cNvPr id="140" name="Ellipse 139"/>
+                <p:cNvSpPr/>
+                <p:nvPr/>
+              </p:nvSpPr>
+              <p:spPr>
+                <a:xfrm>
+                  <a:off x="6146184" y="3890357"/>
+                  <a:ext cx="286671" cy="274817"/>
+                </a:xfrm>
+                <a:prstGeom prst="ellipse">
+                  <a:avLst/>
+                </a:prstGeom>
+                <a:solidFill>
+                  <a:schemeClr val="bg1"/>
+                </a:solidFill>
+                <a:ln w="12700">
+                  <a:solidFill>
+                    <a:schemeClr val="tx1">
+                      <a:lumMod val="65000"/>
+                      <a:lumOff val="35000"/>
+                    </a:schemeClr>
+                  </a:solidFill>
+                </a:ln>
+              </p:spPr>
+              <p:style>
+                <a:lnRef idx="2">
+                  <a:schemeClr val="accent1">
+                    <a:shade val="50000"/>
+                  </a:schemeClr>
+                </a:lnRef>
+                <a:fillRef idx="1">
+                  <a:schemeClr val="accent1"/>
+                </a:fillRef>
+                <a:effectRef idx="0">
+                  <a:schemeClr val="accent1"/>
+                </a:effectRef>
+                <a:fontRef idx="minor">
+                  <a:schemeClr val="lt1"/>
+                </a:fontRef>
+              </p:style>
+              <p:txBody>
+                <a:bodyPr rtlCol="0" anchor="ctr"/>
+                <a:lstStyle/>
+                <a:p>
+                  <a:pPr algn="ctr"/>
+                  <a:endParaRPr lang="nb-NO"/>
+                </a:p>
+              </p:txBody>
+            </p:sp>
+          </p:grpSp>
+        </p:grpSp>
+      </p:grpSp>
     </p:spTree>
     <p:extLst>
       <p:ext uri="{BB962C8B-B14F-4D97-AF65-F5344CB8AC3E}">
-        <p14:creationId xmlns:p14="http://schemas.microsoft.com/office/powerpoint/2010/main" val="2421291886"/>
+        <p14:creationId xmlns:p14="http://schemas.microsoft.com/office/powerpoint/2010/main" val="1975650365"/>
       </p:ext>
     </p:extLst>
   </p:cSld>

--- a/data-raw/logos.pptx
+++ b/data-raw/logos.pptx
@@ -15,8 +15,10 @@
     <p:sldId id="263" r:id="rId12"/>
     <p:sldId id="267" r:id="rId13"/>
     <p:sldId id="266" r:id="rId14"/>
-    <p:sldId id="264" r:id="rId15"/>
-    <p:sldId id="265" r:id="rId16"/>
+    <p:sldId id="269" r:id="rId15"/>
+    <p:sldId id="268" r:id="rId16"/>
+    <p:sldId id="264" r:id="rId17"/>
+    <p:sldId id="265" r:id="rId18"/>
   </p:sldIdLst>
   <p:sldSz cx="12192000" cy="6858000"/>
   <p:notesSz cx="6858000" cy="9144000"/>
@@ -265,7 +267,7 @@
           <a:p>
             <a:fld id="{09605B3F-6133-425E-A10B-41F9F06FCAC6}" type="datetimeFigureOut">
               <a:rPr lang="nb-NO" smtClean="0"/>
-              <a:t>29.06.2023</a:t>
+              <a:t>02.07.2023</a:t>
             </a:fld>
             <a:endParaRPr lang="nb-NO"/>
           </a:p>
@@ -435,7 +437,7 @@
           <a:p>
             <a:fld id="{09605B3F-6133-425E-A10B-41F9F06FCAC6}" type="datetimeFigureOut">
               <a:rPr lang="nb-NO" smtClean="0"/>
-              <a:t>29.06.2023</a:t>
+              <a:t>02.07.2023</a:t>
             </a:fld>
             <a:endParaRPr lang="nb-NO"/>
           </a:p>
@@ -615,7 +617,7 @@
           <a:p>
             <a:fld id="{09605B3F-6133-425E-A10B-41F9F06FCAC6}" type="datetimeFigureOut">
               <a:rPr lang="nb-NO" smtClean="0"/>
-              <a:t>29.06.2023</a:t>
+              <a:t>02.07.2023</a:t>
             </a:fld>
             <a:endParaRPr lang="nb-NO"/>
           </a:p>
@@ -785,7 +787,7 @@
           <a:p>
             <a:fld id="{09605B3F-6133-425E-A10B-41F9F06FCAC6}" type="datetimeFigureOut">
               <a:rPr lang="nb-NO" smtClean="0"/>
-              <a:t>29.06.2023</a:t>
+              <a:t>02.07.2023</a:t>
             </a:fld>
             <a:endParaRPr lang="nb-NO"/>
           </a:p>
@@ -1031,7 +1033,7 @@
           <a:p>
             <a:fld id="{09605B3F-6133-425E-A10B-41F9F06FCAC6}" type="datetimeFigureOut">
               <a:rPr lang="nb-NO" smtClean="0"/>
-              <a:t>29.06.2023</a:t>
+              <a:t>02.07.2023</a:t>
             </a:fld>
             <a:endParaRPr lang="nb-NO"/>
           </a:p>
@@ -1263,7 +1265,7 @@
           <a:p>
             <a:fld id="{09605B3F-6133-425E-A10B-41F9F06FCAC6}" type="datetimeFigureOut">
               <a:rPr lang="nb-NO" smtClean="0"/>
-              <a:t>29.06.2023</a:t>
+              <a:t>02.07.2023</a:t>
             </a:fld>
             <a:endParaRPr lang="nb-NO"/>
           </a:p>
@@ -1630,7 +1632,7 @@
           <a:p>
             <a:fld id="{09605B3F-6133-425E-A10B-41F9F06FCAC6}" type="datetimeFigureOut">
               <a:rPr lang="nb-NO" smtClean="0"/>
-              <a:t>29.06.2023</a:t>
+              <a:t>02.07.2023</a:t>
             </a:fld>
             <a:endParaRPr lang="nb-NO"/>
           </a:p>
@@ -1748,7 +1750,7 @@
           <a:p>
             <a:fld id="{09605B3F-6133-425E-A10B-41F9F06FCAC6}" type="datetimeFigureOut">
               <a:rPr lang="nb-NO" smtClean="0"/>
-              <a:t>29.06.2023</a:t>
+              <a:t>02.07.2023</a:t>
             </a:fld>
             <a:endParaRPr lang="nb-NO"/>
           </a:p>
@@ -1843,7 +1845,7 @@
           <a:p>
             <a:fld id="{09605B3F-6133-425E-A10B-41F9F06FCAC6}" type="datetimeFigureOut">
               <a:rPr lang="nb-NO" smtClean="0"/>
-              <a:t>29.06.2023</a:t>
+              <a:t>02.07.2023</a:t>
             </a:fld>
             <a:endParaRPr lang="nb-NO"/>
           </a:p>
@@ -2120,7 +2122,7 @@
           <a:p>
             <a:fld id="{09605B3F-6133-425E-A10B-41F9F06FCAC6}" type="datetimeFigureOut">
               <a:rPr lang="nb-NO" smtClean="0"/>
-              <a:t>29.06.2023</a:t>
+              <a:t>02.07.2023</a:t>
             </a:fld>
             <a:endParaRPr lang="nb-NO"/>
           </a:p>
@@ -2373,7 +2375,7 @@
           <a:p>
             <a:fld id="{09605B3F-6133-425E-A10B-41F9F06FCAC6}" type="datetimeFigureOut">
               <a:rPr lang="nb-NO" smtClean="0"/>
-              <a:t>29.06.2023</a:t>
+              <a:t>02.07.2023</a:t>
             </a:fld>
             <a:endParaRPr lang="nb-NO"/>
           </a:p>
@@ -2586,7 +2588,7 @@
           <a:p>
             <a:fld id="{09605B3F-6133-425E-A10B-41F9F06FCAC6}" type="datetimeFigureOut">
               <a:rPr lang="nb-NO" smtClean="0"/>
-              <a:t>29.06.2023</a:t>
+              <a:t>02.07.2023</a:t>
             </a:fld>
             <a:endParaRPr lang="nb-NO"/>
           </a:p>
@@ -5127,6 +5129,876 @@
           <a:chExt cx="0" cy="0"/>
         </a:xfrm>
       </p:grpSpPr>
+      <p:grpSp>
+        <p:nvGrpSpPr>
+          <p:cNvPr id="22" name="Gruppe 21"/>
+          <p:cNvGrpSpPr/>
+          <p:nvPr/>
+        </p:nvGrpSpPr>
+        <p:grpSpPr>
+          <a:xfrm>
+            <a:off x="4735200" y="2244483"/>
+            <a:ext cx="2721600" cy="2369033"/>
+            <a:chOff x="4735200" y="2244483"/>
+            <a:chExt cx="2721600" cy="2369033"/>
+          </a:xfrm>
+        </p:grpSpPr>
+        <p:sp>
+          <p:nvSpPr>
+            <p:cNvPr id="2" name="Hexagon 35">
+              <a:extLst>
+                <a:ext uri="{FF2B5EF4-FFF2-40B4-BE49-F238E27FC236}">
+                  <a16:creationId xmlns:a16="http://schemas.microsoft.com/office/drawing/2014/main" id="{90E46B38-1301-774F-8904-FFF8966BD8C2}"/>
+                </a:ext>
+              </a:extLst>
+            </p:cNvPr>
+            <p:cNvSpPr>
+              <a:spLocks noChangeAspect="1"/>
+            </p:cNvSpPr>
+            <p:nvPr/>
+          </p:nvSpPr>
+          <p:spPr>
+            <a:xfrm rot="1800000">
+              <a:off x="4735200" y="2244483"/>
+              <a:ext cx="2721600" cy="2369033"/>
+            </a:xfrm>
+            <a:prstGeom prst="hexagon">
+              <a:avLst>
+                <a:gd name="adj" fmla="val 28372"/>
+                <a:gd name="vf" fmla="val 115470"/>
+              </a:avLst>
+            </a:prstGeom>
+            <a:solidFill>
+              <a:srgbClr val="133E4D"/>
+            </a:solidFill>
+            <a:ln w="69850">
+              <a:solidFill>
+                <a:schemeClr val="tx1">
+                  <a:lumMod val="85000"/>
+                  <a:lumOff val="15000"/>
+                </a:schemeClr>
+              </a:solidFill>
+            </a:ln>
+          </p:spPr>
+          <p:style>
+            <a:lnRef idx="2">
+              <a:schemeClr val="accent1">
+                <a:shade val="50000"/>
+              </a:schemeClr>
+            </a:lnRef>
+            <a:fillRef idx="1">
+              <a:schemeClr val="accent1"/>
+            </a:fillRef>
+            <a:effectRef idx="0">
+              <a:schemeClr val="accent1"/>
+            </a:effectRef>
+            <a:fontRef idx="minor">
+              <a:schemeClr val="lt1"/>
+            </a:fontRef>
+          </p:style>
+          <p:txBody>
+            <a:bodyPr rtlCol="0" anchor="ctr"/>
+            <a:lstStyle/>
+            <a:p>
+              <a:pPr algn="ctr"/>
+              <a:endParaRPr lang="en-US" dirty="0"/>
+            </a:p>
+          </p:txBody>
+        </p:sp>
+        <p:sp>
+          <p:nvSpPr>
+            <p:cNvPr id="45" name="TekstSylinder 44"/>
+            <p:cNvSpPr txBox="1"/>
+            <p:nvPr/>
+          </p:nvSpPr>
+          <p:spPr>
+            <a:xfrm>
+              <a:off x="4951956" y="2496396"/>
+              <a:ext cx="2292096" cy="461665"/>
+            </a:xfrm>
+            <a:prstGeom prst="rect">
+              <a:avLst/>
+            </a:prstGeom>
+            <a:noFill/>
+          </p:spPr>
+          <p:txBody>
+            <a:bodyPr wrap="square" rtlCol="0">
+              <a:spAutoFit/>
+            </a:bodyPr>
+            <a:lstStyle/>
+            <a:p>
+              <a:pPr algn="ctr"/>
+              <a:r>
+                <a:rPr lang="nb-NO" sz="2400" dirty="0" err="1" smtClean="0">
+                  <a:solidFill>
+                    <a:schemeClr val="bg2">
+                      <a:lumMod val="90000"/>
+                    </a:schemeClr>
+                  </a:solidFill>
+                  <a:latin typeface="Trebuchet MS" panose="020B0603020202020204" pitchFamily="34" charset="0"/>
+                </a:rPr>
+                <a:t>OKcheck</a:t>
+              </a:r>
+              <a:endParaRPr lang="nb-NO" sz="2400" dirty="0">
+                <a:solidFill>
+                  <a:schemeClr val="bg2">
+                    <a:lumMod val="90000"/>
+                  </a:schemeClr>
+                </a:solidFill>
+                <a:latin typeface="Trebuchet MS" panose="020B0603020202020204" pitchFamily="34" charset="0"/>
+              </a:endParaRPr>
+            </a:p>
+          </p:txBody>
+        </p:sp>
+        <p:grpSp>
+          <p:nvGrpSpPr>
+            <p:cNvPr id="20" name="Gruppe 19"/>
+            <p:cNvGrpSpPr/>
+            <p:nvPr/>
+          </p:nvGrpSpPr>
+          <p:grpSpPr>
+            <a:xfrm>
+              <a:off x="5185762" y="2858516"/>
+              <a:ext cx="1820476" cy="1359514"/>
+              <a:chOff x="5301656" y="2852420"/>
+              <a:chExt cx="1820476" cy="1359514"/>
+            </a:xfrm>
+          </p:grpSpPr>
+          <p:grpSp>
+            <p:nvGrpSpPr>
+              <p:cNvPr id="17" name="Gruppe 16"/>
+              <p:cNvGrpSpPr/>
+              <p:nvPr/>
+            </p:nvGrpSpPr>
+            <p:grpSpPr>
+              <a:xfrm>
+                <a:off x="5769415" y="2852420"/>
+                <a:ext cx="1352717" cy="1359514"/>
+                <a:chOff x="5891335" y="2837180"/>
+                <a:chExt cx="1352717" cy="1359514"/>
+              </a:xfrm>
+            </p:grpSpPr>
+            <p:pic>
+              <p:nvPicPr>
+                <p:cNvPr id="15" name="Bilde 14"/>
+                <p:cNvPicPr>
+                  <a:picLocks noChangeAspect="1"/>
+                </p:cNvPicPr>
+                <p:nvPr/>
+              </p:nvPicPr>
+              <p:blipFill rotWithShape="1">
+                <a:blip r:embed="rId2"/>
+                <a:srcRect l="31009" t="56267" r="40195" b="24390"/>
+                <a:stretch/>
+              </p:blipFill>
+              <p:spPr>
+                <a:xfrm>
+                  <a:off x="6098539" y="3050327"/>
+                  <a:ext cx="936159" cy="929853"/>
+                </a:xfrm>
+                <a:prstGeom prst="rect">
+                  <a:avLst/>
+                </a:prstGeom>
+              </p:spPr>
+            </p:pic>
+            <p:sp>
+              <p:nvSpPr>
+                <p:cNvPr id="8" name="Smultring 7"/>
+                <p:cNvSpPr/>
+                <p:nvPr/>
+              </p:nvSpPr>
+              <p:spPr>
+                <a:xfrm>
+                  <a:off x="5891335" y="2837180"/>
+                  <a:ext cx="1352717" cy="1359514"/>
+                </a:xfrm>
+                <a:prstGeom prst="donut">
+                  <a:avLst>
+                    <a:gd name="adj" fmla="val 13467"/>
+                  </a:avLst>
+                </a:prstGeom>
+                <a:solidFill>
+                  <a:srgbClr val="133E4D"/>
+                </a:solidFill>
+                <a:ln>
+                  <a:noFill/>
+                </a:ln>
+              </p:spPr>
+              <p:style>
+                <a:lnRef idx="2">
+                  <a:schemeClr val="accent1">
+                    <a:shade val="50000"/>
+                  </a:schemeClr>
+                </a:lnRef>
+                <a:fillRef idx="1">
+                  <a:schemeClr val="accent1"/>
+                </a:fillRef>
+                <a:effectRef idx="0">
+                  <a:schemeClr val="accent1"/>
+                </a:effectRef>
+                <a:fontRef idx="minor">
+                  <a:schemeClr val="lt1"/>
+                </a:fontRef>
+              </p:style>
+              <p:txBody>
+                <a:bodyPr rtlCol="0" anchor="ctr"/>
+                <a:lstStyle/>
+                <a:p>
+                  <a:pPr algn="ctr"/>
+                  <a:endParaRPr lang="nb-NO">
+                    <a:solidFill>
+                      <a:schemeClr val="tx1"/>
+                    </a:solidFill>
+                  </a:endParaRPr>
+                </a:p>
+              </p:txBody>
+            </p:sp>
+            <p:sp>
+              <p:nvSpPr>
+                <p:cNvPr id="4" name="Ellipse 3"/>
+                <p:cNvSpPr/>
+                <p:nvPr/>
+              </p:nvSpPr>
+              <p:spPr>
+                <a:xfrm>
+                  <a:off x="6086101" y="3027339"/>
+                  <a:ext cx="963184" cy="979195"/>
+                </a:xfrm>
+                <a:prstGeom prst="ellipse">
+                  <a:avLst/>
+                </a:prstGeom>
+                <a:noFill/>
+                <a:ln w="63500">
+                  <a:solidFill>
+                    <a:srgbClr val="979EA6"/>
+                  </a:solidFill>
+                </a:ln>
+              </p:spPr>
+              <p:style>
+                <a:lnRef idx="2">
+                  <a:schemeClr val="accent1">
+                    <a:shade val="50000"/>
+                  </a:schemeClr>
+                </a:lnRef>
+                <a:fillRef idx="1">
+                  <a:schemeClr val="accent1"/>
+                </a:fillRef>
+                <a:effectRef idx="0">
+                  <a:schemeClr val="accent1"/>
+                </a:effectRef>
+                <a:fontRef idx="minor">
+                  <a:schemeClr val="lt1"/>
+                </a:fontRef>
+              </p:style>
+              <p:txBody>
+                <a:bodyPr rtlCol="0" anchor="ctr"/>
+                <a:lstStyle/>
+                <a:p>
+                  <a:pPr algn="ctr"/>
+                  <a:endParaRPr lang="nb-NO"/>
+                </a:p>
+              </p:txBody>
+            </p:sp>
+          </p:grpSp>
+          <p:grpSp>
+            <p:nvGrpSpPr>
+              <p:cNvPr id="19" name="Gruppe 18"/>
+              <p:cNvGrpSpPr/>
+              <p:nvPr/>
+            </p:nvGrpSpPr>
+            <p:grpSpPr>
+              <a:xfrm>
+                <a:off x="5301656" y="3687070"/>
+                <a:ext cx="712256" cy="316256"/>
+                <a:chOff x="5301656" y="3687070"/>
+                <a:chExt cx="712256" cy="316256"/>
+              </a:xfrm>
+            </p:grpSpPr>
+            <p:sp>
+              <p:nvSpPr>
+                <p:cNvPr id="6" name="Avrundet rektangel 5"/>
+                <p:cNvSpPr/>
+                <p:nvPr/>
+              </p:nvSpPr>
+              <p:spPr>
+                <a:xfrm rot="20040000">
+                  <a:off x="5832438" y="3687070"/>
+                  <a:ext cx="181474" cy="150982"/>
+                </a:xfrm>
+                <a:prstGeom prst="roundRect">
+                  <a:avLst/>
+                </a:prstGeom>
+                <a:solidFill>
+                  <a:srgbClr val="979EA6"/>
+                </a:solidFill>
+                <a:ln>
+                  <a:solidFill>
+                    <a:srgbClr val="979EA6"/>
+                  </a:solidFill>
+                </a:ln>
+              </p:spPr>
+              <p:style>
+                <a:lnRef idx="2">
+                  <a:schemeClr val="accent1">
+                    <a:shade val="50000"/>
+                  </a:schemeClr>
+                </a:lnRef>
+                <a:fillRef idx="1">
+                  <a:schemeClr val="accent1"/>
+                </a:fillRef>
+                <a:effectRef idx="0">
+                  <a:schemeClr val="accent1"/>
+                </a:effectRef>
+                <a:fontRef idx="minor">
+                  <a:schemeClr val="lt1"/>
+                </a:fontRef>
+              </p:style>
+              <p:txBody>
+                <a:bodyPr rtlCol="0" anchor="ctr"/>
+                <a:lstStyle/>
+                <a:p>
+                  <a:pPr algn="ctr"/>
+                  <a:endParaRPr lang="nb-NO"/>
+                </a:p>
+              </p:txBody>
+            </p:sp>
+            <p:sp>
+              <p:nvSpPr>
+                <p:cNvPr id="3" name="Avrundet rektangel 2"/>
+                <p:cNvSpPr/>
+                <p:nvPr/>
+              </p:nvSpPr>
+              <p:spPr>
+                <a:xfrm rot="20040000">
+                  <a:off x="5301656" y="3808774"/>
+                  <a:ext cx="654646" cy="194552"/>
+                </a:xfrm>
+                <a:prstGeom prst="roundRect">
+                  <a:avLst/>
+                </a:prstGeom>
+                <a:solidFill>
+                  <a:srgbClr val="7C858E"/>
+                </a:solidFill>
+                <a:ln w="28575">
+                  <a:solidFill>
+                    <a:srgbClr val="979EA6"/>
+                  </a:solidFill>
+                </a:ln>
+              </p:spPr>
+              <p:style>
+                <a:lnRef idx="2">
+                  <a:schemeClr val="accent1">
+                    <a:shade val="50000"/>
+                  </a:schemeClr>
+                </a:lnRef>
+                <a:fillRef idx="1">
+                  <a:schemeClr val="accent1"/>
+                </a:fillRef>
+                <a:effectRef idx="0">
+                  <a:schemeClr val="accent1"/>
+                </a:effectRef>
+                <a:fontRef idx="minor">
+                  <a:schemeClr val="lt1"/>
+                </a:fontRef>
+              </p:style>
+              <p:txBody>
+                <a:bodyPr rtlCol="0" anchor="ctr"/>
+                <a:lstStyle/>
+                <a:p>
+                  <a:pPr algn="ctr"/>
+                  <a:endParaRPr lang="nb-NO"/>
+                </a:p>
+              </p:txBody>
+            </p:sp>
+          </p:grpSp>
+        </p:grpSp>
+      </p:grpSp>
+    </p:spTree>
+    <p:extLst>
+      <p:ext uri="{BB962C8B-B14F-4D97-AF65-F5344CB8AC3E}">
+        <p14:creationId xmlns:p14="http://schemas.microsoft.com/office/powerpoint/2010/main" val="2421291886"/>
+      </p:ext>
+    </p:extLst>
+  </p:cSld>
+  <p:clrMapOvr>
+    <a:masterClrMapping/>
+  </p:clrMapOvr>
+  <p:timing>
+    <p:tnLst>
+      <p:par>
+        <p:cTn id="1" dur="indefinite" restart="never" nodeType="tmRoot"/>
+      </p:par>
+    </p:tnLst>
+  </p:timing>
+</p:sld>
+</file>
+
+<file path=ppt/slides/slide11.xml><?xml version="1.0" encoding="utf-8"?>
+<p:sld xmlns:a="http://schemas.openxmlformats.org/drawingml/2006/main" xmlns:r="http://schemas.openxmlformats.org/officeDocument/2006/relationships" xmlns:p="http://schemas.openxmlformats.org/presentationml/2006/main">
+  <p:cSld>
+    <p:spTree>
+      <p:nvGrpSpPr>
+        <p:cNvPr id="1" name=""/>
+        <p:cNvGrpSpPr/>
+        <p:nvPr/>
+      </p:nvGrpSpPr>
+      <p:grpSpPr>
+        <a:xfrm>
+          <a:off x="0" y="0"/>
+          <a:ext cx="0" cy="0"/>
+          <a:chOff x="0" y="0"/>
+          <a:chExt cx="0" cy="0"/>
+        </a:xfrm>
+      </p:grpSpPr>
+      <p:sp>
+        <p:nvSpPr>
+          <p:cNvPr id="2" name="Hexagon 35">
+            <a:extLst>
+              <a:ext uri="{FF2B5EF4-FFF2-40B4-BE49-F238E27FC236}">
+                <a16:creationId xmlns:a16="http://schemas.microsoft.com/office/drawing/2014/main" id="{90E46B38-1301-774F-8904-FFF8966BD8C2}"/>
+              </a:ext>
+            </a:extLst>
+          </p:cNvPr>
+          <p:cNvSpPr>
+            <a:spLocks noChangeAspect="1"/>
+          </p:cNvSpPr>
+          <p:nvPr/>
+        </p:nvSpPr>
+        <p:spPr>
+          <a:xfrm rot="1800000">
+            <a:off x="4735200" y="2244483"/>
+            <a:ext cx="2721600" cy="2369033"/>
+          </a:xfrm>
+          <a:prstGeom prst="hexagon">
+            <a:avLst>
+              <a:gd name="adj" fmla="val 28372"/>
+              <a:gd name="vf" fmla="val 115470"/>
+            </a:avLst>
+          </a:prstGeom>
+          <a:solidFill>
+            <a:srgbClr val="133E4D"/>
+          </a:solidFill>
+          <a:ln w="69850">
+            <a:solidFill>
+              <a:schemeClr val="tx1">
+                <a:lumMod val="85000"/>
+                <a:lumOff val="15000"/>
+              </a:schemeClr>
+            </a:solidFill>
+          </a:ln>
+        </p:spPr>
+        <p:style>
+          <a:lnRef idx="2">
+            <a:schemeClr val="accent1">
+              <a:shade val="50000"/>
+            </a:schemeClr>
+          </a:lnRef>
+          <a:fillRef idx="1">
+            <a:schemeClr val="accent1"/>
+          </a:fillRef>
+          <a:effectRef idx="0">
+            <a:schemeClr val="accent1"/>
+          </a:effectRef>
+          <a:fontRef idx="minor">
+            <a:schemeClr val="lt1"/>
+          </a:fontRef>
+        </p:style>
+        <p:txBody>
+          <a:bodyPr rtlCol="0" anchor="ctr"/>
+          <a:lstStyle/>
+          <a:p>
+            <a:pPr algn="ctr"/>
+            <a:endParaRPr lang="en-US" dirty="0"/>
+          </a:p>
+        </p:txBody>
+      </p:sp>
+      <p:sp>
+        <p:nvSpPr>
+          <p:cNvPr id="45" name="TekstSylinder 44"/>
+          <p:cNvSpPr txBox="1"/>
+          <p:nvPr/>
+        </p:nvSpPr>
+        <p:spPr>
+          <a:xfrm>
+            <a:off x="4951956" y="2496396"/>
+            <a:ext cx="2292096" cy="461665"/>
+          </a:xfrm>
+          <a:prstGeom prst="rect">
+            <a:avLst/>
+          </a:prstGeom>
+          <a:noFill/>
+        </p:spPr>
+        <p:txBody>
+          <a:bodyPr wrap="square" rtlCol="0">
+            <a:spAutoFit/>
+          </a:bodyPr>
+          <a:lstStyle/>
+          <a:p>
+            <a:pPr algn="ctr"/>
+            <a:r>
+              <a:rPr lang="nb-NO" sz="2400" dirty="0" err="1" smtClean="0">
+                <a:solidFill>
+                  <a:schemeClr val="bg2">
+                    <a:lumMod val="90000"/>
+                  </a:schemeClr>
+                </a:solidFill>
+                <a:latin typeface="Trebuchet MS" panose="020B0603020202020204" pitchFamily="34" charset="0"/>
+              </a:rPr>
+              <a:t>OKplan</a:t>
+            </a:r>
+            <a:endParaRPr lang="nb-NO" sz="2400" dirty="0">
+              <a:solidFill>
+                <a:schemeClr val="bg2">
+                  <a:lumMod val="90000"/>
+                </a:schemeClr>
+              </a:solidFill>
+              <a:latin typeface="Trebuchet MS" panose="020B0603020202020204" pitchFamily="34" charset="0"/>
+            </a:endParaRPr>
+          </a:p>
+        </p:txBody>
+      </p:sp>
+      <p:sp>
+        <p:nvSpPr>
+          <p:cNvPr id="4" name="Ellipse 3"/>
+          <p:cNvSpPr/>
+          <p:nvPr/>
+        </p:nvSpPr>
+        <p:spPr>
+          <a:xfrm>
+            <a:off x="5848287" y="3048675"/>
+            <a:ext cx="963184" cy="979195"/>
+          </a:xfrm>
+          <a:prstGeom prst="ellipse">
+            <a:avLst/>
+          </a:prstGeom>
+          <a:solidFill>
+            <a:schemeClr val="bg1"/>
+          </a:solidFill>
+          <a:ln w="63500">
+            <a:solidFill>
+              <a:srgbClr val="979EA6"/>
+            </a:solidFill>
+          </a:ln>
+        </p:spPr>
+        <p:style>
+          <a:lnRef idx="2">
+            <a:schemeClr val="accent1">
+              <a:shade val="50000"/>
+            </a:schemeClr>
+          </a:lnRef>
+          <a:fillRef idx="1">
+            <a:schemeClr val="accent1"/>
+          </a:fillRef>
+          <a:effectRef idx="0">
+            <a:schemeClr val="accent1"/>
+          </a:effectRef>
+          <a:fontRef idx="minor">
+            <a:schemeClr val="lt1"/>
+          </a:fontRef>
+        </p:style>
+        <p:txBody>
+          <a:bodyPr rtlCol="0" anchor="ctr"/>
+          <a:lstStyle/>
+          <a:p>
+            <a:pPr algn="ctr"/>
+            <a:endParaRPr lang="nb-NO"/>
+          </a:p>
+        </p:txBody>
+      </p:sp>
+      <p:grpSp>
+        <p:nvGrpSpPr>
+          <p:cNvPr id="19" name="Gruppe 18"/>
+          <p:cNvGrpSpPr/>
+          <p:nvPr/>
+        </p:nvGrpSpPr>
+        <p:grpSpPr>
+          <a:xfrm>
+            <a:off x="5185762" y="3693166"/>
+            <a:ext cx="712256" cy="316256"/>
+            <a:chOff x="5301656" y="3687070"/>
+            <a:chExt cx="712256" cy="316256"/>
+          </a:xfrm>
+        </p:grpSpPr>
+        <p:sp>
+          <p:nvSpPr>
+            <p:cNvPr id="6" name="Avrundet rektangel 5"/>
+            <p:cNvSpPr/>
+            <p:nvPr/>
+          </p:nvSpPr>
+          <p:spPr>
+            <a:xfrm rot="20040000">
+              <a:off x="5832438" y="3687070"/>
+              <a:ext cx="181474" cy="150982"/>
+            </a:xfrm>
+            <a:prstGeom prst="roundRect">
+              <a:avLst/>
+            </a:prstGeom>
+            <a:solidFill>
+              <a:srgbClr val="979EA6"/>
+            </a:solidFill>
+            <a:ln>
+              <a:solidFill>
+                <a:srgbClr val="979EA6"/>
+              </a:solidFill>
+            </a:ln>
+          </p:spPr>
+          <p:style>
+            <a:lnRef idx="2">
+              <a:schemeClr val="accent1">
+                <a:shade val="50000"/>
+              </a:schemeClr>
+            </a:lnRef>
+            <a:fillRef idx="1">
+              <a:schemeClr val="accent1"/>
+            </a:fillRef>
+            <a:effectRef idx="0">
+              <a:schemeClr val="accent1"/>
+            </a:effectRef>
+            <a:fontRef idx="minor">
+              <a:schemeClr val="lt1"/>
+            </a:fontRef>
+          </p:style>
+          <p:txBody>
+            <a:bodyPr rtlCol="0" anchor="ctr"/>
+            <a:lstStyle/>
+            <a:p>
+              <a:pPr algn="ctr"/>
+              <a:endParaRPr lang="nb-NO"/>
+            </a:p>
+          </p:txBody>
+        </p:sp>
+        <p:sp>
+          <p:nvSpPr>
+            <p:cNvPr id="3" name="Avrundet rektangel 2"/>
+            <p:cNvSpPr/>
+            <p:nvPr/>
+          </p:nvSpPr>
+          <p:spPr>
+            <a:xfrm rot="20040000">
+              <a:off x="5301656" y="3808774"/>
+              <a:ext cx="654646" cy="194552"/>
+            </a:xfrm>
+            <a:prstGeom prst="roundRect">
+              <a:avLst/>
+            </a:prstGeom>
+            <a:solidFill>
+              <a:srgbClr val="7C858E"/>
+            </a:solidFill>
+            <a:ln w="28575">
+              <a:solidFill>
+                <a:srgbClr val="979EA6"/>
+              </a:solidFill>
+            </a:ln>
+          </p:spPr>
+          <p:style>
+            <a:lnRef idx="2">
+              <a:schemeClr val="accent1">
+                <a:shade val="50000"/>
+              </a:schemeClr>
+            </a:lnRef>
+            <a:fillRef idx="1">
+              <a:schemeClr val="accent1"/>
+            </a:fillRef>
+            <a:effectRef idx="0">
+              <a:schemeClr val="accent1"/>
+            </a:effectRef>
+            <a:fontRef idx="minor">
+              <a:schemeClr val="lt1"/>
+            </a:fontRef>
+          </p:style>
+          <p:txBody>
+            <a:bodyPr rtlCol="0" anchor="ctr"/>
+            <a:lstStyle/>
+            <a:p>
+              <a:pPr algn="ctr"/>
+              <a:endParaRPr lang="nb-NO"/>
+            </a:p>
+          </p:txBody>
+        </p:sp>
+      </p:grpSp>
+      <p:sp>
+        <p:nvSpPr>
+          <p:cNvPr id="5" name="Avrundet rektangel 4"/>
+          <p:cNvSpPr>
+            <a:spLocks noChangeAspect="1"/>
+          </p:cNvSpPr>
+          <p:nvPr/>
+        </p:nvSpPr>
+        <p:spPr>
+          <a:xfrm rot="-1680000">
+            <a:off x="6020786" y="3316937"/>
+            <a:ext cx="330747" cy="186770"/>
+          </a:xfrm>
+          <a:prstGeom prst="roundRect">
+            <a:avLst/>
+          </a:prstGeom>
+          <a:solidFill>
+            <a:srgbClr val="DE2212"/>
+          </a:solidFill>
+          <a:ln>
+            <a:solidFill>
+              <a:srgbClr val="DE2212"/>
+            </a:solidFill>
+          </a:ln>
+        </p:spPr>
+        <p:style>
+          <a:lnRef idx="2">
+            <a:schemeClr val="accent1">
+              <a:shade val="50000"/>
+            </a:schemeClr>
+          </a:lnRef>
+          <a:fillRef idx="1">
+            <a:schemeClr val="accent1"/>
+          </a:fillRef>
+          <a:effectRef idx="0">
+            <a:schemeClr val="accent1"/>
+          </a:effectRef>
+          <a:fontRef idx="minor">
+            <a:schemeClr val="lt1"/>
+          </a:fontRef>
+        </p:style>
+        <p:txBody>
+          <a:bodyPr rtlCol="0" anchor="ctr"/>
+          <a:lstStyle/>
+          <a:p>
+            <a:pPr algn="ctr"/>
+            <a:endParaRPr lang="nb-NO"/>
+          </a:p>
+        </p:txBody>
+      </p:sp>
+      <p:sp>
+        <p:nvSpPr>
+          <p:cNvPr id="7" name="Ellipse 6"/>
+          <p:cNvSpPr/>
+          <p:nvPr/>
+        </p:nvSpPr>
+        <p:spPr>
+          <a:xfrm>
+            <a:off x="6424991" y="3405057"/>
+            <a:ext cx="213359" cy="213359"/>
+          </a:xfrm>
+          <a:prstGeom prst="ellipse">
+            <a:avLst/>
+          </a:prstGeom>
+          <a:solidFill>
+            <a:srgbClr val="00A14A"/>
+          </a:solidFill>
+          <a:ln>
+            <a:solidFill>
+              <a:srgbClr val="00A14A"/>
+            </a:solidFill>
+          </a:ln>
+        </p:spPr>
+        <p:style>
+          <a:lnRef idx="2">
+            <a:schemeClr val="accent1">
+              <a:shade val="50000"/>
+            </a:schemeClr>
+          </a:lnRef>
+          <a:fillRef idx="1">
+            <a:schemeClr val="accent1"/>
+          </a:fillRef>
+          <a:effectRef idx="0">
+            <a:schemeClr val="accent1"/>
+          </a:effectRef>
+          <a:fontRef idx="minor">
+            <a:schemeClr val="lt1"/>
+          </a:fontRef>
+        </p:style>
+        <p:txBody>
+          <a:bodyPr rtlCol="0" anchor="ctr"/>
+          <a:lstStyle/>
+          <a:p>
+            <a:pPr algn="ctr"/>
+            <a:endParaRPr lang="nb-NO"/>
+          </a:p>
+        </p:txBody>
+      </p:sp>
+      <p:sp>
+        <p:nvSpPr>
+          <p:cNvPr id="16" name="Ellipse 15"/>
+          <p:cNvSpPr/>
+          <p:nvPr/>
+        </p:nvSpPr>
+        <p:spPr>
+          <a:xfrm>
+            <a:off x="6152953" y="3661029"/>
+            <a:ext cx="213359" cy="213359"/>
+          </a:xfrm>
+          <a:prstGeom prst="ellipse">
+            <a:avLst/>
+          </a:prstGeom>
+          <a:solidFill>
+            <a:srgbClr val="00A6EB"/>
+          </a:solidFill>
+          <a:ln>
+            <a:solidFill>
+              <a:srgbClr val="00A6EB"/>
+            </a:solidFill>
+          </a:ln>
+        </p:spPr>
+        <p:style>
+          <a:lnRef idx="2">
+            <a:schemeClr val="accent1">
+              <a:shade val="50000"/>
+            </a:schemeClr>
+          </a:lnRef>
+          <a:fillRef idx="1">
+            <a:schemeClr val="accent1"/>
+          </a:fillRef>
+          <a:effectRef idx="0">
+            <a:schemeClr val="accent1"/>
+          </a:effectRef>
+          <a:fontRef idx="minor">
+            <a:schemeClr val="lt1"/>
+          </a:fontRef>
+        </p:style>
+        <p:txBody>
+          <a:bodyPr rtlCol="0" anchor="ctr"/>
+          <a:lstStyle/>
+          <a:p>
+            <a:pPr algn="ctr"/>
+            <a:endParaRPr lang="nb-NO"/>
+          </a:p>
+        </p:txBody>
+      </p:sp>
+    </p:spTree>
+    <p:extLst>
+      <p:ext uri="{BB962C8B-B14F-4D97-AF65-F5344CB8AC3E}">
+        <p14:creationId xmlns:p14="http://schemas.microsoft.com/office/powerpoint/2010/main" val="1829537452"/>
+      </p:ext>
+    </p:extLst>
+  </p:cSld>
+  <p:clrMapOvr>
+    <a:masterClrMapping/>
+  </p:clrMapOvr>
+  <p:timing>
+    <p:tnLst>
+      <p:par>
+        <p:cTn id="1" dur="indefinite" restart="never" nodeType="tmRoot"/>
+      </p:par>
+    </p:tnLst>
+  </p:timing>
+</p:sld>
+</file>
+
+<file path=ppt/slides/slide12.xml><?xml version="1.0" encoding="utf-8"?>
+<p:sld xmlns:a="http://schemas.openxmlformats.org/drawingml/2006/main" xmlns:r="http://schemas.openxmlformats.org/officeDocument/2006/relationships" xmlns:p="http://schemas.openxmlformats.org/presentationml/2006/main">
+  <p:cSld>
+    <p:spTree>
+      <p:nvGrpSpPr>
+        <p:cNvPr id="1" name=""/>
+        <p:cNvGrpSpPr/>
+        <p:nvPr/>
+      </p:nvGrpSpPr>
+      <p:grpSpPr>
+        <a:xfrm>
+          <a:off x="0" y="0"/>
+          <a:ext cx="0" cy="0"/>
+          <a:chOff x="0" y="0"/>
+          <a:chExt cx="0" cy="0"/>
+        </a:xfrm>
+      </p:grpSpPr>
       <p:sp>
         <p:nvSpPr>
           <p:cNvPr id="2" name="Hexagon 35">
@@ -5237,7 +6109,7 @@
     </p:spTree>
     <p:extLst>
       <p:ext uri="{BB962C8B-B14F-4D97-AF65-F5344CB8AC3E}">
-        <p14:creationId xmlns:p14="http://schemas.microsoft.com/office/powerpoint/2010/main" val="2421291886"/>
+        <p14:creationId xmlns:p14="http://schemas.microsoft.com/office/powerpoint/2010/main" val="4205166552"/>
       </p:ext>
     </p:extLst>
   </p:cSld>
@@ -5254,7 +6126,7 @@
 </p:sld>
 </file>
 
-<file path=ppt/slides/slide11.xml><?xml version="1.0" encoding="utf-8"?>
+<file path=ppt/slides/slide13.xml><?xml version="1.0" encoding="utf-8"?>
 <p:sld xmlns:a="http://schemas.openxmlformats.org/drawingml/2006/main" xmlns:r="http://schemas.openxmlformats.org/officeDocument/2006/relationships" xmlns:p="http://schemas.openxmlformats.org/presentationml/2006/main">
   <p:cSld>
     <p:spTree>
@@ -6504,7 +7376,7 @@
 </p:sld>
 </file>
 
-<file path=ppt/slides/slide12.xml><?xml version="1.0" encoding="utf-8"?>
+<file path=ppt/slides/slide14.xml><?xml version="1.0" encoding="utf-8"?>
 <p:sld xmlns:a="http://schemas.openxmlformats.org/drawingml/2006/main" xmlns:r="http://schemas.openxmlformats.org/officeDocument/2006/relationships" xmlns:p="http://schemas.openxmlformats.org/presentationml/2006/main">
   <p:cSld>
     <p:spTree>
@@ -24726,18 +25598,18 @@
 </file>
 
 <file path=customXml/item2.xml><?xml version="1.0" encoding="utf-8"?>
-<p:properties xmlns:p="http://schemas.microsoft.com/office/2006/metadata/properties" xmlns:xsi="http://www.w3.org/2001/XMLSchema-instance" xmlns:pc="http://schemas.microsoft.com/office/infopath/2007/PartnerControls">
-  <documentManagement/>
-</p:properties>
-</file>
-
-<file path=customXml/item3.xml><?xml version="1.0" encoding="utf-8"?>
 <?mso-contentType ?>
 <FormTemplates xmlns="http://schemas.microsoft.com/sharepoint/v3/contenttype/forms">
   <Display>DocumentLibraryForm</Display>
   <Edit>DocumentLibraryForm</Edit>
   <New>DocumentLibraryForm</New>
 </FormTemplates>
+</file>
+
+<file path=customXml/item3.xml><?xml version="1.0" encoding="utf-8"?>
+<p:properties xmlns:p="http://schemas.microsoft.com/office/2006/metadata/properties" xmlns:xsi="http://www.w3.org/2001/XMLSchema-instance" xmlns:pc="http://schemas.microsoft.com/office/infopath/2007/PartnerControls">
+  <documentManagement/>
+</p:properties>
 </file>
 
 <file path=customXml/itemProps1.xml><?xml version="1.0" encoding="utf-8"?>
@@ -24759,6 +25631,14 @@
 </file>
 
 <file path=customXml/itemProps2.xml><?xml version="1.0" encoding="utf-8"?>
+<ds:datastoreItem xmlns:ds="http://schemas.openxmlformats.org/officeDocument/2006/customXml" ds:itemID="{4BE7E9B0-0351-4956-BF80-844462B099ED}">
+  <ds:schemaRefs>
+    <ds:schemaRef ds:uri="http://schemas.microsoft.com/sharepoint/v3/contenttype/forms"/>
+  </ds:schemaRefs>
+</ds:datastoreItem>
+</file>
+
+<file path=customXml/itemProps3.xml><?xml version="1.0" encoding="utf-8"?>
 <ds:datastoreItem xmlns:ds="http://schemas.openxmlformats.org/officeDocument/2006/customXml" ds:itemID="{7DEC415D-4AD5-4872-9DD1-7B94914CAE4D}">
   <ds:schemaRefs>
     <ds:schemaRef ds:uri="http://purl.org/dc/elements/1.1/"/>
@@ -24772,12 +25652,4 @@
     <ds:schemaRef ds:uri="http://purl.org/dc/terms/"/>
   </ds:schemaRefs>
 </ds:datastoreItem>
-</file>
-
-<file path=customXml/itemProps3.xml><?xml version="1.0" encoding="utf-8"?>
-<ds:datastoreItem xmlns:ds="http://schemas.openxmlformats.org/officeDocument/2006/customXml" ds:itemID="{4BE7E9B0-0351-4956-BF80-844462B099ED}">
-  <ds:schemaRefs>
-    <ds:schemaRef ds:uri="http://schemas.microsoft.com/sharepoint/v3/contenttype/forms"/>
-  </ds:schemaRefs>
-</ds:datastoreItem>
 </file>
--- a/data-raw/logos.pptx
+++ b/data-raw/logos.pptx
@@ -269,7 +269,7 @@
           <a:p>
             <a:fld id="{09605B3F-6133-425E-A10B-41F9F06FCAC6}" type="datetimeFigureOut">
               <a:rPr lang="nb-NO" smtClean="0"/>
-              <a:t>13.09.2023</a:t>
+              <a:t>14.09.2023</a:t>
             </a:fld>
             <a:endParaRPr lang="nb-NO"/>
           </a:p>
@@ -439,7 +439,7 @@
           <a:p>
             <a:fld id="{09605B3F-6133-425E-A10B-41F9F06FCAC6}" type="datetimeFigureOut">
               <a:rPr lang="nb-NO" smtClean="0"/>
-              <a:t>13.09.2023</a:t>
+              <a:t>14.09.2023</a:t>
             </a:fld>
             <a:endParaRPr lang="nb-NO"/>
           </a:p>
@@ -619,7 +619,7 @@
           <a:p>
             <a:fld id="{09605B3F-6133-425E-A10B-41F9F06FCAC6}" type="datetimeFigureOut">
               <a:rPr lang="nb-NO" smtClean="0"/>
-              <a:t>13.09.2023</a:t>
+              <a:t>14.09.2023</a:t>
             </a:fld>
             <a:endParaRPr lang="nb-NO"/>
           </a:p>
@@ -789,7 +789,7 @@
           <a:p>
             <a:fld id="{09605B3F-6133-425E-A10B-41F9F06FCAC6}" type="datetimeFigureOut">
               <a:rPr lang="nb-NO" smtClean="0"/>
-              <a:t>13.09.2023</a:t>
+              <a:t>14.09.2023</a:t>
             </a:fld>
             <a:endParaRPr lang="nb-NO"/>
           </a:p>
@@ -1035,7 +1035,7 @@
           <a:p>
             <a:fld id="{09605B3F-6133-425E-A10B-41F9F06FCAC6}" type="datetimeFigureOut">
               <a:rPr lang="nb-NO" smtClean="0"/>
-              <a:t>13.09.2023</a:t>
+              <a:t>14.09.2023</a:t>
             </a:fld>
             <a:endParaRPr lang="nb-NO"/>
           </a:p>
@@ -1267,7 +1267,7 @@
           <a:p>
             <a:fld id="{09605B3F-6133-425E-A10B-41F9F06FCAC6}" type="datetimeFigureOut">
               <a:rPr lang="nb-NO" smtClean="0"/>
-              <a:t>13.09.2023</a:t>
+              <a:t>14.09.2023</a:t>
             </a:fld>
             <a:endParaRPr lang="nb-NO"/>
           </a:p>
@@ -1634,7 +1634,7 @@
           <a:p>
             <a:fld id="{09605B3F-6133-425E-A10B-41F9F06FCAC6}" type="datetimeFigureOut">
               <a:rPr lang="nb-NO" smtClean="0"/>
-              <a:t>13.09.2023</a:t>
+              <a:t>14.09.2023</a:t>
             </a:fld>
             <a:endParaRPr lang="nb-NO"/>
           </a:p>
@@ -1752,7 +1752,7 @@
           <a:p>
             <a:fld id="{09605B3F-6133-425E-A10B-41F9F06FCAC6}" type="datetimeFigureOut">
               <a:rPr lang="nb-NO" smtClean="0"/>
-              <a:t>13.09.2023</a:t>
+              <a:t>14.09.2023</a:t>
             </a:fld>
             <a:endParaRPr lang="nb-NO"/>
           </a:p>
@@ -1847,7 +1847,7 @@
           <a:p>
             <a:fld id="{09605B3F-6133-425E-A10B-41F9F06FCAC6}" type="datetimeFigureOut">
               <a:rPr lang="nb-NO" smtClean="0"/>
-              <a:t>13.09.2023</a:t>
+              <a:t>14.09.2023</a:t>
             </a:fld>
             <a:endParaRPr lang="nb-NO"/>
           </a:p>
@@ -2124,7 +2124,7 @@
           <a:p>
             <a:fld id="{09605B3F-6133-425E-A10B-41F9F06FCAC6}" type="datetimeFigureOut">
               <a:rPr lang="nb-NO" smtClean="0"/>
-              <a:t>13.09.2023</a:t>
+              <a:t>14.09.2023</a:t>
             </a:fld>
             <a:endParaRPr lang="nb-NO"/>
           </a:p>
@@ -2377,7 +2377,7 @@
           <a:p>
             <a:fld id="{09605B3F-6133-425E-A10B-41F9F06FCAC6}" type="datetimeFigureOut">
               <a:rPr lang="nb-NO" smtClean="0"/>
-              <a:t>13.09.2023</a:t>
+              <a:t>14.09.2023</a:t>
             </a:fld>
             <a:endParaRPr lang="nb-NO"/>
           </a:p>
@@ -2590,7 +2590,7 @@
           <a:p>
             <a:fld id="{09605B3F-6133-425E-A10B-41F9F06FCAC6}" type="datetimeFigureOut">
               <a:rPr lang="nb-NO" smtClean="0"/>
-              <a:t>13.09.2023</a:t>
+              <a:t>14.09.2023</a:t>
             </a:fld>
             <a:endParaRPr lang="nb-NO"/>
           </a:p>
@@ -6705,196 +6705,39 @@
           <a:chExt cx="0" cy="0"/>
         </a:xfrm>
       </p:grpSpPr>
-      <p:sp>
-        <p:nvSpPr>
-          <p:cNvPr id="2" name="Hexagon 35">
-            <a:extLst>
-              <a:ext uri="{FF2B5EF4-FFF2-40B4-BE49-F238E27FC236}">
-                <a16:creationId xmlns:a16="http://schemas.microsoft.com/office/drawing/2014/main" id="{90E46B38-1301-774F-8904-FFF8966BD8C2}"/>
-              </a:ext>
-            </a:extLst>
-          </p:cNvPr>
-          <p:cNvSpPr>
-            <a:spLocks noChangeAspect="1"/>
-          </p:cNvSpPr>
-          <p:nvPr/>
-        </p:nvSpPr>
-        <p:spPr>
-          <a:xfrm rot="1800000">
-            <a:off x="4735200" y="2244483"/>
-            <a:ext cx="2721600" cy="2369033"/>
-          </a:xfrm>
-          <a:prstGeom prst="hexagon">
-            <a:avLst>
-              <a:gd name="adj" fmla="val 28372"/>
-              <a:gd name="vf" fmla="val 115470"/>
-            </a:avLst>
-          </a:prstGeom>
-          <a:solidFill>
-            <a:srgbClr val="133E4D"/>
-          </a:solidFill>
-          <a:ln w="69850">
-            <a:solidFill>
-              <a:schemeClr val="tx1">
-                <a:lumMod val="85000"/>
-                <a:lumOff val="15000"/>
-              </a:schemeClr>
-            </a:solidFill>
-          </a:ln>
-        </p:spPr>
-        <p:style>
-          <a:lnRef idx="2">
-            <a:schemeClr val="accent1">
-              <a:shade val="50000"/>
-            </a:schemeClr>
-          </a:lnRef>
-          <a:fillRef idx="1">
-            <a:schemeClr val="accent1"/>
-          </a:fillRef>
-          <a:effectRef idx="0">
-            <a:schemeClr val="accent1"/>
-          </a:effectRef>
-          <a:fontRef idx="minor">
-            <a:schemeClr val="lt1"/>
-          </a:fontRef>
-        </p:style>
-        <p:txBody>
-          <a:bodyPr rtlCol="0" anchor="ctr"/>
-          <a:lstStyle/>
-          <a:p>
-            <a:pPr algn="ctr"/>
-            <a:endParaRPr lang="en-US" dirty="0"/>
-          </a:p>
-        </p:txBody>
-      </p:sp>
-      <p:sp>
-        <p:nvSpPr>
-          <p:cNvPr id="45" name="TekstSylinder 44"/>
-          <p:cNvSpPr txBox="1"/>
-          <p:nvPr/>
-        </p:nvSpPr>
-        <p:spPr>
-          <a:xfrm>
-            <a:off x="4951956" y="2496396"/>
-            <a:ext cx="2292096" cy="461665"/>
-          </a:xfrm>
-          <a:prstGeom prst="rect">
-            <a:avLst/>
-          </a:prstGeom>
-          <a:noFill/>
-        </p:spPr>
-        <p:txBody>
-          <a:bodyPr wrap="square" rtlCol="0">
-            <a:spAutoFit/>
-          </a:bodyPr>
-          <a:lstStyle/>
-          <a:p>
-            <a:pPr algn="ctr"/>
-            <a:r>
-              <a:rPr lang="nb-NO" sz="2400" dirty="0" err="1" smtClean="0">
-                <a:solidFill>
-                  <a:schemeClr val="bg2">
-                    <a:lumMod val="90000"/>
-                  </a:schemeClr>
-                </a:solidFill>
-                <a:latin typeface="Trebuchet MS" panose="020B0603020202020204" pitchFamily="34" charset="0"/>
-              </a:rPr>
-              <a:t>OKplan</a:t>
-            </a:r>
-            <a:endParaRPr lang="nb-NO" sz="2400" dirty="0">
-              <a:solidFill>
-                <a:schemeClr val="bg2">
-                  <a:lumMod val="90000"/>
-                </a:schemeClr>
-              </a:solidFill>
-              <a:latin typeface="Trebuchet MS" panose="020B0603020202020204" pitchFamily="34" charset="0"/>
-            </a:endParaRPr>
-          </a:p>
-        </p:txBody>
-      </p:sp>
-      <p:sp>
-        <p:nvSpPr>
-          <p:cNvPr id="4" name="Ellipse 3"/>
-          <p:cNvSpPr/>
-          <p:nvPr/>
-        </p:nvSpPr>
-        <p:spPr>
-          <a:xfrm>
-            <a:off x="5848287" y="3048675"/>
-            <a:ext cx="963184" cy="979195"/>
-          </a:xfrm>
-          <a:prstGeom prst="ellipse">
-            <a:avLst/>
-          </a:prstGeom>
-          <a:solidFill>
-            <a:schemeClr val="bg1"/>
-          </a:solidFill>
-          <a:ln w="63500">
-            <a:solidFill>
-              <a:srgbClr val="979EA6"/>
-            </a:solidFill>
-          </a:ln>
-        </p:spPr>
-        <p:style>
-          <a:lnRef idx="2">
-            <a:schemeClr val="accent1">
-              <a:shade val="50000"/>
-            </a:schemeClr>
-          </a:lnRef>
-          <a:fillRef idx="1">
-            <a:schemeClr val="accent1"/>
-          </a:fillRef>
-          <a:effectRef idx="0">
-            <a:schemeClr val="accent1"/>
-          </a:effectRef>
-          <a:fontRef idx="minor">
-            <a:schemeClr val="lt1"/>
-          </a:fontRef>
-        </p:style>
-        <p:txBody>
-          <a:bodyPr rtlCol="0" anchor="ctr"/>
-          <a:lstStyle/>
-          <a:p>
-            <a:pPr algn="ctr"/>
-            <a:endParaRPr lang="nb-NO"/>
-          </a:p>
-        </p:txBody>
-      </p:sp>
       <p:grpSp>
         <p:nvGrpSpPr>
-          <p:cNvPr id="19" name="Gruppe 18"/>
+          <p:cNvPr id="66" name="Gruppe 65"/>
           <p:cNvGrpSpPr/>
           <p:nvPr/>
         </p:nvGrpSpPr>
         <p:grpSpPr>
           <a:xfrm>
-            <a:off x="5185762" y="3693166"/>
-            <a:ext cx="712256" cy="316256"/>
-            <a:chOff x="5301656" y="3687070"/>
-            <a:chExt cx="712256" cy="316256"/>
+            <a:off x="9089589" y="739638"/>
+            <a:ext cx="369454" cy="381685"/>
+            <a:chOff x="8851039" y="1298908"/>
+            <a:chExt cx="369454" cy="381685"/>
           </a:xfrm>
         </p:grpSpPr>
         <p:sp>
           <p:nvSpPr>
-            <p:cNvPr id="6" name="Avrundet rektangel 5"/>
+            <p:cNvPr id="11" name="Sekskant 10"/>
             <p:cNvSpPr/>
             <p:nvPr/>
           </p:nvSpPr>
           <p:spPr>
-            <a:xfrm rot="20040000">
-              <a:off x="5832438" y="3687070"/>
-              <a:ext cx="181474" cy="150982"/>
+            <a:xfrm>
+              <a:off x="8918300" y="1388722"/>
+              <a:ext cx="228600" cy="197069"/>
             </a:xfrm>
-            <a:prstGeom prst="roundRect">
+            <a:prstGeom prst="hexagon">
               <a:avLst/>
             </a:prstGeom>
             <a:solidFill>
-              <a:srgbClr val="979EA6"/>
+              <a:srgbClr val="00A14A"/>
             </a:solidFill>
             <a:ln>
-              <a:solidFill>
-                <a:srgbClr val="979EA6"/>
-              </a:solidFill>
+              <a:noFill/>
             </a:ln>
           </p:spPr>
           <p:style>
@@ -6924,24 +6767,22 @@
         </p:sp>
         <p:sp>
           <p:nvSpPr>
-            <p:cNvPr id="3" name="Avrundet rektangel 2"/>
+            <p:cNvPr id="12" name="Ellipse 11"/>
             <p:cNvSpPr/>
             <p:nvPr/>
           </p:nvSpPr>
           <p:spPr>
-            <a:xfrm rot="20040000">
-              <a:off x="5301656" y="3808774"/>
-              <a:ext cx="654646" cy="194552"/>
+            <a:xfrm>
+              <a:off x="8896849" y="1345928"/>
+              <a:ext cx="271502" cy="282657"/>
             </a:xfrm>
-            <a:prstGeom prst="roundRect">
+            <a:prstGeom prst="ellipse">
               <a:avLst/>
             </a:prstGeom>
-            <a:solidFill>
-              <a:srgbClr val="7C858E"/>
-            </a:solidFill>
-            <a:ln w="28575">
+            <a:noFill/>
+            <a:ln>
               <a:solidFill>
-                <a:srgbClr val="979EA6"/>
+                <a:srgbClr val="00A14A"/>
               </a:solidFill>
             </a:ln>
           </p:spPr>
@@ -6970,120 +6811,900 @@
             </a:p>
           </p:txBody>
         </p:sp>
+        <p:cxnSp>
+          <p:nvCxnSpPr>
+            <p:cNvPr id="25" name="Rett linje 24"/>
+            <p:cNvCxnSpPr/>
+            <p:nvPr/>
+          </p:nvCxnSpPr>
+          <p:spPr>
+            <a:xfrm>
+              <a:off x="9034412" y="1636485"/>
+              <a:ext cx="0" cy="44108"/>
+            </a:xfrm>
+            <a:prstGeom prst="line">
+              <a:avLst/>
+            </a:prstGeom>
+            <a:ln w="12700">
+              <a:solidFill>
+                <a:srgbClr val="00A14A"/>
+              </a:solidFill>
+              <a:tailEnd type="diamond" w="sm" len="sm"/>
+            </a:ln>
+          </p:spPr>
+          <p:style>
+            <a:lnRef idx="1">
+              <a:schemeClr val="accent1"/>
+            </a:lnRef>
+            <a:fillRef idx="0">
+              <a:schemeClr val="accent1"/>
+            </a:fillRef>
+            <a:effectRef idx="0">
+              <a:schemeClr val="accent1"/>
+            </a:effectRef>
+            <a:fontRef idx="minor">
+              <a:schemeClr val="tx1"/>
+            </a:fontRef>
+          </p:style>
+        </p:cxnSp>
+        <p:cxnSp>
+          <p:nvCxnSpPr>
+            <p:cNvPr id="24" name="Rett linje 23"/>
+            <p:cNvCxnSpPr/>
+            <p:nvPr/>
+          </p:nvCxnSpPr>
+          <p:spPr>
+            <a:xfrm flipH="1">
+              <a:off x="8851039" y="1491465"/>
+              <a:ext cx="44108" cy="0"/>
+            </a:xfrm>
+            <a:prstGeom prst="line">
+              <a:avLst/>
+            </a:prstGeom>
+            <a:ln w="12700">
+              <a:solidFill>
+                <a:srgbClr val="00A14A"/>
+              </a:solidFill>
+              <a:tailEnd type="diamond" w="sm" len="sm"/>
+            </a:ln>
+          </p:spPr>
+          <p:style>
+            <a:lnRef idx="1">
+              <a:schemeClr val="accent1"/>
+            </a:lnRef>
+            <a:fillRef idx="0">
+              <a:schemeClr val="accent1"/>
+            </a:fillRef>
+            <a:effectRef idx="0">
+              <a:schemeClr val="accent1"/>
+            </a:effectRef>
+            <a:fontRef idx="minor">
+              <a:schemeClr val="tx1"/>
+            </a:fontRef>
+          </p:style>
+        </p:cxnSp>
+        <p:cxnSp>
+          <p:nvCxnSpPr>
+            <p:cNvPr id="26" name="Rett linje 25"/>
+            <p:cNvCxnSpPr/>
+            <p:nvPr/>
+          </p:nvCxnSpPr>
+          <p:spPr>
+            <a:xfrm flipH="1">
+              <a:off x="9077471" y="1306865"/>
+              <a:ext cx="11416" cy="42606"/>
+            </a:xfrm>
+            <a:prstGeom prst="line">
+              <a:avLst/>
+            </a:prstGeom>
+            <a:ln w="12700">
+              <a:solidFill>
+                <a:srgbClr val="00A14A"/>
+              </a:solidFill>
+              <a:headEnd type="diamond" w="sm" len="sm"/>
+              <a:tailEnd type="none" w="sm" len="sm"/>
+            </a:ln>
+          </p:spPr>
+          <p:style>
+            <a:lnRef idx="1">
+              <a:schemeClr val="accent1"/>
+            </a:lnRef>
+            <a:fillRef idx="0">
+              <a:schemeClr val="accent1"/>
+            </a:fillRef>
+            <a:effectRef idx="0">
+              <a:schemeClr val="accent1"/>
+            </a:effectRef>
+            <a:fontRef idx="minor">
+              <a:schemeClr val="tx1"/>
+            </a:fontRef>
+          </p:style>
+        </p:cxnSp>
+        <p:cxnSp>
+          <p:nvCxnSpPr>
+            <p:cNvPr id="27" name="Rett linje 26"/>
+            <p:cNvCxnSpPr/>
+            <p:nvPr/>
+          </p:nvCxnSpPr>
+          <p:spPr>
+            <a:xfrm flipH="1" flipV="1">
+              <a:off x="8899902" y="1355792"/>
+              <a:ext cx="31190" cy="31190"/>
+            </a:xfrm>
+            <a:prstGeom prst="line">
+              <a:avLst/>
+            </a:prstGeom>
+            <a:ln w="12700">
+              <a:solidFill>
+                <a:srgbClr val="00A14A"/>
+              </a:solidFill>
+              <a:tailEnd type="diamond" w="sm" len="sm"/>
+            </a:ln>
+          </p:spPr>
+          <p:style>
+            <a:lnRef idx="1">
+              <a:schemeClr val="accent1"/>
+            </a:lnRef>
+            <a:fillRef idx="0">
+              <a:schemeClr val="accent1"/>
+            </a:fillRef>
+            <a:effectRef idx="0">
+              <a:schemeClr val="accent1"/>
+            </a:effectRef>
+            <a:fontRef idx="minor">
+              <a:schemeClr val="tx1"/>
+            </a:fontRef>
+          </p:style>
+        </p:cxnSp>
+        <p:cxnSp>
+          <p:nvCxnSpPr>
+            <p:cNvPr id="28" name="Rett linje 27"/>
+            <p:cNvCxnSpPr/>
+            <p:nvPr/>
+          </p:nvCxnSpPr>
+          <p:spPr>
+            <a:xfrm flipH="1">
+              <a:off x="9176385" y="1487655"/>
+              <a:ext cx="44108" cy="0"/>
+            </a:xfrm>
+            <a:prstGeom prst="line">
+              <a:avLst/>
+            </a:prstGeom>
+            <a:ln w="12700">
+              <a:solidFill>
+                <a:srgbClr val="00A14A"/>
+              </a:solidFill>
+              <a:headEnd type="diamond" w="sm" len="sm"/>
+              <a:tailEnd type="none" w="sm" len="sm"/>
+            </a:ln>
+          </p:spPr>
+          <p:style>
+            <a:lnRef idx="1">
+              <a:schemeClr val="accent1"/>
+            </a:lnRef>
+            <a:fillRef idx="0">
+              <a:schemeClr val="accent1"/>
+            </a:fillRef>
+            <a:effectRef idx="0">
+              <a:schemeClr val="accent1"/>
+            </a:effectRef>
+            <a:fontRef idx="minor">
+              <a:schemeClr val="tx1"/>
+            </a:fontRef>
+          </p:style>
+        </p:cxnSp>
+        <p:cxnSp>
+          <p:nvCxnSpPr>
+            <p:cNvPr id="29" name="Rett linje 28"/>
+            <p:cNvCxnSpPr/>
+            <p:nvPr/>
+          </p:nvCxnSpPr>
+          <p:spPr>
+            <a:xfrm flipH="1">
+              <a:off x="8904517" y="1589418"/>
+              <a:ext cx="31190" cy="31190"/>
+            </a:xfrm>
+            <a:prstGeom prst="line">
+              <a:avLst/>
+            </a:prstGeom>
+            <a:ln w="12700">
+              <a:solidFill>
+                <a:srgbClr val="00A14A"/>
+              </a:solidFill>
+              <a:tailEnd type="diamond" w="sm" len="sm"/>
+            </a:ln>
+          </p:spPr>
+          <p:style>
+            <a:lnRef idx="1">
+              <a:schemeClr val="accent1"/>
+            </a:lnRef>
+            <a:fillRef idx="0">
+              <a:schemeClr val="accent1"/>
+            </a:fillRef>
+            <a:effectRef idx="0">
+              <a:schemeClr val="accent1"/>
+            </a:effectRef>
+            <a:fontRef idx="minor">
+              <a:schemeClr val="tx1"/>
+            </a:fontRef>
+          </p:style>
+        </p:cxnSp>
+        <p:cxnSp>
+          <p:nvCxnSpPr>
+            <p:cNvPr id="30" name="Rett linje 29"/>
+            <p:cNvCxnSpPr/>
+            <p:nvPr/>
+          </p:nvCxnSpPr>
+          <p:spPr>
+            <a:xfrm flipH="1">
+              <a:off x="9171053" y="1437687"/>
+              <a:ext cx="42606" cy="11416"/>
+            </a:xfrm>
+            <a:prstGeom prst="line">
+              <a:avLst/>
+            </a:prstGeom>
+            <a:ln w="12700">
+              <a:solidFill>
+                <a:srgbClr val="00A14A"/>
+              </a:solidFill>
+              <a:headEnd type="diamond" w="sm" len="sm"/>
+              <a:tailEnd type="none" w="sm" len="sm"/>
+            </a:ln>
+          </p:spPr>
+          <p:style>
+            <a:lnRef idx="1">
+              <a:schemeClr val="accent1"/>
+            </a:lnRef>
+            <a:fillRef idx="0">
+              <a:schemeClr val="accent1"/>
+            </a:fillRef>
+            <a:effectRef idx="0">
+              <a:schemeClr val="accent1"/>
+            </a:effectRef>
+            <a:fontRef idx="minor">
+              <a:schemeClr val="tx1"/>
+            </a:fontRef>
+          </p:style>
+        </p:cxnSp>
+        <p:cxnSp>
+          <p:nvCxnSpPr>
+            <p:cNvPr id="31" name="Rett linje 30"/>
+            <p:cNvCxnSpPr/>
+            <p:nvPr/>
+          </p:nvCxnSpPr>
+          <p:spPr>
+            <a:xfrm flipH="1" flipV="1">
+              <a:off x="9140252" y="1583703"/>
+              <a:ext cx="31190" cy="31190"/>
+            </a:xfrm>
+            <a:prstGeom prst="line">
+              <a:avLst/>
+            </a:prstGeom>
+            <a:ln w="12700">
+              <a:solidFill>
+                <a:srgbClr val="00A14A"/>
+              </a:solidFill>
+              <a:headEnd type="diamond" w="sm" len="sm"/>
+              <a:tailEnd type="none" w="sm" len="sm"/>
+            </a:ln>
+          </p:spPr>
+          <p:style>
+            <a:lnRef idx="1">
+              <a:schemeClr val="accent1"/>
+            </a:lnRef>
+            <a:fillRef idx="0">
+              <a:schemeClr val="accent1"/>
+            </a:fillRef>
+            <a:effectRef idx="0">
+              <a:schemeClr val="accent1"/>
+            </a:effectRef>
+            <a:fontRef idx="minor">
+              <a:schemeClr val="tx1"/>
+            </a:fontRef>
+          </p:style>
+        </p:cxnSp>
+        <p:cxnSp>
+          <p:nvCxnSpPr>
+            <p:cNvPr id="32" name="Rett linje 31"/>
+            <p:cNvCxnSpPr/>
+            <p:nvPr/>
+          </p:nvCxnSpPr>
+          <p:spPr>
+            <a:xfrm>
+              <a:off x="9160699" y="1553162"/>
+              <a:ext cx="38198" cy="22054"/>
+            </a:xfrm>
+            <a:prstGeom prst="line">
+              <a:avLst/>
+            </a:prstGeom>
+            <a:ln w="12700">
+              <a:solidFill>
+                <a:srgbClr val="00A14A"/>
+              </a:solidFill>
+              <a:tailEnd type="diamond" w="sm" len="sm"/>
+            </a:ln>
+          </p:spPr>
+          <p:style>
+            <a:lnRef idx="1">
+              <a:schemeClr val="accent1"/>
+            </a:lnRef>
+            <a:fillRef idx="0">
+              <a:schemeClr val="accent1"/>
+            </a:fillRef>
+            <a:effectRef idx="0">
+              <a:schemeClr val="accent1"/>
+            </a:effectRef>
+            <a:fontRef idx="minor">
+              <a:schemeClr val="tx1"/>
+            </a:fontRef>
+          </p:style>
+        </p:cxnSp>
+        <p:cxnSp>
+          <p:nvCxnSpPr>
+            <p:cNvPr id="33" name="Rett linje 32"/>
+            <p:cNvCxnSpPr/>
+            <p:nvPr/>
+          </p:nvCxnSpPr>
+          <p:spPr>
+            <a:xfrm flipH="1">
+              <a:off x="9138072" y="1358490"/>
+              <a:ext cx="39768" cy="39768"/>
+            </a:xfrm>
+            <a:prstGeom prst="line">
+              <a:avLst/>
+            </a:prstGeom>
+            <a:ln w="12700">
+              <a:solidFill>
+                <a:srgbClr val="00A14A"/>
+              </a:solidFill>
+              <a:headEnd type="diamond" w="sm" len="sm"/>
+              <a:tailEnd type="none" w="sm" len="sm"/>
+            </a:ln>
+          </p:spPr>
+          <p:style>
+            <a:lnRef idx="1">
+              <a:schemeClr val="accent1"/>
+            </a:lnRef>
+            <a:fillRef idx="0">
+              <a:schemeClr val="accent1"/>
+            </a:fillRef>
+            <a:effectRef idx="0">
+              <a:schemeClr val="accent1"/>
+            </a:effectRef>
+            <a:fontRef idx="minor">
+              <a:schemeClr val="tx1"/>
+            </a:fontRef>
+          </p:style>
+        </p:cxnSp>
+        <p:cxnSp>
+          <p:nvCxnSpPr>
+            <p:cNvPr id="34" name="Rett linje 33"/>
+            <p:cNvCxnSpPr/>
+            <p:nvPr/>
+          </p:nvCxnSpPr>
+          <p:spPr>
+            <a:xfrm flipH="1">
+              <a:off x="8944155" y="1615506"/>
+              <a:ext cx="22054" cy="38198"/>
+            </a:xfrm>
+            <a:prstGeom prst="line">
+              <a:avLst/>
+            </a:prstGeom>
+            <a:ln w="12700">
+              <a:solidFill>
+                <a:srgbClr val="00A14A"/>
+              </a:solidFill>
+              <a:tailEnd type="diamond" w="sm" len="sm"/>
+            </a:ln>
+          </p:spPr>
+          <p:style>
+            <a:lnRef idx="1">
+              <a:schemeClr val="accent1"/>
+            </a:lnRef>
+            <a:fillRef idx="0">
+              <a:schemeClr val="accent1"/>
+            </a:fillRef>
+            <a:effectRef idx="0">
+              <a:schemeClr val="accent1"/>
+            </a:effectRef>
+            <a:fontRef idx="minor">
+              <a:schemeClr val="tx1"/>
+            </a:fontRef>
+          </p:style>
+        </p:cxnSp>
+        <p:cxnSp>
+          <p:nvCxnSpPr>
+            <p:cNvPr id="35" name="Rett linje 34"/>
+            <p:cNvCxnSpPr/>
+            <p:nvPr/>
+          </p:nvCxnSpPr>
+          <p:spPr>
+            <a:xfrm flipH="1">
+              <a:off x="8987690" y="1631162"/>
+              <a:ext cx="11416" cy="42606"/>
+            </a:xfrm>
+            <a:prstGeom prst="line">
+              <a:avLst/>
+            </a:prstGeom>
+            <a:ln w="12700">
+              <a:solidFill>
+                <a:srgbClr val="00A14A"/>
+              </a:solidFill>
+              <a:tailEnd type="diamond" w="sm" len="sm"/>
+            </a:ln>
+          </p:spPr>
+          <p:style>
+            <a:lnRef idx="1">
+              <a:schemeClr val="accent1"/>
+            </a:lnRef>
+            <a:fillRef idx="0">
+              <a:schemeClr val="accent1"/>
+            </a:fillRef>
+            <a:effectRef idx="0">
+              <a:schemeClr val="accent1"/>
+            </a:effectRef>
+            <a:fontRef idx="minor">
+              <a:schemeClr val="tx1"/>
+            </a:fontRef>
+          </p:style>
+        </p:cxnSp>
+        <p:cxnSp>
+          <p:nvCxnSpPr>
+            <p:cNvPr id="36" name="Rett linje 35"/>
+            <p:cNvCxnSpPr/>
+            <p:nvPr/>
+          </p:nvCxnSpPr>
+          <p:spPr>
+            <a:xfrm>
+              <a:off x="9172254" y="1520579"/>
+              <a:ext cx="42606" cy="11416"/>
+            </a:xfrm>
+            <a:prstGeom prst="line">
+              <a:avLst/>
+            </a:prstGeom>
+            <a:ln w="12700">
+              <a:solidFill>
+                <a:srgbClr val="00A14A"/>
+              </a:solidFill>
+              <a:tailEnd type="diamond" w="sm" len="sm"/>
+            </a:ln>
+          </p:spPr>
+          <p:style>
+            <a:lnRef idx="1">
+              <a:schemeClr val="accent1"/>
+            </a:lnRef>
+            <a:fillRef idx="0">
+              <a:schemeClr val="accent1"/>
+            </a:fillRef>
+            <a:effectRef idx="0">
+              <a:schemeClr val="accent1"/>
+            </a:effectRef>
+            <a:fontRef idx="minor">
+              <a:schemeClr val="tx1"/>
+            </a:fontRef>
+          </p:style>
+        </p:cxnSp>
+        <p:cxnSp>
+          <p:nvCxnSpPr>
+            <p:cNvPr id="37" name="Rett linje 36"/>
+            <p:cNvCxnSpPr/>
+            <p:nvPr/>
+          </p:nvCxnSpPr>
+          <p:spPr>
+            <a:xfrm flipH="1">
+              <a:off x="9109036" y="1325950"/>
+              <a:ext cx="27131" cy="42715"/>
+            </a:xfrm>
+            <a:prstGeom prst="line">
+              <a:avLst/>
+            </a:prstGeom>
+            <a:ln w="12700">
+              <a:solidFill>
+                <a:srgbClr val="00A14A"/>
+              </a:solidFill>
+              <a:headEnd type="diamond" w="sm" len="sm"/>
+              <a:tailEnd type="none" w="sm" len="sm"/>
+            </a:ln>
+          </p:spPr>
+          <p:style>
+            <a:lnRef idx="1">
+              <a:schemeClr val="accent1"/>
+            </a:lnRef>
+            <a:fillRef idx="0">
+              <a:schemeClr val="accent1"/>
+            </a:fillRef>
+            <a:effectRef idx="0">
+              <a:schemeClr val="accent1"/>
+            </a:effectRef>
+            <a:fontRef idx="minor">
+              <a:schemeClr val="tx1"/>
+            </a:fontRef>
+          </p:style>
+        </p:cxnSp>
+        <p:cxnSp>
+          <p:nvCxnSpPr>
+            <p:cNvPr id="38" name="Rett linje 37"/>
+            <p:cNvCxnSpPr/>
+            <p:nvPr/>
+          </p:nvCxnSpPr>
+          <p:spPr>
+            <a:xfrm>
+              <a:off x="8869284" y="1395983"/>
+              <a:ext cx="38198" cy="22054"/>
+            </a:xfrm>
+            <a:prstGeom prst="line">
+              <a:avLst/>
+            </a:prstGeom>
+            <a:ln w="12700">
+              <a:solidFill>
+                <a:srgbClr val="00A14A"/>
+              </a:solidFill>
+              <a:headEnd type="diamond" w="sm" len="sm"/>
+              <a:tailEnd type="none" w="sm" len="sm"/>
+            </a:ln>
+          </p:spPr>
+          <p:style>
+            <a:lnRef idx="1">
+              <a:schemeClr val="accent1"/>
+            </a:lnRef>
+            <a:fillRef idx="0">
+              <a:schemeClr val="accent1"/>
+            </a:fillRef>
+            <a:effectRef idx="0">
+              <a:schemeClr val="accent1"/>
+            </a:effectRef>
+            <a:fontRef idx="minor">
+              <a:schemeClr val="tx1"/>
+            </a:fontRef>
+          </p:style>
+        </p:cxnSp>
+        <p:cxnSp>
+          <p:nvCxnSpPr>
+            <p:cNvPr id="39" name="Rett linje 38"/>
+            <p:cNvCxnSpPr/>
+            <p:nvPr/>
+          </p:nvCxnSpPr>
+          <p:spPr>
+            <a:xfrm>
+              <a:off x="8854700" y="1442423"/>
+              <a:ext cx="42606" cy="11416"/>
+            </a:xfrm>
+            <a:prstGeom prst="line">
+              <a:avLst/>
+            </a:prstGeom>
+            <a:ln w="12700">
+              <a:solidFill>
+                <a:srgbClr val="00A14A"/>
+              </a:solidFill>
+              <a:headEnd type="diamond" w="sm" len="sm"/>
+              <a:tailEnd type="none" w="sm" len="sm"/>
+            </a:ln>
+          </p:spPr>
+          <p:style>
+            <a:lnRef idx="1">
+              <a:schemeClr val="accent1"/>
+            </a:lnRef>
+            <a:fillRef idx="0">
+              <a:schemeClr val="accent1"/>
+            </a:fillRef>
+            <a:effectRef idx="0">
+              <a:schemeClr val="accent1"/>
+            </a:effectRef>
+            <a:fontRef idx="minor">
+              <a:schemeClr val="tx1"/>
+            </a:fontRef>
+          </p:style>
+        </p:cxnSp>
+        <p:cxnSp>
+          <p:nvCxnSpPr>
+            <p:cNvPr id="40" name="Rett linje 39"/>
+            <p:cNvCxnSpPr/>
+            <p:nvPr/>
+          </p:nvCxnSpPr>
+          <p:spPr>
+            <a:xfrm flipH="1">
+              <a:off x="9161492" y="1397889"/>
+              <a:ext cx="38198" cy="22054"/>
+            </a:xfrm>
+            <a:prstGeom prst="line">
+              <a:avLst/>
+            </a:prstGeom>
+            <a:ln w="12700">
+              <a:solidFill>
+                <a:srgbClr val="00A14A"/>
+              </a:solidFill>
+              <a:headEnd type="diamond" w="sm" len="sm"/>
+              <a:tailEnd type="none" w="sm" len="sm"/>
+            </a:ln>
+          </p:spPr>
+          <p:style>
+            <a:lnRef idx="1">
+              <a:schemeClr val="accent1"/>
+            </a:lnRef>
+            <a:fillRef idx="0">
+              <a:schemeClr val="accent1"/>
+            </a:fillRef>
+            <a:effectRef idx="0">
+              <a:schemeClr val="accent1"/>
+            </a:effectRef>
+            <a:fontRef idx="minor">
+              <a:schemeClr val="tx1"/>
+            </a:fontRef>
+          </p:style>
+        </p:cxnSp>
+        <p:cxnSp>
+          <p:nvCxnSpPr>
+            <p:cNvPr id="42" name="Rett linje 41"/>
+            <p:cNvCxnSpPr/>
+            <p:nvPr/>
+          </p:nvCxnSpPr>
+          <p:spPr>
+            <a:xfrm flipH="1">
+              <a:off x="8873489" y="1565277"/>
+              <a:ext cx="38198" cy="22054"/>
+            </a:xfrm>
+            <a:prstGeom prst="line">
+              <a:avLst/>
+            </a:prstGeom>
+            <a:ln w="12700">
+              <a:solidFill>
+                <a:srgbClr val="00A14A"/>
+              </a:solidFill>
+              <a:tailEnd type="diamond" w="sm" len="sm"/>
+            </a:ln>
+          </p:spPr>
+          <p:style>
+            <a:lnRef idx="1">
+              <a:schemeClr val="accent1"/>
+            </a:lnRef>
+            <a:fillRef idx="0">
+              <a:schemeClr val="accent1"/>
+            </a:fillRef>
+            <a:effectRef idx="0">
+              <a:schemeClr val="accent1"/>
+            </a:effectRef>
+            <a:fontRef idx="minor">
+              <a:schemeClr val="tx1"/>
+            </a:fontRef>
+          </p:style>
+        </p:cxnSp>
+        <p:cxnSp>
+          <p:nvCxnSpPr>
+            <p:cNvPr id="44" name="Rett linje 43"/>
+            <p:cNvCxnSpPr/>
+            <p:nvPr/>
+          </p:nvCxnSpPr>
+          <p:spPr>
+            <a:xfrm flipH="1">
+              <a:off x="8854699" y="1532002"/>
+              <a:ext cx="42606" cy="11416"/>
+            </a:xfrm>
+            <a:prstGeom prst="line">
+              <a:avLst/>
+            </a:prstGeom>
+            <a:ln w="12700">
+              <a:solidFill>
+                <a:srgbClr val="00A14A"/>
+              </a:solidFill>
+              <a:tailEnd type="diamond" w="sm" len="sm"/>
+            </a:ln>
+          </p:spPr>
+          <p:style>
+            <a:lnRef idx="1">
+              <a:schemeClr val="accent1"/>
+            </a:lnRef>
+            <a:fillRef idx="0">
+              <a:schemeClr val="accent1"/>
+            </a:fillRef>
+            <a:effectRef idx="0">
+              <a:schemeClr val="accent1"/>
+            </a:effectRef>
+            <a:fontRef idx="minor">
+              <a:schemeClr val="tx1"/>
+            </a:fontRef>
+          </p:style>
+        </p:cxnSp>
+        <p:cxnSp>
+          <p:nvCxnSpPr>
+            <p:cNvPr id="41" name="Rett linje 40"/>
+            <p:cNvCxnSpPr/>
+            <p:nvPr/>
+          </p:nvCxnSpPr>
+          <p:spPr>
+            <a:xfrm>
+              <a:off x="9074240" y="1628427"/>
+              <a:ext cx="11416" cy="42606"/>
+            </a:xfrm>
+            <a:prstGeom prst="line">
+              <a:avLst/>
+            </a:prstGeom>
+            <a:ln w="12700">
+              <a:solidFill>
+                <a:srgbClr val="00A14A"/>
+              </a:solidFill>
+              <a:tailEnd type="diamond" w="sm" len="sm"/>
+            </a:ln>
+          </p:spPr>
+          <p:style>
+            <a:lnRef idx="1">
+              <a:schemeClr val="accent1"/>
+            </a:lnRef>
+            <a:fillRef idx="0">
+              <a:schemeClr val="accent1"/>
+            </a:fillRef>
+            <a:effectRef idx="0">
+              <a:schemeClr val="accent1"/>
+            </a:effectRef>
+            <a:fontRef idx="minor">
+              <a:schemeClr val="tx1"/>
+            </a:fontRef>
+          </p:style>
+        </p:cxnSp>
+        <p:cxnSp>
+          <p:nvCxnSpPr>
+            <p:cNvPr id="43" name="Rett linje 42"/>
+            <p:cNvCxnSpPr/>
+            <p:nvPr/>
+          </p:nvCxnSpPr>
+          <p:spPr>
+            <a:xfrm>
+              <a:off x="8938260" y="1327785"/>
+              <a:ext cx="19189" cy="35750"/>
+            </a:xfrm>
+            <a:prstGeom prst="line">
+              <a:avLst/>
+            </a:prstGeom>
+            <a:ln w="12700">
+              <a:solidFill>
+                <a:srgbClr val="00A14A"/>
+              </a:solidFill>
+              <a:headEnd type="diamond" w="sm" len="sm"/>
+              <a:tailEnd type="none" w="sm" len="sm"/>
+            </a:ln>
+          </p:spPr>
+          <p:style>
+            <a:lnRef idx="1">
+              <a:schemeClr val="accent1"/>
+            </a:lnRef>
+            <a:fillRef idx="0">
+              <a:schemeClr val="accent1"/>
+            </a:fillRef>
+            <a:effectRef idx="0">
+              <a:schemeClr val="accent1"/>
+            </a:effectRef>
+            <a:fontRef idx="minor">
+              <a:schemeClr val="tx1"/>
+            </a:fontRef>
+          </p:style>
+        </p:cxnSp>
+        <p:cxnSp>
+          <p:nvCxnSpPr>
+            <p:cNvPr id="46" name="Rett linje 45"/>
+            <p:cNvCxnSpPr/>
+            <p:nvPr/>
+          </p:nvCxnSpPr>
+          <p:spPr>
+            <a:xfrm>
+              <a:off x="8981403" y="1307627"/>
+              <a:ext cx="11416" cy="42606"/>
+            </a:xfrm>
+            <a:prstGeom prst="line">
+              <a:avLst/>
+            </a:prstGeom>
+            <a:ln w="12700">
+              <a:solidFill>
+                <a:srgbClr val="00A14A"/>
+              </a:solidFill>
+              <a:headEnd type="diamond" w="sm" len="sm"/>
+              <a:tailEnd type="none" w="sm" len="sm"/>
+            </a:ln>
+          </p:spPr>
+          <p:style>
+            <a:lnRef idx="1">
+              <a:schemeClr val="accent1"/>
+            </a:lnRef>
+            <a:fillRef idx="0">
+              <a:schemeClr val="accent1"/>
+            </a:fillRef>
+            <a:effectRef idx="0">
+              <a:schemeClr val="accent1"/>
+            </a:effectRef>
+            <a:fontRef idx="minor">
+              <a:schemeClr val="tx1"/>
+            </a:fontRef>
+          </p:style>
+        </p:cxnSp>
+        <p:cxnSp>
+          <p:nvCxnSpPr>
+            <p:cNvPr id="47" name="Rett linje 46"/>
+            <p:cNvCxnSpPr/>
+            <p:nvPr/>
+          </p:nvCxnSpPr>
+          <p:spPr>
+            <a:xfrm>
+              <a:off x="9034412" y="1298908"/>
+              <a:ext cx="0" cy="44108"/>
+            </a:xfrm>
+            <a:prstGeom prst="line">
+              <a:avLst/>
+            </a:prstGeom>
+            <a:ln w="12700">
+              <a:solidFill>
+                <a:srgbClr val="00A14A"/>
+              </a:solidFill>
+              <a:headEnd type="diamond" w="sm" len="sm"/>
+              <a:tailEnd type="none" w="sm" len="sm"/>
+            </a:ln>
+          </p:spPr>
+          <p:style>
+            <a:lnRef idx="1">
+              <a:schemeClr val="accent1"/>
+            </a:lnRef>
+            <a:fillRef idx="0">
+              <a:schemeClr val="accent1"/>
+            </a:fillRef>
+            <a:effectRef idx="0">
+              <a:schemeClr val="accent1"/>
+            </a:effectRef>
+            <a:fontRef idx="minor">
+              <a:schemeClr val="tx1"/>
+            </a:fontRef>
+          </p:style>
+        </p:cxnSp>
+        <p:cxnSp>
+          <p:nvCxnSpPr>
+            <p:cNvPr id="48" name="Rett linje 47"/>
+            <p:cNvCxnSpPr/>
+            <p:nvPr/>
+          </p:nvCxnSpPr>
+          <p:spPr>
+            <a:xfrm>
+              <a:off x="9109669" y="1609851"/>
+              <a:ext cx="22054" cy="38198"/>
+            </a:xfrm>
+            <a:prstGeom prst="line">
+              <a:avLst/>
+            </a:prstGeom>
+            <a:ln w="12700">
+              <a:solidFill>
+                <a:srgbClr val="00A14A"/>
+              </a:solidFill>
+              <a:tailEnd type="diamond" w="sm" len="sm"/>
+            </a:ln>
+          </p:spPr>
+          <p:style>
+            <a:lnRef idx="1">
+              <a:schemeClr val="accent1"/>
+            </a:lnRef>
+            <a:fillRef idx="0">
+              <a:schemeClr val="accent1"/>
+            </a:fillRef>
+            <a:effectRef idx="0">
+              <a:schemeClr val="accent1"/>
+            </a:effectRef>
+            <a:fontRef idx="minor">
+              <a:schemeClr val="tx1"/>
+            </a:fontRef>
+          </p:style>
+        </p:cxnSp>
       </p:grpSp>
-      <p:sp>
-        <p:nvSpPr>
-          <p:cNvPr id="7" name="Ellipse 6"/>
-          <p:cNvSpPr/>
-          <p:nvPr/>
-        </p:nvSpPr>
-        <p:spPr>
-          <a:xfrm>
-            <a:off x="6424991" y="3405057"/>
-            <a:ext cx="213359" cy="213359"/>
-          </a:xfrm>
-          <a:prstGeom prst="ellipse">
-            <a:avLst/>
-          </a:prstGeom>
-          <a:solidFill>
-            <a:srgbClr val="00A14A"/>
-          </a:solidFill>
-          <a:ln>
-            <a:solidFill>
-              <a:srgbClr val="00A14A"/>
-            </a:solidFill>
-          </a:ln>
-        </p:spPr>
-        <p:style>
-          <a:lnRef idx="2">
-            <a:schemeClr val="accent1">
-              <a:shade val="50000"/>
-            </a:schemeClr>
-          </a:lnRef>
-          <a:fillRef idx="1">
-            <a:schemeClr val="accent1"/>
-          </a:fillRef>
-          <a:effectRef idx="0">
-            <a:schemeClr val="accent1"/>
-          </a:effectRef>
-          <a:fontRef idx="minor">
-            <a:schemeClr val="lt1"/>
-          </a:fontRef>
-        </p:style>
-        <p:txBody>
-          <a:bodyPr rtlCol="0" anchor="ctr"/>
-          <a:lstStyle/>
-          <a:p>
-            <a:pPr algn="ctr"/>
-            <a:endParaRPr lang="nb-NO"/>
-          </a:p>
-        </p:txBody>
-      </p:sp>
-      <p:sp>
-        <p:nvSpPr>
-          <p:cNvPr id="16" name="Ellipse 15"/>
-          <p:cNvSpPr/>
-          <p:nvPr/>
-        </p:nvSpPr>
-        <p:spPr>
-          <a:xfrm>
-            <a:off x="6152953" y="3661029"/>
-            <a:ext cx="213359" cy="213359"/>
-          </a:xfrm>
-          <a:prstGeom prst="ellipse">
-            <a:avLst/>
-          </a:prstGeom>
-          <a:solidFill>
-            <a:srgbClr val="00A6EB"/>
-          </a:solidFill>
-          <a:ln>
-            <a:solidFill>
-              <a:srgbClr val="00A6EB"/>
-            </a:solidFill>
-          </a:ln>
-        </p:spPr>
-        <p:style>
-          <a:lnRef idx="2">
-            <a:schemeClr val="accent1">
-              <a:shade val="50000"/>
-            </a:schemeClr>
-          </a:lnRef>
-          <a:fillRef idx="1">
-            <a:schemeClr val="accent1"/>
-          </a:fillRef>
-          <a:effectRef idx="0">
-            <a:schemeClr val="accent1"/>
-          </a:effectRef>
-          <a:fontRef idx="minor">
-            <a:schemeClr val="lt1"/>
-          </a:fontRef>
-        </p:style>
-        <p:txBody>
-          <a:bodyPr rtlCol="0" anchor="ctr"/>
-          <a:lstStyle/>
-          <a:p>
-            <a:pPr algn="ctr"/>
-            <a:endParaRPr lang="nb-NO"/>
-          </a:p>
-        </p:txBody>
-      </p:sp>
       <p:grpSp>
         <p:nvGrpSpPr>
-          <p:cNvPr id="10" name="Gruppe 9"/>
+          <p:cNvPr id="100" name="Gruppe 99"/>
           <p:cNvGrpSpPr/>
           <p:nvPr/>
         </p:nvGrpSpPr>
         <p:grpSpPr>
-          <a:xfrm rot="-1440000">
-            <a:off x="6032952" y="3249024"/>
-            <a:ext cx="453358" cy="217122"/>
-            <a:chOff x="2155787" y="1179097"/>
-            <a:chExt cx="453358" cy="217122"/>
+          <a:xfrm>
+            <a:off x="8490849" y="2361370"/>
+            <a:ext cx="241057" cy="386783"/>
+            <a:chOff x="8490849" y="2361370"/>
+            <a:chExt cx="241057" cy="386783"/>
           </a:xfrm>
         </p:grpSpPr>
         <p:sp>
           <p:nvSpPr>
-            <p:cNvPr id="8" name="Rektangel 7"/>
+            <p:cNvPr id="16" name="Ellipse 15"/>
             <p:cNvSpPr>
               <a:spLocks/>
             </p:cNvSpPr>
@@ -7091,14 +7712,14 @@
           </p:nvSpPr>
           <p:spPr>
             <a:xfrm>
-              <a:off x="2261065" y="1189953"/>
-              <a:ext cx="242802" cy="195410"/>
+              <a:off x="8520989" y="2389716"/>
+              <a:ext cx="180000" cy="180000"/>
             </a:xfrm>
-            <a:prstGeom prst="rect">
+            <a:prstGeom prst="ellipse">
               <a:avLst/>
             </a:prstGeom>
             <a:solidFill>
-              <a:srgbClr val="DE2212"/>
+              <a:srgbClr val="00A6EB"/>
             </a:solidFill>
             <a:ln>
               <a:noFill/>
@@ -7131,22 +7752,20 @@
         </p:sp>
         <p:sp>
           <p:nvSpPr>
-            <p:cNvPr id="17" name="Ellipse 16"/>
-            <p:cNvSpPr>
-              <a:spLocks/>
-            </p:cNvSpPr>
+            <p:cNvPr id="68" name="Rektangel 67"/>
+            <p:cNvSpPr/>
             <p:nvPr/>
           </p:nvSpPr>
           <p:spPr>
             <a:xfrm>
-              <a:off x="2343580" y="1179097"/>
-              <a:ext cx="265565" cy="217122"/>
+              <a:off x="8520989" y="2467799"/>
+              <a:ext cx="180000" cy="255030"/>
             </a:xfrm>
-            <a:prstGeom prst="ellipse">
+            <a:prstGeom prst="rect">
               <a:avLst/>
             </a:prstGeom>
             <a:solidFill>
-              <a:srgbClr val="DE2212"/>
+              <a:srgbClr val="00A6EB"/>
             </a:solidFill>
             <a:ln>
               <a:noFill/>
@@ -7177,27 +7796,802 @@
             </a:p>
           </p:txBody>
         </p:sp>
+        <p:cxnSp>
+          <p:nvCxnSpPr>
+            <p:cNvPr id="76" name="Rett pilkobling 75"/>
+            <p:cNvCxnSpPr/>
+            <p:nvPr/>
+          </p:nvCxnSpPr>
+          <p:spPr>
+            <a:xfrm rot="12300000" flipH="1">
+              <a:off x="8657403" y="2370567"/>
+              <a:ext cx="0" cy="52972"/>
+            </a:xfrm>
+            <a:prstGeom prst="straightConnector1">
+              <a:avLst/>
+            </a:prstGeom>
+            <a:ln w="12700">
+              <a:solidFill>
+                <a:srgbClr val="00A6EB"/>
+              </a:solidFill>
+              <a:tailEnd type="diamond" w="sm" len="sm"/>
+            </a:ln>
+          </p:spPr>
+          <p:style>
+            <a:lnRef idx="1">
+              <a:schemeClr val="accent1"/>
+            </a:lnRef>
+            <a:fillRef idx="0">
+              <a:schemeClr val="accent1"/>
+            </a:fillRef>
+            <a:effectRef idx="0">
+              <a:schemeClr val="accent1"/>
+            </a:effectRef>
+            <a:fontRef idx="minor">
+              <a:schemeClr val="tx1"/>
+            </a:fontRef>
+          </p:style>
+        </p:cxnSp>
+        <p:cxnSp>
+          <p:nvCxnSpPr>
+            <p:cNvPr id="78" name="Rett pilkobling 77"/>
+            <p:cNvCxnSpPr/>
+            <p:nvPr/>
+          </p:nvCxnSpPr>
+          <p:spPr>
+            <a:xfrm rot="5400000">
+              <a:off x="8701416" y="2486616"/>
+              <a:ext cx="0" cy="52972"/>
+            </a:xfrm>
+            <a:prstGeom prst="straightConnector1">
+              <a:avLst/>
+            </a:prstGeom>
+            <a:ln w="12700">
+              <a:solidFill>
+                <a:srgbClr val="00A6EB"/>
+              </a:solidFill>
+              <a:headEnd type="diamond" w="sm" len="sm"/>
+              <a:tailEnd type="none" w="sm" len="sm"/>
+            </a:ln>
+          </p:spPr>
+          <p:style>
+            <a:lnRef idx="1">
+              <a:schemeClr val="accent1"/>
+            </a:lnRef>
+            <a:fillRef idx="0">
+              <a:schemeClr val="accent1"/>
+            </a:fillRef>
+            <a:effectRef idx="0">
+              <a:schemeClr val="accent1"/>
+            </a:effectRef>
+            <a:fontRef idx="minor">
+              <a:schemeClr val="tx1"/>
+            </a:fontRef>
+          </p:style>
+        </p:cxnSp>
+        <p:cxnSp>
+          <p:nvCxnSpPr>
+            <p:cNvPr id="80" name="Rett pilkobling 79"/>
+            <p:cNvCxnSpPr/>
+            <p:nvPr/>
+          </p:nvCxnSpPr>
+          <p:spPr>
+            <a:xfrm>
+              <a:off x="8613375" y="2361370"/>
+              <a:ext cx="0" cy="52972"/>
+            </a:xfrm>
+            <a:prstGeom prst="straightConnector1">
+              <a:avLst/>
+            </a:prstGeom>
+            <a:ln w="12700">
+              <a:solidFill>
+                <a:srgbClr val="00A6EB"/>
+              </a:solidFill>
+              <a:headEnd type="diamond" w="sm" len="sm"/>
+              <a:tailEnd type="none" w="sm" len="sm"/>
+            </a:ln>
+          </p:spPr>
+          <p:style>
+            <a:lnRef idx="1">
+              <a:schemeClr val="accent1"/>
+            </a:lnRef>
+            <a:fillRef idx="0">
+              <a:schemeClr val="accent1"/>
+            </a:fillRef>
+            <a:effectRef idx="0">
+              <a:schemeClr val="accent1"/>
+            </a:effectRef>
+            <a:fontRef idx="minor">
+              <a:schemeClr val="tx1"/>
+            </a:fontRef>
+          </p:style>
+        </p:cxnSp>
+        <p:cxnSp>
+          <p:nvCxnSpPr>
+            <p:cNvPr id="81" name="Rett pilkobling 80"/>
+            <p:cNvCxnSpPr/>
+            <p:nvPr/>
+          </p:nvCxnSpPr>
+          <p:spPr>
+            <a:xfrm>
+              <a:off x="8669394" y="2695181"/>
+              <a:ext cx="0" cy="52972"/>
+            </a:xfrm>
+            <a:prstGeom prst="straightConnector1">
+              <a:avLst/>
+            </a:prstGeom>
+            <a:ln w="12700">
+              <a:solidFill>
+                <a:srgbClr val="00A6EB"/>
+              </a:solidFill>
+              <a:tailEnd type="diamond" w="sm" len="sm"/>
+            </a:ln>
+          </p:spPr>
+          <p:style>
+            <a:lnRef idx="1">
+              <a:schemeClr val="accent1"/>
+            </a:lnRef>
+            <a:fillRef idx="0">
+              <a:schemeClr val="accent1"/>
+            </a:fillRef>
+            <a:effectRef idx="0">
+              <a:schemeClr val="accent1"/>
+            </a:effectRef>
+            <a:fontRef idx="minor">
+              <a:schemeClr val="tx1"/>
+            </a:fontRef>
+          </p:style>
+        </p:cxnSp>
+        <p:cxnSp>
+          <p:nvCxnSpPr>
+            <p:cNvPr id="82" name="Rett pilkobling 81"/>
+            <p:cNvCxnSpPr/>
+            <p:nvPr/>
+          </p:nvCxnSpPr>
+          <p:spPr>
+            <a:xfrm>
+              <a:off x="8545341" y="2695181"/>
+              <a:ext cx="0" cy="52972"/>
+            </a:xfrm>
+            <a:prstGeom prst="straightConnector1">
+              <a:avLst/>
+            </a:prstGeom>
+            <a:ln w="12700">
+              <a:solidFill>
+                <a:srgbClr val="00A6EB"/>
+              </a:solidFill>
+              <a:tailEnd type="diamond" w="sm" len="sm"/>
+            </a:ln>
+          </p:spPr>
+          <p:style>
+            <a:lnRef idx="1">
+              <a:schemeClr val="accent1"/>
+            </a:lnRef>
+            <a:fillRef idx="0">
+              <a:schemeClr val="accent1"/>
+            </a:fillRef>
+            <a:effectRef idx="0">
+              <a:schemeClr val="accent1"/>
+            </a:effectRef>
+            <a:fontRef idx="minor">
+              <a:schemeClr val="tx1"/>
+            </a:fontRef>
+          </p:style>
+        </p:cxnSp>
+        <p:cxnSp>
+          <p:nvCxnSpPr>
+            <p:cNvPr id="84" name="Rett pilkobling 83"/>
+            <p:cNvCxnSpPr/>
+            <p:nvPr/>
+          </p:nvCxnSpPr>
+          <p:spPr>
+            <a:xfrm rot="5400000">
+              <a:off x="8701416" y="2548644"/>
+              <a:ext cx="0" cy="52972"/>
+            </a:xfrm>
+            <a:prstGeom prst="straightConnector1">
+              <a:avLst/>
+            </a:prstGeom>
+            <a:ln w="12700">
+              <a:solidFill>
+                <a:srgbClr val="00A6EB"/>
+              </a:solidFill>
+              <a:headEnd type="diamond" w="sm" len="sm"/>
+              <a:tailEnd type="none" w="sm" len="sm"/>
+            </a:ln>
+          </p:spPr>
+          <p:style>
+            <a:lnRef idx="1">
+              <a:schemeClr val="accent1"/>
+            </a:lnRef>
+            <a:fillRef idx="0">
+              <a:schemeClr val="accent1"/>
+            </a:fillRef>
+            <a:effectRef idx="0">
+              <a:schemeClr val="accent1"/>
+            </a:effectRef>
+            <a:fontRef idx="minor">
+              <a:schemeClr val="tx1"/>
+            </a:fontRef>
+          </p:style>
+        </p:cxnSp>
+        <p:cxnSp>
+          <p:nvCxnSpPr>
+            <p:cNvPr id="85" name="Rett pilkobling 84"/>
+            <p:cNvCxnSpPr/>
+            <p:nvPr/>
+          </p:nvCxnSpPr>
+          <p:spPr>
+            <a:xfrm rot="5400000">
+              <a:off x="8701416" y="2668695"/>
+              <a:ext cx="0" cy="52972"/>
+            </a:xfrm>
+            <a:prstGeom prst="straightConnector1">
+              <a:avLst/>
+            </a:prstGeom>
+            <a:ln w="12700">
+              <a:solidFill>
+                <a:srgbClr val="00A6EB"/>
+              </a:solidFill>
+              <a:headEnd type="diamond" w="sm" len="sm"/>
+              <a:tailEnd type="none" w="sm" len="sm"/>
+            </a:ln>
+          </p:spPr>
+          <p:style>
+            <a:lnRef idx="1">
+              <a:schemeClr val="accent1"/>
+            </a:lnRef>
+            <a:fillRef idx="0">
+              <a:schemeClr val="accent1"/>
+            </a:fillRef>
+            <a:effectRef idx="0">
+              <a:schemeClr val="accent1"/>
+            </a:effectRef>
+            <a:fontRef idx="minor">
+              <a:schemeClr val="tx1"/>
+            </a:fontRef>
+          </p:style>
+        </p:cxnSp>
+        <p:cxnSp>
+          <p:nvCxnSpPr>
+            <p:cNvPr id="86" name="Rett pilkobling 85"/>
+            <p:cNvCxnSpPr/>
+            <p:nvPr/>
+          </p:nvCxnSpPr>
+          <p:spPr>
+            <a:xfrm flipH="1">
+              <a:off x="8677797" y="2633155"/>
+              <a:ext cx="50105" cy="1999"/>
+            </a:xfrm>
+            <a:prstGeom prst="straightConnector1">
+              <a:avLst/>
+            </a:prstGeom>
+            <a:ln w="12700">
+              <a:solidFill>
+                <a:srgbClr val="00A6EB"/>
+              </a:solidFill>
+              <a:headEnd type="diamond" w="sm" len="sm"/>
+              <a:tailEnd type="none" w="sm" len="sm"/>
+            </a:ln>
+          </p:spPr>
+          <p:style>
+            <a:lnRef idx="1">
+              <a:schemeClr val="accent1"/>
+            </a:lnRef>
+            <a:fillRef idx="0">
+              <a:schemeClr val="accent1"/>
+            </a:fillRef>
+            <a:effectRef idx="0">
+              <a:schemeClr val="accent1"/>
+            </a:effectRef>
+            <a:fontRef idx="minor">
+              <a:schemeClr val="tx1"/>
+            </a:fontRef>
+          </p:style>
+        </p:cxnSp>
+        <p:cxnSp>
+          <p:nvCxnSpPr>
+            <p:cNvPr id="87" name="Rett pilkobling 86"/>
+            <p:cNvCxnSpPr/>
+            <p:nvPr/>
+          </p:nvCxnSpPr>
+          <p:spPr>
+            <a:xfrm rot="5400000">
+              <a:off x="8517335" y="2492619"/>
+              <a:ext cx="0" cy="52972"/>
+            </a:xfrm>
+            <a:prstGeom prst="straightConnector1">
+              <a:avLst/>
+            </a:prstGeom>
+            <a:ln w="12700">
+              <a:solidFill>
+                <a:srgbClr val="00A6EB"/>
+              </a:solidFill>
+              <a:tailEnd type="diamond" w="sm" len="sm"/>
+            </a:ln>
+          </p:spPr>
+          <p:style>
+            <a:lnRef idx="1">
+              <a:schemeClr val="accent1"/>
+            </a:lnRef>
+            <a:fillRef idx="0">
+              <a:schemeClr val="accent1"/>
+            </a:fillRef>
+            <a:effectRef idx="0">
+              <a:schemeClr val="accent1"/>
+            </a:effectRef>
+            <a:fontRef idx="minor">
+              <a:schemeClr val="tx1"/>
+            </a:fontRef>
+          </p:style>
+        </p:cxnSp>
+        <p:cxnSp>
+          <p:nvCxnSpPr>
+            <p:cNvPr id="88" name="Rett pilkobling 87"/>
+            <p:cNvCxnSpPr/>
+            <p:nvPr/>
+          </p:nvCxnSpPr>
+          <p:spPr>
+            <a:xfrm rot="5400000">
+              <a:off x="8517335" y="2548644"/>
+              <a:ext cx="0" cy="52972"/>
+            </a:xfrm>
+            <a:prstGeom prst="straightConnector1">
+              <a:avLst/>
+            </a:prstGeom>
+            <a:ln w="12700">
+              <a:solidFill>
+                <a:srgbClr val="00A6EB"/>
+              </a:solidFill>
+              <a:tailEnd type="diamond" w="sm" len="sm"/>
+            </a:ln>
+          </p:spPr>
+          <p:style>
+            <a:lnRef idx="1">
+              <a:schemeClr val="accent1"/>
+            </a:lnRef>
+            <a:fillRef idx="0">
+              <a:schemeClr val="accent1"/>
+            </a:fillRef>
+            <a:effectRef idx="0">
+              <a:schemeClr val="accent1"/>
+            </a:effectRef>
+            <a:fontRef idx="minor">
+              <a:schemeClr val="tx1"/>
+            </a:fontRef>
+          </p:style>
+        </p:cxnSp>
+        <p:cxnSp>
+          <p:nvCxnSpPr>
+            <p:cNvPr id="89" name="Rett pilkobling 88"/>
+            <p:cNvCxnSpPr/>
+            <p:nvPr/>
+          </p:nvCxnSpPr>
+          <p:spPr>
+            <a:xfrm rot="5400000">
+              <a:off x="8517335" y="2668695"/>
+              <a:ext cx="0" cy="52972"/>
+            </a:xfrm>
+            <a:prstGeom prst="straightConnector1">
+              <a:avLst/>
+            </a:prstGeom>
+            <a:ln w="12700">
+              <a:solidFill>
+                <a:srgbClr val="00A6EB"/>
+              </a:solidFill>
+              <a:tailEnd type="diamond" w="sm" len="sm"/>
+            </a:ln>
+          </p:spPr>
+          <p:style>
+            <a:lnRef idx="1">
+              <a:schemeClr val="accent1"/>
+            </a:lnRef>
+            <a:fillRef idx="0">
+              <a:schemeClr val="accent1"/>
+            </a:fillRef>
+            <a:effectRef idx="0">
+              <a:schemeClr val="accent1"/>
+            </a:effectRef>
+            <a:fontRef idx="minor">
+              <a:schemeClr val="tx1"/>
+            </a:fontRef>
+          </p:style>
+        </p:cxnSp>
+        <p:cxnSp>
+          <p:nvCxnSpPr>
+            <p:cNvPr id="90" name="Rett pilkobling 89"/>
+            <p:cNvCxnSpPr/>
+            <p:nvPr/>
+          </p:nvCxnSpPr>
+          <p:spPr>
+            <a:xfrm flipH="1">
+              <a:off x="8493716" y="2633155"/>
+              <a:ext cx="50105" cy="1999"/>
+            </a:xfrm>
+            <a:prstGeom prst="straightConnector1">
+              <a:avLst/>
+            </a:prstGeom>
+            <a:ln w="12700">
+              <a:solidFill>
+                <a:srgbClr val="00A6EB"/>
+              </a:solidFill>
+              <a:tailEnd type="diamond" w="sm" len="sm"/>
+            </a:ln>
+          </p:spPr>
+          <p:style>
+            <a:lnRef idx="1">
+              <a:schemeClr val="accent1"/>
+            </a:lnRef>
+            <a:fillRef idx="0">
+              <a:schemeClr val="accent1"/>
+            </a:fillRef>
+            <a:effectRef idx="0">
+              <a:schemeClr val="accent1"/>
+            </a:effectRef>
+            <a:fontRef idx="minor">
+              <a:schemeClr val="tx1"/>
+            </a:fontRef>
+          </p:style>
+        </p:cxnSp>
+        <p:cxnSp>
+          <p:nvCxnSpPr>
+            <p:cNvPr id="92" name="Rett pilkobling 91"/>
+            <p:cNvCxnSpPr/>
+            <p:nvPr/>
+          </p:nvCxnSpPr>
+          <p:spPr>
+            <a:xfrm>
+              <a:off x="8607372" y="2695181"/>
+              <a:ext cx="0" cy="52972"/>
+            </a:xfrm>
+            <a:prstGeom prst="straightConnector1">
+              <a:avLst/>
+            </a:prstGeom>
+            <a:ln w="12700">
+              <a:solidFill>
+                <a:srgbClr val="00A6EB"/>
+              </a:solidFill>
+              <a:tailEnd type="diamond" w="sm" len="sm"/>
+            </a:ln>
+          </p:spPr>
+          <p:style>
+            <a:lnRef idx="1">
+              <a:schemeClr val="accent1"/>
+            </a:lnRef>
+            <a:fillRef idx="0">
+              <a:schemeClr val="accent1"/>
+            </a:fillRef>
+            <a:effectRef idx="0">
+              <a:schemeClr val="accent1"/>
+            </a:effectRef>
+            <a:fontRef idx="minor">
+              <a:schemeClr val="tx1"/>
+            </a:fontRef>
+          </p:style>
+        </p:cxnSp>
+        <p:cxnSp>
+          <p:nvCxnSpPr>
+            <p:cNvPr id="95" name="Rett pilkobling 94"/>
+            <p:cNvCxnSpPr/>
+            <p:nvPr/>
+          </p:nvCxnSpPr>
+          <p:spPr>
+            <a:xfrm rot="900000" flipH="1">
+              <a:off x="8493720" y="2463082"/>
+              <a:ext cx="50105" cy="1999"/>
+            </a:xfrm>
+            <a:prstGeom prst="straightConnector1">
+              <a:avLst/>
+            </a:prstGeom>
+            <a:ln w="12700">
+              <a:solidFill>
+                <a:srgbClr val="00A6EB"/>
+              </a:solidFill>
+              <a:tailEnd type="diamond" w="sm" len="sm"/>
+            </a:ln>
+          </p:spPr>
+          <p:style>
+            <a:lnRef idx="1">
+              <a:schemeClr val="accent1"/>
+            </a:lnRef>
+            <a:fillRef idx="0">
+              <a:schemeClr val="accent1"/>
+            </a:fillRef>
+            <a:effectRef idx="0">
+              <a:schemeClr val="accent1"/>
+            </a:effectRef>
+            <a:fontRef idx="minor">
+              <a:schemeClr val="tx1"/>
+            </a:fontRef>
+          </p:style>
+        </p:cxnSp>
+        <p:cxnSp>
+          <p:nvCxnSpPr>
+            <p:cNvPr id="96" name="Rett pilkobling 95"/>
+            <p:cNvCxnSpPr/>
+            <p:nvPr/>
+          </p:nvCxnSpPr>
+          <p:spPr>
+            <a:xfrm rot="20700000">
+              <a:off x="8681801" y="2463082"/>
+              <a:ext cx="50105" cy="1999"/>
+            </a:xfrm>
+            <a:prstGeom prst="straightConnector1">
+              <a:avLst/>
+            </a:prstGeom>
+            <a:ln w="12700">
+              <a:solidFill>
+                <a:srgbClr val="00A6EB"/>
+              </a:solidFill>
+              <a:tailEnd type="diamond" w="sm" len="sm"/>
+            </a:ln>
+          </p:spPr>
+          <p:style>
+            <a:lnRef idx="1">
+              <a:schemeClr val="accent1"/>
+            </a:lnRef>
+            <a:fillRef idx="0">
+              <a:schemeClr val="accent1"/>
+            </a:fillRef>
+            <a:effectRef idx="0">
+              <a:schemeClr val="accent1"/>
+            </a:effectRef>
+            <a:fontRef idx="minor">
+              <a:schemeClr val="tx1"/>
+            </a:fontRef>
+          </p:style>
+        </p:cxnSp>
+        <p:cxnSp>
+          <p:nvCxnSpPr>
+            <p:cNvPr id="97" name="Rett pilkobling 96"/>
+            <p:cNvCxnSpPr/>
+            <p:nvPr/>
+          </p:nvCxnSpPr>
+          <p:spPr>
+            <a:xfrm rot="13500000" flipH="1">
+              <a:off x="8689411" y="2400582"/>
+              <a:ext cx="0" cy="52972"/>
+            </a:xfrm>
+            <a:prstGeom prst="straightConnector1">
+              <a:avLst/>
+            </a:prstGeom>
+            <a:ln w="12700">
+              <a:solidFill>
+                <a:srgbClr val="00A6EB"/>
+              </a:solidFill>
+              <a:tailEnd type="diamond" w="sm" len="sm"/>
+            </a:ln>
+          </p:spPr>
+          <p:style>
+            <a:lnRef idx="1">
+              <a:schemeClr val="accent1"/>
+            </a:lnRef>
+            <a:fillRef idx="0">
+              <a:schemeClr val="accent1"/>
+            </a:fillRef>
+            <a:effectRef idx="0">
+              <a:schemeClr val="accent1"/>
+            </a:effectRef>
+            <a:fontRef idx="minor">
+              <a:schemeClr val="tx1"/>
+            </a:fontRef>
+          </p:style>
+        </p:cxnSp>
+        <p:cxnSp>
+          <p:nvCxnSpPr>
+            <p:cNvPr id="98" name="Rett pilkobling 97"/>
+            <p:cNvCxnSpPr/>
+            <p:nvPr/>
+          </p:nvCxnSpPr>
+          <p:spPr>
+            <a:xfrm rot="9300000">
+              <a:off x="8571362" y="2374569"/>
+              <a:ext cx="0" cy="52972"/>
+            </a:xfrm>
+            <a:prstGeom prst="straightConnector1">
+              <a:avLst/>
+            </a:prstGeom>
+            <a:ln w="12700">
+              <a:solidFill>
+                <a:srgbClr val="00A6EB"/>
+              </a:solidFill>
+              <a:tailEnd type="diamond" w="sm" len="sm"/>
+            </a:ln>
+          </p:spPr>
+          <p:style>
+            <a:lnRef idx="1">
+              <a:schemeClr val="accent1"/>
+            </a:lnRef>
+            <a:fillRef idx="0">
+              <a:schemeClr val="accent1"/>
+            </a:fillRef>
+            <a:effectRef idx="0">
+              <a:schemeClr val="accent1"/>
+            </a:effectRef>
+            <a:fontRef idx="minor">
+              <a:schemeClr val="tx1"/>
+            </a:fontRef>
+          </p:style>
+        </p:cxnSp>
+        <p:cxnSp>
+          <p:nvCxnSpPr>
+            <p:cNvPr id="99" name="Rett pilkobling 98"/>
+            <p:cNvCxnSpPr/>
+            <p:nvPr/>
+          </p:nvCxnSpPr>
+          <p:spPr>
+            <a:xfrm rot="8100000">
+              <a:off x="8535344" y="2402583"/>
+              <a:ext cx="0" cy="52972"/>
+            </a:xfrm>
+            <a:prstGeom prst="straightConnector1">
+              <a:avLst/>
+            </a:prstGeom>
+            <a:ln w="12700">
+              <a:solidFill>
+                <a:srgbClr val="00A6EB"/>
+              </a:solidFill>
+              <a:tailEnd type="diamond" w="sm" len="sm"/>
+            </a:ln>
+          </p:spPr>
+          <p:style>
+            <a:lnRef idx="1">
+              <a:schemeClr val="accent1"/>
+            </a:lnRef>
+            <a:fillRef idx="0">
+              <a:schemeClr val="accent1"/>
+            </a:fillRef>
+            <a:effectRef idx="0">
+              <a:schemeClr val="accent1"/>
+            </a:effectRef>
+            <a:fontRef idx="minor">
+              <a:schemeClr val="tx1"/>
+            </a:fontRef>
+          </p:style>
+        </p:cxnSp>
+      </p:grpSp>
+      <p:grpSp>
+        <p:nvGrpSpPr>
+          <p:cNvPr id="103" name="Gruppe 102"/>
+          <p:cNvGrpSpPr/>
+          <p:nvPr/>
+        </p:nvGrpSpPr>
+        <p:grpSpPr>
+          <a:xfrm>
+            <a:off x="4735200" y="2244483"/>
+            <a:ext cx="2721600" cy="2369033"/>
+            <a:chOff x="4735200" y="2244483"/>
+            <a:chExt cx="2721600" cy="2369033"/>
+          </a:xfrm>
+        </p:grpSpPr>
         <p:sp>
           <p:nvSpPr>
-            <p:cNvPr id="18" name="Ellipse 17"/>
+            <p:cNvPr id="2" name="Hexagon 35">
+              <a:extLst>
+                <a:ext uri="{FF2B5EF4-FFF2-40B4-BE49-F238E27FC236}">
+                  <a16:creationId xmlns:a16="http://schemas.microsoft.com/office/drawing/2014/main" id="{90E46B38-1301-774F-8904-FFF8966BD8C2}"/>
+                </a:ext>
+              </a:extLst>
+            </p:cNvPr>
             <p:cNvSpPr>
-              <a:spLocks/>
+              <a:spLocks noChangeAspect="1"/>
             </p:cNvSpPr>
             <p:nvPr/>
           </p:nvSpPr>
           <p:spPr>
+            <a:xfrm rot="1800000">
+              <a:off x="4735200" y="2244483"/>
+              <a:ext cx="2721600" cy="2369033"/>
+            </a:xfrm>
+            <a:prstGeom prst="hexagon">
+              <a:avLst>
+                <a:gd name="adj" fmla="val 28372"/>
+                <a:gd name="vf" fmla="val 115470"/>
+              </a:avLst>
+            </a:prstGeom>
+            <a:solidFill>
+              <a:srgbClr val="133E4D"/>
+            </a:solidFill>
+            <a:ln w="69850">
+              <a:solidFill>
+                <a:schemeClr val="tx1">
+                  <a:lumMod val="85000"/>
+                  <a:lumOff val="15000"/>
+                </a:schemeClr>
+              </a:solidFill>
+            </a:ln>
+          </p:spPr>
+          <p:style>
+            <a:lnRef idx="2">
+              <a:schemeClr val="accent1">
+                <a:shade val="50000"/>
+              </a:schemeClr>
+            </a:lnRef>
+            <a:fillRef idx="1">
+              <a:schemeClr val="accent1"/>
+            </a:fillRef>
+            <a:effectRef idx="0">
+              <a:schemeClr val="accent1"/>
+            </a:effectRef>
+            <a:fontRef idx="minor">
+              <a:schemeClr val="lt1"/>
+            </a:fontRef>
+          </p:style>
+          <p:txBody>
+            <a:bodyPr rtlCol="0" anchor="ctr"/>
+            <a:lstStyle/>
+            <a:p>
+              <a:pPr algn="ctr"/>
+              <a:endParaRPr lang="en-US" dirty="0"/>
+            </a:p>
+          </p:txBody>
+        </p:sp>
+        <p:sp>
+          <p:nvSpPr>
+            <p:cNvPr id="45" name="TekstSylinder 44"/>
+            <p:cNvSpPr txBox="1"/>
+            <p:nvPr/>
+          </p:nvSpPr>
+          <p:spPr>
             <a:xfrm>
-              <a:off x="2155787" y="1179097"/>
-              <a:ext cx="265565" cy="217122"/>
+              <a:off x="4951956" y="2496396"/>
+              <a:ext cx="2292096" cy="461665"/>
+            </a:xfrm>
+            <a:prstGeom prst="rect">
+              <a:avLst/>
+            </a:prstGeom>
+            <a:noFill/>
+          </p:spPr>
+          <p:txBody>
+            <a:bodyPr wrap="square" rtlCol="0">
+              <a:spAutoFit/>
+            </a:bodyPr>
+            <a:lstStyle/>
+            <a:p>
+              <a:pPr algn="ctr"/>
+              <a:r>
+                <a:rPr lang="nb-NO" sz="2400" dirty="0" err="1" smtClean="0">
+                  <a:solidFill>
+                    <a:schemeClr val="bg2">
+                      <a:lumMod val="90000"/>
+                    </a:schemeClr>
+                  </a:solidFill>
+                  <a:latin typeface="Trebuchet MS" panose="020B0603020202020204" pitchFamily="34" charset="0"/>
+                </a:rPr>
+                <a:t>OKplan</a:t>
+              </a:r>
+              <a:endParaRPr lang="nb-NO" sz="2400" dirty="0">
+                <a:solidFill>
+                  <a:schemeClr val="bg2">
+                    <a:lumMod val="90000"/>
+                  </a:schemeClr>
+                </a:solidFill>
+                <a:latin typeface="Trebuchet MS" panose="020B0603020202020204" pitchFamily="34" charset="0"/>
+              </a:endParaRPr>
+            </a:p>
+          </p:txBody>
+        </p:sp>
+        <p:sp>
+          <p:nvSpPr>
+            <p:cNvPr id="4" name="Ellipse 3"/>
+            <p:cNvSpPr/>
+            <p:nvPr/>
+          </p:nvSpPr>
+          <p:spPr>
+            <a:xfrm>
+              <a:off x="5848287" y="3048675"/>
+              <a:ext cx="963184" cy="979195"/>
             </a:xfrm>
             <a:prstGeom prst="ellipse">
               <a:avLst/>
             </a:prstGeom>
             <a:solidFill>
-              <a:srgbClr val="DE2212"/>
+              <a:schemeClr val="bg1"/>
             </a:solidFill>
-            <a:ln>
-              <a:noFill/>
+            <a:ln w="63500">
+              <a:solidFill>
+                <a:srgbClr val="979EA6"/>
+              </a:solidFill>
             </a:ln>
           </p:spPr>
           <p:style>
@@ -7225,764 +8619,337 @@
             </a:p>
           </p:txBody>
         </p:sp>
+        <p:grpSp>
+          <p:nvGrpSpPr>
+            <p:cNvPr id="19" name="Gruppe 18"/>
+            <p:cNvGrpSpPr/>
+            <p:nvPr/>
+          </p:nvGrpSpPr>
+          <p:grpSpPr>
+            <a:xfrm>
+              <a:off x="5185762" y="3693166"/>
+              <a:ext cx="712256" cy="316256"/>
+              <a:chOff x="5301656" y="3687070"/>
+              <a:chExt cx="712256" cy="316256"/>
+            </a:xfrm>
+          </p:grpSpPr>
+          <p:sp>
+            <p:nvSpPr>
+              <p:cNvPr id="6" name="Avrundet rektangel 5"/>
+              <p:cNvSpPr/>
+              <p:nvPr/>
+            </p:nvSpPr>
+            <p:spPr>
+              <a:xfrm rot="20040000">
+                <a:off x="5832438" y="3687070"/>
+                <a:ext cx="181474" cy="150982"/>
+              </a:xfrm>
+              <a:prstGeom prst="roundRect">
+                <a:avLst/>
+              </a:prstGeom>
+              <a:solidFill>
+                <a:srgbClr val="979EA6"/>
+              </a:solidFill>
+              <a:ln>
+                <a:solidFill>
+                  <a:srgbClr val="979EA6"/>
+                </a:solidFill>
+              </a:ln>
+            </p:spPr>
+            <p:style>
+              <a:lnRef idx="2">
+                <a:schemeClr val="accent1">
+                  <a:shade val="50000"/>
+                </a:schemeClr>
+              </a:lnRef>
+              <a:fillRef idx="1">
+                <a:schemeClr val="accent1"/>
+              </a:fillRef>
+              <a:effectRef idx="0">
+                <a:schemeClr val="accent1"/>
+              </a:effectRef>
+              <a:fontRef idx="minor">
+                <a:schemeClr val="lt1"/>
+              </a:fontRef>
+            </p:style>
+            <p:txBody>
+              <a:bodyPr rtlCol="0" anchor="ctr"/>
+              <a:lstStyle/>
+              <a:p>
+                <a:pPr algn="ctr"/>
+                <a:endParaRPr lang="nb-NO"/>
+              </a:p>
+            </p:txBody>
+          </p:sp>
+          <p:sp>
+            <p:nvSpPr>
+              <p:cNvPr id="3" name="Avrundet rektangel 2"/>
+              <p:cNvSpPr/>
+              <p:nvPr/>
+            </p:nvSpPr>
+            <p:spPr>
+              <a:xfrm rot="20040000">
+                <a:off x="5301656" y="3808774"/>
+                <a:ext cx="654646" cy="194552"/>
+              </a:xfrm>
+              <a:prstGeom prst="roundRect">
+                <a:avLst/>
+              </a:prstGeom>
+              <a:solidFill>
+                <a:srgbClr val="7C858E"/>
+              </a:solidFill>
+              <a:ln w="28575">
+                <a:solidFill>
+                  <a:srgbClr val="979EA6"/>
+                </a:solidFill>
+              </a:ln>
+            </p:spPr>
+            <p:style>
+              <a:lnRef idx="2">
+                <a:schemeClr val="accent1">
+                  <a:shade val="50000"/>
+                </a:schemeClr>
+              </a:lnRef>
+              <a:fillRef idx="1">
+                <a:schemeClr val="accent1"/>
+              </a:fillRef>
+              <a:effectRef idx="0">
+                <a:schemeClr val="accent1"/>
+              </a:effectRef>
+              <a:fontRef idx="minor">
+                <a:schemeClr val="lt1"/>
+              </a:fontRef>
+            </p:style>
+            <p:txBody>
+              <a:bodyPr rtlCol="0" anchor="ctr"/>
+              <a:lstStyle/>
+              <a:p>
+                <a:pPr algn="ctr"/>
+                <a:endParaRPr lang="nb-NO"/>
+              </a:p>
+            </p:txBody>
+          </p:sp>
+        </p:grpSp>
+        <p:grpSp>
+          <p:nvGrpSpPr>
+            <p:cNvPr id="10" name="Gruppe 9"/>
+            <p:cNvGrpSpPr/>
+            <p:nvPr/>
+          </p:nvGrpSpPr>
+          <p:grpSpPr>
+            <a:xfrm rot="-1440000">
+              <a:off x="6029189" y="3260313"/>
+              <a:ext cx="453358" cy="217122"/>
+              <a:chOff x="2155787" y="1179097"/>
+              <a:chExt cx="453358" cy="217122"/>
+            </a:xfrm>
+          </p:grpSpPr>
+          <p:sp>
+            <p:nvSpPr>
+              <p:cNvPr id="8" name="Rektangel 7"/>
+              <p:cNvSpPr>
+                <a:spLocks/>
+              </p:cNvSpPr>
+              <p:nvPr/>
+            </p:nvSpPr>
+            <p:spPr>
+              <a:xfrm>
+                <a:off x="2261065" y="1189953"/>
+                <a:ext cx="242802" cy="195410"/>
+              </a:xfrm>
+              <a:prstGeom prst="rect">
+                <a:avLst/>
+              </a:prstGeom>
+              <a:solidFill>
+                <a:srgbClr val="DE2212"/>
+              </a:solidFill>
+              <a:ln>
+                <a:noFill/>
+              </a:ln>
+            </p:spPr>
+            <p:style>
+              <a:lnRef idx="2">
+                <a:schemeClr val="accent1">
+                  <a:shade val="50000"/>
+                </a:schemeClr>
+              </a:lnRef>
+              <a:fillRef idx="1">
+                <a:schemeClr val="accent1"/>
+              </a:fillRef>
+              <a:effectRef idx="0">
+                <a:schemeClr val="accent1"/>
+              </a:effectRef>
+              <a:fontRef idx="minor">
+                <a:schemeClr val="lt1"/>
+              </a:fontRef>
+            </p:style>
+            <p:txBody>
+              <a:bodyPr rtlCol="0" anchor="ctr"/>
+              <a:lstStyle/>
+              <a:p>
+                <a:pPr algn="ctr"/>
+                <a:endParaRPr lang="nb-NO"/>
+              </a:p>
+            </p:txBody>
+          </p:sp>
+          <p:sp>
+            <p:nvSpPr>
+              <p:cNvPr id="17" name="Ellipse 16"/>
+              <p:cNvSpPr>
+                <a:spLocks/>
+              </p:cNvSpPr>
+              <p:nvPr/>
+            </p:nvSpPr>
+            <p:spPr>
+              <a:xfrm>
+                <a:off x="2343580" y="1179097"/>
+                <a:ext cx="265565" cy="217122"/>
+              </a:xfrm>
+              <a:prstGeom prst="ellipse">
+                <a:avLst/>
+              </a:prstGeom>
+              <a:solidFill>
+                <a:srgbClr val="DE2212"/>
+              </a:solidFill>
+              <a:ln>
+                <a:noFill/>
+              </a:ln>
+            </p:spPr>
+            <p:style>
+              <a:lnRef idx="2">
+                <a:schemeClr val="accent1">
+                  <a:shade val="50000"/>
+                </a:schemeClr>
+              </a:lnRef>
+              <a:fillRef idx="1">
+                <a:schemeClr val="accent1"/>
+              </a:fillRef>
+              <a:effectRef idx="0">
+                <a:schemeClr val="accent1"/>
+              </a:effectRef>
+              <a:fontRef idx="minor">
+                <a:schemeClr val="lt1"/>
+              </a:fontRef>
+            </p:style>
+            <p:txBody>
+              <a:bodyPr rtlCol="0" anchor="ctr"/>
+              <a:lstStyle/>
+              <a:p>
+                <a:pPr algn="ctr"/>
+                <a:endParaRPr lang="nb-NO"/>
+              </a:p>
+            </p:txBody>
+          </p:sp>
+          <p:sp>
+            <p:nvSpPr>
+              <p:cNvPr id="18" name="Ellipse 17"/>
+              <p:cNvSpPr>
+                <a:spLocks/>
+              </p:cNvSpPr>
+              <p:nvPr/>
+            </p:nvSpPr>
+            <p:spPr>
+              <a:xfrm>
+                <a:off x="2155787" y="1179097"/>
+                <a:ext cx="265565" cy="217122"/>
+              </a:xfrm>
+              <a:prstGeom prst="ellipse">
+                <a:avLst/>
+              </a:prstGeom>
+              <a:solidFill>
+                <a:srgbClr val="DE2212"/>
+              </a:solidFill>
+              <a:ln>
+                <a:noFill/>
+              </a:ln>
+            </p:spPr>
+            <p:style>
+              <a:lnRef idx="2">
+                <a:schemeClr val="accent1">
+                  <a:shade val="50000"/>
+                </a:schemeClr>
+              </a:lnRef>
+              <a:fillRef idx="1">
+                <a:schemeClr val="accent1"/>
+              </a:fillRef>
+              <a:effectRef idx="0">
+                <a:schemeClr val="accent1"/>
+              </a:effectRef>
+              <a:fontRef idx="minor">
+                <a:schemeClr val="lt1"/>
+              </a:fontRef>
+            </p:style>
+            <p:txBody>
+              <a:bodyPr rtlCol="0" anchor="ctr"/>
+              <a:lstStyle/>
+              <a:p>
+                <a:pPr algn="ctr"/>
+                <a:endParaRPr lang="nb-NO"/>
+              </a:p>
+            </p:txBody>
+          </p:sp>
+        </p:grpSp>
+        <p:pic>
+          <p:nvPicPr>
+            <p:cNvPr id="67" name="Bilde 66"/>
+            <p:cNvPicPr>
+              <a:picLocks noChangeAspect="1"/>
+            </p:cNvPicPr>
+            <p:nvPr/>
+          </p:nvPicPr>
+          <p:blipFill>
+            <a:blip r:embed="rId2">
+              <a:extLst>
+                <a:ext uri="{28A0092B-C50C-407E-A947-70E740481C1C}">
+                  <a14:useLocalDpi xmlns:a14="http://schemas.microsoft.com/office/drawing/2010/main" val="0"/>
+                </a:ext>
+              </a:extLst>
+            </a:blip>
+            <a:stretch>
+              <a:fillRect/>
+            </a:stretch>
+          </p:blipFill>
+          <p:spPr>
+            <a:xfrm>
+              <a:off x="6380878" y="3411846"/>
+              <a:ext cx="298730" cy="307265"/>
+            </a:xfrm>
+            <a:prstGeom prst="rect">
+              <a:avLst/>
+            </a:prstGeom>
+          </p:spPr>
+        </p:pic>
+        <p:pic>
+          <p:nvPicPr>
+            <p:cNvPr id="102" name="Bilde 101"/>
+            <p:cNvPicPr>
+              <a:picLocks noChangeAspect="1"/>
+            </p:cNvPicPr>
+            <p:nvPr/>
+          </p:nvPicPr>
+          <p:blipFill>
+            <a:blip r:embed="rId3" cstate="print">
+              <a:extLst>
+                <a:ext uri="{28A0092B-C50C-407E-A947-70E740481C1C}">
+                  <a14:useLocalDpi xmlns:a14="http://schemas.microsoft.com/office/drawing/2010/main" val="0"/>
+                </a:ext>
+              </a:extLst>
+            </a:blip>
+            <a:stretch>
+              <a:fillRect/>
+            </a:stretch>
+          </p:blipFill>
+          <p:spPr>
+            <a:xfrm rot="-3180000">
+              <a:off x="6155977" y="3552863"/>
+              <a:ext cx="179238" cy="267028"/>
+            </a:xfrm>
+            <a:prstGeom prst="rect">
+              <a:avLst/>
+            </a:prstGeom>
+          </p:spPr>
+        </p:pic>
       </p:grpSp>
-      <p:sp>
-        <p:nvSpPr>
-          <p:cNvPr id="11" name="Sekskant 10"/>
-          <p:cNvSpPr/>
-          <p:nvPr/>
-        </p:nvSpPr>
-        <p:spPr>
-          <a:xfrm>
-            <a:off x="8920112" y="1389121"/>
-            <a:ext cx="228600" cy="197069"/>
-          </a:xfrm>
-          <a:prstGeom prst="hexagon">
-            <a:avLst/>
-          </a:prstGeom>
-          <a:solidFill>
-            <a:srgbClr val="00A14A"/>
-          </a:solidFill>
-          <a:ln>
-            <a:noFill/>
-          </a:ln>
-        </p:spPr>
-        <p:style>
-          <a:lnRef idx="2">
-            <a:schemeClr val="accent1">
-              <a:shade val="50000"/>
-            </a:schemeClr>
-          </a:lnRef>
-          <a:fillRef idx="1">
-            <a:schemeClr val="accent1"/>
-          </a:fillRef>
-          <a:effectRef idx="0">
-            <a:schemeClr val="accent1"/>
-          </a:effectRef>
-          <a:fontRef idx="minor">
-            <a:schemeClr val="lt1"/>
-          </a:fontRef>
-        </p:style>
-        <p:txBody>
-          <a:bodyPr rtlCol="0" anchor="ctr"/>
-          <a:lstStyle/>
-          <a:p>
-            <a:pPr algn="ctr"/>
-            <a:endParaRPr lang="nb-NO"/>
-          </a:p>
-        </p:txBody>
-      </p:sp>
-      <p:sp>
-        <p:nvSpPr>
-          <p:cNvPr id="12" name="Ellipse 11"/>
-          <p:cNvSpPr/>
-          <p:nvPr/>
-        </p:nvSpPr>
-        <p:spPr>
-          <a:xfrm>
-            <a:off x="8891337" y="1342471"/>
-            <a:ext cx="286953" cy="294014"/>
-          </a:xfrm>
-          <a:prstGeom prst="ellipse">
-            <a:avLst/>
-          </a:prstGeom>
-          <a:noFill/>
-          <a:ln>
-            <a:solidFill>
-              <a:srgbClr val="00A14A"/>
-            </a:solidFill>
-          </a:ln>
-        </p:spPr>
-        <p:style>
-          <a:lnRef idx="2">
-            <a:schemeClr val="accent1">
-              <a:shade val="50000"/>
-            </a:schemeClr>
-          </a:lnRef>
-          <a:fillRef idx="1">
-            <a:schemeClr val="accent1"/>
-          </a:fillRef>
-          <a:effectRef idx="0">
-            <a:schemeClr val="accent1"/>
-          </a:effectRef>
-          <a:fontRef idx="minor">
-            <a:schemeClr val="lt1"/>
-          </a:fontRef>
-        </p:style>
-        <p:txBody>
-          <a:bodyPr rtlCol="0" anchor="ctr"/>
-          <a:lstStyle/>
-          <a:p>
-            <a:pPr algn="ctr"/>
-            <a:endParaRPr lang="nb-NO"/>
-          </a:p>
-        </p:txBody>
-      </p:sp>
-      <p:cxnSp>
-        <p:nvCxnSpPr>
-          <p:cNvPr id="25" name="Rett linje 24"/>
-          <p:cNvCxnSpPr/>
-          <p:nvPr/>
-        </p:nvCxnSpPr>
-        <p:spPr>
-          <a:xfrm>
-            <a:off x="9034412" y="1636485"/>
-            <a:ext cx="0" cy="44108"/>
-          </a:xfrm>
-          <a:prstGeom prst="line">
-            <a:avLst/>
-          </a:prstGeom>
-          <a:ln w="12700">
-            <a:solidFill>
-              <a:srgbClr val="00A14A"/>
-            </a:solidFill>
-          </a:ln>
-        </p:spPr>
-        <p:style>
-          <a:lnRef idx="1">
-            <a:schemeClr val="accent1"/>
-          </a:lnRef>
-          <a:fillRef idx="0">
-            <a:schemeClr val="accent1"/>
-          </a:fillRef>
-          <a:effectRef idx="0">
-            <a:schemeClr val="accent1"/>
-          </a:effectRef>
-          <a:fontRef idx="minor">
-            <a:schemeClr val="tx1"/>
-          </a:fontRef>
-        </p:style>
-      </p:cxnSp>
-      <p:cxnSp>
-        <p:nvCxnSpPr>
-          <p:cNvPr id="24" name="Rett linje 23"/>
-          <p:cNvCxnSpPr/>
-          <p:nvPr/>
-        </p:nvCxnSpPr>
-        <p:spPr>
-          <a:xfrm rot="5400000">
-            <a:off x="8869283" y="1465601"/>
-            <a:ext cx="0" cy="44108"/>
-          </a:xfrm>
-          <a:prstGeom prst="line">
-            <a:avLst/>
-          </a:prstGeom>
-          <a:ln w="12700">
-            <a:solidFill>
-              <a:srgbClr val="00A14A"/>
-            </a:solidFill>
-          </a:ln>
-        </p:spPr>
-        <p:style>
-          <a:lnRef idx="1">
-            <a:schemeClr val="accent1"/>
-          </a:lnRef>
-          <a:fillRef idx="0">
-            <a:schemeClr val="accent1"/>
-          </a:fillRef>
-          <a:effectRef idx="0">
-            <a:schemeClr val="accent1"/>
-          </a:effectRef>
-          <a:fontRef idx="minor">
-            <a:schemeClr val="tx1"/>
-          </a:fontRef>
-        </p:style>
-      </p:cxnSp>
-      <p:cxnSp>
-        <p:nvCxnSpPr>
-          <p:cNvPr id="26" name="Rett linje 25"/>
-          <p:cNvCxnSpPr/>
-          <p:nvPr/>
-        </p:nvCxnSpPr>
-        <p:spPr>
-          <a:xfrm>
-            <a:off x="9034413" y="1294081"/>
-            <a:ext cx="0" cy="44108"/>
-          </a:xfrm>
-          <a:prstGeom prst="line">
-            <a:avLst/>
-          </a:prstGeom>
-          <a:ln w="12700">
-            <a:solidFill>
-              <a:srgbClr val="00A14A"/>
-            </a:solidFill>
-          </a:ln>
-        </p:spPr>
-        <p:style>
-          <a:lnRef idx="1">
-            <a:schemeClr val="accent1"/>
-          </a:lnRef>
-          <a:fillRef idx="0">
-            <a:schemeClr val="accent1"/>
-          </a:fillRef>
-          <a:effectRef idx="0">
-            <a:schemeClr val="accent1"/>
-          </a:effectRef>
-          <a:fontRef idx="minor">
-            <a:schemeClr val="tx1"/>
-          </a:fontRef>
-        </p:style>
-      </p:cxnSp>
-      <p:cxnSp>
-        <p:nvCxnSpPr>
-          <p:cNvPr id="27" name="Rett linje 26"/>
-          <p:cNvCxnSpPr/>
-          <p:nvPr/>
-        </p:nvCxnSpPr>
-        <p:spPr>
-          <a:xfrm rot="18900000" flipV="1">
-            <a:off x="8915497" y="1349333"/>
-            <a:ext cx="0" cy="44108"/>
-          </a:xfrm>
-          <a:prstGeom prst="line">
-            <a:avLst/>
-          </a:prstGeom>
-          <a:ln w="12700">
-            <a:solidFill>
-              <a:srgbClr val="00A14A"/>
-            </a:solidFill>
-          </a:ln>
-        </p:spPr>
-        <p:style>
-          <a:lnRef idx="1">
-            <a:schemeClr val="accent1"/>
-          </a:lnRef>
-          <a:fillRef idx="0">
-            <a:schemeClr val="accent1"/>
-          </a:fillRef>
-          <a:effectRef idx="0">
-            <a:schemeClr val="accent1"/>
-          </a:effectRef>
-          <a:fontRef idx="minor">
-            <a:schemeClr val="tx1"/>
-          </a:fontRef>
-        </p:style>
-      </p:cxnSp>
-      <p:cxnSp>
-        <p:nvCxnSpPr>
-          <p:cNvPr id="28" name="Rett linje 27"/>
-          <p:cNvCxnSpPr/>
-          <p:nvPr/>
-        </p:nvCxnSpPr>
-        <p:spPr>
-          <a:xfrm rot="5400000">
-            <a:off x="9200344" y="1465601"/>
-            <a:ext cx="0" cy="44108"/>
-          </a:xfrm>
-          <a:prstGeom prst="line">
-            <a:avLst/>
-          </a:prstGeom>
-          <a:ln w="12700">
-            <a:solidFill>
-              <a:srgbClr val="00A14A"/>
-            </a:solidFill>
-          </a:ln>
-        </p:spPr>
-        <p:style>
-          <a:lnRef idx="1">
-            <a:schemeClr val="accent1"/>
-          </a:lnRef>
-          <a:fillRef idx="0">
-            <a:schemeClr val="accent1"/>
-          </a:fillRef>
-          <a:effectRef idx="0">
-            <a:schemeClr val="accent1"/>
-          </a:effectRef>
-          <a:fontRef idx="minor">
-            <a:schemeClr val="tx1"/>
-          </a:fontRef>
-        </p:style>
-      </p:cxnSp>
-      <p:cxnSp>
-        <p:nvCxnSpPr>
-          <p:cNvPr id="29" name="Rett linje 28"/>
-          <p:cNvCxnSpPr/>
-          <p:nvPr/>
-        </p:nvCxnSpPr>
-        <p:spPr>
-          <a:xfrm rot="2700000">
-            <a:off x="8920112" y="1582959"/>
-            <a:ext cx="0" cy="44108"/>
-          </a:xfrm>
-          <a:prstGeom prst="line">
-            <a:avLst/>
-          </a:prstGeom>
-          <a:ln w="12700">
-            <a:solidFill>
-              <a:srgbClr val="00A14A"/>
-            </a:solidFill>
-          </a:ln>
-        </p:spPr>
-        <p:style>
-          <a:lnRef idx="1">
-            <a:schemeClr val="accent1"/>
-          </a:lnRef>
-          <a:fillRef idx="0">
-            <a:schemeClr val="accent1"/>
-          </a:fillRef>
-          <a:effectRef idx="0">
-            <a:schemeClr val="accent1"/>
-          </a:effectRef>
-          <a:fontRef idx="minor">
-            <a:schemeClr val="tx1"/>
-          </a:fontRef>
-        </p:style>
-      </p:cxnSp>
-      <p:cxnSp>
-        <p:nvCxnSpPr>
-          <p:cNvPr id="30" name="Rett linje 29"/>
-          <p:cNvCxnSpPr/>
-          <p:nvPr/>
-        </p:nvCxnSpPr>
-        <p:spPr>
-          <a:xfrm rot="4500000">
-            <a:off x="9198071" y="1419436"/>
-            <a:ext cx="0" cy="44108"/>
-          </a:xfrm>
-          <a:prstGeom prst="line">
-            <a:avLst/>
-          </a:prstGeom>
-          <a:ln w="12700">
-            <a:solidFill>
-              <a:srgbClr val="00A14A"/>
-            </a:solidFill>
-          </a:ln>
-        </p:spPr>
-        <p:style>
-          <a:lnRef idx="1">
-            <a:schemeClr val="accent1"/>
-          </a:lnRef>
-          <a:fillRef idx="0">
-            <a:schemeClr val="accent1"/>
-          </a:fillRef>
-          <a:effectRef idx="0">
-            <a:schemeClr val="accent1"/>
-          </a:effectRef>
-          <a:fontRef idx="minor">
-            <a:schemeClr val="tx1"/>
-          </a:fontRef>
-        </p:style>
-      </p:cxnSp>
-      <p:cxnSp>
-        <p:nvCxnSpPr>
-          <p:cNvPr id="31" name="Rett linje 30"/>
-          <p:cNvCxnSpPr/>
-          <p:nvPr/>
-        </p:nvCxnSpPr>
-        <p:spPr>
-          <a:xfrm rot="18900000" flipV="1">
-            <a:off x="9163667" y="1582769"/>
-            <a:ext cx="0" cy="44108"/>
-          </a:xfrm>
-          <a:prstGeom prst="line">
-            <a:avLst/>
-          </a:prstGeom>
-          <a:ln w="12700">
-            <a:solidFill>
-              <a:srgbClr val="00A14A"/>
-            </a:solidFill>
-          </a:ln>
-        </p:spPr>
-        <p:style>
-          <a:lnRef idx="1">
-            <a:schemeClr val="accent1"/>
-          </a:lnRef>
-          <a:fillRef idx="0">
-            <a:schemeClr val="accent1"/>
-          </a:fillRef>
-          <a:effectRef idx="0">
-            <a:schemeClr val="accent1"/>
-          </a:effectRef>
-          <a:fontRef idx="minor">
-            <a:schemeClr val="tx1"/>
-          </a:fontRef>
-        </p:style>
-      </p:cxnSp>
-      <p:cxnSp>
-        <p:nvCxnSpPr>
-          <p:cNvPr id="32" name="Rett linje 31"/>
-          <p:cNvCxnSpPr/>
-          <p:nvPr/>
-        </p:nvCxnSpPr>
-        <p:spPr>
-          <a:xfrm rot="18000000">
-            <a:off x="9184984" y="1552550"/>
-            <a:ext cx="0" cy="44108"/>
-          </a:xfrm>
-          <a:prstGeom prst="line">
-            <a:avLst/>
-          </a:prstGeom>
-          <a:ln w="12700">
-            <a:solidFill>
-              <a:srgbClr val="00A14A"/>
-            </a:solidFill>
-          </a:ln>
-        </p:spPr>
-        <p:style>
-          <a:lnRef idx="1">
-            <a:schemeClr val="accent1"/>
-          </a:lnRef>
-          <a:fillRef idx="0">
-            <a:schemeClr val="accent1"/>
-          </a:fillRef>
-          <a:effectRef idx="0">
-            <a:schemeClr val="accent1"/>
-          </a:effectRef>
-          <a:fontRef idx="minor">
-            <a:schemeClr val="tx1"/>
-          </a:fontRef>
-        </p:style>
-      </p:cxnSp>
-      <p:cxnSp>
-        <p:nvCxnSpPr>
-          <p:cNvPr id="33" name="Rett linje 32"/>
-          <p:cNvCxnSpPr/>
-          <p:nvPr/>
-        </p:nvCxnSpPr>
-        <p:spPr>
-          <a:xfrm rot="2700000">
-            <a:off x="9162245" y="1352031"/>
-            <a:ext cx="0" cy="44108"/>
-          </a:xfrm>
-          <a:prstGeom prst="line">
-            <a:avLst/>
-          </a:prstGeom>
-          <a:ln w="12700">
-            <a:solidFill>
-              <a:srgbClr val="00A14A"/>
-            </a:solidFill>
-          </a:ln>
-        </p:spPr>
-        <p:style>
-          <a:lnRef idx="1">
-            <a:schemeClr val="accent1"/>
-          </a:lnRef>
-          <a:fillRef idx="0">
-            <a:schemeClr val="accent1"/>
-          </a:fillRef>
-          <a:effectRef idx="0">
-            <a:schemeClr val="accent1"/>
-          </a:effectRef>
-          <a:fontRef idx="minor">
-            <a:schemeClr val="tx1"/>
-          </a:fontRef>
-        </p:style>
-      </p:cxnSp>
-      <p:cxnSp>
-        <p:nvCxnSpPr>
-          <p:cNvPr id="34" name="Rett linje 33"/>
-          <p:cNvCxnSpPr/>
-          <p:nvPr/>
-        </p:nvCxnSpPr>
-        <p:spPr>
-          <a:xfrm rot="1800000">
-            <a:off x="8955182" y="1612551"/>
-            <a:ext cx="0" cy="44108"/>
-          </a:xfrm>
-          <a:prstGeom prst="line">
-            <a:avLst/>
-          </a:prstGeom>
-          <a:ln w="12700">
-            <a:solidFill>
-              <a:srgbClr val="00A14A"/>
-            </a:solidFill>
-          </a:ln>
-        </p:spPr>
-        <p:style>
-          <a:lnRef idx="1">
-            <a:schemeClr val="accent1"/>
-          </a:lnRef>
-          <a:fillRef idx="0">
-            <a:schemeClr val="accent1"/>
-          </a:fillRef>
-          <a:effectRef idx="0">
-            <a:schemeClr val="accent1"/>
-          </a:effectRef>
-          <a:fontRef idx="minor">
-            <a:schemeClr val="tx1"/>
-          </a:fontRef>
-        </p:style>
-      </p:cxnSp>
-      <p:cxnSp>
-        <p:nvCxnSpPr>
-          <p:cNvPr id="35" name="Rett linje 34"/>
-          <p:cNvCxnSpPr/>
-          <p:nvPr/>
-        </p:nvCxnSpPr>
-        <p:spPr>
-          <a:xfrm rot="900000">
-            <a:off x="8993398" y="1630411"/>
-            <a:ext cx="0" cy="44108"/>
-          </a:xfrm>
-          <a:prstGeom prst="line">
-            <a:avLst/>
-          </a:prstGeom>
-          <a:ln w="12700">
-            <a:solidFill>
-              <a:srgbClr val="00A14A"/>
-            </a:solidFill>
-          </a:ln>
-        </p:spPr>
-        <p:style>
-          <a:lnRef idx="1">
-            <a:schemeClr val="accent1"/>
-          </a:lnRef>
-          <a:fillRef idx="0">
-            <a:schemeClr val="accent1"/>
-          </a:fillRef>
-          <a:effectRef idx="0">
-            <a:schemeClr val="accent1"/>
-          </a:effectRef>
-          <a:fontRef idx="minor">
-            <a:schemeClr val="tx1"/>
-          </a:fontRef>
-        </p:style>
-      </p:cxnSp>
-      <p:cxnSp>
-        <p:nvCxnSpPr>
-          <p:cNvPr id="36" name="Rett linje 35"/>
-          <p:cNvCxnSpPr/>
-          <p:nvPr/>
-        </p:nvCxnSpPr>
-        <p:spPr>
-          <a:xfrm rot="17100000">
-            <a:off x="9203082" y="1509948"/>
-            <a:ext cx="0" cy="44108"/>
-          </a:xfrm>
-          <a:prstGeom prst="line">
-            <a:avLst/>
-          </a:prstGeom>
-          <a:ln w="12700">
-            <a:solidFill>
-              <a:srgbClr val="00A14A"/>
-            </a:solidFill>
-          </a:ln>
-        </p:spPr>
-        <p:style>
-          <a:lnRef idx="1">
-            <a:schemeClr val="accent1"/>
-          </a:lnRef>
-          <a:fillRef idx="0">
-            <a:schemeClr val="accent1"/>
-          </a:fillRef>
-          <a:effectRef idx="0">
-            <a:schemeClr val="accent1"/>
-          </a:effectRef>
-          <a:fontRef idx="minor">
-            <a:schemeClr val="tx1"/>
-          </a:fontRef>
-        </p:style>
-      </p:cxnSp>
-      <p:cxnSp>
-        <p:nvCxnSpPr>
-          <p:cNvPr id="37" name="Rett linje 36"/>
-          <p:cNvCxnSpPr/>
-          <p:nvPr/>
-        </p:nvCxnSpPr>
-        <p:spPr>
-          <a:xfrm rot="1800000">
-            <a:off x="9121968" y="1317987"/>
-            <a:ext cx="0" cy="44108"/>
-          </a:xfrm>
-          <a:prstGeom prst="line">
-            <a:avLst/>
-          </a:prstGeom>
-          <a:ln w="12700">
-            <a:solidFill>
-              <a:srgbClr val="00A14A"/>
-            </a:solidFill>
-          </a:ln>
-        </p:spPr>
-        <p:style>
-          <a:lnRef idx="1">
-            <a:schemeClr val="accent1"/>
-          </a:lnRef>
-          <a:fillRef idx="0">
-            <a:schemeClr val="accent1"/>
-          </a:fillRef>
-          <a:effectRef idx="0">
-            <a:schemeClr val="accent1"/>
-          </a:effectRef>
-          <a:fontRef idx="minor">
-            <a:schemeClr val="tx1"/>
-          </a:fontRef>
-        </p:style>
-      </p:cxnSp>
-      <p:cxnSp>
-        <p:nvCxnSpPr>
-          <p:cNvPr id="38" name="Rett linje 37"/>
-          <p:cNvCxnSpPr/>
-          <p:nvPr/>
-        </p:nvCxnSpPr>
-        <p:spPr>
-          <a:xfrm rot="18000000">
-            <a:off x="8888383" y="1384956"/>
-            <a:ext cx="0" cy="44108"/>
-          </a:xfrm>
-          <a:prstGeom prst="line">
-            <a:avLst/>
-          </a:prstGeom>
-          <a:ln w="12700">
-            <a:solidFill>
-              <a:srgbClr val="00A14A"/>
-            </a:solidFill>
-          </a:ln>
-        </p:spPr>
-        <p:style>
-          <a:lnRef idx="1">
-            <a:schemeClr val="accent1"/>
-          </a:lnRef>
-          <a:fillRef idx="0">
-            <a:schemeClr val="accent1"/>
-          </a:fillRef>
-          <a:effectRef idx="0">
-            <a:schemeClr val="accent1"/>
-          </a:effectRef>
-          <a:fontRef idx="minor">
-            <a:schemeClr val="tx1"/>
-          </a:fontRef>
-        </p:style>
-      </p:cxnSp>
-      <p:cxnSp>
-        <p:nvCxnSpPr>
-          <p:cNvPr id="39" name="Rett linje 38"/>
-          <p:cNvCxnSpPr/>
-          <p:nvPr/>
-        </p:nvCxnSpPr>
-        <p:spPr>
-          <a:xfrm rot="17100000">
-            <a:off x="8876003" y="1426077"/>
-            <a:ext cx="0" cy="44108"/>
-          </a:xfrm>
-          <a:prstGeom prst="line">
-            <a:avLst/>
-          </a:prstGeom>
-          <a:ln w="12700">
-            <a:solidFill>
-              <a:srgbClr val="00A14A"/>
-            </a:solidFill>
-          </a:ln>
-        </p:spPr>
-        <p:style>
-          <a:lnRef idx="1">
-            <a:schemeClr val="accent1"/>
-          </a:lnRef>
-          <a:fillRef idx="0">
-            <a:schemeClr val="accent1"/>
-          </a:fillRef>
-          <a:effectRef idx="0">
-            <a:schemeClr val="accent1"/>
-          </a:effectRef>
-          <a:fontRef idx="minor">
-            <a:schemeClr val="tx1"/>
-          </a:fontRef>
-        </p:style>
-      </p:cxnSp>
-      <p:cxnSp>
-        <p:nvCxnSpPr>
-          <p:cNvPr id="40" name="Rett linje 39"/>
-          <p:cNvCxnSpPr/>
-          <p:nvPr/>
-        </p:nvCxnSpPr>
-        <p:spPr>
-          <a:xfrm rot="3600000">
-            <a:off x="9182496" y="1384957"/>
-            <a:ext cx="0" cy="44108"/>
-          </a:xfrm>
-          <a:prstGeom prst="line">
-            <a:avLst/>
-          </a:prstGeom>
-          <a:ln w="12700">
-            <a:solidFill>
-              <a:srgbClr val="00A14A"/>
-            </a:solidFill>
-          </a:ln>
-        </p:spPr>
-        <p:style>
-          <a:lnRef idx="1">
-            <a:schemeClr val="accent1"/>
-          </a:lnRef>
-          <a:fillRef idx="0">
-            <a:schemeClr val="accent1"/>
-          </a:fillRef>
-          <a:effectRef idx="0">
-            <a:schemeClr val="accent1"/>
-          </a:effectRef>
-          <a:fontRef idx="minor">
-            <a:schemeClr val="tx1"/>
-          </a:fontRef>
-        </p:style>
-      </p:cxnSp>
-      <p:cxnSp>
-        <p:nvCxnSpPr>
-          <p:cNvPr id="42" name="Rett linje 41"/>
-          <p:cNvCxnSpPr/>
-          <p:nvPr/>
-        </p:nvCxnSpPr>
-        <p:spPr>
-          <a:xfrm rot="3600000">
-            <a:off x="8896398" y="1559965"/>
-            <a:ext cx="0" cy="44108"/>
-          </a:xfrm>
-          <a:prstGeom prst="line">
-            <a:avLst/>
-          </a:prstGeom>
-          <a:ln w="12700">
-            <a:solidFill>
-              <a:srgbClr val="00A14A"/>
-            </a:solidFill>
-          </a:ln>
-        </p:spPr>
-        <p:style>
-          <a:lnRef idx="1">
-            <a:schemeClr val="accent1"/>
-          </a:lnRef>
-          <a:fillRef idx="0">
-            <a:schemeClr val="accent1"/>
-          </a:fillRef>
-          <a:effectRef idx="0">
-            <a:schemeClr val="accent1"/>
-          </a:effectRef>
-          <a:fontRef idx="minor">
-            <a:schemeClr val="tx1"/>
-          </a:fontRef>
-        </p:style>
-      </p:cxnSp>
-      <p:cxnSp>
-        <p:nvCxnSpPr>
-          <p:cNvPr id="44" name="Rett linje 43"/>
-          <p:cNvCxnSpPr/>
-          <p:nvPr/>
-        </p:nvCxnSpPr>
-        <p:spPr>
-          <a:xfrm rot="4500000">
-            <a:off x="8876002" y="1515656"/>
-            <a:ext cx="0" cy="44108"/>
-          </a:xfrm>
-          <a:prstGeom prst="line">
-            <a:avLst/>
-          </a:prstGeom>
-          <a:ln w="12700">
-            <a:solidFill>
-              <a:srgbClr val="00A14A"/>
-            </a:solidFill>
-          </a:ln>
-        </p:spPr>
-        <p:style>
-          <a:lnRef idx="1">
-            <a:schemeClr val="accent1"/>
-          </a:lnRef>
-          <a:fillRef idx="0">
-            <a:schemeClr val="accent1"/>
-          </a:fillRef>
-          <a:effectRef idx="0">
-            <a:schemeClr val="accent1"/>
-          </a:effectRef>
-          <a:fontRef idx="minor">
-            <a:schemeClr val="tx1"/>
-          </a:fontRef>
-        </p:style>
-      </p:cxnSp>
     </p:spTree>
     <p:extLst>
       <p:ext uri="{BB962C8B-B14F-4D97-AF65-F5344CB8AC3E}">
@@ -8072,8 +9039,8 @@
         </p:blipFill>
         <p:spPr>
           <a:xfrm>
-            <a:off x="6851298" y="324821"/>
-            <a:ext cx="892648" cy="1003146"/>
+            <a:off x="6835311" y="489502"/>
+            <a:ext cx="869265" cy="976868"/>
           </a:xfrm>
           <a:prstGeom prst="rect">
             <a:avLst/>
@@ -8202,7 +9169,7 @@
       </p:pic>
       <p:pic>
         <p:nvPicPr>
-          <p:cNvPr id="19" name="Bilde 18"/>
+          <p:cNvPr id="20" name="Bilde 19"/>
           <p:cNvPicPr>
             <a:picLocks noChangeAspect="1"/>
           </p:cNvPicPr>
@@ -8210,36 +9177,6 @@
         </p:nvPicPr>
         <p:blipFill>
           <a:blip r:embed="rId8" cstate="print">
-            <a:extLst>
-              <a:ext uri="{28A0092B-C50C-407E-A947-70E740481C1C}">
-                <a14:useLocalDpi xmlns:a14="http://schemas.microsoft.com/office/drawing/2010/main" val="0"/>
-              </a:ext>
-            </a:extLst>
-          </a:blip>
-          <a:stretch>
-            <a:fillRect/>
-          </a:stretch>
-        </p:blipFill>
-        <p:spPr>
-          <a:xfrm>
-            <a:off x="5196122" y="324821"/>
-            <a:ext cx="863366" cy="996523"/>
-          </a:xfrm>
-          <a:prstGeom prst="rect">
-            <a:avLst/>
-          </a:prstGeom>
-        </p:spPr>
-      </p:pic>
-      <p:pic>
-        <p:nvPicPr>
-          <p:cNvPr id="20" name="Bilde 19"/>
-          <p:cNvPicPr>
-            <a:picLocks noChangeAspect="1"/>
-          </p:cNvPicPr>
-          <p:nvPr/>
-        </p:nvPicPr>
-        <p:blipFill>
-          <a:blip r:embed="rId9" cstate="print">
             <a:extLst>
               <a:ext uri="{28A0092B-C50C-407E-A947-70E740481C1C}">
                 <a14:useLocalDpi xmlns:a14="http://schemas.microsoft.com/office/drawing/2010/main" val="0"/>
@@ -8262,7 +9199,37 @@
       </p:pic>
       <p:pic>
         <p:nvPicPr>
-          <p:cNvPr id="21" name="Bilde 20"/>
+          <p:cNvPr id="5" name="Bilde 4"/>
+          <p:cNvPicPr>
+            <a:picLocks noChangeAspect="1"/>
+          </p:cNvPicPr>
+          <p:nvPr/>
+        </p:nvPicPr>
+        <p:blipFill>
+          <a:blip r:embed="rId9" cstate="print">
+            <a:extLst>
+              <a:ext uri="{28A0092B-C50C-407E-A947-70E740481C1C}">
+                <a14:useLocalDpi xmlns:a14="http://schemas.microsoft.com/office/drawing/2010/main" val="0"/>
+              </a:ext>
+            </a:extLst>
+          </a:blip>
+          <a:stretch>
+            <a:fillRect/>
+          </a:stretch>
+        </p:blipFill>
+        <p:spPr>
+          <a:xfrm>
+            <a:off x="8648717" y="461058"/>
+            <a:ext cx="870981" cy="1005312"/>
+          </a:xfrm>
+          <a:prstGeom prst="rect">
+            <a:avLst/>
+          </a:prstGeom>
+        </p:spPr>
+      </p:pic>
+      <p:pic>
+        <p:nvPicPr>
+          <p:cNvPr id="7" name="Bilde 6"/>
           <p:cNvPicPr>
             <a:picLocks noChangeAspect="1"/>
           </p:cNvPicPr>
@@ -8282,8 +9249,8 @@
         </p:blipFill>
         <p:spPr>
           <a:xfrm>
-            <a:off x="1578577" y="4904813"/>
-            <a:ext cx="863366" cy="997073"/>
+            <a:off x="5109013" y="489502"/>
+            <a:ext cx="863366" cy="994049"/>
           </a:xfrm>
           <a:prstGeom prst="rect">
             <a:avLst/>
@@ -8292,7 +9259,7 @@
       </p:pic>
       <p:pic>
         <p:nvPicPr>
-          <p:cNvPr id="5" name="Bilde 4"/>
+          <p:cNvPr id="9" name="Bilde 8"/>
           <p:cNvPicPr>
             <a:picLocks noChangeAspect="1"/>
           </p:cNvPicPr>
@@ -8312,8 +9279,8 @@
         </p:blipFill>
         <p:spPr>
           <a:xfrm>
-            <a:off x="8648717" y="461058"/>
-            <a:ext cx="870981" cy="1005312"/>
+            <a:off x="1421574" y="4884493"/>
+            <a:ext cx="863366" cy="994375"/>
           </a:xfrm>
           <a:prstGeom prst="rect">
             <a:avLst/>
@@ -24891,18 +25858,18 @@
 </file>
 
 <file path=customXml/item2.xml><?xml version="1.0" encoding="utf-8"?>
+<p:properties xmlns:p="http://schemas.microsoft.com/office/2006/metadata/properties" xmlns:xsi="http://www.w3.org/2001/XMLSchema-instance" xmlns:pc="http://schemas.microsoft.com/office/infopath/2007/PartnerControls">
+  <documentManagement/>
+</p:properties>
+</file>
+
+<file path=customXml/item3.xml><?xml version="1.0" encoding="utf-8"?>
 <?mso-contentType ?>
 <FormTemplates xmlns="http://schemas.microsoft.com/sharepoint/v3/contenttype/forms">
   <Display>DocumentLibraryForm</Display>
   <Edit>DocumentLibraryForm</Edit>
   <New>DocumentLibraryForm</New>
 </FormTemplates>
-</file>
-
-<file path=customXml/item3.xml><?xml version="1.0" encoding="utf-8"?>
-<p:properties xmlns:p="http://schemas.microsoft.com/office/2006/metadata/properties" xmlns:xsi="http://www.w3.org/2001/XMLSchema-instance" xmlns:pc="http://schemas.microsoft.com/office/infopath/2007/PartnerControls">
-  <documentManagement/>
-</p:properties>
 </file>
 
 <file path=customXml/itemProps1.xml><?xml version="1.0" encoding="utf-8"?>
@@ -24924,14 +25891,6 @@
 </file>
 
 <file path=customXml/itemProps2.xml><?xml version="1.0" encoding="utf-8"?>
-<ds:datastoreItem xmlns:ds="http://schemas.openxmlformats.org/officeDocument/2006/customXml" ds:itemID="{4BE7E9B0-0351-4956-BF80-844462B099ED}">
-  <ds:schemaRefs>
-    <ds:schemaRef ds:uri="http://schemas.microsoft.com/sharepoint/v3/contenttype/forms"/>
-  </ds:schemaRefs>
-</ds:datastoreItem>
-</file>
-
-<file path=customXml/itemProps3.xml><?xml version="1.0" encoding="utf-8"?>
 <ds:datastoreItem xmlns:ds="http://schemas.openxmlformats.org/officeDocument/2006/customXml" ds:itemID="{7DEC415D-4AD5-4872-9DD1-7B94914CAE4D}">
   <ds:schemaRefs>
     <ds:schemaRef ds:uri="http://purl.org/dc/elements/1.1/"/>
@@ -24945,4 +25904,12 @@
     <ds:schemaRef ds:uri="http://purl.org/dc/terms/"/>
   </ds:schemaRefs>
 </ds:datastoreItem>
+</file>
+
+<file path=customXml/itemProps3.xml><?xml version="1.0" encoding="utf-8"?>
+<ds:datastoreItem xmlns:ds="http://schemas.openxmlformats.org/officeDocument/2006/customXml" ds:itemID="{4BE7E9B0-0351-4956-BF80-844462B099ED}">
+  <ds:schemaRefs>
+    <ds:schemaRef ds:uri="http://schemas.microsoft.com/sharepoint/v3/contenttype/forms"/>
+  </ds:schemaRefs>
+</ds:datastoreItem>
 </file>
--- a/data-raw/logos.pptx
+++ b/data-raw/logos.pptx
@@ -269,7 +269,7 @@
           <a:p>
             <a:fld id="{09605B3F-6133-425E-A10B-41F9F06FCAC6}" type="datetimeFigureOut">
               <a:rPr lang="nb-NO" smtClean="0"/>
-              <a:t>14.09.2023</a:t>
+              <a:t>04.10.2023</a:t>
             </a:fld>
             <a:endParaRPr lang="nb-NO"/>
           </a:p>
@@ -439,7 +439,7 @@
           <a:p>
             <a:fld id="{09605B3F-6133-425E-A10B-41F9F06FCAC6}" type="datetimeFigureOut">
               <a:rPr lang="nb-NO" smtClean="0"/>
-              <a:t>14.09.2023</a:t>
+              <a:t>04.10.2023</a:t>
             </a:fld>
             <a:endParaRPr lang="nb-NO"/>
           </a:p>
@@ -619,7 +619,7 @@
           <a:p>
             <a:fld id="{09605B3F-6133-425E-A10B-41F9F06FCAC6}" type="datetimeFigureOut">
               <a:rPr lang="nb-NO" smtClean="0"/>
-              <a:t>14.09.2023</a:t>
+              <a:t>04.10.2023</a:t>
             </a:fld>
             <a:endParaRPr lang="nb-NO"/>
           </a:p>
@@ -789,7 +789,7 @@
           <a:p>
             <a:fld id="{09605B3F-6133-425E-A10B-41F9F06FCAC6}" type="datetimeFigureOut">
               <a:rPr lang="nb-NO" smtClean="0"/>
-              <a:t>14.09.2023</a:t>
+              <a:t>04.10.2023</a:t>
             </a:fld>
             <a:endParaRPr lang="nb-NO"/>
           </a:p>
@@ -1035,7 +1035,7 @@
           <a:p>
             <a:fld id="{09605B3F-6133-425E-A10B-41F9F06FCAC6}" type="datetimeFigureOut">
               <a:rPr lang="nb-NO" smtClean="0"/>
-              <a:t>14.09.2023</a:t>
+              <a:t>04.10.2023</a:t>
             </a:fld>
             <a:endParaRPr lang="nb-NO"/>
           </a:p>
@@ -1267,7 +1267,7 @@
           <a:p>
             <a:fld id="{09605B3F-6133-425E-A10B-41F9F06FCAC6}" type="datetimeFigureOut">
               <a:rPr lang="nb-NO" smtClean="0"/>
-              <a:t>14.09.2023</a:t>
+              <a:t>04.10.2023</a:t>
             </a:fld>
             <a:endParaRPr lang="nb-NO"/>
           </a:p>
@@ -1634,7 +1634,7 @@
           <a:p>
             <a:fld id="{09605B3F-6133-425E-A10B-41F9F06FCAC6}" type="datetimeFigureOut">
               <a:rPr lang="nb-NO" smtClean="0"/>
-              <a:t>14.09.2023</a:t>
+              <a:t>04.10.2023</a:t>
             </a:fld>
             <a:endParaRPr lang="nb-NO"/>
           </a:p>
@@ -1752,7 +1752,7 @@
           <a:p>
             <a:fld id="{09605B3F-6133-425E-A10B-41F9F06FCAC6}" type="datetimeFigureOut">
               <a:rPr lang="nb-NO" smtClean="0"/>
-              <a:t>14.09.2023</a:t>
+              <a:t>04.10.2023</a:t>
             </a:fld>
             <a:endParaRPr lang="nb-NO"/>
           </a:p>
@@ -1847,7 +1847,7 @@
           <a:p>
             <a:fld id="{09605B3F-6133-425E-A10B-41F9F06FCAC6}" type="datetimeFigureOut">
               <a:rPr lang="nb-NO" smtClean="0"/>
-              <a:t>14.09.2023</a:t>
+              <a:t>04.10.2023</a:t>
             </a:fld>
             <a:endParaRPr lang="nb-NO"/>
           </a:p>
@@ -2124,7 +2124,7 @@
           <a:p>
             <a:fld id="{09605B3F-6133-425E-A10B-41F9F06FCAC6}" type="datetimeFigureOut">
               <a:rPr lang="nb-NO" smtClean="0"/>
-              <a:t>14.09.2023</a:t>
+              <a:t>04.10.2023</a:t>
             </a:fld>
             <a:endParaRPr lang="nb-NO"/>
           </a:p>
@@ -2377,7 +2377,7 @@
           <a:p>
             <a:fld id="{09605B3F-6133-425E-A10B-41F9F06FCAC6}" type="datetimeFigureOut">
               <a:rPr lang="nb-NO" smtClean="0"/>
-              <a:t>14.09.2023</a:t>
+              <a:t>04.10.2023</a:t>
             </a:fld>
             <a:endParaRPr lang="nb-NO"/>
           </a:p>
@@ -2590,7 +2590,7 @@
           <a:p>
             <a:fld id="{09605B3F-6133-425E-A10B-41F9F06FCAC6}" type="datetimeFigureOut">
               <a:rPr lang="nb-NO" smtClean="0"/>
-              <a:t>14.09.2023</a:t>
+              <a:t>04.10.2023</a:t>
             </a:fld>
             <a:endParaRPr lang="nb-NO"/>
           </a:p>
@@ -9169,7 +9169,7 @@
       </p:pic>
       <p:pic>
         <p:nvPicPr>
-          <p:cNvPr id="20" name="Bilde 19"/>
+          <p:cNvPr id="5" name="Bilde 4"/>
           <p:cNvPicPr>
             <a:picLocks noChangeAspect="1"/>
           </p:cNvPicPr>
@@ -9177,36 +9177,6 @@
         </p:nvPicPr>
         <p:blipFill>
           <a:blip r:embed="rId8" cstate="print">
-            <a:extLst>
-              <a:ext uri="{28A0092B-C50C-407E-A947-70E740481C1C}">
-                <a14:useLocalDpi xmlns:a14="http://schemas.microsoft.com/office/drawing/2010/main" val="0"/>
-              </a:ext>
-            </a:extLst>
-          </a:blip>
-          <a:stretch>
-            <a:fillRect/>
-          </a:stretch>
-        </p:blipFill>
-        <p:spPr>
-          <a:xfrm>
-            <a:off x="6841210" y="2907292"/>
-            <a:ext cx="863366" cy="994376"/>
-          </a:xfrm>
-          <a:prstGeom prst="rect">
-            <a:avLst/>
-          </a:prstGeom>
-        </p:spPr>
-      </p:pic>
-      <p:pic>
-        <p:nvPicPr>
-          <p:cNvPr id="5" name="Bilde 4"/>
-          <p:cNvPicPr>
-            <a:picLocks noChangeAspect="1"/>
-          </p:cNvPicPr>
-          <p:nvPr/>
-        </p:nvPicPr>
-        <p:blipFill>
-          <a:blip r:embed="rId9" cstate="print">
             <a:extLst>
               <a:ext uri="{28A0092B-C50C-407E-A947-70E740481C1C}">
                 <a14:useLocalDpi xmlns:a14="http://schemas.microsoft.com/office/drawing/2010/main" val="0"/>
@@ -9236,7 +9206,7 @@
           <p:nvPr/>
         </p:nvPicPr>
         <p:blipFill>
-          <a:blip r:embed="rId10" cstate="print">
+          <a:blip r:embed="rId9" cstate="print">
             <a:extLst>
               <a:ext uri="{28A0092B-C50C-407E-A947-70E740481C1C}">
                 <a14:useLocalDpi xmlns:a14="http://schemas.microsoft.com/office/drawing/2010/main" val="0"/>
@@ -9266,7 +9236,7 @@
           <p:nvPr/>
         </p:nvPicPr>
         <p:blipFill>
-          <a:blip r:embed="rId11" cstate="print">
+          <a:blip r:embed="rId10" cstate="print">
             <a:extLst>
               <a:ext uri="{28A0092B-C50C-407E-A947-70E740481C1C}">
                 <a14:useLocalDpi xmlns:a14="http://schemas.microsoft.com/office/drawing/2010/main" val="0"/>
@@ -9281,6 +9251,36 @@
           <a:xfrm>
             <a:off x="1421574" y="4884493"/>
             <a:ext cx="863366" cy="994375"/>
+          </a:xfrm>
+          <a:prstGeom prst="rect">
+            <a:avLst/>
+          </a:prstGeom>
+        </p:spPr>
+      </p:pic>
+      <p:pic>
+        <p:nvPicPr>
+          <p:cNvPr id="10" name="Bilde 9"/>
+          <p:cNvPicPr>
+            <a:picLocks noChangeAspect="1"/>
+          </p:cNvPicPr>
+          <p:nvPr/>
+        </p:nvPicPr>
+        <p:blipFill>
+          <a:blip r:embed="rId11" cstate="print">
+            <a:extLst>
+              <a:ext uri="{28A0092B-C50C-407E-A947-70E740481C1C}">
+                <a14:useLocalDpi xmlns:a14="http://schemas.microsoft.com/office/drawing/2010/main" val="0"/>
+              </a:ext>
+            </a:extLst>
+          </a:blip>
+          <a:stretch>
+            <a:fillRect/>
+          </a:stretch>
+        </p:blipFill>
+        <p:spPr>
+          <a:xfrm>
+            <a:off x="6964563" y="2893937"/>
+            <a:ext cx="865594" cy="996941"/>
           </a:xfrm>
           <a:prstGeom prst="rect">
             <a:avLst/>
@@ -24870,113 +24870,686 @@
           <a:chExt cx="0" cy="0"/>
         </a:xfrm>
       </p:grpSpPr>
-      <p:sp>
-        <p:nvSpPr>
-          <p:cNvPr id="2" name="Hexagon 35">
-            <a:extLst>
-              <a:ext uri="{FF2B5EF4-FFF2-40B4-BE49-F238E27FC236}">
-                <a16:creationId xmlns:a16="http://schemas.microsoft.com/office/drawing/2014/main" id="{90E46B38-1301-774F-8904-FFF8966BD8C2}"/>
-              </a:ext>
-            </a:extLst>
-          </p:cNvPr>
-          <p:cNvSpPr>
-            <a:spLocks noChangeAspect="1"/>
-          </p:cNvSpPr>
+      <p:grpSp>
+        <p:nvGrpSpPr>
+          <p:cNvPr id="68" name="Gruppe 67"/>
+          <p:cNvGrpSpPr/>
           <p:nvPr/>
-        </p:nvSpPr>
-        <p:spPr>
-          <a:xfrm rot="1800000">
+        </p:nvGrpSpPr>
+        <p:grpSpPr>
+          <a:xfrm>
             <a:off x="4698688" y="2280996"/>
             <a:ext cx="2721600" cy="2369033"/>
+            <a:chOff x="4698688" y="2280996"/>
+            <a:chExt cx="2721600" cy="2369033"/>
           </a:xfrm>
-          <a:prstGeom prst="hexagon">
-            <a:avLst>
-              <a:gd name="adj" fmla="val 28372"/>
-              <a:gd name="vf" fmla="val 115470"/>
-            </a:avLst>
-          </a:prstGeom>
-          <a:solidFill>
-            <a:srgbClr val="133E4D"/>
-          </a:solidFill>
-          <a:ln w="69850">
+        </p:grpSpPr>
+        <p:sp>
+          <p:nvSpPr>
+            <p:cNvPr id="2" name="Hexagon 35">
+              <a:extLst>
+                <a:ext uri="{FF2B5EF4-FFF2-40B4-BE49-F238E27FC236}">
+                  <a16:creationId xmlns:a16="http://schemas.microsoft.com/office/drawing/2014/main" id="{90E46B38-1301-774F-8904-FFF8966BD8C2}"/>
+                </a:ext>
+              </a:extLst>
+            </p:cNvPr>
+            <p:cNvSpPr>
+              <a:spLocks noChangeAspect="1"/>
+            </p:cNvSpPr>
+            <p:nvPr/>
+          </p:nvSpPr>
+          <p:spPr>
+            <a:xfrm rot="1800000">
+              <a:off x="4698688" y="2280996"/>
+              <a:ext cx="2721600" cy="2369033"/>
+            </a:xfrm>
+            <a:prstGeom prst="hexagon">
+              <a:avLst>
+                <a:gd name="adj" fmla="val 28372"/>
+                <a:gd name="vf" fmla="val 115470"/>
+              </a:avLst>
+            </a:prstGeom>
             <a:solidFill>
-              <a:schemeClr val="tx1">
-                <a:lumMod val="85000"/>
-                <a:lumOff val="15000"/>
+              <a:srgbClr val="133E4D"/>
+            </a:solidFill>
+            <a:ln w="69850">
+              <a:solidFill>
+                <a:schemeClr val="tx1">
+                  <a:lumMod val="85000"/>
+                  <a:lumOff val="15000"/>
+                </a:schemeClr>
+              </a:solidFill>
+            </a:ln>
+          </p:spPr>
+          <p:style>
+            <a:lnRef idx="2">
+              <a:schemeClr val="accent1">
+                <a:shade val="50000"/>
               </a:schemeClr>
-            </a:solidFill>
-          </a:ln>
-        </p:spPr>
-        <p:style>
-          <a:lnRef idx="2">
-            <a:schemeClr val="accent1">
-              <a:shade val="50000"/>
-            </a:schemeClr>
-          </a:lnRef>
-          <a:fillRef idx="1">
-            <a:schemeClr val="accent1"/>
-          </a:fillRef>
-          <a:effectRef idx="0">
-            <a:schemeClr val="accent1"/>
-          </a:effectRef>
-          <a:fontRef idx="minor">
-            <a:schemeClr val="lt1"/>
-          </a:fontRef>
-        </p:style>
-        <p:txBody>
-          <a:bodyPr rtlCol="0" anchor="ctr"/>
-          <a:lstStyle/>
-          <a:p>
-            <a:pPr algn="ctr"/>
-            <a:endParaRPr lang="en-US" dirty="0"/>
-          </a:p>
-        </p:txBody>
-      </p:sp>
-      <p:sp>
-        <p:nvSpPr>
-          <p:cNvPr id="45" name="TekstSylinder 44"/>
-          <p:cNvSpPr txBox="1"/>
-          <p:nvPr/>
-        </p:nvSpPr>
-        <p:spPr>
-          <a:xfrm>
-            <a:off x="4913440" y="2512027"/>
-            <a:ext cx="2292096" cy="461665"/>
-          </a:xfrm>
-          <a:prstGeom prst="rect">
-            <a:avLst/>
-          </a:prstGeom>
-          <a:noFill/>
-        </p:spPr>
-        <p:txBody>
-          <a:bodyPr wrap="square" rtlCol="0">
-            <a:spAutoFit/>
-          </a:bodyPr>
-          <a:lstStyle/>
-          <a:p>
-            <a:pPr algn="ctr"/>
-            <a:r>
-              <a:rPr lang="nb-NO" sz="2400" dirty="0" err="1" smtClean="0">
+            </a:lnRef>
+            <a:fillRef idx="1">
+              <a:schemeClr val="accent1"/>
+            </a:fillRef>
+            <a:effectRef idx="0">
+              <a:schemeClr val="accent1"/>
+            </a:effectRef>
+            <a:fontRef idx="minor">
+              <a:schemeClr val="lt1"/>
+            </a:fontRef>
+          </p:style>
+          <p:txBody>
+            <a:bodyPr rtlCol="0" anchor="ctr"/>
+            <a:lstStyle/>
+            <a:p>
+              <a:pPr algn="ctr"/>
+              <a:endParaRPr lang="en-US" dirty="0"/>
+            </a:p>
+          </p:txBody>
+        </p:sp>
+        <p:sp>
+          <p:nvSpPr>
+            <p:cNvPr id="45" name="TekstSylinder 44"/>
+            <p:cNvSpPr txBox="1"/>
+            <p:nvPr/>
+          </p:nvSpPr>
+          <p:spPr>
+            <a:xfrm>
+              <a:off x="4913440" y="2512027"/>
+              <a:ext cx="2292096" cy="461665"/>
+            </a:xfrm>
+            <a:prstGeom prst="rect">
+              <a:avLst/>
+            </a:prstGeom>
+            <a:noFill/>
+          </p:spPr>
+          <p:txBody>
+            <a:bodyPr wrap="square" rtlCol="0">
+              <a:spAutoFit/>
+            </a:bodyPr>
+            <a:lstStyle/>
+            <a:p>
+              <a:pPr algn="ctr"/>
+              <a:r>
+                <a:rPr lang="nb-NO" sz="2400" dirty="0" err="1" smtClean="0">
+                  <a:solidFill>
+                    <a:schemeClr val="bg2">
+                      <a:lumMod val="90000"/>
+                    </a:schemeClr>
+                  </a:solidFill>
+                  <a:latin typeface="Trebuchet MS" panose="020B0603020202020204" pitchFamily="34" charset="0"/>
+                </a:rPr>
+                <a:t>NVIspatial</a:t>
+              </a:r>
+              <a:endParaRPr lang="nb-NO" sz="2400" dirty="0">
                 <a:solidFill>
                   <a:schemeClr val="bg2">
                     <a:lumMod val="90000"/>
                   </a:schemeClr>
                 </a:solidFill>
                 <a:latin typeface="Trebuchet MS" panose="020B0603020202020204" pitchFamily="34" charset="0"/>
-              </a:rPr>
-              <a:t>NVIspatial</a:t>
-            </a:r>
-            <a:endParaRPr lang="nb-NO" sz="2400" dirty="0">
-              <a:solidFill>
-                <a:schemeClr val="bg2">
-                  <a:lumMod val="90000"/>
-                </a:schemeClr>
-              </a:solidFill>
-              <a:latin typeface="Trebuchet MS" panose="020B0603020202020204" pitchFamily="34" charset="0"/>
-            </a:endParaRPr>
-          </a:p>
-        </p:txBody>
-      </p:sp>
+              </a:endParaRPr>
+            </a:p>
+          </p:txBody>
+        </p:sp>
+        <p:grpSp>
+          <p:nvGrpSpPr>
+            <p:cNvPr id="67" name="Gruppe 66"/>
+            <p:cNvGrpSpPr/>
+            <p:nvPr/>
+          </p:nvGrpSpPr>
+          <p:grpSpPr>
+            <a:xfrm>
+              <a:off x="5332393" y="3112450"/>
+              <a:ext cx="1261979" cy="1237683"/>
+              <a:chOff x="5332393" y="3112450"/>
+              <a:chExt cx="1261979" cy="1237683"/>
+            </a:xfrm>
+          </p:grpSpPr>
+          <p:grpSp>
+            <p:nvGrpSpPr>
+              <p:cNvPr id="64" name="Gruppe 63"/>
+              <p:cNvGrpSpPr/>
+              <p:nvPr/>
+            </p:nvGrpSpPr>
+            <p:grpSpPr>
+              <a:xfrm>
+                <a:off x="5805579" y="3112450"/>
+                <a:ext cx="730507" cy="678951"/>
+                <a:chOff x="1202441" y="1536675"/>
+                <a:chExt cx="730507" cy="678951"/>
+              </a:xfrm>
+            </p:grpSpPr>
+            <p:sp>
+              <p:nvSpPr>
+                <p:cNvPr id="59" name="Hexagon 35">
+                  <a:extLst>
+                    <a:ext uri="{FF2B5EF4-FFF2-40B4-BE49-F238E27FC236}">
+                      <a16:creationId xmlns:a16="http://schemas.microsoft.com/office/drawing/2014/main" id="{90E46B38-1301-774F-8904-FFF8966BD8C2}"/>
+                    </a:ext>
+                  </a:extLst>
+                </p:cNvPr>
+                <p:cNvSpPr>
+                  <a:spLocks noChangeAspect="1"/>
+                </p:cNvSpPr>
+                <p:nvPr/>
+              </p:nvSpPr>
+              <p:spPr>
+                <a:xfrm rot="1800000">
+                  <a:off x="1202441" y="1536675"/>
+                  <a:ext cx="730507" cy="635874"/>
+                </a:xfrm>
+                <a:prstGeom prst="hexagon">
+                  <a:avLst>
+                    <a:gd name="adj" fmla="val 28372"/>
+                    <a:gd name="vf" fmla="val 115470"/>
+                  </a:avLst>
+                </a:prstGeom>
+                <a:solidFill>
+                  <a:schemeClr val="bg1">
+                    <a:lumMod val="85000"/>
+                  </a:schemeClr>
+                </a:solidFill>
+                <a:ln w="38100">
+                  <a:solidFill>
+                    <a:srgbClr val="00A14A"/>
+                  </a:solidFill>
+                </a:ln>
+              </p:spPr>
+              <p:style>
+                <a:lnRef idx="2">
+                  <a:schemeClr val="accent1">
+                    <a:shade val="50000"/>
+                  </a:schemeClr>
+                </a:lnRef>
+                <a:fillRef idx="1">
+                  <a:schemeClr val="accent1"/>
+                </a:fillRef>
+                <a:effectRef idx="0">
+                  <a:schemeClr val="accent1"/>
+                </a:effectRef>
+                <a:fontRef idx="minor">
+                  <a:schemeClr val="lt1"/>
+                </a:fontRef>
+              </p:style>
+              <p:txBody>
+                <a:bodyPr rtlCol="0" anchor="ctr"/>
+                <a:lstStyle/>
+                <a:p>
+                  <a:pPr algn="ctr"/>
+                  <a:endParaRPr lang="en-US" dirty="0"/>
+                </a:p>
+              </p:txBody>
+            </p:sp>
+            <p:cxnSp>
+              <p:nvCxnSpPr>
+                <p:cNvPr id="60" name="Rett linje 59"/>
+                <p:cNvCxnSpPr/>
+                <p:nvPr/>
+              </p:nvCxnSpPr>
+              <p:spPr>
+                <a:xfrm>
+                  <a:off x="1567613" y="1832600"/>
+                  <a:ext cx="0" cy="383026"/>
+                </a:xfrm>
+                <a:prstGeom prst="line">
+                  <a:avLst/>
+                </a:prstGeom>
+                <a:ln w="38100">
+                  <a:solidFill>
+                    <a:srgbClr val="00A14A"/>
+                  </a:solidFill>
+                </a:ln>
+              </p:spPr>
+              <p:style>
+                <a:lnRef idx="1">
+                  <a:schemeClr val="accent1"/>
+                </a:lnRef>
+                <a:fillRef idx="0">
+                  <a:schemeClr val="accent1"/>
+                </a:fillRef>
+                <a:effectRef idx="0">
+                  <a:schemeClr val="accent1"/>
+                </a:effectRef>
+                <a:fontRef idx="minor">
+                  <a:schemeClr val="tx1"/>
+                </a:fontRef>
+              </p:style>
+            </p:cxnSp>
+            <p:cxnSp>
+              <p:nvCxnSpPr>
+                <p:cNvPr id="61" name="Rett linje 60"/>
+                <p:cNvCxnSpPr/>
+                <p:nvPr/>
+              </p:nvCxnSpPr>
+              <p:spPr>
+                <a:xfrm flipH="1" flipV="1">
+                  <a:off x="1244383" y="1663970"/>
+                  <a:ext cx="323230" cy="190642"/>
+                </a:xfrm>
+                <a:prstGeom prst="line">
+                  <a:avLst/>
+                </a:prstGeom>
+                <a:ln w="38100">
+                  <a:solidFill>
+                    <a:srgbClr val="00A14A"/>
+                  </a:solidFill>
+                </a:ln>
+              </p:spPr>
+              <p:style>
+                <a:lnRef idx="1">
+                  <a:schemeClr val="accent1"/>
+                </a:lnRef>
+                <a:fillRef idx="0">
+                  <a:schemeClr val="accent1"/>
+                </a:fillRef>
+                <a:effectRef idx="0">
+                  <a:schemeClr val="accent1"/>
+                </a:effectRef>
+                <a:fontRef idx="minor">
+                  <a:schemeClr val="tx1"/>
+                </a:fontRef>
+              </p:style>
+            </p:cxnSp>
+            <p:cxnSp>
+              <p:nvCxnSpPr>
+                <p:cNvPr id="62" name="Rett linje 61"/>
+                <p:cNvCxnSpPr/>
+                <p:nvPr/>
+              </p:nvCxnSpPr>
+              <p:spPr>
+                <a:xfrm flipV="1">
+                  <a:off x="1567613" y="1663971"/>
+                  <a:ext cx="312338" cy="190641"/>
+                </a:xfrm>
+                <a:prstGeom prst="line">
+                  <a:avLst/>
+                </a:prstGeom>
+                <a:ln w="38100">
+                  <a:solidFill>
+                    <a:srgbClr val="00A14A"/>
+                  </a:solidFill>
+                </a:ln>
+              </p:spPr>
+              <p:style>
+                <a:lnRef idx="1">
+                  <a:schemeClr val="accent1"/>
+                </a:lnRef>
+                <a:fillRef idx="0">
+                  <a:schemeClr val="accent1"/>
+                </a:fillRef>
+                <a:effectRef idx="0">
+                  <a:schemeClr val="accent1"/>
+                </a:effectRef>
+                <a:fontRef idx="minor">
+                  <a:schemeClr val="tx1"/>
+                </a:fontRef>
+              </p:style>
+            </p:cxnSp>
+          </p:grpSp>
+          <p:grpSp>
+            <p:nvGrpSpPr>
+              <p:cNvPr id="63" name="Gruppe 62"/>
+              <p:cNvGrpSpPr/>
+              <p:nvPr/>
+            </p:nvGrpSpPr>
+            <p:grpSpPr>
+              <a:xfrm>
+                <a:off x="5332393" y="3408639"/>
+                <a:ext cx="730507" cy="678951"/>
+                <a:chOff x="3673266" y="2104375"/>
+                <a:chExt cx="730507" cy="678951"/>
+              </a:xfrm>
+            </p:grpSpPr>
+            <p:sp>
+              <p:nvSpPr>
+                <p:cNvPr id="50" name="Hexagon 35">
+                  <a:extLst>
+                    <a:ext uri="{FF2B5EF4-FFF2-40B4-BE49-F238E27FC236}">
+                      <a16:creationId xmlns:a16="http://schemas.microsoft.com/office/drawing/2014/main" id="{90E46B38-1301-774F-8904-FFF8966BD8C2}"/>
+                    </a:ext>
+                  </a:extLst>
+                </p:cNvPr>
+                <p:cNvSpPr>
+                  <a:spLocks noChangeAspect="1"/>
+                </p:cNvSpPr>
+                <p:nvPr/>
+              </p:nvSpPr>
+              <p:spPr>
+                <a:xfrm rot="1800000">
+                  <a:off x="3673266" y="2104375"/>
+                  <a:ext cx="730507" cy="635874"/>
+                </a:xfrm>
+                <a:prstGeom prst="hexagon">
+                  <a:avLst>
+                    <a:gd name="adj" fmla="val 28372"/>
+                    <a:gd name="vf" fmla="val 115470"/>
+                  </a:avLst>
+                </a:prstGeom>
+                <a:solidFill>
+                  <a:schemeClr val="bg1">
+                    <a:lumMod val="85000"/>
+                  </a:schemeClr>
+                </a:solidFill>
+                <a:ln w="38100">
+                  <a:solidFill>
+                    <a:srgbClr val="DE2212"/>
+                  </a:solidFill>
+                </a:ln>
+              </p:spPr>
+              <p:style>
+                <a:lnRef idx="2">
+                  <a:schemeClr val="accent1">
+                    <a:shade val="50000"/>
+                  </a:schemeClr>
+                </a:lnRef>
+                <a:fillRef idx="1">
+                  <a:schemeClr val="accent1"/>
+                </a:fillRef>
+                <a:effectRef idx="0">
+                  <a:schemeClr val="accent1"/>
+                </a:effectRef>
+                <a:fontRef idx="minor">
+                  <a:schemeClr val="lt1"/>
+                </a:fontRef>
+              </p:style>
+              <p:txBody>
+                <a:bodyPr rtlCol="0" anchor="ctr"/>
+                <a:lstStyle/>
+                <a:p>
+                  <a:pPr algn="ctr"/>
+                  <a:endParaRPr lang="en-US" dirty="0"/>
+                </a:p>
+              </p:txBody>
+            </p:sp>
+            <p:cxnSp>
+              <p:nvCxnSpPr>
+                <p:cNvPr id="47" name="Rett linje 46"/>
+                <p:cNvCxnSpPr/>
+                <p:nvPr/>
+              </p:nvCxnSpPr>
+              <p:spPr>
+                <a:xfrm>
+                  <a:off x="4038438" y="2400300"/>
+                  <a:ext cx="0" cy="383026"/>
+                </a:xfrm>
+                <a:prstGeom prst="line">
+                  <a:avLst/>
+                </a:prstGeom>
+                <a:ln w="38100">
+                  <a:solidFill>
+                    <a:srgbClr val="DE2212"/>
+                  </a:solidFill>
+                </a:ln>
+              </p:spPr>
+              <p:style>
+                <a:lnRef idx="1">
+                  <a:schemeClr val="accent1"/>
+                </a:lnRef>
+                <a:fillRef idx="0">
+                  <a:schemeClr val="accent1"/>
+                </a:fillRef>
+                <a:effectRef idx="0">
+                  <a:schemeClr val="accent1"/>
+                </a:effectRef>
+                <a:fontRef idx="minor">
+                  <a:schemeClr val="tx1"/>
+                </a:fontRef>
+              </p:style>
+            </p:cxnSp>
+            <p:cxnSp>
+              <p:nvCxnSpPr>
+                <p:cNvPr id="48" name="Rett linje 47"/>
+                <p:cNvCxnSpPr/>
+                <p:nvPr/>
+              </p:nvCxnSpPr>
+              <p:spPr>
+                <a:xfrm flipH="1" flipV="1">
+                  <a:off x="3715208" y="2231670"/>
+                  <a:ext cx="323230" cy="190642"/>
+                </a:xfrm>
+                <a:prstGeom prst="line">
+                  <a:avLst/>
+                </a:prstGeom>
+                <a:ln w="38100">
+                  <a:solidFill>
+                    <a:srgbClr val="DE2212"/>
+                  </a:solidFill>
+                </a:ln>
+              </p:spPr>
+              <p:style>
+                <a:lnRef idx="1">
+                  <a:schemeClr val="accent1"/>
+                </a:lnRef>
+                <a:fillRef idx="0">
+                  <a:schemeClr val="accent1"/>
+                </a:fillRef>
+                <a:effectRef idx="0">
+                  <a:schemeClr val="accent1"/>
+                </a:effectRef>
+                <a:fontRef idx="minor">
+                  <a:schemeClr val="tx1"/>
+                </a:fontRef>
+              </p:style>
+            </p:cxnSp>
+            <p:cxnSp>
+              <p:nvCxnSpPr>
+                <p:cNvPr id="49" name="Rett linje 48"/>
+                <p:cNvCxnSpPr/>
+                <p:nvPr/>
+              </p:nvCxnSpPr>
+              <p:spPr>
+                <a:xfrm flipV="1">
+                  <a:off x="4038438" y="2231671"/>
+                  <a:ext cx="312338" cy="190641"/>
+                </a:xfrm>
+                <a:prstGeom prst="line">
+                  <a:avLst/>
+                </a:prstGeom>
+                <a:ln w="38100">
+                  <a:solidFill>
+                    <a:srgbClr val="DE2212"/>
+                  </a:solidFill>
+                </a:ln>
+              </p:spPr>
+              <p:style>
+                <a:lnRef idx="1">
+                  <a:schemeClr val="accent1"/>
+                </a:lnRef>
+                <a:fillRef idx="0">
+                  <a:schemeClr val="accent1"/>
+                </a:fillRef>
+                <a:effectRef idx="0">
+                  <a:schemeClr val="accent1"/>
+                </a:effectRef>
+                <a:fontRef idx="minor">
+                  <a:schemeClr val="tx1"/>
+                </a:fontRef>
+              </p:style>
+            </p:cxnSp>
+          </p:grpSp>
+          <p:grpSp>
+            <p:nvGrpSpPr>
+              <p:cNvPr id="65" name="Gruppe 64"/>
+              <p:cNvGrpSpPr/>
+              <p:nvPr/>
+            </p:nvGrpSpPr>
+            <p:grpSpPr>
+              <a:xfrm>
+                <a:off x="5863865" y="3671182"/>
+                <a:ext cx="730507" cy="678951"/>
+                <a:chOff x="3753098" y="3285839"/>
+                <a:chExt cx="730507" cy="678951"/>
+              </a:xfrm>
+            </p:grpSpPr>
+            <p:sp>
+              <p:nvSpPr>
+                <p:cNvPr id="55" name="Hexagon 35">
+                  <a:extLst>
+                    <a:ext uri="{FF2B5EF4-FFF2-40B4-BE49-F238E27FC236}">
+                      <a16:creationId xmlns:a16="http://schemas.microsoft.com/office/drawing/2014/main" id="{90E46B38-1301-774F-8904-FFF8966BD8C2}"/>
+                    </a:ext>
+                  </a:extLst>
+                </p:cNvPr>
+                <p:cNvSpPr>
+                  <a:spLocks noChangeAspect="1"/>
+                </p:cNvSpPr>
+                <p:nvPr/>
+              </p:nvSpPr>
+              <p:spPr>
+                <a:xfrm rot="1800000">
+                  <a:off x="3753098" y="3285839"/>
+                  <a:ext cx="730507" cy="635874"/>
+                </a:xfrm>
+                <a:prstGeom prst="hexagon">
+                  <a:avLst>
+                    <a:gd name="adj" fmla="val 28372"/>
+                    <a:gd name="vf" fmla="val 115470"/>
+                  </a:avLst>
+                </a:prstGeom>
+                <a:solidFill>
+                  <a:schemeClr val="bg1">
+                    <a:lumMod val="85000"/>
+                  </a:schemeClr>
+                </a:solidFill>
+                <a:ln w="38100">
+                  <a:solidFill>
+                    <a:srgbClr val="00A6EB"/>
+                  </a:solidFill>
+                </a:ln>
+              </p:spPr>
+              <p:style>
+                <a:lnRef idx="2">
+                  <a:schemeClr val="accent1">
+                    <a:shade val="50000"/>
+                  </a:schemeClr>
+                </a:lnRef>
+                <a:fillRef idx="1">
+                  <a:schemeClr val="accent1"/>
+                </a:fillRef>
+                <a:effectRef idx="0">
+                  <a:schemeClr val="accent1"/>
+                </a:effectRef>
+                <a:fontRef idx="minor">
+                  <a:schemeClr val="lt1"/>
+                </a:fontRef>
+              </p:style>
+              <p:txBody>
+                <a:bodyPr rtlCol="0" anchor="ctr"/>
+                <a:lstStyle/>
+                <a:p>
+                  <a:pPr algn="ctr"/>
+                  <a:endParaRPr lang="en-US" dirty="0"/>
+                </a:p>
+              </p:txBody>
+            </p:sp>
+            <p:cxnSp>
+              <p:nvCxnSpPr>
+                <p:cNvPr id="56" name="Rett linje 55"/>
+                <p:cNvCxnSpPr/>
+                <p:nvPr/>
+              </p:nvCxnSpPr>
+              <p:spPr>
+                <a:xfrm>
+                  <a:off x="4118270" y="3581764"/>
+                  <a:ext cx="0" cy="383026"/>
+                </a:xfrm>
+                <a:prstGeom prst="line">
+                  <a:avLst/>
+                </a:prstGeom>
+                <a:ln w="38100">
+                  <a:solidFill>
+                    <a:srgbClr val="00A6EB"/>
+                  </a:solidFill>
+                </a:ln>
+              </p:spPr>
+              <p:style>
+                <a:lnRef idx="1">
+                  <a:schemeClr val="accent1"/>
+                </a:lnRef>
+                <a:fillRef idx="0">
+                  <a:schemeClr val="accent1"/>
+                </a:fillRef>
+                <a:effectRef idx="0">
+                  <a:schemeClr val="accent1"/>
+                </a:effectRef>
+                <a:fontRef idx="minor">
+                  <a:schemeClr val="tx1"/>
+                </a:fontRef>
+              </p:style>
+            </p:cxnSp>
+            <p:cxnSp>
+              <p:nvCxnSpPr>
+                <p:cNvPr id="57" name="Rett linje 56"/>
+                <p:cNvCxnSpPr/>
+                <p:nvPr/>
+              </p:nvCxnSpPr>
+              <p:spPr>
+                <a:xfrm flipH="1" flipV="1">
+                  <a:off x="3795040" y="3413134"/>
+                  <a:ext cx="323230" cy="190642"/>
+                </a:xfrm>
+                <a:prstGeom prst="line">
+                  <a:avLst/>
+                </a:prstGeom>
+                <a:ln w="38100">
+                  <a:solidFill>
+                    <a:srgbClr val="00A6EB"/>
+                  </a:solidFill>
+                </a:ln>
+              </p:spPr>
+              <p:style>
+                <a:lnRef idx="1">
+                  <a:schemeClr val="accent1"/>
+                </a:lnRef>
+                <a:fillRef idx="0">
+                  <a:schemeClr val="accent1"/>
+                </a:fillRef>
+                <a:effectRef idx="0">
+                  <a:schemeClr val="accent1"/>
+                </a:effectRef>
+                <a:fontRef idx="minor">
+                  <a:schemeClr val="tx1"/>
+                </a:fontRef>
+              </p:style>
+            </p:cxnSp>
+            <p:cxnSp>
+              <p:nvCxnSpPr>
+                <p:cNvPr id="58" name="Rett linje 57"/>
+                <p:cNvCxnSpPr/>
+                <p:nvPr/>
+              </p:nvCxnSpPr>
+              <p:spPr>
+                <a:xfrm flipV="1">
+                  <a:off x="4118270" y="3413135"/>
+                  <a:ext cx="312338" cy="190641"/>
+                </a:xfrm>
+                <a:prstGeom prst="line">
+                  <a:avLst/>
+                </a:prstGeom>
+                <a:ln w="38100">
+                  <a:solidFill>
+                    <a:srgbClr val="00A6EB"/>
+                  </a:solidFill>
+                </a:ln>
+              </p:spPr>
+              <p:style>
+                <a:lnRef idx="1">
+                  <a:schemeClr val="accent1"/>
+                </a:lnRef>
+                <a:fillRef idx="0">
+                  <a:schemeClr val="accent1"/>
+                </a:fillRef>
+                <a:effectRef idx="0">
+                  <a:schemeClr val="accent1"/>
+                </a:effectRef>
+                <a:fontRef idx="minor">
+                  <a:schemeClr val="tx1"/>
+                </a:fontRef>
+              </p:style>
+            </p:cxnSp>
+          </p:grpSp>
+        </p:grpSp>
+      </p:grpSp>
     </p:spTree>
     <p:extLst>
       <p:ext uri="{BB962C8B-B14F-4D97-AF65-F5344CB8AC3E}">
@@ -25858,18 +26431,18 @@
 </file>
 
 <file path=customXml/item2.xml><?xml version="1.0" encoding="utf-8"?>
-<p:properties xmlns:p="http://schemas.microsoft.com/office/2006/metadata/properties" xmlns:xsi="http://www.w3.org/2001/XMLSchema-instance" xmlns:pc="http://schemas.microsoft.com/office/infopath/2007/PartnerControls">
-  <documentManagement/>
-</p:properties>
-</file>
-
-<file path=customXml/item3.xml><?xml version="1.0" encoding="utf-8"?>
 <?mso-contentType ?>
 <FormTemplates xmlns="http://schemas.microsoft.com/sharepoint/v3/contenttype/forms">
   <Display>DocumentLibraryForm</Display>
   <Edit>DocumentLibraryForm</Edit>
   <New>DocumentLibraryForm</New>
 </FormTemplates>
+</file>
+
+<file path=customXml/item3.xml><?xml version="1.0" encoding="utf-8"?>
+<p:properties xmlns:p="http://schemas.microsoft.com/office/2006/metadata/properties" xmlns:xsi="http://www.w3.org/2001/XMLSchema-instance" xmlns:pc="http://schemas.microsoft.com/office/infopath/2007/PartnerControls">
+  <documentManagement/>
+</p:properties>
 </file>
 
 <file path=customXml/itemProps1.xml><?xml version="1.0" encoding="utf-8"?>
@@ -25891,6 +26464,14 @@
 </file>
 
 <file path=customXml/itemProps2.xml><?xml version="1.0" encoding="utf-8"?>
+<ds:datastoreItem xmlns:ds="http://schemas.openxmlformats.org/officeDocument/2006/customXml" ds:itemID="{4BE7E9B0-0351-4956-BF80-844462B099ED}">
+  <ds:schemaRefs>
+    <ds:schemaRef ds:uri="http://schemas.microsoft.com/sharepoint/v3/contenttype/forms"/>
+  </ds:schemaRefs>
+</ds:datastoreItem>
+</file>
+
+<file path=customXml/itemProps3.xml><?xml version="1.0" encoding="utf-8"?>
 <ds:datastoreItem xmlns:ds="http://schemas.openxmlformats.org/officeDocument/2006/customXml" ds:itemID="{7DEC415D-4AD5-4872-9DD1-7B94914CAE4D}">
   <ds:schemaRefs>
     <ds:schemaRef ds:uri="http://purl.org/dc/elements/1.1/"/>
@@ -25904,12 +26485,4 @@
     <ds:schemaRef ds:uri="http://purl.org/dc/terms/"/>
   </ds:schemaRefs>
 </ds:datastoreItem>
-</file>
-
-<file path=customXml/itemProps3.xml><?xml version="1.0" encoding="utf-8"?>
-<ds:datastoreItem xmlns:ds="http://schemas.openxmlformats.org/officeDocument/2006/customXml" ds:itemID="{4BE7E9B0-0351-4956-BF80-844462B099ED}">
-  <ds:schemaRefs>
-    <ds:schemaRef ds:uri="http://schemas.microsoft.com/sharepoint/v3/contenttype/forms"/>
-  </ds:schemaRefs>
-</ds:datastoreItem>
 </file>
--- a/data-raw/logos.pptx
+++ b/data-raw/logos.pptx
@@ -269,7 +269,7 @@
           <a:p>
             <a:fld id="{09605B3F-6133-425E-A10B-41F9F06FCAC6}" type="datetimeFigureOut">
               <a:rPr lang="nb-NO" smtClean="0"/>
-              <a:t>04.10.2023</a:t>
+              <a:t>22.02.2024</a:t>
             </a:fld>
             <a:endParaRPr lang="nb-NO"/>
           </a:p>
@@ -439,7 +439,7 @@
           <a:p>
             <a:fld id="{09605B3F-6133-425E-A10B-41F9F06FCAC6}" type="datetimeFigureOut">
               <a:rPr lang="nb-NO" smtClean="0"/>
-              <a:t>04.10.2023</a:t>
+              <a:t>22.02.2024</a:t>
             </a:fld>
             <a:endParaRPr lang="nb-NO"/>
           </a:p>
@@ -619,7 +619,7 @@
           <a:p>
             <a:fld id="{09605B3F-6133-425E-A10B-41F9F06FCAC6}" type="datetimeFigureOut">
               <a:rPr lang="nb-NO" smtClean="0"/>
-              <a:t>04.10.2023</a:t>
+              <a:t>22.02.2024</a:t>
             </a:fld>
             <a:endParaRPr lang="nb-NO"/>
           </a:p>
@@ -789,7 +789,7 @@
           <a:p>
             <a:fld id="{09605B3F-6133-425E-A10B-41F9F06FCAC6}" type="datetimeFigureOut">
               <a:rPr lang="nb-NO" smtClean="0"/>
-              <a:t>04.10.2023</a:t>
+              <a:t>22.02.2024</a:t>
             </a:fld>
             <a:endParaRPr lang="nb-NO"/>
           </a:p>
@@ -1035,7 +1035,7 @@
           <a:p>
             <a:fld id="{09605B3F-6133-425E-A10B-41F9F06FCAC6}" type="datetimeFigureOut">
               <a:rPr lang="nb-NO" smtClean="0"/>
-              <a:t>04.10.2023</a:t>
+              <a:t>22.02.2024</a:t>
             </a:fld>
             <a:endParaRPr lang="nb-NO"/>
           </a:p>
@@ -1267,7 +1267,7 @@
           <a:p>
             <a:fld id="{09605B3F-6133-425E-A10B-41F9F06FCAC6}" type="datetimeFigureOut">
               <a:rPr lang="nb-NO" smtClean="0"/>
-              <a:t>04.10.2023</a:t>
+              <a:t>22.02.2024</a:t>
             </a:fld>
             <a:endParaRPr lang="nb-NO"/>
           </a:p>
@@ -1634,7 +1634,7 @@
           <a:p>
             <a:fld id="{09605B3F-6133-425E-A10B-41F9F06FCAC6}" type="datetimeFigureOut">
               <a:rPr lang="nb-NO" smtClean="0"/>
-              <a:t>04.10.2023</a:t>
+              <a:t>22.02.2024</a:t>
             </a:fld>
             <a:endParaRPr lang="nb-NO"/>
           </a:p>
@@ -1752,7 +1752,7 @@
           <a:p>
             <a:fld id="{09605B3F-6133-425E-A10B-41F9F06FCAC6}" type="datetimeFigureOut">
               <a:rPr lang="nb-NO" smtClean="0"/>
-              <a:t>04.10.2023</a:t>
+              <a:t>22.02.2024</a:t>
             </a:fld>
             <a:endParaRPr lang="nb-NO"/>
           </a:p>
@@ -1847,7 +1847,7 @@
           <a:p>
             <a:fld id="{09605B3F-6133-425E-A10B-41F9F06FCAC6}" type="datetimeFigureOut">
               <a:rPr lang="nb-NO" smtClean="0"/>
-              <a:t>04.10.2023</a:t>
+              <a:t>22.02.2024</a:t>
             </a:fld>
             <a:endParaRPr lang="nb-NO"/>
           </a:p>
@@ -2124,7 +2124,7 @@
           <a:p>
             <a:fld id="{09605B3F-6133-425E-A10B-41F9F06FCAC6}" type="datetimeFigureOut">
               <a:rPr lang="nb-NO" smtClean="0"/>
-              <a:t>04.10.2023</a:t>
+              <a:t>22.02.2024</a:t>
             </a:fld>
             <a:endParaRPr lang="nb-NO"/>
           </a:p>
@@ -2377,7 +2377,7 @@
           <a:p>
             <a:fld id="{09605B3F-6133-425E-A10B-41F9F06FCAC6}" type="datetimeFigureOut">
               <a:rPr lang="nb-NO" smtClean="0"/>
-              <a:t>04.10.2023</a:t>
+              <a:t>22.02.2024</a:t>
             </a:fld>
             <a:endParaRPr lang="nb-NO"/>
           </a:p>
@@ -2590,7 +2590,7 @@
           <a:p>
             <a:fld id="{09605B3F-6133-425E-A10B-41F9F06FCAC6}" type="datetimeFigureOut">
               <a:rPr lang="nb-NO" smtClean="0"/>
-              <a:t>04.10.2023</a:t>
+              <a:t>22.02.2024</a:t>
             </a:fld>
             <a:endParaRPr lang="nb-NO"/>
           </a:p>
@@ -23291,113 +23291,605 @@
           <a:chExt cx="0" cy="0"/>
         </a:xfrm>
       </p:grpSpPr>
-      <p:sp>
-        <p:nvSpPr>
-          <p:cNvPr id="2" name="Hexagon 35">
-            <a:extLst>
-              <a:ext uri="{FF2B5EF4-FFF2-40B4-BE49-F238E27FC236}">
-                <a16:creationId xmlns:a16="http://schemas.microsoft.com/office/drawing/2014/main" id="{90E46B38-1301-774F-8904-FFF8966BD8C2}"/>
-              </a:ext>
-            </a:extLst>
-          </p:cNvPr>
-          <p:cNvSpPr>
-            <a:spLocks noChangeAspect="1"/>
-          </p:cNvSpPr>
+      <p:grpSp>
+        <p:nvGrpSpPr>
+          <p:cNvPr id="13" name="Gruppe 12"/>
+          <p:cNvGrpSpPr/>
           <p:nvPr/>
-        </p:nvSpPr>
-        <p:spPr>
-          <a:xfrm rot="1800000">
+        </p:nvGrpSpPr>
+        <p:grpSpPr>
+          <a:xfrm>
+            <a:off x="578859" y="1876446"/>
+            <a:ext cx="2482620" cy="2482620"/>
+            <a:chOff x="1613456" y="2996586"/>
+            <a:chExt cx="2482620" cy="2482620"/>
+          </a:xfrm>
+        </p:grpSpPr>
+        <p:sp>
+          <p:nvSpPr>
+            <p:cNvPr id="12" name="Ellipse 11"/>
+            <p:cNvSpPr/>
+            <p:nvPr/>
+          </p:nvSpPr>
+          <p:spPr>
+            <a:xfrm rot="9420000">
+              <a:off x="2609020" y="3381691"/>
+              <a:ext cx="491490" cy="1712410"/>
+            </a:xfrm>
+            <a:prstGeom prst="ellipse">
+              <a:avLst/>
+            </a:prstGeom>
+            <a:solidFill>
+              <a:srgbClr val="00A14A"/>
+            </a:solidFill>
+            <a:ln>
+              <a:solidFill>
+                <a:srgbClr val="00A14A"/>
+              </a:solidFill>
+            </a:ln>
+          </p:spPr>
+          <p:style>
+            <a:lnRef idx="2">
+              <a:schemeClr val="accent1">
+                <a:shade val="50000"/>
+              </a:schemeClr>
+            </a:lnRef>
+            <a:fillRef idx="1">
+              <a:schemeClr val="accent1"/>
+            </a:fillRef>
+            <a:effectRef idx="0">
+              <a:schemeClr val="accent1"/>
+            </a:effectRef>
+            <a:fontRef idx="minor">
+              <a:schemeClr val="lt1"/>
+            </a:fontRef>
+          </p:style>
+          <p:txBody>
+            <a:bodyPr rtlCol="0" anchor="ctr"/>
+            <a:lstStyle/>
+            <a:p>
+              <a:pPr algn="ctr"/>
+              <a:endParaRPr lang="nb-NO"/>
+            </a:p>
+          </p:txBody>
+        </p:sp>
+        <p:sp>
+          <p:nvSpPr>
+            <p:cNvPr id="14" name="Ellipse 13"/>
+            <p:cNvSpPr/>
+            <p:nvPr/>
+          </p:nvSpPr>
+          <p:spPr>
+            <a:xfrm rot="6720000">
+              <a:off x="2609020" y="3381691"/>
+              <a:ext cx="491490" cy="1712410"/>
+            </a:xfrm>
+            <a:prstGeom prst="ellipse">
+              <a:avLst/>
+            </a:prstGeom>
+            <a:solidFill>
+              <a:srgbClr val="00A14A"/>
+            </a:solidFill>
+            <a:ln>
+              <a:solidFill>
+                <a:srgbClr val="00A14A"/>
+              </a:solidFill>
+            </a:ln>
+          </p:spPr>
+          <p:style>
+            <a:lnRef idx="2">
+              <a:schemeClr val="accent1">
+                <a:shade val="50000"/>
+              </a:schemeClr>
+            </a:lnRef>
+            <a:fillRef idx="1">
+              <a:schemeClr val="accent1"/>
+            </a:fillRef>
+            <a:effectRef idx="0">
+              <a:schemeClr val="accent1"/>
+            </a:effectRef>
+            <a:fontRef idx="minor">
+              <a:schemeClr val="lt1"/>
+            </a:fontRef>
+          </p:style>
+          <p:txBody>
+            <a:bodyPr rtlCol="0" anchor="ctr"/>
+            <a:lstStyle/>
+            <a:p>
+              <a:pPr algn="ctr"/>
+              <a:endParaRPr lang="nb-NO"/>
+            </a:p>
+          </p:txBody>
+        </p:sp>
+        <p:sp>
+          <p:nvSpPr>
+            <p:cNvPr id="15" name="Ellipse 14"/>
+            <p:cNvSpPr/>
+            <p:nvPr/>
+          </p:nvSpPr>
+          <p:spPr>
+            <a:xfrm rot="4020000">
+              <a:off x="2609020" y="3381691"/>
+              <a:ext cx="491490" cy="1712410"/>
+            </a:xfrm>
+            <a:prstGeom prst="ellipse">
+              <a:avLst/>
+            </a:prstGeom>
+            <a:solidFill>
+              <a:srgbClr val="00A14A"/>
+            </a:solidFill>
+            <a:ln>
+              <a:solidFill>
+                <a:srgbClr val="00A14A"/>
+              </a:solidFill>
+            </a:ln>
+          </p:spPr>
+          <p:style>
+            <a:lnRef idx="2">
+              <a:schemeClr val="accent1">
+                <a:shade val="50000"/>
+              </a:schemeClr>
+            </a:lnRef>
+            <a:fillRef idx="1">
+              <a:schemeClr val="accent1"/>
+            </a:fillRef>
+            <a:effectRef idx="0">
+              <a:schemeClr val="accent1"/>
+            </a:effectRef>
+            <a:fontRef idx="minor">
+              <a:schemeClr val="lt1"/>
+            </a:fontRef>
+          </p:style>
+          <p:txBody>
+            <a:bodyPr rtlCol="0" anchor="ctr"/>
+            <a:lstStyle/>
+            <a:p>
+              <a:pPr algn="ctr"/>
+              <a:endParaRPr lang="nb-NO"/>
+            </a:p>
+          </p:txBody>
+        </p:sp>
+        <p:sp>
+          <p:nvSpPr>
+            <p:cNvPr id="16" name="Ellipse 15"/>
+            <p:cNvSpPr/>
+            <p:nvPr/>
+          </p:nvSpPr>
+          <p:spPr>
+            <a:xfrm rot="1320000">
+              <a:off x="2609020" y="3381691"/>
+              <a:ext cx="491490" cy="1712410"/>
+            </a:xfrm>
+            <a:prstGeom prst="ellipse">
+              <a:avLst/>
+            </a:prstGeom>
+            <a:solidFill>
+              <a:srgbClr val="00A14A"/>
+            </a:solidFill>
+            <a:ln>
+              <a:solidFill>
+                <a:srgbClr val="00A14A"/>
+              </a:solidFill>
+            </a:ln>
+          </p:spPr>
+          <p:style>
+            <a:lnRef idx="2">
+              <a:schemeClr val="accent1">
+                <a:shade val="50000"/>
+              </a:schemeClr>
+            </a:lnRef>
+            <a:fillRef idx="1">
+              <a:schemeClr val="accent1"/>
+            </a:fillRef>
+            <a:effectRef idx="0">
+              <a:schemeClr val="accent1"/>
+            </a:effectRef>
+            <a:fontRef idx="minor">
+              <a:schemeClr val="lt1"/>
+            </a:fontRef>
+          </p:style>
+          <p:txBody>
+            <a:bodyPr rtlCol="0" anchor="ctr"/>
+            <a:lstStyle/>
+            <a:p>
+              <a:pPr algn="ctr"/>
+              <a:endParaRPr lang="nb-NO"/>
+            </a:p>
+          </p:txBody>
+        </p:sp>
+        <p:sp>
+          <p:nvSpPr>
+            <p:cNvPr id="9" name="Ellipse 8"/>
+            <p:cNvSpPr/>
+            <p:nvPr/>
+          </p:nvSpPr>
+          <p:spPr>
+            <a:xfrm rot="10800000">
+              <a:off x="2662682" y="2996586"/>
+              <a:ext cx="384167" cy="2482620"/>
+            </a:xfrm>
+            <a:prstGeom prst="ellipse">
+              <a:avLst/>
+            </a:prstGeom>
+            <a:solidFill>
+              <a:srgbClr val="00A6EB"/>
+            </a:solidFill>
+            <a:ln>
+              <a:solidFill>
+                <a:srgbClr val="00A6EB"/>
+              </a:solidFill>
+            </a:ln>
+          </p:spPr>
+          <p:style>
+            <a:lnRef idx="2">
+              <a:schemeClr val="accent1">
+                <a:shade val="50000"/>
+              </a:schemeClr>
+            </a:lnRef>
+            <a:fillRef idx="1">
+              <a:schemeClr val="accent1"/>
+            </a:fillRef>
+            <a:effectRef idx="0">
+              <a:schemeClr val="accent1"/>
+            </a:effectRef>
+            <a:fontRef idx="minor">
+              <a:schemeClr val="lt1"/>
+            </a:fontRef>
+          </p:style>
+          <p:txBody>
+            <a:bodyPr rtlCol="0" anchor="ctr"/>
+            <a:lstStyle/>
+            <a:p>
+              <a:pPr algn="ctr"/>
+              <a:endParaRPr lang="nb-NO"/>
+            </a:p>
+          </p:txBody>
+        </p:sp>
+        <p:sp>
+          <p:nvSpPr>
+            <p:cNvPr id="17" name="Ellipse 16"/>
+            <p:cNvSpPr/>
+            <p:nvPr/>
+          </p:nvSpPr>
+          <p:spPr>
+            <a:xfrm rot="13500000">
+              <a:off x="2662682" y="2996586"/>
+              <a:ext cx="384167" cy="2482620"/>
+            </a:xfrm>
+            <a:prstGeom prst="ellipse">
+              <a:avLst/>
+            </a:prstGeom>
+            <a:solidFill>
+              <a:srgbClr val="00A6EB"/>
+            </a:solidFill>
+            <a:ln>
+              <a:solidFill>
+                <a:srgbClr val="00A6EB"/>
+              </a:solidFill>
+            </a:ln>
+          </p:spPr>
+          <p:style>
+            <a:lnRef idx="2">
+              <a:schemeClr val="accent1">
+                <a:shade val="50000"/>
+              </a:schemeClr>
+            </a:lnRef>
+            <a:fillRef idx="1">
+              <a:schemeClr val="accent1"/>
+            </a:fillRef>
+            <a:effectRef idx="0">
+              <a:schemeClr val="accent1"/>
+            </a:effectRef>
+            <a:fontRef idx="minor">
+              <a:schemeClr val="lt1"/>
+            </a:fontRef>
+          </p:style>
+          <p:txBody>
+            <a:bodyPr rtlCol="0" anchor="ctr"/>
+            <a:lstStyle/>
+            <a:p>
+              <a:pPr algn="ctr"/>
+              <a:endParaRPr lang="nb-NO"/>
+            </a:p>
+          </p:txBody>
+        </p:sp>
+        <p:sp>
+          <p:nvSpPr>
+            <p:cNvPr id="18" name="Ellipse 17"/>
+            <p:cNvSpPr/>
+            <p:nvPr/>
+          </p:nvSpPr>
+          <p:spPr>
+            <a:xfrm rot="8100000">
+              <a:off x="2662682" y="2996586"/>
+              <a:ext cx="384167" cy="2482620"/>
+            </a:xfrm>
+            <a:prstGeom prst="ellipse">
+              <a:avLst/>
+            </a:prstGeom>
+            <a:solidFill>
+              <a:srgbClr val="00A6EB"/>
+            </a:solidFill>
+            <a:ln>
+              <a:solidFill>
+                <a:srgbClr val="00A6EB"/>
+              </a:solidFill>
+            </a:ln>
+          </p:spPr>
+          <p:style>
+            <a:lnRef idx="2">
+              <a:schemeClr val="accent1">
+                <a:shade val="50000"/>
+              </a:schemeClr>
+            </a:lnRef>
+            <a:fillRef idx="1">
+              <a:schemeClr val="accent1"/>
+            </a:fillRef>
+            <a:effectRef idx="0">
+              <a:schemeClr val="accent1"/>
+            </a:effectRef>
+            <a:fontRef idx="minor">
+              <a:schemeClr val="lt1"/>
+            </a:fontRef>
+          </p:style>
+          <p:txBody>
+            <a:bodyPr rtlCol="0" anchor="ctr"/>
+            <a:lstStyle/>
+            <a:p>
+              <a:pPr algn="ctr"/>
+              <a:endParaRPr lang="nb-NO"/>
+            </a:p>
+          </p:txBody>
+        </p:sp>
+        <p:sp>
+          <p:nvSpPr>
+            <p:cNvPr id="19" name="Ellipse 18"/>
+            <p:cNvSpPr/>
+            <p:nvPr/>
+          </p:nvSpPr>
+          <p:spPr>
+            <a:xfrm rot="5400000">
+              <a:off x="2662682" y="2996586"/>
+              <a:ext cx="384167" cy="2482620"/>
+            </a:xfrm>
+            <a:prstGeom prst="ellipse">
+              <a:avLst/>
+            </a:prstGeom>
+            <a:solidFill>
+              <a:srgbClr val="00A6EB"/>
+            </a:solidFill>
+            <a:ln>
+              <a:solidFill>
+                <a:srgbClr val="00A6EB"/>
+              </a:solidFill>
+            </a:ln>
+          </p:spPr>
+          <p:style>
+            <a:lnRef idx="2">
+              <a:schemeClr val="accent1">
+                <a:shade val="50000"/>
+              </a:schemeClr>
+            </a:lnRef>
+            <a:fillRef idx="1">
+              <a:schemeClr val="accent1"/>
+            </a:fillRef>
+            <a:effectRef idx="0">
+              <a:schemeClr val="accent1"/>
+            </a:effectRef>
+            <a:fontRef idx="minor">
+              <a:schemeClr val="lt1"/>
+            </a:fontRef>
+          </p:style>
+          <p:txBody>
+            <a:bodyPr rtlCol="0" anchor="ctr"/>
+            <a:lstStyle/>
+            <a:p>
+              <a:pPr algn="ctr"/>
+              <a:endParaRPr lang="nb-NO"/>
+            </a:p>
+          </p:txBody>
+        </p:sp>
+        <p:sp>
+          <p:nvSpPr>
+            <p:cNvPr id="4" name="Ellipse 3"/>
+            <p:cNvSpPr/>
+            <p:nvPr/>
+          </p:nvSpPr>
+          <p:spPr>
+            <a:xfrm>
+              <a:off x="2486949" y="3870080"/>
+              <a:ext cx="735632" cy="735632"/>
+            </a:xfrm>
+            <a:prstGeom prst="ellipse">
+              <a:avLst/>
+            </a:prstGeom>
+            <a:solidFill>
+              <a:srgbClr val="DE2212"/>
+            </a:solidFill>
+            <a:ln>
+              <a:solidFill>
+                <a:srgbClr val="DE2212"/>
+              </a:solidFill>
+            </a:ln>
+          </p:spPr>
+          <p:style>
+            <a:lnRef idx="2">
+              <a:schemeClr val="accent1">
+                <a:shade val="50000"/>
+              </a:schemeClr>
+            </a:lnRef>
+            <a:fillRef idx="1">
+              <a:schemeClr val="accent1"/>
+            </a:fillRef>
+            <a:effectRef idx="0">
+              <a:schemeClr val="accent1"/>
+            </a:effectRef>
+            <a:fontRef idx="minor">
+              <a:schemeClr val="lt1"/>
+            </a:fontRef>
+          </p:style>
+          <p:txBody>
+            <a:bodyPr rtlCol="0" anchor="ctr"/>
+            <a:lstStyle/>
+            <a:p>
+              <a:pPr algn="ctr"/>
+              <a:endParaRPr lang="nb-NO"/>
+            </a:p>
+          </p:txBody>
+        </p:sp>
+      </p:grpSp>
+      <p:grpSp>
+        <p:nvGrpSpPr>
+          <p:cNvPr id="22" name="Gruppe 21"/>
+          <p:cNvGrpSpPr/>
+          <p:nvPr/>
+        </p:nvGrpSpPr>
+        <p:grpSpPr>
+          <a:xfrm>
             <a:off x="4735200" y="2244483"/>
             <a:ext cx="2721600" cy="2369033"/>
+            <a:chOff x="4735200" y="2244483"/>
+            <a:chExt cx="2721600" cy="2369033"/>
           </a:xfrm>
-          <a:prstGeom prst="hexagon">
-            <a:avLst>
-              <a:gd name="adj" fmla="val 28372"/>
-              <a:gd name="vf" fmla="val 115470"/>
-            </a:avLst>
-          </a:prstGeom>
-          <a:solidFill>
-            <a:srgbClr val="133E4D"/>
-          </a:solidFill>
-          <a:ln w="69850">
+        </p:grpSpPr>
+        <p:sp>
+          <p:nvSpPr>
+            <p:cNvPr id="2" name="Hexagon 35">
+              <a:extLst>
+                <a:ext uri="{FF2B5EF4-FFF2-40B4-BE49-F238E27FC236}">
+                  <a16:creationId xmlns:a16="http://schemas.microsoft.com/office/drawing/2014/main" id="{90E46B38-1301-774F-8904-FFF8966BD8C2}"/>
+                </a:ext>
+              </a:extLst>
+            </p:cNvPr>
+            <p:cNvSpPr>
+              <a:spLocks noChangeAspect="1"/>
+            </p:cNvSpPr>
+            <p:nvPr/>
+          </p:nvSpPr>
+          <p:spPr>
+            <a:xfrm rot="1800000">
+              <a:off x="4735200" y="2244483"/>
+              <a:ext cx="2721600" cy="2369033"/>
+            </a:xfrm>
+            <a:prstGeom prst="hexagon">
+              <a:avLst>
+                <a:gd name="adj" fmla="val 28372"/>
+                <a:gd name="vf" fmla="val 115470"/>
+              </a:avLst>
+            </a:prstGeom>
             <a:solidFill>
-              <a:schemeClr val="tx1">
-                <a:lumMod val="85000"/>
-                <a:lumOff val="15000"/>
+              <a:srgbClr val="133E4D"/>
+            </a:solidFill>
+            <a:ln w="69850">
+              <a:solidFill>
+                <a:schemeClr val="tx1">
+                  <a:lumMod val="85000"/>
+                  <a:lumOff val="15000"/>
+                </a:schemeClr>
+              </a:solidFill>
+            </a:ln>
+          </p:spPr>
+          <p:style>
+            <a:lnRef idx="2">
+              <a:schemeClr val="accent1">
+                <a:shade val="50000"/>
               </a:schemeClr>
-            </a:solidFill>
-          </a:ln>
-        </p:spPr>
-        <p:style>
-          <a:lnRef idx="2">
-            <a:schemeClr val="accent1">
-              <a:shade val="50000"/>
-            </a:schemeClr>
-          </a:lnRef>
-          <a:fillRef idx="1">
-            <a:schemeClr val="accent1"/>
-          </a:fillRef>
-          <a:effectRef idx="0">
-            <a:schemeClr val="accent1"/>
-          </a:effectRef>
-          <a:fontRef idx="minor">
-            <a:schemeClr val="lt1"/>
-          </a:fontRef>
-        </p:style>
-        <p:txBody>
-          <a:bodyPr rtlCol="0" anchor="ctr"/>
-          <a:lstStyle/>
-          <a:p>
-            <a:pPr algn="ctr"/>
-            <a:endParaRPr lang="en-US" dirty="0"/>
-          </a:p>
-        </p:txBody>
-      </p:sp>
-      <p:sp>
-        <p:nvSpPr>
-          <p:cNvPr id="45" name="TekstSylinder 44"/>
-          <p:cNvSpPr txBox="1"/>
-          <p:nvPr/>
-        </p:nvSpPr>
-        <p:spPr>
-          <a:xfrm>
-            <a:off x="4951956" y="2496396"/>
-            <a:ext cx="2292096" cy="461665"/>
-          </a:xfrm>
-          <a:prstGeom prst="rect">
-            <a:avLst/>
-          </a:prstGeom>
-          <a:noFill/>
-        </p:spPr>
-        <p:txBody>
-          <a:bodyPr wrap="square" rtlCol="0">
-            <a:spAutoFit/>
-          </a:bodyPr>
-          <a:lstStyle/>
-          <a:p>
-            <a:pPr algn="ctr"/>
-            <a:r>
-              <a:rPr lang="nb-NO" sz="2400" dirty="0" err="1" smtClean="0">
+            </a:lnRef>
+            <a:fillRef idx="1">
+              <a:schemeClr val="accent1"/>
+            </a:fillRef>
+            <a:effectRef idx="0">
+              <a:schemeClr val="accent1"/>
+            </a:effectRef>
+            <a:fontRef idx="minor">
+              <a:schemeClr val="lt1"/>
+            </a:fontRef>
+          </p:style>
+          <p:txBody>
+            <a:bodyPr rtlCol="0" anchor="ctr"/>
+            <a:lstStyle/>
+            <a:p>
+              <a:pPr algn="ctr"/>
+              <a:endParaRPr lang="en-US" dirty="0"/>
+            </a:p>
+          </p:txBody>
+        </p:sp>
+        <p:sp>
+          <p:nvSpPr>
+            <p:cNvPr id="45" name="TekstSylinder 44"/>
+            <p:cNvSpPr txBox="1"/>
+            <p:nvPr/>
+          </p:nvSpPr>
+          <p:spPr>
+            <a:xfrm>
+              <a:off x="4951956" y="2496396"/>
+              <a:ext cx="2292096" cy="461665"/>
+            </a:xfrm>
+            <a:prstGeom prst="rect">
+              <a:avLst/>
+            </a:prstGeom>
+            <a:noFill/>
+          </p:spPr>
+          <p:txBody>
+            <a:bodyPr wrap="square" rtlCol="0">
+              <a:spAutoFit/>
+            </a:bodyPr>
+            <a:lstStyle/>
+            <a:p>
+              <a:pPr algn="ctr"/>
+              <a:r>
+                <a:rPr lang="nb-NO" sz="2400" dirty="0" err="1" smtClean="0">
+                  <a:solidFill>
+                    <a:schemeClr val="bg2">
+                      <a:lumMod val="90000"/>
+                    </a:schemeClr>
+                  </a:solidFill>
+                  <a:latin typeface="Trebuchet MS" panose="020B0603020202020204" pitchFamily="34" charset="0"/>
+                </a:rPr>
+                <a:t>NVIpretty</a:t>
+              </a:r>
+              <a:endParaRPr lang="nb-NO" sz="2400" dirty="0">
                 <a:solidFill>
                   <a:schemeClr val="bg2">
                     <a:lumMod val="90000"/>
                   </a:schemeClr>
                 </a:solidFill>
                 <a:latin typeface="Trebuchet MS" panose="020B0603020202020204" pitchFamily="34" charset="0"/>
-              </a:rPr>
-              <a:t>NVIpretty</a:t>
-            </a:r>
-            <a:endParaRPr lang="nb-NO" sz="2400" dirty="0">
-              <a:solidFill>
-                <a:schemeClr val="bg2">
-                  <a:lumMod val="90000"/>
-                </a:schemeClr>
-              </a:solidFill>
-              <a:latin typeface="Trebuchet MS" panose="020B0603020202020204" pitchFamily="34" charset="0"/>
-            </a:endParaRPr>
-          </a:p>
-        </p:txBody>
-      </p:sp>
+              </a:endParaRPr>
+            </a:p>
+          </p:txBody>
+        </p:sp>
+        <p:pic>
+          <p:nvPicPr>
+            <p:cNvPr id="20" name="Bilde 19"/>
+            <p:cNvPicPr>
+              <a:picLocks noChangeAspect="1"/>
+            </p:cNvPicPr>
+            <p:nvPr/>
+          </p:nvPicPr>
+          <p:blipFill>
+            <a:blip r:embed="rId2" cstate="print">
+              <a:extLst>
+                <a:ext uri="{28A0092B-C50C-407E-A947-70E740481C1C}">
+                  <a14:useLocalDpi xmlns:a14="http://schemas.microsoft.com/office/drawing/2010/main" val="0"/>
+                </a:ext>
+              </a:extLst>
+            </a:blip>
+            <a:stretch>
+              <a:fillRect/>
+            </a:stretch>
+          </p:blipFill>
+          <p:spPr>
+            <a:xfrm rot="1380000">
+              <a:off x="5249107" y="2928006"/>
+              <a:ext cx="1620762" cy="1620762"/>
+            </a:xfrm>
+            <a:prstGeom prst="rect">
+              <a:avLst/>
+            </a:prstGeom>
+          </p:spPr>
+        </p:pic>
+      </p:grpSp>
     </p:spTree>
     <p:extLst>
       <p:ext uri="{BB962C8B-B14F-4D97-AF65-F5344CB8AC3E}">
@@ -26253,6 +26745,21 @@
 </file>
 
 <file path=customXml/item1.xml><?xml version="1.0" encoding="utf-8"?>
+<p:properties xmlns:p="http://schemas.microsoft.com/office/2006/metadata/properties" xmlns:xsi="http://www.w3.org/2001/XMLSchema-instance" xmlns:pc="http://schemas.microsoft.com/office/infopath/2007/PartnerControls">
+  <documentManagement/>
+</p:properties>
+</file>
+
+<file path=customXml/item2.xml><?xml version="1.0" encoding="utf-8"?>
+<?mso-contentType ?>
+<FormTemplates xmlns="http://schemas.microsoft.com/sharepoint/v3/contenttype/forms">
+  <Display>DocumentLibraryForm</Display>
+  <Edit>DocumentLibraryForm</Edit>
+  <New>DocumentLibraryForm</New>
+</FormTemplates>
+</file>
+
+<file path=customXml/item3.xml><?xml version="1.0" encoding="utf-8"?>
 <ct:contentTypeSchema xmlns:ct="http://schemas.microsoft.com/office/2006/metadata/contentType" xmlns:ma="http://schemas.microsoft.com/office/2006/metadata/properties/metaAttributes" ct:_="" ma:_="" ma:contentTypeName="Dokument" ma:contentTypeID="0x0101004E8DCD7061C9614189F6D0F57B1C8645" ma:contentTypeVersion="9" ma:contentTypeDescription="Opprett et nytt dokument." ma:contentTypeScope="" ma:versionID="d59b8845ebd1283ad3bf6a548e8d2471">
   <xsd:schema xmlns:xsd="http://www.w3.org/2001/XMLSchema" xmlns:xs="http://www.w3.org/2001/XMLSchema" xmlns:p="http://schemas.microsoft.com/office/2006/metadata/properties" xmlns:ns3="077b9b9c-7f67-45a8-98b7-b654137cbace" targetNamespace="http://schemas.microsoft.com/office/2006/metadata/properties" ma:root="true" ma:fieldsID="972a228023c3d388b754ae5803fd6dc7" ns3:_="">
     <xsd:import namespace="077b9b9c-7f67-45a8-98b7-b654137cbace"/>
@@ -26430,22 +26937,31 @@
 </ct:contentTypeSchema>
 </file>
 
-<file path=customXml/item2.xml><?xml version="1.0" encoding="utf-8"?>
-<?mso-contentType ?>
-<FormTemplates xmlns="http://schemas.microsoft.com/sharepoint/v3/contenttype/forms">
-  <Display>DocumentLibraryForm</Display>
-  <Edit>DocumentLibraryForm</Edit>
-  <New>DocumentLibraryForm</New>
-</FormTemplates>
+<file path=customXml/itemProps1.xml><?xml version="1.0" encoding="utf-8"?>
+<ds:datastoreItem xmlns:ds="http://schemas.openxmlformats.org/officeDocument/2006/customXml" ds:itemID="{7DEC415D-4AD5-4872-9DD1-7B94914CAE4D}">
+  <ds:schemaRefs>
+    <ds:schemaRef ds:uri="http://purl.org/dc/elements/1.1/"/>
+    <ds:schemaRef ds:uri="http://schemas.microsoft.com/office/2006/metadata/properties"/>
+    <ds:schemaRef ds:uri="http://schemas.microsoft.com/office/2006/documentManagement/types"/>
+    <ds:schemaRef ds:uri="http://schemas.openxmlformats.org/package/2006/metadata/core-properties"/>
+    <ds:schemaRef ds:uri="077b9b9c-7f67-45a8-98b7-b654137cbace"/>
+    <ds:schemaRef ds:uri="http://purl.org/dc/dcmitype/"/>
+    <ds:schemaRef ds:uri="http://schemas.microsoft.com/office/infopath/2007/PartnerControls"/>
+    <ds:schemaRef ds:uri="http://www.w3.org/XML/1998/namespace"/>
+    <ds:schemaRef ds:uri="http://purl.org/dc/terms/"/>
+  </ds:schemaRefs>
+</ds:datastoreItem>
 </file>
 
-<file path=customXml/item3.xml><?xml version="1.0" encoding="utf-8"?>
-<p:properties xmlns:p="http://schemas.microsoft.com/office/2006/metadata/properties" xmlns:xsi="http://www.w3.org/2001/XMLSchema-instance" xmlns:pc="http://schemas.microsoft.com/office/infopath/2007/PartnerControls">
-  <documentManagement/>
-</p:properties>
+<file path=customXml/itemProps2.xml><?xml version="1.0" encoding="utf-8"?>
+<ds:datastoreItem xmlns:ds="http://schemas.openxmlformats.org/officeDocument/2006/customXml" ds:itemID="{4BE7E9B0-0351-4956-BF80-844462B099ED}">
+  <ds:schemaRefs>
+    <ds:schemaRef ds:uri="http://schemas.microsoft.com/sharepoint/v3/contenttype/forms"/>
+  </ds:schemaRefs>
+</ds:datastoreItem>
 </file>
 
-<file path=customXml/itemProps1.xml><?xml version="1.0" encoding="utf-8"?>
+<file path=customXml/itemProps3.xml><?xml version="1.0" encoding="utf-8"?>
 <ds:datastoreItem xmlns:ds="http://schemas.openxmlformats.org/officeDocument/2006/customXml" ds:itemID="{A3A0C07D-31B7-4057-9C9C-1ED42245A98F}">
   <ds:schemaRefs>
     <ds:schemaRef ds:uri="http://schemas.microsoft.com/office/2006/metadata/contentType"/>
@@ -26461,28 +26977,4 @@
     <ds:schemaRef ds:uri="http://schemas.microsoft.com/internal/obd"/>
   </ds:schemaRefs>
 </ds:datastoreItem>
-</file>
-
-<file path=customXml/itemProps2.xml><?xml version="1.0" encoding="utf-8"?>
-<ds:datastoreItem xmlns:ds="http://schemas.openxmlformats.org/officeDocument/2006/customXml" ds:itemID="{4BE7E9B0-0351-4956-BF80-844462B099ED}">
-  <ds:schemaRefs>
-    <ds:schemaRef ds:uri="http://schemas.microsoft.com/sharepoint/v3/contenttype/forms"/>
-  </ds:schemaRefs>
-</ds:datastoreItem>
-</file>
-
-<file path=customXml/itemProps3.xml><?xml version="1.0" encoding="utf-8"?>
-<ds:datastoreItem xmlns:ds="http://schemas.openxmlformats.org/officeDocument/2006/customXml" ds:itemID="{7DEC415D-4AD5-4872-9DD1-7B94914CAE4D}">
-  <ds:schemaRefs>
-    <ds:schemaRef ds:uri="http://purl.org/dc/elements/1.1/"/>
-    <ds:schemaRef ds:uri="http://schemas.microsoft.com/office/2006/metadata/properties"/>
-    <ds:schemaRef ds:uri="http://schemas.microsoft.com/office/2006/documentManagement/types"/>
-    <ds:schemaRef ds:uri="http://schemas.openxmlformats.org/package/2006/metadata/core-properties"/>
-    <ds:schemaRef ds:uri="077b9b9c-7f67-45a8-98b7-b654137cbace"/>
-    <ds:schemaRef ds:uri="http://purl.org/dc/dcmitype/"/>
-    <ds:schemaRef ds:uri="http://schemas.microsoft.com/office/infopath/2007/PartnerControls"/>
-    <ds:schemaRef ds:uri="http://www.w3.org/XML/1998/namespace"/>
-    <ds:schemaRef ds:uri="http://purl.org/dc/terms/"/>
-  </ds:schemaRefs>
-</ds:datastoreItem>
 </file>
--- a/data-raw/logos.pptx
+++ b/data-raw/logos.pptx
@@ -11,16 +11,17 @@
     <p:sldId id="259" r:id="rId8"/>
     <p:sldId id="272" r:id="rId9"/>
     <p:sldId id="268" r:id="rId10"/>
-    <p:sldId id="274" r:id="rId11"/>
-    <p:sldId id="271" r:id="rId12"/>
-    <p:sldId id="266" r:id="rId13"/>
-    <p:sldId id="269" r:id="rId14"/>
-    <p:sldId id="265" r:id="rId15"/>
-    <p:sldId id="256" r:id="rId16"/>
-    <p:sldId id="257" r:id="rId17"/>
-    <p:sldId id="270" r:id="rId18"/>
-    <p:sldId id="273" r:id="rId19"/>
-    <p:sldId id="258" r:id="rId20"/>
+    <p:sldId id="275" r:id="rId11"/>
+    <p:sldId id="274" r:id="rId12"/>
+    <p:sldId id="271" r:id="rId13"/>
+    <p:sldId id="266" r:id="rId14"/>
+    <p:sldId id="269" r:id="rId15"/>
+    <p:sldId id="265" r:id="rId16"/>
+    <p:sldId id="256" r:id="rId17"/>
+    <p:sldId id="257" r:id="rId18"/>
+    <p:sldId id="270" r:id="rId19"/>
+    <p:sldId id="273" r:id="rId20"/>
+    <p:sldId id="258" r:id="rId21"/>
   </p:sldIdLst>
   <p:sldSz cx="12192000" cy="6858000"/>
   <p:notesSz cx="6858000" cy="9144000"/>
@@ -269,7 +270,7 @@
           <a:p>
             <a:fld id="{09605B3F-6133-425E-A10B-41F9F06FCAC6}" type="datetimeFigureOut">
               <a:rPr lang="nb-NO" smtClean="0"/>
-              <a:t>22.02.2024</a:t>
+              <a:t>13.03.2024</a:t>
             </a:fld>
             <a:endParaRPr lang="nb-NO"/>
           </a:p>
@@ -439,7 +440,7 @@
           <a:p>
             <a:fld id="{09605B3F-6133-425E-A10B-41F9F06FCAC6}" type="datetimeFigureOut">
               <a:rPr lang="nb-NO" smtClean="0"/>
-              <a:t>22.02.2024</a:t>
+              <a:t>13.03.2024</a:t>
             </a:fld>
             <a:endParaRPr lang="nb-NO"/>
           </a:p>
@@ -619,7 +620,7 @@
           <a:p>
             <a:fld id="{09605B3F-6133-425E-A10B-41F9F06FCAC6}" type="datetimeFigureOut">
               <a:rPr lang="nb-NO" smtClean="0"/>
-              <a:t>22.02.2024</a:t>
+              <a:t>13.03.2024</a:t>
             </a:fld>
             <a:endParaRPr lang="nb-NO"/>
           </a:p>
@@ -789,7 +790,7 @@
           <a:p>
             <a:fld id="{09605B3F-6133-425E-A10B-41F9F06FCAC6}" type="datetimeFigureOut">
               <a:rPr lang="nb-NO" smtClean="0"/>
-              <a:t>22.02.2024</a:t>
+              <a:t>13.03.2024</a:t>
             </a:fld>
             <a:endParaRPr lang="nb-NO"/>
           </a:p>
@@ -1035,7 +1036,7 @@
           <a:p>
             <a:fld id="{09605B3F-6133-425E-A10B-41F9F06FCAC6}" type="datetimeFigureOut">
               <a:rPr lang="nb-NO" smtClean="0"/>
-              <a:t>22.02.2024</a:t>
+              <a:t>13.03.2024</a:t>
             </a:fld>
             <a:endParaRPr lang="nb-NO"/>
           </a:p>
@@ -1267,7 +1268,7 @@
           <a:p>
             <a:fld id="{09605B3F-6133-425E-A10B-41F9F06FCAC6}" type="datetimeFigureOut">
               <a:rPr lang="nb-NO" smtClean="0"/>
-              <a:t>22.02.2024</a:t>
+              <a:t>13.03.2024</a:t>
             </a:fld>
             <a:endParaRPr lang="nb-NO"/>
           </a:p>
@@ -1634,7 +1635,7 @@
           <a:p>
             <a:fld id="{09605B3F-6133-425E-A10B-41F9F06FCAC6}" type="datetimeFigureOut">
               <a:rPr lang="nb-NO" smtClean="0"/>
-              <a:t>22.02.2024</a:t>
+              <a:t>13.03.2024</a:t>
             </a:fld>
             <a:endParaRPr lang="nb-NO"/>
           </a:p>
@@ -1752,7 +1753,7 @@
           <a:p>
             <a:fld id="{09605B3F-6133-425E-A10B-41F9F06FCAC6}" type="datetimeFigureOut">
               <a:rPr lang="nb-NO" smtClean="0"/>
-              <a:t>22.02.2024</a:t>
+              <a:t>13.03.2024</a:t>
             </a:fld>
             <a:endParaRPr lang="nb-NO"/>
           </a:p>
@@ -1847,7 +1848,7 @@
           <a:p>
             <a:fld id="{09605B3F-6133-425E-A10B-41F9F06FCAC6}" type="datetimeFigureOut">
               <a:rPr lang="nb-NO" smtClean="0"/>
-              <a:t>22.02.2024</a:t>
+              <a:t>13.03.2024</a:t>
             </a:fld>
             <a:endParaRPr lang="nb-NO"/>
           </a:p>
@@ -2124,7 +2125,7 @@
           <a:p>
             <a:fld id="{09605B3F-6133-425E-A10B-41F9F06FCAC6}" type="datetimeFigureOut">
               <a:rPr lang="nb-NO" smtClean="0"/>
-              <a:t>22.02.2024</a:t>
+              <a:t>13.03.2024</a:t>
             </a:fld>
             <a:endParaRPr lang="nb-NO"/>
           </a:p>
@@ -2377,7 +2378,7 @@
           <a:p>
             <a:fld id="{09605B3F-6133-425E-A10B-41F9F06FCAC6}" type="datetimeFigureOut">
               <a:rPr lang="nb-NO" smtClean="0"/>
-              <a:t>22.02.2024</a:t>
+              <a:t>13.03.2024</a:t>
             </a:fld>
             <a:endParaRPr lang="nb-NO"/>
           </a:p>
@@ -2590,7 +2591,7 @@
           <a:p>
             <a:fld id="{09605B3F-6133-425E-A10B-41F9F06FCAC6}" type="datetimeFigureOut">
               <a:rPr lang="nb-NO" smtClean="0"/>
-              <a:t>22.02.2024</a:t>
+              <a:t>13.03.2024</a:t>
             </a:fld>
             <a:endParaRPr lang="nb-NO"/>
           </a:p>
@@ -6707,6 +6708,427 @@
       </p:grpSpPr>
       <p:grpSp>
         <p:nvGrpSpPr>
+          <p:cNvPr id="22" name="Gruppe 21"/>
+          <p:cNvGrpSpPr/>
+          <p:nvPr/>
+        </p:nvGrpSpPr>
+        <p:grpSpPr>
+          <a:xfrm>
+            <a:off x="4735200" y="2244483"/>
+            <a:ext cx="2721600" cy="2369033"/>
+            <a:chOff x="4735200" y="2244483"/>
+            <a:chExt cx="2721600" cy="2369033"/>
+          </a:xfrm>
+        </p:grpSpPr>
+        <p:sp>
+          <p:nvSpPr>
+            <p:cNvPr id="2" name="Hexagon 35">
+              <a:extLst>
+                <a:ext uri="{FF2B5EF4-FFF2-40B4-BE49-F238E27FC236}">
+                  <a16:creationId xmlns:a16="http://schemas.microsoft.com/office/drawing/2014/main" id="{90E46B38-1301-774F-8904-FFF8966BD8C2}"/>
+                </a:ext>
+              </a:extLst>
+            </p:cNvPr>
+            <p:cNvSpPr>
+              <a:spLocks noChangeAspect="1"/>
+            </p:cNvSpPr>
+            <p:nvPr/>
+          </p:nvSpPr>
+          <p:spPr>
+            <a:xfrm rot="1800000">
+              <a:off x="4735200" y="2244483"/>
+              <a:ext cx="2721600" cy="2369033"/>
+            </a:xfrm>
+            <a:prstGeom prst="hexagon">
+              <a:avLst>
+                <a:gd name="adj" fmla="val 28372"/>
+                <a:gd name="vf" fmla="val 115470"/>
+              </a:avLst>
+            </a:prstGeom>
+            <a:solidFill>
+              <a:srgbClr val="133E4D"/>
+            </a:solidFill>
+            <a:ln w="69850">
+              <a:solidFill>
+                <a:schemeClr val="tx1">
+                  <a:lumMod val="85000"/>
+                  <a:lumOff val="15000"/>
+                </a:schemeClr>
+              </a:solidFill>
+            </a:ln>
+          </p:spPr>
+          <p:style>
+            <a:lnRef idx="2">
+              <a:schemeClr val="accent1">
+                <a:shade val="50000"/>
+              </a:schemeClr>
+            </a:lnRef>
+            <a:fillRef idx="1">
+              <a:schemeClr val="accent1"/>
+            </a:fillRef>
+            <a:effectRef idx="0">
+              <a:schemeClr val="accent1"/>
+            </a:effectRef>
+            <a:fontRef idx="minor">
+              <a:schemeClr val="lt1"/>
+            </a:fontRef>
+          </p:style>
+          <p:txBody>
+            <a:bodyPr rtlCol="0" anchor="ctr"/>
+            <a:lstStyle/>
+            <a:p>
+              <a:pPr algn="ctr"/>
+              <a:endParaRPr lang="en-US" dirty="0"/>
+            </a:p>
+          </p:txBody>
+        </p:sp>
+        <p:sp>
+          <p:nvSpPr>
+            <p:cNvPr id="45" name="TekstSylinder 44"/>
+            <p:cNvSpPr txBox="1"/>
+            <p:nvPr/>
+          </p:nvSpPr>
+          <p:spPr>
+            <a:xfrm>
+              <a:off x="4951956" y="2496396"/>
+              <a:ext cx="2292096" cy="461665"/>
+            </a:xfrm>
+            <a:prstGeom prst="rect">
+              <a:avLst/>
+            </a:prstGeom>
+            <a:noFill/>
+          </p:spPr>
+          <p:txBody>
+            <a:bodyPr wrap="square" rtlCol="0">
+              <a:spAutoFit/>
+            </a:bodyPr>
+            <a:lstStyle/>
+            <a:p>
+              <a:pPr algn="ctr"/>
+              <a:r>
+                <a:rPr lang="nb-NO" sz="2400" dirty="0" err="1" smtClean="0">
+                  <a:solidFill>
+                    <a:schemeClr val="bg2">
+                      <a:lumMod val="90000"/>
+                    </a:schemeClr>
+                  </a:solidFill>
+                  <a:latin typeface="Trebuchet MS" panose="020B0603020202020204" pitchFamily="34" charset="0"/>
+                </a:rPr>
+                <a:t>OKcheck</a:t>
+              </a:r>
+              <a:endParaRPr lang="nb-NO" sz="2400" dirty="0">
+                <a:solidFill>
+                  <a:schemeClr val="bg2">
+                    <a:lumMod val="90000"/>
+                  </a:schemeClr>
+                </a:solidFill>
+                <a:latin typeface="Trebuchet MS" panose="020B0603020202020204" pitchFamily="34" charset="0"/>
+              </a:endParaRPr>
+            </a:p>
+          </p:txBody>
+        </p:sp>
+        <p:grpSp>
+          <p:nvGrpSpPr>
+            <p:cNvPr id="20" name="Gruppe 19"/>
+            <p:cNvGrpSpPr/>
+            <p:nvPr/>
+          </p:nvGrpSpPr>
+          <p:grpSpPr>
+            <a:xfrm>
+              <a:off x="5185762" y="2858516"/>
+              <a:ext cx="1820476" cy="1359514"/>
+              <a:chOff x="5301656" y="2852420"/>
+              <a:chExt cx="1820476" cy="1359514"/>
+            </a:xfrm>
+          </p:grpSpPr>
+          <p:grpSp>
+            <p:nvGrpSpPr>
+              <p:cNvPr id="17" name="Gruppe 16"/>
+              <p:cNvGrpSpPr/>
+              <p:nvPr/>
+            </p:nvGrpSpPr>
+            <p:grpSpPr>
+              <a:xfrm>
+                <a:off x="5769415" y="2852420"/>
+                <a:ext cx="1352717" cy="1359514"/>
+                <a:chOff x="5891335" y="2837180"/>
+                <a:chExt cx="1352717" cy="1359514"/>
+              </a:xfrm>
+            </p:grpSpPr>
+            <p:pic>
+              <p:nvPicPr>
+                <p:cNvPr id="15" name="Bilde 14"/>
+                <p:cNvPicPr>
+                  <a:picLocks noChangeAspect="1"/>
+                </p:cNvPicPr>
+                <p:nvPr/>
+              </p:nvPicPr>
+              <p:blipFill rotWithShape="1">
+                <a:blip r:embed="rId2"/>
+                <a:srcRect l="31009" t="56267" r="40195" b="24390"/>
+                <a:stretch/>
+              </p:blipFill>
+              <p:spPr>
+                <a:xfrm>
+                  <a:off x="6098539" y="3050327"/>
+                  <a:ext cx="936159" cy="929853"/>
+                </a:xfrm>
+                <a:prstGeom prst="rect">
+                  <a:avLst/>
+                </a:prstGeom>
+              </p:spPr>
+            </p:pic>
+            <p:sp>
+              <p:nvSpPr>
+                <p:cNvPr id="8" name="Smultring 7"/>
+                <p:cNvSpPr/>
+                <p:nvPr/>
+              </p:nvSpPr>
+              <p:spPr>
+                <a:xfrm>
+                  <a:off x="5891335" y="2837180"/>
+                  <a:ext cx="1352717" cy="1359514"/>
+                </a:xfrm>
+                <a:prstGeom prst="donut">
+                  <a:avLst>
+                    <a:gd name="adj" fmla="val 13467"/>
+                  </a:avLst>
+                </a:prstGeom>
+                <a:solidFill>
+                  <a:srgbClr val="133E4D"/>
+                </a:solidFill>
+                <a:ln>
+                  <a:noFill/>
+                </a:ln>
+              </p:spPr>
+              <p:style>
+                <a:lnRef idx="2">
+                  <a:schemeClr val="accent1">
+                    <a:shade val="50000"/>
+                  </a:schemeClr>
+                </a:lnRef>
+                <a:fillRef idx="1">
+                  <a:schemeClr val="accent1"/>
+                </a:fillRef>
+                <a:effectRef idx="0">
+                  <a:schemeClr val="accent1"/>
+                </a:effectRef>
+                <a:fontRef idx="minor">
+                  <a:schemeClr val="lt1"/>
+                </a:fontRef>
+              </p:style>
+              <p:txBody>
+                <a:bodyPr rtlCol="0" anchor="ctr"/>
+                <a:lstStyle/>
+                <a:p>
+                  <a:pPr algn="ctr"/>
+                  <a:endParaRPr lang="nb-NO">
+                    <a:solidFill>
+                      <a:schemeClr val="tx1"/>
+                    </a:solidFill>
+                  </a:endParaRPr>
+                </a:p>
+              </p:txBody>
+            </p:sp>
+            <p:sp>
+              <p:nvSpPr>
+                <p:cNvPr id="4" name="Ellipse 3"/>
+                <p:cNvSpPr/>
+                <p:nvPr/>
+              </p:nvSpPr>
+              <p:spPr>
+                <a:xfrm>
+                  <a:off x="6086101" y="3027339"/>
+                  <a:ext cx="963184" cy="979195"/>
+                </a:xfrm>
+                <a:prstGeom prst="ellipse">
+                  <a:avLst/>
+                </a:prstGeom>
+                <a:noFill/>
+                <a:ln w="63500">
+                  <a:solidFill>
+                    <a:srgbClr val="979EA6"/>
+                  </a:solidFill>
+                </a:ln>
+              </p:spPr>
+              <p:style>
+                <a:lnRef idx="2">
+                  <a:schemeClr val="accent1">
+                    <a:shade val="50000"/>
+                  </a:schemeClr>
+                </a:lnRef>
+                <a:fillRef idx="1">
+                  <a:schemeClr val="accent1"/>
+                </a:fillRef>
+                <a:effectRef idx="0">
+                  <a:schemeClr val="accent1"/>
+                </a:effectRef>
+                <a:fontRef idx="minor">
+                  <a:schemeClr val="lt1"/>
+                </a:fontRef>
+              </p:style>
+              <p:txBody>
+                <a:bodyPr rtlCol="0" anchor="ctr"/>
+                <a:lstStyle/>
+                <a:p>
+                  <a:pPr algn="ctr"/>
+                  <a:endParaRPr lang="nb-NO"/>
+                </a:p>
+              </p:txBody>
+            </p:sp>
+          </p:grpSp>
+          <p:grpSp>
+            <p:nvGrpSpPr>
+              <p:cNvPr id="19" name="Gruppe 18"/>
+              <p:cNvGrpSpPr/>
+              <p:nvPr/>
+            </p:nvGrpSpPr>
+            <p:grpSpPr>
+              <a:xfrm>
+                <a:off x="5301656" y="3687070"/>
+                <a:ext cx="712256" cy="316256"/>
+                <a:chOff x="5301656" y="3687070"/>
+                <a:chExt cx="712256" cy="316256"/>
+              </a:xfrm>
+            </p:grpSpPr>
+            <p:sp>
+              <p:nvSpPr>
+                <p:cNvPr id="6" name="Avrundet rektangel 5"/>
+                <p:cNvSpPr/>
+                <p:nvPr/>
+              </p:nvSpPr>
+              <p:spPr>
+                <a:xfrm rot="20040000">
+                  <a:off x="5832438" y="3687070"/>
+                  <a:ext cx="181474" cy="150982"/>
+                </a:xfrm>
+                <a:prstGeom prst="roundRect">
+                  <a:avLst/>
+                </a:prstGeom>
+                <a:solidFill>
+                  <a:srgbClr val="979EA6"/>
+                </a:solidFill>
+                <a:ln>
+                  <a:solidFill>
+                    <a:srgbClr val="979EA6"/>
+                  </a:solidFill>
+                </a:ln>
+              </p:spPr>
+              <p:style>
+                <a:lnRef idx="2">
+                  <a:schemeClr val="accent1">
+                    <a:shade val="50000"/>
+                  </a:schemeClr>
+                </a:lnRef>
+                <a:fillRef idx="1">
+                  <a:schemeClr val="accent1"/>
+                </a:fillRef>
+                <a:effectRef idx="0">
+                  <a:schemeClr val="accent1"/>
+                </a:effectRef>
+                <a:fontRef idx="minor">
+                  <a:schemeClr val="lt1"/>
+                </a:fontRef>
+              </p:style>
+              <p:txBody>
+                <a:bodyPr rtlCol="0" anchor="ctr"/>
+                <a:lstStyle/>
+                <a:p>
+                  <a:pPr algn="ctr"/>
+                  <a:endParaRPr lang="nb-NO"/>
+                </a:p>
+              </p:txBody>
+            </p:sp>
+            <p:sp>
+              <p:nvSpPr>
+                <p:cNvPr id="3" name="Avrundet rektangel 2"/>
+                <p:cNvSpPr/>
+                <p:nvPr/>
+              </p:nvSpPr>
+              <p:spPr>
+                <a:xfrm rot="20040000">
+                  <a:off x="5301656" y="3808774"/>
+                  <a:ext cx="654646" cy="194552"/>
+                </a:xfrm>
+                <a:prstGeom prst="roundRect">
+                  <a:avLst/>
+                </a:prstGeom>
+                <a:solidFill>
+                  <a:srgbClr val="7C858E"/>
+                </a:solidFill>
+                <a:ln w="28575">
+                  <a:solidFill>
+                    <a:srgbClr val="979EA6"/>
+                  </a:solidFill>
+                </a:ln>
+              </p:spPr>
+              <p:style>
+                <a:lnRef idx="2">
+                  <a:schemeClr val="accent1">
+                    <a:shade val="50000"/>
+                  </a:schemeClr>
+                </a:lnRef>
+                <a:fillRef idx="1">
+                  <a:schemeClr val="accent1"/>
+                </a:fillRef>
+                <a:effectRef idx="0">
+                  <a:schemeClr val="accent1"/>
+                </a:effectRef>
+                <a:fontRef idx="minor">
+                  <a:schemeClr val="lt1"/>
+                </a:fontRef>
+              </p:style>
+              <p:txBody>
+                <a:bodyPr rtlCol="0" anchor="ctr"/>
+                <a:lstStyle/>
+                <a:p>
+                  <a:pPr algn="ctr"/>
+                  <a:endParaRPr lang="nb-NO"/>
+                </a:p>
+              </p:txBody>
+            </p:sp>
+          </p:grpSp>
+        </p:grpSp>
+      </p:grpSp>
+    </p:spTree>
+    <p:extLst>
+      <p:ext uri="{BB962C8B-B14F-4D97-AF65-F5344CB8AC3E}">
+        <p14:creationId xmlns:p14="http://schemas.microsoft.com/office/powerpoint/2010/main" val="2421291886"/>
+      </p:ext>
+    </p:extLst>
+  </p:cSld>
+  <p:clrMapOvr>
+    <a:masterClrMapping/>
+  </p:clrMapOvr>
+  <p:timing>
+    <p:tnLst>
+      <p:par>
+        <p:cTn id="1" dur="indefinite" restart="never" nodeType="tmRoot"/>
+      </p:par>
+    </p:tnLst>
+  </p:timing>
+</p:sld>
+</file>
+
+<file path=ppt/slides/slide11.xml><?xml version="1.0" encoding="utf-8"?>
+<p:sld xmlns:a="http://schemas.openxmlformats.org/drawingml/2006/main" xmlns:r="http://schemas.openxmlformats.org/officeDocument/2006/relationships" xmlns:p="http://schemas.openxmlformats.org/presentationml/2006/main">
+  <p:cSld>
+    <p:spTree>
+      <p:nvGrpSpPr>
+        <p:cNvPr id="1" name=""/>
+        <p:cNvGrpSpPr/>
+        <p:nvPr/>
+      </p:nvGrpSpPr>
+      <p:grpSpPr>
+        <a:xfrm>
+          <a:off x="0" y="0"/>
+          <a:ext cx="0" cy="0"/>
+          <a:chOff x="0" y="0"/>
+          <a:chExt cx="0" cy="0"/>
+        </a:xfrm>
+      </p:grpSpPr>
+      <p:grpSp>
+        <p:nvGrpSpPr>
           <p:cNvPr id="66" name="Gruppe 65"/>
           <p:cNvGrpSpPr/>
           <p:nvPr/>
@@ -8970,7 +9392,7 @@
 </p:sld>
 </file>
 
-<file path=ppt/slides/slide11.xml><?xml version="1.0" encoding="utf-8"?>
+<file path=ppt/slides/slide12.xml><?xml version="1.0" encoding="utf-8"?>
 <p:sld xmlns:a="http://schemas.openxmlformats.org/drawingml/2006/main" xmlns:r="http://schemas.openxmlformats.org/officeDocument/2006/relationships" xmlns:p="http://schemas.openxmlformats.org/presentationml/2006/main">
   <p:cSld>
     <p:spTree>
@@ -9300,7 +9722,7 @@
 </p:sld>
 </file>
 
-<file path=ppt/slides/slide12.xml><?xml version="1.0" encoding="utf-8"?>
+<file path=ppt/slides/slide13.xml><?xml version="1.0" encoding="utf-8"?>
 <p:sld xmlns:a="http://schemas.openxmlformats.org/drawingml/2006/main" xmlns:r="http://schemas.openxmlformats.org/officeDocument/2006/relationships" xmlns:p="http://schemas.openxmlformats.org/presentationml/2006/main">
   <p:cSld>
     <p:spTree>
@@ -11436,7 +11858,7 @@
 </p:sld>
 </file>
 
-<file path=ppt/slides/slide13.xml><?xml version="1.0" encoding="utf-8"?>
+<file path=ppt/slides/slide14.xml><?xml version="1.0" encoding="utf-8"?>
 <p:sld xmlns:a="http://schemas.openxmlformats.org/drawingml/2006/main" xmlns:r="http://schemas.openxmlformats.org/officeDocument/2006/relationships" xmlns:p="http://schemas.openxmlformats.org/presentationml/2006/main">
   <p:cSld>
     <p:spTree>
@@ -13150,7 +13572,7 @@
 </p:sld>
 </file>
 
-<file path=ppt/slides/slide14.xml><?xml version="1.0" encoding="utf-8"?>
+<file path=ppt/slides/slide15.xml><?xml version="1.0" encoding="utf-8"?>
 <p:sld xmlns:a="http://schemas.openxmlformats.org/drawingml/2006/main" xmlns:r="http://schemas.openxmlformats.org/officeDocument/2006/relationships" xmlns:p="http://schemas.openxmlformats.org/presentationml/2006/main">
   <p:cSld>
     <p:spTree>
@@ -13294,7 +13716,7 @@
 </p:sld>
 </file>
 
-<file path=ppt/slides/slide15.xml><?xml version="1.0" encoding="utf-8"?>
+<file path=ppt/slides/slide16.xml><?xml version="1.0" encoding="utf-8"?>
 <p:sld xmlns:a="http://schemas.openxmlformats.org/drawingml/2006/main" xmlns:r="http://schemas.openxmlformats.org/officeDocument/2006/relationships" xmlns:p="http://schemas.openxmlformats.org/presentationml/2006/main">
   <p:cSld>
     <p:spTree>
@@ -13453,7 +13875,7 @@
 </p:sld>
 </file>
 
-<file path=ppt/slides/slide16.xml><?xml version="1.0" encoding="utf-8"?>
+<file path=ppt/slides/slide17.xml><?xml version="1.0" encoding="utf-8"?>
 <p:sld xmlns:a="http://schemas.openxmlformats.org/drawingml/2006/main" xmlns:r="http://schemas.openxmlformats.org/officeDocument/2006/relationships" xmlns:p="http://schemas.openxmlformats.org/presentationml/2006/main">
   <p:cSld>
     <p:spTree>
@@ -23929,6 +24351,195 @@
       </p:grpSpPr>
       <p:grpSp>
         <p:nvGrpSpPr>
+          <p:cNvPr id="4" name="Gruppe 3"/>
+          <p:cNvGrpSpPr/>
+          <p:nvPr/>
+        </p:nvGrpSpPr>
+        <p:grpSpPr>
+          <a:xfrm>
+            <a:off x="4735200" y="2244483"/>
+            <a:ext cx="2721600" cy="2369033"/>
+            <a:chOff x="4735200" y="2244483"/>
+            <a:chExt cx="2721600" cy="2369033"/>
+          </a:xfrm>
+        </p:grpSpPr>
+        <p:sp>
+          <p:nvSpPr>
+            <p:cNvPr id="2" name="Hexagon 35">
+              <a:extLst>
+                <a:ext uri="{FF2B5EF4-FFF2-40B4-BE49-F238E27FC236}">
+                  <a16:creationId xmlns:a16="http://schemas.microsoft.com/office/drawing/2014/main" id="{90E46B38-1301-774F-8904-FFF8966BD8C2}"/>
+                </a:ext>
+              </a:extLst>
+            </p:cNvPr>
+            <p:cNvSpPr>
+              <a:spLocks noChangeAspect="1"/>
+            </p:cNvSpPr>
+            <p:nvPr/>
+          </p:nvSpPr>
+          <p:spPr>
+            <a:xfrm rot="1800000">
+              <a:off x="4735200" y="2244483"/>
+              <a:ext cx="2721600" cy="2369033"/>
+            </a:xfrm>
+            <a:prstGeom prst="hexagon">
+              <a:avLst>
+                <a:gd name="adj" fmla="val 28372"/>
+                <a:gd name="vf" fmla="val 115470"/>
+              </a:avLst>
+            </a:prstGeom>
+            <a:solidFill>
+              <a:srgbClr val="133E4D"/>
+            </a:solidFill>
+            <a:ln w="69850">
+              <a:solidFill>
+                <a:schemeClr val="tx1">
+                  <a:lumMod val="85000"/>
+                  <a:lumOff val="15000"/>
+                </a:schemeClr>
+              </a:solidFill>
+            </a:ln>
+          </p:spPr>
+          <p:style>
+            <a:lnRef idx="2">
+              <a:schemeClr val="accent1">
+                <a:shade val="50000"/>
+              </a:schemeClr>
+            </a:lnRef>
+            <a:fillRef idx="1">
+              <a:schemeClr val="accent1"/>
+            </a:fillRef>
+            <a:effectRef idx="0">
+              <a:schemeClr val="accent1"/>
+            </a:effectRef>
+            <a:fontRef idx="minor">
+              <a:schemeClr val="lt1"/>
+            </a:fontRef>
+          </p:style>
+          <p:txBody>
+            <a:bodyPr rtlCol="0" anchor="ctr"/>
+            <a:lstStyle/>
+            <a:p>
+              <a:pPr algn="ctr"/>
+              <a:endParaRPr lang="en-US" dirty="0"/>
+            </a:p>
+          </p:txBody>
+        </p:sp>
+        <p:sp>
+          <p:nvSpPr>
+            <p:cNvPr id="45" name="TekstSylinder 44"/>
+            <p:cNvSpPr txBox="1"/>
+            <p:nvPr/>
+          </p:nvSpPr>
+          <p:spPr>
+            <a:xfrm>
+              <a:off x="4951956" y="2496396"/>
+              <a:ext cx="2292096" cy="461665"/>
+            </a:xfrm>
+            <a:prstGeom prst="rect">
+              <a:avLst/>
+            </a:prstGeom>
+            <a:noFill/>
+          </p:spPr>
+          <p:txBody>
+            <a:bodyPr wrap="square" rtlCol="0">
+              <a:spAutoFit/>
+            </a:bodyPr>
+            <a:lstStyle/>
+            <a:p>
+              <a:pPr algn="ctr"/>
+              <a:r>
+                <a:rPr lang="nb-NO" sz="2400" dirty="0" err="1" smtClean="0">
+                  <a:solidFill>
+                    <a:schemeClr val="bg2">
+                      <a:lumMod val="90000"/>
+                    </a:schemeClr>
+                  </a:solidFill>
+                  <a:latin typeface="Trebuchet MS" panose="020B0603020202020204" pitchFamily="34" charset="0"/>
+                </a:rPr>
+                <a:t>NVIpjsr</a:t>
+              </a:r>
+              <a:endParaRPr lang="nb-NO" sz="2400" dirty="0">
+                <a:solidFill>
+                  <a:schemeClr val="bg2">
+                    <a:lumMod val="90000"/>
+                  </a:schemeClr>
+                </a:solidFill>
+                <a:latin typeface="Trebuchet MS" panose="020B0603020202020204" pitchFamily="34" charset="0"/>
+              </a:endParaRPr>
+            </a:p>
+          </p:txBody>
+        </p:sp>
+        <p:pic>
+          <p:nvPicPr>
+            <p:cNvPr id="3" name="Bilde 2"/>
+            <p:cNvPicPr>
+              <a:picLocks noChangeAspect="1"/>
+            </p:cNvPicPr>
+            <p:nvPr/>
+          </p:nvPicPr>
+          <p:blipFill>
+            <a:blip r:embed="rId2">
+              <a:extLst>
+                <a:ext uri="{28A0092B-C50C-407E-A947-70E740481C1C}">
+                  <a14:useLocalDpi xmlns:a14="http://schemas.microsoft.com/office/drawing/2010/main" val="0"/>
+                </a:ext>
+              </a:extLst>
+            </a:blip>
+            <a:stretch>
+              <a:fillRect/>
+            </a:stretch>
+          </p:blipFill>
+          <p:spPr>
+            <a:xfrm>
+              <a:off x="5350003" y="2955538"/>
+              <a:ext cx="1552282" cy="1552282"/>
+            </a:xfrm>
+            <a:prstGeom prst="rect">
+              <a:avLst/>
+            </a:prstGeom>
+          </p:spPr>
+        </p:pic>
+      </p:grpSp>
+    </p:spTree>
+    <p:extLst>
+      <p:ext uri="{BB962C8B-B14F-4D97-AF65-F5344CB8AC3E}">
+        <p14:creationId xmlns:p14="http://schemas.microsoft.com/office/powerpoint/2010/main" val="3358522401"/>
+      </p:ext>
+    </p:extLst>
+  </p:cSld>
+  <p:clrMapOvr>
+    <a:masterClrMapping/>
+  </p:clrMapOvr>
+  <p:timing>
+    <p:tnLst>
+      <p:par>
+        <p:cTn id="1" dur="indefinite" restart="never" nodeType="tmRoot"/>
+      </p:par>
+    </p:tnLst>
+  </p:timing>
+</p:sld>
+</file>
+
+<file path=ppt/slides/slide8.xml><?xml version="1.0" encoding="utf-8"?>
+<p:sld xmlns:a="http://schemas.openxmlformats.org/drawingml/2006/main" xmlns:r="http://schemas.openxmlformats.org/officeDocument/2006/relationships" xmlns:p="http://schemas.openxmlformats.org/presentationml/2006/main">
+  <p:cSld>
+    <p:spTree>
+      <p:nvGrpSpPr>
+        <p:cNvPr id="1" name=""/>
+        <p:cNvGrpSpPr/>
+        <p:nvPr/>
+      </p:nvGrpSpPr>
+      <p:grpSpPr>
+        <a:xfrm>
+          <a:off x="0" y="0"/>
+          <a:ext cx="0" cy="0"/>
+          <a:chOff x="0" y="0"/>
+          <a:chExt cx="0" cy="0"/>
+        </a:xfrm>
+      </p:grpSpPr>
+      <p:grpSp>
+        <p:nvGrpSpPr>
           <p:cNvPr id="7" name="Gruppe 6"/>
           <p:cNvGrpSpPr/>
           <p:nvPr/>
@@ -25345,7 +25956,7 @@
 </p:sld>
 </file>
 
-<file path=ppt/slides/slide8.xml><?xml version="1.0" encoding="utf-8"?>
+<file path=ppt/slides/slide9.xml><?xml version="1.0" encoding="utf-8"?>
 <p:sld xmlns:a="http://schemas.openxmlformats.org/drawingml/2006/main" xmlns:r="http://schemas.openxmlformats.org/officeDocument/2006/relationships" xmlns:p="http://schemas.openxmlformats.org/presentationml/2006/main">
   <p:cSld>
     <p:spTree>
@@ -26046,427 +26657,6 @@
     <p:extLst>
       <p:ext uri="{BB962C8B-B14F-4D97-AF65-F5344CB8AC3E}">
         <p14:creationId xmlns:p14="http://schemas.microsoft.com/office/powerpoint/2010/main" val="1282746756"/>
-      </p:ext>
-    </p:extLst>
-  </p:cSld>
-  <p:clrMapOvr>
-    <a:masterClrMapping/>
-  </p:clrMapOvr>
-  <p:timing>
-    <p:tnLst>
-      <p:par>
-        <p:cTn id="1" dur="indefinite" restart="never" nodeType="tmRoot"/>
-      </p:par>
-    </p:tnLst>
-  </p:timing>
-</p:sld>
-</file>
-
-<file path=ppt/slides/slide9.xml><?xml version="1.0" encoding="utf-8"?>
-<p:sld xmlns:a="http://schemas.openxmlformats.org/drawingml/2006/main" xmlns:r="http://schemas.openxmlformats.org/officeDocument/2006/relationships" xmlns:p="http://schemas.openxmlformats.org/presentationml/2006/main">
-  <p:cSld>
-    <p:spTree>
-      <p:nvGrpSpPr>
-        <p:cNvPr id="1" name=""/>
-        <p:cNvGrpSpPr/>
-        <p:nvPr/>
-      </p:nvGrpSpPr>
-      <p:grpSpPr>
-        <a:xfrm>
-          <a:off x="0" y="0"/>
-          <a:ext cx="0" cy="0"/>
-          <a:chOff x="0" y="0"/>
-          <a:chExt cx="0" cy="0"/>
-        </a:xfrm>
-      </p:grpSpPr>
-      <p:grpSp>
-        <p:nvGrpSpPr>
-          <p:cNvPr id="22" name="Gruppe 21"/>
-          <p:cNvGrpSpPr/>
-          <p:nvPr/>
-        </p:nvGrpSpPr>
-        <p:grpSpPr>
-          <a:xfrm>
-            <a:off x="4735200" y="2244483"/>
-            <a:ext cx="2721600" cy="2369033"/>
-            <a:chOff x="4735200" y="2244483"/>
-            <a:chExt cx="2721600" cy="2369033"/>
-          </a:xfrm>
-        </p:grpSpPr>
-        <p:sp>
-          <p:nvSpPr>
-            <p:cNvPr id="2" name="Hexagon 35">
-              <a:extLst>
-                <a:ext uri="{FF2B5EF4-FFF2-40B4-BE49-F238E27FC236}">
-                  <a16:creationId xmlns:a16="http://schemas.microsoft.com/office/drawing/2014/main" id="{90E46B38-1301-774F-8904-FFF8966BD8C2}"/>
-                </a:ext>
-              </a:extLst>
-            </p:cNvPr>
-            <p:cNvSpPr>
-              <a:spLocks noChangeAspect="1"/>
-            </p:cNvSpPr>
-            <p:nvPr/>
-          </p:nvSpPr>
-          <p:spPr>
-            <a:xfrm rot="1800000">
-              <a:off x="4735200" y="2244483"/>
-              <a:ext cx="2721600" cy="2369033"/>
-            </a:xfrm>
-            <a:prstGeom prst="hexagon">
-              <a:avLst>
-                <a:gd name="adj" fmla="val 28372"/>
-                <a:gd name="vf" fmla="val 115470"/>
-              </a:avLst>
-            </a:prstGeom>
-            <a:solidFill>
-              <a:srgbClr val="133E4D"/>
-            </a:solidFill>
-            <a:ln w="69850">
-              <a:solidFill>
-                <a:schemeClr val="tx1">
-                  <a:lumMod val="85000"/>
-                  <a:lumOff val="15000"/>
-                </a:schemeClr>
-              </a:solidFill>
-            </a:ln>
-          </p:spPr>
-          <p:style>
-            <a:lnRef idx="2">
-              <a:schemeClr val="accent1">
-                <a:shade val="50000"/>
-              </a:schemeClr>
-            </a:lnRef>
-            <a:fillRef idx="1">
-              <a:schemeClr val="accent1"/>
-            </a:fillRef>
-            <a:effectRef idx="0">
-              <a:schemeClr val="accent1"/>
-            </a:effectRef>
-            <a:fontRef idx="minor">
-              <a:schemeClr val="lt1"/>
-            </a:fontRef>
-          </p:style>
-          <p:txBody>
-            <a:bodyPr rtlCol="0" anchor="ctr"/>
-            <a:lstStyle/>
-            <a:p>
-              <a:pPr algn="ctr"/>
-              <a:endParaRPr lang="en-US" dirty="0"/>
-            </a:p>
-          </p:txBody>
-        </p:sp>
-        <p:sp>
-          <p:nvSpPr>
-            <p:cNvPr id="45" name="TekstSylinder 44"/>
-            <p:cNvSpPr txBox="1"/>
-            <p:nvPr/>
-          </p:nvSpPr>
-          <p:spPr>
-            <a:xfrm>
-              <a:off x="4951956" y="2496396"/>
-              <a:ext cx="2292096" cy="461665"/>
-            </a:xfrm>
-            <a:prstGeom prst="rect">
-              <a:avLst/>
-            </a:prstGeom>
-            <a:noFill/>
-          </p:spPr>
-          <p:txBody>
-            <a:bodyPr wrap="square" rtlCol="0">
-              <a:spAutoFit/>
-            </a:bodyPr>
-            <a:lstStyle/>
-            <a:p>
-              <a:pPr algn="ctr"/>
-              <a:r>
-                <a:rPr lang="nb-NO" sz="2400" dirty="0" err="1" smtClean="0">
-                  <a:solidFill>
-                    <a:schemeClr val="bg2">
-                      <a:lumMod val="90000"/>
-                    </a:schemeClr>
-                  </a:solidFill>
-                  <a:latin typeface="Trebuchet MS" panose="020B0603020202020204" pitchFamily="34" charset="0"/>
-                </a:rPr>
-                <a:t>OKcheck</a:t>
-              </a:r>
-              <a:endParaRPr lang="nb-NO" sz="2400" dirty="0">
-                <a:solidFill>
-                  <a:schemeClr val="bg2">
-                    <a:lumMod val="90000"/>
-                  </a:schemeClr>
-                </a:solidFill>
-                <a:latin typeface="Trebuchet MS" panose="020B0603020202020204" pitchFamily="34" charset="0"/>
-              </a:endParaRPr>
-            </a:p>
-          </p:txBody>
-        </p:sp>
-        <p:grpSp>
-          <p:nvGrpSpPr>
-            <p:cNvPr id="20" name="Gruppe 19"/>
-            <p:cNvGrpSpPr/>
-            <p:nvPr/>
-          </p:nvGrpSpPr>
-          <p:grpSpPr>
-            <a:xfrm>
-              <a:off x="5185762" y="2858516"/>
-              <a:ext cx="1820476" cy="1359514"/>
-              <a:chOff x="5301656" y="2852420"/>
-              <a:chExt cx="1820476" cy="1359514"/>
-            </a:xfrm>
-          </p:grpSpPr>
-          <p:grpSp>
-            <p:nvGrpSpPr>
-              <p:cNvPr id="17" name="Gruppe 16"/>
-              <p:cNvGrpSpPr/>
-              <p:nvPr/>
-            </p:nvGrpSpPr>
-            <p:grpSpPr>
-              <a:xfrm>
-                <a:off x="5769415" y="2852420"/>
-                <a:ext cx="1352717" cy="1359514"/>
-                <a:chOff x="5891335" y="2837180"/>
-                <a:chExt cx="1352717" cy="1359514"/>
-              </a:xfrm>
-            </p:grpSpPr>
-            <p:pic>
-              <p:nvPicPr>
-                <p:cNvPr id="15" name="Bilde 14"/>
-                <p:cNvPicPr>
-                  <a:picLocks noChangeAspect="1"/>
-                </p:cNvPicPr>
-                <p:nvPr/>
-              </p:nvPicPr>
-              <p:blipFill rotWithShape="1">
-                <a:blip r:embed="rId2"/>
-                <a:srcRect l="31009" t="56267" r="40195" b="24390"/>
-                <a:stretch/>
-              </p:blipFill>
-              <p:spPr>
-                <a:xfrm>
-                  <a:off x="6098539" y="3050327"/>
-                  <a:ext cx="936159" cy="929853"/>
-                </a:xfrm>
-                <a:prstGeom prst="rect">
-                  <a:avLst/>
-                </a:prstGeom>
-              </p:spPr>
-            </p:pic>
-            <p:sp>
-              <p:nvSpPr>
-                <p:cNvPr id="8" name="Smultring 7"/>
-                <p:cNvSpPr/>
-                <p:nvPr/>
-              </p:nvSpPr>
-              <p:spPr>
-                <a:xfrm>
-                  <a:off x="5891335" y="2837180"/>
-                  <a:ext cx="1352717" cy="1359514"/>
-                </a:xfrm>
-                <a:prstGeom prst="donut">
-                  <a:avLst>
-                    <a:gd name="adj" fmla="val 13467"/>
-                  </a:avLst>
-                </a:prstGeom>
-                <a:solidFill>
-                  <a:srgbClr val="133E4D"/>
-                </a:solidFill>
-                <a:ln>
-                  <a:noFill/>
-                </a:ln>
-              </p:spPr>
-              <p:style>
-                <a:lnRef idx="2">
-                  <a:schemeClr val="accent1">
-                    <a:shade val="50000"/>
-                  </a:schemeClr>
-                </a:lnRef>
-                <a:fillRef idx="1">
-                  <a:schemeClr val="accent1"/>
-                </a:fillRef>
-                <a:effectRef idx="0">
-                  <a:schemeClr val="accent1"/>
-                </a:effectRef>
-                <a:fontRef idx="minor">
-                  <a:schemeClr val="lt1"/>
-                </a:fontRef>
-              </p:style>
-              <p:txBody>
-                <a:bodyPr rtlCol="0" anchor="ctr"/>
-                <a:lstStyle/>
-                <a:p>
-                  <a:pPr algn="ctr"/>
-                  <a:endParaRPr lang="nb-NO">
-                    <a:solidFill>
-                      <a:schemeClr val="tx1"/>
-                    </a:solidFill>
-                  </a:endParaRPr>
-                </a:p>
-              </p:txBody>
-            </p:sp>
-            <p:sp>
-              <p:nvSpPr>
-                <p:cNvPr id="4" name="Ellipse 3"/>
-                <p:cNvSpPr/>
-                <p:nvPr/>
-              </p:nvSpPr>
-              <p:spPr>
-                <a:xfrm>
-                  <a:off x="6086101" y="3027339"/>
-                  <a:ext cx="963184" cy="979195"/>
-                </a:xfrm>
-                <a:prstGeom prst="ellipse">
-                  <a:avLst/>
-                </a:prstGeom>
-                <a:noFill/>
-                <a:ln w="63500">
-                  <a:solidFill>
-                    <a:srgbClr val="979EA6"/>
-                  </a:solidFill>
-                </a:ln>
-              </p:spPr>
-              <p:style>
-                <a:lnRef idx="2">
-                  <a:schemeClr val="accent1">
-                    <a:shade val="50000"/>
-                  </a:schemeClr>
-                </a:lnRef>
-                <a:fillRef idx="1">
-                  <a:schemeClr val="accent1"/>
-                </a:fillRef>
-                <a:effectRef idx="0">
-                  <a:schemeClr val="accent1"/>
-                </a:effectRef>
-                <a:fontRef idx="minor">
-                  <a:schemeClr val="lt1"/>
-                </a:fontRef>
-              </p:style>
-              <p:txBody>
-                <a:bodyPr rtlCol="0" anchor="ctr"/>
-                <a:lstStyle/>
-                <a:p>
-                  <a:pPr algn="ctr"/>
-                  <a:endParaRPr lang="nb-NO"/>
-                </a:p>
-              </p:txBody>
-            </p:sp>
-          </p:grpSp>
-          <p:grpSp>
-            <p:nvGrpSpPr>
-              <p:cNvPr id="19" name="Gruppe 18"/>
-              <p:cNvGrpSpPr/>
-              <p:nvPr/>
-            </p:nvGrpSpPr>
-            <p:grpSpPr>
-              <a:xfrm>
-                <a:off x="5301656" y="3687070"/>
-                <a:ext cx="712256" cy="316256"/>
-                <a:chOff x="5301656" y="3687070"/>
-                <a:chExt cx="712256" cy="316256"/>
-              </a:xfrm>
-            </p:grpSpPr>
-            <p:sp>
-              <p:nvSpPr>
-                <p:cNvPr id="6" name="Avrundet rektangel 5"/>
-                <p:cNvSpPr/>
-                <p:nvPr/>
-              </p:nvSpPr>
-              <p:spPr>
-                <a:xfrm rot="20040000">
-                  <a:off x="5832438" y="3687070"/>
-                  <a:ext cx="181474" cy="150982"/>
-                </a:xfrm>
-                <a:prstGeom prst="roundRect">
-                  <a:avLst/>
-                </a:prstGeom>
-                <a:solidFill>
-                  <a:srgbClr val="979EA6"/>
-                </a:solidFill>
-                <a:ln>
-                  <a:solidFill>
-                    <a:srgbClr val="979EA6"/>
-                  </a:solidFill>
-                </a:ln>
-              </p:spPr>
-              <p:style>
-                <a:lnRef idx="2">
-                  <a:schemeClr val="accent1">
-                    <a:shade val="50000"/>
-                  </a:schemeClr>
-                </a:lnRef>
-                <a:fillRef idx="1">
-                  <a:schemeClr val="accent1"/>
-                </a:fillRef>
-                <a:effectRef idx="0">
-                  <a:schemeClr val="accent1"/>
-                </a:effectRef>
-                <a:fontRef idx="minor">
-                  <a:schemeClr val="lt1"/>
-                </a:fontRef>
-              </p:style>
-              <p:txBody>
-                <a:bodyPr rtlCol="0" anchor="ctr"/>
-                <a:lstStyle/>
-                <a:p>
-                  <a:pPr algn="ctr"/>
-                  <a:endParaRPr lang="nb-NO"/>
-                </a:p>
-              </p:txBody>
-            </p:sp>
-            <p:sp>
-              <p:nvSpPr>
-                <p:cNvPr id="3" name="Avrundet rektangel 2"/>
-                <p:cNvSpPr/>
-                <p:nvPr/>
-              </p:nvSpPr>
-              <p:spPr>
-                <a:xfrm rot="20040000">
-                  <a:off x="5301656" y="3808774"/>
-                  <a:ext cx="654646" cy="194552"/>
-                </a:xfrm>
-                <a:prstGeom prst="roundRect">
-                  <a:avLst/>
-                </a:prstGeom>
-                <a:solidFill>
-                  <a:srgbClr val="7C858E"/>
-                </a:solidFill>
-                <a:ln w="28575">
-                  <a:solidFill>
-                    <a:srgbClr val="979EA6"/>
-                  </a:solidFill>
-                </a:ln>
-              </p:spPr>
-              <p:style>
-                <a:lnRef idx="2">
-                  <a:schemeClr val="accent1">
-                    <a:shade val="50000"/>
-                  </a:schemeClr>
-                </a:lnRef>
-                <a:fillRef idx="1">
-                  <a:schemeClr val="accent1"/>
-                </a:fillRef>
-                <a:effectRef idx="0">
-                  <a:schemeClr val="accent1"/>
-                </a:effectRef>
-                <a:fontRef idx="minor">
-                  <a:schemeClr val="lt1"/>
-                </a:fontRef>
-              </p:style>
-              <p:txBody>
-                <a:bodyPr rtlCol="0" anchor="ctr"/>
-                <a:lstStyle/>
-                <a:p>
-                  <a:pPr algn="ctr"/>
-                  <a:endParaRPr lang="nb-NO"/>
-                </a:p>
-              </p:txBody>
-            </p:sp>
-          </p:grpSp>
-        </p:grpSp>
-      </p:grpSp>
-    </p:spTree>
-    <p:extLst>
-      <p:ext uri="{BB962C8B-B14F-4D97-AF65-F5344CB8AC3E}">
-        <p14:creationId xmlns:p14="http://schemas.microsoft.com/office/powerpoint/2010/main" val="2421291886"/>
       </p:ext>
     </p:extLst>
   </p:cSld>
@@ -26745,21 +26935,6 @@
 </file>
 
 <file path=customXml/item1.xml><?xml version="1.0" encoding="utf-8"?>
-<p:properties xmlns:p="http://schemas.microsoft.com/office/2006/metadata/properties" xmlns:xsi="http://www.w3.org/2001/XMLSchema-instance" xmlns:pc="http://schemas.microsoft.com/office/infopath/2007/PartnerControls">
-  <documentManagement/>
-</p:properties>
-</file>
-
-<file path=customXml/item2.xml><?xml version="1.0" encoding="utf-8"?>
-<?mso-contentType ?>
-<FormTemplates xmlns="http://schemas.microsoft.com/sharepoint/v3/contenttype/forms">
-  <Display>DocumentLibraryForm</Display>
-  <Edit>DocumentLibraryForm</Edit>
-  <New>DocumentLibraryForm</New>
-</FormTemplates>
-</file>
-
-<file path=customXml/item3.xml><?xml version="1.0" encoding="utf-8"?>
 <ct:contentTypeSchema xmlns:ct="http://schemas.microsoft.com/office/2006/metadata/contentType" xmlns:ma="http://schemas.microsoft.com/office/2006/metadata/properties/metaAttributes" ct:_="" ma:_="" ma:contentTypeName="Dokument" ma:contentTypeID="0x0101004E8DCD7061C9614189F6D0F57B1C8645" ma:contentTypeVersion="9" ma:contentTypeDescription="Opprett et nytt dokument." ma:contentTypeScope="" ma:versionID="d59b8845ebd1283ad3bf6a548e8d2471">
   <xsd:schema xmlns:xsd="http://www.w3.org/2001/XMLSchema" xmlns:xs="http://www.w3.org/2001/XMLSchema" xmlns:p="http://schemas.microsoft.com/office/2006/metadata/properties" xmlns:ns3="077b9b9c-7f67-45a8-98b7-b654137cbace" targetNamespace="http://schemas.microsoft.com/office/2006/metadata/properties" ma:root="true" ma:fieldsID="972a228023c3d388b754ae5803fd6dc7" ns3:_="">
     <xsd:import namespace="077b9b9c-7f67-45a8-98b7-b654137cbace"/>
@@ -26937,31 +27112,22 @@
 </ct:contentTypeSchema>
 </file>
 
-<file path=customXml/itemProps1.xml><?xml version="1.0" encoding="utf-8"?>
-<ds:datastoreItem xmlns:ds="http://schemas.openxmlformats.org/officeDocument/2006/customXml" ds:itemID="{7DEC415D-4AD5-4872-9DD1-7B94914CAE4D}">
-  <ds:schemaRefs>
-    <ds:schemaRef ds:uri="http://purl.org/dc/elements/1.1/"/>
-    <ds:schemaRef ds:uri="http://schemas.microsoft.com/office/2006/metadata/properties"/>
-    <ds:schemaRef ds:uri="http://schemas.microsoft.com/office/2006/documentManagement/types"/>
-    <ds:schemaRef ds:uri="http://schemas.openxmlformats.org/package/2006/metadata/core-properties"/>
-    <ds:schemaRef ds:uri="077b9b9c-7f67-45a8-98b7-b654137cbace"/>
-    <ds:schemaRef ds:uri="http://purl.org/dc/dcmitype/"/>
-    <ds:schemaRef ds:uri="http://schemas.microsoft.com/office/infopath/2007/PartnerControls"/>
-    <ds:schemaRef ds:uri="http://www.w3.org/XML/1998/namespace"/>
-    <ds:schemaRef ds:uri="http://purl.org/dc/terms/"/>
-  </ds:schemaRefs>
-</ds:datastoreItem>
+<file path=customXml/item2.xml><?xml version="1.0" encoding="utf-8"?>
+<?mso-contentType ?>
+<FormTemplates xmlns="http://schemas.microsoft.com/sharepoint/v3/contenttype/forms">
+  <Display>DocumentLibraryForm</Display>
+  <Edit>DocumentLibraryForm</Edit>
+  <New>DocumentLibraryForm</New>
+</FormTemplates>
 </file>
 
-<file path=customXml/itemProps2.xml><?xml version="1.0" encoding="utf-8"?>
-<ds:datastoreItem xmlns:ds="http://schemas.openxmlformats.org/officeDocument/2006/customXml" ds:itemID="{4BE7E9B0-0351-4956-BF80-844462B099ED}">
-  <ds:schemaRefs>
-    <ds:schemaRef ds:uri="http://schemas.microsoft.com/sharepoint/v3/contenttype/forms"/>
-  </ds:schemaRefs>
-</ds:datastoreItem>
+<file path=customXml/item3.xml><?xml version="1.0" encoding="utf-8"?>
+<p:properties xmlns:p="http://schemas.microsoft.com/office/2006/metadata/properties" xmlns:xsi="http://www.w3.org/2001/XMLSchema-instance" xmlns:pc="http://schemas.microsoft.com/office/infopath/2007/PartnerControls">
+  <documentManagement/>
+</p:properties>
 </file>
 
-<file path=customXml/itemProps3.xml><?xml version="1.0" encoding="utf-8"?>
+<file path=customXml/itemProps1.xml><?xml version="1.0" encoding="utf-8"?>
 <ds:datastoreItem xmlns:ds="http://schemas.openxmlformats.org/officeDocument/2006/customXml" ds:itemID="{A3A0C07D-31B7-4057-9C9C-1ED42245A98F}">
   <ds:schemaRefs>
     <ds:schemaRef ds:uri="http://schemas.microsoft.com/office/2006/metadata/contentType"/>
@@ -26977,4 +27143,28 @@
     <ds:schemaRef ds:uri="http://schemas.microsoft.com/internal/obd"/>
   </ds:schemaRefs>
 </ds:datastoreItem>
+</file>
+
+<file path=customXml/itemProps2.xml><?xml version="1.0" encoding="utf-8"?>
+<ds:datastoreItem xmlns:ds="http://schemas.openxmlformats.org/officeDocument/2006/customXml" ds:itemID="{4BE7E9B0-0351-4956-BF80-844462B099ED}">
+  <ds:schemaRefs>
+    <ds:schemaRef ds:uri="http://schemas.microsoft.com/sharepoint/v3/contenttype/forms"/>
+  </ds:schemaRefs>
+</ds:datastoreItem>
+</file>
+
+<file path=customXml/itemProps3.xml><?xml version="1.0" encoding="utf-8"?>
+<ds:datastoreItem xmlns:ds="http://schemas.openxmlformats.org/officeDocument/2006/customXml" ds:itemID="{7DEC415D-4AD5-4872-9DD1-7B94914CAE4D}">
+  <ds:schemaRefs>
+    <ds:schemaRef ds:uri="http://purl.org/dc/elements/1.1/"/>
+    <ds:schemaRef ds:uri="http://schemas.microsoft.com/office/2006/metadata/properties"/>
+    <ds:schemaRef ds:uri="http://schemas.microsoft.com/office/2006/documentManagement/types"/>
+    <ds:schemaRef ds:uri="http://schemas.openxmlformats.org/package/2006/metadata/core-properties"/>
+    <ds:schemaRef ds:uri="077b9b9c-7f67-45a8-98b7-b654137cbace"/>
+    <ds:schemaRef ds:uri="http://purl.org/dc/dcmitype/"/>
+    <ds:schemaRef ds:uri="http://schemas.microsoft.com/office/infopath/2007/PartnerControls"/>
+    <ds:schemaRef ds:uri="http://www.w3.org/XML/1998/namespace"/>
+    <ds:schemaRef ds:uri="http://purl.org/dc/terms/"/>
+  </ds:schemaRefs>
+</ds:datastoreItem>
 </file>